--- a/Web/WeChat-Notes.pptx
+++ b/Web/WeChat-Notes.pptx
@@ -9065,6 +9065,13 @@
             <a:r>
               <a:rPr lang="zh-CN" altLang="en-US"/>
               <a:t>https://pay.weixin.qq.com/wiki/doc/api/index.html</a:t>
+            </a:r>
+            <a:endParaRPr lang="zh-CN" altLang="en-US"/>
+          </a:p>
+          <a:p>
+            <a:r>
+              <a:rPr lang="zh-CN" altLang="en-US"/>
+              <a:t>https://www.jianshu.com/p/b017fd6bb908</a:t>
             </a:r>
             <a:endParaRPr lang="zh-CN" altLang="en-US"/>
           </a:p>

--- a/Web/WeChat-Notes.pptx
+++ b/Web/WeChat-Notes.pptx
@@ -5,7 +5,7 @@
     <p:sldMasterId id="2147483648" r:id="rId1"/>
   </p:sldMasterIdLst>
   <p:notesMasterIdLst>
-    <p:notesMasterId r:id="rId27"/>
+    <p:notesMasterId r:id="rId35"/>
   </p:notesMasterIdLst>
   <p:sldIdLst>
     <p:sldId id="256" r:id="rId3"/>
@@ -28,10 +28,18 @@
     <p:sldId id="262" r:id="rId20"/>
     <p:sldId id="275" r:id="rId21"/>
     <p:sldId id="276" r:id="rId22"/>
-    <p:sldId id="277" r:id="rId23"/>
-    <p:sldId id="278" r:id="rId24"/>
-    <p:sldId id="279" r:id="rId25"/>
-    <p:sldId id="274" r:id="rId26"/>
+    <p:sldId id="316" r:id="rId23"/>
+    <p:sldId id="277" r:id="rId24"/>
+    <p:sldId id="278" r:id="rId25"/>
+    <p:sldId id="279" r:id="rId26"/>
+    <p:sldId id="274" r:id="rId27"/>
+    <p:sldId id="317" r:id="rId28"/>
+    <p:sldId id="318" r:id="rId29"/>
+    <p:sldId id="325" r:id="rId30"/>
+    <p:sldId id="326" r:id="rId31"/>
+    <p:sldId id="327" r:id="rId32"/>
+    <p:sldId id="323" r:id="rId33"/>
+    <p:sldId id="324" r:id="rId34"/>
   </p:sldIdLst>
   <p:sldSz cx="12192000" cy="6858000"/>
   <p:notesSz cx="6858000" cy="9144000"/>
@@ -3452,7 +3460,7 @@
             <a:pPr algn="ctr"/>
             <a:r>
               <a:rPr lang="en-US" altLang="zh-CN" smtClean="0"/>
-              <a:t>Last updated: 2020-2-6</a:t>
+              <a:t>Last updated: 2021-3-29</a:t>
             </a:r>
             <a:endParaRPr lang="en-US" altLang="zh-CN" smtClean="0"/>
           </a:p>
@@ -9114,7 +9122,7 @@
           <a:p>
             <a:r>
               <a:rPr lang="en-US" altLang="zh-CN"/>
-              <a:t>Prepare</a:t>
+              <a:t>Concept</a:t>
             </a:r>
             <a:endParaRPr lang="en-US" altLang="zh-CN"/>
           </a:p>
@@ -9122,304 +9130,37 @@
       </p:sp>
       <p:sp>
         <p:nvSpPr>
-          <p:cNvPr id="4" name="流程图: 过程 3"/>
-          <p:cNvSpPr/>
-          <p:nvPr/>
-        </p:nvSpPr>
-        <p:spPr>
-          <a:xfrm>
-            <a:off x="1395095" y="1537970"/>
-            <a:ext cx="3233420" cy="821690"/>
-          </a:xfrm>
-          <a:prstGeom prst="flowChartProcess">
-            <a:avLst/>
-          </a:prstGeom>
-        </p:spPr>
-        <p:style>
-          <a:lnRef idx="2">
-            <a:schemeClr val="accent1">
-              <a:shade val="50000"/>
-            </a:schemeClr>
-          </a:lnRef>
-          <a:fillRef idx="1">
-            <a:schemeClr val="accent1"/>
-          </a:fillRef>
-          <a:effectRef idx="0">
-            <a:schemeClr val="accent1"/>
-          </a:effectRef>
-          <a:fontRef idx="minor">
-            <a:schemeClr val="lt1"/>
-          </a:fontRef>
-        </p:style>
-        <p:txBody>
-          <a:bodyPr rtlCol="0" anchor="ctr"/>
-          <a:p>
-            <a:pPr algn="ctr"/>
+          <p:cNvPr id="3" name="内容占位符 2"/>
+          <p:cNvSpPr>
+            <a:spLocks noGrp="1"/>
+          </p:cNvSpPr>
+          <p:nvPr>
+            <p:ph idx="1"/>
+          </p:nvPr>
+        </p:nvSpPr>
+        <p:spPr/>
+        <p:txBody>
+          <a:bodyPr/>
+          <a:p>
+            <a:r>
+              <a:rPr lang="en-US" altLang="zh-CN"/>
+              <a:t>Info</a:t>
+            </a:r>
+            <a:endParaRPr lang="en-US" altLang="zh-CN"/>
+          </a:p>
+          <a:p>
+            <a:pPr lvl="1"/>
             <a:r>
               <a:rPr lang="zh-CN" altLang="en-US"/>
-              <a:t>在微信公众平台中绑定域名</a:t>
+              <a:t>微信JS-SDK是微信公众平台 面向网页开发者提供的基于微信内的网页开发工具包。</a:t>
             </a:r>
             <a:endParaRPr lang="zh-CN" altLang="en-US"/>
           </a:p>
-        </p:txBody>
-      </p:sp>
-      <p:sp>
-        <p:nvSpPr>
-          <p:cNvPr id="5" name="流程图: 过程 4"/>
-          <p:cNvSpPr/>
-          <p:nvPr/>
-        </p:nvSpPr>
-        <p:spPr>
-          <a:xfrm>
-            <a:off x="1395095" y="2750185"/>
-            <a:ext cx="3233420" cy="821690"/>
-          </a:xfrm>
-          <a:prstGeom prst="flowChartProcess">
-            <a:avLst/>
-          </a:prstGeom>
-        </p:spPr>
-        <p:style>
-          <a:lnRef idx="2">
-            <a:schemeClr val="accent1">
-              <a:shade val="50000"/>
-            </a:schemeClr>
-          </a:lnRef>
-          <a:fillRef idx="1">
-            <a:schemeClr val="accent1"/>
-          </a:fillRef>
-          <a:effectRef idx="0">
-            <a:schemeClr val="accent1"/>
-          </a:effectRef>
-          <a:fontRef idx="minor">
-            <a:schemeClr val="lt1"/>
-          </a:fontRef>
-        </p:style>
-        <p:txBody>
-          <a:bodyPr rtlCol="0" anchor="ctr"/>
-          <a:p>
-            <a:pPr algn="ctr"/>
+          <a:p>
+            <a:pPr lvl="1"/>
             <a:r>
               <a:rPr lang="zh-CN" altLang="en-US"/>
-              <a:t>前端引入相关</a:t>
-            </a:r>
-            <a:r>
-              <a:rPr lang="en-US" altLang="zh-CN"/>
-              <a:t>JS</a:t>
-            </a:r>
-            <a:r>
-              <a:rPr lang="zh-CN" altLang="en-US"/>
-              <a:t>文件</a:t>
-            </a:r>
-            <a:endParaRPr lang="zh-CN" altLang="en-US"/>
-          </a:p>
-        </p:txBody>
-      </p:sp>
-      <p:sp>
-        <p:nvSpPr>
-          <p:cNvPr id="6" name="流程图: 过程 5"/>
-          <p:cNvSpPr/>
-          <p:nvPr/>
-        </p:nvSpPr>
-        <p:spPr>
-          <a:xfrm>
-            <a:off x="1395095" y="4053840"/>
-            <a:ext cx="3233420" cy="821690"/>
-          </a:xfrm>
-          <a:prstGeom prst="flowChartProcess">
-            <a:avLst/>
-          </a:prstGeom>
-        </p:spPr>
-        <p:style>
-          <a:lnRef idx="2">
-            <a:schemeClr val="accent1">
-              <a:shade val="50000"/>
-            </a:schemeClr>
-          </a:lnRef>
-          <a:fillRef idx="1">
-            <a:schemeClr val="accent1"/>
-          </a:fillRef>
-          <a:effectRef idx="0">
-            <a:schemeClr val="accent1"/>
-          </a:effectRef>
-          <a:fontRef idx="minor">
-            <a:schemeClr val="lt1"/>
-          </a:fontRef>
-        </p:style>
-        <p:txBody>
-          <a:bodyPr vertOverflow="overflow" horzOverflow="overflow" vert="horz" wrap="square" numCol="1" spcCol="0" rtlCol="0" fromWordArt="0" anchor="ctr" anchorCtr="0" forceAA="0" compatLnSpc="1">
-            <a:noAutofit/>
-          </a:bodyPr>
-          <a:p>
-            <a:pPr lvl="0" algn="ctr">
-              <a:buClrTx/>
-              <a:buSzTx/>
-              <a:buFontTx/>
-            </a:pPr>
-            <a:r>
-              <a:rPr lang="zh-CN" altLang="en-US">
-                <a:sym typeface="+mn-ea"/>
-              </a:rPr>
-              <a:t>通过config接口注入权限验证配置</a:t>
-            </a:r>
-            <a:endParaRPr lang="zh-CN" altLang="en-US">
-              <a:sym typeface="+mn-ea"/>
-            </a:endParaRPr>
-          </a:p>
-        </p:txBody>
-      </p:sp>
-      <p:cxnSp>
-        <p:nvCxnSpPr>
-          <p:cNvPr id="7" name="直接箭头连接符 6"/>
-          <p:cNvCxnSpPr>
-            <a:stCxn id="4" idx="2"/>
-            <a:endCxn id="5" idx="0"/>
-          </p:cNvCxnSpPr>
-          <p:nvPr/>
-        </p:nvCxnSpPr>
-        <p:spPr>
-          <a:xfrm>
-            <a:off x="3011805" y="2359660"/>
-            <a:ext cx="0" cy="390525"/>
-          </a:xfrm>
-          <a:prstGeom prst="straightConnector1">
-            <a:avLst/>
-          </a:prstGeom>
-          <a:ln>
-            <a:tailEnd type="arrow"/>
-          </a:ln>
-        </p:spPr>
-        <p:style>
-          <a:lnRef idx="1">
-            <a:schemeClr val="accent1"/>
-          </a:lnRef>
-          <a:fillRef idx="0">
-            <a:schemeClr val="accent1"/>
-          </a:fillRef>
-          <a:effectRef idx="0">
-            <a:schemeClr val="accent1"/>
-          </a:effectRef>
-          <a:fontRef idx="minor">
-            <a:schemeClr val="tx1"/>
-          </a:fontRef>
-        </p:style>
-      </p:cxnSp>
-      <p:cxnSp>
-        <p:nvCxnSpPr>
-          <p:cNvPr id="8" name="直接箭头连接符 7"/>
-          <p:cNvCxnSpPr>
-            <a:stCxn id="5" idx="2"/>
-            <a:endCxn id="6" idx="0"/>
-          </p:cNvCxnSpPr>
-          <p:nvPr/>
-        </p:nvCxnSpPr>
-        <p:spPr>
-          <a:xfrm>
-            <a:off x="3011805" y="3571875"/>
-            <a:ext cx="0" cy="481965"/>
-          </a:xfrm>
-          <a:prstGeom prst="straightConnector1">
-            <a:avLst/>
-          </a:prstGeom>
-          <a:ln>
-            <a:tailEnd type="arrow"/>
-          </a:ln>
-        </p:spPr>
-        <p:style>
-          <a:lnRef idx="1">
-            <a:schemeClr val="accent1"/>
-          </a:lnRef>
-          <a:fillRef idx="0">
-            <a:schemeClr val="accent1"/>
-          </a:fillRef>
-          <a:effectRef idx="0">
-            <a:schemeClr val="accent1"/>
-          </a:effectRef>
-          <a:fontRef idx="minor">
-            <a:schemeClr val="tx1"/>
-          </a:fontRef>
-        </p:style>
-      </p:cxnSp>
-      <p:sp>
-        <p:nvSpPr>
-          <p:cNvPr id="11" name="圆角矩形 10"/>
-          <p:cNvSpPr/>
-          <p:nvPr/>
-        </p:nvSpPr>
-        <p:spPr>
-          <a:xfrm>
-            <a:off x="8370570" y="2972435"/>
-            <a:ext cx="1629410" cy="573405"/>
-          </a:xfrm>
-          <a:prstGeom prst="roundRect">
-            <a:avLst/>
-          </a:prstGeom>
-        </p:spPr>
-        <p:style>
-          <a:lnRef idx="2">
-            <a:schemeClr val="accent1">
-              <a:shade val="50000"/>
-            </a:schemeClr>
-          </a:lnRef>
-          <a:fillRef idx="1">
-            <a:schemeClr val="accent1"/>
-          </a:fillRef>
-          <a:effectRef idx="0">
-            <a:schemeClr val="accent1"/>
-          </a:effectRef>
-          <a:fontRef idx="minor">
-            <a:schemeClr val="lt1"/>
-          </a:fontRef>
-        </p:style>
-        <p:txBody>
-          <a:bodyPr rtlCol="0" anchor="ctr"/>
-          <a:p>
-            <a:pPr algn="ctr"/>
-            <a:r>
-              <a:rPr lang="zh-CN" altLang="en-US"/>
-              <a:t>分享好友</a:t>
-            </a:r>
-            <a:endParaRPr lang="zh-CN" altLang="en-US"/>
-          </a:p>
-        </p:txBody>
-      </p:sp>
-      <p:sp>
-        <p:nvSpPr>
-          <p:cNvPr id="12" name="圆角矩形 11"/>
-          <p:cNvSpPr/>
-          <p:nvPr/>
-        </p:nvSpPr>
-        <p:spPr>
-          <a:xfrm>
-            <a:off x="8370570" y="5554345"/>
-            <a:ext cx="1629410" cy="573405"/>
-          </a:xfrm>
-          <a:prstGeom prst="roundRect">
-            <a:avLst/>
-          </a:prstGeom>
-        </p:spPr>
-        <p:style>
-          <a:lnRef idx="2">
-            <a:schemeClr val="accent1">
-              <a:shade val="50000"/>
-            </a:schemeClr>
-          </a:lnRef>
-          <a:fillRef idx="1">
-            <a:schemeClr val="accent1"/>
-          </a:fillRef>
-          <a:effectRef idx="0">
-            <a:schemeClr val="accent1"/>
-          </a:effectRef>
-          <a:fontRef idx="minor">
-            <a:schemeClr val="lt1"/>
-          </a:fontRef>
-        </p:style>
-        <p:txBody>
-          <a:bodyPr rtlCol="0" anchor="ctr"/>
-          <a:p>
-            <a:pPr algn="ctr"/>
-            <a:r>
-              <a:rPr lang="zh-CN" altLang="en-US"/>
-              <a:t>分享朋友圈</a:t>
+              <a:t>通过使用微信JS-SDK，网页开发者可借助微信高效地使用拍照、选图、语音、位置等手机系统的能力，同时可以直接使用微信分享、扫一扫、卡券、支付等微信特有的能力，为微信用户提供更优质的网页体验。</a:t>
             </a:r>
             <a:endParaRPr lang="zh-CN" altLang="en-US"/>
           </a:p>
@@ -9462,63 +9203,320 @@
           <a:p>
             <a:r>
               <a:rPr lang="en-US" altLang="zh-CN"/>
-              <a:t>Share</a:t>
+              <a:t>Prepare</a:t>
             </a:r>
             <a:endParaRPr lang="en-US" altLang="zh-CN"/>
           </a:p>
         </p:txBody>
       </p:sp>
-      <p:pic>
-        <p:nvPicPr>
-          <p:cNvPr id="9" name="图片 8"/>
-          <p:cNvPicPr>
-            <a:picLocks noChangeAspect="1"/>
-          </p:cNvPicPr>
+      <p:sp>
+        <p:nvSpPr>
+          <p:cNvPr id="4" name="流程图: 过程 3"/>
+          <p:cNvSpPr/>
           <p:nvPr/>
-        </p:nvPicPr>
-        <p:blipFill>
-          <a:blip r:embed="rId1"/>
-          <a:stretch>
-            <a:fillRect/>
-          </a:stretch>
-        </p:blipFill>
-        <p:spPr>
-          <a:xfrm>
-            <a:off x="1984375" y="1122045"/>
-            <a:ext cx="6305550" cy="2552700"/>
-          </a:xfrm>
-          <a:prstGeom prst="rect">
+        </p:nvSpPr>
+        <p:spPr>
+          <a:xfrm>
+            <a:off x="1395095" y="1537970"/>
+            <a:ext cx="3233420" cy="821690"/>
+          </a:xfrm>
+          <a:prstGeom prst="flowChartProcess">
             <a:avLst/>
           </a:prstGeom>
         </p:spPr>
-      </p:pic>
-      <p:pic>
-        <p:nvPicPr>
-          <p:cNvPr id="10" name="图片 9"/>
-          <p:cNvPicPr>
-            <a:picLocks noChangeAspect="1"/>
-          </p:cNvPicPr>
+        <p:style>
+          <a:lnRef idx="2">
+            <a:schemeClr val="accent1">
+              <a:shade val="50000"/>
+            </a:schemeClr>
+          </a:lnRef>
+          <a:fillRef idx="1">
+            <a:schemeClr val="accent1"/>
+          </a:fillRef>
+          <a:effectRef idx="0">
+            <a:schemeClr val="accent1"/>
+          </a:effectRef>
+          <a:fontRef idx="minor">
+            <a:schemeClr val="lt1"/>
+          </a:fontRef>
+        </p:style>
+        <p:txBody>
+          <a:bodyPr rtlCol="0" anchor="ctr"/>
+          <a:p>
+            <a:pPr algn="ctr"/>
+            <a:r>
+              <a:rPr lang="zh-CN" altLang="en-US"/>
+              <a:t>在微信公众平台中绑定域名</a:t>
+            </a:r>
+            <a:endParaRPr lang="zh-CN" altLang="en-US"/>
+          </a:p>
+        </p:txBody>
+      </p:sp>
+      <p:sp>
+        <p:nvSpPr>
+          <p:cNvPr id="5" name="流程图: 过程 4"/>
+          <p:cNvSpPr/>
           <p:nvPr/>
-        </p:nvPicPr>
-        <p:blipFill>
-          <a:blip r:embed="rId2"/>
-          <a:stretch>
-            <a:fillRect/>
-          </a:stretch>
-        </p:blipFill>
-        <p:spPr>
-          <a:xfrm>
-            <a:off x="1984375" y="4001135"/>
-            <a:ext cx="6267450" cy="2333625"/>
-          </a:xfrm>
-          <a:prstGeom prst="rect">
+        </p:nvSpPr>
+        <p:spPr>
+          <a:xfrm>
+            <a:off x="1395095" y="2750185"/>
+            <a:ext cx="3233420" cy="821690"/>
+          </a:xfrm>
+          <a:prstGeom prst="flowChartProcess">
             <a:avLst/>
           </a:prstGeom>
         </p:spPr>
-      </p:pic>
+        <p:style>
+          <a:lnRef idx="2">
+            <a:schemeClr val="accent1">
+              <a:shade val="50000"/>
+            </a:schemeClr>
+          </a:lnRef>
+          <a:fillRef idx="1">
+            <a:schemeClr val="accent1"/>
+          </a:fillRef>
+          <a:effectRef idx="0">
+            <a:schemeClr val="accent1"/>
+          </a:effectRef>
+          <a:fontRef idx="minor">
+            <a:schemeClr val="lt1"/>
+          </a:fontRef>
+        </p:style>
+        <p:txBody>
+          <a:bodyPr rtlCol="0" anchor="ctr"/>
+          <a:p>
+            <a:pPr algn="ctr"/>
+            <a:r>
+              <a:rPr lang="zh-CN" altLang="en-US"/>
+              <a:t>前端引入相关</a:t>
+            </a:r>
+            <a:r>
+              <a:rPr lang="en-US" altLang="zh-CN"/>
+              <a:t>JS</a:t>
+            </a:r>
+            <a:r>
+              <a:rPr lang="zh-CN" altLang="en-US"/>
+              <a:t>文件</a:t>
+            </a:r>
+            <a:endParaRPr lang="zh-CN" altLang="en-US"/>
+          </a:p>
+        </p:txBody>
+      </p:sp>
+      <p:sp>
+        <p:nvSpPr>
+          <p:cNvPr id="6" name="流程图: 过程 5"/>
+          <p:cNvSpPr/>
+          <p:nvPr/>
+        </p:nvSpPr>
+        <p:spPr>
+          <a:xfrm>
+            <a:off x="1395095" y="4053840"/>
+            <a:ext cx="3233420" cy="821690"/>
+          </a:xfrm>
+          <a:prstGeom prst="flowChartProcess">
+            <a:avLst/>
+          </a:prstGeom>
+        </p:spPr>
+        <p:style>
+          <a:lnRef idx="2">
+            <a:schemeClr val="accent1">
+              <a:shade val="50000"/>
+            </a:schemeClr>
+          </a:lnRef>
+          <a:fillRef idx="1">
+            <a:schemeClr val="accent1"/>
+          </a:fillRef>
+          <a:effectRef idx="0">
+            <a:schemeClr val="accent1"/>
+          </a:effectRef>
+          <a:fontRef idx="minor">
+            <a:schemeClr val="lt1"/>
+          </a:fontRef>
+        </p:style>
+        <p:txBody>
+          <a:bodyPr vertOverflow="overflow" horzOverflow="overflow" vert="horz" wrap="square" numCol="1" spcCol="0" rtlCol="0" fromWordArt="0" anchor="ctr" anchorCtr="0" forceAA="0" compatLnSpc="1">
+            <a:noAutofit/>
+          </a:bodyPr>
+          <a:p>
+            <a:pPr lvl="0" algn="ctr">
+              <a:buClrTx/>
+              <a:buSzTx/>
+              <a:buFontTx/>
+            </a:pPr>
+            <a:r>
+              <a:rPr lang="zh-CN" altLang="en-US">
+                <a:sym typeface="+mn-ea"/>
+              </a:rPr>
+              <a:t>通过config接口注入权限验证配置</a:t>
+            </a:r>
+            <a:endParaRPr lang="zh-CN" altLang="en-US">
+              <a:sym typeface="+mn-ea"/>
+            </a:endParaRPr>
+          </a:p>
+        </p:txBody>
+      </p:sp>
+      <p:cxnSp>
+        <p:nvCxnSpPr>
+          <p:cNvPr id="7" name="直接箭头连接符 6"/>
+          <p:cNvCxnSpPr>
+            <a:stCxn id="4" idx="2"/>
+            <a:endCxn id="5" idx="0"/>
+          </p:cNvCxnSpPr>
+          <p:nvPr/>
+        </p:nvCxnSpPr>
+        <p:spPr>
+          <a:xfrm>
+            <a:off x="3011805" y="2359660"/>
+            <a:ext cx="0" cy="390525"/>
+          </a:xfrm>
+          <a:prstGeom prst="straightConnector1">
+            <a:avLst/>
+          </a:prstGeom>
+          <a:ln>
+            <a:tailEnd type="arrow"/>
+          </a:ln>
+        </p:spPr>
+        <p:style>
+          <a:lnRef idx="1">
+            <a:schemeClr val="accent1"/>
+          </a:lnRef>
+          <a:fillRef idx="0">
+            <a:schemeClr val="accent1"/>
+          </a:fillRef>
+          <a:effectRef idx="0">
+            <a:schemeClr val="accent1"/>
+          </a:effectRef>
+          <a:fontRef idx="minor">
+            <a:schemeClr val="tx1"/>
+          </a:fontRef>
+        </p:style>
+      </p:cxnSp>
+      <p:cxnSp>
+        <p:nvCxnSpPr>
+          <p:cNvPr id="8" name="直接箭头连接符 7"/>
+          <p:cNvCxnSpPr>
+            <a:stCxn id="5" idx="2"/>
+            <a:endCxn id="6" idx="0"/>
+          </p:cNvCxnSpPr>
+          <p:nvPr/>
+        </p:nvCxnSpPr>
+        <p:spPr>
+          <a:xfrm>
+            <a:off x="3011805" y="3571875"/>
+            <a:ext cx="0" cy="481965"/>
+          </a:xfrm>
+          <a:prstGeom prst="straightConnector1">
+            <a:avLst/>
+          </a:prstGeom>
+          <a:ln>
+            <a:tailEnd type="arrow"/>
+          </a:ln>
+        </p:spPr>
+        <p:style>
+          <a:lnRef idx="1">
+            <a:schemeClr val="accent1"/>
+          </a:lnRef>
+          <a:fillRef idx="0">
+            <a:schemeClr val="accent1"/>
+          </a:fillRef>
+          <a:effectRef idx="0">
+            <a:schemeClr val="accent1"/>
+          </a:effectRef>
+          <a:fontRef idx="minor">
+            <a:schemeClr val="tx1"/>
+          </a:fontRef>
+        </p:style>
+      </p:cxnSp>
+      <p:sp>
+        <p:nvSpPr>
+          <p:cNvPr id="11" name="圆角矩形 10"/>
+          <p:cNvSpPr/>
+          <p:nvPr/>
+        </p:nvSpPr>
+        <p:spPr>
+          <a:xfrm>
+            <a:off x="8370570" y="2972435"/>
+            <a:ext cx="1629410" cy="573405"/>
+          </a:xfrm>
+          <a:prstGeom prst="roundRect">
+            <a:avLst/>
+          </a:prstGeom>
+        </p:spPr>
+        <p:style>
+          <a:lnRef idx="2">
+            <a:schemeClr val="accent1">
+              <a:shade val="50000"/>
+            </a:schemeClr>
+          </a:lnRef>
+          <a:fillRef idx="1">
+            <a:schemeClr val="accent1"/>
+          </a:fillRef>
+          <a:effectRef idx="0">
+            <a:schemeClr val="accent1"/>
+          </a:effectRef>
+          <a:fontRef idx="minor">
+            <a:schemeClr val="lt1"/>
+          </a:fontRef>
+        </p:style>
+        <p:txBody>
+          <a:bodyPr rtlCol="0" anchor="ctr"/>
+          <a:p>
+            <a:pPr algn="ctr"/>
+            <a:r>
+              <a:rPr lang="zh-CN" altLang="en-US"/>
+              <a:t>分享好友</a:t>
+            </a:r>
+            <a:endParaRPr lang="zh-CN" altLang="en-US"/>
+          </a:p>
+        </p:txBody>
+      </p:sp>
+      <p:sp>
+        <p:nvSpPr>
+          <p:cNvPr id="12" name="圆角矩形 11"/>
+          <p:cNvSpPr/>
+          <p:nvPr/>
+        </p:nvSpPr>
+        <p:spPr>
+          <a:xfrm>
+            <a:off x="8370570" y="5554345"/>
+            <a:ext cx="1629410" cy="573405"/>
+          </a:xfrm>
+          <a:prstGeom prst="roundRect">
+            <a:avLst/>
+          </a:prstGeom>
+        </p:spPr>
+        <p:style>
+          <a:lnRef idx="2">
+            <a:schemeClr val="accent1">
+              <a:shade val="50000"/>
+            </a:schemeClr>
+          </a:lnRef>
+          <a:fillRef idx="1">
+            <a:schemeClr val="accent1"/>
+          </a:fillRef>
+          <a:effectRef idx="0">
+            <a:schemeClr val="accent1"/>
+          </a:effectRef>
+          <a:fontRef idx="minor">
+            <a:schemeClr val="lt1"/>
+          </a:fontRef>
+        </p:style>
+        <p:txBody>
+          <a:bodyPr rtlCol="0" anchor="ctr"/>
+          <a:p>
+            <a:pPr algn="ctr"/>
+            <a:r>
+              <a:rPr lang="zh-CN" altLang="en-US"/>
+              <a:t>分享朋友圈</a:t>
+            </a:r>
+            <a:endParaRPr lang="zh-CN" altLang="en-US"/>
+          </a:p>
+        </p:txBody>
+      </p:sp>
     </p:spTree>
     <p:custDataLst>
-      <p:tags r:id="rId3"/>
+      <p:tags r:id="rId1"/>
     </p:custDataLst>
   </p:cSld>
   <p:clrMapOvr>
@@ -9553,7 +9551,7 @@
           <a:p>
             <a:r>
               <a:rPr lang="en-US" altLang="zh-CN"/>
-              <a:t>Pay</a:t>
+              <a:t>Share</a:t>
             </a:r>
             <a:endParaRPr lang="en-US" altLang="zh-CN"/>
           </a:p>
@@ -9561,7 +9559,7 @@
       </p:sp>
       <p:pic>
         <p:nvPicPr>
-          <p:cNvPr id="7" name="图片 6" descr="chapter6_4_1"/>
+          <p:cNvPr id="9" name="图片 8"/>
           <p:cNvPicPr>
             <a:picLocks noChangeAspect="1"/>
           </p:cNvPicPr>
@@ -9575,60 +9573,41 @@
         </p:blipFill>
         <p:spPr>
           <a:xfrm>
-            <a:off x="1200150" y="1088390"/>
-            <a:ext cx="5018405" cy="5445125"/>
+            <a:off x="1984375" y="1122045"/>
+            <a:ext cx="6305550" cy="2552700"/>
           </a:xfrm>
           <a:prstGeom prst="rect">
             <a:avLst/>
           </a:prstGeom>
         </p:spPr>
       </p:pic>
-      <p:sp>
-        <p:nvSpPr>
-          <p:cNvPr id="8" name="圆角矩形 7"/>
-          <p:cNvSpPr/>
+      <p:pic>
+        <p:nvPicPr>
+          <p:cNvPr id="10" name="图片 9"/>
+          <p:cNvPicPr>
+            <a:picLocks noChangeAspect="1"/>
+          </p:cNvPicPr>
           <p:nvPr/>
-        </p:nvSpPr>
-        <p:spPr>
-          <a:xfrm>
-            <a:off x="1421765" y="5501005"/>
-            <a:ext cx="1369060" cy="574040"/>
-          </a:xfrm>
-          <a:prstGeom prst="roundRect">
+        </p:nvPicPr>
+        <p:blipFill>
+          <a:blip r:embed="rId2"/>
+          <a:stretch>
+            <a:fillRect/>
+          </a:stretch>
+        </p:blipFill>
+        <p:spPr>
+          <a:xfrm>
+            <a:off x="1984375" y="4001135"/>
+            <a:ext cx="6267450" cy="2333625"/>
+          </a:xfrm>
+          <a:prstGeom prst="rect">
             <a:avLst/>
           </a:prstGeom>
         </p:spPr>
-        <p:style>
-          <a:lnRef idx="2">
-            <a:schemeClr val="accent1">
-              <a:shade val="50000"/>
-            </a:schemeClr>
-          </a:lnRef>
-          <a:fillRef idx="1">
-            <a:schemeClr val="accent1"/>
-          </a:fillRef>
-          <a:effectRef idx="0">
-            <a:schemeClr val="accent1"/>
-          </a:effectRef>
-          <a:fontRef idx="minor">
-            <a:schemeClr val="lt1"/>
-          </a:fontRef>
-        </p:style>
-        <p:txBody>
-          <a:bodyPr rtlCol="0" anchor="ctr"/>
-          <a:p>
-            <a:pPr algn="ctr"/>
-            <a:r>
-              <a:rPr lang="zh-CN" altLang="en-US"/>
-              <a:t>扫码支付</a:t>
-            </a:r>
-            <a:endParaRPr lang="zh-CN" altLang="en-US"/>
-          </a:p>
-        </p:txBody>
-      </p:sp>
+      </p:pic>
     </p:spTree>
     <p:custDataLst>
-      <p:tags r:id="rId2"/>
+      <p:tags r:id="rId3"/>
     </p:custDataLst>
   </p:cSld>
   <p:clrMapOvr>
@@ -9663,24 +9642,48 @@
           <a:p>
             <a:r>
               <a:rPr lang="en-US" altLang="zh-CN"/>
-              <a:t>JSSDK</a:t>
+              <a:t>Pay</a:t>
             </a:r>
             <a:endParaRPr lang="en-US" altLang="zh-CN"/>
           </a:p>
         </p:txBody>
       </p:sp>
-      <p:sp>
-        <p:nvSpPr>
-          <p:cNvPr id="4" name="流程图: 过程 3"/>
+      <p:pic>
+        <p:nvPicPr>
+          <p:cNvPr id="7" name="图片 6" descr="chapter6_4_1"/>
+          <p:cNvPicPr>
+            <a:picLocks noChangeAspect="1"/>
+          </p:cNvPicPr>
+          <p:nvPr/>
+        </p:nvPicPr>
+        <p:blipFill>
+          <a:blip r:embed="rId1"/>
+          <a:stretch>
+            <a:fillRect/>
+          </a:stretch>
+        </p:blipFill>
+        <p:spPr>
+          <a:xfrm>
+            <a:off x="1200150" y="1088390"/>
+            <a:ext cx="5018405" cy="5445125"/>
+          </a:xfrm>
+          <a:prstGeom prst="rect">
+            <a:avLst/>
+          </a:prstGeom>
+        </p:spPr>
+      </p:pic>
+      <p:sp>
+        <p:nvSpPr>
+          <p:cNvPr id="8" name="圆角矩形 7"/>
           <p:cNvSpPr/>
           <p:nvPr/>
         </p:nvSpPr>
         <p:spPr>
           <a:xfrm>
-            <a:off x="1043305" y="1485900"/>
-            <a:ext cx="5084445" cy="886460"/>
-          </a:xfrm>
-          <a:prstGeom prst="flowChartProcess">
+            <a:off x="1421765" y="5501005"/>
+            <a:ext cx="1369060" cy="574040"/>
+          </a:xfrm>
+          <a:prstGeom prst="roundRect">
             <a:avLst/>
           </a:prstGeom>
         </p:spPr>
@@ -9706,34 +9709,65 @@
             <a:pPr algn="ctr"/>
             <a:r>
               <a:rPr lang="zh-CN" altLang="en-US"/>
-              <a:t>获取</a:t>
-            </a:r>
-            <a:r>
-              <a:rPr lang="en-US" altLang="zh-CN"/>
-              <a:t>access token</a:t>
+              <a:t>扫码支付</a:t>
+            </a:r>
+            <a:endParaRPr lang="zh-CN" altLang="en-US"/>
+          </a:p>
+        </p:txBody>
+      </p:sp>
+    </p:spTree>
+    <p:custDataLst>
+      <p:tags r:id="rId2"/>
+    </p:custDataLst>
+  </p:cSld>
+  <p:clrMapOvr>
+    <a:masterClrMapping/>
+  </p:clrMapOvr>
+</p:sld>
+</file>
+
+<file path=ppt/slides/slide25.xml><?xml version="1.0" encoding="utf-8"?>
+<p:sld xmlns:a="http://schemas.openxmlformats.org/drawingml/2006/main" xmlns:r="http://schemas.openxmlformats.org/officeDocument/2006/relationships" xmlns:p="http://schemas.openxmlformats.org/presentationml/2006/main">
+  <p:cSld>
+    <p:spTree>
+      <p:nvGrpSpPr>
+        <p:cNvPr id="1" name=""/>
+        <p:cNvGrpSpPr/>
+        <p:nvPr/>
+      </p:nvGrpSpPr>
+      <p:grpSpPr/>
+      <p:sp>
+        <p:nvSpPr>
+          <p:cNvPr id="2" name="标题 1"/>
+          <p:cNvSpPr>
+            <a:spLocks noGrp="1"/>
+          </p:cNvSpPr>
+          <p:nvPr>
+            <p:ph type="title"/>
+          </p:nvPr>
+        </p:nvSpPr>
+        <p:spPr/>
+        <p:txBody>
+          <a:bodyPr/>
+          <a:p>
+            <a:r>
+              <a:rPr lang="en-US" altLang="zh-CN"/>
+              <a:t>JSSDK</a:t>
             </a:r>
             <a:endParaRPr lang="en-US" altLang="zh-CN"/>
           </a:p>
-          <a:p>
-            <a:pPr algn="ctr"/>
-            <a:r>
-              <a:rPr lang="en-US" altLang="zh-CN"/>
-              <a:t>https://developers.weixin.qq.com/doc/offiaccount/Basic_Information/Get_access_token.html</a:t>
-            </a:r>
-            <a:endParaRPr lang="en-US" altLang="zh-CN"/>
-          </a:p>
-        </p:txBody>
-      </p:sp>
-      <p:sp>
-        <p:nvSpPr>
-          <p:cNvPr id="5" name="流程图: 过程 4"/>
+        </p:txBody>
+      </p:sp>
+      <p:sp>
+        <p:nvSpPr>
+          <p:cNvPr id="4" name="流程图: 过程 3"/>
           <p:cNvSpPr/>
           <p:nvPr/>
         </p:nvSpPr>
         <p:spPr>
           <a:xfrm>
-            <a:off x="1029970" y="2815590"/>
-            <a:ext cx="5084445" cy="1133475"/>
+            <a:off x="1043305" y="1485900"/>
+            <a:ext cx="5084445" cy="886460"/>
           </a:xfrm>
           <a:prstGeom prst="flowChartProcess">
             <a:avLst/>
@@ -9765,7 +9799,7 @@
             </a:r>
             <a:r>
               <a:rPr lang="en-US" altLang="zh-CN"/>
-              <a:t>jsapi ticket</a:t>
+              <a:t>access token</a:t>
             </a:r>
             <a:endParaRPr lang="en-US" altLang="zh-CN"/>
           </a:p>
@@ -9773,7 +9807,7 @@
             <a:pPr algn="ctr"/>
             <a:r>
               <a:rPr lang="en-US" altLang="zh-CN"/>
-              <a:t>https://api.weixin.qq.com/cgi-bin/ticket/getticket?access_token=ACCESS_TOKEN&amp;type=jsapi</a:t>
+              <a:t>https://developers.weixin.qq.com/doc/offiaccount/Basic_Information/Get_access_token.html</a:t>
             </a:r>
             <a:endParaRPr lang="en-US" altLang="zh-CN"/>
           </a:p>
@@ -9781,13 +9815,13 @@
       </p:sp>
       <p:sp>
         <p:nvSpPr>
-          <p:cNvPr id="6" name="流程图: 过程 5"/>
+          <p:cNvPr id="5" name="流程图: 过程 4"/>
           <p:cNvSpPr/>
           <p:nvPr/>
         </p:nvSpPr>
         <p:spPr>
           <a:xfrm>
-            <a:off x="1043305" y="4262755"/>
+            <a:off x="1029970" y="2815590"/>
             <a:ext cx="5084445" cy="1133475"/>
           </a:xfrm>
           <a:prstGeom prst="flowChartProcess">
@@ -9816,6 +9850,61 @@
             <a:pPr algn="ctr"/>
             <a:r>
               <a:rPr lang="zh-CN" altLang="en-US"/>
+              <a:t>获取</a:t>
+            </a:r>
+            <a:r>
+              <a:rPr lang="en-US" altLang="zh-CN"/>
+              <a:t>jsapi ticket</a:t>
+            </a:r>
+            <a:endParaRPr lang="en-US" altLang="zh-CN"/>
+          </a:p>
+          <a:p>
+            <a:pPr algn="ctr"/>
+            <a:r>
+              <a:rPr lang="en-US" altLang="zh-CN"/>
+              <a:t>https://api.weixin.qq.com/cgi-bin/ticket/getticket?access_token=ACCESS_TOKEN&amp;type=jsapi</a:t>
+            </a:r>
+            <a:endParaRPr lang="en-US" altLang="zh-CN"/>
+          </a:p>
+        </p:txBody>
+      </p:sp>
+      <p:sp>
+        <p:nvSpPr>
+          <p:cNvPr id="6" name="流程图: 过程 5"/>
+          <p:cNvSpPr/>
+          <p:nvPr/>
+        </p:nvSpPr>
+        <p:spPr>
+          <a:xfrm>
+            <a:off x="1043305" y="4262755"/>
+            <a:ext cx="5084445" cy="1133475"/>
+          </a:xfrm>
+          <a:prstGeom prst="flowChartProcess">
+            <a:avLst/>
+          </a:prstGeom>
+        </p:spPr>
+        <p:style>
+          <a:lnRef idx="2">
+            <a:schemeClr val="accent1">
+              <a:shade val="50000"/>
+            </a:schemeClr>
+          </a:lnRef>
+          <a:fillRef idx="1">
+            <a:schemeClr val="accent1"/>
+          </a:fillRef>
+          <a:effectRef idx="0">
+            <a:schemeClr val="accent1"/>
+          </a:effectRef>
+          <a:fontRef idx="minor">
+            <a:schemeClr val="lt1"/>
+          </a:fontRef>
+        </p:style>
+        <p:txBody>
+          <a:bodyPr rtlCol="0" anchor="ctr"/>
+          <a:p>
+            <a:pPr algn="ctr"/>
+            <a:r>
+              <a:rPr lang="zh-CN" altLang="en-US"/>
               <a:t>签名</a:t>
             </a:r>
             <a:endParaRPr lang="zh-CN" altLang="en-US"/>
@@ -9909,6 +9998,727 @@
     </p:spTree>
     <p:custDataLst>
       <p:tags r:id="rId1"/>
+    </p:custDataLst>
+  </p:cSld>
+  <p:clrMapOvr>
+    <a:masterClrMapping/>
+  </p:clrMapOvr>
+</p:sld>
+</file>
+
+<file path=ppt/slides/slide26.xml><?xml version="1.0" encoding="utf-8"?>
+<p:sld xmlns:a="http://schemas.openxmlformats.org/drawingml/2006/main" xmlns:r="http://schemas.openxmlformats.org/officeDocument/2006/relationships" xmlns:p="http://schemas.openxmlformats.org/presentationml/2006/main">
+  <p:cSld>
+    <p:spTree>
+      <p:nvGrpSpPr>
+        <p:cNvPr id="1" name=""/>
+        <p:cNvGrpSpPr/>
+        <p:nvPr/>
+      </p:nvGrpSpPr>
+      <p:grpSpPr/>
+      <p:sp>
+        <p:nvSpPr>
+          <p:cNvPr id="2" name="标题 1"/>
+          <p:cNvSpPr>
+            <a:spLocks noGrp="1"/>
+          </p:cNvSpPr>
+          <p:nvPr>
+            <p:ph type="title"/>
+          </p:nvPr>
+        </p:nvSpPr>
+        <p:spPr/>
+        <p:txBody>
+          <a:bodyPr/>
+          <a:p>
+            <a:r>
+              <a:rPr lang="zh-CN" altLang="en-US"/>
+              <a:t>公众号获取</a:t>
+            </a:r>
+            <a:r>
+              <a:rPr lang="en-US" altLang="zh-CN"/>
+              <a:t>openid</a:t>
+            </a:r>
+            <a:endParaRPr lang="en-US" altLang="zh-CN"/>
+          </a:p>
+        </p:txBody>
+      </p:sp>
+      <p:sp>
+        <p:nvSpPr>
+          <p:cNvPr id="3" name="内容占位符 2"/>
+          <p:cNvSpPr>
+            <a:spLocks noGrp="1"/>
+          </p:cNvSpPr>
+          <p:nvPr>
+            <p:ph idx="1"/>
+          </p:nvPr>
+        </p:nvSpPr>
+        <p:spPr/>
+        <p:txBody>
+          <a:bodyPr>
+            <a:normAutofit lnSpcReduction="10000"/>
+          </a:bodyPr>
+          <a:p>
+            <a:r>
+              <a:rPr lang="zh-CN" altLang="en-US"/>
+              <a:t>步骤</a:t>
+            </a:r>
+            <a:endParaRPr lang="zh-CN" altLang="en-US"/>
+          </a:p>
+          <a:p>
+            <a:pPr lvl="1"/>
+            <a:r>
+              <a:rPr lang="zh-CN" altLang="en-US"/>
+              <a:t>参考</a:t>
+            </a:r>
+            <a:endParaRPr lang="zh-CN" altLang="en-US"/>
+          </a:p>
+          <a:p>
+            <a:pPr lvl="2"/>
+            <a:r>
+              <a:rPr lang="zh-CN" altLang="en-US"/>
+              <a:t>https://developers.weixin.qq.com/doc/offiaccount/OA_Web_Apps/Wechat_webpage_authorization.html</a:t>
+            </a:r>
+            <a:endParaRPr lang="zh-CN" altLang="en-US"/>
+          </a:p>
+          <a:p>
+            <a:pPr lvl="1"/>
+            <a:r>
+              <a:rPr lang="zh-CN" altLang="en-US"/>
+              <a:t>获取</a:t>
+            </a:r>
+            <a:r>
+              <a:rPr lang="en-US" altLang="zh-CN"/>
+              <a:t>code</a:t>
+            </a:r>
+            <a:endParaRPr lang="en-US" altLang="zh-CN"/>
+          </a:p>
+          <a:p>
+            <a:pPr lvl="2"/>
+            <a:r>
+              <a:rPr lang="en-US" altLang="zh-CN"/>
+              <a:t>https://open.weixin.qq.com/connect/oauth2/authorize?appid=APPID&amp;redirect_uri=REDIRECT_URI&amp;response_type=code&amp;scope=SCOPE&amp;state=STATE#wechat_redirect</a:t>
+            </a:r>
+            <a:endParaRPr lang="en-US" altLang="zh-CN"/>
+          </a:p>
+          <a:p>
+            <a:pPr lvl="2"/>
+            <a:r>
+              <a:rPr lang="zh-CN" altLang="en-US"/>
+              <a:t>例子：</a:t>
+            </a:r>
+            <a:r>
+              <a:rPr lang="en-US" altLang="zh-CN"/>
+              <a:t>https://open.weixin.qq.com/connect/oauth2/authorize?appid=wx520c15f417810387&amp;redirect_uri=https%3A%2F%2Fchong.qq.com%2Fphp%2Findex.php%3Fd%3D%26c%3DwxAdapter%26m%3DmobileDeal%26showwxpaytitle%3D1%26vb2ctag%3D4_2030_5_1194_60&amp;response_type=code&amp;scope=snsapi_base&amp;state=123#wechat_redirect</a:t>
+            </a:r>
+            <a:endParaRPr lang="en-US" altLang="zh-CN"/>
+          </a:p>
+          <a:p>
+            <a:pPr lvl="1"/>
+            <a:r>
+              <a:rPr lang="zh-CN" altLang="en-US"/>
+              <a:t>获取</a:t>
+            </a:r>
+            <a:r>
+              <a:rPr lang="en-US" altLang="zh-CN"/>
+              <a:t>access token</a:t>
+            </a:r>
+            <a:endParaRPr lang="en-US" altLang="zh-CN"/>
+          </a:p>
+          <a:p>
+            <a:pPr lvl="2"/>
+            <a:r>
+              <a:rPr lang="en-US" altLang="zh-CN"/>
+              <a:t>https://api.weixin.qq.com/sns/oauth2/access_token?appid=APPID&amp;secret=SECRET&amp;code=CODE&amp;grant_type=authorization_code</a:t>
+            </a:r>
+            <a:endParaRPr lang="en-US" altLang="zh-CN"/>
+          </a:p>
+          <a:p>
+            <a:pPr lvl="2"/>
+            <a:r>
+              <a:rPr lang="zh-CN" altLang="en-US"/>
+              <a:t>该接口返回</a:t>
+            </a:r>
+            <a:r>
+              <a:rPr lang="en-US" altLang="zh-CN"/>
+              <a:t>openid</a:t>
+            </a:r>
+            <a:r>
+              <a:rPr lang="zh-CN" altLang="en-US"/>
+              <a:t>字段</a:t>
+            </a:r>
+            <a:endParaRPr lang="zh-CN" altLang="en-US"/>
+          </a:p>
+        </p:txBody>
+      </p:sp>
+    </p:spTree>
+    <p:custDataLst>
+      <p:tags r:id="rId1"/>
+    </p:custDataLst>
+  </p:cSld>
+  <p:clrMapOvr>
+    <a:masterClrMapping/>
+  </p:clrMapOvr>
+</p:sld>
+</file>
+
+<file path=ppt/slides/slide27.xml><?xml version="1.0" encoding="utf-8"?>
+<p:sld xmlns:a="http://schemas.openxmlformats.org/drawingml/2006/main" xmlns:r="http://schemas.openxmlformats.org/officeDocument/2006/relationships" xmlns:p="http://schemas.openxmlformats.org/presentationml/2006/main">
+  <p:cSld>
+    <p:spTree>
+      <p:nvGrpSpPr>
+        <p:cNvPr id="1" name=""/>
+        <p:cNvGrpSpPr/>
+        <p:nvPr/>
+      </p:nvGrpSpPr>
+      <p:grpSpPr/>
+      <p:sp>
+        <p:nvSpPr>
+          <p:cNvPr id="2" name="标题 1"/>
+          <p:cNvSpPr>
+            <a:spLocks noGrp="1"/>
+          </p:cNvSpPr>
+          <p:nvPr>
+            <p:ph type="title"/>
+          </p:nvPr>
+        </p:nvSpPr>
+        <p:spPr/>
+        <p:txBody>
+          <a:bodyPr/>
+          <a:p>
+            <a:r>
+              <a:rPr lang="zh-CN" altLang="en-US"/>
+              <a:t>发送模板消息</a:t>
+            </a:r>
+            <a:endParaRPr lang="zh-CN" altLang="en-US"/>
+          </a:p>
+        </p:txBody>
+      </p:sp>
+      <p:sp>
+        <p:nvSpPr>
+          <p:cNvPr id="3" name="内容占位符 2"/>
+          <p:cNvSpPr>
+            <a:spLocks noGrp="1"/>
+          </p:cNvSpPr>
+          <p:nvPr>
+            <p:ph idx="1"/>
+          </p:nvPr>
+        </p:nvSpPr>
+        <p:spPr>
+          <a:xfrm>
+            <a:off x="838200" y="1211580"/>
+            <a:ext cx="6384925" cy="4549140"/>
+          </a:xfrm>
+        </p:spPr>
+        <p:txBody>
+          <a:bodyPr>
+            <a:noAutofit/>
+          </a:bodyPr>
+          <a:p>
+            <a:r>
+              <a:rPr lang="zh-CN" altLang="en-US" sz="1400"/>
+              <a:t>步骤</a:t>
+            </a:r>
+            <a:endParaRPr lang="zh-CN" altLang="en-US" sz="1400"/>
+          </a:p>
+          <a:p>
+            <a:pPr lvl="1"/>
+            <a:r>
+              <a:rPr lang="en-US" altLang="zh-CN" sz="1200"/>
+              <a:t>POST </a:t>
+            </a:r>
+            <a:r>
+              <a:rPr lang="zh-CN" altLang="en-US" sz="1200"/>
+              <a:t>https://api.weixin.qq.com/cgi-bin/message/template/send?access_token=ACCESS_TOKEN</a:t>
+            </a:r>
+            <a:endParaRPr lang="zh-CN" altLang="en-US" sz="1200"/>
+          </a:p>
+          <a:p>
+            <a:pPr lvl="0"/>
+            <a:r>
+              <a:rPr lang="zh-CN" altLang="en-US" sz="1400">
+                <a:sym typeface="+mn-ea"/>
+              </a:rPr>
+              <a:t>概要</a:t>
+            </a:r>
+            <a:endParaRPr lang="zh-CN" altLang="en-US" sz="1400"/>
+          </a:p>
+          <a:p>
+            <a:pPr lvl="1"/>
+            <a:r>
+              <a:rPr lang="zh-CN" altLang="en-US" sz="1200">
+                <a:sym typeface="+mn-ea"/>
+              </a:rPr>
+              <a:t>认证的微信服务号发送模板消息通知</a:t>
+            </a:r>
+            <a:endParaRPr lang="zh-CN" altLang="en-US" sz="1200"/>
+          </a:p>
+          <a:p>
+            <a:pPr lvl="1"/>
+            <a:r>
+              <a:rPr lang="zh-CN" altLang="en-US" sz="1200">
+                <a:sym typeface="+mn-ea"/>
+              </a:rPr>
+              <a:t>各类型公众号权限</a:t>
+            </a:r>
+            <a:endParaRPr lang="zh-CN" altLang="en-US" sz="1200"/>
+          </a:p>
+          <a:p>
+            <a:pPr lvl="2"/>
+            <a:r>
+              <a:rPr lang="zh-CN" altLang="en-US" sz="1000">
+                <a:sym typeface="+mn-ea"/>
+              </a:rPr>
+              <a:t>https://developers.weixin.qq.com/doc/offiaccount/Getting_Started/Explanation_of_interface_privileges.html</a:t>
+            </a:r>
+            <a:endParaRPr lang="zh-CN" altLang="en-US" sz="1000"/>
+          </a:p>
+          <a:p>
+            <a:pPr lvl="1"/>
+            <a:r>
+              <a:rPr lang="zh-CN" altLang="en-US" sz="1200">
+                <a:sym typeface="+mn-ea"/>
+              </a:rPr>
+              <a:t>模板消息运营规范</a:t>
+            </a:r>
+            <a:endParaRPr lang="zh-CN" altLang="en-US" sz="1200"/>
+          </a:p>
+          <a:p>
+            <a:pPr lvl="2"/>
+            <a:r>
+              <a:rPr lang="zh-CN" altLang="en-US" sz="1000">
+                <a:sym typeface="+mn-ea"/>
+              </a:rPr>
+              <a:t>https://developers.weixin.qq.com/doc/offiaccount/Message_Management/Template_Message_Operation_Specifications.html</a:t>
+            </a:r>
+            <a:endParaRPr lang="zh-CN" altLang="en-US" sz="1000"/>
+          </a:p>
+          <a:p>
+            <a:pPr lvl="1"/>
+            <a:r>
+              <a:rPr lang="zh-CN" altLang="en-US" sz="1200">
+                <a:sym typeface="+mn-ea"/>
+              </a:rPr>
+              <a:t>模板消息接口</a:t>
+            </a:r>
+            <a:endParaRPr lang="zh-CN" altLang="en-US" sz="1200"/>
+          </a:p>
+          <a:p>
+            <a:pPr lvl="2"/>
+            <a:r>
+              <a:rPr lang="zh-CN" altLang="en-US" sz="1000">
+                <a:sym typeface="+mn-ea"/>
+              </a:rPr>
+              <a:t>https://developers.weixin.qq.com/doc/offiaccount/Message_Management/Template_Message_Interface.html</a:t>
+            </a:r>
+            <a:endParaRPr lang="zh-CN" altLang="en-US" sz="1000">
+              <a:sym typeface="+mn-ea"/>
+            </a:endParaRPr>
+          </a:p>
+          <a:p>
+            <a:pPr lvl="2"/>
+            <a:r>
+              <a:rPr lang="zh-CN" altLang="en-US" sz="1000"/>
+              <a:t>https://mp.weixin.qq.com/advanced/tmplmsg?action=faq&amp;token=1723160200&amp;lang=zh_CN</a:t>
+            </a:r>
+            <a:endParaRPr lang="zh-CN" altLang="en-US" sz="1000"/>
+          </a:p>
+          <a:p>
+            <a:pPr lvl="2"/>
+            <a:r>
+              <a:rPr lang="zh-CN" altLang="en-US" sz="1000">
+                <a:sym typeface="+mn-ea"/>
+              </a:rPr>
+              <a:t>https://www.zhihu.com/question/48864270/answer/1157763869</a:t>
+            </a:r>
+            <a:endParaRPr lang="zh-CN" altLang="en-US" sz="1000">
+              <a:sym typeface="+mn-ea"/>
+            </a:endParaRPr>
+          </a:p>
+          <a:p>
+            <a:pPr lvl="2"/>
+            <a:r>
+              <a:rPr lang="zh-CN" altLang="en-US" sz="1000">
+                <a:sym typeface="+mn-ea"/>
+              </a:rPr>
+              <a:t>POST请求</a:t>
+            </a:r>
+            <a:endParaRPr lang="zh-CN" altLang="en-US" sz="1000">
+              <a:sym typeface="+mn-ea"/>
+            </a:endParaRPr>
+          </a:p>
+          <a:p>
+            <a:pPr lvl="3"/>
+            <a:r>
+              <a:rPr lang="zh-CN" altLang="en-US" sz="1000">
+                <a:sym typeface="+mn-ea"/>
+              </a:rPr>
+              <a:t>https://api.weixin.qq.com/cgi-bin/message/template/send?access_token=ACCESS_TOKEN</a:t>
+            </a:r>
+            <a:endParaRPr lang="zh-CN" altLang="en-US" sz="1000">
+              <a:sym typeface="+mn-ea"/>
+            </a:endParaRPr>
+          </a:p>
+          <a:p>
+            <a:pPr lvl="0"/>
+            <a:r>
+              <a:rPr lang="zh-CN" altLang="en-US" sz="1400">
+                <a:sym typeface="+mn-ea"/>
+              </a:rPr>
+              <a:t>开通步骤</a:t>
+            </a:r>
+            <a:endParaRPr lang="zh-CN" altLang="en-US" sz="1400"/>
+          </a:p>
+          <a:p>
+            <a:pPr lvl="1"/>
+            <a:r>
+              <a:rPr lang="zh-CN" altLang="en-US" sz="1200">
+                <a:sym typeface="+mn-ea"/>
+              </a:rPr>
+              <a:t>登录服务号</a:t>
+            </a:r>
+            <a:endParaRPr lang="zh-CN" altLang="en-US" sz="1200"/>
+          </a:p>
+          <a:p>
+            <a:pPr lvl="1"/>
+            <a:r>
+              <a:rPr lang="zh-CN" altLang="en-US" sz="1200">
+                <a:sym typeface="+mn-ea"/>
+              </a:rPr>
+              <a:t>功能</a:t>
+            </a:r>
+            <a:r>
+              <a:rPr lang="en-US" altLang="zh-CN" sz="1200">
+                <a:sym typeface="+mn-ea"/>
+              </a:rPr>
+              <a:t>-</a:t>
+            </a:r>
+            <a:r>
+              <a:rPr lang="zh-CN" altLang="en-US" sz="1200">
+                <a:sym typeface="+mn-ea"/>
+              </a:rPr>
+              <a:t>》添加功能插件</a:t>
+            </a:r>
+            <a:r>
+              <a:rPr lang="en-US" altLang="zh-CN" sz="1200">
+                <a:sym typeface="+mn-ea"/>
+              </a:rPr>
+              <a:t>-</a:t>
+            </a:r>
+            <a:r>
+              <a:rPr lang="zh-CN" altLang="en-US" sz="1200">
+                <a:sym typeface="+mn-ea"/>
+              </a:rPr>
+              <a:t>》模板消息</a:t>
+            </a:r>
+            <a:endParaRPr lang="zh-CN" altLang="en-US" sz="1200"/>
+          </a:p>
+          <a:p>
+            <a:pPr lvl="1"/>
+            <a:r>
+              <a:rPr lang="zh-CN" altLang="en-US" sz="1200">
+                <a:sym typeface="+mn-ea"/>
+              </a:rPr>
+              <a:t>申请开通模板消息接口</a:t>
+            </a:r>
+            <a:endParaRPr lang="zh-CN" altLang="en-US" sz="1200"/>
+          </a:p>
+          <a:p>
+            <a:pPr lvl="1"/>
+            <a:r>
+              <a:rPr lang="zh-CN" altLang="en-US" sz="1200">
+                <a:sym typeface="+mn-ea"/>
+              </a:rPr>
+              <a:t>审核需</a:t>
+            </a:r>
+            <a:r>
+              <a:rPr lang="en-US" altLang="zh-CN" sz="1200">
+                <a:sym typeface="+mn-ea"/>
+              </a:rPr>
+              <a:t>2~3</a:t>
+            </a:r>
+            <a:r>
+              <a:rPr lang="zh-CN" altLang="en-US" sz="1200">
+                <a:sym typeface="+mn-ea"/>
+              </a:rPr>
+              <a:t>天</a:t>
+            </a:r>
+            <a:endParaRPr lang="zh-CN" altLang="en-US" sz="1200">
+              <a:sym typeface="+mn-ea"/>
+            </a:endParaRPr>
+          </a:p>
+        </p:txBody>
+      </p:sp>
+      <p:pic>
+        <p:nvPicPr>
+          <p:cNvPr id="4" name="图片 3"/>
+          <p:cNvPicPr>
+            <a:picLocks noChangeAspect="1"/>
+          </p:cNvPicPr>
+          <p:nvPr/>
+        </p:nvPicPr>
+        <p:blipFill>
+          <a:blip r:embed="rId1"/>
+          <a:stretch>
+            <a:fillRect/>
+          </a:stretch>
+        </p:blipFill>
+        <p:spPr>
+          <a:xfrm>
+            <a:off x="7519670" y="1025525"/>
+            <a:ext cx="4454525" cy="5487670"/>
+          </a:xfrm>
+          <a:prstGeom prst="rect">
+            <a:avLst/>
+          </a:prstGeom>
+        </p:spPr>
+      </p:pic>
+    </p:spTree>
+    <p:custDataLst>
+      <p:tags r:id="rId2"/>
+    </p:custDataLst>
+  </p:cSld>
+  <p:clrMapOvr>
+    <a:masterClrMapping/>
+  </p:clrMapOvr>
+</p:sld>
+</file>
+
+<file path=ppt/slides/slide28.xml><?xml version="1.0" encoding="utf-8"?>
+<p:sld xmlns:a="http://schemas.openxmlformats.org/drawingml/2006/main" xmlns:r="http://schemas.openxmlformats.org/officeDocument/2006/relationships" xmlns:p="http://schemas.openxmlformats.org/presentationml/2006/main">
+  <p:cSld>
+    <p:spTree>
+      <p:nvGrpSpPr>
+        <p:cNvPr id="1" name=""/>
+        <p:cNvGrpSpPr/>
+        <p:nvPr/>
+      </p:nvGrpSpPr>
+      <p:grpSpPr/>
+      <p:sp>
+        <p:nvSpPr>
+          <p:cNvPr id="4" name="标题 3"/>
+          <p:cNvSpPr>
+            <a:spLocks noGrp="1"/>
+          </p:cNvSpPr>
+          <p:nvPr>
+            <p:ph type="title"/>
+          </p:nvPr>
+        </p:nvSpPr>
+        <p:spPr/>
+        <p:txBody>
+          <a:bodyPr/>
+          <a:p>
+            <a:r>
+              <a:rPr lang="zh-CN" altLang="en-US"/>
+              <a:t>公众号</a:t>
+            </a:r>
+            <a:r>
+              <a:rPr lang="zh-CN" altLang="en-US"/>
+              <a:t>开发</a:t>
+            </a:r>
+            <a:endParaRPr lang="zh-CN" altLang="en-US"/>
+          </a:p>
+        </p:txBody>
+      </p:sp>
+      <p:sp>
+        <p:nvSpPr>
+          <p:cNvPr id="5" name="文本占位符 4"/>
+          <p:cNvSpPr>
+            <a:spLocks noGrp="1"/>
+          </p:cNvSpPr>
+          <p:nvPr>
+            <p:ph type="body" idx="1"/>
+          </p:nvPr>
+        </p:nvSpPr>
+        <p:spPr/>
+        <p:txBody>
+          <a:bodyPr/>
+          <a:p>
+            <a:endParaRPr lang="zh-CN" altLang="en-US"/>
+          </a:p>
+        </p:txBody>
+      </p:sp>
+    </p:spTree>
+    <p:custDataLst>
+      <p:tags r:id="rId1"/>
+    </p:custDataLst>
+  </p:cSld>
+  <p:clrMapOvr>
+    <a:masterClrMapping/>
+  </p:clrMapOvr>
+</p:sld>
+</file>
+
+<file path=ppt/slides/slide29.xml><?xml version="1.0" encoding="utf-8"?>
+<p:sld xmlns:a="http://schemas.openxmlformats.org/drawingml/2006/main" xmlns:r="http://schemas.openxmlformats.org/officeDocument/2006/relationships" xmlns:p="http://schemas.openxmlformats.org/presentationml/2006/main">
+  <p:cSld>
+    <p:spTree>
+      <p:nvGrpSpPr>
+        <p:cNvPr id="1" name=""/>
+        <p:cNvGrpSpPr/>
+        <p:nvPr/>
+      </p:nvGrpSpPr>
+      <p:grpSpPr/>
+      <p:sp>
+        <p:nvSpPr>
+          <p:cNvPr id="4" name="标题 3"/>
+          <p:cNvSpPr>
+            <a:spLocks noGrp="1"/>
+          </p:cNvSpPr>
+          <p:nvPr>
+            <p:ph type="title"/>
+          </p:nvPr>
+        </p:nvSpPr>
+        <p:spPr/>
+        <p:txBody>
+          <a:bodyPr/>
+          <a:p>
+            <a:r>
+              <a:rPr lang="zh-CN" altLang="en-US"/>
+              <a:t>基本</a:t>
+            </a:r>
+            <a:r>
+              <a:rPr lang="zh-CN" altLang="en-US"/>
+              <a:t>信息</a:t>
+            </a:r>
+            <a:endParaRPr lang="zh-CN" altLang="en-US"/>
+          </a:p>
+        </p:txBody>
+      </p:sp>
+      <p:sp>
+        <p:nvSpPr>
+          <p:cNvPr id="5" name="内容占位符 4"/>
+          <p:cNvSpPr>
+            <a:spLocks noGrp="1"/>
+          </p:cNvSpPr>
+          <p:nvPr>
+            <p:ph idx="1"/>
+          </p:nvPr>
+        </p:nvSpPr>
+        <p:spPr>
+          <a:xfrm>
+            <a:off x="838200" y="1211580"/>
+            <a:ext cx="6648450" cy="4549140"/>
+          </a:xfrm>
+        </p:spPr>
+        <p:txBody>
+          <a:bodyPr>
+            <a:normAutofit lnSpcReduction="20000"/>
+          </a:bodyPr>
+          <a:p>
+            <a:r>
+              <a:rPr lang="zh-CN" altLang="en-US"/>
+              <a:t>参考</a:t>
+            </a:r>
+            <a:endParaRPr lang="zh-CN" altLang="en-US"/>
+          </a:p>
+          <a:p>
+            <a:pPr lvl="1"/>
+            <a:r>
+              <a:rPr lang="zh-CN" altLang="en-US"/>
+              <a:t>https://developers.weixin.qq.com/doc/offiaccount/Basic_Information/Access_Overview.html</a:t>
+            </a:r>
+            <a:endParaRPr lang="zh-CN" altLang="en-US"/>
+          </a:p>
+          <a:p>
+            <a:r>
+              <a:rPr lang="zh-CN" altLang="en-US"/>
+              <a:t>基础</a:t>
+            </a:r>
+            <a:endParaRPr lang="zh-CN" altLang="en-US"/>
+          </a:p>
+          <a:p>
+            <a:pPr lvl="1"/>
+            <a:r>
+              <a:rPr lang="zh-CN" altLang="en-US"/>
+              <a:t>公众平台接口调用仅支持80端口。</a:t>
+            </a:r>
+            <a:endParaRPr lang="zh-CN" altLang="en-US"/>
+          </a:p>
+          <a:p>
+            <a:pPr lvl="1"/>
+            <a:r>
+              <a:rPr lang="en-US" altLang="zh-CN"/>
+              <a:t>appid</a:t>
+            </a:r>
+            <a:r>
+              <a:rPr lang="zh-CN" altLang="en-US"/>
+              <a:t>，</a:t>
+            </a:r>
+            <a:r>
+              <a:rPr lang="en-US" altLang="zh-CN"/>
+              <a:t>appsecret</a:t>
+            </a:r>
+            <a:endParaRPr lang="en-US" altLang="zh-CN"/>
+          </a:p>
+          <a:p>
+            <a:pPr lvl="1"/>
+            <a:r>
+              <a:rPr lang="en-US" altLang="zh-CN"/>
+              <a:t>IP</a:t>
+            </a:r>
+            <a:r>
+              <a:rPr lang="zh-CN" altLang="en-US"/>
+              <a:t>白名单</a:t>
+            </a:r>
+            <a:endParaRPr lang="zh-CN" altLang="en-US"/>
+          </a:p>
+          <a:p>
+            <a:pPr lvl="1"/>
+            <a:r>
+              <a:rPr lang="zh-CN" altLang="en-US"/>
+              <a:t>网页授权</a:t>
+            </a:r>
+            <a:endParaRPr lang="zh-CN" altLang="en-US"/>
+          </a:p>
+          <a:p>
+            <a:pPr lvl="2"/>
+            <a:r>
+              <a:rPr lang="zh-CN" altLang="en-US"/>
+              <a:t>https://developers.weixin.qq.com/doc/offiaccount/OA_Web_Apps/Wechat_webpage_authorization.html</a:t>
+            </a:r>
+            <a:endParaRPr lang="zh-CN" altLang="en-US"/>
+          </a:p>
+          <a:p>
+            <a:pPr lvl="2"/>
+            <a:r>
+              <a:rPr lang="zh-CN" altLang="en-US"/>
+              <a:t>开发 - 接口权限 - 网页服务 - 网页帐号 - 网页授权获取用户基本信息，修改回调</a:t>
+            </a:r>
+            <a:r>
+              <a:rPr lang="zh-CN" altLang="en-US"/>
+              <a:t>域名</a:t>
+            </a:r>
+            <a:endParaRPr lang="zh-CN" altLang="en-US"/>
+          </a:p>
+        </p:txBody>
+      </p:sp>
+      <p:pic>
+        <p:nvPicPr>
+          <p:cNvPr id="6" name="图片 5"/>
+          <p:cNvPicPr>
+            <a:picLocks noChangeAspect="1"/>
+          </p:cNvPicPr>
+          <p:nvPr/>
+        </p:nvPicPr>
+        <p:blipFill>
+          <a:blip r:embed="rId1"/>
+          <a:stretch>
+            <a:fillRect/>
+          </a:stretch>
+        </p:blipFill>
+        <p:spPr>
+          <a:xfrm>
+            <a:off x="7304405" y="1158875"/>
+            <a:ext cx="4674235" cy="2334895"/>
+          </a:xfrm>
+          <a:prstGeom prst="rect">
+            <a:avLst/>
+          </a:prstGeom>
+        </p:spPr>
+      </p:pic>
+    </p:spTree>
+    <p:custDataLst>
+      <p:tags r:id="rId2"/>
     </p:custDataLst>
   </p:cSld>
   <p:clrMapOvr>
@@ -9980,6 +10790,480 @@
             <a:r>
               <a:rPr lang="zh-CN" altLang="en-US"/>
               <a:t>https://blog.csdn.net/qq_22034353/article/details/90480732</a:t>
+            </a:r>
+            <a:endParaRPr lang="zh-CN" altLang="en-US"/>
+          </a:p>
+        </p:txBody>
+      </p:sp>
+    </p:spTree>
+    <p:custDataLst>
+      <p:tags r:id="rId1"/>
+    </p:custDataLst>
+  </p:cSld>
+  <p:clrMapOvr>
+    <a:masterClrMapping/>
+  </p:clrMapOvr>
+</p:sld>
+</file>
+
+<file path=ppt/slides/slide30.xml><?xml version="1.0" encoding="utf-8"?>
+<p:sld xmlns:a="http://schemas.openxmlformats.org/drawingml/2006/main" xmlns:r="http://schemas.openxmlformats.org/officeDocument/2006/relationships" xmlns:p="http://schemas.openxmlformats.org/presentationml/2006/main">
+  <p:cSld>
+    <p:spTree>
+      <p:nvGrpSpPr>
+        <p:cNvPr id="1" name=""/>
+        <p:cNvGrpSpPr/>
+        <p:nvPr/>
+      </p:nvGrpSpPr>
+      <p:grpSpPr/>
+      <p:sp>
+        <p:nvSpPr>
+          <p:cNvPr id="2" name="标题 1"/>
+          <p:cNvSpPr>
+            <a:spLocks noGrp="1"/>
+          </p:cNvSpPr>
+          <p:nvPr>
+            <p:ph type="title"/>
+          </p:nvPr>
+        </p:nvSpPr>
+        <p:spPr/>
+        <p:txBody>
+          <a:bodyPr/>
+          <a:p>
+            <a:r>
+              <a:rPr lang="zh-CN" altLang="en-US"/>
+              <a:t>获取</a:t>
+            </a:r>
+            <a:r>
+              <a:rPr lang="en-US" altLang="zh-CN"/>
+              <a:t>OpenId</a:t>
+            </a:r>
+            <a:endParaRPr lang="en-US" altLang="zh-CN"/>
+          </a:p>
+        </p:txBody>
+      </p:sp>
+      <p:sp>
+        <p:nvSpPr>
+          <p:cNvPr id="3" name="内容占位符 2"/>
+          <p:cNvSpPr>
+            <a:spLocks noGrp="1"/>
+          </p:cNvSpPr>
+          <p:nvPr>
+            <p:ph idx="1"/>
+          </p:nvPr>
+        </p:nvSpPr>
+        <p:spPr>
+          <a:xfrm>
+            <a:off x="838200" y="1211580"/>
+            <a:ext cx="5575935" cy="4843780"/>
+          </a:xfrm>
+        </p:spPr>
+        <p:txBody>
+          <a:bodyPr>
+            <a:normAutofit fontScale="60000"/>
+          </a:bodyPr>
+          <a:p>
+            <a:r>
+              <a:rPr lang="zh-CN" altLang="en-US"/>
+              <a:t>参考</a:t>
+            </a:r>
+            <a:endParaRPr lang="zh-CN" altLang="en-US"/>
+          </a:p>
+          <a:p>
+            <a:pPr lvl="1"/>
+            <a:r>
+              <a:rPr lang="zh-CN" altLang="en-US"/>
+              <a:t>https://www.jianshu.com/p/b7e2100b56e4</a:t>
+            </a:r>
+            <a:endParaRPr lang="zh-CN" altLang="en-US"/>
+          </a:p>
+          <a:p>
+            <a:pPr lvl="0"/>
+            <a:r>
+              <a:rPr lang="zh-CN" altLang="en-US"/>
+              <a:t>概念</a:t>
+            </a:r>
+            <a:endParaRPr lang="zh-CN" altLang="en-US"/>
+          </a:p>
+          <a:p>
+            <a:pPr lvl="1"/>
+            <a:r>
+              <a:rPr lang="zh-CN" altLang="en-US"/>
+              <a:t>openId：用户在当前公众号下的唯一标识</a:t>
+            </a:r>
+            <a:endParaRPr lang="zh-CN" altLang="en-US"/>
+          </a:p>
+          <a:p>
+            <a:pPr lvl="1"/>
+            <a:r>
+              <a:rPr lang="en-US" altLang="zh-CN"/>
+              <a:t>unionId</a:t>
+            </a:r>
+            <a:r>
+              <a:rPr lang="zh-CN" altLang="en-US"/>
+              <a:t>：同一用户，对同一微信开放平台下的不同应用（移动应用、网站应用和公众帐号），unionid是相同的</a:t>
+            </a:r>
+            <a:endParaRPr lang="zh-CN" altLang="en-US"/>
+          </a:p>
+          <a:p>
+            <a:pPr lvl="0"/>
+            <a:r>
+              <a:rPr lang="zh-CN" altLang="en-US"/>
+              <a:t>获取步骤</a:t>
+            </a:r>
+            <a:endParaRPr lang="zh-CN" altLang="en-US"/>
+          </a:p>
+          <a:p>
+            <a:pPr lvl="1"/>
+            <a:r>
+              <a:rPr lang="zh-CN" altLang="en-US"/>
+              <a:t>前端调用微信</a:t>
+            </a:r>
+            <a:r>
+              <a:rPr lang="en-US" altLang="zh-CN"/>
+              <a:t>authorize</a:t>
+            </a:r>
+            <a:r>
+              <a:rPr lang="zh-CN" altLang="en-US"/>
+              <a:t>接口获取</a:t>
+            </a:r>
+            <a:r>
+              <a:rPr lang="en-US" altLang="zh-CN"/>
+              <a:t>code</a:t>
+            </a:r>
+            <a:endParaRPr lang="en-US" altLang="zh-CN"/>
+          </a:p>
+          <a:p>
+            <a:pPr lvl="2"/>
+            <a:r>
+              <a:rPr lang="zh-CN" altLang="en-US"/>
+              <a:t>https://open.weixin.qq.com/connect/oauth2/authorize?appid=' + window.APPID + '&amp;redirect_uri=' + encodeURIComponent(local) + '&amp;response_type=code&amp;scope=snsapi_</a:t>
+            </a:r>
+            <a:r>
+              <a:rPr lang="en-US" altLang="zh-CN"/>
+              <a:t>base</a:t>
+            </a:r>
+            <a:r>
+              <a:rPr lang="zh-CN" altLang="en-US"/>
+              <a:t>&amp;state=1#wechat_redirect'</a:t>
+            </a:r>
+            <a:endParaRPr lang="zh-CN" altLang="en-US"/>
+          </a:p>
+          <a:p>
+            <a:pPr lvl="1"/>
+            <a:r>
+              <a:rPr lang="zh-CN" altLang="en-US"/>
+              <a:t>前端将</a:t>
+            </a:r>
+            <a:r>
+              <a:rPr lang="en-US" altLang="zh-CN"/>
+              <a:t>code</a:t>
+            </a:r>
+            <a:r>
+              <a:rPr lang="zh-CN" altLang="en-US"/>
+              <a:t>发送给</a:t>
+            </a:r>
+            <a:r>
+              <a:rPr lang="zh-CN" altLang="en-US"/>
+              <a:t>后端</a:t>
+            </a:r>
+            <a:endParaRPr lang="zh-CN" altLang="en-US"/>
+          </a:p>
+          <a:p>
+            <a:pPr lvl="1"/>
+            <a:r>
+              <a:rPr lang="zh-CN" altLang="en-US"/>
+              <a:t>后端调用微信</a:t>
+            </a:r>
+            <a:r>
+              <a:rPr lang="en-US" altLang="zh-CN"/>
+              <a:t>access_token</a:t>
+            </a:r>
+            <a:r>
+              <a:rPr lang="zh-CN" altLang="en-US"/>
+              <a:t>接口获取</a:t>
+            </a:r>
+            <a:r>
+              <a:rPr lang="en-US" altLang="zh-CN"/>
+              <a:t>openid</a:t>
+            </a:r>
+            <a:endParaRPr lang="zh-CN" altLang="en-US"/>
+          </a:p>
+          <a:p>
+            <a:pPr lvl="2"/>
+            <a:r>
+              <a:rPr lang="zh-CN" altLang="en-US"/>
+              <a:t>https://api.weixin.qq.com/sns/oauth2/access_token?appid=APPID&amp;secret=SECRET&amp;code=CODE&amp;grant_type=authorization_code</a:t>
+            </a:r>
+            <a:endParaRPr lang="zh-CN" altLang="en-US"/>
+          </a:p>
+          <a:p>
+            <a:pPr lvl="0"/>
+            <a:r>
+              <a:rPr lang="zh-CN" altLang="en-US"/>
+              <a:t>常见</a:t>
+            </a:r>
+            <a:r>
+              <a:rPr lang="zh-CN" altLang="en-US"/>
+              <a:t>问题</a:t>
+            </a:r>
+            <a:endParaRPr lang="zh-CN" altLang="en-US"/>
+          </a:p>
+          <a:p>
+            <a:pPr lvl="1"/>
+            <a:r>
+              <a:rPr lang="zh-CN" altLang="en-US"/>
+              <a:t>同一微信号每次获取的</a:t>
+            </a:r>
+            <a:r>
+              <a:rPr lang="en-US" altLang="zh-CN"/>
+              <a:t>code</a:t>
+            </a:r>
+            <a:r>
+              <a:rPr lang="zh-CN" altLang="en-US"/>
+              <a:t>不同</a:t>
+            </a:r>
+            <a:endParaRPr lang="zh-CN" altLang="en-US"/>
+          </a:p>
+          <a:p>
+            <a:pPr lvl="1"/>
+            <a:r>
+              <a:rPr lang="zh-CN" altLang="en-US"/>
+              <a:t>同一</a:t>
+            </a:r>
+            <a:r>
+              <a:rPr lang="en-US" altLang="zh-CN"/>
+              <a:t>code</a:t>
+            </a:r>
+            <a:r>
+              <a:rPr lang="zh-CN" altLang="en-US"/>
+              <a:t>只能获取一次</a:t>
+            </a:r>
+            <a:r>
+              <a:rPr lang="en-US" altLang="zh-CN"/>
+              <a:t>openid</a:t>
+            </a:r>
+            <a:r>
+              <a:rPr lang="zh-CN" altLang="en-US"/>
+              <a:t>，第二次获取会返回</a:t>
+            </a:r>
+            <a:r>
+              <a:rPr lang="zh-CN" altLang="en-US"/>
+              <a:t>错误</a:t>
+            </a:r>
+            <a:endParaRPr lang="zh-CN" altLang="en-US"/>
+          </a:p>
+        </p:txBody>
+      </p:sp>
+      <p:pic>
+        <p:nvPicPr>
+          <p:cNvPr id="4" name="图片 3"/>
+          <p:cNvPicPr>
+            <a:picLocks noChangeAspect="1"/>
+          </p:cNvPicPr>
+          <p:nvPr/>
+        </p:nvPicPr>
+        <p:blipFill>
+          <a:blip r:embed="rId1"/>
+          <a:stretch>
+            <a:fillRect/>
+          </a:stretch>
+        </p:blipFill>
+        <p:spPr>
+          <a:xfrm>
+            <a:off x="6468110" y="914400"/>
+            <a:ext cx="5723890" cy="4898390"/>
+          </a:xfrm>
+          <a:prstGeom prst="rect">
+            <a:avLst/>
+          </a:prstGeom>
+        </p:spPr>
+      </p:pic>
+    </p:spTree>
+    <p:custDataLst>
+      <p:tags r:id="rId2"/>
+    </p:custDataLst>
+  </p:cSld>
+  <p:clrMapOvr>
+    <a:masterClrMapping/>
+  </p:clrMapOvr>
+</p:sld>
+</file>
+
+<file path=ppt/slides/slide31.xml><?xml version="1.0" encoding="utf-8"?>
+<p:sld xmlns:a="http://schemas.openxmlformats.org/drawingml/2006/main" xmlns:r="http://schemas.openxmlformats.org/officeDocument/2006/relationships" xmlns:p="http://schemas.openxmlformats.org/presentationml/2006/main">
+  <p:cSld>
+    <p:spTree>
+      <p:nvGrpSpPr>
+        <p:cNvPr id="1" name=""/>
+        <p:cNvGrpSpPr/>
+        <p:nvPr/>
+      </p:nvGrpSpPr>
+      <p:grpSpPr/>
+      <p:sp>
+        <p:nvSpPr>
+          <p:cNvPr id="4" name="标题 3"/>
+          <p:cNvSpPr>
+            <a:spLocks noGrp="1"/>
+          </p:cNvSpPr>
+          <p:nvPr>
+            <p:ph type="title"/>
+          </p:nvPr>
+        </p:nvSpPr>
+        <p:spPr/>
+        <p:txBody>
+          <a:bodyPr/>
+          <a:p>
+            <a:r>
+              <a:rPr lang="zh-CN" altLang="en-US"/>
+              <a:t>第三方平台</a:t>
+            </a:r>
+            <a:r>
+              <a:rPr lang="zh-CN" altLang="en-US"/>
+              <a:t>接入</a:t>
+            </a:r>
+            <a:endParaRPr lang="zh-CN" altLang="en-US"/>
+          </a:p>
+        </p:txBody>
+      </p:sp>
+      <p:sp>
+        <p:nvSpPr>
+          <p:cNvPr id="5" name="文本占位符 4"/>
+          <p:cNvSpPr>
+            <a:spLocks noGrp="1"/>
+          </p:cNvSpPr>
+          <p:nvPr>
+            <p:ph type="body" idx="1"/>
+          </p:nvPr>
+        </p:nvSpPr>
+        <p:spPr/>
+        <p:txBody>
+          <a:bodyPr/>
+          <a:p>
+            <a:endParaRPr lang="zh-CN" altLang="en-US"/>
+          </a:p>
+        </p:txBody>
+      </p:sp>
+    </p:spTree>
+    <p:custDataLst>
+      <p:tags r:id="rId1"/>
+    </p:custDataLst>
+  </p:cSld>
+  <p:clrMapOvr>
+    <a:masterClrMapping/>
+  </p:clrMapOvr>
+</p:sld>
+</file>
+
+<file path=ppt/slides/slide32.xml><?xml version="1.0" encoding="utf-8"?>
+<p:sld xmlns:a="http://schemas.openxmlformats.org/drawingml/2006/main" xmlns:r="http://schemas.openxmlformats.org/officeDocument/2006/relationships" xmlns:p="http://schemas.openxmlformats.org/presentationml/2006/main">
+  <p:cSld>
+    <p:spTree>
+      <p:nvGrpSpPr>
+        <p:cNvPr id="1" name=""/>
+        <p:cNvGrpSpPr/>
+        <p:nvPr/>
+      </p:nvGrpSpPr>
+      <p:grpSpPr/>
+      <p:sp>
+        <p:nvSpPr>
+          <p:cNvPr id="4" name="标题 3"/>
+          <p:cNvSpPr>
+            <a:spLocks noGrp="1"/>
+          </p:cNvSpPr>
+          <p:nvPr>
+            <p:ph type="title"/>
+          </p:nvPr>
+        </p:nvSpPr>
+        <p:spPr/>
+        <p:txBody>
+          <a:bodyPr/>
+          <a:p>
+            <a:r>
+              <a:rPr lang="zh-CN" altLang="en-US"/>
+              <a:t>注册</a:t>
+            </a:r>
+            <a:endParaRPr lang="zh-CN" altLang="en-US"/>
+          </a:p>
+        </p:txBody>
+      </p:sp>
+      <p:sp>
+        <p:nvSpPr>
+          <p:cNvPr id="5" name="内容占位符 4"/>
+          <p:cNvSpPr>
+            <a:spLocks noGrp="1"/>
+          </p:cNvSpPr>
+          <p:nvPr>
+            <p:ph idx="1"/>
+          </p:nvPr>
+        </p:nvSpPr>
+        <p:spPr/>
+        <p:txBody>
+          <a:bodyPr/>
+          <a:p>
+            <a:r>
+              <a:rPr lang="zh-CN" altLang="en-US"/>
+              <a:t>注册第三方</a:t>
+            </a:r>
+            <a:r>
+              <a:rPr lang="zh-CN" altLang="en-US"/>
+              <a:t>平台</a:t>
+            </a:r>
+            <a:endParaRPr lang="zh-CN" altLang="en-US"/>
+          </a:p>
+          <a:p>
+            <a:pPr lvl="1"/>
+            <a:r>
+              <a:rPr lang="zh-CN" altLang="en-US"/>
+              <a:t>https://open.weixin.qq.com/</a:t>
+            </a:r>
+            <a:endParaRPr lang="zh-CN" altLang="en-US"/>
+          </a:p>
+          <a:p>
+            <a:pPr lvl="1"/>
+            <a:r>
+              <a:rPr lang="zh-CN" altLang="en-US"/>
+              <a:t>管理中心</a:t>
+            </a:r>
+            <a:r>
+              <a:rPr lang="en-US" altLang="zh-CN"/>
+              <a:t>-</a:t>
+            </a:r>
+            <a:r>
+              <a:rPr lang="zh-CN" altLang="en-US"/>
+              <a:t>》第三方平台</a:t>
+            </a:r>
+            <a:r>
+              <a:rPr lang="en-US" altLang="zh-CN"/>
+              <a:t>-</a:t>
+            </a:r>
+            <a:r>
+              <a:rPr lang="zh-CN" altLang="en-US"/>
+              <a:t>》创建第三方</a:t>
+            </a:r>
+            <a:r>
+              <a:rPr lang="zh-CN" altLang="en-US"/>
+              <a:t>平台</a:t>
+            </a:r>
+            <a:endParaRPr lang="zh-CN" altLang="en-US"/>
+          </a:p>
+          <a:p>
+            <a:pPr lvl="1"/>
+            <a:r>
+              <a:rPr lang="zh-CN" altLang="en-US"/>
+              <a:t>审核需</a:t>
+            </a:r>
+            <a:r>
+              <a:rPr lang="en-US" altLang="zh-CN"/>
+              <a:t>7</a:t>
+            </a:r>
+            <a:r>
+              <a:rPr lang="zh-CN" altLang="en-US"/>
+              <a:t>个工作</a:t>
+            </a:r>
+            <a:r>
+              <a:rPr lang="zh-CN" altLang="en-US"/>
+              <a:t>日</a:t>
             </a:r>
             <a:endParaRPr lang="zh-CN" altLang="en-US"/>
           </a:p>
@@ -11854,6 +13138,14 @@
 </p:tagLst>
 </file>
 
+<file path=ppt/tags/tag29.xml><?xml version="1.0" encoding="utf-8"?>
+<p:tagLst xmlns:p="http://schemas.openxmlformats.org/presentationml/2006/main">
+  <p:tag name="KSO_WM_BEAUTIFY_FLAG" val="#wm#"/>
+  <p:tag name="KSO_WM_TEMPLATE_CATEGORY" val="custom"/>
+  <p:tag name="KSO_WM_TEMPLATE_INDEX" val="160402"/>
+</p:tagLst>
+</file>
+
 <file path=ppt/tags/tag3.xml><?xml version="1.0" encoding="utf-8"?>
 <p:tagLst xmlns:p="http://schemas.openxmlformats.org/presentationml/2006/main">
   <p:tag name="KSO_WM_TAG_VERSION" val="1.0"/>
@@ -11871,6 +13163,62 @@
   <p:tag name="KSO_WM_UNIT_COMPATIBLE" val="0"/>
   <p:tag name="KSO_WM_UNIT_PRESET_TEXT_INDEX" val="3"/>
   <p:tag name="KSO_WM_UNIT_PRESET_TEXT_LEN" val="17"/>
+</p:tagLst>
+</file>
+
+<file path=ppt/tags/tag30.xml><?xml version="1.0" encoding="utf-8"?>
+<p:tagLst xmlns:p="http://schemas.openxmlformats.org/presentationml/2006/main">
+  <p:tag name="KSO_WM_BEAUTIFY_FLAG" val="#wm#"/>
+  <p:tag name="KSO_WM_TEMPLATE_CATEGORY" val="custom"/>
+  <p:tag name="KSO_WM_TEMPLATE_INDEX" val="160402"/>
+</p:tagLst>
+</file>
+
+<file path=ppt/tags/tag31.xml><?xml version="1.0" encoding="utf-8"?>
+<p:tagLst xmlns:p="http://schemas.openxmlformats.org/presentationml/2006/main">
+  <p:tag name="KSO_WM_BEAUTIFY_FLAG" val="#wm#"/>
+  <p:tag name="KSO_WM_TEMPLATE_CATEGORY" val="custom"/>
+  <p:tag name="KSO_WM_TEMPLATE_INDEX" val="160402"/>
+</p:tagLst>
+</file>
+
+<file path=ppt/tags/tag32.xml><?xml version="1.0" encoding="utf-8"?>
+<p:tagLst xmlns:p="http://schemas.openxmlformats.org/presentationml/2006/main">
+  <p:tag name="KSO_WM_BEAUTIFY_FLAG" val="#wm#"/>
+  <p:tag name="KSO_WM_TEMPLATE_CATEGORY" val="custom"/>
+  <p:tag name="KSO_WM_TEMPLATE_INDEX" val="160402"/>
+</p:tagLst>
+</file>
+
+<file path=ppt/tags/tag33.xml><?xml version="1.0" encoding="utf-8"?>
+<p:tagLst xmlns:p="http://schemas.openxmlformats.org/presentationml/2006/main">
+  <p:tag name="KSO_WM_BEAUTIFY_FLAG" val="#wm#"/>
+  <p:tag name="KSO_WM_TEMPLATE_CATEGORY" val="custom"/>
+  <p:tag name="KSO_WM_TEMPLATE_INDEX" val="160402"/>
+</p:tagLst>
+</file>
+
+<file path=ppt/tags/tag34.xml><?xml version="1.0" encoding="utf-8"?>
+<p:tagLst xmlns:p="http://schemas.openxmlformats.org/presentationml/2006/main">
+  <p:tag name="KSO_WM_BEAUTIFY_FLAG" val="#wm#"/>
+  <p:tag name="KSO_WM_TEMPLATE_CATEGORY" val="custom"/>
+  <p:tag name="KSO_WM_TEMPLATE_INDEX" val="160402"/>
+</p:tagLst>
+</file>
+
+<file path=ppt/tags/tag35.xml><?xml version="1.0" encoding="utf-8"?>
+<p:tagLst xmlns:p="http://schemas.openxmlformats.org/presentationml/2006/main">
+  <p:tag name="KSO_WM_BEAUTIFY_FLAG" val="#wm#"/>
+  <p:tag name="KSO_WM_TEMPLATE_CATEGORY" val="custom"/>
+  <p:tag name="KSO_WM_TEMPLATE_INDEX" val="160402"/>
+</p:tagLst>
+</file>
+
+<file path=ppt/tags/tag36.xml><?xml version="1.0" encoding="utf-8"?>
+<p:tagLst xmlns:p="http://schemas.openxmlformats.org/presentationml/2006/main">
+  <p:tag name="KSO_WM_BEAUTIFY_FLAG" val="#wm#"/>
+  <p:tag name="KSO_WM_TEMPLATE_CATEGORY" val="custom"/>
+  <p:tag name="KSO_WM_TEMPLATE_INDEX" val="160402"/>
 </p:tagLst>
 </file>
 

--- a/Web/WeChat-Notes.pptx
+++ b/Web/WeChat-Notes.pptx
@@ -5,7 +5,7 @@
     <p:sldMasterId id="2147483648" r:id="rId1"/>
   </p:sldMasterIdLst>
   <p:notesMasterIdLst>
-    <p:notesMasterId r:id="rId35"/>
+    <p:notesMasterId r:id="rId36"/>
   </p:notesMasterIdLst>
   <p:sldIdLst>
     <p:sldId id="256" r:id="rId3"/>
@@ -21,25 +21,26 @@
     <p:sldId id="298" r:id="rId13"/>
     <p:sldId id="299" r:id="rId14"/>
     <p:sldId id="263" r:id="rId15"/>
-    <p:sldId id="257" r:id="rId16"/>
-    <p:sldId id="258" r:id="rId17"/>
-    <p:sldId id="259" r:id="rId18"/>
-    <p:sldId id="261" r:id="rId19"/>
-    <p:sldId id="262" r:id="rId20"/>
-    <p:sldId id="275" r:id="rId21"/>
-    <p:sldId id="276" r:id="rId22"/>
-    <p:sldId id="316" r:id="rId23"/>
-    <p:sldId id="277" r:id="rId24"/>
-    <p:sldId id="278" r:id="rId25"/>
-    <p:sldId id="279" r:id="rId26"/>
-    <p:sldId id="274" r:id="rId27"/>
-    <p:sldId id="317" r:id="rId28"/>
-    <p:sldId id="318" r:id="rId29"/>
-    <p:sldId id="325" r:id="rId30"/>
-    <p:sldId id="326" r:id="rId31"/>
-    <p:sldId id="327" r:id="rId32"/>
-    <p:sldId id="323" r:id="rId33"/>
-    <p:sldId id="324" r:id="rId34"/>
+    <p:sldId id="330" r:id="rId16"/>
+    <p:sldId id="257" r:id="rId17"/>
+    <p:sldId id="258" r:id="rId18"/>
+    <p:sldId id="259" r:id="rId19"/>
+    <p:sldId id="261" r:id="rId20"/>
+    <p:sldId id="262" r:id="rId21"/>
+    <p:sldId id="275" r:id="rId22"/>
+    <p:sldId id="276" r:id="rId23"/>
+    <p:sldId id="316" r:id="rId24"/>
+    <p:sldId id="277" r:id="rId25"/>
+    <p:sldId id="278" r:id="rId26"/>
+    <p:sldId id="279" r:id="rId27"/>
+    <p:sldId id="274" r:id="rId28"/>
+    <p:sldId id="317" r:id="rId29"/>
+    <p:sldId id="318" r:id="rId30"/>
+    <p:sldId id="325" r:id="rId31"/>
+    <p:sldId id="326" r:id="rId32"/>
+    <p:sldId id="327" r:id="rId33"/>
+    <p:sldId id="323" r:id="rId34"/>
+    <p:sldId id="324" r:id="rId35"/>
   </p:sldIdLst>
   <p:sldSz cx="12192000" cy="6858000"/>
   <p:notesSz cx="6858000" cy="9144000"/>
@@ -3460,7 +3461,7 @@
             <a:pPr algn="ctr"/>
             <a:r>
               <a:rPr lang="en-US" altLang="zh-CN" smtClean="0"/>
-              <a:t>Last updated: 2021-3-29</a:t>
+              <a:t>Last updated: 2021-8-4</a:t>
             </a:r>
             <a:endParaRPr lang="en-US" altLang="zh-CN" smtClean="0"/>
           </a:p>
@@ -4744,7 +4745,7 @@
           <a:p>
             <a:r>
               <a:rPr lang="en-US" altLang="zh-CN"/>
-              <a:t>WeChat Applet</a:t>
+              <a:t>WeChat MiniProgram</a:t>
             </a:r>
             <a:endParaRPr lang="en-US" altLang="zh-CN"/>
           </a:p>
@@ -4791,7 +4792,7 @@
       <p:grpSpPr/>
       <p:sp>
         <p:nvSpPr>
-          <p:cNvPr id="2" name="标题 1"/>
+          <p:cNvPr id="4" name="标题 3"/>
           <p:cNvSpPr>
             <a:spLocks noGrp="1"/>
           </p:cNvSpPr>
@@ -4805,7 +4806,7 @@
           <a:p>
             <a:r>
               <a:rPr lang="en-US" altLang="zh-CN"/>
-              <a:t>Framework 1/3</a:t>
+              <a:t>Configuration</a:t>
             </a:r>
             <a:endParaRPr lang="en-US" altLang="zh-CN"/>
           </a:p>
@@ -4813,279 +4814,81 @@
       </p:sp>
       <p:sp>
         <p:nvSpPr>
-          <p:cNvPr id="4" name="圆角矩形 3"/>
-          <p:cNvSpPr/>
-          <p:nvPr/>
-        </p:nvSpPr>
-        <p:spPr>
-          <a:xfrm>
-            <a:off x="2950845" y="3547745"/>
-            <a:ext cx="6511925" cy="1515110"/>
-          </a:xfrm>
-          <a:prstGeom prst="roundRect">
-            <a:avLst/>
-          </a:prstGeom>
-        </p:spPr>
-        <p:style>
-          <a:lnRef idx="2">
-            <a:schemeClr val="accent1">
-              <a:shade val="50000"/>
-            </a:schemeClr>
-          </a:lnRef>
-          <a:fillRef idx="1">
-            <a:schemeClr val="accent1"/>
-          </a:fillRef>
-          <a:effectRef idx="0">
-            <a:schemeClr val="accent1"/>
-          </a:effectRef>
-          <a:fontRef idx="minor">
-            <a:schemeClr val="lt1"/>
-          </a:fontRef>
-        </p:style>
-        <p:txBody>
-          <a:bodyPr rtlCol="0" anchor="ctr"/>
-          <a:p>
-            <a:pPr algn="ctr"/>
-            <a:r>
-              <a:rPr lang="en-US" altLang="zh-CN"/>
-              <a:t>Logic: JavaScript</a:t>
+          <p:cNvPr id="5" name="内容占位符 4"/>
+          <p:cNvSpPr>
+            <a:spLocks noGrp="1"/>
+          </p:cNvSpPr>
+          <p:nvPr>
+            <p:ph idx="1"/>
+          </p:nvPr>
+        </p:nvSpPr>
+        <p:spPr>
+          <a:xfrm>
+            <a:off x="838200" y="1211580"/>
+            <a:ext cx="4908550" cy="4549140"/>
+          </a:xfrm>
+        </p:spPr>
+        <p:txBody>
+          <a:bodyPr/>
+          <a:p>
+            <a:r>
+              <a:rPr lang="en-US" altLang="zh-CN"/>
+              <a:t>Reference</a:t>
             </a:r>
             <a:endParaRPr lang="en-US" altLang="zh-CN"/>
           </a:p>
-        </p:txBody>
-      </p:sp>
-      <p:sp>
-        <p:nvSpPr>
-          <p:cNvPr id="6" name="圆角矩形 5"/>
-          <p:cNvSpPr/>
-          <p:nvPr/>
-        </p:nvSpPr>
-        <p:spPr>
-          <a:xfrm>
-            <a:off x="2950845" y="1417955"/>
-            <a:ext cx="6511925" cy="1515110"/>
-          </a:xfrm>
-          <a:prstGeom prst="roundRect">
-            <a:avLst/>
-          </a:prstGeom>
-        </p:spPr>
-        <p:style>
-          <a:lnRef idx="2">
-            <a:schemeClr val="accent1">
-              <a:shade val="50000"/>
-            </a:schemeClr>
-          </a:lnRef>
-          <a:fillRef idx="1">
-            <a:schemeClr val="accent1"/>
-          </a:fillRef>
-          <a:effectRef idx="0">
-            <a:schemeClr val="accent1"/>
-          </a:effectRef>
-          <a:fontRef idx="minor">
-            <a:schemeClr val="lt1"/>
-          </a:fontRef>
-        </p:style>
-        <p:txBody>
-          <a:bodyPr rtlCol="0" anchor="ctr"/>
-          <a:p>
-            <a:pPr algn="ctr"/>
-            <a:r>
-              <a:rPr lang="en-US" altLang="zh-CN"/>
-              <a:t>View: WXML/WXSS</a:t>
+          <a:p>
+            <a:pPr lvl="1"/>
+            <a:r>
+              <a:rPr lang="en-US" altLang="zh-CN"/>
+              <a:t>https://developers.weixin.qq.com/miniprogram/dev/framework/ability/network.html</a:t>
             </a:r>
             <a:endParaRPr lang="en-US" altLang="zh-CN"/>
           </a:p>
-        </p:txBody>
-      </p:sp>
-      <p:sp>
-        <p:nvSpPr>
-          <p:cNvPr id="7" name="文本框 6"/>
-          <p:cNvSpPr txBox="1"/>
-          <p:nvPr/>
-        </p:nvSpPr>
-        <p:spPr>
-          <a:xfrm>
-            <a:off x="998220" y="5398770"/>
-            <a:ext cx="2934335" cy="1198880"/>
+          <a:p>
+            <a:r>
+              <a:rPr lang="en-US" altLang="zh-CN"/>
+              <a:t>Configure domain name</a:t>
+            </a:r>
+            <a:endParaRPr lang="en-US" altLang="zh-CN"/>
+          </a:p>
+          <a:p>
+            <a:pPr lvl="1"/>
+            <a:endParaRPr lang="en-US" altLang="zh-CN"/>
+          </a:p>
+        </p:txBody>
+      </p:sp>
+      <p:pic>
+        <p:nvPicPr>
+          <p:cNvPr id="6" name="图片 5"/>
+          <p:cNvPicPr>
+            <a:picLocks noChangeAspect="1"/>
+          </p:cNvPicPr>
+          <p:nvPr>
+            <p:custDataLst>
+              <p:tags r:id="rId1"/>
+            </p:custDataLst>
+          </p:nvPr>
+        </p:nvPicPr>
+        <p:blipFill>
+          <a:blip r:embed="rId2"/>
+          <a:stretch>
+            <a:fillRect/>
+          </a:stretch>
+        </p:blipFill>
+        <p:spPr>
+          <a:xfrm>
+            <a:off x="5613400" y="1403350"/>
+            <a:ext cx="6221095" cy="4282440"/>
           </a:xfrm>
           <a:prstGeom prst="rect">
             <a:avLst/>
           </a:prstGeom>
-          <a:noFill/>
-        </p:spPr>
-        <p:txBody>
-          <a:bodyPr wrap="none" rtlCol="0">
-            <a:spAutoFit/>
-          </a:bodyPr>
-          <a:p>
-            <a:pPr algn="l"/>
-            <a:r>
-              <a:rPr lang="en-US" altLang="zh-CN"/>
-              <a:t>https://mp.weixin.qq.com</a:t>
-            </a:r>
-            <a:endParaRPr lang="en-US" altLang="zh-CN"/>
-          </a:p>
-          <a:p>
-            <a:pPr algn="l"/>
-            <a:endParaRPr lang="en-US" altLang="zh-CN"/>
-          </a:p>
-          <a:p>
-            <a:pPr algn="l"/>
-            <a:r>
-              <a:rPr lang="en-US" altLang="zh-CN"/>
-              <a:t>WXSS: WeiXin Style Sheet</a:t>
-            </a:r>
-            <a:endParaRPr lang="en-US" altLang="zh-CN"/>
-          </a:p>
-          <a:p>
-            <a:pPr algn="l"/>
-            <a:r>
-              <a:rPr lang="en-US" altLang="zh-CN"/>
-              <a:t>WXML: WeiXin XML</a:t>
-            </a:r>
-            <a:endParaRPr lang="en-US" altLang="zh-CN"/>
-          </a:p>
-        </p:txBody>
-      </p:sp>
-      <p:sp>
-        <p:nvSpPr>
-          <p:cNvPr id="8" name="上下箭头 7"/>
-          <p:cNvSpPr/>
-          <p:nvPr/>
-        </p:nvSpPr>
-        <p:spPr>
-          <a:xfrm>
-            <a:off x="4145915" y="2957830"/>
-            <a:ext cx="199390" cy="541655"/>
-          </a:xfrm>
-          <a:prstGeom prst="upDownArrow">
-            <a:avLst/>
-          </a:prstGeom>
-        </p:spPr>
-        <p:style>
-          <a:lnRef idx="2">
-            <a:schemeClr val="accent1">
-              <a:shade val="50000"/>
-            </a:schemeClr>
-          </a:lnRef>
-          <a:fillRef idx="1">
-            <a:schemeClr val="accent1"/>
-          </a:fillRef>
-          <a:effectRef idx="0">
-            <a:schemeClr val="accent1"/>
-          </a:effectRef>
-          <a:fontRef idx="minor">
-            <a:schemeClr val="lt1"/>
-          </a:fontRef>
-        </p:style>
-        <p:txBody>
-          <a:bodyPr rtlCol="0" anchor="ctr"/>
-          <a:p>
-            <a:pPr algn="ctr"/>
-            <a:endParaRPr lang="zh-CN" altLang="en-US"/>
-          </a:p>
-        </p:txBody>
-      </p:sp>
-      <p:sp>
-        <p:nvSpPr>
-          <p:cNvPr id="9" name="上下箭头 8"/>
-          <p:cNvSpPr/>
-          <p:nvPr/>
-        </p:nvSpPr>
-        <p:spPr>
-          <a:xfrm>
-            <a:off x="7093585" y="2933065"/>
-            <a:ext cx="199390" cy="541655"/>
-          </a:xfrm>
-          <a:prstGeom prst="upDownArrow">
-            <a:avLst/>
-          </a:prstGeom>
-        </p:spPr>
-        <p:style>
-          <a:lnRef idx="2">
-            <a:schemeClr val="accent1">
-              <a:shade val="50000"/>
-            </a:schemeClr>
-          </a:lnRef>
-          <a:fillRef idx="1">
-            <a:schemeClr val="accent1"/>
-          </a:fillRef>
-          <a:effectRef idx="0">
-            <a:schemeClr val="accent1"/>
-          </a:effectRef>
-          <a:fontRef idx="minor">
-            <a:schemeClr val="lt1"/>
-          </a:fontRef>
-        </p:style>
-        <p:txBody>
-          <a:bodyPr rtlCol="0" anchor="ctr"/>
-          <a:p>
-            <a:pPr algn="ctr"/>
-            <a:endParaRPr lang="zh-CN" altLang="en-US"/>
-          </a:p>
-        </p:txBody>
-      </p:sp>
-      <p:sp>
-        <p:nvSpPr>
-          <p:cNvPr id="10" name="文本框 9"/>
-          <p:cNvSpPr txBox="1"/>
-          <p:nvPr/>
-        </p:nvSpPr>
-        <p:spPr>
-          <a:xfrm>
-            <a:off x="4431030" y="3081020"/>
-            <a:ext cx="1356995" cy="368300"/>
-          </a:xfrm>
-          <a:prstGeom prst="rect">
-            <a:avLst/>
-          </a:prstGeom>
-          <a:noFill/>
-        </p:spPr>
-        <p:txBody>
-          <a:bodyPr wrap="none" rtlCol="0">
-            <a:spAutoFit/>
-          </a:bodyPr>
-          <a:p>
-            <a:r>
-              <a:rPr lang="en-US" altLang="zh-CN"/>
-              <a:t>Data binding</a:t>
-            </a:r>
-            <a:endParaRPr lang="en-US" altLang="zh-CN"/>
-          </a:p>
-        </p:txBody>
-      </p:sp>
-      <p:sp>
-        <p:nvSpPr>
-          <p:cNvPr id="11" name="文本框 10"/>
-          <p:cNvSpPr txBox="1"/>
-          <p:nvPr/>
-        </p:nvSpPr>
-        <p:spPr>
-          <a:xfrm>
-            <a:off x="7292975" y="3044825"/>
-            <a:ext cx="1884680" cy="368300"/>
-          </a:xfrm>
-          <a:prstGeom prst="rect">
-            <a:avLst/>
-          </a:prstGeom>
-          <a:noFill/>
-        </p:spPr>
-        <p:txBody>
-          <a:bodyPr wrap="none" rtlCol="0">
-            <a:spAutoFit/>
-          </a:bodyPr>
-          <a:p>
-            <a:r>
-              <a:rPr lang="en-US" altLang="zh-CN"/>
-              <a:t>Behavior binding</a:t>
-            </a:r>
-            <a:endParaRPr lang="en-US" altLang="zh-CN"/>
-          </a:p>
-        </p:txBody>
-      </p:sp>
+        </p:spPr>
+      </p:pic>
     </p:spTree>
     <p:custDataLst>
-      <p:tags r:id="rId1"/>
+      <p:tags r:id="rId3"/>
     </p:custDataLst>
   </p:cSld>
   <p:clrMapOvr>
@@ -5120,7 +4923,7 @@
           <a:p>
             <a:r>
               <a:rPr lang="en-US" altLang="zh-CN"/>
-              <a:t>Framework 2/3</a:t>
+              <a:t>Framework 1/3</a:t>
             </a:r>
             <a:endParaRPr lang="en-US" altLang="zh-CN"/>
           </a:p>
@@ -5128,167 +4931,16 @@
       </p:sp>
       <p:sp>
         <p:nvSpPr>
-          <p:cNvPr id="4" name="文本框 3"/>
-          <p:cNvSpPr txBox="1"/>
-          <p:nvPr/>
-        </p:nvSpPr>
-        <p:spPr>
-          <a:xfrm>
-            <a:off x="1188085" y="2006600"/>
-            <a:ext cx="4009390" cy="3692525"/>
-          </a:xfrm>
-          <a:prstGeom prst="rect">
-            <a:avLst/>
-          </a:prstGeom>
-          <a:solidFill>
-            <a:schemeClr val="accent5">
-              <a:alpha val="43000"/>
-            </a:schemeClr>
-          </a:solidFill>
-        </p:spPr>
-        <p:txBody>
-          <a:bodyPr wrap="square" rtlCol="0">
-            <a:spAutoFit/>
-          </a:bodyPr>
-          <a:p>
-            <a:pPr algn="l"/>
-            <a:r>
-              <a:rPr lang="en-US" altLang="zh-CN">
-                <a:sym typeface="+mn-ea"/>
-              </a:rPr>
-              <a:t>Page({</a:t>
-            </a:r>
-            <a:endParaRPr lang="en-US" altLang="zh-CN"/>
-          </a:p>
-          <a:p>
-            <a:pPr lvl="1" algn="l"/>
-            <a:r>
-              <a:rPr lang="en-US" altLang="zh-CN">
-                <a:sym typeface="+mn-ea"/>
-              </a:rPr>
-              <a:t>data: {</a:t>
-            </a:r>
-            <a:endParaRPr lang="en-US" altLang="zh-CN">
-              <a:sym typeface="+mn-ea"/>
-            </a:endParaRPr>
-          </a:p>
-          <a:p>
-            <a:pPr lvl="1" algn="l"/>
-            <a:r>
-              <a:rPr lang="en-US" altLang="zh-CN">
-                <a:sym typeface="+mn-ea"/>
-              </a:rPr>
-              <a:t>	var-name: value</a:t>
-            </a:r>
-            <a:endParaRPr lang="en-US" altLang="zh-CN">
-              <a:sym typeface="+mn-ea"/>
-            </a:endParaRPr>
-          </a:p>
-          <a:p>
-            <a:pPr lvl="1" algn="l"/>
-            <a:r>
-              <a:rPr lang="en-US" altLang="zh-CN">
-                <a:sym typeface="+mn-ea"/>
-              </a:rPr>
-              <a:t>},</a:t>
-            </a:r>
-            <a:endParaRPr lang="en-US" altLang="zh-CN">
-              <a:sym typeface="+mn-ea"/>
-            </a:endParaRPr>
-          </a:p>
-          <a:p>
-            <a:pPr lvl="1" algn="l"/>
-            <a:endParaRPr lang="en-US" altLang="zh-CN">
-              <a:sym typeface="+mn-ea"/>
-            </a:endParaRPr>
-          </a:p>
-          <a:p>
-            <a:pPr lvl="1" algn="l"/>
-            <a:r>
-              <a:rPr lang="en-US" altLang="zh-CN">
-                <a:sym typeface="+mn-ea"/>
-              </a:rPr>
-              <a:t>function-name: function() {</a:t>
-            </a:r>
-            <a:endParaRPr lang="en-US" altLang="zh-CN">
-              <a:sym typeface="+mn-ea"/>
-            </a:endParaRPr>
-          </a:p>
-          <a:p>
-            <a:pPr lvl="1" algn="l"/>
-            <a:r>
-              <a:rPr lang="en-US" altLang="zh-CN">
-                <a:sym typeface="+mn-ea"/>
-              </a:rPr>
-              <a:t>}</a:t>
-            </a:r>
-            <a:endParaRPr lang="en-US" altLang="zh-CN">
-              <a:sym typeface="+mn-ea"/>
-            </a:endParaRPr>
-          </a:p>
-          <a:p>
-            <a:pPr lvl="1" algn="l"/>
-            <a:endParaRPr lang="en-US" altLang="zh-CN"/>
-          </a:p>
-          <a:p>
-            <a:pPr lvl="1" algn="l"/>
-            <a:r>
-              <a:rPr lang="en-US" altLang="zh-CN">
-                <a:sym typeface="+mn-ea"/>
-              </a:rPr>
-              <a:t>onLoad: function() {</a:t>
-            </a:r>
-            <a:endParaRPr lang="en-US" altLang="zh-CN">
-              <a:sym typeface="+mn-ea"/>
-            </a:endParaRPr>
-          </a:p>
-          <a:p>
-            <a:pPr lvl="1" algn="l"/>
-            <a:r>
-              <a:rPr lang="en-US" altLang="zh-CN">
-                <a:sym typeface="+mn-ea"/>
-              </a:rPr>
-              <a:t>}</a:t>
-            </a:r>
-            <a:endParaRPr lang="en-US" altLang="zh-CN">
-              <a:sym typeface="+mn-ea"/>
-            </a:endParaRPr>
-          </a:p>
-          <a:p>
-            <a:pPr lvl="1" algn="l"/>
-            <a:endParaRPr lang="en-US" altLang="zh-CN">
-              <a:sym typeface="+mn-ea"/>
-            </a:endParaRPr>
-          </a:p>
-          <a:p>
-            <a:pPr marL="0" lvl="1" algn="l" fontAlgn="auto"/>
-            <a:r>
-              <a:rPr lang="en-US" altLang="zh-CN">
-                <a:sym typeface="+mn-ea"/>
-              </a:rPr>
-              <a:t>})</a:t>
-            </a:r>
-            <a:endParaRPr lang="en-US" altLang="zh-CN">
-              <a:sym typeface="+mn-ea"/>
-            </a:endParaRPr>
-          </a:p>
-          <a:p>
-            <a:endParaRPr lang="zh-CN" altLang="en-US"/>
-          </a:p>
-        </p:txBody>
-      </p:sp>
-      <p:sp>
-        <p:nvSpPr>
-          <p:cNvPr id="5" name="线形标注 1 4"/>
+          <p:cNvPr id="4" name="圆角矩形 3"/>
           <p:cNvSpPr/>
           <p:nvPr/>
         </p:nvSpPr>
         <p:spPr>
           <a:xfrm>
-            <a:off x="3251835" y="1756410"/>
-            <a:ext cx="2301240" cy="551180"/>
-          </a:xfrm>
-          <a:prstGeom prst="borderCallout1">
+            <a:off x="2950845" y="3547745"/>
+            <a:ext cx="6511925" cy="1515110"/>
+          </a:xfrm>
+          <a:prstGeom prst="roundRect">
             <a:avLst/>
           </a:prstGeom>
         </p:spPr>
@@ -5314,7 +4966,7 @@
             <a:pPr algn="ctr"/>
             <a:r>
               <a:rPr lang="en-US" altLang="zh-CN"/>
-              <a:t>declaration of data</a:t>
+              <a:t>Logic: JavaScript</a:t>
             </a:r>
             <a:endParaRPr lang="en-US" altLang="zh-CN"/>
           </a:p>
@@ -5322,249 +4974,16 @@
       </p:sp>
       <p:sp>
         <p:nvSpPr>
-          <p:cNvPr id="6" name="文本框 5"/>
-          <p:cNvSpPr txBox="1"/>
-          <p:nvPr/>
-        </p:nvSpPr>
-        <p:spPr>
-          <a:xfrm>
-            <a:off x="1986915" y="5460365"/>
-            <a:ext cx="919480" cy="521970"/>
-          </a:xfrm>
-          <a:prstGeom prst="rect">
-            <a:avLst/>
-          </a:prstGeom>
-          <a:noFill/>
-        </p:spPr>
-        <p:txBody>
-          <a:bodyPr wrap="none" rtlCol="0">
-            <a:spAutoFit/>
-          </a:bodyPr>
-          <a:p>
-            <a:r>
-              <a:rPr lang="en-US" altLang="zh-CN" sz="2800"/>
-              <a:t>Logic</a:t>
-            </a:r>
-            <a:endParaRPr lang="en-US" altLang="zh-CN" sz="2800"/>
-          </a:p>
-        </p:txBody>
-      </p:sp>
-      <p:sp>
-        <p:nvSpPr>
-          <p:cNvPr id="7" name="文本框 6"/>
-          <p:cNvSpPr txBox="1"/>
-          <p:nvPr/>
-        </p:nvSpPr>
-        <p:spPr>
-          <a:xfrm>
-            <a:off x="9024620" y="5546725"/>
-            <a:ext cx="895985" cy="521970"/>
-          </a:xfrm>
-          <a:prstGeom prst="rect">
-            <a:avLst/>
-          </a:prstGeom>
-          <a:noFill/>
-        </p:spPr>
-        <p:txBody>
-          <a:bodyPr wrap="none" rtlCol="0">
-            <a:spAutoFit/>
-          </a:bodyPr>
-          <a:p>
-            <a:r>
-              <a:rPr lang="en-US" altLang="zh-CN" sz="2800"/>
-              <a:t>View</a:t>
-            </a:r>
-            <a:endParaRPr lang="en-US" altLang="zh-CN" sz="2800"/>
-          </a:p>
-        </p:txBody>
-      </p:sp>
-      <p:sp>
-        <p:nvSpPr>
-          <p:cNvPr id="8" name="文本框 7"/>
-          <p:cNvSpPr txBox="1"/>
-          <p:nvPr/>
-        </p:nvSpPr>
-        <p:spPr>
-          <a:xfrm>
-            <a:off x="8387080" y="2136775"/>
-            <a:ext cx="3429635" cy="1198880"/>
-          </a:xfrm>
-          <a:prstGeom prst="rect">
-            <a:avLst/>
-          </a:prstGeom>
-          <a:solidFill>
-            <a:schemeClr val="accent5">
-              <a:alpha val="43000"/>
-            </a:schemeClr>
-          </a:solidFill>
-        </p:spPr>
-        <p:txBody>
-          <a:bodyPr wrap="square" rtlCol="0">
-            <a:spAutoFit/>
-          </a:bodyPr>
-          <a:p>
-            <a:pPr algn="l"/>
-            <a:r>
-              <a:rPr lang="en-US" altLang="zh-CN">
-                <a:sym typeface="+mn-ea"/>
-              </a:rPr>
-              <a:t>{{var-name}}</a:t>
-            </a:r>
-            <a:endParaRPr lang="en-US" altLang="zh-CN">
-              <a:sym typeface="+mn-ea"/>
-            </a:endParaRPr>
-          </a:p>
-          <a:p>
-            <a:pPr algn="l"/>
-            <a:r>
-              <a:rPr lang="en-US" altLang="zh-CN">
-                <a:sym typeface="+mn-ea"/>
-              </a:rPr>
-              <a:t>&lt;view bindtap=”function-name”&gt;</a:t>
-            </a:r>
-            <a:endParaRPr lang="en-US" altLang="zh-CN">
-              <a:sym typeface="+mn-ea"/>
-            </a:endParaRPr>
-          </a:p>
-          <a:p>
-            <a:endParaRPr lang="zh-CN" altLang="en-US"/>
-          </a:p>
-        </p:txBody>
-      </p:sp>
-      <p:cxnSp>
-        <p:nvCxnSpPr>
-          <p:cNvPr id="9" name="曲线连接符 8"/>
-          <p:cNvCxnSpPr/>
-          <p:nvPr/>
-        </p:nvCxnSpPr>
-        <p:spPr>
-          <a:xfrm flipV="1">
-            <a:off x="3827780" y="2301240"/>
-            <a:ext cx="4654550" cy="427990"/>
-          </a:xfrm>
-          <a:prstGeom prst="curvedConnector3">
-            <a:avLst>
-              <a:gd name="adj1" fmla="val 50014"/>
-            </a:avLst>
-          </a:prstGeom>
-        </p:spPr>
-        <p:style>
-          <a:lnRef idx="1">
-            <a:schemeClr val="accent1"/>
-          </a:lnRef>
-          <a:fillRef idx="0">
-            <a:schemeClr val="accent1"/>
-          </a:fillRef>
-          <a:effectRef idx="0">
-            <a:schemeClr val="accent1"/>
-          </a:effectRef>
-          <a:fontRef idx="minor">
-            <a:schemeClr val="tx1"/>
-          </a:fontRef>
-        </p:style>
-      </p:cxnSp>
-      <p:cxnSp>
-        <p:nvCxnSpPr>
-          <p:cNvPr id="10" name="曲线连接符 9"/>
-          <p:cNvCxnSpPr/>
-          <p:nvPr/>
-        </p:nvCxnSpPr>
-        <p:spPr>
-          <a:xfrm flipV="1">
-            <a:off x="2747645" y="2653030"/>
-            <a:ext cx="7637145" cy="922655"/>
-          </a:xfrm>
-          <a:prstGeom prst="curvedConnector3">
-            <a:avLst>
-              <a:gd name="adj1" fmla="val 50004"/>
-            </a:avLst>
-          </a:prstGeom>
-        </p:spPr>
-        <p:style>
-          <a:lnRef idx="1">
-            <a:schemeClr val="accent1"/>
-          </a:lnRef>
-          <a:fillRef idx="0">
-            <a:schemeClr val="accent1"/>
-          </a:fillRef>
-          <a:effectRef idx="0">
-            <a:schemeClr val="accent1"/>
-          </a:effectRef>
-          <a:fontRef idx="minor">
-            <a:schemeClr val="tx1"/>
-          </a:fontRef>
-        </p:style>
-      </p:cxnSp>
-      <p:sp>
-        <p:nvSpPr>
-          <p:cNvPr id="11" name="文本框 10"/>
-          <p:cNvSpPr txBox="1"/>
-          <p:nvPr/>
-        </p:nvSpPr>
-        <p:spPr>
-          <a:xfrm>
-            <a:off x="6123940" y="2215515"/>
-            <a:ext cx="1373505" cy="368300"/>
-          </a:xfrm>
-          <a:prstGeom prst="rect">
-            <a:avLst/>
-          </a:prstGeom>
-          <a:noFill/>
-        </p:spPr>
-        <p:txBody>
-          <a:bodyPr wrap="none" rtlCol="0">
-            <a:spAutoFit/>
-          </a:bodyPr>
-          <a:p>
-            <a:r>
-              <a:rPr lang="en-US" altLang="zh-CN" b="1"/>
-              <a:t>Binding data</a:t>
-            </a:r>
-            <a:endParaRPr lang="en-US" altLang="zh-CN" b="1"/>
-          </a:p>
-        </p:txBody>
-      </p:sp>
-      <p:sp>
-        <p:nvSpPr>
-          <p:cNvPr id="12" name="文本框 11"/>
-          <p:cNvSpPr txBox="1"/>
-          <p:nvPr/>
-        </p:nvSpPr>
-        <p:spPr>
-          <a:xfrm>
-            <a:off x="6104890" y="3058795"/>
-            <a:ext cx="1788160" cy="368300"/>
-          </a:xfrm>
-          <a:prstGeom prst="rect">
-            <a:avLst/>
-          </a:prstGeom>
-          <a:noFill/>
-        </p:spPr>
-        <p:txBody>
-          <a:bodyPr wrap="none" rtlCol="0">
-            <a:spAutoFit/>
-          </a:bodyPr>
-          <a:p>
-            <a:r>
-              <a:rPr lang="en-US" altLang="zh-CN" b="1"/>
-              <a:t>Binding behavior</a:t>
-            </a:r>
-            <a:endParaRPr lang="en-US" altLang="zh-CN" b="1"/>
-          </a:p>
-        </p:txBody>
-      </p:sp>
-      <p:sp>
-        <p:nvSpPr>
-          <p:cNvPr id="13" name="线形标注 1 12"/>
+          <p:cNvPr id="6" name="圆角矩形 5"/>
           <p:cNvSpPr/>
           <p:nvPr/>
         </p:nvSpPr>
         <p:spPr>
           <a:xfrm>
-            <a:off x="3166745" y="2875915"/>
-            <a:ext cx="2301240" cy="551180"/>
-          </a:xfrm>
-          <a:prstGeom prst="borderCallout1">
+            <a:off x="2950845" y="1417955"/>
+            <a:ext cx="6511925" cy="1515110"/>
+          </a:xfrm>
+          <a:prstGeom prst="roundRect">
             <a:avLst/>
           </a:prstGeom>
         </p:spPr>
@@ -5590,7 +5009,193 @@
             <a:pPr algn="ctr"/>
             <a:r>
               <a:rPr lang="en-US" altLang="zh-CN"/>
-              <a:t>declaration of behavior</a:t>
+              <a:t>View: WXML/WXSS</a:t>
+            </a:r>
+            <a:endParaRPr lang="en-US" altLang="zh-CN"/>
+          </a:p>
+        </p:txBody>
+      </p:sp>
+      <p:sp>
+        <p:nvSpPr>
+          <p:cNvPr id="7" name="文本框 6"/>
+          <p:cNvSpPr txBox="1"/>
+          <p:nvPr/>
+        </p:nvSpPr>
+        <p:spPr>
+          <a:xfrm>
+            <a:off x="998220" y="5398770"/>
+            <a:ext cx="2934335" cy="1198880"/>
+          </a:xfrm>
+          <a:prstGeom prst="rect">
+            <a:avLst/>
+          </a:prstGeom>
+          <a:noFill/>
+        </p:spPr>
+        <p:txBody>
+          <a:bodyPr wrap="none" rtlCol="0">
+            <a:spAutoFit/>
+          </a:bodyPr>
+          <a:p>
+            <a:pPr algn="l"/>
+            <a:r>
+              <a:rPr lang="en-US" altLang="zh-CN"/>
+              <a:t>https://mp.weixin.qq.com</a:t>
+            </a:r>
+            <a:endParaRPr lang="en-US" altLang="zh-CN"/>
+          </a:p>
+          <a:p>
+            <a:pPr algn="l"/>
+            <a:endParaRPr lang="en-US" altLang="zh-CN"/>
+          </a:p>
+          <a:p>
+            <a:pPr algn="l"/>
+            <a:r>
+              <a:rPr lang="en-US" altLang="zh-CN"/>
+              <a:t>WXSS: WeiXin Style Sheet</a:t>
+            </a:r>
+            <a:endParaRPr lang="en-US" altLang="zh-CN"/>
+          </a:p>
+          <a:p>
+            <a:pPr algn="l"/>
+            <a:r>
+              <a:rPr lang="en-US" altLang="zh-CN"/>
+              <a:t>WXML: WeiXin XML</a:t>
+            </a:r>
+            <a:endParaRPr lang="en-US" altLang="zh-CN"/>
+          </a:p>
+        </p:txBody>
+      </p:sp>
+      <p:sp>
+        <p:nvSpPr>
+          <p:cNvPr id="8" name="上下箭头 7"/>
+          <p:cNvSpPr/>
+          <p:nvPr/>
+        </p:nvSpPr>
+        <p:spPr>
+          <a:xfrm>
+            <a:off x="4145915" y="2957830"/>
+            <a:ext cx="199390" cy="541655"/>
+          </a:xfrm>
+          <a:prstGeom prst="upDownArrow">
+            <a:avLst/>
+          </a:prstGeom>
+        </p:spPr>
+        <p:style>
+          <a:lnRef idx="2">
+            <a:schemeClr val="accent1">
+              <a:shade val="50000"/>
+            </a:schemeClr>
+          </a:lnRef>
+          <a:fillRef idx="1">
+            <a:schemeClr val="accent1"/>
+          </a:fillRef>
+          <a:effectRef idx="0">
+            <a:schemeClr val="accent1"/>
+          </a:effectRef>
+          <a:fontRef idx="minor">
+            <a:schemeClr val="lt1"/>
+          </a:fontRef>
+        </p:style>
+        <p:txBody>
+          <a:bodyPr rtlCol="0" anchor="ctr"/>
+          <a:p>
+            <a:pPr algn="ctr"/>
+            <a:endParaRPr lang="zh-CN" altLang="en-US"/>
+          </a:p>
+        </p:txBody>
+      </p:sp>
+      <p:sp>
+        <p:nvSpPr>
+          <p:cNvPr id="9" name="上下箭头 8"/>
+          <p:cNvSpPr/>
+          <p:nvPr/>
+        </p:nvSpPr>
+        <p:spPr>
+          <a:xfrm>
+            <a:off x="7093585" y="2933065"/>
+            <a:ext cx="199390" cy="541655"/>
+          </a:xfrm>
+          <a:prstGeom prst="upDownArrow">
+            <a:avLst/>
+          </a:prstGeom>
+        </p:spPr>
+        <p:style>
+          <a:lnRef idx="2">
+            <a:schemeClr val="accent1">
+              <a:shade val="50000"/>
+            </a:schemeClr>
+          </a:lnRef>
+          <a:fillRef idx="1">
+            <a:schemeClr val="accent1"/>
+          </a:fillRef>
+          <a:effectRef idx="0">
+            <a:schemeClr val="accent1"/>
+          </a:effectRef>
+          <a:fontRef idx="minor">
+            <a:schemeClr val="lt1"/>
+          </a:fontRef>
+        </p:style>
+        <p:txBody>
+          <a:bodyPr rtlCol="0" anchor="ctr"/>
+          <a:p>
+            <a:pPr algn="ctr"/>
+            <a:endParaRPr lang="zh-CN" altLang="en-US"/>
+          </a:p>
+        </p:txBody>
+      </p:sp>
+      <p:sp>
+        <p:nvSpPr>
+          <p:cNvPr id="10" name="文本框 9"/>
+          <p:cNvSpPr txBox="1"/>
+          <p:nvPr/>
+        </p:nvSpPr>
+        <p:spPr>
+          <a:xfrm>
+            <a:off x="4431030" y="3081020"/>
+            <a:ext cx="1356995" cy="368300"/>
+          </a:xfrm>
+          <a:prstGeom prst="rect">
+            <a:avLst/>
+          </a:prstGeom>
+          <a:noFill/>
+        </p:spPr>
+        <p:txBody>
+          <a:bodyPr wrap="none" rtlCol="0">
+            <a:spAutoFit/>
+          </a:bodyPr>
+          <a:p>
+            <a:r>
+              <a:rPr lang="en-US" altLang="zh-CN"/>
+              <a:t>Data binding</a:t>
+            </a:r>
+            <a:endParaRPr lang="en-US" altLang="zh-CN"/>
+          </a:p>
+        </p:txBody>
+      </p:sp>
+      <p:sp>
+        <p:nvSpPr>
+          <p:cNvPr id="11" name="文本框 10"/>
+          <p:cNvSpPr txBox="1"/>
+          <p:nvPr/>
+        </p:nvSpPr>
+        <p:spPr>
+          <a:xfrm>
+            <a:off x="7292975" y="3044825"/>
+            <a:ext cx="1884680" cy="368300"/>
+          </a:xfrm>
+          <a:prstGeom prst="rect">
+            <a:avLst/>
+          </a:prstGeom>
+          <a:noFill/>
+        </p:spPr>
+        <p:txBody>
+          <a:bodyPr wrap="none" rtlCol="0">
+            <a:spAutoFit/>
+          </a:bodyPr>
+          <a:p>
+            <a:r>
+              <a:rPr lang="en-US" altLang="zh-CN"/>
+              <a:t>Behavior binding</a:t>
             </a:r>
             <a:endParaRPr lang="en-US" altLang="zh-CN"/>
           </a:p>
@@ -5633,34 +5238,8 @@
           <a:p>
             <a:r>
               <a:rPr lang="en-US" altLang="zh-CN"/>
-              <a:t>Framework 3/3</a:t>
-            </a:r>
-            <a:endParaRPr lang="en-US" altLang="zh-CN"/>
-          </a:p>
-        </p:txBody>
-      </p:sp>
-      <p:sp>
-        <p:nvSpPr>
-          <p:cNvPr id="3" name="内容占位符 2"/>
-          <p:cNvSpPr>
-            <a:spLocks noGrp="1"/>
-          </p:cNvSpPr>
-          <p:nvPr>
-            <p:ph idx="1"/>
-          </p:nvPr>
-        </p:nvSpPr>
-        <p:spPr/>
-        <p:txBody>
-          <a:bodyPr/>
-          <a:p>
-            <a:r>
-              <a:rPr lang="en-US" altLang="zh-CN"/>
-              <a:t>Navigate Among Pages</a:t>
-            </a:r>
-            <a:endParaRPr lang="en-US" altLang="zh-CN"/>
-          </a:p>
-          <a:p>
-            <a:pPr lvl="1"/>
+              <a:t>Framework 2/3</a:t>
+            </a:r>
             <a:endParaRPr lang="en-US" altLang="zh-CN"/>
           </a:p>
         </p:txBody>
@@ -5673,38 +5252,465 @@
         </p:nvSpPr>
         <p:spPr>
           <a:xfrm>
-            <a:off x="1378585" y="1711960"/>
-            <a:ext cx="7446010" cy="922020"/>
+            <a:off x="1188085" y="2006600"/>
+            <a:ext cx="4009390" cy="3692525"/>
           </a:xfrm>
           <a:prstGeom prst="rect">
             <a:avLst/>
           </a:prstGeom>
-          <a:noFill/>
+          <a:solidFill>
+            <a:schemeClr val="accent5">
+              <a:alpha val="43000"/>
+            </a:schemeClr>
+          </a:solidFill>
         </p:spPr>
         <p:txBody>
           <a:bodyPr wrap="square" rtlCol="0">
             <a:spAutoFit/>
           </a:bodyPr>
           <a:p>
-            <a:r>
-              <a:rPr lang="zh-CN" altLang="en-US"/>
-              <a:t>    wx.navigateTo({</a:t>
-            </a:r>
+            <a:pPr algn="l"/>
+            <a:r>
+              <a:rPr lang="en-US" altLang="zh-CN">
+                <a:sym typeface="+mn-ea"/>
+              </a:rPr>
+              <a:t>Page({</a:t>
+            </a:r>
+            <a:endParaRPr lang="en-US" altLang="zh-CN"/>
+          </a:p>
+          <a:p>
+            <a:pPr lvl="1" algn="l"/>
+            <a:r>
+              <a:rPr lang="en-US" altLang="zh-CN">
+                <a:sym typeface="+mn-ea"/>
+              </a:rPr>
+              <a:t>data: {</a:t>
+            </a:r>
+            <a:endParaRPr lang="en-US" altLang="zh-CN">
+              <a:sym typeface="+mn-ea"/>
+            </a:endParaRPr>
+          </a:p>
+          <a:p>
+            <a:pPr lvl="1" algn="l"/>
+            <a:r>
+              <a:rPr lang="en-US" altLang="zh-CN">
+                <a:sym typeface="+mn-ea"/>
+              </a:rPr>
+              <a:t>	var-name: value</a:t>
+            </a:r>
+            <a:endParaRPr lang="en-US" altLang="zh-CN">
+              <a:sym typeface="+mn-ea"/>
+            </a:endParaRPr>
+          </a:p>
+          <a:p>
+            <a:pPr lvl="1" algn="l"/>
+            <a:r>
+              <a:rPr lang="en-US" altLang="zh-CN">
+                <a:sym typeface="+mn-ea"/>
+              </a:rPr>
+              <a:t>},</a:t>
+            </a:r>
+            <a:endParaRPr lang="en-US" altLang="zh-CN">
+              <a:sym typeface="+mn-ea"/>
+            </a:endParaRPr>
+          </a:p>
+          <a:p>
+            <a:pPr lvl="1" algn="l"/>
+            <a:endParaRPr lang="en-US" altLang="zh-CN">
+              <a:sym typeface="+mn-ea"/>
+            </a:endParaRPr>
+          </a:p>
+          <a:p>
+            <a:pPr lvl="1" algn="l"/>
+            <a:r>
+              <a:rPr lang="en-US" altLang="zh-CN">
+                <a:sym typeface="+mn-ea"/>
+              </a:rPr>
+              <a:t>function-name: function() {</a:t>
+            </a:r>
+            <a:endParaRPr lang="en-US" altLang="zh-CN">
+              <a:sym typeface="+mn-ea"/>
+            </a:endParaRPr>
+          </a:p>
+          <a:p>
+            <a:pPr lvl="1" algn="l"/>
+            <a:r>
+              <a:rPr lang="en-US" altLang="zh-CN">
+                <a:sym typeface="+mn-ea"/>
+              </a:rPr>
+              <a:t>}</a:t>
+            </a:r>
+            <a:endParaRPr lang="en-US" altLang="zh-CN">
+              <a:sym typeface="+mn-ea"/>
+            </a:endParaRPr>
+          </a:p>
+          <a:p>
+            <a:pPr lvl="1" algn="l"/>
+            <a:endParaRPr lang="en-US" altLang="zh-CN"/>
+          </a:p>
+          <a:p>
+            <a:pPr lvl="1" algn="l"/>
+            <a:r>
+              <a:rPr lang="en-US" altLang="zh-CN">
+                <a:sym typeface="+mn-ea"/>
+              </a:rPr>
+              <a:t>onLoad: function() {</a:t>
+            </a:r>
+            <a:endParaRPr lang="en-US" altLang="zh-CN">
+              <a:sym typeface="+mn-ea"/>
+            </a:endParaRPr>
+          </a:p>
+          <a:p>
+            <a:pPr lvl="1" algn="l"/>
+            <a:r>
+              <a:rPr lang="en-US" altLang="zh-CN">
+                <a:sym typeface="+mn-ea"/>
+              </a:rPr>
+              <a:t>}</a:t>
+            </a:r>
+            <a:endParaRPr lang="en-US" altLang="zh-CN">
+              <a:sym typeface="+mn-ea"/>
+            </a:endParaRPr>
+          </a:p>
+          <a:p>
+            <a:pPr lvl="1" algn="l"/>
+            <a:endParaRPr lang="en-US" altLang="zh-CN">
+              <a:sym typeface="+mn-ea"/>
+            </a:endParaRPr>
+          </a:p>
+          <a:p>
+            <a:pPr marL="0" lvl="1" algn="l" fontAlgn="auto"/>
+            <a:r>
+              <a:rPr lang="en-US" altLang="zh-CN">
+                <a:sym typeface="+mn-ea"/>
+              </a:rPr>
+              <a:t>})</a:t>
+            </a:r>
+            <a:endParaRPr lang="en-US" altLang="zh-CN">
+              <a:sym typeface="+mn-ea"/>
+            </a:endParaRPr>
+          </a:p>
+          <a:p>
             <a:endParaRPr lang="zh-CN" altLang="en-US"/>
           </a:p>
-          <a:p>
-            <a:r>
-              <a:rPr lang="zh-CN" altLang="en-US"/>
-              <a:t>      url: '../logs/logs'</a:t>
-            </a:r>
+        </p:txBody>
+      </p:sp>
+      <p:sp>
+        <p:nvSpPr>
+          <p:cNvPr id="5" name="线形标注 1 4"/>
+          <p:cNvSpPr/>
+          <p:nvPr/>
+        </p:nvSpPr>
+        <p:spPr>
+          <a:xfrm>
+            <a:off x="3251835" y="1756410"/>
+            <a:ext cx="2301240" cy="551180"/>
+          </a:xfrm>
+          <a:prstGeom prst="borderCallout1">
+            <a:avLst/>
+          </a:prstGeom>
+        </p:spPr>
+        <p:style>
+          <a:lnRef idx="2">
+            <a:schemeClr val="accent1">
+              <a:shade val="50000"/>
+            </a:schemeClr>
+          </a:lnRef>
+          <a:fillRef idx="1">
+            <a:schemeClr val="accent1"/>
+          </a:fillRef>
+          <a:effectRef idx="0">
+            <a:schemeClr val="accent1"/>
+          </a:effectRef>
+          <a:fontRef idx="minor">
+            <a:schemeClr val="lt1"/>
+          </a:fontRef>
+        </p:style>
+        <p:txBody>
+          <a:bodyPr rtlCol="0" anchor="ctr"/>
+          <a:p>
+            <a:pPr algn="ctr"/>
+            <a:r>
+              <a:rPr lang="en-US" altLang="zh-CN"/>
+              <a:t>declaration of data</a:t>
+            </a:r>
+            <a:endParaRPr lang="en-US" altLang="zh-CN"/>
+          </a:p>
+        </p:txBody>
+      </p:sp>
+      <p:sp>
+        <p:nvSpPr>
+          <p:cNvPr id="6" name="文本框 5"/>
+          <p:cNvSpPr txBox="1"/>
+          <p:nvPr/>
+        </p:nvSpPr>
+        <p:spPr>
+          <a:xfrm>
+            <a:off x="1986915" y="5460365"/>
+            <a:ext cx="919480" cy="521970"/>
+          </a:xfrm>
+          <a:prstGeom prst="rect">
+            <a:avLst/>
+          </a:prstGeom>
+          <a:noFill/>
+        </p:spPr>
+        <p:txBody>
+          <a:bodyPr wrap="none" rtlCol="0">
+            <a:spAutoFit/>
+          </a:bodyPr>
+          <a:p>
+            <a:r>
+              <a:rPr lang="en-US" altLang="zh-CN" sz="2800"/>
+              <a:t>Logic</a:t>
+            </a:r>
+            <a:endParaRPr lang="en-US" altLang="zh-CN" sz="2800"/>
+          </a:p>
+        </p:txBody>
+      </p:sp>
+      <p:sp>
+        <p:nvSpPr>
+          <p:cNvPr id="7" name="文本框 6"/>
+          <p:cNvSpPr txBox="1"/>
+          <p:nvPr/>
+        </p:nvSpPr>
+        <p:spPr>
+          <a:xfrm>
+            <a:off x="9024620" y="5546725"/>
+            <a:ext cx="895985" cy="521970"/>
+          </a:xfrm>
+          <a:prstGeom prst="rect">
+            <a:avLst/>
+          </a:prstGeom>
+          <a:noFill/>
+        </p:spPr>
+        <p:txBody>
+          <a:bodyPr wrap="none" rtlCol="0">
+            <a:spAutoFit/>
+          </a:bodyPr>
+          <a:p>
+            <a:r>
+              <a:rPr lang="en-US" altLang="zh-CN" sz="2800"/>
+              <a:t>View</a:t>
+            </a:r>
+            <a:endParaRPr lang="en-US" altLang="zh-CN" sz="2800"/>
+          </a:p>
+        </p:txBody>
+      </p:sp>
+      <p:sp>
+        <p:nvSpPr>
+          <p:cNvPr id="8" name="文本框 7"/>
+          <p:cNvSpPr txBox="1"/>
+          <p:nvPr/>
+        </p:nvSpPr>
+        <p:spPr>
+          <a:xfrm>
+            <a:off x="8387080" y="2136775"/>
+            <a:ext cx="3429635" cy="1198880"/>
+          </a:xfrm>
+          <a:prstGeom prst="rect">
+            <a:avLst/>
+          </a:prstGeom>
+          <a:solidFill>
+            <a:schemeClr val="accent5">
+              <a:alpha val="43000"/>
+            </a:schemeClr>
+          </a:solidFill>
+        </p:spPr>
+        <p:txBody>
+          <a:bodyPr wrap="square" rtlCol="0">
+            <a:spAutoFit/>
+          </a:bodyPr>
+          <a:p>
+            <a:pPr algn="l"/>
+            <a:r>
+              <a:rPr lang="en-US" altLang="zh-CN">
+                <a:sym typeface="+mn-ea"/>
+              </a:rPr>
+              <a:t>{{var-name}}</a:t>
+            </a:r>
+            <a:endParaRPr lang="en-US" altLang="zh-CN">
+              <a:sym typeface="+mn-ea"/>
+            </a:endParaRPr>
+          </a:p>
+          <a:p>
+            <a:pPr algn="l"/>
+            <a:r>
+              <a:rPr lang="en-US" altLang="zh-CN">
+                <a:sym typeface="+mn-ea"/>
+              </a:rPr>
+              <a:t>&lt;view bindtap=”function-name”&gt;</a:t>
+            </a:r>
+            <a:endParaRPr lang="en-US" altLang="zh-CN">
+              <a:sym typeface="+mn-ea"/>
+            </a:endParaRPr>
+          </a:p>
+          <a:p>
             <a:endParaRPr lang="zh-CN" altLang="en-US"/>
           </a:p>
-          <a:p>
-            <a:r>
-              <a:rPr lang="zh-CN" altLang="en-US"/>
-              <a:t>    })</a:t>
-            </a:r>
-            <a:endParaRPr lang="zh-CN" altLang="en-US"/>
+        </p:txBody>
+      </p:sp>
+      <p:cxnSp>
+        <p:nvCxnSpPr>
+          <p:cNvPr id="9" name="曲线连接符 8"/>
+          <p:cNvCxnSpPr/>
+          <p:nvPr/>
+        </p:nvCxnSpPr>
+        <p:spPr>
+          <a:xfrm flipV="1">
+            <a:off x="3827780" y="2301240"/>
+            <a:ext cx="4654550" cy="427990"/>
+          </a:xfrm>
+          <a:prstGeom prst="curvedConnector3">
+            <a:avLst>
+              <a:gd name="adj1" fmla="val 50014"/>
+            </a:avLst>
+          </a:prstGeom>
+        </p:spPr>
+        <p:style>
+          <a:lnRef idx="1">
+            <a:schemeClr val="accent1"/>
+          </a:lnRef>
+          <a:fillRef idx="0">
+            <a:schemeClr val="accent1"/>
+          </a:fillRef>
+          <a:effectRef idx="0">
+            <a:schemeClr val="accent1"/>
+          </a:effectRef>
+          <a:fontRef idx="minor">
+            <a:schemeClr val="tx1"/>
+          </a:fontRef>
+        </p:style>
+      </p:cxnSp>
+      <p:cxnSp>
+        <p:nvCxnSpPr>
+          <p:cNvPr id="10" name="曲线连接符 9"/>
+          <p:cNvCxnSpPr/>
+          <p:nvPr/>
+        </p:nvCxnSpPr>
+        <p:spPr>
+          <a:xfrm flipV="1">
+            <a:off x="2747645" y="2653030"/>
+            <a:ext cx="7637145" cy="922655"/>
+          </a:xfrm>
+          <a:prstGeom prst="curvedConnector3">
+            <a:avLst>
+              <a:gd name="adj1" fmla="val 50004"/>
+            </a:avLst>
+          </a:prstGeom>
+        </p:spPr>
+        <p:style>
+          <a:lnRef idx="1">
+            <a:schemeClr val="accent1"/>
+          </a:lnRef>
+          <a:fillRef idx="0">
+            <a:schemeClr val="accent1"/>
+          </a:fillRef>
+          <a:effectRef idx="0">
+            <a:schemeClr val="accent1"/>
+          </a:effectRef>
+          <a:fontRef idx="minor">
+            <a:schemeClr val="tx1"/>
+          </a:fontRef>
+        </p:style>
+      </p:cxnSp>
+      <p:sp>
+        <p:nvSpPr>
+          <p:cNvPr id="11" name="文本框 10"/>
+          <p:cNvSpPr txBox="1"/>
+          <p:nvPr/>
+        </p:nvSpPr>
+        <p:spPr>
+          <a:xfrm>
+            <a:off x="6123940" y="2215515"/>
+            <a:ext cx="1373505" cy="368300"/>
+          </a:xfrm>
+          <a:prstGeom prst="rect">
+            <a:avLst/>
+          </a:prstGeom>
+          <a:noFill/>
+        </p:spPr>
+        <p:txBody>
+          <a:bodyPr wrap="none" rtlCol="0">
+            <a:spAutoFit/>
+          </a:bodyPr>
+          <a:p>
+            <a:r>
+              <a:rPr lang="en-US" altLang="zh-CN" b="1"/>
+              <a:t>Binding data</a:t>
+            </a:r>
+            <a:endParaRPr lang="en-US" altLang="zh-CN" b="1"/>
+          </a:p>
+        </p:txBody>
+      </p:sp>
+      <p:sp>
+        <p:nvSpPr>
+          <p:cNvPr id="12" name="文本框 11"/>
+          <p:cNvSpPr txBox="1"/>
+          <p:nvPr/>
+        </p:nvSpPr>
+        <p:spPr>
+          <a:xfrm>
+            <a:off x="6104890" y="3058795"/>
+            <a:ext cx="1788160" cy="368300"/>
+          </a:xfrm>
+          <a:prstGeom prst="rect">
+            <a:avLst/>
+          </a:prstGeom>
+          <a:noFill/>
+        </p:spPr>
+        <p:txBody>
+          <a:bodyPr wrap="none" rtlCol="0">
+            <a:spAutoFit/>
+          </a:bodyPr>
+          <a:p>
+            <a:r>
+              <a:rPr lang="en-US" altLang="zh-CN" b="1"/>
+              <a:t>Binding behavior</a:t>
+            </a:r>
+            <a:endParaRPr lang="en-US" altLang="zh-CN" b="1"/>
+          </a:p>
+        </p:txBody>
+      </p:sp>
+      <p:sp>
+        <p:nvSpPr>
+          <p:cNvPr id="13" name="线形标注 1 12"/>
+          <p:cNvSpPr/>
+          <p:nvPr/>
+        </p:nvSpPr>
+        <p:spPr>
+          <a:xfrm>
+            <a:off x="3166745" y="2875915"/>
+            <a:ext cx="2301240" cy="551180"/>
+          </a:xfrm>
+          <a:prstGeom prst="borderCallout1">
+            <a:avLst/>
+          </a:prstGeom>
+        </p:spPr>
+        <p:style>
+          <a:lnRef idx="2">
+            <a:schemeClr val="accent1">
+              <a:shade val="50000"/>
+            </a:schemeClr>
+          </a:lnRef>
+          <a:fillRef idx="1">
+            <a:schemeClr val="accent1"/>
+          </a:fillRef>
+          <a:effectRef idx="0">
+            <a:schemeClr val="accent1"/>
+          </a:effectRef>
+          <a:fontRef idx="minor">
+            <a:schemeClr val="lt1"/>
+          </a:fontRef>
+        </p:style>
+        <p:txBody>
+          <a:bodyPr rtlCol="0" anchor="ctr"/>
+          <a:p>
+            <a:pPr algn="ctr"/>
+            <a:r>
+              <a:rPr lang="en-US" altLang="zh-CN"/>
+              <a:t>declaration of behavior</a:t>
+            </a:r>
+            <a:endParaRPr lang="en-US" altLang="zh-CN"/>
           </a:p>
         </p:txBody>
       </p:sp>
@@ -5745,7 +5751,7 @@
           <a:p>
             <a:r>
               <a:rPr lang="en-US" altLang="zh-CN"/>
-              <a:t>Components</a:t>
+              <a:t>Framework 3/3</a:t>
             </a:r>
             <a:endParaRPr lang="en-US" altLang="zh-CN"/>
           </a:p>
@@ -5753,1317 +5759,70 @@
       </p:sp>
       <p:sp>
         <p:nvSpPr>
-          <p:cNvPr id="4" name="圆角矩形 3"/>
-          <p:cNvSpPr/>
+          <p:cNvPr id="3" name="内容占位符 2"/>
+          <p:cNvSpPr>
+            <a:spLocks noGrp="1"/>
+          </p:cNvSpPr>
+          <p:nvPr>
+            <p:ph idx="1"/>
+          </p:nvPr>
+        </p:nvSpPr>
+        <p:spPr/>
+        <p:txBody>
+          <a:bodyPr/>
+          <a:p>
+            <a:r>
+              <a:rPr lang="en-US" altLang="zh-CN"/>
+              <a:t>Navigate Among Pages</a:t>
+            </a:r>
+            <a:endParaRPr lang="en-US" altLang="zh-CN"/>
+          </a:p>
+          <a:p>
+            <a:pPr lvl="1"/>
+            <a:endParaRPr lang="en-US" altLang="zh-CN"/>
+          </a:p>
+        </p:txBody>
+      </p:sp>
+      <p:sp>
+        <p:nvSpPr>
+          <p:cNvPr id="4" name="文本框 3"/>
+          <p:cNvSpPr txBox="1"/>
           <p:nvPr/>
         </p:nvSpPr>
         <p:spPr>
           <a:xfrm>
-            <a:off x="1036320" y="1426210"/>
-            <a:ext cx="3366135" cy="2540000"/>
-          </a:xfrm>
-          <a:prstGeom prst="roundRect">
-            <a:avLst/>
-          </a:prstGeom>
-        </p:spPr>
-        <p:style>
-          <a:lnRef idx="2">
-            <a:schemeClr val="accent1">
-              <a:shade val="50000"/>
-            </a:schemeClr>
-          </a:lnRef>
-          <a:fillRef idx="1">
-            <a:schemeClr val="accent1"/>
-          </a:fillRef>
-          <a:effectRef idx="0">
-            <a:schemeClr val="accent1"/>
-          </a:effectRef>
-          <a:fontRef idx="minor">
-            <a:schemeClr val="lt1"/>
-          </a:fontRef>
-        </p:style>
-        <p:txBody>
-          <a:bodyPr rtlCol="0" anchor="t" anchorCtr="0"/>
-          <a:p>
-            <a:pPr algn="ctr"/>
-            <a:r>
-              <a:rPr lang="en-US" altLang="zh-CN"/>
-              <a:t>View Container</a:t>
-            </a:r>
-            <a:endParaRPr lang="en-US" altLang="zh-CN"/>
-          </a:p>
-        </p:txBody>
-      </p:sp>
-      <p:sp>
-        <p:nvSpPr>
-          <p:cNvPr id="5" name="矩形 4"/>
-          <p:cNvSpPr/>
-          <p:nvPr/>
-        </p:nvSpPr>
-        <p:spPr>
-          <a:xfrm>
-            <a:off x="1701800" y="2107565"/>
-            <a:ext cx="1920875" cy="541655"/>
+            <a:off x="1378585" y="1711960"/>
+            <a:ext cx="7446010" cy="922020"/>
           </a:xfrm>
           <a:prstGeom prst="rect">
             <a:avLst/>
           </a:prstGeom>
-          <a:solidFill>
-            <a:schemeClr val="accent5"/>
-          </a:solidFill>
-        </p:spPr>
-        <p:style>
-          <a:lnRef idx="2">
-            <a:schemeClr val="accent1">
-              <a:shade val="50000"/>
-            </a:schemeClr>
-          </a:lnRef>
-          <a:fillRef idx="1">
-            <a:schemeClr val="accent1"/>
-          </a:fillRef>
-          <a:effectRef idx="0">
-            <a:schemeClr val="accent1"/>
-          </a:effectRef>
-          <a:fontRef idx="minor">
-            <a:schemeClr val="lt1"/>
-          </a:fontRef>
-        </p:style>
-        <p:txBody>
-          <a:bodyPr rtlCol="0" anchor="ctr"/>
-          <a:p>
-            <a:pPr algn="ctr"/>
-            <a:r>
-              <a:rPr lang="en-US" altLang="zh-CN"/>
-              <a:t>view</a:t>
-            </a:r>
-            <a:endParaRPr lang="en-US" altLang="zh-CN"/>
-          </a:p>
-        </p:txBody>
-      </p:sp>
-      <p:sp>
-        <p:nvSpPr>
-          <p:cNvPr id="6" name="矩形 5"/>
-          <p:cNvSpPr/>
-          <p:nvPr/>
-        </p:nvSpPr>
-        <p:spPr>
-          <a:xfrm>
-            <a:off x="1701800" y="2710815"/>
-            <a:ext cx="1920875" cy="541655"/>
-          </a:xfrm>
-          <a:prstGeom prst="rect">
-            <a:avLst/>
-          </a:prstGeom>
-          <a:solidFill>
-            <a:schemeClr val="accent5"/>
-          </a:solidFill>
-        </p:spPr>
-        <p:style>
-          <a:lnRef idx="2">
-            <a:schemeClr val="accent1">
-              <a:shade val="50000"/>
-            </a:schemeClr>
-          </a:lnRef>
-          <a:fillRef idx="1">
-            <a:schemeClr val="accent1"/>
-          </a:fillRef>
-          <a:effectRef idx="0">
-            <a:schemeClr val="accent1"/>
-          </a:effectRef>
-          <a:fontRef idx="minor">
-            <a:schemeClr val="lt1"/>
-          </a:fontRef>
-        </p:style>
-        <p:txBody>
-          <a:bodyPr rtlCol="0" anchor="ctr"/>
-          <a:p>
-            <a:pPr algn="ctr"/>
-            <a:r>
-              <a:rPr lang="en-US" altLang="zh-CN"/>
-              <a:t>scroll-view</a:t>
-            </a:r>
-            <a:endParaRPr lang="en-US" altLang="zh-CN"/>
-          </a:p>
-        </p:txBody>
-      </p:sp>
-      <p:sp>
-        <p:nvSpPr>
-          <p:cNvPr id="7" name="矩形 6"/>
-          <p:cNvSpPr/>
-          <p:nvPr/>
-        </p:nvSpPr>
-        <p:spPr>
-          <a:xfrm>
-            <a:off x="1701800" y="3299460"/>
-            <a:ext cx="1920875" cy="541655"/>
-          </a:xfrm>
-          <a:prstGeom prst="rect">
-            <a:avLst/>
-          </a:prstGeom>
-          <a:solidFill>
-            <a:schemeClr val="accent5"/>
-          </a:solidFill>
-        </p:spPr>
-        <p:style>
-          <a:lnRef idx="2">
-            <a:schemeClr val="accent1">
-              <a:shade val="50000"/>
-            </a:schemeClr>
-          </a:lnRef>
-          <a:fillRef idx="1">
-            <a:schemeClr val="accent1"/>
-          </a:fillRef>
-          <a:effectRef idx="0">
-            <a:schemeClr val="accent1"/>
-          </a:effectRef>
-          <a:fontRef idx="minor">
-            <a:schemeClr val="lt1"/>
-          </a:fontRef>
-        </p:style>
-        <p:txBody>
-          <a:bodyPr rtlCol="0" anchor="ctr"/>
-          <a:p>
-            <a:pPr algn="ctr"/>
-            <a:r>
-              <a:rPr lang="en-US" altLang="zh-CN"/>
-              <a:t>swiper</a:t>
-            </a:r>
-            <a:endParaRPr lang="en-US" altLang="zh-CN"/>
-          </a:p>
-        </p:txBody>
-      </p:sp>
-      <p:sp>
-        <p:nvSpPr>
-          <p:cNvPr id="8" name="圆角矩形 7"/>
-          <p:cNvSpPr/>
-          <p:nvPr/>
-        </p:nvSpPr>
-        <p:spPr>
-          <a:xfrm>
-            <a:off x="4812030" y="1426210"/>
-            <a:ext cx="3366135" cy="2540000"/>
-          </a:xfrm>
-          <a:prstGeom prst="roundRect">
-            <a:avLst/>
-          </a:prstGeom>
-        </p:spPr>
-        <p:style>
-          <a:lnRef idx="2">
-            <a:schemeClr val="accent1">
-              <a:shade val="50000"/>
-            </a:schemeClr>
-          </a:lnRef>
-          <a:fillRef idx="1">
-            <a:schemeClr val="accent1"/>
-          </a:fillRef>
-          <a:effectRef idx="0">
-            <a:schemeClr val="accent1"/>
-          </a:effectRef>
-          <a:fontRef idx="minor">
-            <a:schemeClr val="lt1"/>
-          </a:fontRef>
-        </p:style>
-        <p:txBody>
-          <a:bodyPr rtlCol="0" anchor="t" anchorCtr="0"/>
-          <a:p>
-            <a:pPr algn="ctr"/>
-            <a:r>
-              <a:rPr lang="en-US" altLang="zh-CN"/>
-              <a:t>Basic Content</a:t>
-            </a:r>
-            <a:endParaRPr lang="en-US" altLang="zh-CN"/>
-          </a:p>
-        </p:txBody>
-      </p:sp>
-      <p:sp>
-        <p:nvSpPr>
-          <p:cNvPr id="9" name="矩形 8"/>
-          <p:cNvSpPr/>
-          <p:nvPr/>
-        </p:nvSpPr>
-        <p:spPr>
-          <a:xfrm>
-            <a:off x="5477510" y="2107565"/>
-            <a:ext cx="1920875" cy="541655"/>
-          </a:xfrm>
-          <a:prstGeom prst="rect">
-            <a:avLst/>
-          </a:prstGeom>
-          <a:solidFill>
-            <a:schemeClr val="accent5"/>
-          </a:solidFill>
-        </p:spPr>
-        <p:style>
-          <a:lnRef idx="2">
-            <a:schemeClr val="accent1">
-              <a:shade val="50000"/>
-            </a:schemeClr>
-          </a:lnRef>
-          <a:fillRef idx="1">
-            <a:schemeClr val="accent1"/>
-          </a:fillRef>
-          <a:effectRef idx="0">
-            <a:schemeClr val="accent1"/>
-          </a:effectRef>
-          <a:fontRef idx="minor">
-            <a:schemeClr val="lt1"/>
-          </a:fontRef>
-        </p:style>
-        <p:txBody>
-          <a:bodyPr rtlCol="0" anchor="ctr"/>
-          <a:p>
-            <a:pPr algn="ctr"/>
-            <a:r>
-              <a:rPr lang="en-US" altLang="zh-CN"/>
-              <a:t>icon</a:t>
-            </a:r>
-            <a:endParaRPr lang="en-US" altLang="zh-CN"/>
-          </a:p>
-        </p:txBody>
-      </p:sp>
-      <p:sp>
-        <p:nvSpPr>
-          <p:cNvPr id="10" name="矩形 9"/>
-          <p:cNvSpPr/>
-          <p:nvPr/>
-        </p:nvSpPr>
-        <p:spPr>
-          <a:xfrm>
-            <a:off x="5477510" y="2710815"/>
-            <a:ext cx="1920875" cy="541655"/>
-          </a:xfrm>
-          <a:prstGeom prst="rect">
-            <a:avLst/>
-          </a:prstGeom>
-          <a:solidFill>
-            <a:schemeClr val="accent5"/>
-          </a:solidFill>
-        </p:spPr>
-        <p:style>
-          <a:lnRef idx="2">
-            <a:schemeClr val="accent1">
-              <a:shade val="50000"/>
-            </a:schemeClr>
-          </a:lnRef>
-          <a:fillRef idx="1">
-            <a:schemeClr val="accent1"/>
-          </a:fillRef>
-          <a:effectRef idx="0">
-            <a:schemeClr val="accent1"/>
-          </a:effectRef>
-          <a:fontRef idx="minor">
-            <a:schemeClr val="lt1"/>
-          </a:fontRef>
-        </p:style>
-        <p:txBody>
-          <a:bodyPr rtlCol="0" anchor="ctr"/>
-          <a:p>
-            <a:pPr algn="ctr"/>
-            <a:r>
-              <a:rPr lang="en-US" altLang="zh-CN"/>
-              <a:t>text</a:t>
-            </a:r>
-            <a:endParaRPr lang="en-US" altLang="zh-CN"/>
-          </a:p>
-        </p:txBody>
-      </p:sp>
-      <p:sp>
-        <p:nvSpPr>
-          <p:cNvPr id="11" name="矩形 10"/>
-          <p:cNvSpPr/>
-          <p:nvPr/>
-        </p:nvSpPr>
-        <p:spPr>
-          <a:xfrm>
-            <a:off x="5477510" y="3308350"/>
-            <a:ext cx="1920875" cy="541655"/>
-          </a:xfrm>
-          <a:prstGeom prst="rect">
-            <a:avLst/>
-          </a:prstGeom>
-          <a:solidFill>
-            <a:schemeClr val="accent5"/>
-          </a:solidFill>
-        </p:spPr>
-        <p:style>
-          <a:lnRef idx="2">
-            <a:schemeClr val="accent1">
-              <a:shade val="50000"/>
-            </a:schemeClr>
-          </a:lnRef>
-          <a:fillRef idx="1">
-            <a:schemeClr val="accent1"/>
-          </a:fillRef>
-          <a:effectRef idx="0">
-            <a:schemeClr val="accent1"/>
-          </a:effectRef>
-          <a:fontRef idx="minor">
-            <a:schemeClr val="lt1"/>
-          </a:fontRef>
-        </p:style>
-        <p:txBody>
-          <a:bodyPr rtlCol="0" anchor="ctr"/>
-          <a:p>
-            <a:pPr algn="ctr"/>
-            <a:r>
-              <a:rPr lang="en-US" altLang="zh-CN"/>
-              <a:t>progress</a:t>
-            </a:r>
-            <a:endParaRPr lang="en-US" altLang="zh-CN"/>
-          </a:p>
-        </p:txBody>
-      </p:sp>
-      <p:sp>
-        <p:nvSpPr>
-          <p:cNvPr id="12" name="圆角矩形 11"/>
-          <p:cNvSpPr/>
-          <p:nvPr/>
-        </p:nvSpPr>
-        <p:spPr>
-          <a:xfrm>
-            <a:off x="8350250" y="1426210"/>
-            <a:ext cx="3366135" cy="3290570"/>
-          </a:xfrm>
-          <a:prstGeom prst="roundRect">
-            <a:avLst/>
-          </a:prstGeom>
-        </p:spPr>
-        <p:style>
-          <a:lnRef idx="2">
-            <a:schemeClr val="accent1">
-              <a:shade val="50000"/>
-            </a:schemeClr>
-          </a:lnRef>
-          <a:fillRef idx="1">
-            <a:schemeClr val="accent1"/>
-          </a:fillRef>
-          <a:effectRef idx="0">
-            <a:schemeClr val="accent1"/>
-          </a:effectRef>
-          <a:fontRef idx="minor">
-            <a:schemeClr val="lt1"/>
-          </a:fontRef>
-        </p:style>
-        <p:txBody>
-          <a:bodyPr rtlCol="0" anchor="t" anchorCtr="0"/>
-          <a:p>
-            <a:pPr algn="ctr"/>
-            <a:r>
-              <a:rPr lang="en-US" altLang="zh-CN"/>
-              <a:t>From</a:t>
-            </a:r>
-            <a:endParaRPr lang="en-US" altLang="zh-CN"/>
-          </a:p>
-        </p:txBody>
-      </p:sp>
-      <p:sp>
-        <p:nvSpPr>
-          <p:cNvPr id="13" name="矩形 12"/>
-          <p:cNvSpPr/>
-          <p:nvPr/>
-        </p:nvSpPr>
-        <p:spPr>
-          <a:xfrm>
-            <a:off x="8454390" y="2107565"/>
-            <a:ext cx="999490" cy="541655"/>
-          </a:xfrm>
-          <a:prstGeom prst="rect">
-            <a:avLst/>
-          </a:prstGeom>
-          <a:solidFill>
-            <a:schemeClr val="accent5"/>
-          </a:solidFill>
-        </p:spPr>
-        <p:style>
-          <a:lnRef idx="2">
-            <a:schemeClr val="accent1">
-              <a:shade val="50000"/>
-            </a:schemeClr>
-          </a:lnRef>
-          <a:fillRef idx="1">
-            <a:schemeClr val="accent1"/>
-          </a:fillRef>
-          <a:effectRef idx="0">
-            <a:schemeClr val="accent1"/>
-          </a:effectRef>
-          <a:fontRef idx="minor">
-            <a:schemeClr val="lt1"/>
-          </a:fontRef>
-        </p:style>
-        <p:txBody>
-          <a:bodyPr rtlCol="0" anchor="ctr"/>
-          <a:p>
-            <a:pPr algn="ctr"/>
-            <a:r>
-              <a:rPr lang="en-US" altLang="zh-CN"/>
-              <a:t>form</a:t>
-            </a:r>
-            <a:endParaRPr lang="en-US" altLang="zh-CN"/>
-          </a:p>
-        </p:txBody>
-      </p:sp>
-      <p:sp>
-        <p:nvSpPr>
-          <p:cNvPr id="16" name="矩形 15"/>
-          <p:cNvSpPr/>
-          <p:nvPr/>
-        </p:nvSpPr>
-        <p:spPr>
-          <a:xfrm>
-            <a:off x="9533890" y="2107565"/>
-            <a:ext cx="999490" cy="541655"/>
-          </a:xfrm>
-          <a:prstGeom prst="rect">
-            <a:avLst/>
-          </a:prstGeom>
-          <a:solidFill>
-            <a:schemeClr val="accent5"/>
-          </a:solidFill>
-        </p:spPr>
-        <p:style>
-          <a:lnRef idx="2">
-            <a:schemeClr val="accent1">
-              <a:shade val="50000"/>
-            </a:schemeClr>
-          </a:lnRef>
-          <a:fillRef idx="1">
-            <a:schemeClr val="accent1"/>
-          </a:fillRef>
-          <a:effectRef idx="0">
-            <a:schemeClr val="accent1"/>
-          </a:effectRef>
-          <a:fontRef idx="minor">
-            <a:schemeClr val="lt1"/>
-          </a:fontRef>
-        </p:style>
-        <p:txBody>
-          <a:bodyPr rtlCol="0" anchor="ctr"/>
-          <a:p>
-            <a:pPr algn="ctr"/>
-            <a:r>
-              <a:rPr lang="en-US" altLang="zh-CN"/>
-              <a:t>button</a:t>
-            </a:r>
-            <a:endParaRPr lang="en-US" altLang="zh-CN"/>
-          </a:p>
-        </p:txBody>
-      </p:sp>
-      <p:sp>
-        <p:nvSpPr>
-          <p:cNvPr id="17" name="矩形 16"/>
-          <p:cNvSpPr/>
-          <p:nvPr/>
-        </p:nvSpPr>
-        <p:spPr>
-          <a:xfrm>
-            <a:off x="10637520" y="2107565"/>
-            <a:ext cx="999490" cy="541655"/>
-          </a:xfrm>
-          <a:prstGeom prst="rect">
-            <a:avLst/>
-          </a:prstGeom>
-          <a:solidFill>
-            <a:schemeClr val="accent5"/>
-          </a:solidFill>
-        </p:spPr>
-        <p:style>
-          <a:lnRef idx="2">
-            <a:schemeClr val="accent1">
-              <a:shade val="50000"/>
-            </a:schemeClr>
-          </a:lnRef>
-          <a:fillRef idx="1">
-            <a:schemeClr val="accent1"/>
-          </a:fillRef>
-          <a:effectRef idx="0">
-            <a:schemeClr val="accent1"/>
-          </a:effectRef>
-          <a:fontRef idx="minor">
-            <a:schemeClr val="lt1"/>
-          </a:fontRef>
-        </p:style>
-        <p:txBody>
-          <a:bodyPr rtlCol="0" anchor="ctr"/>
-          <a:p>
-            <a:pPr algn="ctr"/>
-            <a:r>
-              <a:rPr lang="en-US" altLang="zh-CN"/>
-              <a:t>input</a:t>
-            </a:r>
-            <a:endParaRPr lang="en-US" altLang="zh-CN"/>
-          </a:p>
-        </p:txBody>
-      </p:sp>
-      <p:sp>
-        <p:nvSpPr>
-          <p:cNvPr id="18" name="矩形 17"/>
-          <p:cNvSpPr/>
-          <p:nvPr/>
-        </p:nvSpPr>
-        <p:spPr>
-          <a:xfrm>
-            <a:off x="8473440" y="2710815"/>
-            <a:ext cx="999490" cy="541655"/>
-          </a:xfrm>
-          <a:prstGeom prst="rect">
-            <a:avLst/>
-          </a:prstGeom>
-          <a:solidFill>
-            <a:schemeClr val="accent5"/>
-          </a:solidFill>
-        </p:spPr>
-        <p:style>
-          <a:lnRef idx="2">
-            <a:schemeClr val="accent1">
-              <a:shade val="50000"/>
-            </a:schemeClr>
-          </a:lnRef>
-          <a:fillRef idx="1">
-            <a:schemeClr val="accent1"/>
-          </a:fillRef>
-          <a:effectRef idx="0">
-            <a:schemeClr val="accent1"/>
-          </a:effectRef>
-          <a:fontRef idx="minor">
-            <a:schemeClr val="lt1"/>
-          </a:fontRef>
-        </p:style>
-        <p:txBody>
-          <a:bodyPr rtlCol="0" anchor="ctr"/>
-          <a:p>
-            <a:pPr algn="ctr"/>
-            <a:r>
-              <a:rPr lang="en-US" altLang="zh-CN"/>
-              <a:t>checkbox</a:t>
-            </a:r>
-            <a:endParaRPr lang="en-US" altLang="zh-CN"/>
-          </a:p>
-        </p:txBody>
-      </p:sp>
-      <p:sp>
-        <p:nvSpPr>
-          <p:cNvPr id="19" name="矩形 18"/>
-          <p:cNvSpPr/>
-          <p:nvPr/>
-        </p:nvSpPr>
-        <p:spPr>
-          <a:xfrm>
-            <a:off x="9533890" y="2710815"/>
-            <a:ext cx="999490" cy="541655"/>
-          </a:xfrm>
-          <a:prstGeom prst="rect">
-            <a:avLst/>
-          </a:prstGeom>
-          <a:solidFill>
-            <a:schemeClr val="accent5"/>
-          </a:solidFill>
-        </p:spPr>
-        <p:style>
-          <a:lnRef idx="2">
-            <a:schemeClr val="accent1">
-              <a:shade val="50000"/>
-            </a:schemeClr>
-          </a:lnRef>
-          <a:fillRef idx="1">
-            <a:schemeClr val="accent1"/>
-          </a:fillRef>
-          <a:effectRef idx="0">
-            <a:schemeClr val="accent1"/>
-          </a:effectRef>
-          <a:fontRef idx="minor">
-            <a:schemeClr val="lt1"/>
-          </a:fontRef>
-        </p:style>
-        <p:txBody>
-          <a:bodyPr rtlCol="0" anchor="ctr"/>
-          <a:p>
-            <a:pPr algn="ctr"/>
-            <a:r>
-              <a:rPr lang="en-US" altLang="zh-CN"/>
-              <a:t>radio</a:t>
-            </a:r>
-            <a:endParaRPr lang="en-US" altLang="zh-CN"/>
-          </a:p>
-        </p:txBody>
-      </p:sp>
-      <p:sp>
-        <p:nvSpPr>
-          <p:cNvPr id="20" name="矩形 19"/>
-          <p:cNvSpPr/>
-          <p:nvPr/>
-        </p:nvSpPr>
-        <p:spPr>
-          <a:xfrm>
-            <a:off x="10637520" y="2710815"/>
-            <a:ext cx="999490" cy="541655"/>
-          </a:xfrm>
-          <a:prstGeom prst="rect">
-            <a:avLst/>
-          </a:prstGeom>
-          <a:solidFill>
-            <a:schemeClr val="accent5"/>
-          </a:solidFill>
-        </p:spPr>
-        <p:style>
-          <a:lnRef idx="2">
-            <a:schemeClr val="accent1">
-              <a:shade val="50000"/>
-            </a:schemeClr>
-          </a:lnRef>
-          <a:fillRef idx="1">
-            <a:schemeClr val="accent1"/>
-          </a:fillRef>
-          <a:effectRef idx="0">
-            <a:schemeClr val="accent1"/>
-          </a:effectRef>
-          <a:fontRef idx="minor">
-            <a:schemeClr val="lt1"/>
-          </a:fontRef>
-        </p:style>
-        <p:txBody>
-          <a:bodyPr rtlCol="0" anchor="ctr"/>
-          <a:p>
-            <a:pPr algn="ctr"/>
-            <a:r>
-              <a:rPr lang="en-US" altLang="zh-CN"/>
-              <a:t>picker</a:t>
-            </a:r>
-            <a:endParaRPr lang="en-US" altLang="zh-CN"/>
-          </a:p>
-        </p:txBody>
-      </p:sp>
-      <p:sp>
-        <p:nvSpPr>
-          <p:cNvPr id="21" name="矩形 20"/>
-          <p:cNvSpPr/>
-          <p:nvPr/>
-        </p:nvSpPr>
-        <p:spPr>
-          <a:xfrm>
-            <a:off x="8473440" y="3317240"/>
-            <a:ext cx="999490" cy="541655"/>
-          </a:xfrm>
-          <a:prstGeom prst="rect">
-            <a:avLst/>
-          </a:prstGeom>
-          <a:solidFill>
-            <a:schemeClr val="accent5"/>
-          </a:solidFill>
-        </p:spPr>
-        <p:style>
-          <a:lnRef idx="2">
-            <a:schemeClr val="accent1">
-              <a:shade val="50000"/>
-            </a:schemeClr>
-          </a:lnRef>
-          <a:fillRef idx="1">
-            <a:schemeClr val="accent1"/>
-          </a:fillRef>
-          <a:effectRef idx="0">
-            <a:schemeClr val="accent1"/>
-          </a:effectRef>
-          <a:fontRef idx="minor">
-            <a:schemeClr val="lt1"/>
-          </a:fontRef>
-        </p:style>
-        <p:txBody>
-          <a:bodyPr rtlCol="0" anchor="ctr"/>
-          <a:p>
-            <a:pPr algn="ctr"/>
-            <a:r>
-              <a:rPr lang="en-US" altLang="zh-CN"/>
-              <a:t>picker-view</a:t>
-            </a:r>
-            <a:endParaRPr lang="en-US" altLang="zh-CN"/>
-          </a:p>
-        </p:txBody>
-      </p:sp>
-      <p:sp>
-        <p:nvSpPr>
-          <p:cNvPr id="22" name="矩形 21"/>
-          <p:cNvSpPr/>
-          <p:nvPr/>
-        </p:nvSpPr>
-        <p:spPr>
-          <a:xfrm>
-            <a:off x="9533890" y="3317240"/>
-            <a:ext cx="999490" cy="541655"/>
-          </a:xfrm>
-          <a:prstGeom prst="rect">
-            <a:avLst/>
-          </a:prstGeom>
-          <a:solidFill>
-            <a:schemeClr val="accent5"/>
-          </a:solidFill>
-        </p:spPr>
-        <p:style>
-          <a:lnRef idx="2">
-            <a:schemeClr val="accent1">
-              <a:shade val="50000"/>
-            </a:schemeClr>
-          </a:lnRef>
-          <a:fillRef idx="1">
-            <a:schemeClr val="accent1"/>
-          </a:fillRef>
-          <a:effectRef idx="0">
-            <a:schemeClr val="accent1"/>
-          </a:effectRef>
-          <a:fontRef idx="minor">
-            <a:schemeClr val="lt1"/>
-          </a:fontRef>
-        </p:style>
-        <p:txBody>
-          <a:bodyPr rtlCol="0" anchor="ctr"/>
-          <a:p>
-            <a:pPr algn="ctr"/>
-            <a:r>
-              <a:rPr lang="en-US" altLang="zh-CN"/>
-              <a:t>slider</a:t>
-            </a:r>
-            <a:endParaRPr lang="en-US" altLang="zh-CN"/>
-          </a:p>
-        </p:txBody>
-      </p:sp>
-      <p:sp>
-        <p:nvSpPr>
-          <p:cNvPr id="23" name="矩形 22"/>
-          <p:cNvSpPr/>
-          <p:nvPr/>
-        </p:nvSpPr>
-        <p:spPr>
-          <a:xfrm>
-            <a:off x="10637520" y="3317240"/>
-            <a:ext cx="999490" cy="541655"/>
-          </a:xfrm>
-          <a:prstGeom prst="rect">
-            <a:avLst/>
-          </a:prstGeom>
-          <a:solidFill>
-            <a:schemeClr val="accent5"/>
-          </a:solidFill>
-        </p:spPr>
-        <p:style>
-          <a:lnRef idx="2">
-            <a:schemeClr val="accent1">
-              <a:shade val="50000"/>
-            </a:schemeClr>
-          </a:lnRef>
-          <a:fillRef idx="1">
-            <a:schemeClr val="accent1"/>
-          </a:fillRef>
-          <a:effectRef idx="0">
-            <a:schemeClr val="accent1"/>
-          </a:effectRef>
-          <a:fontRef idx="minor">
-            <a:schemeClr val="lt1"/>
-          </a:fontRef>
-        </p:style>
-        <p:txBody>
-          <a:bodyPr rtlCol="0" anchor="ctr"/>
-          <a:p>
-            <a:pPr algn="ctr"/>
-            <a:r>
-              <a:rPr lang="en-US" altLang="zh-CN"/>
-              <a:t>switch</a:t>
-            </a:r>
-            <a:endParaRPr lang="en-US" altLang="zh-CN"/>
-          </a:p>
-        </p:txBody>
-      </p:sp>
-      <p:sp>
-        <p:nvSpPr>
-          <p:cNvPr id="24" name="矩形 23"/>
-          <p:cNvSpPr/>
-          <p:nvPr/>
-        </p:nvSpPr>
-        <p:spPr>
-          <a:xfrm>
-            <a:off x="8473440" y="3929380"/>
-            <a:ext cx="999490" cy="541655"/>
-          </a:xfrm>
-          <a:prstGeom prst="rect">
-            <a:avLst/>
-          </a:prstGeom>
-          <a:solidFill>
-            <a:schemeClr val="accent5"/>
-          </a:solidFill>
-        </p:spPr>
-        <p:style>
-          <a:lnRef idx="2">
-            <a:schemeClr val="accent1">
-              <a:shade val="50000"/>
-            </a:schemeClr>
-          </a:lnRef>
-          <a:fillRef idx="1">
-            <a:schemeClr val="accent1"/>
-          </a:fillRef>
-          <a:effectRef idx="0">
-            <a:schemeClr val="accent1"/>
-          </a:effectRef>
-          <a:fontRef idx="minor">
-            <a:schemeClr val="lt1"/>
-          </a:fontRef>
-        </p:style>
-        <p:txBody>
-          <a:bodyPr rtlCol="0" anchor="ctr"/>
-          <a:p>
-            <a:pPr algn="ctr"/>
-            <a:r>
-              <a:rPr lang="en-US" altLang="zh-CN"/>
-              <a:t>label</a:t>
-            </a:r>
-            <a:endParaRPr lang="en-US" altLang="zh-CN"/>
-          </a:p>
-        </p:txBody>
-      </p:sp>
-      <p:sp>
-        <p:nvSpPr>
-          <p:cNvPr id="25" name="圆角矩形 24"/>
-          <p:cNvSpPr/>
-          <p:nvPr/>
-        </p:nvSpPr>
-        <p:spPr>
-          <a:xfrm>
-            <a:off x="8350885" y="5267325"/>
-            <a:ext cx="3366135" cy="1274445"/>
-          </a:xfrm>
-          <a:prstGeom prst="roundRect">
-            <a:avLst/>
-          </a:prstGeom>
-        </p:spPr>
-        <p:style>
-          <a:lnRef idx="2">
-            <a:schemeClr val="accent1">
-              <a:shade val="50000"/>
-            </a:schemeClr>
-          </a:lnRef>
-          <a:fillRef idx="1">
-            <a:schemeClr val="accent1"/>
-          </a:fillRef>
-          <a:effectRef idx="0">
-            <a:schemeClr val="accent1"/>
-          </a:effectRef>
-          <a:fontRef idx="minor">
-            <a:schemeClr val="lt1"/>
-          </a:fontRef>
-        </p:style>
-        <p:txBody>
-          <a:bodyPr rtlCol="0" anchor="t" anchorCtr="0"/>
-          <a:p>
-            <a:pPr algn="ctr"/>
-            <a:r>
-              <a:rPr lang="en-US" altLang="zh-CN"/>
-              <a:t>Navigation</a:t>
-            </a:r>
-            <a:endParaRPr lang="en-US" altLang="zh-CN"/>
-          </a:p>
-        </p:txBody>
-      </p:sp>
-      <p:sp>
-        <p:nvSpPr>
-          <p:cNvPr id="26" name="矩形 25"/>
-          <p:cNvSpPr/>
-          <p:nvPr/>
-        </p:nvSpPr>
-        <p:spPr>
-          <a:xfrm>
-            <a:off x="8997950" y="5795010"/>
-            <a:ext cx="1920875" cy="541655"/>
-          </a:xfrm>
-          <a:prstGeom prst="rect">
-            <a:avLst/>
-          </a:prstGeom>
-          <a:solidFill>
-            <a:schemeClr val="accent5"/>
-          </a:solidFill>
-        </p:spPr>
-        <p:style>
-          <a:lnRef idx="2">
-            <a:schemeClr val="accent1">
-              <a:shade val="50000"/>
-            </a:schemeClr>
-          </a:lnRef>
-          <a:fillRef idx="1">
-            <a:schemeClr val="accent1"/>
-          </a:fillRef>
-          <a:effectRef idx="0">
-            <a:schemeClr val="accent1"/>
-          </a:effectRef>
-          <a:fontRef idx="minor">
-            <a:schemeClr val="lt1"/>
-          </a:fontRef>
-        </p:style>
-        <p:txBody>
-          <a:bodyPr rtlCol="0" anchor="ctr"/>
-          <a:p>
-            <a:pPr algn="ctr"/>
-            <a:r>
-              <a:rPr lang="en-US" altLang="zh-CN"/>
-              <a:t>navigator</a:t>
-            </a:r>
-            <a:endParaRPr lang="en-US" altLang="zh-CN"/>
-          </a:p>
-        </p:txBody>
-      </p:sp>
-      <p:sp>
-        <p:nvSpPr>
-          <p:cNvPr id="29" name="圆角矩形 28"/>
-          <p:cNvSpPr/>
-          <p:nvPr/>
-        </p:nvSpPr>
-        <p:spPr>
-          <a:xfrm>
-            <a:off x="4869180" y="4117975"/>
-            <a:ext cx="3366135" cy="2540000"/>
-          </a:xfrm>
-          <a:prstGeom prst="roundRect">
-            <a:avLst/>
-          </a:prstGeom>
-        </p:spPr>
-        <p:style>
-          <a:lnRef idx="2">
-            <a:schemeClr val="accent1">
-              <a:shade val="50000"/>
-            </a:schemeClr>
-          </a:lnRef>
-          <a:fillRef idx="1">
-            <a:schemeClr val="accent1"/>
-          </a:fillRef>
-          <a:effectRef idx="0">
-            <a:schemeClr val="accent1"/>
-          </a:effectRef>
-          <a:fontRef idx="minor">
-            <a:schemeClr val="lt1"/>
-          </a:fontRef>
-        </p:style>
-        <p:txBody>
-          <a:bodyPr rtlCol="0" anchor="t" anchorCtr="0"/>
-          <a:p>
-            <a:pPr algn="ctr"/>
-            <a:r>
-              <a:rPr lang="en-US" altLang="zh-CN"/>
-              <a:t>Media</a:t>
-            </a:r>
-            <a:endParaRPr lang="en-US" altLang="zh-CN"/>
-          </a:p>
-        </p:txBody>
-      </p:sp>
-      <p:sp>
-        <p:nvSpPr>
-          <p:cNvPr id="30" name="矩形 29"/>
-          <p:cNvSpPr/>
-          <p:nvPr/>
-        </p:nvSpPr>
-        <p:spPr>
-          <a:xfrm>
-            <a:off x="5534660" y="4799330"/>
-            <a:ext cx="1920875" cy="541655"/>
-          </a:xfrm>
-          <a:prstGeom prst="rect">
-            <a:avLst/>
-          </a:prstGeom>
-          <a:solidFill>
-            <a:schemeClr val="accent5"/>
-          </a:solidFill>
-        </p:spPr>
-        <p:style>
-          <a:lnRef idx="2">
-            <a:schemeClr val="accent1">
-              <a:shade val="50000"/>
-            </a:schemeClr>
-          </a:lnRef>
-          <a:fillRef idx="1">
-            <a:schemeClr val="accent1"/>
-          </a:fillRef>
-          <a:effectRef idx="0">
-            <a:schemeClr val="accent1"/>
-          </a:effectRef>
-          <a:fontRef idx="minor">
-            <a:schemeClr val="lt1"/>
-          </a:fontRef>
-        </p:style>
-        <p:txBody>
-          <a:bodyPr rtlCol="0" anchor="ctr"/>
-          <a:p>
-            <a:pPr algn="ctr"/>
-            <a:r>
-              <a:rPr lang="en-US" altLang="zh-CN"/>
-              <a:t>audio</a:t>
-            </a:r>
-            <a:endParaRPr lang="en-US" altLang="zh-CN"/>
-          </a:p>
-        </p:txBody>
-      </p:sp>
-      <p:sp>
-        <p:nvSpPr>
-          <p:cNvPr id="31" name="矩形 30"/>
-          <p:cNvSpPr/>
-          <p:nvPr/>
-        </p:nvSpPr>
-        <p:spPr>
-          <a:xfrm>
-            <a:off x="5534660" y="5402580"/>
-            <a:ext cx="1920875" cy="541655"/>
-          </a:xfrm>
-          <a:prstGeom prst="rect">
-            <a:avLst/>
-          </a:prstGeom>
-          <a:solidFill>
-            <a:schemeClr val="accent5"/>
-          </a:solidFill>
-        </p:spPr>
-        <p:style>
-          <a:lnRef idx="2">
-            <a:schemeClr val="accent1">
-              <a:shade val="50000"/>
-            </a:schemeClr>
-          </a:lnRef>
-          <a:fillRef idx="1">
-            <a:schemeClr val="accent1"/>
-          </a:fillRef>
-          <a:effectRef idx="0">
-            <a:schemeClr val="accent1"/>
-          </a:effectRef>
-          <a:fontRef idx="minor">
-            <a:schemeClr val="lt1"/>
-          </a:fontRef>
-        </p:style>
-        <p:txBody>
-          <a:bodyPr rtlCol="0" anchor="ctr"/>
-          <a:p>
-            <a:pPr algn="ctr"/>
-            <a:r>
-              <a:rPr lang="en-US" altLang="zh-CN"/>
-              <a:t>image</a:t>
-            </a:r>
-            <a:endParaRPr lang="en-US" altLang="zh-CN"/>
-          </a:p>
-        </p:txBody>
-      </p:sp>
-      <p:sp>
-        <p:nvSpPr>
-          <p:cNvPr id="32" name="矩形 31"/>
-          <p:cNvSpPr/>
-          <p:nvPr/>
-        </p:nvSpPr>
-        <p:spPr>
-          <a:xfrm>
-            <a:off x="5534660" y="6000115"/>
-            <a:ext cx="1920875" cy="541655"/>
-          </a:xfrm>
-          <a:prstGeom prst="rect">
-            <a:avLst/>
-          </a:prstGeom>
-          <a:solidFill>
-            <a:schemeClr val="accent5"/>
-          </a:solidFill>
-        </p:spPr>
-        <p:style>
-          <a:lnRef idx="2">
-            <a:schemeClr val="accent1">
-              <a:shade val="50000"/>
-            </a:schemeClr>
-          </a:lnRef>
-          <a:fillRef idx="1">
-            <a:schemeClr val="accent1"/>
-          </a:fillRef>
-          <a:effectRef idx="0">
-            <a:schemeClr val="accent1"/>
-          </a:effectRef>
-          <a:fontRef idx="minor">
-            <a:schemeClr val="lt1"/>
-          </a:fontRef>
-        </p:style>
-        <p:txBody>
-          <a:bodyPr rtlCol="0" anchor="ctr"/>
-          <a:p>
-            <a:pPr algn="ctr"/>
-            <a:r>
-              <a:rPr lang="en-US" altLang="zh-CN"/>
-              <a:t>video</a:t>
-            </a:r>
-            <a:endParaRPr lang="en-US" altLang="zh-CN"/>
-          </a:p>
-        </p:txBody>
-      </p:sp>
-      <p:sp>
-        <p:nvSpPr>
-          <p:cNvPr id="33" name="圆角矩形 32"/>
-          <p:cNvSpPr/>
-          <p:nvPr/>
-        </p:nvSpPr>
-        <p:spPr>
-          <a:xfrm>
-            <a:off x="1045845" y="4117975"/>
-            <a:ext cx="3366135" cy="2540000"/>
-          </a:xfrm>
-          <a:prstGeom prst="roundRect">
-            <a:avLst/>
-          </a:prstGeom>
-        </p:spPr>
-        <p:style>
-          <a:lnRef idx="2">
-            <a:schemeClr val="accent1">
-              <a:shade val="50000"/>
-            </a:schemeClr>
-          </a:lnRef>
-          <a:fillRef idx="1">
-            <a:schemeClr val="accent1"/>
-          </a:fillRef>
-          <a:effectRef idx="0">
-            <a:schemeClr val="accent1"/>
-          </a:effectRef>
-          <a:fontRef idx="minor">
-            <a:schemeClr val="lt1"/>
-          </a:fontRef>
-        </p:style>
-        <p:txBody>
-          <a:bodyPr rtlCol="0" anchor="t" anchorCtr="0"/>
-          <a:p>
-            <a:pPr algn="ctr"/>
-            <a:r>
-              <a:rPr lang="en-US" altLang="zh-CN"/>
-              <a:t>Miscellaneous</a:t>
-            </a:r>
-            <a:endParaRPr lang="en-US" altLang="zh-CN"/>
-          </a:p>
-        </p:txBody>
-      </p:sp>
-      <p:sp>
-        <p:nvSpPr>
-          <p:cNvPr id="34" name="矩形 33"/>
-          <p:cNvSpPr/>
-          <p:nvPr/>
-        </p:nvSpPr>
-        <p:spPr>
-          <a:xfrm>
-            <a:off x="1711325" y="4799330"/>
-            <a:ext cx="1920875" cy="541655"/>
-          </a:xfrm>
-          <a:prstGeom prst="rect">
-            <a:avLst/>
-          </a:prstGeom>
-          <a:solidFill>
-            <a:schemeClr val="accent5"/>
-          </a:solidFill>
-        </p:spPr>
-        <p:style>
-          <a:lnRef idx="2">
-            <a:schemeClr val="accent1">
-              <a:shade val="50000"/>
-            </a:schemeClr>
-          </a:lnRef>
-          <a:fillRef idx="1">
-            <a:schemeClr val="accent1"/>
-          </a:fillRef>
-          <a:effectRef idx="0">
-            <a:schemeClr val="accent1"/>
-          </a:effectRef>
-          <a:fontRef idx="minor">
-            <a:schemeClr val="lt1"/>
-          </a:fontRef>
-        </p:style>
-        <p:txBody>
-          <a:bodyPr rtlCol="0" anchor="ctr"/>
-          <a:p>
-            <a:pPr algn="ctr"/>
-            <a:r>
-              <a:rPr lang="en-US" altLang="zh-CN"/>
-              <a:t>map</a:t>
-            </a:r>
-            <a:endParaRPr lang="en-US" altLang="zh-CN"/>
-          </a:p>
-        </p:txBody>
-      </p:sp>
-      <p:sp>
-        <p:nvSpPr>
-          <p:cNvPr id="35" name="矩形 34"/>
-          <p:cNvSpPr/>
-          <p:nvPr/>
-        </p:nvSpPr>
-        <p:spPr>
-          <a:xfrm>
-            <a:off x="1711325" y="5402580"/>
-            <a:ext cx="1920875" cy="541655"/>
-          </a:xfrm>
-          <a:prstGeom prst="rect">
-            <a:avLst/>
-          </a:prstGeom>
-          <a:solidFill>
-            <a:schemeClr val="accent5"/>
-          </a:solidFill>
-        </p:spPr>
-        <p:style>
-          <a:lnRef idx="2">
-            <a:schemeClr val="accent1">
-              <a:shade val="50000"/>
-            </a:schemeClr>
-          </a:lnRef>
-          <a:fillRef idx="1">
-            <a:schemeClr val="accent1"/>
-          </a:fillRef>
-          <a:effectRef idx="0">
-            <a:schemeClr val="accent1"/>
-          </a:effectRef>
-          <a:fontRef idx="minor">
-            <a:schemeClr val="lt1"/>
-          </a:fontRef>
-        </p:style>
-        <p:txBody>
-          <a:bodyPr rtlCol="0" anchor="ctr"/>
-          <a:p>
-            <a:pPr algn="ctr"/>
-            <a:r>
-              <a:rPr lang="en-US" altLang="zh-CN"/>
-              <a:t>canvas</a:t>
-            </a:r>
-            <a:endParaRPr lang="en-US" altLang="zh-CN"/>
-          </a:p>
-        </p:txBody>
-      </p:sp>
-      <p:sp>
-        <p:nvSpPr>
-          <p:cNvPr id="36" name="矩形 35"/>
-          <p:cNvSpPr/>
-          <p:nvPr/>
-        </p:nvSpPr>
-        <p:spPr>
-          <a:xfrm>
-            <a:off x="1711325" y="5991225"/>
-            <a:ext cx="1920875" cy="541655"/>
-          </a:xfrm>
-          <a:prstGeom prst="rect">
-            <a:avLst/>
-          </a:prstGeom>
-          <a:solidFill>
-            <a:schemeClr val="accent5"/>
-          </a:solidFill>
-        </p:spPr>
-        <p:style>
-          <a:lnRef idx="2">
-            <a:schemeClr val="accent1">
-              <a:shade val="50000"/>
-            </a:schemeClr>
-          </a:lnRef>
-          <a:fillRef idx="1">
-            <a:schemeClr val="accent1"/>
-          </a:fillRef>
-          <a:effectRef idx="0">
-            <a:schemeClr val="accent1"/>
-          </a:effectRef>
-          <a:fontRef idx="minor">
-            <a:schemeClr val="lt1"/>
-          </a:fontRef>
-        </p:style>
-        <p:txBody>
-          <a:bodyPr rtlCol="0" anchor="ctr"/>
-          <a:p>
-            <a:pPr algn="ctr"/>
-            <a:r>
-              <a:rPr lang="en-US" altLang="zh-CN"/>
-              <a:t>contact-button</a:t>
-            </a:r>
-            <a:endParaRPr lang="en-US" altLang="zh-CN"/>
+          <a:noFill/>
+        </p:spPr>
+        <p:txBody>
+          <a:bodyPr wrap="square" rtlCol="0">
+            <a:spAutoFit/>
+          </a:bodyPr>
+          <a:p>
+            <a:r>
+              <a:rPr lang="zh-CN" altLang="en-US"/>
+              <a:t>    wx.navigateTo({</a:t>
+            </a:r>
+            <a:endParaRPr lang="zh-CN" altLang="en-US"/>
+          </a:p>
+          <a:p>
+            <a:r>
+              <a:rPr lang="zh-CN" altLang="en-US"/>
+              <a:t>      url: '../logs/logs'</a:t>
+            </a:r>
+            <a:endParaRPr lang="zh-CN" altLang="en-US"/>
+          </a:p>
+          <a:p>
+            <a:r>
+              <a:rPr lang="zh-CN" altLang="en-US"/>
+              <a:t>    })</a:t>
+            </a:r>
+            <a:endParaRPr lang="zh-CN" altLang="en-US"/>
           </a:p>
         </p:txBody>
       </p:sp>
@@ -7104,7 +5863,7 @@
           <a:p>
             <a:r>
               <a:rPr lang="en-US" altLang="zh-CN"/>
-              <a:t>API</a:t>
+              <a:t>Components</a:t>
             </a:r>
             <a:endParaRPr lang="en-US" altLang="zh-CN"/>
           </a:p>
@@ -7118,8 +5877,8 @@
         </p:nvSpPr>
         <p:spPr>
           <a:xfrm>
-            <a:off x="1036320" y="1007110"/>
-            <a:ext cx="3105150" cy="5224145"/>
+            <a:off x="1036320" y="1426210"/>
+            <a:ext cx="3366135" cy="2540000"/>
           </a:xfrm>
           <a:prstGeom prst="roundRect">
             <a:avLst/>
@@ -7147,7 +5906,7 @@
             <a:pPr algn="ctr"/>
             <a:r>
               <a:rPr lang="en-US" altLang="zh-CN"/>
-              <a:t>Network</a:t>
+              <a:t>View Container</a:t>
             </a:r>
             <a:endParaRPr lang="en-US" altLang="zh-CN"/>
           </a:p>
@@ -7161,8 +5920,8 @@
         </p:nvSpPr>
         <p:spPr>
           <a:xfrm>
-            <a:off x="1228725" y="1543685"/>
-            <a:ext cx="1708150" cy="367665"/>
+            <a:off x="1701800" y="2107565"/>
+            <a:ext cx="1920875" cy="541655"/>
           </a:xfrm>
           <a:prstGeom prst="rect">
             <a:avLst/>
@@ -7190,10 +5949,10 @@
         <p:txBody>
           <a:bodyPr rtlCol="0" anchor="ctr"/>
           <a:p>
-            <a:pPr algn="l"/>
-            <a:r>
-              <a:rPr lang="en-US" altLang="zh-CN"/>
-              <a:t>wx.request</a:t>
+            <a:pPr algn="ctr"/>
+            <a:r>
+              <a:rPr lang="en-US" altLang="zh-CN"/>
+              <a:t>view</a:t>
             </a:r>
             <a:endParaRPr lang="en-US" altLang="zh-CN"/>
           </a:p>
@@ -7207,8 +5966,8 @@
         </p:nvSpPr>
         <p:spPr>
           <a:xfrm>
-            <a:off x="1209675" y="1948815"/>
-            <a:ext cx="1708150" cy="367665"/>
+            <a:off x="1701800" y="2710815"/>
+            <a:ext cx="1920875" cy="541655"/>
           </a:xfrm>
           <a:prstGeom prst="rect">
             <a:avLst/>
@@ -7239,7 +5998,7 @@
             <a:pPr algn="ctr"/>
             <a:r>
               <a:rPr lang="en-US" altLang="zh-CN"/>
-              <a:t>wx.uploadFile</a:t>
+              <a:t>scroll-view</a:t>
             </a:r>
             <a:endParaRPr lang="en-US" altLang="zh-CN"/>
           </a:p>
@@ -7253,8 +6012,8 @@
         </p:nvSpPr>
         <p:spPr>
           <a:xfrm>
-            <a:off x="1228725" y="2363470"/>
-            <a:ext cx="1967230" cy="367665"/>
+            <a:off x="1701800" y="3299460"/>
+            <a:ext cx="1920875" cy="541655"/>
           </a:xfrm>
           <a:prstGeom prst="rect">
             <a:avLst/>
@@ -7285,7 +6044,7 @@
             <a:pPr algn="ctr"/>
             <a:r>
               <a:rPr lang="en-US" altLang="zh-CN"/>
-              <a:t>wx.downloadFile</a:t>
+              <a:t>swiper</a:t>
             </a:r>
             <a:endParaRPr lang="en-US" altLang="zh-CN"/>
           </a:p>
@@ -7293,21 +6052,18 @@
       </p:sp>
       <p:sp>
         <p:nvSpPr>
-          <p:cNvPr id="8" name="矩形 7"/>
+          <p:cNvPr id="8" name="圆角矩形 7"/>
           <p:cNvSpPr/>
           <p:nvPr/>
         </p:nvSpPr>
         <p:spPr>
           <a:xfrm>
-            <a:off x="1228725" y="2903855"/>
-            <a:ext cx="2072640" cy="367665"/>
-          </a:xfrm>
-          <a:prstGeom prst="rect">
+            <a:off x="4812030" y="1426210"/>
+            <a:ext cx="3366135" cy="2540000"/>
+          </a:xfrm>
+          <a:prstGeom prst="roundRect">
             <a:avLst/>
           </a:prstGeom>
-          <a:solidFill>
-            <a:schemeClr val="accent5"/>
-          </a:solidFill>
         </p:spPr>
         <p:style>
           <a:lnRef idx="2">
@@ -7326,12 +6082,12 @@
           </a:fontRef>
         </p:style>
         <p:txBody>
-          <a:bodyPr rtlCol="0" anchor="ctr"/>
+          <a:bodyPr rtlCol="0" anchor="t" anchorCtr="0"/>
           <a:p>
             <a:pPr algn="ctr"/>
             <a:r>
               <a:rPr lang="en-US" altLang="zh-CN"/>
-              <a:t>wx.connectSocket</a:t>
+              <a:t>Basic Content</a:t>
             </a:r>
             <a:endParaRPr lang="en-US" altLang="zh-CN"/>
           </a:p>
@@ -7345,8 +6101,8 @@
         </p:nvSpPr>
         <p:spPr>
           <a:xfrm>
-            <a:off x="1228725" y="3338195"/>
-            <a:ext cx="2072640" cy="367665"/>
+            <a:off x="5477510" y="2107565"/>
+            <a:ext cx="1920875" cy="541655"/>
           </a:xfrm>
           <a:prstGeom prst="rect">
             <a:avLst/>
@@ -7377,7 +6133,7 @@
             <a:pPr algn="ctr"/>
             <a:r>
               <a:rPr lang="en-US" altLang="zh-CN"/>
-              <a:t>wx.onSocketOpen</a:t>
+              <a:t>icon</a:t>
             </a:r>
             <a:endParaRPr lang="en-US" altLang="zh-CN"/>
           </a:p>
@@ -7391,8 +6147,8 @@
         </p:nvSpPr>
         <p:spPr>
           <a:xfrm>
-            <a:off x="1228725" y="3763010"/>
-            <a:ext cx="2072640" cy="367665"/>
+            <a:off x="5477510" y="2710815"/>
+            <a:ext cx="1920875" cy="541655"/>
           </a:xfrm>
           <a:prstGeom prst="rect">
             <a:avLst/>
@@ -7423,7 +6179,7 @@
             <a:pPr algn="ctr"/>
             <a:r>
               <a:rPr lang="en-US" altLang="zh-CN"/>
-              <a:t>wx.onSocketError</a:t>
+              <a:t>text</a:t>
             </a:r>
             <a:endParaRPr lang="en-US" altLang="zh-CN"/>
           </a:p>
@@ -7437,8 +6193,8 @@
         </p:nvSpPr>
         <p:spPr>
           <a:xfrm>
-            <a:off x="1228725" y="4206875"/>
-            <a:ext cx="2757170" cy="367665"/>
+            <a:off x="5477510" y="3308350"/>
+            <a:ext cx="1920875" cy="541655"/>
           </a:xfrm>
           <a:prstGeom prst="rect">
             <a:avLst/>
@@ -7469,7 +6225,7 @@
             <a:pPr algn="ctr"/>
             <a:r>
               <a:rPr lang="en-US" altLang="zh-CN"/>
-              <a:t>wx.sendSocketMessage</a:t>
+              <a:t>progress</a:t>
             </a:r>
             <a:endParaRPr lang="en-US" altLang="zh-CN"/>
           </a:p>
@@ -7477,21 +6233,18 @@
       </p:sp>
       <p:sp>
         <p:nvSpPr>
-          <p:cNvPr id="12" name="矩形 11"/>
+          <p:cNvPr id="12" name="圆角矩形 11"/>
           <p:cNvSpPr/>
           <p:nvPr/>
         </p:nvSpPr>
         <p:spPr>
           <a:xfrm>
-            <a:off x="1228725" y="4641850"/>
-            <a:ext cx="2757170" cy="367665"/>
-          </a:xfrm>
-          <a:prstGeom prst="rect">
+            <a:off x="8350250" y="1426210"/>
+            <a:ext cx="3366135" cy="3290570"/>
+          </a:xfrm>
+          <a:prstGeom prst="roundRect">
             <a:avLst/>
           </a:prstGeom>
-          <a:solidFill>
-            <a:schemeClr val="accent5"/>
-          </a:solidFill>
         </p:spPr>
         <p:style>
           <a:lnRef idx="2">
@@ -7510,12 +6263,12 @@
           </a:fontRef>
         </p:style>
         <p:txBody>
-          <a:bodyPr rtlCol="0" anchor="ctr"/>
-          <a:p>
-            <a:pPr algn="l"/>
-            <a:r>
-              <a:rPr lang="en-US" altLang="zh-CN"/>
-              <a:t>wx.onSocketMessage</a:t>
+          <a:bodyPr rtlCol="0" anchor="t" anchorCtr="0"/>
+          <a:p>
+            <a:pPr algn="ctr"/>
+            <a:r>
+              <a:rPr lang="en-US" altLang="zh-CN"/>
+              <a:t>From</a:t>
             </a:r>
             <a:endParaRPr lang="en-US" altLang="zh-CN"/>
           </a:p>
@@ -7529,8 +6282,8 @@
         </p:nvSpPr>
         <p:spPr>
           <a:xfrm>
-            <a:off x="1209675" y="5057140"/>
-            <a:ext cx="2757170" cy="367665"/>
+            <a:off x="8454390" y="2107565"/>
+            <a:ext cx="999490" cy="541655"/>
           </a:xfrm>
           <a:prstGeom prst="rect">
             <a:avLst/>
@@ -7558,10 +6311,10 @@
         <p:txBody>
           <a:bodyPr rtlCol="0" anchor="ctr"/>
           <a:p>
-            <a:pPr algn="l"/>
-            <a:r>
-              <a:rPr lang="en-US" altLang="zh-CN"/>
-              <a:t>wx.closeSocket</a:t>
+            <a:pPr algn="ctr"/>
+            <a:r>
+              <a:rPr lang="en-US" altLang="zh-CN"/>
+              <a:t>form</a:t>
             </a:r>
             <a:endParaRPr lang="en-US" altLang="zh-CN"/>
           </a:p>
@@ -7569,14 +6322,14 @@
       </p:sp>
       <p:sp>
         <p:nvSpPr>
-          <p:cNvPr id="14" name="矩形 13"/>
+          <p:cNvPr id="16" name="矩形 15"/>
           <p:cNvSpPr/>
           <p:nvPr/>
         </p:nvSpPr>
         <p:spPr>
           <a:xfrm>
-            <a:off x="1228725" y="5481955"/>
-            <a:ext cx="2757170" cy="367665"/>
+            <a:off x="9533890" y="2107565"/>
+            <a:ext cx="999490" cy="541655"/>
           </a:xfrm>
           <a:prstGeom prst="rect">
             <a:avLst/>
@@ -7604,10 +6357,10 @@
         <p:txBody>
           <a:bodyPr rtlCol="0" anchor="ctr"/>
           <a:p>
-            <a:pPr algn="l"/>
-            <a:r>
-              <a:rPr lang="en-US" altLang="zh-CN"/>
-              <a:t>wx.onSocketClose</a:t>
+            <a:pPr algn="ctr"/>
+            <a:r>
+              <a:rPr lang="en-US" altLang="zh-CN"/>
+              <a:t>button</a:t>
             </a:r>
             <a:endParaRPr lang="en-US" altLang="zh-CN"/>
           </a:p>
@@ -7615,18 +6368,21 @@
       </p:sp>
       <p:sp>
         <p:nvSpPr>
-          <p:cNvPr id="15" name="圆角矩形 14"/>
+          <p:cNvPr id="17" name="矩形 16"/>
           <p:cNvSpPr/>
           <p:nvPr/>
         </p:nvSpPr>
         <p:spPr>
           <a:xfrm>
-            <a:off x="4289425" y="1074420"/>
-            <a:ext cx="3105150" cy="5744845"/>
-          </a:xfrm>
-          <a:prstGeom prst="roundRect">
+            <a:off x="10637520" y="2107565"/>
+            <a:ext cx="999490" cy="541655"/>
+          </a:xfrm>
+          <a:prstGeom prst="rect">
             <a:avLst/>
           </a:prstGeom>
+          <a:solidFill>
+            <a:schemeClr val="accent5"/>
+          </a:solidFill>
         </p:spPr>
         <p:style>
           <a:lnRef idx="2">
@@ -7645,12 +6401,12 @@
           </a:fontRef>
         </p:style>
         <p:txBody>
-          <a:bodyPr rtlCol="0" anchor="t" anchorCtr="0"/>
+          <a:bodyPr rtlCol="0" anchor="ctr"/>
           <a:p>
             <a:pPr algn="ctr"/>
             <a:r>
               <a:rPr lang="en-US" altLang="zh-CN"/>
-              <a:t>Media</a:t>
+              <a:t>input</a:t>
             </a:r>
             <a:endParaRPr lang="en-US" altLang="zh-CN"/>
           </a:p>
@@ -7658,14 +6414,14 @@
       </p:sp>
       <p:sp>
         <p:nvSpPr>
-          <p:cNvPr id="16" name="矩形 15"/>
+          <p:cNvPr id="18" name="矩形 17"/>
           <p:cNvSpPr/>
           <p:nvPr/>
         </p:nvSpPr>
         <p:spPr>
           <a:xfrm>
-            <a:off x="4481830" y="1610995"/>
-            <a:ext cx="2073275" cy="281940"/>
+            <a:off x="8473440" y="2710815"/>
+            <a:ext cx="999490" cy="541655"/>
           </a:xfrm>
           <a:prstGeom prst="rect">
             <a:avLst/>
@@ -7693,10 +6449,10 @@
         <p:txBody>
           <a:bodyPr rtlCol="0" anchor="ctr"/>
           <a:p>
-            <a:pPr algn="l"/>
-            <a:r>
-              <a:rPr lang="en-US" altLang="zh-CN"/>
-              <a:t>wx.chooseImage</a:t>
+            <a:pPr algn="ctr"/>
+            <a:r>
+              <a:rPr lang="en-US" altLang="zh-CN"/>
+              <a:t>checkbox</a:t>
             </a:r>
             <a:endParaRPr lang="en-US" altLang="zh-CN"/>
           </a:p>
@@ -7704,14 +6460,14 @@
       </p:sp>
       <p:sp>
         <p:nvSpPr>
-          <p:cNvPr id="17" name="矩形 16"/>
+          <p:cNvPr id="19" name="矩形 18"/>
           <p:cNvSpPr/>
           <p:nvPr/>
         </p:nvSpPr>
         <p:spPr>
           <a:xfrm>
-            <a:off x="4462780" y="1920875"/>
-            <a:ext cx="2092325" cy="281940"/>
+            <a:off x="9533890" y="2710815"/>
+            <a:ext cx="999490" cy="541655"/>
           </a:xfrm>
           <a:prstGeom prst="rect">
             <a:avLst/>
@@ -7739,10 +6495,10 @@
         <p:txBody>
           <a:bodyPr rtlCol="0" anchor="ctr"/>
           <a:p>
-            <a:pPr algn="l"/>
-            <a:r>
-              <a:rPr lang="en-US" altLang="zh-CN"/>
-              <a:t>wx.previewImage</a:t>
+            <a:pPr algn="ctr"/>
+            <a:r>
+              <a:rPr lang="en-US" altLang="zh-CN"/>
+              <a:t>radio</a:t>
             </a:r>
             <a:endParaRPr lang="en-US" altLang="zh-CN"/>
           </a:p>
@@ -7750,14 +6506,14 @@
       </p:sp>
       <p:sp>
         <p:nvSpPr>
-          <p:cNvPr id="18" name="矩形 17"/>
+          <p:cNvPr id="20" name="矩形 19"/>
           <p:cNvSpPr/>
           <p:nvPr/>
         </p:nvSpPr>
         <p:spPr>
           <a:xfrm>
-            <a:off x="4481830" y="2287905"/>
-            <a:ext cx="2072005" cy="281940"/>
+            <a:off x="10637520" y="2710815"/>
+            <a:ext cx="999490" cy="541655"/>
           </a:xfrm>
           <a:prstGeom prst="rect">
             <a:avLst/>
@@ -7785,10 +6541,10 @@
         <p:txBody>
           <a:bodyPr rtlCol="0" anchor="ctr"/>
           <a:p>
-            <a:pPr algn="l"/>
-            <a:r>
-              <a:rPr lang="en-US" altLang="zh-CN"/>
-              <a:t>wx.startRecord</a:t>
+            <a:pPr algn="ctr"/>
+            <a:r>
+              <a:rPr lang="en-US" altLang="zh-CN"/>
+              <a:t>picker</a:t>
             </a:r>
             <a:endParaRPr lang="en-US" altLang="zh-CN"/>
           </a:p>
@@ -7796,14 +6552,14 @@
       </p:sp>
       <p:sp>
         <p:nvSpPr>
-          <p:cNvPr id="19" name="矩形 18"/>
+          <p:cNvPr id="21" name="矩形 20"/>
           <p:cNvSpPr/>
           <p:nvPr/>
         </p:nvSpPr>
         <p:spPr>
           <a:xfrm>
-            <a:off x="4481830" y="2590165"/>
-            <a:ext cx="2072640" cy="281940"/>
+            <a:off x="8473440" y="3317240"/>
+            <a:ext cx="999490" cy="541655"/>
           </a:xfrm>
           <a:prstGeom prst="rect">
             <a:avLst/>
@@ -7831,10 +6587,10 @@
         <p:txBody>
           <a:bodyPr rtlCol="0" anchor="ctr"/>
           <a:p>
-            <a:pPr algn="l"/>
-            <a:r>
-              <a:rPr lang="en-US" altLang="zh-CN"/>
-              <a:t>wx.stopRecord</a:t>
+            <a:pPr algn="ctr"/>
+            <a:r>
+              <a:rPr lang="en-US" altLang="zh-CN"/>
+              <a:t>picker-view</a:t>
             </a:r>
             <a:endParaRPr lang="en-US" altLang="zh-CN"/>
           </a:p>
@@ -7842,14 +6598,14 @@
       </p:sp>
       <p:sp>
         <p:nvSpPr>
-          <p:cNvPr id="20" name="矩形 19"/>
+          <p:cNvPr id="22" name="矩形 21"/>
           <p:cNvSpPr/>
           <p:nvPr/>
         </p:nvSpPr>
         <p:spPr>
           <a:xfrm>
-            <a:off x="4481830" y="2900680"/>
-            <a:ext cx="2072640" cy="281940"/>
+            <a:off x="9533890" y="3317240"/>
+            <a:ext cx="999490" cy="541655"/>
           </a:xfrm>
           <a:prstGeom prst="rect">
             <a:avLst/>
@@ -7877,10 +6633,10 @@
         <p:txBody>
           <a:bodyPr rtlCol="0" anchor="ctr"/>
           <a:p>
-            <a:pPr algn="l"/>
-            <a:r>
-              <a:rPr lang="en-US" altLang="zh-CN"/>
-              <a:t>wx.playVoice</a:t>
+            <a:pPr algn="ctr"/>
+            <a:r>
+              <a:rPr lang="en-US" altLang="zh-CN"/>
+              <a:t>slider</a:t>
             </a:r>
             <a:endParaRPr lang="en-US" altLang="zh-CN"/>
           </a:p>
@@ -7888,14 +6644,14 @@
       </p:sp>
       <p:sp>
         <p:nvSpPr>
-          <p:cNvPr id="21" name="矩形 20"/>
+          <p:cNvPr id="23" name="矩形 22"/>
           <p:cNvSpPr/>
           <p:nvPr/>
         </p:nvSpPr>
         <p:spPr>
           <a:xfrm>
-            <a:off x="4481830" y="3220085"/>
-            <a:ext cx="2072640" cy="281940"/>
+            <a:off x="10637520" y="3317240"/>
+            <a:ext cx="999490" cy="541655"/>
           </a:xfrm>
           <a:prstGeom prst="rect">
             <a:avLst/>
@@ -7923,10 +6679,10 @@
         <p:txBody>
           <a:bodyPr rtlCol="0" anchor="ctr"/>
           <a:p>
-            <a:pPr algn="l"/>
-            <a:r>
-              <a:rPr lang="en-US" altLang="zh-CN"/>
-              <a:t>wx.pauseVoice</a:t>
+            <a:pPr algn="ctr"/>
+            <a:r>
+              <a:rPr lang="en-US" altLang="zh-CN"/>
+              <a:t>switch</a:t>
             </a:r>
             <a:endParaRPr lang="en-US" altLang="zh-CN"/>
           </a:p>
@@ -7934,14 +6690,14 @@
       </p:sp>
       <p:sp>
         <p:nvSpPr>
-          <p:cNvPr id="22" name="矩形 21"/>
+          <p:cNvPr id="24" name="矩形 23"/>
           <p:cNvSpPr/>
           <p:nvPr/>
         </p:nvSpPr>
         <p:spPr>
           <a:xfrm>
-            <a:off x="4481830" y="3540760"/>
-            <a:ext cx="2072640" cy="281940"/>
+            <a:off x="8473440" y="3929380"/>
+            <a:ext cx="999490" cy="541655"/>
           </a:xfrm>
           <a:prstGeom prst="rect">
             <a:avLst/>
@@ -7969,10 +6725,10 @@
         <p:txBody>
           <a:bodyPr rtlCol="0" anchor="ctr"/>
           <a:p>
-            <a:pPr algn="l"/>
-            <a:r>
-              <a:rPr lang="en-US" altLang="zh-CN"/>
-              <a:t>wx.stopVoice</a:t>
+            <a:pPr algn="ctr"/>
+            <a:r>
+              <a:rPr lang="en-US" altLang="zh-CN"/>
+              <a:t>label</a:t>
             </a:r>
             <a:endParaRPr lang="en-US" altLang="zh-CN"/>
           </a:p>
@@ -7980,21 +6736,18 @@
       </p:sp>
       <p:sp>
         <p:nvSpPr>
-          <p:cNvPr id="23" name="矩形 22"/>
+          <p:cNvPr id="25" name="圆角矩形 24"/>
           <p:cNvSpPr/>
           <p:nvPr/>
         </p:nvSpPr>
         <p:spPr>
           <a:xfrm>
-            <a:off x="4481830" y="3937635"/>
-            <a:ext cx="2757170" cy="281940"/>
-          </a:xfrm>
-          <a:prstGeom prst="rect">
+            <a:off x="8350885" y="5267325"/>
+            <a:ext cx="3366135" cy="1274445"/>
+          </a:xfrm>
+          <a:prstGeom prst="roundRect">
             <a:avLst/>
           </a:prstGeom>
-          <a:solidFill>
-            <a:schemeClr val="accent5"/>
-          </a:solidFill>
         </p:spPr>
         <p:style>
           <a:lnRef idx="2">
@@ -8013,27 +6766,27 @@
           </a:fontRef>
         </p:style>
         <p:txBody>
-          <a:bodyPr rtlCol="0" anchor="ctr"/>
-          <a:p>
-            <a:pPr algn="l"/>
-            <a:r>
-              <a:rPr lang="en-US" altLang="zh-CN" sz="1200"/>
-              <a:t>wx.getBackgroundAudioPlayerState</a:t>
-            </a:r>
-            <a:endParaRPr lang="en-US" altLang="zh-CN" sz="1200"/>
-          </a:p>
-        </p:txBody>
-      </p:sp>
-      <p:sp>
-        <p:nvSpPr>
-          <p:cNvPr id="24" name="矩形 23"/>
+          <a:bodyPr rtlCol="0" anchor="t" anchorCtr="0"/>
+          <a:p>
+            <a:pPr algn="ctr"/>
+            <a:r>
+              <a:rPr lang="en-US" altLang="zh-CN"/>
+              <a:t>Navigation</a:t>
+            </a:r>
+            <a:endParaRPr lang="en-US" altLang="zh-CN"/>
+          </a:p>
+        </p:txBody>
+      </p:sp>
+      <p:sp>
+        <p:nvSpPr>
+          <p:cNvPr id="26" name="矩形 25"/>
           <p:cNvSpPr/>
           <p:nvPr/>
         </p:nvSpPr>
         <p:spPr>
           <a:xfrm>
-            <a:off x="4462780" y="4248150"/>
-            <a:ext cx="2757170" cy="281940"/>
+            <a:off x="8997950" y="5795010"/>
+            <a:ext cx="1920875" cy="541655"/>
           </a:xfrm>
           <a:prstGeom prst="rect">
             <a:avLst/>
@@ -8061,10 +6814,10 @@
         <p:txBody>
           <a:bodyPr rtlCol="0" anchor="ctr"/>
           <a:p>
-            <a:pPr algn="l"/>
-            <a:r>
-              <a:rPr lang="en-US" altLang="zh-CN"/>
-              <a:t>wx.playBackgroundAudio</a:t>
+            <a:pPr algn="ctr"/>
+            <a:r>
+              <a:rPr lang="en-US" altLang="zh-CN"/>
+              <a:t>navigator</a:t>
             </a:r>
             <a:endParaRPr lang="en-US" altLang="zh-CN"/>
           </a:p>
@@ -8072,21 +6825,18 @@
       </p:sp>
       <p:sp>
         <p:nvSpPr>
-          <p:cNvPr id="25" name="矩形 24"/>
+          <p:cNvPr id="29" name="圆角矩形 28"/>
           <p:cNvSpPr/>
           <p:nvPr/>
         </p:nvSpPr>
         <p:spPr>
           <a:xfrm>
-            <a:off x="4481830" y="4558665"/>
-            <a:ext cx="2757170" cy="281940"/>
-          </a:xfrm>
-          <a:prstGeom prst="rect">
+            <a:off x="4869180" y="4117975"/>
+            <a:ext cx="3366135" cy="2540000"/>
+          </a:xfrm>
+          <a:prstGeom prst="roundRect">
             <a:avLst/>
           </a:prstGeom>
-          <a:solidFill>
-            <a:schemeClr val="accent5"/>
-          </a:solidFill>
         </p:spPr>
         <p:style>
           <a:lnRef idx="2">
@@ -8105,27 +6855,27 @@
           </a:fontRef>
         </p:style>
         <p:txBody>
-          <a:bodyPr rtlCol="0" anchor="ctr"/>
-          <a:p>
-            <a:pPr algn="l"/>
-            <a:r>
-              <a:rPr lang="en-US" altLang="zh-CN" sz="1600"/>
-              <a:t>wx.pauseBackgroundAudio</a:t>
-            </a:r>
-            <a:endParaRPr lang="en-US" altLang="zh-CN" sz="1600"/>
-          </a:p>
-        </p:txBody>
-      </p:sp>
-      <p:sp>
-        <p:nvSpPr>
-          <p:cNvPr id="26" name="矩形 25"/>
+          <a:bodyPr rtlCol="0" anchor="t" anchorCtr="0"/>
+          <a:p>
+            <a:pPr algn="ctr"/>
+            <a:r>
+              <a:rPr lang="en-US" altLang="zh-CN"/>
+              <a:t>Media</a:t>
+            </a:r>
+            <a:endParaRPr lang="en-US" altLang="zh-CN"/>
+          </a:p>
+        </p:txBody>
+      </p:sp>
+      <p:sp>
+        <p:nvSpPr>
+          <p:cNvPr id="30" name="矩形 29"/>
           <p:cNvSpPr/>
           <p:nvPr/>
         </p:nvSpPr>
         <p:spPr>
           <a:xfrm>
-            <a:off x="4481830" y="4869180"/>
-            <a:ext cx="2757170" cy="281940"/>
+            <a:off x="5534660" y="4799330"/>
+            <a:ext cx="1920875" cy="541655"/>
           </a:xfrm>
           <a:prstGeom prst="rect">
             <a:avLst/>
@@ -8153,25 +6903,25 @@
         <p:txBody>
           <a:bodyPr rtlCol="0" anchor="ctr"/>
           <a:p>
-            <a:pPr algn="l"/>
-            <a:r>
-              <a:rPr lang="en-US" altLang="zh-CN" sz="1600"/>
-              <a:t>wx.seekBackgroundAudio</a:t>
-            </a:r>
-            <a:endParaRPr lang="en-US" altLang="zh-CN" sz="1600"/>
-          </a:p>
-        </p:txBody>
-      </p:sp>
-      <p:sp>
-        <p:nvSpPr>
-          <p:cNvPr id="27" name="矩形 26"/>
+            <a:pPr algn="ctr"/>
+            <a:r>
+              <a:rPr lang="en-US" altLang="zh-CN"/>
+              <a:t>audio</a:t>
+            </a:r>
+            <a:endParaRPr lang="en-US" altLang="zh-CN"/>
+          </a:p>
+        </p:txBody>
+      </p:sp>
+      <p:sp>
+        <p:nvSpPr>
+          <p:cNvPr id="31" name="矩形 30"/>
           <p:cNvSpPr/>
           <p:nvPr/>
         </p:nvSpPr>
         <p:spPr>
           <a:xfrm>
-            <a:off x="4481830" y="5178425"/>
-            <a:ext cx="2757170" cy="281940"/>
+            <a:off x="5534660" y="5402580"/>
+            <a:ext cx="1920875" cy="541655"/>
           </a:xfrm>
           <a:prstGeom prst="rect">
             <a:avLst/>
@@ -8199,25 +6949,25 @@
         <p:txBody>
           <a:bodyPr rtlCol="0" anchor="ctr"/>
           <a:p>
-            <a:pPr algn="l"/>
-            <a:r>
-              <a:rPr lang="en-US" altLang="zh-CN" sz="1600"/>
-              <a:t>wx.stopBackgroundAudio</a:t>
-            </a:r>
-            <a:endParaRPr lang="en-US" altLang="zh-CN" sz="1600"/>
-          </a:p>
-        </p:txBody>
-      </p:sp>
-      <p:sp>
-        <p:nvSpPr>
-          <p:cNvPr id="28" name="矩形 27"/>
+            <a:pPr algn="ctr"/>
+            <a:r>
+              <a:rPr lang="en-US" altLang="zh-CN"/>
+              <a:t>image</a:t>
+            </a:r>
+            <a:endParaRPr lang="en-US" altLang="zh-CN"/>
+          </a:p>
+        </p:txBody>
+      </p:sp>
+      <p:sp>
+        <p:nvSpPr>
+          <p:cNvPr id="32" name="矩形 31"/>
           <p:cNvSpPr/>
           <p:nvPr/>
         </p:nvSpPr>
         <p:spPr>
           <a:xfrm>
-            <a:off x="4481830" y="5487670"/>
-            <a:ext cx="2757170" cy="281940"/>
+            <a:off x="5534660" y="6000115"/>
+            <a:ext cx="1920875" cy="541655"/>
           </a:xfrm>
           <a:prstGeom prst="rect">
             <a:avLst/>
@@ -8245,32 +6995,29 @@
         <p:txBody>
           <a:bodyPr rtlCol="0" anchor="ctr"/>
           <a:p>
-            <a:pPr algn="l"/>
-            <a:r>
-              <a:rPr lang="en-US" altLang="zh-CN" sz="1600"/>
-              <a:t>wx.onBackgroundAudioPlay</a:t>
-            </a:r>
-            <a:endParaRPr lang="en-US" altLang="zh-CN" sz="1600"/>
-          </a:p>
-        </p:txBody>
-      </p:sp>
-      <p:sp>
-        <p:nvSpPr>
-          <p:cNvPr id="29" name="矩形 28"/>
+            <a:pPr algn="ctr"/>
+            <a:r>
+              <a:rPr lang="en-US" altLang="zh-CN"/>
+              <a:t>video</a:t>
+            </a:r>
+            <a:endParaRPr lang="en-US" altLang="zh-CN"/>
+          </a:p>
+        </p:txBody>
+      </p:sp>
+      <p:sp>
+        <p:nvSpPr>
+          <p:cNvPr id="33" name="圆角矩形 32"/>
           <p:cNvSpPr/>
           <p:nvPr/>
         </p:nvSpPr>
         <p:spPr>
           <a:xfrm>
-            <a:off x="4462780" y="5796915"/>
-            <a:ext cx="2757170" cy="281940"/>
-          </a:xfrm>
-          <a:prstGeom prst="rect">
+            <a:off x="1045845" y="4117975"/>
+            <a:ext cx="3366135" cy="2540000"/>
+          </a:xfrm>
+          <a:prstGeom prst="roundRect">
             <a:avLst/>
           </a:prstGeom>
-          <a:solidFill>
-            <a:schemeClr val="accent5"/>
-          </a:solidFill>
         </p:spPr>
         <p:style>
           <a:lnRef idx="2">
@@ -8289,27 +7036,27 @@
           </a:fontRef>
         </p:style>
         <p:txBody>
-          <a:bodyPr rtlCol="0" anchor="ctr"/>
-          <a:p>
-            <a:pPr algn="l"/>
-            <a:r>
-              <a:rPr lang="en-US" altLang="zh-CN" sz="1400"/>
-              <a:t>wx.onBackgroundAudioPause</a:t>
-            </a:r>
-            <a:endParaRPr lang="en-US" altLang="zh-CN" sz="1400"/>
-          </a:p>
-        </p:txBody>
-      </p:sp>
-      <p:sp>
-        <p:nvSpPr>
-          <p:cNvPr id="30" name="矩形 29"/>
+          <a:bodyPr rtlCol="0" anchor="t" anchorCtr="0"/>
+          <a:p>
+            <a:pPr algn="ctr"/>
+            <a:r>
+              <a:rPr lang="en-US" altLang="zh-CN"/>
+              <a:t>Miscellaneous</a:t>
+            </a:r>
+            <a:endParaRPr lang="en-US" altLang="zh-CN"/>
+          </a:p>
+        </p:txBody>
+      </p:sp>
+      <p:sp>
+        <p:nvSpPr>
+          <p:cNvPr id="34" name="矩形 33"/>
           <p:cNvSpPr/>
           <p:nvPr/>
         </p:nvSpPr>
         <p:spPr>
           <a:xfrm>
-            <a:off x="4463415" y="6106795"/>
-            <a:ext cx="2757170" cy="281940"/>
+            <a:off x="1711325" y="4799330"/>
+            <a:ext cx="1920875" cy="541655"/>
           </a:xfrm>
           <a:prstGeom prst="rect">
             <a:avLst/>
@@ -8337,25 +7084,25 @@
         <p:txBody>
           <a:bodyPr rtlCol="0" anchor="ctr"/>
           <a:p>
-            <a:pPr algn="l"/>
-            <a:r>
-              <a:rPr lang="en-US" altLang="zh-CN" sz="1400"/>
-              <a:t>wx.onBackgroundAudioStop</a:t>
-            </a:r>
-            <a:endParaRPr lang="en-US" altLang="zh-CN" sz="1400"/>
-          </a:p>
-        </p:txBody>
-      </p:sp>
-      <p:sp>
-        <p:nvSpPr>
-          <p:cNvPr id="31" name="矩形 30"/>
+            <a:pPr algn="ctr"/>
+            <a:r>
+              <a:rPr lang="en-US" altLang="zh-CN"/>
+              <a:t>map</a:t>
+            </a:r>
+            <a:endParaRPr lang="en-US" altLang="zh-CN"/>
+          </a:p>
+        </p:txBody>
+      </p:sp>
+      <p:sp>
+        <p:nvSpPr>
+          <p:cNvPr id="35" name="矩形 34"/>
           <p:cNvSpPr/>
           <p:nvPr/>
         </p:nvSpPr>
         <p:spPr>
           <a:xfrm>
-            <a:off x="4482465" y="6458585"/>
-            <a:ext cx="2072640" cy="281940"/>
+            <a:off x="1711325" y="5402580"/>
+            <a:ext cx="1920875" cy="541655"/>
           </a:xfrm>
           <a:prstGeom prst="rect">
             <a:avLst/>
@@ -8383,10 +7130,10 @@
         <p:txBody>
           <a:bodyPr rtlCol="0" anchor="ctr"/>
           <a:p>
-            <a:pPr algn="l"/>
-            <a:r>
-              <a:rPr lang="en-US" altLang="zh-CN"/>
-              <a:t>wx.chooseVideo</a:t>
+            <a:pPr algn="ctr"/>
+            <a:r>
+              <a:rPr lang="en-US" altLang="zh-CN"/>
+              <a:t>canvas</a:t>
             </a:r>
             <a:endParaRPr lang="en-US" altLang="zh-CN"/>
           </a:p>
@@ -8394,18 +7141,21 @@
       </p:sp>
       <p:sp>
         <p:nvSpPr>
-          <p:cNvPr id="32" name="圆角矩形 31"/>
+          <p:cNvPr id="36" name="矩形 35"/>
           <p:cNvSpPr/>
           <p:nvPr/>
         </p:nvSpPr>
         <p:spPr>
           <a:xfrm>
-            <a:off x="7543800" y="1069340"/>
-            <a:ext cx="3105150" cy="2753995"/>
-          </a:xfrm>
-          <a:prstGeom prst="roundRect">
+            <a:off x="1711325" y="5991225"/>
+            <a:ext cx="1920875" cy="541655"/>
+          </a:xfrm>
+          <a:prstGeom prst="rect">
             <a:avLst/>
           </a:prstGeom>
+          <a:solidFill>
+            <a:schemeClr val="accent5"/>
+          </a:solidFill>
         </p:spPr>
         <p:style>
           <a:lnRef idx="2">
@@ -8424,457 +7174,12 @@
           </a:fontRef>
         </p:style>
         <p:txBody>
-          <a:bodyPr rtlCol="0" anchor="t" anchorCtr="0"/>
+          <a:bodyPr rtlCol="0" anchor="ctr"/>
           <a:p>
             <a:pPr algn="ctr"/>
             <a:r>
               <a:rPr lang="en-US" altLang="zh-CN"/>
-              <a:t>File</a:t>
-            </a:r>
-            <a:endParaRPr lang="en-US" altLang="zh-CN"/>
-          </a:p>
-        </p:txBody>
-      </p:sp>
-      <p:sp>
-        <p:nvSpPr>
-          <p:cNvPr id="33" name="矩形 32"/>
-          <p:cNvSpPr/>
-          <p:nvPr/>
-        </p:nvSpPr>
-        <p:spPr>
-          <a:xfrm>
-            <a:off x="7736205" y="1605915"/>
-            <a:ext cx="1708150" cy="367665"/>
-          </a:xfrm>
-          <a:prstGeom prst="rect">
-            <a:avLst/>
-          </a:prstGeom>
-          <a:solidFill>
-            <a:schemeClr val="accent5"/>
-          </a:solidFill>
-        </p:spPr>
-        <p:style>
-          <a:lnRef idx="2">
-            <a:schemeClr val="accent1">
-              <a:shade val="50000"/>
-            </a:schemeClr>
-          </a:lnRef>
-          <a:fillRef idx="1">
-            <a:schemeClr val="accent1"/>
-          </a:fillRef>
-          <a:effectRef idx="0">
-            <a:schemeClr val="accent1"/>
-          </a:effectRef>
-          <a:fontRef idx="minor">
-            <a:schemeClr val="lt1"/>
-          </a:fontRef>
-        </p:style>
-        <p:txBody>
-          <a:bodyPr rtlCol="0" anchor="ctr"/>
-          <a:p>
-            <a:pPr algn="l"/>
-            <a:r>
-              <a:rPr lang="en-US" altLang="zh-CN"/>
-              <a:t>wx.saveFile</a:t>
-            </a:r>
-            <a:endParaRPr lang="en-US" altLang="zh-CN"/>
-          </a:p>
-        </p:txBody>
-      </p:sp>
-      <p:sp>
-        <p:nvSpPr>
-          <p:cNvPr id="34" name="矩形 33"/>
-          <p:cNvSpPr/>
-          <p:nvPr/>
-        </p:nvSpPr>
-        <p:spPr>
-          <a:xfrm>
-            <a:off x="7717155" y="2011045"/>
-            <a:ext cx="2756535" cy="367665"/>
-          </a:xfrm>
-          <a:prstGeom prst="rect">
-            <a:avLst/>
-          </a:prstGeom>
-          <a:solidFill>
-            <a:schemeClr val="accent5"/>
-          </a:solidFill>
-        </p:spPr>
-        <p:style>
-          <a:lnRef idx="2">
-            <a:schemeClr val="accent1">
-              <a:shade val="50000"/>
-            </a:schemeClr>
-          </a:lnRef>
-          <a:fillRef idx="1">
-            <a:schemeClr val="accent1"/>
-          </a:fillRef>
-          <a:effectRef idx="0">
-            <a:schemeClr val="accent1"/>
-          </a:effectRef>
-          <a:fontRef idx="minor">
-            <a:schemeClr val="lt1"/>
-          </a:fontRef>
-        </p:style>
-        <p:txBody>
-          <a:bodyPr rtlCol="0" anchor="ctr"/>
-          <a:p>
-            <a:pPr algn="l"/>
-            <a:r>
-              <a:rPr lang="en-US" altLang="zh-CN"/>
-              <a:t>wx.getSavedFileList</a:t>
-            </a:r>
-            <a:endParaRPr lang="en-US" altLang="zh-CN"/>
-          </a:p>
-        </p:txBody>
-      </p:sp>
-      <p:sp>
-        <p:nvSpPr>
-          <p:cNvPr id="35" name="矩形 34"/>
-          <p:cNvSpPr/>
-          <p:nvPr/>
-        </p:nvSpPr>
-        <p:spPr>
-          <a:xfrm>
-            <a:off x="7736205" y="2425700"/>
-            <a:ext cx="2737485" cy="367665"/>
-          </a:xfrm>
-          <a:prstGeom prst="rect">
-            <a:avLst/>
-          </a:prstGeom>
-          <a:solidFill>
-            <a:schemeClr val="accent5"/>
-          </a:solidFill>
-        </p:spPr>
-        <p:style>
-          <a:lnRef idx="2">
-            <a:schemeClr val="accent1">
-              <a:shade val="50000"/>
-            </a:schemeClr>
-          </a:lnRef>
-          <a:fillRef idx="1">
-            <a:schemeClr val="accent1"/>
-          </a:fillRef>
-          <a:effectRef idx="0">
-            <a:schemeClr val="accent1"/>
-          </a:effectRef>
-          <a:fontRef idx="minor">
-            <a:schemeClr val="lt1"/>
-          </a:fontRef>
-        </p:style>
-        <p:txBody>
-          <a:bodyPr rtlCol="0" anchor="ctr"/>
-          <a:p>
-            <a:pPr algn="l"/>
-            <a:r>
-              <a:rPr lang="en-US" altLang="zh-CN"/>
-              <a:t>wx.getSavedFileInfo</a:t>
-            </a:r>
-            <a:endParaRPr lang="en-US" altLang="zh-CN"/>
-          </a:p>
-        </p:txBody>
-      </p:sp>
-      <p:sp>
-        <p:nvSpPr>
-          <p:cNvPr id="36" name="矩形 35"/>
-          <p:cNvSpPr/>
-          <p:nvPr/>
-        </p:nvSpPr>
-        <p:spPr>
-          <a:xfrm>
-            <a:off x="7736205" y="2851785"/>
-            <a:ext cx="2737485" cy="367665"/>
-          </a:xfrm>
-          <a:prstGeom prst="rect">
-            <a:avLst/>
-          </a:prstGeom>
-          <a:solidFill>
-            <a:schemeClr val="accent5"/>
-          </a:solidFill>
-        </p:spPr>
-        <p:style>
-          <a:lnRef idx="2">
-            <a:schemeClr val="accent1">
-              <a:shade val="50000"/>
-            </a:schemeClr>
-          </a:lnRef>
-          <a:fillRef idx="1">
-            <a:schemeClr val="accent1"/>
-          </a:fillRef>
-          <a:effectRef idx="0">
-            <a:schemeClr val="accent1"/>
-          </a:effectRef>
-          <a:fontRef idx="minor">
-            <a:schemeClr val="lt1"/>
-          </a:fontRef>
-        </p:style>
-        <p:txBody>
-          <a:bodyPr rtlCol="0" anchor="ctr"/>
-          <a:p>
-            <a:pPr algn="l"/>
-            <a:r>
-              <a:rPr lang="en-US" altLang="zh-CN"/>
-              <a:t>wx.removeSavedFile</a:t>
-            </a:r>
-            <a:endParaRPr lang="en-US" altLang="zh-CN"/>
-          </a:p>
-        </p:txBody>
-      </p:sp>
-      <p:sp>
-        <p:nvSpPr>
-          <p:cNvPr id="37" name="矩形 36"/>
-          <p:cNvSpPr/>
-          <p:nvPr/>
-        </p:nvSpPr>
-        <p:spPr>
-          <a:xfrm>
-            <a:off x="7736205" y="3276600"/>
-            <a:ext cx="2737485" cy="367665"/>
-          </a:xfrm>
-          <a:prstGeom prst="rect">
-            <a:avLst/>
-          </a:prstGeom>
-          <a:solidFill>
-            <a:schemeClr val="accent5"/>
-          </a:solidFill>
-        </p:spPr>
-        <p:style>
-          <a:lnRef idx="2">
-            <a:schemeClr val="accent1">
-              <a:shade val="50000"/>
-            </a:schemeClr>
-          </a:lnRef>
-          <a:fillRef idx="1">
-            <a:schemeClr val="accent1"/>
-          </a:fillRef>
-          <a:effectRef idx="0">
-            <a:schemeClr val="accent1"/>
-          </a:effectRef>
-          <a:fontRef idx="minor">
-            <a:schemeClr val="lt1"/>
-          </a:fontRef>
-        </p:style>
-        <p:txBody>
-          <a:bodyPr rtlCol="0" anchor="ctr"/>
-          <a:p>
-            <a:pPr algn="l"/>
-            <a:r>
-              <a:rPr lang="en-US" altLang="zh-CN"/>
-              <a:t>wx.openDocument</a:t>
-            </a:r>
-            <a:endParaRPr lang="en-US" altLang="zh-CN"/>
-          </a:p>
-        </p:txBody>
-      </p:sp>
-      <p:sp>
-        <p:nvSpPr>
-          <p:cNvPr id="43" name="圆角矩形 42"/>
-          <p:cNvSpPr/>
-          <p:nvPr/>
-        </p:nvSpPr>
-        <p:spPr>
-          <a:xfrm>
-            <a:off x="7552690" y="3986530"/>
-            <a:ext cx="3105150" cy="453390"/>
-          </a:xfrm>
-          <a:prstGeom prst="roundRect">
-            <a:avLst/>
-          </a:prstGeom>
-        </p:spPr>
-        <p:style>
-          <a:lnRef idx="2">
-            <a:schemeClr val="accent1">
-              <a:shade val="50000"/>
-            </a:schemeClr>
-          </a:lnRef>
-          <a:fillRef idx="1">
-            <a:schemeClr val="accent1"/>
-          </a:fillRef>
-          <a:effectRef idx="0">
-            <a:schemeClr val="accent1"/>
-          </a:effectRef>
-          <a:fontRef idx="minor">
-            <a:schemeClr val="lt1"/>
-          </a:fontRef>
-        </p:style>
-        <p:txBody>
-          <a:bodyPr rtlCol="0" anchor="t" anchorCtr="0"/>
-          <a:p>
-            <a:pPr algn="ctr"/>
-            <a:r>
-              <a:rPr lang="en-US" altLang="zh-CN"/>
-              <a:t>Storage</a:t>
-            </a:r>
-            <a:endParaRPr lang="en-US" altLang="zh-CN"/>
-          </a:p>
-        </p:txBody>
-      </p:sp>
-      <p:sp>
-        <p:nvSpPr>
-          <p:cNvPr id="44" name="圆角矩形 43"/>
-          <p:cNvSpPr/>
-          <p:nvPr/>
-        </p:nvSpPr>
-        <p:spPr>
-          <a:xfrm>
-            <a:off x="7542530" y="4531360"/>
-            <a:ext cx="3105150" cy="453390"/>
-          </a:xfrm>
-          <a:prstGeom prst="roundRect">
-            <a:avLst/>
-          </a:prstGeom>
-        </p:spPr>
-        <p:style>
-          <a:lnRef idx="2">
-            <a:schemeClr val="accent1">
-              <a:shade val="50000"/>
-            </a:schemeClr>
-          </a:lnRef>
-          <a:fillRef idx="1">
-            <a:schemeClr val="accent1"/>
-          </a:fillRef>
-          <a:effectRef idx="0">
-            <a:schemeClr val="accent1"/>
-          </a:effectRef>
-          <a:fontRef idx="minor">
-            <a:schemeClr val="lt1"/>
-          </a:fontRef>
-        </p:style>
-        <p:txBody>
-          <a:bodyPr rtlCol="0" anchor="t" anchorCtr="0"/>
-          <a:p>
-            <a:pPr algn="ctr"/>
-            <a:r>
-              <a:rPr lang="en-US" altLang="zh-CN"/>
-              <a:t>Location</a:t>
-            </a:r>
-            <a:endParaRPr lang="en-US" altLang="zh-CN"/>
-          </a:p>
-        </p:txBody>
-      </p:sp>
-      <p:sp>
-        <p:nvSpPr>
-          <p:cNvPr id="45" name="圆角矩形 44"/>
-          <p:cNvSpPr/>
-          <p:nvPr/>
-        </p:nvSpPr>
-        <p:spPr>
-          <a:xfrm>
-            <a:off x="7552690" y="5080635"/>
-            <a:ext cx="3105150" cy="453390"/>
-          </a:xfrm>
-          <a:prstGeom prst="roundRect">
-            <a:avLst/>
-          </a:prstGeom>
-        </p:spPr>
-        <p:style>
-          <a:lnRef idx="2">
-            <a:schemeClr val="accent1">
-              <a:shade val="50000"/>
-            </a:schemeClr>
-          </a:lnRef>
-          <a:fillRef idx="1">
-            <a:schemeClr val="accent1"/>
-          </a:fillRef>
-          <a:effectRef idx="0">
-            <a:schemeClr val="accent1"/>
-          </a:effectRef>
-          <a:fontRef idx="minor">
-            <a:schemeClr val="lt1"/>
-          </a:fontRef>
-        </p:style>
-        <p:txBody>
-          <a:bodyPr rtlCol="0" anchor="t" anchorCtr="0"/>
-          <a:p>
-            <a:pPr algn="ctr"/>
-            <a:r>
-              <a:rPr lang="en-US" altLang="zh-CN"/>
-              <a:t>Device</a:t>
-            </a:r>
-            <a:endParaRPr lang="en-US" altLang="zh-CN"/>
-          </a:p>
-        </p:txBody>
-      </p:sp>
-      <p:sp>
-        <p:nvSpPr>
-          <p:cNvPr id="46" name="圆角矩形 45"/>
-          <p:cNvSpPr/>
-          <p:nvPr/>
-        </p:nvSpPr>
-        <p:spPr>
-          <a:xfrm>
-            <a:off x="7542530" y="5653405"/>
-            <a:ext cx="3105150" cy="453390"/>
-          </a:xfrm>
-          <a:prstGeom prst="roundRect">
-            <a:avLst/>
-          </a:prstGeom>
-        </p:spPr>
-        <p:style>
-          <a:lnRef idx="2">
-            <a:schemeClr val="accent1">
-              <a:shade val="50000"/>
-            </a:schemeClr>
-          </a:lnRef>
-          <a:fillRef idx="1">
-            <a:schemeClr val="accent1"/>
-          </a:fillRef>
-          <a:effectRef idx="0">
-            <a:schemeClr val="accent1"/>
-          </a:effectRef>
-          <a:fontRef idx="minor">
-            <a:schemeClr val="lt1"/>
-          </a:fontRef>
-        </p:style>
-        <p:txBody>
-          <a:bodyPr rtlCol="0" anchor="t" anchorCtr="0"/>
-          <a:p>
-            <a:pPr algn="ctr"/>
-            <a:r>
-              <a:rPr lang="en-US" altLang="zh-CN"/>
-              <a:t>UI</a:t>
-            </a:r>
-            <a:endParaRPr lang="en-US" altLang="zh-CN"/>
-          </a:p>
-        </p:txBody>
-      </p:sp>
-      <p:sp>
-        <p:nvSpPr>
-          <p:cNvPr id="47" name="圆角矩形 46"/>
-          <p:cNvSpPr/>
-          <p:nvPr/>
-        </p:nvSpPr>
-        <p:spPr>
-          <a:xfrm>
-            <a:off x="7542530" y="6231255"/>
-            <a:ext cx="3105150" cy="453390"/>
-          </a:xfrm>
-          <a:prstGeom prst="roundRect">
-            <a:avLst/>
-          </a:prstGeom>
-        </p:spPr>
-        <p:style>
-          <a:lnRef idx="2">
-            <a:schemeClr val="accent1">
-              <a:shade val="50000"/>
-            </a:schemeClr>
-          </a:lnRef>
-          <a:fillRef idx="1">
-            <a:schemeClr val="accent1"/>
-          </a:fillRef>
-          <a:effectRef idx="0">
-            <a:schemeClr val="accent1"/>
-          </a:effectRef>
-          <a:fontRef idx="minor">
-            <a:schemeClr val="lt1"/>
-          </a:fontRef>
-        </p:style>
-        <p:txBody>
-          <a:bodyPr rtlCol="0" anchor="t" anchorCtr="0"/>
-          <a:p>
-            <a:pPr algn="ctr"/>
-            <a:r>
-              <a:rPr lang="en-US" altLang="zh-CN"/>
-              <a:t>Wechat</a:t>
+              <a:t>contact-button</a:t>
             </a:r>
             <a:endParaRPr lang="en-US" altLang="zh-CN"/>
           </a:p>
@@ -8903,7 +7208,7 @@
       <p:grpSpPr/>
       <p:sp>
         <p:nvSpPr>
-          <p:cNvPr id="4" name="标题 3"/>
+          <p:cNvPr id="2" name="标题 1"/>
           <p:cNvSpPr>
             <a:spLocks noGrp="1"/>
           </p:cNvSpPr>
@@ -8917,7 +7222,7 @@
           <a:p>
             <a:r>
               <a:rPr lang="en-US" altLang="zh-CN"/>
-              <a:t>JSSDK</a:t>
+              <a:t>API</a:t>
             </a:r>
             <a:endParaRPr lang="en-US" altLang="zh-CN"/>
           </a:p>
@@ -8925,23 +7230,1771 @@
       </p:sp>
       <p:sp>
         <p:nvSpPr>
-          <p:cNvPr id="5" name="文本占位符 4"/>
-          <p:cNvSpPr>
-            <a:spLocks noGrp="1"/>
-          </p:cNvSpPr>
-          <p:nvPr>
-            <p:ph type="body" idx="1"/>
-          </p:nvPr>
-        </p:nvSpPr>
-        <p:spPr/>
-        <p:txBody>
-          <a:bodyPr/>
-          <a:p>
-            <a:r>
-              <a:rPr lang="zh-CN" altLang="en-US"/>
-              <a:t>微信内网页开发工具包</a:t>
-            </a:r>
-            <a:endParaRPr lang="zh-CN" altLang="en-US"/>
+          <p:cNvPr id="4" name="圆角矩形 3"/>
+          <p:cNvSpPr/>
+          <p:nvPr/>
+        </p:nvSpPr>
+        <p:spPr>
+          <a:xfrm>
+            <a:off x="1036320" y="1007110"/>
+            <a:ext cx="3105150" cy="5224145"/>
+          </a:xfrm>
+          <a:prstGeom prst="roundRect">
+            <a:avLst/>
+          </a:prstGeom>
+        </p:spPr>
+        <p:style>
+          <a:lnRef idx="2">
+            <a:schemeClr val="accent1">
+              <a:shade val="50000"/>
+            </a:schemeClr>
+          </a:lnRef>
+          <a:fillRef idx="1">
+            <a:schemeClr val="accent1"/>
+          </a:fillRef>
+          <a:effectRef idx="0">
+            <a:schemeClr val="accent1"/>
+          </a:effectRef>
+          <a:fontRef idx="minor">
+            <a:schemeClr val="lt1"/>
+          </a:fontRef>
+        </p:style>
+        <p:txBody>
+          <a:bodyPr rtlCol="0" anchor="t" anchorCtr="0"/>
+          <a:p>
+            <a:pPr algn="ctr"/>
+            <a:r>
+              <a:rPr lang="en-US" altLang="zh-CN"/>
+              <a:t>Network</a:t>
+            </a:r>
+            <a:endParaRPr lang="en-US" altLang="zh-CN"/>
+          </a:p>
+        </p:txBody>
+      </p:sp>
+      <p:sp>
+        <p:nvSpPr>
+          <p:cNvPr id="5" name="矩形 4"/>
+          <p:cNvSpPr/>
+          <p:nvPr/>
+        </p:nvSpPr>
+        <p:spPr>
+          <a:xfrm>
+            <a:off x="1228725" y="1543685"/>
+            <a:ext cx="1708150" cy="367665"/>
+          </a:xfrm>
+          <a:prstGeom prst="rect">
+            <a:avLst/>
+          </a:prstGeom>
+          <a:solidFill>
+            <a:schemeClr val="accent5"/>
+          </a:solidFill>
+        </p:spPr>
+        <p:style>
+          <a:lnRef idx="2">
+            <a:schemeClr val="accent1">
+              <a:shade val="50000"/>
+            </a:schemeClr>
+          </a:lnRef>
+          <a:fillRef idx="1">
+            <a:schemeClr val="accent1"/>
+          </a:fillRef>
+          <a:effectRef idx="0">
+            <a:schemeClr val="accent1"/>
+          </a:effectRef>
+          <a:fontRef idx="minor">
+            <a:schemeClr val="lt1"/>
+          </a:fontRef>
+        </p:style>
+        <p:txBody>
+          <a:bodyPr rtlCol="0" anchor="ctr"/>
+          <a:p>
+            <a:pPr algn="l"/>
+            <a:r>
+              <a:rPr lang="en-US" altLang="zh-CN"/>
+              <a:t>wx.request</a:t>
+            </a:r>
+            <a:endParaRPr lang="en-US" altLang="zh-CN"/>
+          </a:p>
+        </p:txBody>
+      </p:sp>
+      <p:sp>
+        <p:nvSpPr>
+          <p:cNvPr id="6" name="矩形 5"/>
+          <p:cNvSpPr/>
+          <p:nvPr/>
+        </p:nvSpPr>
+        <p:spPr>
+          <a:xfrm>
+            <a:off x="1209675" y="1948815"/>
+            <a:ext cx="1708150" cy="367665"/>
+          </a:xfrm>
+          <a:prstGeom prst="rect">
+            <a:avLst/>
+          </a:prstGeom>
+          <a:solidFill>
+            <a:schemeClr val="accent5"/>
+          </a:solidFill>
+        </p:spPr>
+        <p:style>
+          <a:lnRef idx="2">
+            <a:schemeClr val="accent1">
+              <a:shade val="50000"/>
+            </a:schemeClr>
+          </a:lnRef>
+          <a:fillRef idx="1">
+            <a:schemeClr val="accent1"/>
+          </a:fillRef>
+          <a:effectRef idx="0">
+            <a:schemeClr val="accent1"/>
+          </a:effectRef>
+          <a:fontRef idx="minor">
+            <a:schemeClr val="lt1"/>
+          </a:fontRef>
+        </p:style>
+        <p:txBody>
+          <a:bodyPr rtlCol="0" anchor="ctr"/>
+          <a:p>
+            <a:pPr algn="ctr"/>
+            <a:r>
+              <a:rPr lang="en-US" altLang="zh-CN"/>
+              <a:t>wx.uploadFile</a:t>
+            </a:r>
+            <a:endParaRPr lang="en-US" altLang="zh-CN"/>
+          </a:p>
+        </p:txBody>
+      </p:sp>
+      <p:sp>
+        <p:nvSpPr>
+          <p:cNvPr id="7" name="矩形 6"/>
+          <p:cNvSpPr/>
+          <p:nvPr/>
+        </p:nvSpPr>
+        <p:spPr>
+          <a:xfrm>
+            <a:off x="1228725" y="2363470"/>
+            <a:ext cx="1967230" cy="367665"/>
+          </a:xfrm>
+          <a:prstGeom prst="rect">
+            <a:avLst/>
+          </a:prstGeom>
+          <a:solidFill>
+            <a:schemeClr val="accent5"/>
+          </a:solidFill>
+        </p:spPr>
+        <p:style>
+          <a:lnRef idx="2">
+            <a:schemeClr val="accent1">
+              <a:shade val="50000"/>
+            </a:schemeClr>
+          </a:lnRef>
+          <a:fillRef idx="1">
+            <a:schemeClr val="accent1"/>
+          </a:fillRef>
+          <a:effectRef idx="0">
+            <a:schemeClr val="accent1"/>
+          </a:effectRef>
+          <a:fontRef idx="minor">
+            <a:schemeClr val="lt1"/>
+          </a:fontRef>
+        </p:style>
+        <p:txBody>
+          <a:bodyPr rtlCol="0" anchor="ctr"/>
+          <a:p>
+            <a:pPr algn="ctr"/>
+            <a:r>
+              <a:rPr lang="en-US" altLang="zh-CN"/>
+              <a:t>wx.downloadFile</a:t>
+            </a:r>
+            <a:endParaRPr lang="en-US" altLang="zh-CN"/>
+          </a:p>
+        </p:txBody>
+      </p:sp>
+      <p:sp>
+        <p:nvSpPr>
+          <p:cNvPr id="8" name="矩形 7"/>
+          <p:cNvSpPr/>
+          <p:nvPr/>
+        </p:nvSpPr>
+        <p:spPr>
+          <a:xfrm>
+            <a:off x="1228725" y="2903855"/>
+            <a:ext cx="2072640" cy="367665"/>
+          </a:xfrm>
+          <a:prstGeom prst="rect">
+            <a:avLst/>
+          </a:prstGeom>
+          <a:solidFill>
+            <a:schemeClr val="accent5"/>
+          </a:solidFill>
+        </p:spPr>
+        <p:style>
+          <a:lnRef idx="2">
+            <a:schemeClr val="accent1">
+              <a:shade val="50000"/>
+            </a:schemeClr>
+          </a:lnRef>
+          <a:fillRef idx="1">
+            <a:schemeClr val="accent1"/>
+          </a:fillRef>
+          <a:effectRef idx="0">
+            <a:schemeClr val="accent1"/>
+          </a:effectRef>
+          <a:fontRef idx="minor">
+            <a:schemeClr val="lt1"/>
+          </a:fontRef>
+        </p:style>
+        <p:txBody>
+          <a:bodyPr rtlCol="0" anchor="ctr"/>
+          <a:p>
+            <a:pPr algn="ctr"/>
+            <a:r>
+              <a:rPr lang="en-US" altLang="zh-CN"/>
+              <a:t>wx.connectSocket</a:t>
+            </a:r>
+            <a:endParaRPr lang="en-US" altLang="zh-CN"/>
+          </a:p>
+        </p:txBody>
+      </p:sp>
+      <p:sp>
+        <p:nvSpPr>
+          <p:cNvPr id="9" name="矩形 8"/>
+          <p:cNvSpPr/>
+          <p:nvPr/>
+        </p:nvSpPr>
+        <p:spPr>
+          <a:xfrm>
+            <a:off x="1228725" y="3338195"/>
+            <a:ext cx="2072640" cy="367665"/>
+          </a:xfrm>
+          <a:prstGeom prst="rect">
+            <a:avLst/>
+          </a:prstGeom>
+          <a:solidFill>
+            <a:schemeClr val="accent5"/>
+          </a:solidFill>
+        </p:spPr>
+        <p:style>
+          <a:lnRef idx="2">
+            <a:schemeClr val="accent1">
+              <a:shade val="50000"/>
+            </a:schemeClr>
+          </a:lnRef>
+          <a:fillRef idx="1">
+            <a:schemeClr val="accent1"/>
+          </a:fillRef>
+          <a:effectRef idx="0">
+            <a:schemeClr val="accent1"/>
+          </a:effectRef>
+          <a:fontRef idx="minor">
+            <a:schemeClr val="lt1"/>
+          </a:fontRef>
+        </p:style>
+        <p:txBody>
+          <a:bodyPr rtlCol="0" anchor="ctr"/>
+          <a:p>
+            <a:pPr algn="ctr"/>
+            <a:r>
+              <a:rPr lang="en-US" altLang="zh-CN"/>
+              <a:t>wx.onSocketOpen</a:t>
+            </a:r>
+            <a:endParaRPr lang="en-US" altLang="zh-CN"/>
+          </a:p>
+        </p:txBody>
+      </p:sp>
+      <p:sp>
+        <p:nvSpPr>
+          <p:cNvPr id="10" name="矩形 9"/>
+          <p:cNvSpPr/>
+          <p:nvPr/>
+        </p:nvSpPr>
+        <p:spPr>
+          <a:xfrm>
+            <a:off x="1228725" y="3763010"/>
+            <a:ext cx="2072640" cy="367665"/>
+          </a:xfrm>
+          <a:prstGeom prst="rect">
+            <a:avLst/>
+          </a:prstGeom>
+          <a:solidFill>
+            <a:schemeClr val="accent5"/>
+          </a:solidFill>
+        </p:spPr>
+        <p:style>
+          <a:lnRef idx="2">
+            <a:schemeClr val="accent1">
+              <a:shade val="50000"/>
+            </a:schemeClr>
+          </a:lnRef>
+          <a:fillRef idx="1">
+            <a:schemeClr val="accent1"/>
+          </a:fillRef>
+          <a:effectRef idx="0">
+            <a:schemeClr val="accent1"/>
+          </a:effectRef>
+          <a:fontRef idx="minor">
+            <a:schemeClr val="lt1"/>
+          </a:fontRef>
+        </p:style>
+        <p:txBody>
+          <a:bodyPr rtlCol="0" anchor="ctr"/>
+          <a:p>
+            <a:pPr algn="ctr"/>
+            <a:r>
+              <a:rPr lang="en-US" altLang="zh-CN"/>
+              <a:t>wx.onSocketError</a:t>
+            </a:r>
+            <a:endParaRPr lang="en-US" altLang="zh-CN"/>
+          </a:p>
+        </p:txBody>
+      </p:sp>
+      <p:sp>
+        <p:nvSpPr>
+          <p:cNvPr id="11" name="矩形 10"/>
+          <p:cNvSpPr/>
+          <p:nvPr/>
+        </p:nvSpPr>
+        <p:spPr>
+          <a:xfrm>
+            <a:off x="1228725" y="4206875"/>
+            <a:ext cx="2757170" cy="367665"/>
+          </a:xfrm>
+          <a:prstGeom prst="rect">
+            <a:avLst/>
+          </a:prstGeom>
+          <a:solidFill>
+            <a:schemeClr val="accent5"/>
+          </a:solidFill>
+        </p:spPr>
+        <p:style>
+          <a:lnRef idx="2">
+            <a:schemeClr val="accent1">
+              <a:shade val="50000"/>
+            </a:schemeClr>
+          </a:lnRef>
+          <a:fillRef idx="1">
+            <a:schemeClr val="accent1"/>
+          </a:fillRef>
+          <a:effectRef idx="0">
+            <a:schemeClr val="accent1"/>
+          </a:effectRef>
+          <a:fontRef idx="minor">
+            <a:schemeClr val="lt1"/>
+          </a:fontRef>
+        </p:style>
+        <p:txBody>
+          <a:bodyPr rtlCol="0" anchor="ctr"/>
+          <a:p>
+            <a:pPr algn="ctr"/>
+            <a:r>
+              <a:rPr lang="en-US" altLang="zh-CN"/>
+              <a:t>wx.sendSocketMessage</a:t>
+            </a:r>
+            <a:endParaRPr lang="en-US" altLang="zh-CN"/>
+          </a:p>
+        </p:txBody>
+      </p:sp>
+      <p:sp>
+        <p:nvSpPr>
+          <p:cNvPr id="12" name="矩形 11"/>
+          <p:cNvSpPr/>
+          <p:nvPr/>
+        </p:nvSpPr>
+        <p:spPr>
+          <a:xfrm>
+            <a:off x="1228725" y="4641850"/>
+            <a:ext cx="2757170" cy="367665"/>
+          </a:xfrm>
+          <a:prstGeom prst="rect">
+            <a:avLst/>
+          </a:prstGeom>
+          <a:solidFill>
+            <a:schemeClr val="accent5"/>
+          </a:solidFill>
+        </p:spPr>
+        <p:style>
+          <a:lnRef idx="2">
+            <a:schemeClr val="accent1">
+              <a:shade val="50000"/>
+            </a:schemeClr>
+          </a:lnRef>
+          <a:fillRef idx="1">
+            <a:schemeClr val="accent1"/>
+          </a:fillRef>
+          <a:effectRef idx="0">
+            <a:schemeClr val="accent1"/>
+          </a:effectRef>
+          <a:fontRef idx="minor">
+            <a:schemeClr val="lt1"/>
+          </a:fontRef>
+        </p:style>
+        <p:txBody>
+          <a:bodyPr rtlCol="0" anchor="ctr"/>
+          <a:p>
+            <a:pPr algn="l"/>
+            <a:r>
+              <a:rPr lang="en-US" altLang="zh-CN"/>
+              <a:t>wx.onSocketMessage</a:t>
+            </a:r>
+            <a:endParaRPr lang="en-US" altLang="zh-CN"/>
+          </a:p>
+        </p:txBody>
+      </p:sp>
+      <p:sp>
+        <p:nvSpPr>
+          <p:cNvPr id="13" name="矩形 12"/>
+          <p:cNvSpPr/>
+          <p:nvPr/>
+        </p:nvSpPr>
+        <p:spPr>
+          <a:xfrm>
+            <a:off x="1209675" y="5057140"/>
+            <a:ext cx="2757170" cy="367665"/>
+          </a:xfrm>
+          <a:prstGeom prst="rect">
+            <a:avLst/>
+          </a:prstGeom>
+          <a:solidFill>
+            <a:schemeClr val="accent5"/>
+          </a:solidFill>
+        </p:spPr>
+        <p:style>
+          <a:lnRef idx="2">
+            <a:schemeClr val="accent1">
+              <a:shade val="50000"/>
+            </a:schemeClr>
+          </a:lnRef>
+          <a:fillRef idx="1">
+            <a:schemeClr val="accent1"/>
+          </a:fillRef>
+          <a:effectRef idx="0">
+            <a:schemeClr val="accent1"/>
+          </a:effectRef>
+          <a:fontRef idx="minor">
+            <a:schemeClr val="lt1"/>
+          </a:fontRef>
+        </p:style>
+        <p:txBody>
+          <a:bodyPr rtlCol="0" anchor="ctr"/>
+          <a:p>
+            <a:pPr algn="l"/>
+            <a:r>
+              <a:rPr lang="en-US" altLang="zh-CN"/>
+              <a:t>wx.closeSocket</a:t>
+            </a:r>
+            <a:endParaRPr lang="en-US" altLang="zh-CN"/>
+          </a:p>
+        </p:txBody>
+      </p:sp>
+      <p:sp>
+        <p:nvSpPr>
+          <p:cNvPr id="14" name="矩形 13"/>
+          <p:cNvSpPr/>
+          <p:nvPr/>
+        </p:nvSpPr>
+        <p:spPr>
+          <a:xfrm>
+            <a:off x="1228725" y="5481955"/>
+            <a:ext cx="2757170" cy="367665"/>
+          </a:xfrm>
+          <a:prstGeom prst="rect">
+            <a:avLst/>
+          </a:prstGeom>
+          <a:solidFill>
+            <a:schemeClr val="accent5"/>
+          </a:solidFill>
+        </p:spPr>
+        <p:style>
+          <a:lnRef idx="2">
+            <a:schemeClr val="accent1">
+              <a:shade val="50000"/>
+            </a:schemeClr>
+          </a:lnRef>
+          <a:fillRef idx="1">
+            <a:schemeClr val="accent1"/>
+          </a:fillRef>
+          <a:effectRef idx="0">
+            <a:schemeClr val="accent1"/>
+          </a:effectRef>
+          <a:fontRef idx="minor">
+            <a:schemeClr val="lt1"/>
+          </a:fontRef>
+        </p:style>
+        <p:txBody>
+          <a:bodyPr rtlCol="0" anchor="ctr"/>
+          <a:p>
+            <a:pPr algn="l"/>
+            <a:r>
+              <a:rPr lang="en-US" altLang="zh-CN"/>
+              <a:t>wx.onSocketClose</a:t>
+            </a:r>
+            <a:endParaRPr lang="en-US" altLang="zh-CN"/>
+          </a:p>
+        </p:txBody>
+      </p:sp>
+      <p:sp>
+        <p:nvSpPr>
+          <p:cNvPr id="15" name="圆角矩形 14"/>
+          <p:cNvSpPr/>
+          <p:nvPr/>
+        </p:nvSpPr>
+        <p:spPr>
+          <a:xfrm>
+            <a:off x="4289425" y="1074420"/>
+            <a:ext cx="3105150" cy="5744845"/>
+          </a:xfrm>
+          <a:prstGeom prst="roundRect">
+            <a:avLst/>
+          </a:prstGeom>
+        </p:spPr>
+        <p:style>
+          <a:lnRef idx="2">
+            <a:schemeClr val="accent1">
+              <a:shade val="50000"/>
+            </a:schemeClr>
+          </a:lnRef>
+          <a:fillRef idx="1">
+            <a:schemeClr val="accent1"/>
+          </a:fillRef>
+          <a:effectRef idx="0">
+            <a:schemeClr val="accent1"/>
+          </a:effectRef>
+          <a:fontRef idx="minor">
+            <a:schemeClr val="lt1"/>
+          </a:fontRef>
+        </p:style>
+        <p:txBody>
+          <a:bodyPr rtlCol="0" anchor="t" anchorCtr="0"/>
+          <a:p>
+            <a:pPr algn="ctr"/>
+            <a:r>
+              <a:rPr lang="en-US" altLang="zh-CN"/>
+              <a:t>Media</a:t>
+            </a:r>
+            <a:endParaRPr lang="en-US" altLang="zh-CN"/>
+          </a:p>
+        </p:txBody>
+      </p:sp>
+      <p:sp>
+        <p:nvSpPr>
+          <p:cNvPr id="16" name="矩形 15"/>
+          <p:cNvSpPr/>
+          <p:nvPr/>
+        </p:nvSpPr>
+        <p:spPr>
+          <a:xfrm>
+            <a:off x="4481830" y="1610995"/>
+            <a:ext cx="2073275" cy="281940"/>
+          </a:xfrm>
+          <a:prstGeom prst="rect">
+            <a:avLst/>
+          </a:prstGeom>
+          <a:solidFill>
+            <a:schemeClr val="accent5"/>
+          </a:solidFill>
+        </p:spPr>
+        <p:style>
+          <a:lnRef idx="2">
+            <a:schemeClr val="accent1">
+              <a:shade val="50000"/>
+            </a:schemeClr>
+          </a:lnRef>
+          <a:fillRef idx="1">
+            <a:schemeClr val="accent1"/>
+          </a:fillRef>
+          <a:effectRef idx="0">
+            <a:schemeClr val="accent1"/>
+          </a:effectRef>
+          <a:fontRef idx="minor">
+            <a:schemeClr val="lt1"/>
+          </a:fontRef>
+        </p:style>
+        <p:txBody>
+          <a:bodyPr rtlCol="0" anchor="ctr"/>
+          <a:p>
+            <a:pPr algn="l"/>
+            <a:r>
+              <a:rPr lang="en-US" altLang="zh-CN"/>
+              <a:t>wx.chooseImage</a:t>
+            </a:r>
+            <a:endParaRPr lang="en-US" altLang="zh-CN"/>
+          </a:p>
+        </p:txBody>
+      </p:sp>
+      <p:sp>
+        <p:nvSpPr>
+          <p:cNvPr id="17" name="矩形 16"/>
+          <p:cNvSpPr/>
+          <p:nvPr/>
+        </p:nvSpPr>
+        <p:spPr>
+          <a:xfrm>
+            <a:off x="4462780" y="1920875"/>
+            <a:ext cx="2092325" cy="281940"/>
+          </a:xfrm>
+          <a:prstGeom prst="rect">
+            <a:avLst/>
+          </a:prstGeom>
+          <a:solidFill>
+            <a:schemeClr val="accent5"/>
+          </a:solidFill>
+        </p:spPr>
+        <p:style>
+          <a:lnRef idx="2">
+            <a:schemeClr val="accent1">
+              <a:shade val="50000"/>
+            </a:schemeClr>
+          </a:lnRef>
+          <a:fillRef idx="1">
+            <a:schemeClr val="accent1"/>
+          </a:fillRef>
+          <a:effectRef idx="0">
+            <a:schemeClr val="accent1"/>
+          </a:effectRef>
+          <a:fontRef idx="minor">
+            <a:schemeClr val="lt1"/>
+          </a:fontRef>
+        </p:style>
+        <p:txBody>
+          <a:bodyPr rtlCol="0" anchor="ctr"/>
+          <a:p>
+            <a:pPr algn="l"/>
+            <a:r>
+              <a:rPr lang="en-US" altLang="zh-CN"/>
+              <a:t>wx.previewImage</a:t>
+            </a:r>
+            <a:endParaRPr lang="en-US" altLang="zh-CN"/>
+          </a:p>
+        </p:txBody>
+      </p:sp>
+      <p:sp>
+        <p:nvSpPr>
+          <p:cNvPr id="18" name="矩形 17"/>
+          <p:cNvSpPr/>
+          <p:nvPr/>
+        </p:nvSpPr>
+        <p:spPr>
+          <a:xfrm>
+            <a:off x="4481830" y="2287905"/>
+            <a:ext cx="2072005" cy="281940"/>
+          </a:xfrm>
+          <a:prstGeom prst="rect">
+            <a:avLst/>
+          </a:prstGeom>
+          <a:solidFill>
+            <a:schemeClr val="accent5"/>
+          </a:solidFill>
+        </p:spPr>
+        <p:style>
+          <a:lnRef idx="2">
+            <a:schemeClr val="accent1">
+              <a:shade val="50000"/>
+            </a:schemeClr>
+          </a:lnRef>
+          <a:fillRef idx="1">
+            <a:schemeClr val="accent1"/>
+          </a:fillRef>
+          <a:effectRef idx="0">
+            <a:schemeClr val="accent1"/>
+          </a:effectRef>
+          <a:fontRef idx="minor">
+            <a:schemeClr val="lt1"/>
+          </a:fontRef>
+        </p:style>
+        <p:txBody>
+          <a:bodyPr rtlCol="0" anchor="ctr"/>
+          <a:p>
+            <a:pPr algn="l"/>
+            <a:r>
+              <a:rPr lang="en-US" altLang="zh-CN"/>
+              <a:t>wx.startRecord</a:t>
+            </a:r>
+            <a:endParaRPr lang="en-US" altLang="zh-CN"/>
+          </a:p>
+        </p:txBody>
+      </p:sp>
+      <p:sp>
+        <p:nvSpPr>
+          <p:cNvPr id="19" name="矩形 18"/>
+          <p:cNvSpPr/>
+          <p:nvPr/>
+        </p:nvSpPr>
+        <p:spPr>
+          <a:xfrm>
+            <a:off x="4481830" y="2590165"/>
+            <a:ext cx="2072640" cy="281940"/>
+          </a:xfrm>
+          <a:prstGeom prst="rect">
+            <a:avLst/>
+          </a:prstGeom>
+          <a:solidFill>
+            <a:schemeClr val="accent5"/>
+          </a:solidFill>
+        </p:spPr>
+        <p:style>
+          <a:lnRef idx="2">
+            <a:schemeClr val="accent1">
+              <a:shade val="50000"/>
+            </a:schemeClr>
+          </a:lnRef>
+          <a:fillRef idx="1">
+            <a:schemeClr val="accent1"/>
+          </a:fillRef>
+          <a:effectRef idx="0">
+            <a:schemeClr val="accent1"/>
+          </a:effectRef>
+          <a:fontRef idx="minor">
+            <a:schemeClr val="lt1"/>
+          </a:fontRef>
+        </p:style>
+        <p:txBody>
+          <a:bodyPr rtlCol="0" anchor="ctr"/>
+          <a:p>
+            <a:pPr algn="l"/>
+            <a:r>
+              <a:rPr lang="en-US" altLang="zh-CN"/>
+              <a:t>wx.stopRecord</a:t>
+            </a:r>
+            <a:endParaRPr lang="en-US" altLang="zh-CN"/>
+          </a:p>
+        </p:txBody>
+      </p:sp>
+      <p:sp>
+        <p:nvSpPr>
+          <p:cNvPr id="20" name="矩形 19"/>
+          <p:cNvSpPr/>
+          <p:nvPr/>
+        </p:nvSpPr>
+        <p:spPr>
+          <a:xfrm>
+            <a:off x="4481830" y="2900680"/>
+            <a:ext cx="2072640" cy="281940"/>
+          </a:xfrm>
+          <a:prstGeom prst="rect">
+            <a:avLst/>
+          </a:prstGeom>
+          <a:solidFill>
+            <a:schemeClr val="accent5"/>
+          </a:solidFill>
+        </p:spPr>
+        <p:style>
+          <a:lnRef idx="2">
+            <a:schemeClr val="accent1">
+              <a:shade val="50000"/>
+            </a:schemeClr>
+          </a:lnRef>
+          <a:fillRef idx="1">
+            <a:schemeClr val="accent1"/>
+          </a:fillRef>
+          <a:effectRef idx="0">
+            <a:schemeClr val="accent1"/>
+          </a:effectRef>
+          <a:fontRef idx="minor">
+            <a:schemeClr val="lt1"/>
+          </a:fontRef>
+        </p:style>
+        <p:txBody>
+          <a:bodyPr rtlCol="0" anchor="ctr"/>
+          <a:p>
+            <a:pPr algn="l"/>
+            <a:r>
+              <a:rPr lang="en-US" altLang="zh-CN"/>
+              <a:t>wx.playVoice</a:t>
+            </a:r>
+            <a:endParaRPr lang="en-US" altLang="zh-CN"/>
+          </a:p>
+        </p:txBody>
+      </p:sp>
+      <p:sp>
+        <p:nvSpPr>
+          <p:cNvPr id="21" name="矩形 20"/>
+          <p:cNvSpPr/>
+          <p:nvPr/>
+        </p:nvSpPr>
+        <p:spPr>
+          <a:xfrm>
+            <a:off x="4481830" y="3220085"/>
+            <a:ext cx="2072640" cy="281940"/>
+          </a:xfrm>
+          <a:prstGeom prst="rect">
+            <a:avLst/>
+          </a:prstGeom>
+          <a:solidFill>
+            <a:schemeClr val="accent5"/>
+          </a:solidFill>
+        </p:spPr>
+        <p:style>
+          <a:lnRef idx="2">
+            <a:schemeClr val="accent1">
+              <a:shade val="50000"/>
+            </a:schemeClr>
+          </a:lnRef>
+          <a:fillRef idx="1">
+            <a:schemeClr val="accent1"/>
+          </a:fillRef>
+          <a:effectRef idx="0">
+            <a:schemeClr val="accent1"/>
+          </a:effectRef>
+          <a:fontRef idx="minor">
+            <a:schemeClr val="lt1"/>
+          </a:fontRef>
+        </p:style>
+        <p:txBody>
+          <a:bodyPr rtlCol="0" anchor="ctr"/>
+          <a:p>
+            <a:pPr algn="l"/>
+            <a:r>
+              <a:rPr lang="en-US" altLang="zh-CN"/>
+              <a:t>wx.pauseVoice</a:t>
+            </a:r>
+            <a:endParaRPr lang="en-US" altLang="zh-CN"/>
+          </a:p>
+        </p:txBody>
+      </p:sp>
+      <p:sp>
+        <p:nvSpPr>
+          <p:cNvPr id="22" name="矩形 21"/>
+          <p:cNvSpPr/>
+          <p:nvPr/>
+        </p:nvSpPr>
+        <p:spPr>
+          <a:xfrm>
+            <a:off x="4481830" y="3540760"/>
+            <a:ext cx="2072640" cy="281940"/>
+          </a:xfrm>
+          <a:prstGeom prst="rect">
+            <a:avLst/>
+          </a:prstGeom>
+          <a:solidFill>
+            <a:schemeClr val="accent5"/>
+          </a:solidFill>
+        </p:spPr>
+        <p:style>
+          <a:lnRef idx="2">
+            <a:schemeClr val="accent1">
+              <a:shade val="50000"/>
+            </a:schemeClr>
+          </a:lnRef>
+          <a:fillRef idx="1">
+            <a:schemeClr val="accent1"/>
+          </a:fillRef>
+          <a:effectRef idx="0">
+            <a:schemeClr val="accent1"/>
+          </a:effectRef>
+          <a:fontRef idx="minor">
+            <a:schemeClr val="lt1"/>
+          </a:fontRef>
+        </p:style>
+        <p:txBody>
+          <a:bodyPr rtlCol="0" anchor="ctr"/>
+          <a:p>
+            <a:pPr algn="l"/>
+            <a:r>
+              <a:rPr lang="en-US" altLang="zh-CN"/>
+              <a:t>wx.stopVoice</a:t>
+            </a:r>
+            <a:endParaRPr lang="en-US" altLang="zh-CN"/>
+          </a:p>
+        </p:txBody>
+      </p:sp>
+      <p:sp>
+        <p:nvSpPr>
+          <p:cNvPr id="23" name="矩形 22"/>
+          <p:cNvSpPr/>
+          <p:nvPr/>
+        </p:nvSpPr>
+        <p:spPr>
+          <a:xfrm>
+            <a:off x="4481830" y="3937635"/>
+            <a:ext cx="2757170" cy="281940"/>
+          </a:xfrm>
+          <a:prstGeom prst="rect">
+            <a:avLst/>
+          </a:prstGeom>
+          <a:solidFill>
+            <a:schemeClr val="accent5"/>
+          </a:solidFill>
+        </p:spPr>
+        <p:style>
+          <a:lnRef idx="2">
+            <a:schemeClr val="accent1">
+              <a:shade val="50000"/>
+            </a:schemeClr>
+          </a:lnRef>
+          <a:fillRef idx="1">
+            <a:schemeClr val="accent1"/>
+          </a:fillRef>
+          <a:effectRef idx="0">
+            <a:schemeClr val="accent1"/>
+          </a:effectRef>
+          <a:fontRef idx="minor">
+            <a:schemeClr val="lt1"/>
+          </a:fontRef>
+        </p:style>
+        <p:txBody>
+          <a:bodyPr rtlCol="0" anchor="ctr"/>
+          <a:p>
+            <a:pPr algn="l"/>
+            <a:r>
+              <a:rPr lang="en-US" altLang="zh-CN" sz="1200"/>
+              <a:t>wx.getBackgroundAudioPlayerState</a:t>
+            </a:r>
+            <a:endParaRPr lang="en-US" altLang="zh-CN" sz="1200"/>
+          </a:p>
+        </p:txBody>
+      </p:sp>
+      <p:sp>
+        <p:nvSpPr>
+          <p:cNvPr id="24" name="矩形 23"/>
+          <p:cNvSpPr/>
+          <p:nvPr/>
+        </p:nvSpPr>
+        <p:spPr>
+          <a:xfrm>
+            <a:off x="4462780" y="4248150"/>
+            <a:ext cx="2757170" cy="281940"/>
+          </a:xfrm>
+          <a:prstGeom prst="rect">
+            <a:avLst/>
+          </a:prstGeom>
+          <a:solidFill>
+            <a:schemeClr val="accent5"/>
+          </a:solidFill>
+        </p:spPr>
+        <p:style>
+          <a:lnRef idx="2">
+            <a:schemeClr val="accent1">
+              <a:shade val="50000"/>
+            </a:schemeClr>
+          </a:lnRef>
+          <a:fillRef idx="1">
+            <a:schemeClr val="accent1"/>
+          </a:fillRef>
+          <a:effectRef idx="0">
+            <a:schemeClr val="accent1"/>
+          </a:effectRef>
+          <a:fontRef idx="minor">
+            <a:schemeClr val="lt1"/>
+          </a:fontRef>
+        </p:style>
+        <p:txBody>
+          <a:bodyPr rtlCol="0" anchor="ctr"/>
+          <a:p>
+            <a:pPr algn="l"/>
+            <a:r>
+              <a:rPr lang="en-US" altLang="zh-CN"/>
+              <a:t>wx.playBackgroundAudio</a:t>
+            </a:r>
+            <a:endParaRPr lang="en-US" altLang="zh-CN"/>
+          </a:p>
+        </p:txBody>
+      </p:sp>
+      <p:sp>
+        <p:nvSpPr>
+          <p:cNvPr id="25" name="矩形 24"/>
+          <p:cNvSpPr/>
+          <p:nvPr/>
+        </p:nvSpPr>
+        <p:spPr>
+          <a:xfrm>
+            <a:off x="4481830" y="4558665"/>
+            <a:ext cx="2757170" cy="281940"/>
+          </a:xfrm>
+          <a:prstGeom prst="rect">
+            <a:avLst/>
+          </a:prstGeom>
+          <a:solidFill>
+            <a:schemeClr val="accent5"/>
+          </a:solidFill>
+        </p:spPr>
+        <p:style>
+          <a:lnRef idx="2">
+            <a:schemeClr val="accent1">
+              <a:shade val="50000"/>
+            </a:schemeClr>
+          </a:lnRef>
+          <a:fillRef idx="1">
+            <a:schemeClr val="accent1"/>
+          </a:fillRef>
+          <a:effectRef idx="0">
+            <a:schemeClr val="accent1"/>
+          </a:effectRef>
+          <a:fontRef idx="minor">
+            <a:schemeClr val="lt1"/>
+          </a:fontRef>
+        </p:style>
+        <p:txBody>
+          <a:bodyPr rtlCol="0" anchor="ctr"/>
+          <a:p>
+            <a:pPr algn="l"/>
+            <a:r>
+              <a:rPr lang="en-US" altLang="zh-CN" sz="1600"/>
+              <a:t>wx.pauseBackgroundAudio</a:t>
+            </a:r>
+            <a:endParaRPr lang="en-US" altLang="zh-CN" sz="1600"/>
+          </a:p>
+        </p:txBody>
+      </p:sp>
+      <p:sp>
+        <p:nvSpPr>
+          <p:cNvPr id="26" name="矩形 25"/>
+          <p:cNvSpPr/>
+          <p:nvPr/>
+        </p:nvSpPr>
+        <p:spPr>
+          <a:xfrm>
+            <a:off x="4481830" y="4869180"/>
+            <a:ext cx="2757170" cy="281940"/>
+          </a:xfrm>
+          <a:prstGeom prst="rect">
+            <a:avLst/>
+          </a:prstGeom>
+          <a:solidFill>
+            <a:schemeClr val="accent5"/>
+          </a:solidFill>
+        </p:spPr>
+        <p:style>
+          <a:lnRef idx="2">
+            <a:schemeClr val="accent1">
+              <a:shade val="50000"/>
+            </a:schemeClr>
+          </a:lnRef>
+          <a:fillRef idx="1">
+            <a:schemeClr val="accent1"/>
+          </a:fillRef>
+          <a:effectRef idx="0">
+            <a:schemeClr val="accent1"/>
+          </a:effectRef>
+          <a:fontRef idx="minor">
+            <a:schemeClr val="lt1"/>
+          </a:fontRef>
+        </p:style>
+        <p:txBody>
+          <a:bodyPr rtlCol="0" anchor="ctr"/>
+          <a:p>
+            <a:pPr algn="l"/>
+            <a:r>
+              <a:rPr lang="en-US" altLang="zh-CN" sz="1600"/>
+              <a:t>wx.seekBackgroundAudio</a:t>
+            </a:r>
+            <a:endParaRPr lang="en-US" altLang="zh-CN" sz="1600"/>
+          </a:p>
+        </p:txBody>
+      </p:sp>
+      <p:sp>
+        <p:nvSpPr>
+          <p:cNvPr id="27" name="矩形 26"/>
+          <p:cNvSpPr/>
+          <p:nvPr/>
+        </p:nvSpPr>
+        <p:spPr>
+          <a:xfrm>
+            <a:off x="4481830" y="5178425"/>
+            <a:ext cx="2757170" cy="281940"/>
+          </a:xfrm>
+          <a:prstGeom prst="rect">
+            <a:avLst/>
+          </a:prstGeom>
+          <a:solidFill>
+            <a:schemeClr val="accent5"/>
+          </a:solidFill>
+        </p:spPr>
+        <p:style>
+          <a:lnRef idx="2">
+            <a:schemeClr val="accent1">
+              <a:shade val="50000"/>
+            </a:schemeClr>
+          </a:lnRef>
+          <a:fillRef idx="1">
+            <a:schemeClr val="accent1"/>
+          </a:fillRef>
+          <a:effectRef idx="0">
+            <a:schemeClr val="accent1"/>
+          </a:effectRef>
+          <a:fontRef idx="minor">
+            <a:schemeClr val="lt1"/>
+          </a:fontRef>
+        </p:style>
+        <p:txBody>
+          <a:bodyPr rtlCol="0" anchor="ctr"/>
+          <a:p>
+            <a:pPr algn="l"/>
+            <a:r>
+              <a:rPr lang="en-US" altLang="zh-CN" sz="1600"/>
+              <a:t>wx.stopBackgroundAudio</a:t>
+            </a:r>
+            <a:endParaRPr lang="en-US" altLang="zh-CN" sz="1600"/>
+          </a:p>
+        </p:txBody>
+      </p:sp>
+      <p:sp>
+        <p:nvSpPr>
+          <p:cNvPr id="28" name="矩形 27"/>
+          <p:cNvSpPr/>
+          <p:nvPr/>
+        </p:nvSpPr>
+        <p:spPr>
+          <a:xfrm>
+            <a:off x="4481830" y="5487670"/>
+            <a:ext cx="2757170" cy="281940"/>
+          </a:xfrm>
+          <a:prstGeom prst="rect">
+            <a:avLst/>
+          </a:prstGeom>
+          <a:solidFill>
+            <a:schemeClr val="accent5"/>
+          </a:solidFill>
+        </p:spPr>
+        <p:style>
+          <a:lnRef idx="2">
+            <a:schemeClr val="accent1">
+              <a:shade val="50000"/>
+            </a:schemeClr>
+          </a:lnRef>
+          <a:fillRef idx="1">
+            <a:schemeClr val="accent1"/>
+          </a:fillRef>
+          <a:effectRef idx="0">
+            <a:schemeClr val="accent1"/>
+          </a:effectRef>
+          <a:fontRef idx="minor">
+            <a:schemeClr val="lt1"/>
+          </a:fontRef>
+        </p:style>
+        <p:txBody>
+          <a:bodyPr rtlCol="0" anchor="ctr"/>
+          <a:p>
+            <a:pPr algn="l"/>
+            <a:r>
+              <a:rPr lang="en-US" altLang="zh-CN" sz="1600"/>
+              <a:t>wx.onBackgroundAudioPlay</a:t>
+            </a:r>
+            <a:endParaRPr lang="en-US" altLang="zh-CN" sz="1600"/>
+          </a:p>
+        </p:txBody>
+      </p:sp>
+      <p:sp>
+        <p:nvSpPr>
+          <p:cNvPr id="29" name="矩形 28"/>
+          <p:cNvSpPr/>
+          <p:nvPr/>
+        </p:nvSpPr>
+        <p:spPr>
+          <a:xfrm>
+            <a:off x="4462780" y="5796915"/>
+            <a:ext cx="2757170" cy="281940"/>
+          </a:xfrm>
+          <a:prstGeom prst="rect">
+            <a:avLst/>
+          </a:prstGeom>
+          <a:solidFill>
+            <a:schemeClr val="accent5"/>
+          </a:solidFill>
+        </p:spPr>
+        <p:style>
+          <a:lnRef idx="2">
+            <a:schemeClr val="accent1">
+              <a:shade val="50000"/>
+            </a:schemeClr>
+          </a:lnRef>
+          <a:fillRef idx="1">
+            <a:schemeClr val="accent1"/>
+          </a:fillRef>
+          <a:effectRef idx="0">
+            <a:schemeClr val="accent1"/>
+          </a:effectRef>
+          <a:fontRef idx="minor">
+            <a:schemeClr val="lt1"/>
+          </a:fontRef>
+        </p:style>
+        <p:txBody>
+          <a:bodyPr rtlCol="0" anchor="ctr"/>
+          <a:p>
+            <a:pPr algn="l"/>
+            <a:r>
+              <a:rPr lang="en-US" altLang="zh-CN" sz="1400"/>
+              <a:t>wx.onBackgroundAudioPause</a:t>
+            </a:r>
+            <a:endParaRPr lang="en-US" altLang="zh-CN" sz="1400"/>
+          </a:p>
+        </p:txBody>
+      </p:sp>
+      <p:sp>
+        <p:nvSpPr>
+          <p:cNvPr id="30" name="矩形 29"/>
+          <p:cNvSpPr/>
+          <p:nvPr/>
+        </p:nvSpPr>
+        <p:spPr>
+          <a:xfrm>
+            <a:off x="4463415" y="6106795"/>
+            <a:ext cx="2757170" cy="281940"/>
+          </a:xfrm>
+          <a:prstGeom prst="rect">
+            <a:avLst/>
+          </a:prstGeom>
+          <a:solidFill>
+            <a:schemeClr val="accent5"/>
+          </a:solidFill>
+        </p:spPr>
+        <p:style>
+          <a:lnRef idx="2">
+            <a:schemeClr val="accent1">
+              <a:shade val="50000"/>
+            </a:schemeClr>
+          </a:lnRef>
+          <a:fillRef idx="1">
+            <a:schemeClr val="accent1"/>
+          </a:fillRef>
+          <a:effectRef idx="0">
+            <a:schemeClr val="accent1"/>
+          </a:effectRef>
+          <a:fontRef idx="minor">
+            <a:schemeClr val="lt1"/>
+          </a:fontRef>
+        </p:style>
+        <p:txBody>
+          <a:bodyPr rtlCol="0" anchor="ctr"/>
+          <a:p>
+            <a:pPr algn="l"/>
+            <a:r>
+              <a:rPr lang="en-US" altLang="zh-CN" sz="1400"/>
+              <a:t>wx.onBackgroundAudioStop</a:t>
+            </a:r>
+            <a:endParaRPr lang="en-US" altLang="zh-CN" sz="1400"/>
+          </a:p>
+        </p:txBody>
+      </p:sp>
+      <p:sp>
+        <p:nvSpPr>
+          <p:cNvPr id="31" name="矩形 30"/>
+          <p:cNvSpPr/>
+          <p:nvPr/>
+        </p:nvSpPr>
+        <p:spPr>
+          <a:xfrm>
+            <a:off x="4482465" y="6458585"/>
+            <a:ext cx="2072640" cy="281940"/>
+          </a:xfrm>
+          <a:prstGeom prst="rect">
+            <a:avLst/>
+          </a:prstGeom>
+          <a:solidFill>
+            <a:schemeClr val="accent5"/>
+          </a:solidFill>
+        </p:spPr>
+        <p:style>
+          <a:lnRef idx="2">
+            <a:schemeClr val="accent1">
+              <a:shade val="50000"/>
+            </a:schemeClr>
+          </a:lnRef>
+          <a:fillRef idx="1">
+            <a:schemeClr val="accent1"/>
+          </a:fillRef>
+          <a:effectRef idx="0">
+            <a:schemeClr val="accent1"/>
+          </a:effectRef>
+          <a:fontRef idx="minor">
+            <a:schemeClr val="lt1"/>
+          </a:fontRef>
+        </p:style>
+        <p:txBody>
+          <a:bodyPr rtlCol="0" anchor="ctr"/>
+          <a:p>
+            <a:pPr algn="l"/>
+            <a:r>
+              <a:rPr lang="en-US" altLang="zh-CN"/>
+              <a:t>wx.chooseVideo</a:t>
+            </a:r>
+            <a:endParaRPr lang="en-US" altLang="zh-CN"/>
+          </a:p>
+        </p:txBody>
+      </p:sp>
+      <p:sp>
+        <p:nvSpPr>
+          <p:cNvPr id="32" name="圆角矩形 31"/>
+          <p:cNvSpPr/>
+          <p:nvPr/>
+        </p:nvSpPr>
+        <p:spPr>
+          <a:xfrm>
+            <a:off x="7543800" y="1069340"/>
+            <a:ext cx="3105150" cy="2753995"/>
+          </a:xfrm>
+          <a:prstGeom prst="roundRect">
+            <a:avLst/>
+          </a:prstGeom>
+        </p:spPr>
+        <p:style>
+          <a:lnRef idx="2">
+            <a:schemeClr val="accent1">
+              <a:shade val="50000"/>
+            </a:schemeClr>
+          </a:lnRef>
+          <a:fillRef idx="1">
+            <a:schemeClr val="accent1"/>
+          </a:fillRef>
+          <a:effectRef idx="0">
+            <a:schemeClr val="accent1"/>
+          </a:effectRef>
+          <a:fontRef idx="minor">
+            <a:schemeClr val="lt1"/>
+          </a:fontRef>
+        </p:style>
+        <p:txBody>
+          <a:bodyPr rtlCol="0" anchor="t" anchorCtr="0"/>
+          <a:p>
+            <a:pPr algn="ctr"/>
+            <a:r>
+              <a:rPr lang="en-US" altLang="zh-CN"/>
+              <a:t>File</a:t>
+            </a:r>
+            <a:endParaRPr lang="en-US" altLang="zh-CN"/>
+          </a:p>
+        </p:txBody>
+      </p:sp>
+      <p:sp>
+        <p:nvSpPr>
+          <p:cNvPr id="33" name="矩形 32"/>
+          <p:cNvSpPr/>
+          <p:nvPr/>
+        </p:nvSpPr>
+        <p:spPr>
+          <a:xfrm>
+            <a:off x="7736205" y="1605915"/>
+            <a:ext cx="1708150" cy="367665"/>
+          </a:xfrm>
+          <a:prstGeom prst="rect">
+            <a:avLst/>
+          </a:prstGeom>
+          <a:solidFill>
+            <a:schemeClr val="accent5"/>
+          </a:solidFill>
+        </p:spPr>
+        <p:style>
+          <a:lnRef idx="2">
+            <a:schemeClr val="accent1">
+              <a:shade val="50000"/>
+            </a:schemeClr>
+          </a:lnRef>
+          <a:fillRef idx="1">
+            <a:schemeClr val="accent1"/>
+          </a:fillRef>
+          <a:effectRef idx="0">
+            <a:schemeClr val="accent1"/>
+          </a:effectRef>
+          <a:fontRef idx="minor">
+            <a:schemeClr val="lt1"/>
+          </a:fontRef>
+        </p:style>
+        <p:txBody>
+          <a:bodyPr rtlCol="0" anchor="ctr"/>
+          <a:p>
+            <a:pPr algn="l"/>
+            <a:r>
+              <a:rPr lang="en-US" altLang="zh-CN"/>
+              <a:t>wx.saveFile</a:t>
+            </a:r>
+            <a:endParaRPr lang="en-US" altLang="zh-CN"/>
+          </a:p>
+        </p:txBody>
+      </p:sp>
+      <p:sp>
+        <p:nvSpPr>
+          <p:cNvPr id="34" name="矩形 33"/>
+          <p:cNvSpPr/>
+          <p:nvPr/>
+        </p:nvSpPr>
+        <p:spPr>
+          <a:xfrm>
+            <a:off x="7717155" y="2011045"/>
+            <a:ext cx="2756535" cy="367665"/>
+          </a:xfrm>
+          <a:prstGeom prst="rect">
+            <a:avLst/>
+          </a:prstGeom>
+          <a:solidFill>
+            <a:schemeClr val="accent5"/>
+          </a:solidFill>
+        </p:spPr>
+        <p:style>
+          <a:lnRef idx="2">
+            <a:schemeClr val="accent1">
+              <a:shade val="50000"/>
+            </a:schemeClr>
+          </a:lnRef>
+          <a:fillRef idx="1">
+            <a:schemeClr val="accent1"/>
+          </a:fillRef>
+          <a:effectRef idx="0">
+            <a:schemeClr val="accent1"/>
+          </a:effectRef>
+          <a:fontRef idx="minor">
+            <a:schemeClr val="lt1"/>
+          </a:fontRef>
+        </p:style>
+        <p:txBody>
+          <a:bodyPr rtlCol="0" anchor="ctr"/>
+          <a:p>
+            <a:pPr algn="l"/>
+            <a:r>
+              <a:rPr lang="en-US" altLang="zh-CN"/>
+              <a:t>wx.getSavedFileList</a:t>
+            </a:r>
+            <a:endParaRPr lang="en-US" altLang="zh-CN"/>
+          </a:p>
+        </p:txBody>
+      </p:sp>
+      <p:sp>
+        <p:nvSpPr>
+          <p:cNvPr id="35" name="矩形 34"/>
+          <p:cNvSpPr/>
+          <p:nvPr/>
+        </p:nvSpPr>
+        <p:spPr>
+          <a:xfrm>
+            <a:off x="7736205" y="2425700"/>
+            <a:ext cx="2737485" cy="367665"/>
+          </a:xfrm>
+          <a:prstGeom prst="rect">
+            <a:avLst/>
+          </a:prstGeom>
+          <a:solidFill>
+            <a:schemeClr val="accent5"/>
+          </a:solidFill>
+        </p:spPr>
+        <p:style>
+          <a:lnRef idx="2">
+            <a:schemeClr val="accent1">
+              <a:shade val="50000"/>
+            </a:schemeClr>
+          </a:lnRef>
+          <a:fillRef idx="1">
+            <a:schemeClr val="accent1"/>
+          </a:fillRef>
+          <a:effectRef idx="0">
+            <a:schemeClr val="accent1"/>
+          </a:effectRef>
+          <a:fontRef idx="minor">
+            <a:schemeClr val="lt1"/>
+          </a:fontRef>
+        </p:style>
+        <p:txBody>
+          <a:bodyPr rtlCol="0" anchor="ctr"/>
+          <a:p>
+            <a:pPr algn="l"/>
+            <a:r>
+              <a:rPr lang="en-US" altLang="zh-CN"/>
+              <a:t>wx.getSavedFileInfo</a:t>
+            </a:r>
+            <a:endParaRPr lang="en-US" altLang="zh-CN"/>
+          </a:p>
+        </p:txBody>
+      </p:sp>
+      <p:sp>
+        <p:nvSpPr>
+          <p:cNvPr id="36" name="矩形 35"/>
+          <p:cNvSpPr/>
+          <p:nvPr/>
+        </p:nvSpPr>
+        <p:spPr>
+          <a:xfrm>
+            <a:off x="7736205" y="2851785"/>
+            <a:ext cx="2737485" cy="367665"/>
+          </a:xfrm>
+          <a:prstGeom prst="rect">
+            <a:avLst/>
+          </a:prstGeom>
+          <a:solidFill>
+            <a:schemeClr val="accent5"/>
+          </a:solidFill>
+        </p:spPr>
+        <p:style>
+          <a:lnRef idx="2">
+            <a:schemeClr val="accent1">
+              <a:shade val="50000"/>
+            </a:schemeClr>
+          </a:lnRef>
+          <a:fillRef idx="1">
+            <a:schemeClr val="accent1"/>
+          </a:fillRef>
+          <a:effectRef idx="0">
+            <a:schemeClr val="accent1"/>
+          </a:effectRef>
+          <a:fontRef idx="minor">
+            <a:schemeClr val="lt1"/>
+          </a:fontRef>
+        </p:style>
+        <p:txBody>
+          <a:bodyPr rtlCol="0" anchor="ctr"/>
+          <a:p>
+            <a:pPr algn="l"/>
+            <a:r>
+              <a:rPr lang="en-US" altLang="zh-CN"/>
+              <a:t>wx.removeSavedFile</a:t>
+            </a:r>
+            <a:endParaRPr lang="en-US" altLang="zh-CN"/>
+          </a:p>
+        </p:txBody>
+      </p:sp>
+      <p:sp>
+        <p:nvSpPr>
+          <p:cNvPr id="37" name="矩形 36"/>
+          <p:cNvSpPr/>
+          <p:nvPr/>
+        </p:nvSpPr>
+        <p:spPr>
+          <a:xfrm>
+            <a:off x="7736205" y="3276600"/>
+            <a:ext cx="2737485" cy="367665"/>
+          </a:xfrm>
+          <a:prstGeom prst="rect">
+            <a:avLst/>
+          </a:prstGeom>
+          <a:solidFill>
+            <a:schemeClr val="accent5"/>
+          </a:solidFill>
+        </p:spPr>
+        <p:style>
+          <a:lnRef idx="2">
+            <a:schemeClr val="accent1">
+              <a:shade val="50000"/>
+            </a:schemeClr>
+          </a:lnRef>
+          <a:fillRef idx="1">
+            <a:schemeClr val="accent1"/>
+          </a:fillRef>
+          <a:effectRef idx="0">
+            <a:schemeClr val="accent1"/>
+          </a:effectRef>
+          <a:fontRef idx="minor">
+            <a:schemeClr val="lt1"/>
+          </a:fontRef>
+        </p:style>
+        <p:txBody>
+          <a:bodyPr rtlCol="0" anchor="ctr"/>
+          <a:p>
+            <a:pPr algn="l"/>
+            <a:r>
+              <a:rPr lang="en-US" altLang="zh-CN"/>
+              <a:t>wx.openDocument</a:t>
+            </a:r>
+            <a:endParaRPr lang="en-US" altLang="zh-CN"/>
+          </a:p>
+        </p:txBody>
+      </p:sp>
+      <p:sp>
+        <p:nvSpPr>
+          <p:cNvPr id="43" name="圆角矩形 42"/>
+          <p:cNvSpPr/>
+          <p:nvPr/>
+        </p:nvSpPr>
+        <p:spPr>
+          <a:xfrm>
+            <a:off x="7552690" y="3986530"/>
+            <a:ext cx="3105150" cy="453390"/>
+          </a:xfrm>
+          <a:prstGeom prst="roundRect">
+            <a:avLst/>
+          </a:prstGeom>
+        </p:spPr>
+        <p:style>
+          <a:lnRef idx="2">
+            <a:schemeClr val="accent1">
+              <a:shade val="50000"/>
+            </a:schemeClr>
+          </a:lnRef>
+          <a:fillRef idx="1">
+            <a:schemeClr val="accent1"/>
+          </a:fillRef>
+          <a:effectRef idx="0">
+            <a:schemeClr val="accent1"/>
+          </a:effectRef>
+          <a:fontRef idx="minor">
+            <a:schemeClr val="lt1"/>
+          </a:fontRef>
+        </p:style>
+        <p:txBody>
+          <a:bodyPr rtlCol="0" anchor="t" anchorCtr="0"/>
+          <a:p>
+            <a:pPr algn="ctr"/>
+            <a:r>
+              <a:rPr lang="en-US" altLang="zh-CN"/>
+              <a:t>Storage</a:t>
+            </a:r>
+            <a:endParaRPr lang="en-US" altLang="zh-CN"/>
+          </a:p>
+        </p:txBody>
+      </p:sp>
+      <p:sp>
+        <p:nvSpPr>
+          <p:cNvPr id="44" name="圆角矩形 43"/>
+          <p:cNvSpPr/>
+          <p:nvPr/>
+        </p:nvSpPr>
+        <p:spPr>
+          <a:xfrm>
+            <a:off x="7542530" y="4531360"/>
+            <a:ext cx="3105150" cy="453390"/>
+          </a:xfrm>
+          <a:prstGeom prst="roundRect">
+            <a:avLst/>
+          </a:prstGeom>
+        </p:spPr>
+        <p:style>
+          <a:lnRef idx="2">
+            <a:schemeClr val="accent1">
+              <a:shade val="50000"/>
+            </a:schemeClr>
+          </a:lnRef>
+          <a:fillRef idx="1">
+            <a:schemeClr val="accent1"/>
+          </a:fillRef>
+          <a:effectRef idx="0">
+            <a:schemeClr val="accent1"/>
+          </a:effectRef>
+          <a:fontRef idx="minor">
+            <a:schemeClr val="lt1"/>
+          </a:fontRef>
+        </p:style>
+        <p:txBody>
+          <a:bodyPr rtlCol="0" anchor="t" anchorCtr="0"/>
+          <a:p>
+            <a:pPr algn="ctr"/>
+            <a:r>
+              <a:rPr lang="en-US" altLang="zh-CN"/>
+              <a:t>Location</a:t>
+            </a:r>
+            <a:endParaRPr lang="en-US" altLang="zh-CN"/>
+          </a:p>
+        </p:txBody>
+      </p:sp>
+      <p:sp>
+        <p:nvSpPr>
+          <p:cNvPr id="45" name="圆角矩形 44"/>
+          <p:cNvSpPr/>
+          <p:nvPr/>
+        </p:nvSpPr>
+        <p:spPr>
+          <a:xfrm>
+            <a:off x="7552690" y="5080635"/>
+            <a:ext cx="3105150" cy="453390"/>
+          </a:xfrm>
+          <a:prstGeom prst="roundRect">
+            <a:avLst/>
+          </a:prstGeom>
+        </p:spPr>
+        <p:style>
+          <a:lnRef idx="2">
+            <a:schemeClr val="accent1">
+              <a:shade val="50000"/>
+            </a:schemeClr>
+          </a:lnRef>
+          <a:fillRef idx="1">
+            <a:schemeClr val="accent1"/>
+          </a:fillRef>
+          <a:effectRef idx="0">
+            <a:schemeClr val="accent1"/>
+          </a:effectRef>
+          <a:fontRef idx="minor">
+            <a:schemeClr val="lt1"/>
+          </a:fontRef>
+        </p:style>
+        <p:txBody>
+          <a:bodyPr rtlCol="0" anchor="t" anchorCtr="0"/>
+          <a:p>
+            <a:pPr algn="ctr"/>
+            <a:r>
+              <a:rPr lang="en-US" altLang="zh-CN"/>
+              <a:t>Device</a:t>
+            </a:r>
+            <a:endParaRPr lang="en-US" altLang="zh-CN"/>
+          </a:p>
+        </p:txBody>
+      </p:sp>
+      <p:sp>
+        <p:nvSpPr>
+          <p:cNvPr id="46" name="圆角矩形 45"/>
+          <p:cNvSpPr/>
+          <p:nvPr/>
+        </p:nvSpPr>
+        <p:spPr>
+          <a:xfrm>
+            <a:off x="7542530" y="5653405"/>
+            <a:ext cx="3105150" cy="453390"/>
+          </a:xfrm>
+          <a:prstGeom prst="roundRect">
+            <a:avLst/>
+          </a:prstGeom>
+        </p:spPr>
+        <p:style>
+          <a:lnRef idx="2">
+            <a:schemeClr val="accent1">
+              <a:shade val="50000"/>
+            </a:schemeClr>
+          </a:lnRef>
+          <a:fillRef idx="1">
+            <a:schemeClr val="accent1"/>
+          </a:fillRef>
+          <a:effectRef idx="0">
+            <a:schemeClr val="accent1"/>
+          </a:effectRef>
+          <a:fontRef idx="minor">
+            <a:schemeClr val="lt1"/>
+          </a:fontRef>
+        </p:style>
+        <p:txBody>
+          <a:bodyPr rtlCol="0" anchor="t" anchorCtr="0"/>
+          <a:p>
+            <a:pPr algn="ctr"/>
+            <a:r>
+              <a:rPr lang="en-US" altLang="zh-CN"/>
+              <a:t>UI</a:t>
+            </a:r>
+            <a:endParaRPr lang="en-US" altLang="zh-CN"/>
+          </a:p>
+        </p:txBody>
+      </p:sp>
+      <p:sp>
+        <p:nvSpPr>
+          <p:cNvPr id="47" name="圆角矩形 46"/>
+          <p:cNvSpPr/>
+          <p:nvPr/>
+        </p:nvSpPr>
+        <p:spPr>
+          <a:xfrm>
+            <a:off x="7542530" y="6231255"/>
+            <a:ext cx="3105150" cy="453390"/>
+          </a:xfrm>
+          <a:prstGeom prst="roundRect">
+            <a:avLst/>
+          </a:prstGeom>
+        </p:spPr>
+        <p:style>
+          <a:lnRef idx="2">
+            <a:schemeClr val="accent1">
+              <a:shade val="50000"/>
+            </a:schemeClr>
+          </a:lnRef>
+          <a:fillRef idx="1">
+            <a:schemeClr val="accent1"/>
+          </a:fillRef>
+          <a:effectRef idx="0">
+            <a:schemeClr val="accent1"/>
+          </a:effectRef>
+          <a:fontRef idx="minor">
+            <a:schemeClr val="lt1"/>
+          </a:fontRef>
+        </p:style>
+        <p:txBody>
+          <a:bodyPr rtlCol="0" anchor="t" anchorCtr="0"/>
+          <a:p>
+            <a:pPr algn="ctr"/>
+            <a:r>
+              <a:rPr lang="en-US" altLang="zh-CN"/>
+              <a:t>Wechat</a:t>
+            </a:r>
+            <a:endParaRPr lang="en-US" altLang="zh-CN"/>
           </a:p>
         </p:txBody>
       </p:sp>
@@ -9043,7 +9096,7 @@
           <a:p>
             <a:r>
               <a:rPr lang="en-US" altLang="zh-CN"/>
-              <a:t>Reference</a:t>
+              <a:t>JSSDK</a:t>
             </a:r>
             <a:endParaRPr lang="en-US" altLang="zh-CN"/>
           </a:p>
@@ -9051,12 +9104,12 @@
       </p:sp>
       <p:sp>
         <p:nvSpPr>
-          <p:cNvPr id="5" name="内容占位符 4"/>
+          <p:cNvPr id="5" name="文本占位符 4"/>
           <p:cNvSpPr>
             <a:spLocks noGrp="1"/>
           </p:cNvSpPr>
           <p:nvPr>
-            <p:ph idx="1"/>
+            <p:ph type="body" idx="1"/>
           </p:nvPr>
         </p:nvSpPr>
         <p:spPr/>
@@ -9065,21 +9118,7 @@
           <a:p>
             <a:r>
               <a:rPr lang="zh-CN" altLang="en-US"/>
-              <a:t>https://developers.weixin.qq.com/doc/offiaccount/OA_Web_Apps/JS-SDK.html</a:t>
-            </a:r>
-            <a:endParaRPr lang="zh-CN" altLang="en-US"/>
-          </a:p>
-          <a:p>
-            <a:r>
-              <a:rPr lang="zh-CN" altLang="en-US"/>
-              <a:t>https://pay.weixin.qq.com/wiki/doc/api/index.html</a:t>
-            </a:r>
-            <a:endParaRPr lang="zh-CN" altLang="en-US"/>
-          </a:p>
-          <a:p>
-            <a:r>
-              <a:rPr lang="zh-CN" altLang="en-US"/>
-              <a:t>https://www.jianshu.com/p/b017fd6bb908</a:t>
+              <a:t>微信内网页开发工具包</a:t>
             </a:r>
             <a:endParaRPr lang="zh-CN" altLang="en-US"/>
           </a:p>
@@ -9108,7 +9147,7 @@
       <p:grpSpPr/>
       <p:sp>
         <p:nvSpPr>
-          <p:cNvPr id="2" name="标题 1"/>
+          <p:cNvPr id="4" name="标题 3"/>
           <p:cNvSpPr>
             <a:spLocks noGrp="1"/>
           </p:cNvSpPr>
@@ -9122,7 +9161,7 @@
           <a:p>
             <a:r>
               <a:rPr lang="en-US" altLang="zh-CN"/>
-              <a:t>Concept</a:t>
+              <a:t>Reference</a:t>
             </a:r>
             <a:endParaRPr lang="en-US" altLang="zh-CN"/>
           </a:p>
@@ -9130,7 +9169,7 @@
       </p:sp>
       <p:sp>
         <p:nvSpPr>
-          <p:cNvPr id="3" name="内容占位符 2"/>
+          <p:cNvPr id="5" name="内容占位符 4"/>
           <p:cNvSpPr>
             <a:spLocks noGrp="1"/>
           </p:cNvSpPr>
@@ -9143,24 +9182,22 @@
           <a:bodyPr/>
           <a:p>
             <a:r>
-              <a:rPr lang="en-US" altLang="zh-CN"/>
-              <a:t>Info</a:t>
-            </a:r>
-            <a:endParaRPr lang="en-US" altLang="zh-CN"/>
-          </a:p>
-          <a:p>
-            <a:pPr lvl="1"/>
-            <a:r>
               <a:rPr lang="zh-CN" altLang="en-US"/>
-              <a:t>微信JS-SDK是微信公众平台 面向网页开发者提供的基于微信内的网页开发工具包。</a:t>
+              <a:t>https://developers.weixin.qq.com/doc/offiaccount/OA_Web_Apps/JS-SDK.html</a:t>
             </a:r>
             <a:endParaRPr lang="zh-CN" altLang="en-US"/>
           </a:p>
           <a:p>
-            <a:pPr lvl="1"/>
             <a:r>
               <a:rPr lang="zh-CN" altLang="en-US"/>
-              <a:t>通过使用微信JS-SDK，网页开发者可借助微信高效地使用拍照、选图、语音、位置等手机系统的能力，同时可以直接使用微信分享、扫一扫、卡券、支付等微信特有的能力，为微信用户提供更优质的网页体验。</a:t>
+              <a:t>https://pay.weixin.qq.com/wiki/doc/api/index.html</a:t>
+            </a:r>
+            <a:endParaRPr lang="zh-CN" altLang="en-US"/>
+          </a:p>
+          <a:p>
+            <a:r>
+              <a:rPr lang="zh-CN" altLang="en-US"/>
+              <a:t>https://www.jianshu.com/p/b017fd6bb908</a:t>
             </a:r>
             <a:endParaRPr lang="zh-CN" altLang="en-US"/>
           </a:p>
@@ -9203,7 +9240,7 @@
           <a:p>
             <a:r>
               <a:rPr lang="en-US" altLang="zh-CN"/>
-              <a:t>Prepare</a:t>
+              <a:t>Concept</a:t>
             </a:r>
             <a:endParaRPr lang="en-US" altLang="zh-CN"/>
           </a:p>
@@ -9211,304 +9248,37 @@
       </p:sp>
       <p:sp>
         <p:nvSpPr>
-          <p:cNvPr id="4" name="流程图: 过程 3"/>
-          <p:cNvSpPr/>
-          <p:nvPr/>
-        </p:nvSpPr>
-        <p:spPr>
-          <a:xfrm>
-            <a:off x="1395095" y="1537970"/>
-            <a:ext cx="3233420" cy="821690"/>
-          </a:xfrm>
-          <a:prstGeom prst="flowChartProcess">
-            <a:avLst/>
-          </a:prstGeom>
-        </p:spPr>
-        <p:style>
-          <a:lnRef idx="2">
-            <a:schemeClr val="accent1">
-              <a:shade val="50000"/>
-            </a:schemeClr>
-          </a:lnRef>
-          <a:fillRef idx="1">
-            <a:schemeClr val="accent1"/>
-          </a:fillRef>
-          <a:effectRef idx="0">
-            <a:schemeClr val="accent1"/>
-          </a:effectRef>
-          <a:fontRef idx="minor">
-            <a:schemeClr val="lt1"/>
-          </a:fontRef>
-        </p:style>
-        <p:txBody>
-          <a:bodyPr rtlCol="0" anchor="ctr"/>
-          <a:p>
-            <a:pPr algn="ctr"/>
+          <p:cNvPr id="3" name="内容占位符 2"/>
+          <p:cNvSpPr>
+            <a:spLocks noGrp="1"/>
+          </p:cNvSpPr>
+          <p:nvPr>
+            <p:ph idx="1"/>
+          </p:nvPr>
+        </p:nvSpPr>
+        <p:spPr/>
+        <p:txBody>
+          <a:bodyPr/>
+          <a:p>
+            <a:r>
+              <a:rPr lang="en-US" altLang="zh-CN"/>
+              <a:t>Info</a:t>
+            </a:r>
+            <a:endParaRPr lang="en-US" altLang="zh-CN"/>
+          </a:p>
+          <a:p>
+            <a:pPr lvl="1"/>
             <a:r>
               <a:rPr lang="zh-CN" altLang="en-US"/>
-              <a:t>在微信公众平台中绑定域名</a:t>
+              <a:t>微信JS-SDK是微信公众平台 面向网页开发者提供的基于微信内的网页开发工具包。</a:t>
             </a:r>
             <a:endParaRPr lang="zh-CN" altLang="en-US"/>
           </a:p>
-        </p:txBody>
-      </p:sp>
-      <p:sp>
-        <p:nvSpPr>
-          <p:cNvPr id="5" name="流程图: 过程 4"/>
-          <p:cNvSpPr/>
-          <p:nvPr/>
-        </p:nvSpPr>
-        <p:spPr>
-          <a:xfrm>
-            <a:off x="1395095" y="2750185"/>
-            <a:ext cx="3233420" cy="821690"/>
-          </a:xfrm>
-          <a:prstGeom prst="flowChartProcess">
-            <a:avLst/>
-          </a:prstGeom>
-        </p:spPr>
-        <p:style>
-          <a:lnRef idx="2">
-            <a:schemeClr val="accent1">
-              <a:shade val="50000"/>
-            </a:schemeClr>
-          </a:lnRef>
-          <a:fillRef idx="1">
-            <a:schemeClr val="accent1"/>
-          </a:fillRef>
-          <a:effectRef idx="0">
-            <a:schemeClr val="accent1"/>
-          </a:effectRef>
-          <a:fontRef idx="minor">
-            <a:schemeClr val="lt1"/>
-          </a:fontRef>
-        </p:style>
-        <p:txBody>
-          <a:bodyPr rtlCol="0" anchor="ctr"/>
-          <a:p>
-            <a:pPr algn="ctr"/>
+          <a:p>
+            <a:pPr lvl="1"/>
             <a:r>
               <a:rPr lang="zh-CN" altLang="en-US"/>
-              <a:t>前端引入相关</a:t>
-            </a:r>
-            <a:r>
-              <a:rPr lang="en-US" altLang="zh-CN"/>
-              <a:t>JS</a:t>
-            </a:r>
-            <a:r>
-              <a:rPr lang="zh-CN" altLang="en-US"/>
-              <a:t>文件</a:t>
-            </a:r>
-            <a:endParaRPr lang="zh-CN" altLang="en-US"/>
-          </a:p>
-        </p:txBody>
-      </p:sp>
-      <p:sp>
-        <p:nvSpPr>
-          <p:cNvPr id="6" name="流程图: 过程 5"/>
-          <p:cNvSpPr/>
-          <p:nvPr/>
-        </p:nvSpPr>
-        <p:spPr>
-          <a:xfrm>
-            <a:off x="1395095" y="4053840"/>
-            <a:ext cx="3233420" cy="821690"/>
-          </a:xfrm>
-          <a:prstGeom prst="flowChartProcess">
-            <a:avLst/>
-          </a:prstGeom>
-        </p:spPr>
-        <p:style>
-          <a:lnRef idx="2">
-            <a:schemeClr val="accent1">
-              <a:shade val="50000"/>
-            </a:schemeClr>
-          </a:lnRef>
-          <a:fillRef idx="1">
-            <a:schemeClr val="accent1"/>
-          </a:fillRef>
-          <a:effectRef idx="0">
-            <a:schemeClr val="accent1"/>
-          </a:effectRef>
-          <a:fontRef idx="minor">
-            <a:schemeClr val="lt1"/>
-          </a:fontRef>
-        </p:style>
-        <p:txBody>
-          <a:bodyPr vertOverflow="overflow" horzOverflow="overflow" vert="horz" wrap="square" numCol="1" spcCol="0" rtlCol="0" fromWordArt="0" anchor="ctr" anchorCtr="0" forceAA="0" compatLnSpc="1">
-            <a:noAutofit/>
-          </a:bodyPr>
-          <a:p>
-            <a:pPr lvl="0" algn="ctr">
-              <a:buClrTx/>
-              <a:buSzTx/>
-              <a:buFontTx/>
-            </a:pPr>
-            <a:r>
-              <a:rPr lang="zh-CN" altLang="en-US">
-                <a:sym typeface="+mn-ea"/>
-              </a:rPr>
-              <a:t>通过config接口注入权限验证配置</a:t>
-            </a:r>
-            <a:endParaRPr lang="zh-CN" altLang="en-US">
-              <a:sym typeface="+mn-ea"/>
-            </a:endParaRPr>
-          </a:p>
-        </p:txBody>
-      </p:sp>
-      <p:cxnSp>
-        <p:nvCxnSpPr>
-          <p:cNvPr id="7" name="直接箭头连接符 6"/>
-          <p:cNvCxnSpPr>
-            <a:stCxn id="4" idx="2"/>
-            <a:endCxn id="5" idx="0"/>
-          </p:cNvCxnSpPr>
-          <p:nvPr/>
-        </p:nvCxnSpPr>
-        <p:spPr>
-          <a:xfrm>
-            <a:off x="3011805" y="2359660"/>
-            <a:ext cx="0" cy="390525"/>
-          </a:xfrm>
-          <a:prstGeom prst="straightConnector1">
-            <a:avLst/>
-          </a:prstGeom>
-          <a:ln>
-            <a:tailEnd type="arrow"/>
-          </a:ln>
-        </p:spPr>
-        <p:style>
-          <a:lnRef idx="1">
-            <a:schemeClr val="accent1"/>
-          </a:lnRef>
-          <a:fillRef idx="0">
-            <a:schemeClr val="accent1"/>
-          </a:fillRef>
-          <a:effectRef idx="0">
-            <a:schemeClr val="accent1"/>
-          </a:effectRef>
-          <a:fontRef idx="minor">
-            <a:schemeClr val="tx1"/>
-          </a:fontRef>
-        </p:style>
-      </p:cxnSp>
-      <p:cxnSp>
-        <p:nvCxnSpPr>
-          <p:cNvPr id="8" name="直接箭头连接符 7"/>
-          <p:cNvCxnSpPr>
-            <a:stCxn id="5" idx="2"/>
-            <a:endCxn id="6" idx="0"/>
-          </p:cNvCxnSpPr>
-          <p:nvPr/>
-        </p:nvCxnSpPr>
-        <p:spPr>
-          <a:xfrm>
-            <a:off x="3011805" y="3571875"/>
-            <a:ext cx="0" cy="481965"/>
-          </a:xfrm>
-          <a:prstGeom prst="straightConnector1">
-            <a:avLst/>
-          </a:prstGeom>
-          <a:ln>
-            <a:tailEnd type="arrow"/>
-          </a:ln>
-        </p:spPr>
-        <p:style>
-          <a:lnRef idx="1">
-            <a:schemeClr val="accent1"/>
-          </a:lnRef>
-          <a:fillRef idx="0">
-            <a:schemeClr val="accent1"/>
-          </a:fillRef>
-          <a:effectRef idx="0">
-            <a:schemeClr val="accent1"/>
-          </a:effectRef>
-          <a:fontRef idx="minor">
-            <a:schemeClr val="tx1"/>
-          </a:fontRef>
-        </p:style>
-      </p:cxnSp>
-      <p:sp>
-        <p:nvSpPr>
-          <p:cNvPr id="11" name="圆角矩形 10"/>
-          <p:cNvSpPr/>
-          <p:nvPr/>
-        </p:nvSpPr>
-        <p:spPr>
-          <a:xfrm>
-            <a:off x="8370570" y="2972435"/>
-            <a:ext cx="1629410" cy="573405"/>
-          </a:xfrm>
-          <a:prstGeom prst="roundRect">
-            <a:avLst/>
-          </a:prstGeom>
-        </p:spPr>
-        <p:style>
-          <a:lnRef idx="2">
-            <a:schemeClr val="accent1">
-              <a:shade val="50000"/>
-            </a:schemeClr>
-          </a:lnRef>
-          <a:fillRef idx="1">
-            <a:schemeClr val="accent1"/>
-          </a:fillRef>
-          <a:effectRef idx="0">
-            <a:schemeClr val="accent1"/>
-          </a:effectRef>
-          <a:fontRef idx="minor">
-            <a:schemeClr val="lt1"/>
-          </a:fontRef>
-        </p:style>
-        <p:txBody>
-          <a:bodyPr rtlCol="0" anchor="ctr"/>
-          <a:p>
-            <a:pPr algn="ctr"/>
-            <a:r>
-              <a:rPr lang="zh-CN" altLang="en-US"/>
-              <a:t>分享好友</a:t>
-            </a:r>
-            <a:endParaRPr lang="zh-CN" altLang="en-US"/>
-          </a:p>
-        </p:txBody>
-      </p:sp>
-      <p:sp>
-        <p:nvSpPr>
-          <p:cNvPr id="12" name="圆角矩形 11"/>
-          <p:cNvSpPr/>
-          <p:nvPr/>
-        </p:nvSpPr>
-        <p:spPr>
-          <a:xfrm>
-            <a:off x="8370570" y="5554345"/>
-            <a:ext cx="1629410" cy="573405"/>
-          </a:xfrm>
-          <a:prstGeom prst="roundRect">
-            <a:avLst/>
-          </a:prstGeom>
-        </p:spPr>
-        <p:style>
-          <a:lnRef idx="2">
-            <a:schemeClr val="accent1">
-              <a:shade val="50000"/>
-            </a:schemeClr>
-          </a:lnRef>
-          <a:fillRef idx="1">
-            <a:schemeClr val="accent1"/>
-          </a:fillRef>
-          <a:effectRef idx="0">
-            <a:schemeClr val="accent1"/>
-          </a:effectRef>
-          <a:fontRef idx="minor">
-            <a:schemeClr val="lt1"/>
-          </a:fontRef>
-        </p:style>
-        <p:txBody>
-          <a:bodyPr rtlCol="0" anchor="ctr"/>
-          <a:p>
-            <a:pPr algn="ctr"/>
-            <a:r>
-              <a:rPr lang="zh-CN" altLang="en-US"/>
-              <a:t>分享朋友圈</a:t>
+              <a:t>通过使用微信JS-SDK，网页开发者可借助微信高效地使用拍照、选图、语音、位置等手机系统的能力，同时可以直接使用微信分享、扫一扫、卡券、支付等微信特有的能力，为微信用户提供更优质的网页体验。</a:t>
             </a:r>
             <a:endParaRPr lang="zh-CN" altLang="en-US"/>
           </a:p>
@@ -9551,63 +9321,320 @@
           <a:p>
             <a:r>
               <a:rPr lang="en-US" altLang="zh-CN"/>
-              <a:t>Share</a:t>
+              <a:t>Prepare</a:t>
             </a:r>
             <a:endParaRPr lang="en-US" altLang="zh-CN"/>
           </a:p>
         </p:txBody>
       </p:sp>
-      <p:pic>
-        <p:nvPicPr>
-          <p:cNvPr id="9" name="图片 8"/>
-          <p:cNvPicPr>
-            <a:picLocks noChangeAspect="1"/>
-          </p:cNvPicPr>
+      <p:sp>
+        <p:nvSpPr>
+          <p:cNvPr id="4" name="流程图: 过程 3"/>
+          <p:cNvSpPr/>
           <p:nvPr/>
-        </p:nvPicPr>
-        <p:blipFill>
-          <a:blip r:embed="rId1"/>
-          <a:stretch>
-            <a:fillRect/>
-          </a:stretch>
-        </p:blipFill>
-        <p:spPr>
-          <a:xfrm>
-            <a:off x="1984375" y="1122045"/>
-            <a:ext cx="6305550" cy="2552700"/>
-          </a:xfrm>
-          <a:prstGeom prst="rect">
+        </p:nvSpPr>
+        <p:spPr>
+          <a:xfrm>
+            <a:off x="1395095" y="1537970"/>
+            <a:ext cx="3233420" cy="821690"/>
+          </a:xfrm>
+          <a:prstGeom prst="flowChartProcess">
             <a:avLst/>
           </a:prstGeom>
         </p:spPr>
-      </p:pic>
-      <p:pic>
-        <p:nvPicPr>
-          <p:cNvPr id="10" name="图片 9"/>
-          <p:cNvPicPr>
-            <a:picLocks noChangeAspect="1"/>
-          </p:cNvPicPr>
+        <p:style>
+          <a:lnRef idx="2">
+            <a:schemeClr val="accent1">
+              <a:shade val="50000"/>
+            </a:schemeClr>
+          </a:lnRef>
+          <a:fillRef idx="1">
+            <a:schemeClr val="accent1"/>
+          </a:fillRef>
+          <a:effectRef idx="0">
+            <a:schemeClr val="accent1"/>
+          </a:effectRef>
+          <a:fontRef idx="minor">
+            <a:schemeClr val="lt1"/>
+          </a:fontRef>
+        </p:style>
+        <p:txBody>
+          <a:bodyPr rtlCol="0" anchor="ctr"/>
+          <a:p>
+            <a:pPr algn="ctr"/>
+            <a:r>
+              <a:rPr lang="zh-CN" altLang="en-US"/>
+              <a:t>在微信公众平台中绑定域名</a:t>
+            </a:r>
+            <a:endParaRPr lang="zh-CN" altLang="en-US"/>
+          </a:p>
+        </p:txBody>
+      </p:sp>
+      <p:sp>
+        <p:nvSpPr>
+          <p:cNvPr id="5" name="流程图: 过程 4"/>
+          <p:cNvSpPr/>
           <p:nvPr/>
-        </p:nvPicPr>
-        <p:blipFill>
-          <a:blip r:embed="rId2"/>
-          <a:stretch>
-            <a:fillRect/>
-          </a:stretch>
-        </p:blipFill>
-        <p:spPr>
-          <a:xfrm>
-            <a:off x="1984375" y="4001135"/>
-            <a:ext cx="6267450" cy="2333625"/>
-          </a:xfrm>
-          <a:prstGeom prst="rect">
+        </p:nvSpPr>
+        <p:spPr>
+          <a:xfrm>
+            <a:off x="1395095" y="2750185"/>
+            <a:ext cx="3233420" cy="821690"/>
+          </a:xfrm>
+          <a:prstGeom prst="flowChartProcess">
             <a:avLst/>
           </a:prstGeom>
         </p:spPr>
-      </p:pic>
+        <p:style>
+          <a:lnRef idx="2">
+            <a:schemeClr val="accent1">
+              <a:shade val="50000"/>
+            </a:schemeClr>
+          </a:lnRef>
+          <a:fillRef idx="1">
+            <a:schemeClr val="accent1"/>
+          </a:fillRef>
+          <a:effectRef idx="0">
+            <a:schemeClr val="accent1"/>
+          </a:effectRef>
+          <a:fontRef idx="minor">
+            <a:schemeClr val="lt1"/>
+          </a:fontRef>
+        </p:style>
+        <p:txBody>
+          <a:bodyPr rtlCol="0" anchor="ctr"/>
+          <a:p>
+            <a:pPr algn="ctr"/>
+            <a:r>
+              <a:rPr lang="zh-CN" altLang="en-US"/>
+              <a:t>前端引入相关</a:t>
+            </a:r>
+            <a:r>
+              <a:rPr lang="en-US" altLang="zh-CN"/>
+              <a:t>JS</a:t>
+            </a:r>
+            <a:r>
+              <a:rPr lang="zh-CN" altLang="en-US"/>
+              <a:t>文件</a:t>
+            </a:r>
+            <a:endParaRPr lang="zh-CN" altLang="en-US"/>
+          </a:p>
+        </p:txBody>
+      </p:sp>
+      <p:sp>
+        <p:nvSpPr>
+          <p:cNvPr id="6" name="流程图: 过程 5"/>
+          <p:cNvSpPr/>
+          <p:nvPr/>
+        </p:nvSpPr>
+        <p:spPr>
+          <a:xfrm>
+            <a:off x="1395095" y="4053840"/>
+            <a:ext cx="3233420" cy="821690"/>
+          </a:xfrm>
+          <a:prstGeom prst="flowChartProcess">
+            <a:avLst/>
+          </a:prstGeom>
+        </p:spPr>
+        <p:style>
+          <a:lnRef idx="2">
+            <a:schemeClr val="accent1">
+              <a:shade val="50000"/>
+            </a:schemeClr>
+          </a:lnRef>
+          <a:fillRef idx="1">
+            <a:schemeClr val="accent1"/>
+          </a:fillRef>
+          <a:effectRef idx="0">
+            <a:schemeClr val="accent1"/>
+          </a:effectRef>
+          <a:fontRef idx="minor">
+            <a:schemeClr val="lt1"/>
+          </a:fontRef>
+        </p:style>
+        <p:txBody>
+          <a:bodyPr vertOverflow="overflow" horzOverflow="overflow" vert="horz" wrap="square" numCol="1" spcCol="0" rtlCol="0" fromWordArt="0" anchor="ctr" anchorCtr="0" forceAA="0" compatLnSpc="1">
+            <a:noAutofit/>
+          </a:bodyPr>
+          <a:p>
+            <a:pPr lvl="0" algn="ctr">
+              <a:buClrTx/>
+              <a:buSzTx/>
+              <a:buFontTx/>
+            </a:pPr>
+            <a:r>
+              <a:rPr lang="zh-CN" altLang="en-US">
+                <a:sym typeface="+mn-ea"/>
+              </a:rPr>
+              <a:t>通过config接口注入权限验证配置</a:t>
+            </a:r>
+            <a:endParaRPr lang="zh-CN" altLang="en-US">
+              <a:sym typeface="+mn-ea"/>
+            </a:endParaRPr>
+          </a:p>
+        </p:txBody>
+      </p:sp>
+      <p:cxnSp>
+        <p:nvCxnSpPr>
+          <p:cNvPr id="7" name="直接箭头连接符 6"/>
+          <p:cNvCxnSpPr>
+            <a:stCxn id="4" idx="2"/>
+            <a:endCxn id="5" idx="0"/>
+          </p:cNvCxnSpPr>
+          <p:nvPr/>
+        </p:nvCxnSpPr>
+        <p:spPr>
+          <a:xfrm>
+            <a:off x="3011805" y="2359660"/>
+            <a:ext cx="0" cy="390525"/>
+          </a:xfrm>
+          <a:prstGeom prst="straightConnector1">
+            <a:avLst/>
+          </a:prstGeom>
+          <a:ln>
+            <a:tailEnd type="arrow"/>
+          </a:ln>
+        </p:spPr>
+        <p:style>
+          <a:lnRef idx="1">
+            <a:schemeClr val="accent1"/>
+          </a:lnRef>
+          <a:fillRef idx="0">
+            <a:schemeClr val="accent1"/>
+          </a:fillRef>
+          <a:effectRef idx="0">
+            <a:schemeClr val="accent1"/>
+          </a:effectRef>
+          <a:fontRef idx="minor">
+            <a:schemeClr val="tx1"/>
+          </a:fontRef>
+        </p:style>
+      </p:cxnSp>
+      <p:cxnSp>
+        <p:nvCxnSpPr>
+          <p:cNvPr id="8" name="直接箭头连接符 7"/>
+          <p:cNvCxnSpPr>
+            <a:stCxn id="5" idx="2"/>
+            <a:endCxn id="6" idx="0"/>
+          </p:cNvCxnSpPr>
+          <p:nvPr/>
+        </p:nvCxnSpPr>
+        <p:spPr>
+          <a:xfrm>
+            <a:off x="3011805" y="3571875"/>
+            <a:ext cx="0" cy="481965"/>
+          </a:xfrm>
+          <a:prstGeom prst="straightConnector1">
+            <a:avLst/>
+          </a:prstGeom>
+          <a:ln>
+            <a:tailEnd type="arrow"/>
+          </a:ln>
+        </p:spPr>
+        <p:style>
+          <a:lnRef idx="1">
+            <a:schemeClr val="accent1"/>
+          </a:lnRef>
+          <a:fillRef idx="0">
+            <a:schemeClr val="accent1"/>
+          </a:fillRef>
+          <a:effectRef idx="0">
+            <a:schemeClr val="accent1"/>
+          </a:effectRef>
+          <a:fontRef idx="minor">
+            <a:schemeClr val="tx1"/>
+          </a:fontRef>
+        </p:style>
+      </p:cxnSp>
+      <p:sp>
+        <p:nvSpPr>
+          <p:cNvPr id="11" name="圆角矩形 10"/>
+          <p:cNvSpPr/>
+          <p:nvPr/>
+        </p:nvSpPr>
+        <p:spPr>
+          <a:xfrm>
+            <a:off x="8370570" y="2972435"/>
+            <a:ext cx="1629410" cy="573405"/>
+          </a:xfrm>
+          <a:prstGeom prst="roundRect">
+            <a:avLst/>
+          </a:prstGeom>
+        </p:spPr>
+        <p:style>
+          <a:lnRef idx="2">
+            <a:schemeClr val="accent1">
+              <a:shade val="50000"/>
+            </a:schemeClr>
+          </a:lnRef>
+          <a:fillRef idx="1">
+            <a:schemeClr val="accent1"/>
+          </a:fillRef>
+          <a:effectRef idx="0">
+            <a:schemeClr val="accent1"/>
+          </a:effectRef>
+          <a:fontRef idx="minor">
+            <a:schemeClr val="lt1"/>
+          </a:fontRef>
+        </p:style>
+        <p:txBody>
+          <a:bodyPr rtlCol="0" anchor="ctr"/>
+          <a:p>
+            <a:pPr algn="ctr"/>
+            <a:r>
+              <a:rPr lang="zh-CN" altLang="en-US"/>
+              <a:t>分享好友</a:t>
+            </a:r>
+            <a:endParaRPr lang="zh-CN" altLang="en-US"/>
+          </a:p>
+        </p:txBody>
+      </p:sp>
+      <p:sp>
+        <p:nvSpPr>
+          <p:cNvPr id="12" name="圆角矩形 11"/>
+          <p:cNvSpPr/>
+          <p:nvPr/>
+        </p:nvSpPr>
+        <p:spPr>
+          <a:xfrm>
+            <a:off x="8370570" y="5554345"/>
+            <a:ext cx="1629410" cy="573405"/>
+          </a:xfrm>
+          <a:prstGeom prst="roundRect">
+            <a:avLst/>
+          </a:prstGeom>
+        </p:spPr>
+        <p:style>
+          <a:lnRef idx="2">
+            <a:schemeClr val="accent1">
+              <a:shade val="50000"/>
+            </a:schemeClr>
+          </a:lnRef>
+          <a:fillRef idx="1">
+            <a:schemeClr val="accent1"/>
+          </a:fillRef>
+          <a:effectRef idx="0">
+            <a:schemeClr val="accent1"/>
+          </a:effectRef>
+          <a:fontRef idx="minor">
+            <a:schemeClr val="lt1"/>
+          </a:fontRef>
+        </p:style>
+        <p:txBody>
+          <a:bodyPr rtlCol="0" anchor="ctr"/>
+          <a:p>
+            <a:pPr algn="ctr"/>
+            <a:r>
+              <a:rPr lang="zh-CN" altLang="en-US"/>
+              <a:t>分享朋友圈</a:t>
+            </a:r>
+            <a:endParaRPr lang="zh-CN" altLang="en-US"/>
+          </a:p>
+        </p:txBody>
+      </p:sp>
     </p:spTree>
     <p:custDataLst>
-      <p:tags r:id="rId3"/>
+      <p:tags r:id="rId1"/>
     </p:custDataLst>
   </p:cSld>
   <p:clrMapOvr>
@@ -9642,7 +9669,7 @@
           <a:p>
             <a:r>
               <a:rPr lang="en-US" altLang="zh-CN"/>
-              <a:t>Pay</a:t>
+              <a:t>Share</a:t>
             </a:r>
             <a:endParaRPr lang="en-US" altLang="zh-CN"/>
           </a:p>
@@ -9650,7 +9677,7 @@
       </p:sp>
       <p:pic>
         <p:nvPicPr>
-          <p:cNvPr id="7" name="图片 6" descr="chapter6_4_1"/>
+          <p:cNvPr id="9" name="图片 8"/>
           <p:cNvPicPr>
             <a:picLocks noChangeAspect="1"/>
           </p:cNvPicPr>
@@ -9664,60 +9691,41 @@
         </p:blipFill>
         <p:spPr>
           <a:xfrm>
-            <a:off x="1200150" y="1088390"/>
-            <a:ext cx="5018405" cy="5445125"/>
+            <a:off x="1984375" y="1122045"/>
+            <a:ext cx="6305550" cy="2552700"/>
           </a:xfrm>
           <a:prstGeom prst="rect">
             <a:avLst/>
           </a:prstGeom>
         </p:spPr>
       </p:pic>
-      <p:sp>
-        <p:nvSpPr>
-          <p:cNvPr id="8" name="圆角矩形 7"/>
-          <p:cNvSpPr/>
+      <p:pic>
+        <p:nvPicPr>
+          <p:cNvPr id="10" name="图片 9"/>
+          <p:cNvPicPr>
+            <a:picLocks noChangeAspect="1"/>
+          </p:cNvPicPr>
           <p:nvPr/>
-        </p:nvSpPr>
-        <p:spPr>
-          <a:xfrm>
-            <a:off x="1421765" y="5501005"/>
-            <a:ext cx="1369060" cy="574040"/>
-          </a:xfrm>
-          <a:prstGeom prst="roundRect">
+        </p:nvPicPr>
+        <p:blipFill>
+          <a:blip r:embed="rId2"/>
+          <a:stretch>
+            <a:fillRect/>
+          </a:stretch>
+        </p:blipFill>
+        <p:spPr>
+          <a:xfrm>
+            <a:off x="1984375" y="4001135"/>
+            <a:ext cx="6267450" cy="2333625"/>
+          </a:xfrm>
+          <a:prstGeom prst="rect">
             <a:avLst/>
           </a:prstGeom>
         </p:spPr>
-        <p:style>
-          <a:lnRef idx="2">
-            <a:schemeClr val="accent1">
-              <a:shade val="50000"/>
-            </a:schemeClr>
-          </a:lnRef>
-          <a:fillRef idx="1">
-            <a:schemeClr val="accent1"/>
-          </a:fillRef>
-          <a:effectRef idx="0">
-            <a:schemeClr val="accent1"/>
-          </a:effectRef>
-          <a:fontRef idx="minor">
-            <a:schemeClr val="lt1"/>
-          </a:fontRef>
-        </p:style>
-        <p:txBody>
-          <a:bodyPr rtlCol="0" anchor="ctr"/>
-          <a:p>
-            <a:pPr algn="ctr"/>
-            <a:r>
-              <a:rPr lang="zh-CN" altLang="en-US"/>
-              <a:t>扫码支付</a:t>
-            </a:r>
-            <a:endParaRPr lang="zh-CN" altLang="en-US"/>
-          </a:p>
-        </p:txBody>
-      </p:sp>
+      </p:pic>
     </p:spTree>
     <p:custDataLst>
-      <p:tags r:id="rId2"/>
+      <p:tags r:id="rId3"/>
     </p:custDataLst>
   </p:cSld>
   <p:clrMapOvr>
@@ -9752,24 +9760,48 @@
           <a:p>
             <a:r>
               <a:rPr lang="en-US" altLang="zh-CN"/>
-              <a:t>JSSDK</a:t>
+              <a:t>Pay</a:t>
             </a:r>
             <a:endParaRPr lang="en-US" altLang="zh-CN"/>
           </a:p>
         </p:txBody>
       </p:sp>
-      <p:sp>
-        <p:nvSpPr>
-          <p:cNvPr id="4" name="流程图: 过程 3"/>
+      <p:pic>
+        <p:nvPicPr>
+          <p:cNvPr id="7" name="图片 6" descr="chapter6_4_1"/>
+          <p:cNvPicPr>
+            <a:picLocks noChangeAspect="1"/>
+          </p:cNvPicPr>
+          <p:nvPr/>
+        </p:nvPicPr>
+        <p:blipFill>
+          <a:blip r:embed="rId1"/>
+          <a:stretch>
+            <a:fillRect/>
+          </a:stretch>
+        </p:blipFill>
+        <p:spPr>
+          <a:xfrm>
+            <a:off x="1200150" y="1088390"/>
+            <a:ext cx="5018405" cy="5445125"/>
+          </a:xfrm>
+          <a:prstGeom prst="rect">
+            <a:avLst/>
+          </a:prstGeom>
+        </p:spPr>
+      </p:pic>
+      <p:sp>
+        <p:nvSpPr>
+          <p:cNvPr id="8" name="圆角矩形 7"/>
           <p:cNvSpPr/>
           <p:nvPr/>
         </p:nvSpPr>
         <p:spPr>
           <a:xfrm>
-            <a:off x="1043305" y="1485900"/>
-            <a:ext cx="5084445" cy="886460"/>
-          </a:xfrm>
-          <a:prstGeom prst="flowChartProcess">
+            <a:off x="1421765" y="5501005"/>
+            <a:ext cx="1369060" cy="574040"/>
+          </a:xfrm>
+          <a:prstGeom prst="roundRect">
             <a:avLst/>
           </a:prstGeom>
         </p:spPr>
@@ -9795,201 +9827,7 @@
             <a:pPr algn="ctr"/>
             <a:r>
               <a:rPr lang="zh-CN" altLang="en-US"/>
-              <a:t>获取</a:t>
-            </a:r>
-            <a:r>
-              <a:rPr lang="en-US" altLang="zh-CN"/>
-              <a:t>access token</a:t>
-            </a:r>
-            <a:endParaRPr lang="en-US" altLang="zh-CN"/>
-          </a:p>
-          <a:p>
-            <a:pPr algn="ctr"/>
-            <a:r>
-              <a:rPr lang="en-US" altLang="zh-CN"/>
-              <a:t>https://developers.weixin.qq.com/doc/offiaccount/Basic_Information/Get_access_token.html</a:t>
-            </a:r>
-            <a:endParaRPr lang="en-US" altLang="zh-CN"/>
-          </a:p>
-        </p:txBody>
-      </p:sp>
-      <p:sp>
-        <p:nvSpPr>
-          <p:cNvPr id="5" name="流程图: 过程 4"/>
-          <p:cNvSpPr/>
-          <p:nvPr/>
-        </p:nvSpPr>
-        <p:spPr>
-          <a:xfrm>
-            <a:off x="1029970" y="2815590"/>
-            <a:ext cx="5084445" cy="1133475"/>
-          </a:xfrm>
-          <a:prstGeom prst="flowChartProcess">
-            <a:avLst/>
-          </a:prstGeom>
-        </p:spPr>
-        <p:style>
-          <a:lnRef idx="2">
-            <a:schemeClr val="accent1">
-              <a:shade val="50000"/>
-            </a:schemeClr>
-          </a:lnRef>
-          <a:fillRef idx="1">
-            <a:schemeClr val="accent1"/>
-          </a:fillRef>
-          <a:effectRef idx="0">
-            <a:schemeClr val="accent1"/>
-          </a:effectRef>
-          <a:fontRef idx="minor">
-            <a:schemeClr val="lt1"/>
-          </a:fontRef>
-        </p:style>
-        <p:txBody>
-          <a:bodyPr rtlCol="0" anchor="ctr"/>
-          <a:p>
-            <a:pPr algn="ctr"/>
-            <a:r>
-              <a:rPr lang="zh-CN" altLang="en-US"/>
-              <a:t>获取</a:t>
-            </a:r>
-            <a:r>
-              <a:rPr lang="en-US" altLang="zh-CN"/>
-              <a:t>jsapi ticket</a:t>
-            </a:r>
-            <a:endParaRPr lang="en-US" altLang="zh-CN"/>
-          </a:p>
-          <a:p>
-            <a:pPr algn="ctr"/>
-            <a:r>
-              <a:rPr lang="en-US" altLang="zh-CN"/>
-              <a:t>https://api.weixin.qq.com/cgi-bin/ticket/getticket?access_token=ACCESS_TOKEN&amp;type=jsapi</a:t>
-            </a:r>
-            <a:endParaRPr lang="en-US" altLang="zh-CN"/>
-          </a:p>
-        </p:txBody>
-      </p:sp>
-      <p:sp>
-        <p:nvSpPr>
-          <p:cNvPr id="6" name="流程图: 过程 5"/>
-          <p:cNvSpPr/>
-          <p:nvPr/>
-        </p:nvSpPr>
-        <p:spPr>
-          <a:xfrm>
-            <a:off x="1043305" y="4262755"/>
-            <a:ext cx="5084445" cy="1133475"/>
-          </a:xfrm>
-          <a:prstGeom prst="flowChartProcess">
-            <a:avLst/>
-          </a:prstGeom>
-        </p:spPr>
-        <p:style>
-          <a:lnRef idx="2">
-            <a:schemeClr val="accent1">
-              <a:shade val="50000"/>
-            </a:schemeClr>
-          </a:lnRef>
-          <a:fillRef idx="1">
-            <a:schemeClr val="accent1"/>
-          </a:fillRef>
-          <a:effectRef idx="0">
-            <a:schemeClr val="accent1"/>
-          </a:effectRef>
-          <a:fontRef idx="minor">
-            <a:schemeClr val="lt1"/>
-          </a:fontRef>
-        </p:style>
-        <p:txBody>
-          <a:bodyPr rtlCol="0" anchor="ctr"/>
-          <a:p>
-            <a:pPr algn="ctr"/>
-            <a:r>
-              <a:rPr lang="zh-CN" altLang="en-US"/>
-              <a:t>签名</a:t>
-            </a:r>
-            <a:endParaRPr lang="zh-CN" altLang="en-US"/>
-          </a:p>
-        </p:txBody>
-      </p:sp>
-      <p:sp>
-        <p:nvSpPr>
-          <p:cNvPr id="7" name="文本框 6"/>
-          <p:cNvSpPr txBox="1"/>
-          <p:nvPr/>
-        </p:nvSpPr>
-        <p:spPr>
-          <a:xfrm>
-            <a:off x="7131685" y="1003935"/>
-            <a:ext cx="4511040" cy="3415030"/>
-          </a:xfrm>
-          <a:prstGeom prst="rect">
-            <a:avLst/>
-          </a:prstGeom>
-          <a:noFill/>
-          <a:ln w="12700" cmpd="sng">
-            <a:solidFill>
-              <a:srgbClr val="FFC000"/>
-            </a:solidFill>
-            <a:prstDash val="sysDash"/>
-          </a:ln>
-        </p:spPr>
-        <p:txBody>
-          <a:bodyPr wrap="square" rtlCol="0">
-            <a:spAutoFit/>
-          </a:bodyPr>
-          <a:p>
-            <a:r>
-              <a:rPr lang="zh-CN" altLang="en-US"/>
-              <a:t>wx.config({</a:t>
-            </a:r>
-            <a:endParaRPr lang="zh-CN" altLang="en-US"/>
-          </a:p>
-          <a:p>
-            <a:r>
-              <a:rPr lang="zh-CN" altLang="en-US"/>
-              <a:t>  debug: true, // 开启调试模式,调用的所有api的返回值会在客户端alert出来，若要查看传入的参数，可以在pc端打开，参数信息会通过log打出，仅在pc端时才会打印。</a:t>
-            </a:r>
-            <a:endParaRPr lang="zh-CN" altLang="en-US"/>
-          </a:p>
-          <a:p>
-            <a:r>
-              <a:rPr lang="zh-CN" altLang="en-US"/>
-              <a:t>  appId: '', // 必填，公众号的唯一标识</a:t>
-            </a:r>
-            <a:endParaRPr lang="zh-CN" altLang="en-US"/>
-          </a:p>
-          <a:p>
-            <a:r>
-              <a:rPr lang="zh-CN" altLang="en-US"/>
-              <a:t>  timestamp: , // 必填，生成签名的时间戳</a:t>
-            </a:r>
-            <a:endParaRPr lang="zh-CN" altLang="en-US"/>
-          </a:p>
-          <a:p>
-            <a:r>
-              <a:rPr lang="zh-CN" altLang="en-US"/>
-              <a:t>  nonceStr: '', // 必填，生成签名的随机串</a:t>
-            </a:r>
-            <a:endParaRPr lang="zh-CN" altLang="en-US"/>
-          </a:p>
-          <a:p>
-            <a:r>
-              <a:rPr lang="zh-CN" altLang="en-US"/>
-              <a:t>  signature: '',// 必填，签名</a:t>
-            </a:r>
-            <a:endParaRPr lang="zh-CN" altLang="en-US"/>
-          </a:p>
-          <a:p>
-            <a:r>
-              <a:rPr lang="zh-CN" altLang="en-US"/>
-              <a:t>  jsApiList: [] // 必填，需要使用的JS接口列表</a:t>
-            </a:r>
-            <a:endParaRPr lang="zh-CN" altLang="en-US"/>
-          </a:p>
-          <a:p>
-            <a:r>
-              <a:rPr lang="zh-CN" altLang="en-US"/>
-              <a:t>});</a:t>
+              <a:t>扫码支付</a:t>
             </a:r>
             <a:endParaRPr lang="zh-CN" altLang="en-US"/>
           </a:p>
@@ -9997,7 +9835,7 @@
       </p:sp>
     </p:spTree>
     <p:custDataLst>
-      <p:tags r:id="rId1"/>
+      <p:tags r:id="rId2"/>
     </p:custDataLst>
   </p:cSld>
   <p:clrMapOvr>
@@ -10031,12 +9869,8 @@
           <a:bodyPr/>
           <a:p>
             <a:r>
-              <a:rPr lang="zh-CN" altLang="en-US"/>
-              <a:t>公众号获取</a:t>
-            </a:r>
-            <a:r>
-              <a:rPr lang="en-US" altLang="zh-CN"/>
-              <a:t>openid</a:t>
+              <a:rPr lang="en-US" altLang="zh-CN"/>
+              <a:t>JSSDK</a:t>
             </a:r>
             <a:endParaRPr lang="en-US" altLang="zh-CN"/>
           </a:p>
@@ -10044,107 +9878,236 @@
       </p:sp>
       <p:sp>
         <p:nvSpPr>
-          <p:cNvPr id="3" name="内容占位符 2"/>
-          <p:cNvSpPr>
-            <a:spLocks noGrp="1"/>
-          </p:cNvSpPr>
-          <p:nvPr>
-            <p:ph idx="1"/>
-          </p:nvPr>
-        </p:nvSpPr>
-        <p:spPr/>
-        <p:txBody>
-          <a:bodyPr>
-            <a:normAutofit lnSpcReduction="10000"/>
-          </a:bodyPr>
-          <a:p>
-            <a:r>
-              <a:rPr lang="zh-CN" altLang="en-US"/>
-              <a:t>步骤</a:t>
-            </a:r>
-            <a:endParaRPr lang="zh-CN" altLang="en-US"/>
-          </a:p>
-          <a:p>
-            <a:pPr lvl="1"/>
-            <a:r>
-              <a:rPr lang="zh-CN" altLang="en-US"/>
-              <a:t>参考</a:t>
-            </a:r>
-            <a:endParaRPr lang="zh-CN" altLang="en-US"/>
-          </a:p>
-          <a:p>
-            <a:pPr lvl="2"/>
-            <a:r>
-              <a:rPr lang="zh-CN" altLang="en-US"/>
-              <a:t>https://developers.weixin.qq.com/doc/offiaccount/OA_Web_Apps/Wechat_webpage_authorization.html</a:t>
-            </a:r>
-            <a:endParaRPr lang="zh-CN" altLang="en-US"/>
-          </a:p>
-          <a:p>
-            <a:pPr lvl="1"/>
+          <p:cNvPr id="4" name="流程图: 过程 3"/>
+          <p:cNvSpPr/>
+          <p:nvPr/>
+        </p:nvSpPr>
+        <p:spPr>
+          <a:xfrm>
+            <a:off x="1043305" y="1485900"/>
+            <a:ext cx="5084445" cy="886460"/>
+          </a:xfrm>
+          <a:prstGeom prst="flowChartProcess">
+            <a:avLst/>
+          </a:prstGeom>
+        </p:spPr>
+        <p:style>
+          <a:lnRef idx="2">
+            <a:schemeClr val="accent1">
+              <a:shade val="50000"/>
+            </a:schemeClr>
+          </a:lnRef>
+          <a:fillRef idx="1">
+            <a:schemeClr val="accent1"/>
+          </a:fillRef>
+          <a:effectRef idx="0">
+            <a:schemeClr val="accent1"/>
+          </a:effectRef>
+          <a:fontRef idx="minor">
+            <a:schemeClr val="lt1"/>
+          </a:fontRef>
+        </p:style>
+        <p:txBody>
+          <a:bodyPr rtlCol="0" anchor="ctr"/>
+          <a:p>
+            <a:pPr algn="ctr"/>
             <a:r>
               <a:rPr lang="zh-CN" altLang="en-US"/>
               <a:t>获取</a:t>
             </a:r>
             <a:r>
               <a:rPr lang="en-US" altLang="zh-CN"/>
-              <a:t>code</a:t>
+              <a:t>access token</a:t>
             </a:r>
             <a:endParaRPr lang="en-US" altLang="zh-CN"/>
           </a:p>
           <a:p>
-            <a:pPr lvl="2"/>
-            <a:r>
-              <a:rPr lang="en-US" altLang="zh-CN"/>
-              <a:t>https://open.weixin.qq.com/connect/oauth2/authorize?appid=APPID&amp;redirect_uri=REDIRECT_URI&amp;response_type=code&amp;scope=SCOPE&amp;state=STATE#wechat_redirect</a:t>
+            <a:pPr algn="ctr"/>
+            <a:r>
+              <a:rPr lang="en-US" altLang="zh-CN"/>
+              <a:t>https://developers.weixin.qq.com/doc/offiaccount/Basic_Information/Get_access_token.html</a:t>
             </a:r>
             <a:endParaRPr lang="en-US" altLang="zh-CN"/>
           </a:p>
-          <a:p>
-            <a:pPr lvl="2"/>
-            <a:r>
-              <a:rPr lang="zh-CN" altLang="en-US"/>
-              <a:t>例子：</a:t>
-            </a:r>
-            <a:r>
-              <a:rPr lang="en-US" altLang="zh-CN"/>
-              <a:t>https://open.weixin.qq.com/connect/oauth2/authorize?appid=wx520c15f417810387&amp;redirect_uri=https%3A%2F%2Fchong.qq.com%2Fphp%2Findex.php%3Fd%3D%26c%3DwxAdapter%26m%3DmobileDeal%26showwxpaytitle%3D1%26vb2ctag%3D4_2030_5_1194_60&amp;response_type=code&amp;scope=snsapi_base&amp;state=123#wechat_redirect</a:t>
-            </a:r>
-            <a:endParaRPr lang="en-US" altLang="zh-CN"/>
-          </a:p>
-          <a:p>
-            <a:pPr lvl="1"/>
+        </p:txBody>
+      </p:sp>
+      <p:sp>
+        <p:nvSpPr>
+          <p:cNvPr id="5" name="流程图: 过程 4"/>
+          <p:cNvSpPr/>
+          <p:nvPr/>
+        </p:nvSpPr>
+        <p:spPr>
+          <a:xfrm>
+            <a:off x="1029970" y="2815590"/>
+            <a:ext cx="5084445" cy="1133475"/>
+          </a:xfrm>
+          <a:prstGeom prst="flowChartProcess">
+            <a:avLst/>
+          </a:prstGeom>
+        </p:spPr>
+        <p:style>
+          <a:lnRef idx="2">
+            <a:schemeClr val="accent1">
+              <a:shade val="50000"/>
+            </a:schemeClr>
+          </a:lnRef>
+          <a:fillRef idx="1">
+            <a:schemeClr val="accent1"/>
+          </a:fillRef>
+          <a:effectRef idx="0">
+            <a:schemeClr val="accent1"/>
+          </a:effectRef>
+          <a:fontRef idx="minor">
+            <a:schemeClr val="lt1"/>
+          </a:fontRef>
+        </p:style>
+        <p:txBody>
+          <a:bodyPr rtlCol="0" anchor="ctr"/>
+          <a:p>
+            <a:pPr algn="ctr"/>
             <a:r>
               <a:rPr lang="zh-CN" altLang="en-US"/>
               <a:t>获取</a:t>
             </a:r>
             <a:r>
               <a:rPr lang="en-US" altLang="zh-CN"/>
-              <a:t>access token</a:t>
+              <a:t>jsapi ticket</a:t>
             </a:r>
             <a:endParaRPr lang="en-US" altLang="zh-CN"/>
           </a:p>
           <a:p>
-            <a:pPr lvl="2"/>
-            <a:r>
-              <a:rPr lang="en-US" altLang="zh-CN"/>
-              <a:t>https://api.weixin.qq.com/sns/oauth2/access_token?appid=APPID&amp;secret=SECRET&amp;code=CODE&amp;grant_type=authorization_code</a:t>
+            <a:pPr algn="ctr"/>
+            <a:r>
+              <a:rPr lang="en-US" altLang="zh-CN"/>
+              <a:t>https://api.weixin.qq.com/cgi-bin/ticket/getticket?access_token=ACCESS_TOKEN&amp;type=jsapi</a:t>
             </a:r>
             <a:endParaRPr lang="en-US" altLang="zh-CN"/>
           </a:p>
-          <a:p>
-            <a:pPr lvl="2"/>
+        </p:txBody>
+      </p:sp>
+      <p:sp>
+        <p:nvSpPr>
+          <p:cNvPr id="6" name="流程图: 过程 5"/>
+          <p:cNvSpPr/>
+          <p:nvPr/>
+        </p:nvSpPr>
+        <p:spPr>
+          <a:xfrm>
+            <a:off x="1043305" y="4262755"/>
+            <a:ext cx="5084445" cy="1133475"/>
+          </a:xfrm>
+          <a:prstGeom prst="flowChartProcess">
+            <a:avLst/>
+          </a:prstGeom>
+        </p:spPr>
+        <p:style>
+          <a:lnRef idx="2">
+            <a:schemeClr val="accent1">
+              <a:shade val="50000"/>
+            </a:schemeClr>
+          </a:lnRef>
+          <a:fillRef idx="1">
+            <a:schemeClr val="accent1"/>
+          </a:fillRef>
+          <a:effectRef idx="0">
+            <a:schemeClr val="accent1"/>
+          </a:effectRef>
+          <a:fontRef idx="minor">
+            <a:schemeClr val="lt1"/>
+          </a:fontRef>
+        </p:style>
+        <p:txBody>
+          <a:bodyPr rtlCol="0" anchor="ctr"/>
+          <a:p>
+            <a:pPr algn="ctr"/>
             <a:r>
               <a:rPr lang="zh-CN" altLang="en-US"/>
-              <a:t>该接口返回</a:t>
-            </a:r>
-            <a:r>
-              <a:rPr lang="en-US" altLang="zh-CN"/>
-              <a:t>openid</a:t>
-            </a:r>
+              <a:t>签名</a:t>
+            </a:r>
+            <a:endParaRPr lang="zh-CN" altLang="en-US"/>
+          </a:p>
+        </p:txBody>
+      </p:sp>
+      <p:sp>
+        <p:nvSpPr>
+          <p:cNvPr id="7" name="文本框 6"/>
+          <p:cNvSpPr txBox="1"/>
+          <p:nvPr/>
+        </p:nvSpPr>
+        <p:spPr>
+          <a:xfrm>
+            <a:off x="7131685" y="1003935"/>
+            <a:ext cx="4511040" cy="3415030"/>
+          </a:xfrm>
+          <a:prstGeom prst="rect">
+            <a:avLst/>
+          </a:prstGeom>
+          <a:noFill/>
+          <a:ln w="12700" cmpd="sng">
+            <a:solidFill>
+              <a:srgbClr val="FFC000"/>
+            </a:solidFill>
+            <a:prstDash val="sysDash"/>
+          </a:ln>
+        </p:spPr>
+        <p:txBody>
+          <a:bodyPr wrap="square" rtlCol="0">
+            <a:spAutoFit/>
+          </a:bodyPr>
+          <a:p>
             <a:r>
               <a:rPr lang="zh-CN" altLang="en-US"/>
-              <a:t>字段</a:t>
+              <a:t>wx.config({</a:t>
+            </a:r>
+            <a:endParaRPr lang="zh-CN" altLang="en-US"/>
+          </a:p>
+          <a:p>
+            <a:r>
+              <a:rPr lang="zh-CN" altLang="en-US"/>
+              <a:t>  debug: true, // 开启调试模式,调用的所有api的返回值会在客户端alert出来，若要查看传入的参数，可以在pc端打开，参数信息会通过log打出，仅在pc端时才会打印。</a:t>
+            </a:r>
+            <a:endParaRPr lang="zh-CN" altLang="en-US"/>
+          </a:p>
+          <a:p>
+            <a:r>
+              <a:rPr lang="zh-CN" altLang="en-US"/>
+              <a:t>  appId: '', // 必填，公众号的唯一标识</a:t>
+            </a:r>
+            <a:endParaRPr lang="zh-CN" altLang="en-US"/>
+          </a:p>
+          <a:p>
+            <a:r>
+              <a:rPr lang="zh-CN" altLang="en-US"/>
+              <a:t>  timestamp: , // 必填，生成签名的时间戳</a:t>
+            </a:r>
+            <a:endParaRPr lang="zh-CN" altLang="en-US"/>
+          </a:p>
+          <a:p>
+            <a:r>
+              <a:rPr lang="zh-CN" altLang="en-US"/>
+              <a:t>  nonceStr: '', // 必填，生成签名的随机串</a:t>
+            </a:r>
+            <a:endParaRPr lang="zh-CN" altLang="en-US"/>
+          </a:p>
+          <a:p>
+            <a:r>
+              <a:rPr lang="zh-CN" altLang="en-US"/>
+              <a:t>  signature: '',// 必填，签名</a:t>
+            </a:r>
+            <a:endParaRPr lang="zh-CN" altLang="en-US"/>
+          </a:p>
+          <a:p>
+            <a:r>
+              <a:rPr lang="zh-CN" altLang="en-US"/>
+              <a:t>  jsApiList: [] // 必填，需要使用的JS接口列表</a:t>
+            </a:r>
+            <a:endParaRPr lang="zh-CN" altLang="en-US"/>
+          </a:p>
+          <a:p>
+            <a:r>
+              <a:rPr lang="zh-CN" altLang="en-US"/>
+              <a:t>});</a:t>
             </a:r>
             <a:endParaRPr lang="zh-CN" altLang="en-US"/>
           </a:p>
@@ -10187,9 +10150,13 @@
           <a:p>
             <a:r>
               <a:rPr lang="zh-CN" altLang="en-US"/>
-              <a:t>发送模板消息</a:t>
-            </a:r>
-            <a:endParaRPr lang="zh-CN" altLang="en-US"/>
+              <a:t>公众号获取</a:t>
+            </a:r>
+            <a:r>
+              <a:rPr lang="en-US" altLang="zh-CN"/>
+              <a:t>openid</a:t>
+            </a:r>
+            <a:endParaRPr lang="en-US" altLang="zh-CN"/>
           </a:p>
         </p:txBody>
       </p:sp>
@@ -10203,278 +10170,107 @@
             <p:ph idx="1"/>
           </p:nvPr>
         </p:nvSpPr>
-        <p:spPr>
-          <a:xfrm>
-            <a:off x="838200" y="1211580"/>
-            <a:ext cx="6384925" cy="4549140"/>
-          </a:xfrm>
-        </p:spPr>
+        <p:spPr/>
         <p:txBody>
           <a:bodyPr>
-            <a:noAutofit/>
+            <a:normAutofit lnSpcReduction="10000"/>
           </a:bodyPr>
           <a:p>
             <a:r>
-              <a:rPr lang="zh-CN" altLang="en-US" sz="1400"/>
+              <a:rPr lang="zh-CN" altLang="en-US"/>
               <a:t>步骤</a:t>
             </a:r>
-            <a:endParaRPr lang="zh-CN" altLang="en-US" sz="1400"/>
+            <a:endParaRPr lang="zh-CN" altLang="en-US"/>
           </a:p>
           <a:p>
             <a:pPr lvl="1"/>
             <a:r>
-              <a:rPr lang="en-US" altLang="zh-CN" sz="1200"/>
-              <a:t>POST </a:t>
-            </a:r>
-            <a:r>
-              <a:rPr lang="zh-CN" altLang="en-US" sz="1200"/>
-              <a:t>https://api.weixin.qq.com/cgi-bin/message/template/send?access_token=ACCESS_TOKEN</a:t>
-            </a:r>
-            <a:endParaRPr lang="zh-CN" altLang="en-US" sz="1200"/>
-          </a:p>
-          <a:p>
-            <a:pPr lvl="0"/>
-            <a:r>
-              <a:rPr lang="zh-CN" altLang="en-US" sz="1400">
-                <a:sym typeface="+mn-ea"/>
-              </a:rPr>
-              <a:t>概要</a:t>
-            </a:r>
-            <a:endParaRPr lang="zh-CN" altLang="en-US" sz="1400"/>
+              <a:rPr lang="zh-CN" altLang="en-US"/>
+              <a:t>参考</a:t>
+            </a:r>
+            <a:endParaRPr lang="zh-CN" altLang="en-US"/>
+          </a:p>
+          <a:p>
+            <a:pPr lvl="2"/>
+            <a:r>
+              <a:rPr lang="zh-CN" altLang="en-US"/>
+              <a:t>https://developers.weixin.qq.com/doc/offiaccount/OA_Web_Apps/Wechat_webpage_authorization.html</a:t>
+            </a:r>
+            <a:endParaRPr lang="zh-CN" altLang="en-US"/>
           </a:p>
           <a:p>
             <a:pPr lvl="1"/>
             <a:r>
-              <a:rPr lang="zh-CN" altLang="en-US" sz="1200">
-                <a:sym typeface="+mn-ea"/>
-              </a:rPr>
-              <a:t>认证的微信服务号发送模板消息通知</a:t>
-            </a:r>
-            <a:endParaRPr lang="zh-CN" altLang="en-US" sz="1200"/>
+              <a:rPr lang="zh-CN" altLang="en-US"/>
+              <a:t>获取</a:t>
+            </a:r>
+            <a:r>
+              <a:rPr lang="en-US" altLang="zh-CN"/>
+              <a:t>code</a:t>
+            </a:r>
+            <a:endParaRPr lang="en-US" altLang="zh-CN"/>
+          </a:p>
+          <a:p>
+            <a:pPr lvl="2"/>
+            <a:r>
+              <a:rPr lang="en-US" altLang="zh-CN"/>
+              <a:t>https://open.weixin.qq.com/connect/oauth2/authorize?appid=APPID&amp;redirect_uri=REDIRECT_URI&amp;response_type=code&amp;scope=SCOPE&amp;state=STATE#wechat_redirect</a:t>
+            </a:r>
+            <a:endParaRPr lang="en-US" altLang="zh-CN"/>
+          </a:p>
+          <a:p>
+            <a:pPr lvl="2"/>
+            <a:r>
+              <a:rPr lang="zh-CN" altLang="en-US"/>
+              <a:t>例子：</a:t>
+            </a:r>
+            <a:r>
+              <a:rPr lang="en-US" altLang="zh-CN"/>
+              <a:t>https://open.weixin.qq.com/connect/oauth2/authorize?appid=wx520c15f417810387&amp;redirect_uri=https%3A%2F%2Fchong.qq.com%2Fphp%2Findex.php%3Fd%3D%26c%3DwxAdapter%26m%3DmobileDeal%26showwxpaytitle%3D1%26vb2ctag%3D4_2030_5_1194_60&amp;response_type=code&amp;scope=snsapi_base&amp;state=123#wechat_redirect</a:t>
+            </a:r>
+            <a:endParaRPr lang="en-US" altLang="zh-CN"/>
           </a:p>
           <a:p>
             <a:pPr lvl="1"/>
             <a:r>
-              <a:rPr lang="zh-CN" altLang="en-US" sz="1200">
-                <a:sym typeface="+mn-ea"/>
-              </a:rPr>
-              <a:t>各类型公众号权限</a:t>
-            </a:r>
-            <a:endParaRPr lang="zh-CN" altLang="en-US" sz="1200"/>
+              <a:rPr lang="zh-CN" altLang="en-US"/>
+              <a:t>获取</a:t>
+            </a:r>
+            <a:r>
+              <a:rPr lang="en-US" altLang="zh-CN"/>
+              <a:t>access token</a:t>
+            </a:r>
+            <a:endParaRPr lang="en-US" altLang="zh-CN"/>
           </a:p>
           <a:p>
             <a:pPr lvl="2"/>
             <a:r>
-              <a:rPr lang="zh-CN" altLang="en-US" sz="1000">
-                <a:sym typeface="+mn-ea"/>
-              </a:rPr>
-              <a:t>https://developers.weixin.qq.com/doc/offiaccount/Getting_Started/Explanation_of_interface_privileges.html</a:t>
-            </a:r>
-            <a:endParaRPr lang="zh-CN" altLang="en-US" sz="1000"/>
-          </a:p>
-          <a:p>
-            <a:pPr lvl="1"/>
-            <a:r>
-              <a:rPr lang="zh-CN" altLang="en-US" sz="1200">
-                <a:sym typeface="+mn-ea"/>
-              </a:rPr>
-              <a:t>模板消息运营规范</a:t>
-            </a:r>
-            <a:endParaRPr lang="zh-CN" altLang="en-US" sz="1200"/>
+              <a:rPr lang="en-US" altLang="zh-CN"/>
+              <a:t>https://api.weixin.qq.com/sns/oauth2/access_token?appid=APPID&amp;secret=SECRET&amp;code=CODE&amp;grant_type=authorization_code</a:t>
+            </a:r>
+            <a:endParaRPr lang="en-US" altLang="zh-CN"/>
           </a:p>
           <a:p>
             <a:pPr lvl="2"/>
             <a:r>
-              <a:rPr lang="zh-CN" altLang="en-US" sz="1000">
-                <a:sym typeface="+mn-ea"/>
-              </a:rPr>
-              <a:t>https://developers.weixin.qq.com/doc/offiaccount/Message_Management/Template_Message_Operation_Specifications.html</a:t>
-            </a:r>
-            <a:endParaRPr lang="zh-CN" altLang="en-US" sz="1000"/>
-          </a:p>
-          <a:p>
-            <a:pPr lvl="1"/>
-            <a:r>
-              <a:rPr lang="zh-CN" altLang="en-US" sz="1200">
-                <a:sym typeface="+mn-ea"/>
-              </a:rPr>
-              <a:t>模板消息接口</a:t>
-            </a:r>
-            <a:endParaRPr lang="zh-CN" altLang="en-US" sz="1200"/>
-          </a:p>
-          <a:p>
-            <a:pPr lvl="2"/>
-            <a:r>
-              <a:rPr lang="zh-CN" altLang="en-US" sz="1000">
-                <a:sym typeface="+mn-ea"/>
-              </a:rPr>
-              <a:t>https://developers.weixin.qq.com/doc/offiaccount/Message_Management/Template_Message_Interface.html</a:t>
-            </a:r>
-            <a:endParaRPr lang="zh-CN" altLang="en-US" sz="1000">
-              <a:sym typeface="+mn-ea"/>
-            </a:endParaRPr>
-          </a:p>
-          <a:p>
-            <a:pPr lvl="2"/>
-            <a:r>
-              <a:rPr lang="zh-CN" altLang="en-US" sz="1000"/>
-              <a:t>https://mp.weixin.qq.com/advanced/tmplmsg?action=faq&amp;token=1723160200&amp;lang=zh_CN</a:t>
-            </a:r>
-            <a:endParaRPr lang="zh-CN" altLang="en-US" sz="1000"/>
-          </a:p>
-          <a:p>
-            <a:pPr lvl="2"/>
-            <a:r>
-              <a:rPr lang="zh-CN" altLang="en-US" sz="1000">
-                <a:sym typeface="+mn-ea"/>
-              </a:rPr>
-              <a:t>https://www.zhihu.com/question/48864270/answer/1157763869</a:t>
-            </a:r>
-            <a:endParaRPr lang="zh-CN" altLang="en-US" sz="1000">
-              <a:sym typeface="+mn-ea"/>
-            </a:endParaRPr>
-          </a:p>
-          <a:p>
-            <a:pPr lvl="2"/>
-            <a:r>
-              <a:rPr lang="zh-CN" altLang="en-US" sz="1000">
-                <a:sym typeface="+mn-ea"/>
-              </a:rPr>
-              <a:t>POST请求</a:t>
-            </a:r>
-            <a:endParaRPr lang="zh-CN" altLang="en-US" sz="1000">
-              <a:sym typeface="+mn-ea"/>
-            </a:endParaRPr>
-          </a:p>
-          <a:p>
-            <a:pPr lvl="3"/>
-            <a:r>
-              <a:rPr lang="zh-CN" altLang="en-US" sz="1000">
-                <a:sym typeface="+mn-ea"/>
-              </a:rPr>
-              <a:t>https://api.weixin.qq.com/cgi-bin/message/template/send?access_token=ACCESS_TOKEN</a:t>
-            </a:r>
-            <a:endParaRPr lang="zh-CN" altLang="en-US" sz="1000">
-              <a:sym typeface="+mn-ea"/>
-            </a:endParaRPr>
-          </a:p>
-          <a:p>
-            <a:pPr lvl="0"/>
-            <a:r>
-              <a:rPr lang="zh-CN" altLang="en-US" sz="1400">
-                <a:sym typeface="+mn-ea"/>
-              </a:rPr>
-              <a:t>开通步骤</a:t>
-            </a:r>
-            <a:endParaRPr lang="zh-CN" altLang="en-US" sz="1400"/>
-          </a:p>
-          <a:p>
-            <a:pPr lvl="1"/>
-            <a:r>
-              <a:rPr lang="zh-CN" altLang="en-US" sz="1200">
-                <a:sym typeface="+mn-ea"/>
-              </a:rPr>
-              <a:t>登录服务号</a:t>
-            </a:r>
-            <a:endParaRPr lang="zh-CN" altLang="en-US" sz="1200"/>
-          </a:p>
-          <a:p>
-            <a:pPr lvl="1"/>
-            <a:r>
-              <a:rPr lang="zh-CN" altLang="en-US" sz="1200">
-                <a:sym typeface="+mn-ea"/>
-              </a:rPr>
-              <a:t>功能</a:t>
-            </a:r>
-            <a:r>
-              <a:rPr lang="en-US" altLang="zh-CN" sz="1200">
-                <a:sym typeface="+mn-ea"/>
-              </a:rPr>
-              <a:t>-</a:t>
-            </a:r>
-            <a:r>
-              <a:rPr lang="zh-CN" altLang="en-US" sz="1200">
-                <a:sym typeface="+mn-ea"/>
-              </a:rPr>
-              <a:t>》添加功能插件</a:t>
-            </a:r>
-            <a:r>
-              <a:rPr lang="en-US" altLang="zh-CN" sz="1200">
-                <a:sym typeface="+mn-ea"/>
-              </a:rPr>
-              <a:t>-</a:t>
-            </a:r>
-            <a:r>
-              <a:rPr lang="zh-CN" altLang="en-US" sz="1200">
-                <a:sym typeface="+mn-ea"/>
-              </a:rPr>
-              <a:t>》模板消息</a:t>
-            </a:r>
-            <a:endParaRPr lang="zh-CN" altLang="en-US" sz="1200"/>
-          </a:p>
-          <a:p>
-            <a:pPr lvl="1"/>
-            <a:r>
-              <a:rPr lang="zh-CN" altLang="en-US" sz="1200">
-                <a:sym typeface="+mn-ea"/>
-              </a:rPr>
-              <a:t>申请开通模板消息接口</a:t>
-            </a:r>
-            <a:endParaRPr lang="zh-CN" altLang="en-US" sz="1200"/>
-          </a:p>
-          <a:p>
-            <a:pPr lvl="1"/>
-            <a:r>
-              <a:rPr lang="zh-CN" altLang="en-US" sz="1200">
-                <a:sym typeface="+mn-ea"/>
-              </a:rPr>
-              <a:t>审核需</a:t>
-            </a:r>
-            <a:r>
-              <a:rPr lang="en-US" altLang="zh-CN" sz="1200">
-                <a:sym typeface="+mn-ea"/>
-              </a:rPr>
-              <a:t>2~3</a:t>
-            </a:r>
-            <a:r>
-              <a:rPr lang="zh-CN" altLang="en-US" sz="1200">
-                <a:sym typeface="+mn-ea"/>
-              </a:rPr>
-              <a:t>天</a:t>
-            </a:r>
-            <a:endParaRPr lang="zh-CN" altLang="en-US" sz="1200">
-              <a:sym typeface="+mn-ea"/>
-            </a:endParaRPr>
-          </a:p>
-        </p:txBody>
-      </p:sp>
-      <p:pic>
-        <p:nvPicPr>
-          <p:cNvPr id="4" name="图片 3"/>
-          <p:cNvPicPr>
-            <a:picLocks noChangeAspect="1"/>
-          </p:cNvPicPr>
-          <p:nvPr/>
-        </p:nvPicPr>
-        <p:blipFill>
-          <a:blip r:embed="rId1"/>
-          <a:stretch>
-            <a:fillRect/>
-          </a:stretch>
-        </p:blipFill>
-        <p:spPr>
-          <a:xfrm>
-            <a:off x="7519670" y="1025525"/>
-            <a:ext cx="4454525" cy="5487670"/>
-          </a:xfrm>
-          <a:prstGeom prst="rect">
-            <a:avLst/>
-          </a:prstGeom>
-        </p:spPr>
-      </p:pic>
+              <a:rPr lang="zh-CN" altLang="en-US"/>
+              <a:t>该接口返回</a:t>
+            </a:r>
+            <a:r>
+              <a:rPr lang="en-US" altLang="zh-CN"/>
+              <a:t>openid</a:t>
+            </a:r>
+            <a:r>
+              <a:rPr lang="zh-CN" altLang="en-US"/>
+              <a:t>字段</a:t>
+            </a:r>
+            <a:endParaRPr lang="zh-CN" altLang="en-US"/>
+          </a:p>
+        </p:txBody>
+      </p:sp>
     </p:spTree>
     <p:custDataLst>
-      <p:tags r:id="rId2"/>
+      <p:tags r:id="rId1"/>
     </p:custDataLst>
   </p:cSld>
   <p:clrMapOvr>
@@ -10495,7 +10291,7 @@
       <p:grpSpPr/>
       <p:sp>
         <p:nvSpPr>
-          <p:cNvPr id="4" name="标题 3"/>
+          <p:cNvPr id="2" name="标题 1"/>
           <p:cNvSpPr>
             <a:spLocks noGrp="1"/>
           </p:cNvSpPr>
@@ -10509,11 +10305,7 @@
           <a:p>
             <a:r>
               <a:rPr lang="zh-CN" altLang="en-US"/>
-              <a:t>公众号</a:t>
-            </a:r>
-            <a:r>
-              <a:rPr lang="zh-CN" altLang="en-US"/>
-              <a:t>开发</a:t>
+              <a:t>发送模板消息</a:t>
             </a:r>
             <a:endParaRPr lang="zh-CN" altLang="en-US"/>
           </a:p>
@@ -10521,25 +10313,286 @@
       </p:sp>
       <p:sp>
         <p:nvSpPr>
-          <p:cNvPr id="5" name="文本占位符 4"/>
+          <p:cNvPr id="3" name="内容占位符 2"/>
           <p:cNvSpPr>
             <a:spLocks noGrp="1"/>
           </p:cNvSpPr>
           <p:nvPr>
-            <p:ph type="body" idx="1"/>
+            <p:ph idx="1"/>
           </p:nvPr>
         </p:nvSpPr>
-        <p:spPr/>
-        <p:txBody>
-          <a:bodyPr/>
-          <a:p>
-            <a:endParaRPr lang="zh-CN" altLang="en-US"/>
-          </a:p>
-        </p:txBody>
-      </p:sp>
+        <p:spPr>
+          <a:xfrm>
+            <a:off x="838200" y="1211580"/>
+            <a:ext cx="6384925" cy="4549140"/>
+          </a:xfrm>
+        </p:spPr>
+        <p:txBody>
+          <a:bodyPr>
+            <a:noAutofit/>
+          </a:bodyPr>
+          <a:p>
+            <a:r>
+              <a:rPr lang="zh-CN" altLang="en-US" sz="1400"/>
+              <a:t>步骤</a:t>
+            </a:r>
+            <a:endParaRPr lang="zh-CN" altLang="en-US" sz="1400"/>
+          </a:p>
+          <a:p>
+            <a:pPr lvl="1"/>
+            <a:r>
+              <a:rPr lang="en-US" altLang="zh-CN" sz="1200"/>
+              <a:t>POST </a:t>
+            </a:r>
+            <a:r>
+              <a:rPr lang="zh-CN" altLang="en-US" sz="1200"/>
+              <a:t>https://api.weixin.qq.com/cgi-bin/message/template/send?access_token=ACCESS_TOKEN</a:t>
+            </a:r>
+            <a:endParaRPr lang="zh-CN" altLang="en-US" sz="1200"/>
+          </a:p>
+          <a:p>
+            <a:pPr lvl="0"/>
+            <a:r>
+              <a:rPr lang="zh-CN" altLang="en-US" sz="1400">
+                <a:sym typeface="+mn-ea"/>
+              </a:rPr>
+              <a:t>概要</a:t>
+            </a:r>
+            <a:endParaRPr lang="zh-CN" altLang="en-US" sz="1400"/>
+          </a:p>
+          <a:p>
+            <a:pPr lvl="1"/>
+            <a:r>
+              <a:rPr lang="zh-CN" altLang="en-US" sz="1200">
+                <a:sym typeface="+mn-ea"/>
+              </a:rPr>
+              <a:t>认证的微信服务号发送模板消息通知</a:t>
+            </a:r>
+            <a:endParaRPr lang="zh-CN" altLang="en-US" sz="1200"/>
+          </a:p>
+          <a:p>
+            <a:pPr lvl="1"/>
+            <a:r>
+              <a:rPr lang="zh-CN" altLang="en-US" sz="1200">
+                <a:sym typeface="+mn-ea"/>
+              </a:rPr>
+              <a:t>各类型公众号权限</a:t>
+            </a:r>
+            <a:endParaRPr lang="zh-CN" altLang="en-US" sz="1200"/>
+          </a:p>
+          <a:p>
+            <a:pPr lvl="2"/>
+            <a:r>
+              <a:rPr lang="zh-CN" altLang="en-US" sz="1000">
+                <a:sym typeface="+mn-ea"/>
+              </a:rPr>
+              <a:t>https://developers.weixin.qq.com/doc/offiaccount/Getting_Started/Explanation_of_interface_privileges.html</a:t>
+            </a:r>
+            <a:endParaRPr lang="zh-CN" altLang="en-US" sz="1000"/>
+          </a:p>
+          <a:p>
+            <a:pPr lvl="1"/>
+            <a:r>
+              <a:rPr lang="zh-CN" altLang="en-US" sz="1200">
+                <a:sym typeface="+mn-ea"/>
+              </a:rPr>
+              <a:t>模板消息运营规范</a:t>
+            </a:r>
+            <a:endParaRPr lang="zh-CN" altLang="en-US" sz="1200"/>
+          </a:p>
+          <a:p>
+            <a:pPr lvl="2"/>
+            <a:r>
+              <a:rPr lang="zh-CN" altLang="en-US" sz="1000">
+                <a:sym typeface="+mn-ea"/>
+              </a:rPr>
+              <a:t>https://developers.weixin.qq.com/doc/offiaccount/Message_Management/Template_Message_Operation_Specifications.html</a:t>
+            </a:r>
+            <a:endParaRPr lang="zh-CN" altLang="en-US" sz="1000"/>
+          </a:p>
+          <a:p>
+            <a:pPr lvl="1"/>
+            <a:r>
+              <a:rPr lang="zh-CN" altLang="en-US" sz="1200">
+                <a:sym typeface="+mn-ea"/>
+              </a:rPr>
+              <a:t>模板消息接口</a:t>
+            </a:r>
+            <a:endParaRPr lang="zh-CN" altLang="en-US" sz="1200"/>
+          </a:p>
+          <a:p>
+            <a:pPr lvl="2"/>
+            <a:r>
+              <a:rPr lang="zh-CN" altLang="en-US" sz="1000">
+                <a:sym typeface="+mn-ea"/>
+              </a:rPr>
+              <a:t>https://developers.weixin.qq.com/doc/offiaccount/Message_Management/Template_Message_Interface.html</a:t>
+            </a:r>
+            <a:endParaRPr lang="zh-CN" altLang="en-US" sz="1000">
+              <a:sym typeface="+mn-ea"/>
+            </a:endParaRPr>
+          </a:p>
+          <a:p>
+            <a:pPr lvl="2"/>
+            <a:r>
+              <a:rPr lang="zh-CN" altLang="en-US" sz="1000"/>
+              <a:t>https://mp.weixin.qq.com/advanced/tmplmsg?action=faq&amp;token=1723160200&amp;lang=zh_CN</a:t>
+            </a:r>
+            <a:endParaRPr lang="zh-CN" altLang="en-US" sz="1000"/>
+          </a:p>
+          <a:p>
+            <a:pPr lvl="2"/>
+            <a:r>
+              <a:rPr lang="zh-CN" altLang="en-US" sz="1000">
+                <a:sym typeface="+mn-ea"/>
+              </a:rPr>
+              <a:t>https://www.zhihu.com/question/48864270/answer/1157763869</a:t>
+            </a:r>
+            <a:endParaRPr lang="zh-CN" altLang="en-US" sz="1000">
+              <a:sym typeface="+mn-ea"/>
+            </a:endParaRPr>
+          </a:p>
+          <a:p>
+            <a:pPr lvl="2"/>
+            <a:r>
+              <a:rPr lang="zh-CN" altLang="en-US" sz="1000">
+                <a:sym typeface="+mn-ea"/>
+              </a:rPr>
+              <a:t>POST请求</a:t>
+            </a:r>
+            <a:endParaRPr lang="zh-CN" altLang="en-US" sz="1000">
+              <a:sym typeface="+mn-ea"/>
+            </a:endParaRPr>
+          </a:p>
+          <a:p>
+            <a:pPr lvl="3"/>
+            <a:r>
+              <a:rPr lang="zh-CN" altLang="en-US" sz="1000">
+                <a:sym typeface="+mn-ea"/>
+              </a:rPr>
+              <a:t>https://api.weixin.qq.com/cgi-bin/message/template/send?access_token=ACCESS_TOKEN</a:t>
+            </a:r>
+            <a:endParaRPr lang="zh-CN" altLang="en-US" sz="1000">
+              <a:sym typeface="+mn-ea"/>
+            </a:endParaRPr>
+          </a:p>
+          <a:p>
+            <a:pPr lvl="0"/>
+            <a:r>
+              <a:rPr lang="zh-CN" altLang="en-US" sz="1400">
+                <a:sym typeface="+mn-ea"/>
+              </a:rPr>
+              <a:t>开通步骤</a:t>
+            </a:r>
+            <a:endParaRPr lang="zh-CN" altLang="en-US" sz="1400"/>
+          </a:p>
+          <a:p>
+            <a:pPr lvl="1"/>
+            <a:r>
+              <a:rPr lang="zh-CN" altLang="en-US" sz="1200">
+                <a:sym typeface="+mn-ea"/>
+              </a:rPr>
+              <a:t>登录服务号</a:t>
+            </a:r>
+            <a:endParaRPr lang="zh-CN" altLang="en-US" sz="1200"/>
+          </a:p>
+          <a:p>
+            <a:pPr lvl="1"/>
+            <a:r>
+              <a:rPr lang="zh-CN" altLang="en-US" sz="1200">
+                <a:sym typeface="+mn-ea"/>
+              </a:rPr>
+              <a:t>功能</a:t>
+            </a:r>
+            <a:r>
+              <a:rPr lang="en-US" altLang="zh-CN" sz="1200">
+                <a:sym typeface="+mn-ea"/>
+              </a:rPr>
+              <a:t>-</a:t>
+            </a:r>
+            <a:r>
+              <a:rPr lang="zh-CN" altLang="en-US" sz="1200">
+                <a:sym typeface="+mn-ea"/>
+              </a:rPr>
+              <a:t>》添加功能插件</a:t>
+            </a:r>
+            <a:r>
+              <a:rPr lang="en-US" altLang="zh-CN" sz="1200">
+                <a:sym typeface="+mn-ea"/>
+              </a:rPr>
+              <a:t>-</a:t>
+            </a:r>
+            <a:r>
+              <a:rPr lang="zh-CN" altLang="en-US" sz="1200">
+                <a:sym typeface="+mn-ea"/>
+              </a:rPr>
+              <a:t>》模板消息</a:t>
+            </a:r>
+            <a:endParaRPr lang="zh-CN" altLang="en-US" sz="1200"/>
+          </a:p>
+          <a:p>
+            <a:pPr lvl="1"/>
+            <a:r>
+              <a:rPr lang="zh-CN" altLang="en-US" sz="1200">
+                <a:sym typeface="+mn-ea"/>
+              </a:rPr>
+              <a:t>申请开通模板消息接口</a:t>
+            </a:r>
+            <a:endParaRPr lang="zh-CN" altLang="en-US" sz="1200"/>
+          </a:p>
+          <a:p>
+            <a:pPr lvl="1"/>
+            <a:r>
+              <a:rPr lang="zh-CN" altLang="en-US" sz="1200">
+                <a:sym typeface="+mn-ea"/>
+              </a:rPr>
+              <a:t>审核需</a:t>
+            </a:r>
+            <a:r>
+              <a:rPr lang="en-US" altLang="zh-CN" sz="1200">
+                <a:sym typeface="+mn-ea"/>
+              </a:rPr>
+              <a:t>2~3</a:t>
+            </a:r>
+            <a:r>
+              <a:rPr lang="zh-CN" altLang="en-US" sz="1200">
+                <a:sym typeface="+mn-ea"/>
+              </a:rPr>
+              <a:t>天</a:t>
+            </a:r>
+            <a:endParaRPr lang="zh-CN" altLang="en-US" sz="1200">
+              <a:sym typeface="+mn-ea"/>
+            </a:endParaRPr>
+          </a:p>
+        </p:txBody>
+      </p:sp>
+      <p:pic>
+        <p:nvPicPr>
+          <p:cNvPr id="4" name="图片 3"/>
+          <p:cNvPicPr>
+            <a:picLocks noChangeAspect="1"/>
+          </p:cNvPicPr>
+          <p:nvPr/>
+        </p:nvPicPr>
+        <p:blipFill>
+          <a:blip r:embed="rId1"/>
+          <a:stretch>
+            <a:fillRect/>
+          </a:stretch>
+        </p:blipFill>
+        <p:spPr>
+          <a:xfrm>
+            <a:off x="7519670" y="1025525"/>
+            <a:ext cx="4454525" cy="5487670"/>
+          </a:xfrm>
+          <a:prstGeom prst="rect">
+            <a:avLst/>
+          </a:prstGeom>
+        </p:spPr>
+      </p:pic>
     </p:spTree>
     <p:custDataLst>
-      <p:tags r:id="rId1"/>
+      <p:tags r:id="rId2"/>
     </p:custDataLst>
   </p:cSld>
   <p:clrMapOvr>
@@ -10574,11 +10627,11 @@
           <a:p>
             <a:r>
               <a:rPr lang="zh-CN" altLang="en-US"/>
-              <a:t>基本</a:t>
+              <a:t>公众号</a:t>
             </a:r>
             <a:r>
               <a:rPr lang="zh-CN" altLang="en-US"/>
-              <a:t>信息</a:t>
+              <a:t>开发</a:t>
             </a:r>
             <a:endParaRPr lang="zh-CN" altLang="en-US"/>
           </a:p>
@@ -10586,139 +10639,25 @@
       </p:sp>
       <p:sp>
         <p:nvSpPr>
-          <p:cNvPr id="5" name="内容占位符 4"/>
+          <p:cNvPr id="5" name="文本占位符 4"/>
           <p:cNvSpPr>
             <a:spLocks noGrp="1"/>
           </p:cNvSpPr>
           <p:nvPr>
-            <p:ph idx="1"/>
+            <p:ph type="body" idx="1"/>
           </p:nvPr>
         </p:nvSpPr>
-        <p:spPr>
-          <a:xfrm>
-            <a:off x="838200" y="1211580"/>
-            <a:ext cx="6648450" cy="4549140"/>
-          </a:xfrm>
-        </p:spPr>
-        <p:txBody>
-          <a:bodyPr>
-            <a:normAutofit lnSpcReduction="20000"/>
-          </a:bodyPr>
-          <a:p>
-            <a:r>
-              <a:rPr lang="zh-CN" altLang="en-US"/>
-              <a:t>参考</a:t>
-            </a:r>
+        <p:spPr/>
+        <p:txBody>
+          <a:bodyPr/>
+          <a:p>
             <a:endParaRPr lang="zh-CN" altLang="en-US"/>
           </a:p>
-          <a:p>
-            <a:pPr lvl="1"/>
-            <a:r>
-              <a:rPr lang="zh-CN" altLang="en-US"/>
-              <a:t>https://developers.weixin.qq.com/doc/offiaccount/Basic_Information/Access_Overview.html</a:t>
-            </a:r>
-            <a:endParaRPr lang="zh-CN" altLang="en-US"/>
-          </a:p>
-          <a:p>
-            <a:r>
-              <a:rPr lang="zh-CN" altLang="en-US"/>
-              <a:t>基础</a:t>
-            </a:r>
-            <a:endParaRPr lang="zh-CN" altLang="en-US"/>
-          </a:p>
-          <a:p>
-            <a:pPr lvl="1"/>
-            <a:r>
-              <a:rPr lang="zh-CN" altLang="en-US"/>
-              <a:t>公众平台接口调用仅支持80端口。</a:t>
-            </a:r>
-            <a:endParaRPr lang="zh-CN" altLang="en-US"/>
-          </a:p>
-          <a:p>
-            <a:pPr lvl="1"/>
-            <a:r>
-              <a:rPr lang="en-US" altLang="zh-CN"/>
-              <a:t>appid</a:t>
-            </a:r>
-            <a:r>
-              <a:rPr lang="zh-CN" altLang="en-US"/>
-              <a:t>，</a:t>
-            </a:r>
-            <a:r>
-              <a:rPr lang="en-US" altLang="zh-CN"/>
-              <a:t>appsecret</a:t>
-            </a:r>
-            <a:endParaRPr lang="en-US" altLang="zh-CN"/>
-          </a:p>
-          <a:p>
-            <a:pPr lvl="1"/>
-            <a:r>
-              <a:rPr lang="en-US" altLang="zh-CN"/>
-              <a:t>IP</a:t>
-            </a:r>
-            <a:r>
-              <a:rPr lang="zh-CN" altLang="en-US"/>
-              <a:t>白名单</a:t>
-            </a:r>
-            <a:endParaRPr lang="zh-CN" altLang="en-US"/>
-          </a:p>
-          <a:p>
-            <a:pPr lvl="1"/>
-            <a:r>
-              <a:rPr lang="zh-CN" altLang="en-US"/>
-              <a:t>网页授权</a:t>
-            </a:r>
-            <a:endParaRPr lang="zh-CN" altLang="en-US"/>
-          </a:p>
-          <a:p>
-            <a:pPr lvl="2"/>
-            <a:r>
-              <a:rPr lang="zh-CN" altLang="en-US"/>
-              <a:t>https://developers.weixin.qq.com/doc/offiaccount/OA_Web_Apps/Wechat_webpage_authorization.html</a:t>
-            </a:r>
-            <a:endParaRPr lang="zh-CN" altLang="en-US"/>
-          </a:p>
-          <a:p>
-            <a:pPr lvl="2"/>
-            <a:r>
-              <a:rPr lang="zh-CN" altLang="en-US"/>
-              <a:t>开发 - 接口权限 - 网页服务 - 网页帐号 - 网页授权获取用户基本信息，修改回调</a:t>
-            </a:r>
-            <a:r>
-              <a:rPr lang="zh-CN" altLang="en-US"/>
-              <a:t>域名</a:t>
-            </a:r>
-            <a:endParaRPr lang="zh-CN" altLang="en-US"/>
-          </a:p>
-        </p:txBody>
-      </p:sp>
-      <p:pic>
-        <p:nvPicPr>
-          <p:cNvPr id="6" name="图片 5"/>
-          <p:cNvPicPr>
-            <a:picLocks noChangeAspect="1"/>
-          </p:cNvPicPr>
-          <p:nvPr/>
-        </p:nvPicPr>
-        <p:blipFill>
-          <a:blip r:embed="rId1"/>
-          <a:stretch>
-            <a:fillRect/>
-          </a:stretch>
-        </p:blipFill>
-        <p:spPr>
-          <a:xfrm>
-            <a:off x="7304405" y="1158875"/>
-            <a:ext cx="4674235" cy="2334895"/>
-          </a:xfrm>
-          <a:prstGeom prst="rect">
-            <a:avLst/>
-          </a:prstGeom>
-        </p:spPr>
-      </p:pic>
+        </p:txBody>
+      </p:sp>
     </p:spTree>
     <p:custDataLst>
-      <p:tags r:id="rId2"/>
+      <p:tags r:id="rId1"/>
     </p:custDataLst>
   </p:cSld>
   <p:clrMapOvr>
@@ -10818,7 +10757,7 @@
       <p:grpSpPr/>
       <p:sp>
         <p:nvSpPr>
-          <p:cNvPr id="2" name="标题 1"/>
+          <p:cNvPr id="4" name="标题 3"/>
           <p:cNvSpPr>
             <a:spLocks noGrp="1"/>
           </p:cNvSpPr>
@@ -10832,19 +10771,19 @@
           <a:p>
             <a:r>
               <a:rPr lang="zh-CN" altLang="en-US"/>
-              <a:t>获取</a:t>
-            </a:r>
-            <a:r>
-              <a:rPr lang="en-US" altLang="zh-CN"/>
-              <a:t>OpenId</a:t>
-            </a:r>
-            <a:endParaRPr lang="en-US" altLang="zh-CN"/>
-          </a:p>
-        </p:txBody>
-      </p:sp>
-      <p:sp>
-        <p:nvSpPr>
-          <p:cNvPr id="3" name="内容占位符 2"/>
+              <a:t>基本</a:t>
+            </a:r>
+            <a:r>
+              <a:rPr lang="zh-CN" altLang="en-US"/>
+              <a:t>信息</a:t>
+            </a:r>
+            <a:endParaRPr lang="zh-CN" altLang="en-US"/>
+          </a:p>
+        </p:txBody>
+      </p:sp>
+      <p:sp>
+        <p:nvSpPr>
+          <p:cNvPr id="5" name="内容占位符 4"/>
           <p:cNvSpPr>
             <a:spLocks noGrp="1"/>
           </p:cNvSpPr>
@@ -10855,12 +10794,12 @@
         <p:spPr>
           <a:xfrm>
             <a:off x="838200" y="1211580"/>
-            <a:ext cx="5575935" cy="4843780"/>
+            <a:ext cx="6648450" cy="4549140"/>
           </a:xfrm>
         </p:spPr>
         <p:txBody>
           <a:bodyPr>
-            <a:normAutofit fontScale="60000"/>
+            <a:normAutofit lnSpcReduction="20000"/>
           </a:bodyPr>
           <a:p>
             <a:r>
@@ -10873,15 +10812,14 @@
             <a:pPr lvl="1"/>
             <a:r>
               <a:rPr lang="zh-CN" altLang="en-US"/>
-              <a:t>https://www.jianshu.com/p/b7e2100b56e4</a:t>
+              <a:t>https://developers.weixin.qq.com/doc/offiaccount/Basic_Information/Access_Overview.html</a:t>
             </a:r>
             <a:endParaRPr lang="zh-CN" altLang="en-US"/>
           </a:p>
           <a:p>
-            <a:pPr lvl="0"/>
             <a:r>
               <a:rPr lang="zh-CN" altLang="en-US"/>
-              <a:t>概念</a:t>
+              <a:t>基础</a:t>
             </a:r>
             <a:endParaRPr lang="zh-CN" altLang="en-US"/>
           </a:p>
@@ -10889,7 +10827,7 @@
             <a:pPr lvl="1"/>
             <a:r>
               <a:rPr lang="zh-CN" altLang="en-US"/>
-              <a:t>openId：用户在当前公众号下的唯一标识</a:t>
+              <a:t>公众平台接口调用仅支持80端口。</a:t>
             </a:r>
             <a:endParaRPr lang="zh-CN" altLang="en-US"/>
           </a:p>
@@ -10897,159 +10835,55 @@
             <a:pPr lvl="1"/>
             <a:r>
               <a:rPr lang="en-US" altLang="zh-CN"/>
-              <a:t>unionId</a:t>
+              <a:t>appid</a:t>
             </a:r>
             <a:r>
               <a:rPr lang="zh-CN" altLang="en-US"/>
-              <a:t>：同一用户，对同一微信开放平台下的不同应用（移动应用、网站应用和公众帐号），unionid是相同的</a:t>
+              <a:t>，</a:t>
+            </a:r>
+            <a:r>
+              <a:rPr lang="en-US" altLang="zh-CN"/>
+              <a:t>appsecret</a:t>
+            </a:r>
+            <a:endParaRPr lang="en-US" altLang="zh-CN"/>
+          </a:p>
+          <a:p>
+            <a:pPr lvl="1"/>
+            <a:r>
+              <a:rPr lang="en-US" altLang="zh-CN"/>
+              <a:t>IP</a:t>
+            </a:r>
+            <a:r>
+              <a:rPr lang="zh-CN" altLang="en-US"/>
+              <a:t>白名单</a:t>
             </a:r>
             <a:endParaRPr lang="zh-CN" altLang="en-US"/>
           </a:p>
           <a:p>
-            <a:pPr lvl="0"/>
+            <a:pPr lvl="1"/>
             <a:r>
               <a:rPr lang="zh-CN" altLang="en-US"/>
-              <a:t>获取步骤</a:t>
+              <a:t>网页授权</a:t>
             </a:r>
             <a:endParaRPr lang="zh-CN" altLang="en-US"/>
           </a:p>
           <a:p>
-            <a:pPr lvl="1"/>
+            <a:pPr lvl="2"/>
             <a:r>
               <a:rPr lang="zh-CN" altLang="en-US"/>
-              <a:t>前端调用微信</a:t>
-            </a:r>
-            <a:r>
-              <a:rPr lang="en-US" altLang="zh-CN"/>
-              <a:t>authorize</a:t>
-            </a:r>
+              <a:t>https://developers.weixin.qq.com/doc/offiaccount/OA_Web_Apps/Wechat_webpage_authorization.html</a:t>
+            </a:r>
+            <a:endParaRPr lang="zh-CN" altLang="en-US"/>
+          </a:p>
+          <a:p>
+            <a:pPr lvl="2"/>
             <a:r>
               <a:rPr lang="zh-CN" altLang="en-US"/>
-              <a:t>接口获取</a:t>
-            </a:r>
-            <a:r>
-              <a:rPr lang="en-US" altLang="zh-CN"/>
-              <a:t>code</a:t>
-            </a:r>
-            <a:endParaRPr lang="en-US" altLang="zh-CN"/>
-          </a:p>
-          <a:p>
-            <a:pPr lvl="2"/>
+              <a:t>开发 - 接口权限 - 网页服务 - 网页帐号 - 网页授权获取用户基本信息，修改回调</a:t>
+            </a:r>
             <a:r>
               <a:rPr lang="zh-CN" altLang="en-US"/>
-              <a:t>https://open.weixin.qq.com/connect/oauth2/authorize?appid=' + window.APPID + '&amp;redirect_uri=' + encodeURIComponent(local) + '&amp;response_type=code&amp;scope=snsapi_</a:t>
-            </a:r>
-            <a:r>
-              <a:rPr lang="en-US" altLang="zh-CN"/>
-              <a:t>base</a:t>
-            </a:r>
-            <a:r>
-              <a:rPr lang="zh-CN" altLang="en-US"/>
-              <a:t>&amp;state=1#wechat_redirect'</a:t>
-            </a:r>
-            <a:endParaRPr lang="zh-CN" altLang="en-US"/>
-          </a:p>
-          <a:p>
-            <a:pPr lvl="1"/>
-            <a:r>
-              <a:rPr lang="zh-CN" altLang="en-US"/>
-              <a:t>前端将</a:t>
-            </a:r>
-            <a:r>
-              <a:rPr lang="en-US" altLang="zh-CN"/>
-              <a:t>code</a:t>
-            </a:r>
-            <a:r>
-              <a:rPr lang="zh-CN" altLang="en-US"/>
-              <a:t>发送给</a:t>
-            </a:r>
-            <a:r>
-              <a:rPr lang="zh-CN" altLang="en-US"/>
-              <a:t>后端</a:t>
-            </a:r>
-            <a:endParaRPr lang="zh-CN" altLang="en-US"/>
-          </a:p>
-          <a:p>
-            <a:pPr lvl="1"/>
-            <a:r>
-              <a:rPr lang="zh-CN" altLang="en-US"/>
-              <a:t>后端调用微信</a:t>
-            </a:r>
-            <a:r>
-              <a:rPr lang="en-US" altLang="zh-CN"/>
-              <a:t>access_token</a:t>
-            </a:r>
-            <a:r>
-              <a:rPr lang="zh-CN" altLang="en-US"/>
-              <a:t>接口获取</a:t>
-            </a:r>
-            <a:r>
-              <a:rPr lang="en-US" altLang="zh-CN"/>
-              <a:t>openid</a:t>
-            </a:r>
-            <a:endParaRPr lang="zh-CN" altLang="en-US"/>
-          </a:p>
-          <a:p>
-            <a:pPr lvl="2"/>
-            <a:r>
-              <a:rPr lang="zh-CN" altLang="en-US"/>
-              <a:t>https://api.weixin.qq.com/sns/oauth2/access_token?appid=APPID&amp;secret=SECRET&amp;code=CODE&amp;grant_type=authorization_code</a:t>
-            </a:r>
-            <a:endParaRPr lang="zh-CN" altLang="en-US"/>
-          </a:p>
-          <a:p>
-            <a:pPr lvl="0"/>
-            <a:r>
-              <a:rPr lang="zh-CN" altLang="en-US"/>
-              <a:t>常见</a:t>
-            </a:r>
-            <a:r>
-              <a:rPr lang="zh-CN" altLang="en-US"/>
-              <a:t>问题</a:t>
-            </a:r>
-            <a:endParaRPr lang="zh-CN" altLang="en-US"/>
-          </a:p>
-          <a:p>
-            <a:pPr lvl="1"/>
-            <a:r>
-              <a:rPr lang="zh-CN" altLang="en-US"/>
-              <a:t>同一微信号每次获取的</a:t>
-            </a:r>
-            <a:r>
-              <a:rPr lang="en-US" altLang="zh-CN"/>
-              <a:t>code</a:t>
-            </a:r>
-            <a:r>
-              <a:rPr lang="zh-CN" altLang="en-US"/>
-              <a:t>不同</a:t>
-            </a:r>
-            <a:endParaRPr lang="zh-CN" altLang="en-US"/>
-          </a:p>
-          <a:p>
-            <a:pPr lvl="1"/>
-            <a:r>
-              <a:rPr lang="zh-CN" altLang="en-US"/>
-              <a:t>同一</a:t>
-            </a:r>
-            <a:r>
-              <a:rPr lang="en-US" altLang="zh-CN"/>
-              <a:t>code</a:t>
-            </a:r>
-            <a:r>
-              <a:rPr lang="zh-CN" altLang="en-US"/>
-              <a:t>只能获取一次</a:t>
-            </a:r>
-            <a:r>
-              <a:rPr lang="en-US" altLang="zh-CN"/>
-              <a:t>openid</a:t>
-            </a:r>
-            <a:r>
-              <a:rPr lang="zh-CN" altLang="en-US"/>
-              <a:t>，第二次获取会返回</a:t>
-            </a:r>
-            <a:r>
-              <a:rPr lang="zh-CN" altLang="en-US"/>
-              <a:t>错误</a:t>
+              <a:t>域名</a:t>
             </a:r>
             <a:endParaRPr lang="zh-CN" altLang="en-US"/>
           </a:p>
@@ -11057,7 +10891,7 @@
       </p:sp>
       <p:pic>
         <p:nvPicPr>
-          <p:cNvPr id="4" name="图片 3"/>
+          <p:cNvPr id="6" name="图片 5"/>
           <p:cNvPicPr>
             <a:picLocks noChangeAspect="1"/>
           </p:cNvPicPr>
@@ -11071,8 +10905,8 @@
         </p:blipFill>
         <p:spPr>
           <a:xfrm>
-            <a:off x="6468110" y="914400"/>
-            <a:ext cx="5723890" cy="4898390"/>
+            <a:off x="7304405" y="1158875"/>
+            <a:ext cx="4674235" cy="2334895"/>
           </a:xfrm>
           <a:prstGeom prst="rect">
             <a:avLst/>
@@ -11102,6 +10936,290 @@
       <p:grpSpPr/>
       <p:sp>
         <p:nvSpPr>
+          <p:cNvPr id="2" name="标题 1"/>
+          <p:cNvSpPr>
+            <a:spLocks noGrp="1"/>
+          </p:cNvSpPr>
+          <p:nvPr>
+            <p:ph type="title"/>
+          </p:nvPr>
+        </p:nvSpPr>
+        <p:spPr/>
+        <p:txBody>
+          <a:bodyPr/>
+          <a:p>
+            <a:r>
+              <a:rPr lang="zh-CN" altLang="en-US"/>
+              <a:t>获取</a:t>
+            </a:r>
+            <a:r>
+              <a:rPr lang="en-US" altLang="zh-CN"/>
+              <a:t>OpenId</a:t>
+            </a:r>
+            <a:endParaRPr lang="en-US" altLang="zh-CN"/>
+          </a:p>
+        </p:txBody>
+      </p:sp>
+      <p:sp>
+        <p:nvSpPr>
+          <p:cNvPr id="3" name="内容占位符 2"/>
+          <p:cNvSpPr>
+            <a:spLocks noGrp="1"/>
+          </p:cNvSpPr>
+          <p:nvPr>
+            <p:ph idx="1"/>
+          </p:nvPr>
+        </p:nvSpPr>
+        <p:spPr>
+          <a:xfrm>
+            <a:off x="838200" y="1211580"/>
+            <a:ext cx="5575935" cy="4843780"/>
+          </a:xfrm>
+        </p:spPr>
+        <p:txBody>
+          <a:bodyPr>
+            <a:normAutofit fontScale="60000"/>
+          </a:bodyPr>
+          <a:p>
+            <a:r>
+              <a:rPr lang="zh-CN" altLang="en-US"/>
+              <a:t>参考</a:t>
+            </a:r>
+            <a:endParaRPr lang="zh-CN" altLang="en-US"/>
+          </a:p>
+          <a:p>
+            <a:pPr lvl="1"/>
+            <a:r>
+              <a:rPr lang="zh-CN" altLang="en-US"/>
+              <a:t>https://www.jianshu.com/p/b7e2100b56e4</a:t>
+            </a:r>
+            <a:endParaRPr lang="zh-CN" altLang="en-US"/>
+          </a:p>
+          <a:p>
+            <a:pPr lvl="0"/>
+            <a:r>
+              <a:rPr lang="zh-CN" altLang="en-US"/>
+              <a:t>概念</a:t>
+            </a:r>
+            <a:endParaRPr lang="zh-CN" altLang="en-US"/>
+          </a:p>
+          <a:p>
+            <a:pPr lvl="1"/>
+            <a:r>
+              <a:rPr lang="zh-CN" altLang="en-US"/>
+              <a:t>openId：用户在当前公众号下的唯一标识</a:t>
+            </a:r>
+            <a:endParaRPr lang="zh-CN" altLang="en-US"/>
+          </a:p>
+          <a:p>
+            <a:pPr lvl="1"/>
+            <a:r>
+              <a:rPr lang="en-US" altLang="zh-CN"/>
+              <a:t>unionId</a:t>
+            </a:r>
+            <a:r>
+              <a:rPr lang="zh-CN" altLang="en-US"/>
+              <a:t>：同一用户，对同一微信开放平台下的不同应用（移动应用、网站应用和公众帐号），unionid是相同的</a:t>
+            </a:r>
+            <a:endParaRPr lang="zh-CN" altLang="en-US"/>
+          </a:p>
+          <a:p>
+            <a:pPr lvl="0"/>
+            <a:r>
+              <a:rPr lang="zh-CN" altLang="en-US"/>
+              <a:t>获取步骤</a:t>
+            </a:r>
+            <a:endParaRPr lang="zh-CN" altLang="en-US"/>
+          </a:p>
+          <a:p>
+            <a:pPr lvl="1"/>
+            <a:r>
+              <a:rPr lang="zh-CN" altLang="en-US"/>
+              <a:t>前端调用微信</a:t>
+            </a:r>
+            <a:r>
+              <a:rPr lang="en-US" altLang="zh-CN"/>
+              <a:t>authorize</a:t>
+            </a:r>
+            <a:r>
+              <a:rPr lang="zh-CN" altLang="en-US"/>
+              <a:t>接口获取</a:t>
+            </a:r>
+            <a:r>
+              <a:rPr lang="en-US" altLang="zh-CN"/>
+              <a:t>code</a:t>
+            </a:r>
+            <a:endParaRPr lang="en-US" altLang="zh-CN"/>
+          </a:p>
+          <a:p>
+            <a:pPr lvl="2"/>
+            <a:r>
+              <a:rPr lang="zh-CN" altLang="en-US"/>
+              <a:t>https://open.weixin.qq.com/connect/oauth2/authorize?appid=' + window.APPID + '&amp;redirect_uri=' + encodeURIComponent(local) + '&amp;response_type=code&amp;scope=snsapi_</a:t>
+            </a:r>
+            <a:r>
+              <a:rPr lang="en-US" altLang="zh-CN"/>
+              <a:t>base</a:t>
+            </a:r>
+            <a:r>
+              <a:rPr lang="zh-CN" altLang="en-US"/>
+              <a:t>&amp;state=1#wechat_redirect'</a:t>
+            </a:r>
+            <a:endParaRPr lang="zh-CN" altLang="en-US"/>
+          </a:p>
+          <a:p>
+            <a:pPr lvl="1"/>
+            <a:r>
+              <a:rPr lang="zh-CN" altLang="en-US"/>
+              <a:t>前端将</a:t>
+            </a:r>
+            <a:r>
+              <a:rPr lang="en-US" altLang="zh-CN"/>
+              <a:t>code</a:t>
+            </a:r>
+            <a:r>
+              <a:rPr lang="zh-CN" altLang="en-US"/>
+              <a:t>发送给</a:t>
+            </a:r>
+            <a:r>
+              <a:rPr lang="zh-CN" altLang="en-US"/>
+              <a:t>后端</a:t>
+            </a:r>
+            <a:endParaRPr lang="zh-CN" altLang="en-US"/>
+          </a:p>
+          <a:p>
+            <a:pPr lvl="1"/>
+            <a:r>
+              <a:rPr lang="zh-CN" altLang="en-US"/>
+              <a:t>后端调用微信</a:t>
+            </a:r>
+            <a:r>
+              <a:rPr lang="en-US" altLang="zh-CN"/>
+              <a:t>access_token</a:t>
+            </a:r>
+            <a:r>
+              <a:rPr lang="zh-CN" altLang="en-US"/>
+              <a:t>接口获取</a:t>
+            </a:r>
+            <a:r>
+              <a:rPr lang="en-US" altLang="zh-CN"/>
+              <a:t>openid</a:t>
+            </a:r>
+            <a:endParaRPr lang="zh-CN" altLang="en-US"/>
+          </a:p>
+          <a:p>
+            <a:pPr lvl="2"/>
+            <a:r>
+              <a:rPr lang="zh-CN" altLang="en-US"/>
+              <a:t>https://api.weixin.qq.com/sns/oauth2/access_token?appid=APPID&amp;secret=SECRET&amp;code=CODE&amp;grant_type=authorization_code</a:t>
+            </a:r>
+            <a:endParaRPr lang="zh-CN" altLang="en-US"/>
+          </a:p>
+          <a:p>
+            <a:pPr lvl="0"/>
+            <a:r>
+              <a:rPr lang="zh-CN" altLang="en-US"/>
+              <a:t>常见</a:t>
+            </a:r>
+            <a:r>
+              <a:rPr lang="zh-CN" altLang="en-US"/>
+              <a:t>问题</a:t>
+            </a:r>
+            <a:endParaRPr lang="zh-CN" altLang="en-US"/>
+          </a:p>
+          <a:p>
+            <a:pPr lvl="1"/>
+            <a:r>
+              <a:rPr lang="zh-CN" altLang="en-US"/>
+              <a:t>同一微信号每次获取的</a:t>
+            </a:r>
+            <a:r>
+              <a:rPr lang="en-US" altLang="zh-CN"/>
+              <a:t>code</a:t>
+            </a:r>
+            <a:r>
+              <a:rPr lang="zh-CN" altLang="en-US"/>
+              <a:t>不同</a:t>
+            </a:r>
+            <a:endParaRPr lang="zh-CN" altLang="en-US"/>
+          </a:p>
+          <a:p>
+            <a:pPr lvl="1"/>
+            <a:r>
+              <a:rPr lang="zh-CN" altLang="en-US"/>
+              <a:t>同一</a:t>
+            </a:r>
+            <a:r>
+              <a:rPr lang="en-US" altLang="zh-CN"/>
+              <a:t>code</a:t>
+            </a:r>
+            <a:r>
+              <a:rPr lang="zh-CN" altLang="en-US"/>
+              <a:t>只能获取一次</a:t>
+            </a:r>
+            <a:r>
+              <a:rPr lang="en-US" altLang="zh-CN"/>
+              <a:t>openid</a:t>
+            </a:r>
+            <a:r>
+              <a:rPr lang="zh-CN" altLang="en-US"/>
+              <a:t>，第二次获取会返回</a:t>
+            </a:r>
+            <a:r>
+              <a:rPr lang="zh-CN" altLang="en-US"/>
+              <a:t>错误</a:t>
+            </a:r>
+            <a:endParaRPr lang="zh-CN" altLang="en-US"/>
+          </a:p>
+        </p:txBody>
+      </p:sp>
+      <p:pic>
+        <p:nvPicPr>
+          <p:cNvPr id="4" name="图片 3"/>
+          <p:cNvPicPr>
+            <a:picLocks noChangeAspect="1"/>
+          </p:cNvPicPr>
+          <p:nvPr/>
+        </p:nvPicPr>
+        <p:blipFill>
+          <a:blip r:embed="rId1"/>
+          <a:stretch>
+            <a:fillRect/>
+          </a:stretch>
+        </p:blipFill>
+        <p:spPr>
+          <a:xfrm>
+            <a:off x="6468110" y="914400"/>
+            <a:ext cx="5723890" cy="4898390"/>
+          </a:xfrm>
+          <a:prstGeom prst="rect">
+            <a:avLst/>
+          </a:prstGeom>
+        </p:spPr>
+      </p:pic>
+    </p:spTree>
+    <p:custDataLst>
+      <p:tags r:id="rId2"/>
+    </p:custDataLst>
+  </p:cSld>
+  <p:clrMapOvr>
+    <a:masterClrMapping/>
+  </p:clrMapOvr>
+</p:sld>
+</file>
+
+<file path=ppt/slides/slide32.xml><?xml version="1.0" encoding="utf-8"?>
+<p:sld xmlns:a="http://schemas.openxmlformats.org/drawingml/2006/main" xmlns:r="http://schemas.openxmlformats.org/officeDocument/2006/relationships" xmlns:p="http://schemas.openxmlformats.org/presentationml/2006/main">
+  <p:cSld>
+    <p:spTree>
+      <p:nvGrpSpPr>
+        <p:cNvPr id="1" name=""/>
+        <p:cNvGrpSpPr/>
+        <p:nvPr/>
+      </p:nvGrpSpPr>
+      <p:grpSpPr/>
+      <p:sp>
+        <p:nvSpPr>
           <p:cNvPr id="4" name="标题 3"/>
           <p:cNvSpPr>
             <a:spLocks noGrp="1"/>
@@ -11155,7 +11273,7 @@
 </p:sld>
 </file>
 
-<file path=ppt/slides/slide32.xml><?xml version="1.0" encoding="utf-8"?>
+<file path=ppt/slides/slide33.xml><?xml version="1.0" encoding="utf-8"?>
 <p:sld xmlns:a="http://schemas.openxmlformats.org/drawingml/2006/main" xmlns:r="http://schemas.openxmlformats.org/officeDocument/2006/relationships" xmlns:p="http://schemas.openxmlformats.org/presentationml/2006/main">
   <p:cSld>
     <p:spTree>
@@ -13047,13 +13165,13 @@
 
 <file path=ppt/tags/tag18.xml><?xml version="1.0" encoding="utf-8"?>
 <p:tagLst xmlns:p="http://schemas.openxmlformats.org/presentationml/2006/main">
-  <p:tag name="KSO_WM_TEMPLATE_CATEGORY" val="custom"/>
-  <p:tag name="KSO_WM_TEMPLATE_INDEX" val="160402"/>
+  <p:tag name="KSO_WM_UNIT_PLACING_PICTURE_USER_VIEWPORT" val="{&quot;height&quot;:12420,&quot;width&quot;:18045}"/>
 </p:tagLst>
 </file>
 
 <file path=ppt/tags/tag19.xml><?xml version="1.0" encoding="utf-8"?>
 <p:tagLst xmlns:p="http://schemas.openxmlformats.org/presentationml/2006/main">
+  <p:tag name="KSO_WM_BEAUTIFY_FLAG" val="#wm#"/>
   <p:tag name="KSO_WM_TEMPLATE_CATEGORY" val="custom"/>
   <p:tag name="KSO_WM_TEMPLATE_INDEX" val="160402"/>
 </p:tagLst>
@@ -13076,7 +13194,6 @@
 
 <file path=ppt/tags/tag21.xml><?xml version="1.0" encoding="utf-8"?>
 <p:tagLst xmlns:p="http://schemas.openxmlformats.org/presentationml/2006/main">
-  <p:tag name="KSO_WM_BEAUTIFY_FLAG" val="#wm#"/>
   <p:tag name="KSO_WM_TEMPLATE_CATEGORY" val="custom"/>
   <p:tag name="KSO_WM_TEMPLATE_INDEX" val="160402"/>
 </p:tagLst>
@@ -13084,7 +13201,6 @@
 
 <file path=ppt/tags/tag22.xml><?xml version="1.0" encoding="utf-8"?>
 <p:tagLst xmlns:p="http://schemas.openxmlformats.org/presentationml/2006/main">
-  <p:tag name="KSO_WM_BEAUTIFY_FLAG" val="#wm#"/>
   <p:tag name="KSO_WM_TEMPLATE_CATEGORY" val="custom"/>
   <p:tag name="KSO_WM_TEMPLATE_INDEX" val="160402"/>
 </p:tagLst>
@@ -13215,6 +13331,22 @@
 </file>
 
 <file path=ppt/tags/tag36.xml><?xml version="1.0" encoding="utf-8"?>
+<p:tagLst xmlns:p="http://schemas.openxmlformats.org/presentationml/2006/main">
+  <p:tag name="KSO_WM_BEAUTIFY_FLAG" val="#wm#"/>
+  <p:tag name="KSO_WM_TEMPLATE_CATEGORY" val="custom"/>
+  <p:tag name="KSO_WM_TEMPLATE_INDEX" val="160402"/>
+</p:tagLst>
+</file>
+
+<file path=ppt/tags/tag37.xml><?xml version="1.0" encoding="utf-8"?>
+<p:tagLst xmlns:p="http://schemas.openxmlformats.org/presentationml/2006/main">
+  <p:tag name="KSO_WM_BEAUTIFY_FLAG" val="#wm#"/>
+  <p:tag name="KSO_WM_TEMPLATE_CATEGORY" val="custom"/>
+  <p:tag name="KSO_WM_TEMPLATE_INDEX" val="160402"/>
+</p:tagLst>
+</file>
+
+<file path=ppt/tags/tag38.xml><?xml version="1.0" encoding="utf-8"?>
 <p:tagLst xmlns:p="http://schemas.openxmlformats.org/presentationml/2006/main">
   <p:tag name="KSO_WM_BEAUTIFY_FLAG" val="#wm#"/>
   <p:tag name="KSO_WM_TEMPLATE_CATEGORY" val="custom"/>

--- a/Web/WeChat-Notes.pptx
+++ b/Web/WeChat-Notes.pptx
@@ -5,10 +5,10 @@
     <p:sldMasterId id="2147483648" r:id="rId1"/>
   </p:sldMasterIdLst>
   <p:notesMasterIdLst>
-    <p:notesMasterId r:id="rId41"/>
+    <p:notesMasterId r:id="rId45"/>
   </p:notesMasterIdLst>
   <p:handoutMasterIdLst>
-    <p:handoutMasterId r:id="rId42"/>
+    <p:handoutMasterId r:id="rId46"/>
   </p:handoutMasterIdLst>
   <p:sldIdLst>
     <p:sldId id="256" r:id="rId3"/>
@@ -33,27 +33,31 @@
     <p:sldId id="259" r:id="rId22"/>
     <p:sldId id="261" r:id="rId23"/>
     <p:sldId id="262" r:id="rId24"/>
-    <p:sldId id="350" r:id="rId25"/>
-    <p:sldId id="275" r:id="rId26"/>
-    <p:sldId id="276" r:id="rId27"/>
-    <p:sldId id="316" r:id="rId28"/>
-    <p:sldId id="428" r:id="rId29"/>
-    <p:sldId id="277" r:id="rId30"/>
-    <p:sldId id="278" r:id="rId31"/>
-    <p:sldId id="279" r:id="rId32"/>
-    <p:sldId id="274" r:id="rId33"/>
-    <p:sldId id="317" r:id="rId34"/>
-    <p:sldId id="318" r:id="rId35"/>
-    <p:sldId id="325" r:id="rId36"/>
-    <p:sldId id="326" r:id="rId37"/>
-    <p:sldId id="327" r:id="rId38"/>
-    <p:sldId id="323" r:id="rId39"/>
-    <p:sldId id="324" r:id="rId40"/>
+    <p:sldId id="440" r:id="rId25"/>
+    <p:sldId id="441" r:id="rId26"/>
+    <p:sldId id="458" r:id="rId27"/>
+    <p:sldId id="350" r:id="rId28"/>
+    <p:sldId id="475" r:id="rId29"/>
+    <p:sldId id="275" r:id="rId30"/>
+    <p:sldId id="276" r:id="rId31"/>
+    <p:sldId id="316" r:id="rId32"/>
+    <p:sldId id="428" r:id="rId33"/>
+    <p:sldId id="277" r:id="rId34"/>
+    <p:sldId id="278" r:id="rId35"/>
+    <p:sldId id="279" r:id="rId36"/>
+    <p:sldId id="274" r:id="rId37"/>
+    <p:sldId id="317" r:id="rId38"/>
+    <p:sldId id="318" r:id="rId39"/>
+    <p:sldId id="325" r:id="rId40"/>
+    <p:sldId id="326" r:id="rId41"/>
+    <p:sldId id="327" r:id="rId42"/>
+    <p:sldId id="323" r:id="rId43"/>
+    <p:sldId id="324" r:id="rId44"/>
   </p:sldIdLst>
   <p:sldSz cx="12192000" cy="6858000"/>
   <p:notesSz cx="6858000" cy="9144000"/>
   <p:custDataLst>
-    <p:tags r:id="rId46"/>
+    <p:tags r:id="rId50"/>
   </p:custDataLst>
   <p:defaultTextStyle>
     <a:defPPr>
@@ -9755,7 +9759,7 @@
           <a:p>
             <a:r>
               <a:rPr lang="en-US" altLang="zh-CN"/>
-              <a:t>Bluetooth</a:t>
+              <a:t>Wechat Login</a:t>
             </a:r>
             <a:endParaRPr lang="en-US" altLang="zh-CN"/>
           </a:p>
@@ -9774,1221 +9778,65 @@
         <p:spPr>
           <a:xfrm>
             <a:off x="838200" y="1211580"/>
-            <a:ext cx="5359400" cy="5361305"/>
-          </a:xfrm>
-        </p:spPr>
-        <p:txBody>
-          <a:bodyPr>
-            <a:noAutofit/>
-          </a:bodyPr>
-          <a:p>
-            <a:r>
-              <a:rPr lang="en-US" altLang="zh-CN" sz="1400"/>
+            <a:ext cx="5273675" cy="4549140"/>
+          </a:xfrm>
+        </p:spPr>
+        <p:txBody>
+          <a:bodyPr/>
+          <a:p>
+            <a:r>
+              <a:rPr lang="en-US" altLang="zh-CN"/>
               <a:t>References</a:t>
             </a:r>
-            <a:endParaRPr lang="en-US" altLang="zh-CN" sz="1400"/>
+            <a:endParaRPr lang="en-US" altLang="zh-CN"/>
           </a:p>
           <a:p>
             <a:pPr lvl="1"/>
             <a:r>
-              <a:rPr lang="en-US" altLang="zh-CN" sz="1200"/>
-              <a:t>https://cloud.tencent.com/developer/article/1547965</a:t>
-            </a:r>
-            <a:endParaRPr lang="en-US" altLang="zh-CN" sz="1200"/>
+              <a:rPr lang="en-US" altLang="zh-CN"/>
+              <a:t>https://developers.weixin.qq.com/miniprogram/dev/framework/open-ability/login.html</a:t>
+            </a:r>
+            <a:endParaRPr lang="en-US" altLang="zh-CN"/>
           </a:p>
           <a:p>
             <a:pPr lvl="1"/>
             <a:r>
-              <a:rPr lang="en-US" altLang="zh-CN" sz="1200"/>
-              <a:t>https://zhuanlan.zhihu.com/p/28756203</a:t>
-            </a:r>
-            <a:endParaRPr lang="en-US" altLang="zh-CN" sz="1200"/>
-          </a:p>
-          <a:p>
-            <a:pPr lvl="1"/>
-            <a:r>
-              <a:rPr lang="en-US" altLang="zh-CN" sz="1200"/>
-              <a:t>https://www.jianshu.com/p/82ee9a908543</a:t>
-            </a:r>
-            <a:endParaRPr lang="en-US" altLang="zh-CN" sz="1200"/>
-          </a:p>
-          <a:p>
-            <a:pPr lvl="1"/>
-            <a:r>
-              <a:rPr lang="en-US" altLang="zh-CN" sz="1200"/>
-              <a:t>https://www.jianshu.com/p/e5a9d800f164</a:t>
-            </a:r>
-            <a:endParaRPr lang="en-US" altLang="zh-CN" sz="1200"/>
-          </a:p>
-          <a:p>
-            <a:pPr lvl="1"/>
-            <a:r>
-              <a:rPr lang="en-US" altLang="zh-CN" sz="1200"/>
-              <a:t>https://blog.csdn.net/Smile_ping/article/details/102938322</a:t>
-            </a:r>
-            <a:endParaRPr lang="en-US" altLang="zh-CN" sz="1200"/>
-          </a:p>
-          <a:p>
-            <a:pPr lvl="1"/>
-            <a:r>
-              <a:rPr lang="en-US" altLang="zh-CN" sz="1200"/>
-              <a:t>https://zhuanlan.zhihu.com/p/352194416</a:t>
-            </a:r>
-            <a:endParaRPr lang="en-US" altLang="zh-CN" sz="1200"/>
-          </a:p>
-          <a:p>
-            <a:pPr lvl="1"/>
-            <a:r>
-              <a:rPr lang="en-US" altLang="zh-CN" sz="1200"/>
-              <a:t>https://www.sunzhongwei.com/small-program-bluetooth-communication-logic-and-interface?from=bottom</a:t>
-            </a:r>
-            <a:endParaRPr lang="en-US" altLang="zh-CN" sz="1200"/>
-          </a:p>
-          <a:p>
-            <a:pPr lvl="1"/>
-            <a:r>
-              <a:rPr lang="en-US" altLang="zh-CN" sz="1200"/>
-              <a:t>https://www.sunzhongwei.com/send-instructions-wechat-small-application-of-bluetooth-communication-hexadecimal-code-conversion</a:t>
-            </a:r>
-            <a:endParaRPr lang="en-US" altLang="zh-CN" sz="1200"/>
-          </a:p>
-          <a:p>
-            <a:pPr lvl="0"/>
-            <a:r>
-              <a:rPr lang="en-US" altLang="zh-CN" sz="1400"/>
-              <a:t>APIs</a:t>
-            </a:r>
-            <a:endParaRPr lang="en-US" altLang="zh-CN" sz="1400"/>
-          </a:p>
-          <a:p>
-            <a:pPr lvl="1"/>
-            <a:r>
-              <a:rPr lang="en-US" altLang="zh-CN" sz="1200"/>
-              <a:t>wx.openBluetoothAdapter, wx.closeBluetoothAdapter</a:t>
-            </a:r>
-            <a:endParaRPr lang="en-US" altLang="zh-CN" sz="1200"/>
-          </a:p>
-          <a:p>
-            <a:pPr lvl="1"/>
-            <a:r>
-              <a:rPr lang="en-US" altLang="zh-CN" sz="1200"/>
-              <a:t>wx.startBluetoothDevicesDiscovery, wx.</a:t>
-            </a:r>
-            <a:r>
-              <a:rPr lang="en-US" altLang="zh-CN" sz="1200">
-                <a:sym typeface="+mn-ea"/>
-              </a:rPr>
-              <a:t>stopBluetoothDevicesDiscovery</a:t>
-            </a:r>
-            <a:endParaRPr lang="en-US" altLang="zh-CN" sz="1200"/>
-          </a:p>
-          <a:p>
-            <a:pPr lvl="1"/>
-            <a:r>
-              <a:rPr lang="en-US" altLang="zh-CN" sz="1200"/>
-              <a:t>wx.onBluetoothDeviceFound</a:t>
-            </a:r>
-            <a:endParaRPr lang="en-US" altLang="zh-CN" sz="1200"/>
-          </a:p>
-          <a:p>
-            <a:pPr lvl="1"/>
-            <a:r>
-              <a:rPr lang="en-US" altLang="zh-CN" sz="1200"/>
-              <a:t>wx.createBLEConnection, wx.closeBLEConnection</a:t>
-            </a:r>
-            <a:endParaRPr lang="en-US" altLang="zh-CN" sz="1200"/>
-          </a:p>
-          <a:p>
-            <a:pPr lvl="1"/>
-            <a:r>
-              <a:rPr lang="en-US" altLang="zh-CN" sz="1200"/>
-              <a:t>wx.getConnectedBluetoothDevices</a:t>
-            </a:r>
-            <a:endParaRPr lang="en-US" altLang="zh-CN" sz="1200"/>
-          </a:p>
-          <a:p>
-            <a:pPr lvl="1"/>
-            <a:r>
-              <a:rPr lang="en-US" altLang="zh-CN" sz="1200"/>
-              <a:t>wx.getBLEDeviceServices</a:t>
-            </a:r>
-            <a:endParaRPr lang="en-US" altLang="zh-CN" sz="1200"/>
-          </a:p>
-          <a:p>
-            <a:pPr lvl="1"/>
-            <a:r>
-              <a:rPr lang="en-US" altLang="zh-CN" sz="1200">
-                <a:solidFill>
-                  <a:schemeClr val="tx1"/>
-                </a:solidFill>
-                <a:sym typeface="+mn-ea"/>
-              </a:rPr>
-              <a:t>readBLECharacteristicValue, writeBLECharacteristicValue</a:t>
-            </a:r>
-            <a:endParaRPr lang="en-US" altLang="zh-CN" sz="1200">
-              <a:solidFill>
-                <a:schemeClr val="tx1"/>
-              </a:solidFill>
-              <a:sym typeface="+mn-ea"/>
-            </a:endParaRPr>
-          </a:p>
-          <a:p>
-            <a:pPr lvl="1"/>
-            <a:r>
-              <a:rPr lang="en-US" altLang="zh-CN" sz="1200">
-                <a:sym typeface="+mn-ea"/>
-              </a:rPr>
-              <a:t>notifyBLECharacteristicValueChange</a:t>
-            </a:r>
-            <a:endParaRPr lang="en-US" altLang="zh-CN" sz="1200">
-              <a:sym typeface="+mn-ea"/>
-            </a:endParaRPr>
-          </a:p>
-          <a:p>
-            <a:pPr lvl="1"/>
-            <a:r>
-              <a:rPr lang="en-US" altLang="zh-CN" sz="1200">
-                <a:sym typeface="+mn-ea"/>
-              </a:rPr>
-              <a:t>onBLECharacteristicValueChange</a:t>
-            </a:r>
-            <a:endParaRPr lang="en-US" altLang="zh-CN" sz="1200">
-              <a:solidFill>
-                <a:schemeClr val="tx1"/>
-              </a:solidFill>
-              <a:sym typeface="+mn-ea"/>
-            </a:endParaRPr>
-          </a:p>
-        </p:txBody>
-      </p:sp>
-      <p:sp>
-        <p:nvSpPr>
-          <p:cNvPr id="4" name="圆角矩形 3"/>
-          <p:cNvSpPr/>
+              <a:rPr lang="en-US" altLang="zh-CN"/>
+              <a:t>https://cloud.tencent.com/developer/article/1608597</a:t>
+            </a:r>
+            <a:endParaRPr lang="en-US" altLang="zh-CN"/>
+          </a:p>
+        </p:txBody>
+      </p:sp>
+      <p:pic>
+        <p:nvPicPr>
+          <p:cNvPr id="103" name="图片 102"/>
+          <p:cNvPicPr/>
           <p:nvPr/>
-        </p:nvSpPr>
-        <p:spPr>
-          <a:xfrm>
-            <a:off x="6557010" y="1547495"/>
-            <a:ext cx="2302510" cy="538480"/>
-          </a:xfrm>
-          <a:prstGeom prst="roundRect">
-            <a:avLst/>
-          </a:prstGeom>
-        </p:spPr>
-        <p:style>
-          <a:lnRef idx="2">
-            <a:schemeClr val="accent1">
-              <a:shade val="50000"/>
-            </a:schemeClr>
-          </a:lnRef>
-          <a:fillRef idx="1">
-            <a:schemeClr val="accent1"/>
-          </a:fillRef>
-          <a:effectRef idx="0">
-            <a:schemeClr val="accent1"/>
-          </a:effectRef>
-          <a:fontRef idx="minor">
-            <a:schemeClr val="lt1"/>
-          </a:fontRef>
-        </p:style>
-        <p:txBody>
-          <a:bodyPr rtlCol="0" anchor="ctr"/>
-          <a:p>
-            <a:pPr algn="ctr"/>
-            <a:r>
-              <a:rPr lang="en-US" altLang="zh-CN" sz="1400"/>
-              <a:t>wx.openBluetoothAdapter()</a:t>
-            </a:r>
-            <a:endParaRPr lang="en-US" altLang="zh-CN" sz="1400"/>
-          </a:p>
-        </p:txBody>
-      </p:sp>
-      <p:sp>
-        <p:nvSpPr>
-          <p:cNvPr id="5" name="圆角矩形 4"/>
-          <p:cNvSpPr/>
-          <p:nvPr/>
-        </p:nvSpPr>
-        <p:spPr>
-          <a:xfrm>
-            <a:off x="6557010" y="2304415"/>
-            <a:ext cx="2302510" cy="538480"/>
-          </a:xfrm>
-          <a:prstGeom prst="roundRect">
-            <a:avLst/>
-          </a:prstGeom>
-          <a:solidFill>
-            <a:schemeClr val="accent6">
-              <a:lumMod val="75000"/>
-            </a:schemeClr>
-          </a:solidFill>
-        </p:spPr>
-        <p:style>
-          <a:lnRef idx="2">
-            <a:schemeClr val="accent1">
-              <a:shade val="50000"/>
-            </a:schemeClr>
-          </a:lnRef>
-          <a:fillRef idx="1">
-            <a:schemeClr val="accent1"/>
-          </a:fillRef>
-          <a:effectRef idx="0">
-            <a:schemeClr val="accent1"/>
-          </a:effectRef>
-          <a:fontRef idx="minor">
-            <a:schemeClr val="lt1"/>
-          </a:fontRef>
-        </p:style>
-        <p:txBody>
-          <a:bodyPr rtlCol="0" anchor="ctr"/>
-          <a:p>
-            <a:pPr algn="ctr"/>
-            <a:r>
-              <a:rPr lang="en-US" altLang="zh-CN" sz="1400"/>
-              <a:t>wx.startBluetoothDevicesDiscovery()</a:t>
-            </a:r>
-            <a:endParaRPr lang="en-US" altLang="zh-CN" sz="1400"/>
-          </a:p>
-        </p:txBody>
-      </p:sp>
-      <p:sp>
-        <p:nvSpPr>
-          <p:cNvPr id="6" name="圆角矩形 5"/>
-          <p:cNvSpPr/>
-          <p:nvPr/>
-        </p:nvSpPr>
-        <p:spPr>
-          <a:xfrm>
-            <a:off x="6557010" y="3061335"/>
-            <a:ext cx="2302510" cy="538480"/>
-          </a:xfrm>
-          <a:prstGeom prst="roundRect">
-            <a:avLst/>
-          </a:prstGeom>
-          <a:solidFill>
-            <a:schemeClr val="accent6">
-              <a:lumMod val="75000"/>
-            </a:schemeClr>
-          </a:solidFill>
-        </p:spPr>
-        <p:style>
-          <a:lnRef idx="2">
-            <a:schemeClr val="accent1">
-              <a:shade val="50000"/>
-            </a:schemeClr>
-          </a:lnRef>
-          <a:fillRef idx="1">
-            <a:schemeClr val="accent1"/>
-          </a:fillRef>
-          <a:effectRef idx="0">
-            <a:schemeClr val="accent1"/>
-          </a:effectRef>
-          <a:fontRef idx="minor">
-            <a:schemeClr val="lt1"/>
-          </a:fontRef>
-        </p:style>
-        <p:txBody>
-          <a:bodyPr rtlCol="0" anchor="ctr"/>
-          <a:p>
-            <a:pPr algn="ctr"/>
-            <a:r>
-              <a:rPr lang="en-US" altLang="zh-CN" sz="1400"/>
-              <a:t>wx.onBluetoothDeviceFound()</a:t>
-            </a:r>
-            <a:endParaRPr lang="en-US" altLang="zh-CN" sz="1400"/>
-          </a:p>
-        </p:txBody>
-      </p:sp>
-      <p:sp>
-        <p:nvSpPr>
-          <p:cNvPr id="7" name="圆角矩形 6"/>
-          <p:cNvSpPr/>
-          <p:nvPr/>
-        </p:nvSpPr>
-        <p:spPr>
-          <a:xfrm>
-            <a:off x="6557010" y="3818255"/>
-            <a:ext cx="2302510" cy="538480"/>
-          </a:xfrm>
-          <a:prstGeom prst="roundRect">
-            <a:avLst/>
-          </a:prstGeom>
-          <a:solidFill>
-            <a:schemeClr val="accent6">
-              <a:lumMod val="75000"/>
-            </a:schemeClr>
-          </a:solidFill>
-        </p:spPr>
-        <p:style>
-          <a:lnRef idx="2">
-            <a:schemeClr val="accent1">
-              <a:shade val="50000"/>
-            </a:schemeClr>
-          </a:lnRef>
-          <a:fillRef idx="1">
-            <a:schemeClr val="accent1"/>
-          </a:fillRef>
-          <a:effectRef idx="0">
-            <a:schemeClr val="accent1"/>
-          </a:effectRef>
-          <a:fontRef idx="minor">
-            <a:schemeClr val="lt1"/>
-          </a:fontRef>
-        </p:style>
-        <p:txBody>
-          <a:bodyPr rtlCol="0" anchor="ctr"/>
-          <a:p>
-            <a:pPr algn="ctr"/>
-            <a:r>
-              <a:rPr lang="en-US" altLang="zh-CN" sz="1400"/>
-              <a:t>wx.stopBluetoothDeviceDiscovery()</a:t>
-            </a:r>
-            <a:endParaRPr lang="en-US" altLang="zh-CN" sz="1400"/>
-          </a:p>
-        </p:txBody>
-      </p:sp>
-      <p:sp>
-        <p:nvSpPr>
-          <p:cNvPr id="8" name="圆角矩形 7"/>
-          <p:cNvSpPr/>
-          <p:nvPr/>
-        </p:nvSpPr>
-        <p:spPr>
-          <a:xfrm>
-            <a:off x="6544945" y="4575175"/>
-            <a:ext cx="2301240" cy="538480"/>
-          </a:xfrm>
-          <a:prstGeom prst="roundRect">
-            <a:avLst/>
-          </a:prstGeom>
-        </p:spPr>
-        <p:style>
-          <a:lnRef idx="2">
-            <a:schemeClr val="accent1">
-              <a:shade val="50000"/>
-            </a:schemeClr>
-          </a:lnRef>
-          <a:fillRef idx="1">
-            <a:schemeClr val="accent1"/>
-          </a:fillRef>
-          <a:effectRef idx="0">
-            <a:schemeClr val="accent1"/>
-          </a:effectRef>
-          <a:fontRef idx="minor">
-            <a:schemeClr val="lt1"/>
-          </a:fontRef>
-        </p:style>
-        <p:txBody>
-          <a:bodyPr rtlCol="0" anchor="ctr"/>
-          <a:p>
-            <a:pPr algn="ctr"/>
-            <a:r>
-              <a:rPr lang="en-US" altLang="zh-CN" sz="1400"/>
-              <a:t>wx.createBLEConnection()</a:t>
-            </a:r>
-            <a:endParaRPr lang="en-US" altLang="zh-CN" sz="1400"/>
-          </a:p>
-        </p:txBody>
-      </p:sp>
-      <p:sp>
-        <p:nvSpPr>
-          <p:cNvPr id="9" name="圆角矩形 8"/>
-          <p:cNvSpPr/>
-          <p:nvPr/>
-        </p:nvSpPr>
-        <p:spPr>
-          <a:xfrm>
-            <a:off x="6551295" y="5304790"/>
-            <a:ext cx="2301240" cy="538480"/>
-          </a:xfrm>
-          <a:prstGeom prst="roundRect">
-            <a:avLst/>
-          </a:prstGeom>
-        </p:spPr>
-        <p:style>
-          <a:lnRef idx="2">
-            <a:schemeClr val="accent1">
-              <a:shade val="50000"/>
-            </a:schemeClr>
-          </a:lnRef>
-          <a:fillRef idx="1">
-            <a:schemeClr val="accent1"/>
-          </a:fillRef>
-          <a:effectRef idx="0">
-            <a:schemeClr val="accent1"/>
-          </a:effectRef>
-          <a:fontRef idx="minor">
-            <a:schemeClr val="lt1"/>
-          </a:fontRef>
-        </p:style>
-        <p:txBody>
-          <a:bodyPr rtlCol="0" anchor="ctr"/>
-          <a:p>
-            <a:pPr algn="ctr"/>
-            <a:r>
-              <a:rPr lang="en-US" altLang="zh-CN" sz="1400"/>
-              <a:t>wx.getBLEDeviceServices()</a:t>
-            </a:r>
-            <a:endParaRPr lang="en-US" altLang="zh-CN" sz="1400"/>
-          </a:p>
-        </p:txBody>
-      </p:sp>
-      <p:cxnSp>
-        <p:nvCxnSpPr>
-          <p:cNvPr id="10" name="直接箭头连接符 9"/>
-          <p:cNvCxnSpPr>
-            <a:stCxn id="4" idx="2"/>
-            <a:endCxn id="5" idx="0"/>
-          </p:cNvCxnSpPr>
-          <p:nvPr/>
-        </p:nvCxnSpPr>
-        <p:spPr>
-          <a:xfrm>
-            <a:off x="7708265" y="2085975"/>
-            <a:ext cx="0" cy="218440"/>
-          </a:xfrm>
-          <a:prstGeom prst="straightConnector1">
-            <a:avLst/>
-          </a:prstGeom>
-          <a:ln>
-            <a:tailEnd type="arrow"/>
+        </p:nvPicPr>
+        <p:blipFill>
+          <a:blip r:embed="rId1"/>
+          <a:stretch>
+            <a:fillRect/>
+          </a:stretch>
+        </p:blipFill>
+        <p:spPr>
+          <a:xfrm>
+            <a:off x="6281420" y="914400"/>
+            <a:ext cx="5410200" cy="5486400"/>
+          </a:xfrm>
+          <a:prstGeom prst="rect">
+            <a:avLst/>
+          </a:prstGeom>
+          <a:noFill/>
+          <a:ln w="9525">
+            <a:noFill/>
           </a:ln>
         </p:spPr>
-        <p:style>
-          <a:lnRef idx="1">
-            <a:schemeClr val="accent1"/>
-          </a:lnRef>
-          <a:fillRef idx="0">
-            <a:schemeClr val="accent1"/>
-          </a:fillRef>
-          <a:effectRef idx="0">
-            <a:schemeClr val="accent1"/>
-          </a:effectRef>
-          <a:fontRef idx="minor">
-            <a:schemeClr val="tx1"/>
-          </a:fontRef>
-        </p:style>
-      </p:cxnSp>
-      <p:cxnSp>
-        <p:nvCxnSpPr>
-          <p:cNvPr id="11" name="直接箭头连接符 10"/>
-          <p:cNvCxnSpPr>
-            <a:stCxn id="5" idx="2"/>
-            <a:endCxn id="6" idx="0"/>
-          </p:cNvCxnSpPr>
-          <p:nvPr/>
-        </p:nvCxnSpPr>
-        <p:spPr>
-          <a:xfrm>
-            <a:off x="7708265" y="2842895"/>
-            <a:ext cx="0" cy="218440"/>
-          </a:xfrm>
-          <a:prstGeom prst="straightConnector1">
-            <a:avLst/>
-          </a:prstGeom>
-          <a:ln>
-            <a:tailEnd type="arrow"/>
-          </a:ln>
-        </p:spPr>
-        <p:style>
-          <a:lnRef idx="1">
-            <a:schemeClr val="accent1"/>
-          </a:lnRef>
-          <a:fillRef idx="0">
-            <a:schemeClr val="accent1"/>
-          </a:fillRef>
-          <a:effectRef idx="0">
-            <a:schemeClr val="accent1"/>
-          </a:effectRef>
-          <a:fontRef idx="minor">
-            <a:schemeClr val="tx1"/>
-          </a:fontRef>
-        </p:style>
-      </p:cxnSp>
-      <p:cxnSp>
-        <p:nvCxnSpPr>
-          <p:cNvPr id="12" name="直接箭头连接符 11"/>
-          <p:cNvCxnSpPr>
-            <a:stCxn id="6" idx="2"/>
-            <a:endCxn id="7" idx="0"/>
-          </p:cNvCxnSpPr>
-          <p:nvPr/>
-        </p:nvCxnSpPr>
-        <p:spPr>
-          <a:xfrm>
-            <a:off x="7708265" y="3599815"/>
-            <a:ext cx="0" cy="218440"/>
-          </a:xfrm>
-          <a:prstGeom prst="straightConnector1">
-            <a:avLst/>
-          </a:prstGeom>
-          <a:ln>
-            <a:tailEnd type="arrow"/>
-          </a:ln>
-        </p:spPr>
-        <p:style>
-          <a:lnRef idx="1">
-            <a:schemeClr val="accent1"/>
-          </a:lnRef>
-          <a:fillRef idx="0">
-            <a:schemeClr val="accent1"/>
-          </a:fillRef>
-          <a:effectRef idx="0">
-            <a:schemeClr val="accent1"/>
-          </a:effectRef>
-          <a:fontRef idx="minor">
-            <a:schemeClr val="tx1"/>
-          </a:fontRef>
-        </p:style>
-      </p:cxnSp>
-      <p:cxnSp>
-        <p:nvCxnSpPr>
-          <p:cNvPr id="13" name="直接箭头连接符 12"/>
-          <p:cNvCxnSpPr>
-            <a:stCxn id="7" idx="2"/>
-            <a:endCxn id="8" idx="0"/>
-          </p:cNvCxnSpPr>
-          <p:nvPr/>
-        </p:nvCxnSpPr>
-        <p:spPr>
-          <a:xfrm flipH="1">
-            <a:off x="7695248" y="4357053"/>
-            <a:ext cx="12700" cy="218440"/>
-          </a:xfrm>
-          <a:prstGeom prst="straightConnector1">
-            <a:avLst/>
-          </a:prstGeom>
-          <a:ln>
-            <a:tailEnd type="arrow"/>
-          </a:ln>
-        </p:spPr>
-        <p:style>
-          <a:lnRef idx="1">
-            <a:schemeClr val="accent1"/>
-          </a:lnRef>
-          <a:fillRef idx="0">
-            <a:schemeClr val="accent1"/>
-          </a:fillRef>
-          <a:effectRef idx="0">
-            <a:schemeClr val="accent1"/>
-          </a:effectRef>
-          <a:fontRef idx="minor">
-            <a:schemeClr val="tx1"/>
-          </a:fontRef>
-        </p:style>
-      </p:cxnSp>
-      <p:cxnSp>
-        <p:nvCxnSpPr>
-          <p:cNvPr id="14" name="直接箭头连接符 13"/>
-          <p:cNvCxnSpPr>
-            <a:stCxn id="8" idx="2"/>
-            <a:endCxn id="9" idx="0"/>
-          </p:cNvCxnSpPr>
-          <p:nvPr/>
-        </p:nvCxnSpPr>
-        <p:spPr>
-          <a:xfrm>
-            <a:off x="7695565" y="5113655"/>
-            <a:ext cx="6350" cy="191135"/>
-          </a:xfrm>
-          <a:prstGeom prst="straightConnector1">
-            <a:avLst/>
-          </a:prstGeom>
-          <a:ln>
-            <a:tailEnd type="arrow"/>
-          </a:ln>
-        </p:spPr>
-        <p:style>
-          <a:lnRef idx="1">
-            <a:schemeClr val="accent1"/>
-          </a:lnRef>
-          <a:fillRef idx="0">
-            <a:schemeClr val="accent1"/>
-          </a:fillRef>
-          <a:effectRef idx="0">
-            <a:schemeClr val="accent1"/>
-          </a:effectRef>
-          <a:fontRef idx="minor">
-            <a:schemeClr val="tx1"/>
-          </a:fontRef>
-        </p:style>
-      </p:cxnSp>
-      <p:cxnSp>
-        <p:nvCxnSpPr>
-          <p:cNvPr id="15" name="肘形连接符 14"/>
-          <p:cNvCxnSpPr>
-            <a:stCxn id="7" idx="1"/>
-            <a:endCxn id="5" idx="1"/>
-          </p:cNvCxnSpPr>
-          <p:nvPr/>
-        </p:nvCxnSpPr>
-        <p:spPr>
-          <a:xfrm rot="10800000">
-            <a:off x="6557010" y="2573655"/>
-            <a:ext cx="3175" cy="1513840"/>
-          </a:xfrm>
-          <a:prstGeom prst="bentConnector3">
-            <a:avLst>
-              <a:gd name="adj1" fmla="val 7600000"/>
-            </a:avLst>
-          </a:prstGeom>
-          <a:ln>
-            <a:tailEnd type="arrow"/>
-          </a:ln>
-        </p:spPr>
-        <p:style>
-          <a:lnRef idx="1">
-            <a:schemeClr val="accent1"/>
-          </a:lnRef>
-          <a:fillRef idx="0">
-            <a:schemeClr val="accent1"/>
-          </a:fillRef>
-          <a:effectRef idx="0">
-            <a:schemeClr val="accent1"/>
-          </a:effectRef>
-          <a:fontRef idx="minor">
-            <a:schemeClr val="tx1"/>
-          </a:fontRef>
-        </p:style>
-      </p:cxnSp>
-      <p:sp>
-        <p:nvSpPr>
-          <p:cNvPr id="16" name="圆角矩形 15"/>
-          <p:cNvSpPr/>
-          <p:nvPr/>
-        </p:nvSpPr>
-        <p:spPr>
-          <a:xfrm>
-            <a:off x="9197975" y="2304415"/>
-            <a:ext cx="2437765" cy="538480"/>
-          </a:xfrm>
-          <a:prstGeom prst="roundRect">
-            <a:avLst/>
-          </a:prstGeom>
-        </p:spPr>
-        <p:style>
-          <a:lnRef idx="2">
-            <a:schemeClr val="accent1">
-              <a:shade val="50000"/>
-            </a:schemeClr>
-          </a:lnRef>
-          <a:fillRef idx="1">
-            <a:schemeClr val="accent1"/>
-          </a:fillRef>
-          <a:effectRef idx="0">
-            <a:schemeClr val="accent1"/>
-          </a:effectRef>
-          <a:fontRef idx="minor">
-            <a:schemeClr val="lt1"/>
-          </a:fontRef>
-        </p:style>
-        <p:txBody>
-          <a:bodyPr rtlCol="0" anchor="ctr"/>
-          <a:p>
-            <a:pPr algn="ctr"/>
-            <a:r>
-              <a:rPr lang="en-US" altLang="zh-CN" sz="1400"/>
-              <a:t>wx.</a:t>
-            </a:r>
-            <a:r>
-              <a:rPr lang="en-US" altLang="zh-CN" sz="1400">
-                <a:solidFill>
-                  <a:srgbClr val="FFFF00"/>
-                </a:solidFill>
-              </a:rPr>
-              <a:t>read</a:t>
-            </a:r>
-            <a:r>
-              <a:rPr lang="en-US" altLang="zh-CN" sz="1400"/>
-              <a:t>BLECharacteristicValue()</a:t>
-            </a:r>
-            <a:endParaRPr lang="en-US" altLang="zh-CN" sz="1400"/>
-          </a:p>
-        </p:txBody>
-      </p:sp>
-      <p:sp>
-        <p:nvSpPr>
-          <p:cNvPr id="17" name="圆角矩形 16"/>
-          <p:cNvSpPr/>
-          <p:nvPr/>
-        </p:nvSpPr>
-        <p:spPr>
-          <a:xfrm>
-            <a:off x="9198610" y="3061335"/>
-            <a:ext cx="2437765" cy="538480"/>
-          </a:xfrm>
-          <a:prstGeom prst="roundRect">
-            <a:avLst/>
-          </a:prstGeom>
-        </p:spPr>
-        <p:style>
-          <a:lnRef idx="2">
-            <a:schemeClr val="accent1">
-              <a:shade val="50000"/>
-            </a:schemeClr>
-          </a:lnRef>
-          <a:fillRef idx="1">
-            <a:schemeClr val="accent1"/>
-          </a:fillRef>
-          <a:effectRef idx="0">
-            <a:schemeClr val="accent1"/>
-          </a:effectRef>
-          <a:fontRef idx="minor">
-            <a:schemeClr val="lt1"/>
-          </a:fontRef>
-        </p:style>
-        <p:txBody>
-          <a:bodyPr rtlCol="0" anchor="ctr"/>
-          <a:p>
-            <a:pPr algn="ctr"/>
-            <a:r>
-              <a:rPr lang="en-US" altLang="zh-CN" sz="1400"/>
-              <a:t>wx.</a:t>
-            </a:r>
-            <a:r>
-              <a:rPr lang="en-US" altLang="zh-CN" sz="1400">
-                <a:solidFill>
-                  <a:srgbClr val="FFFF00"/>
-                </a:solidFill>
-              </a:rPr>
-              <a:t>write</a:t>
-            </a:r>
-            <a:r>
-              <a:rPr lang="en-US" altLang="zh-CN" sz="1400"/>
-              <a:t>BLECharacteristicValue()</a:t>
-            </a:r>
-            <a:endParaRPr lang="en-US" altLang="zh-CN" sz="1400"/>
-          </a:p>
-        </p:txBody>
-      </p:sp>
-      <p:cxnSp>
-        <p:nvCxnSpPr>
-          <p:cNvPr id="18" name="肘形连接符 17"/>
-          <p:cNvCxnSpPr>
-            <a:stCxn id="9" idx="2"/>
-            <a:endCxn id="27" idx="0"/>
-          </p:cNvCxnSpPr>
-          <p:nvPr/>
-        </p:nvCxnSpPr>
-        <p:spPr>
-          <a:xfrm rot="5400000" flipH="1" flipV="1">
-            <a:off x="6911975" y="2337435"/>
-            <a:ext cx="4295775" cy="2715260"/>
-          </a:xfrm>
-          <a:prstGeom prst="bentConnector5">
-            <a:avLst>
-              <a:gd name="adj1" fmla="val -5536"/>
-              <a:gd name="adj2" fmla="val 48725"/>
-              <a:gd name="adj3" fmla="val 105551"/>
-            </a:avLst>
-          </a:prstGeom>
-          <a:ln>
-            <a:tailEnd type="arrow"/>
-          </a:ln>
-        </p:spPr>
-        <p:style>
-          <a:lnRef idx="1">
-            <a:schemeClr val="accent1"/>
-          </a:lnRef>
-          <a:fillRef idx="0">
-            <a:schemeClr val="accent1"/>
-          </a:fillRef>
-          <a:effectRef idx="0">
-            <a:schemeClr val="accent1"/>
-          </a:effectRef>
-          <a:fontRef idx="minor">
-            <a:schemeClr val="tx1"/>
-          </a:fontRef>
-        </p:style>
-      </p:cxnSp>
-      <p:cxnSp>
-        <p:nvCxnSpPr>
-          <p:cNvPr id="19" name="直接箭头连接符 18"/>
-          <p:cNvCxnSpPr>
-            <a:stCxn id="16" idx="2"/>
-            <a:endCxn id="17" idx="0"/>
-          </p:cNvCxnSpPr>
-          <p:nvPr/>
-        </p:nvCxnSpPr>
-        <p:spPr>
-          <a:xfrm>
-            <a:off x="10417175" y="2842895"/>
-            <a:ext cx="635" cy="218440"/>
-          </a:xfrm>
-          <a:prstGeom prst="straightConnector1">
-            <a:avLst/>
-          </a:prstGeom>
-          <a:ln>
-            <a:tailEnd type="arrow"/>
-          </a:ln>
-        </p:spPr>
-        <p:style>
-          <a:lnRef idx="1">
-            <a:schemeClr val="accent1"/>
-          </a:lnRef>
-          <a:fillRef idx="0">
-            <a:schemeClr val="accent1"/>
-          </a:fillRef>
-          <a:effectRef idx="0">
-            <a:schemeClr val="accent1"/>
-          </a:effectRef>
-          <a:fontRef idx="minor">
-            <a:schemeClr val="tx1"/>
-          </a:fontRef>
-        </p:style>
-      </p:cxnSp>
-      <p:sp>
-        <p:nvSpPr>
-          <p:cNvPr id="20" name="圆角矩形 19"/>
-          <p:cNvSpPr/>
-          <p:nvPr/>
-        </p:nvSpPr>
-        <p:spPr>
-          <a:xfrm>
-            <a:off x="9198610" y="3818255"/>
-            <a:ext cx="2437765" cy="538480"/>
-          </a:xfrm>
-          <a:prstGeom prst="roundRect">
-            <a:avLst/>
-          </a:prstGeom>
-        </p:spPr>
-        <p:style>
-          <a:lnRef idx="2">
-            <a:schemeClr val="accent1">
-              <a:shade val="50000"/>
-            </a:schemeClr>
-          </a:lnRef>
-          <a:fillRef idx="1">
-            <a:schemeClr val="accent1"/>
-          </a:fillRef>
-          <a:effectRef idx="0">
-            <a:schemeClr val="accent1"/>
-          </a:effectRef>
-          <a:fontRef idx="minor">
-            <a:schemeClr val="lt1"/>
-          </a:fontRef>
-        </p:style>
-        <p:txBody>
-          <a:bodyPr rtlCol="0" anchor="ctr"/>
-          <a:p>
-            <a:pPr algn="ctr"/>
-            <a:r>
-              <a:rPr lang="en-US" altLang="zh-CN" sz="1400"/>
-              <a:t>wx.notifyBLECharacteristicValueChange()</a:t>
-            </a:r>
-            <a:endParaRPr lang="en-US" altLang="zh-CN" sz="1400"/>
-          </a:p>
-        </p:txBody>
-      </p:sp>
-      <p:sp>
-        <p:nvSpPr>
-          <p:cNvPr id="21" name="圆角矩形 20"/>
-          <p:cNvSpPr/>
-          <p:nvPr/>
-        </p:nvSpPr>
-        <p:spPr>
-          <a:xfrm>
-            <a:off x="9197975" y="4575175"/>
-            <a:ext cx="2437765" cy="538480"/>
-          </a:xfrm>
-          <a:prstGeom prst="roundRect">
-            <a:avLst/>
-          </a:prstGeom>
-        </p:spPr>
-        <p:style>
-          <a:lnRef idx="2">
-            <a:schemeClr val="accent1">
-              <a:shade val="50000"/>
-            </a:schemeClr>
-          </a:lnRef>
-          <a:fillRef idx="1">
-            <a:schemeClr val="accent1"/>
-          </a:fillRef>
-          <a:effectRef idx="0">
-            <a:schemeClr val="accent1"/>
-          </a:effectRef>
-          <a:fontRef idx="minor">
-            <a:schemeClr val="lt1"/>
-          </a:fontRef>
-        </p:style>
-        <p:txBody>
-          <a:bodyPr rtlCol="0" anchor="ctr"/>
-          <a:p>
-            <a:pPr algn="ctr"/>
-            <a:r>
-              <a:rPr lang="en-US" altLang="zh-CN" sz="1400"/>
-              <a:t>wx.on</a:t>
-            </a:r>
-            <a:r>
-              <a:rPr lang="en-US" altLang="zh-CN" sz="1400">
-                <a:sym typeface="+mn-ea"/>
-              </a:rPr>
-              <a:t>BLECharacteristicValueChange</a:t>
-            </a:r>
-            <a:r>
-              <a:rPr lang="en-US" altLang="zh-CN" sz="1400"/>
-              <a:t>()</a:t>
-            </a:r>
-            <a:endParaRPr lang="en-US" altLang="zh-CN" sz="1400"/>
-          </a:p>
-        </p:txBody>
-      </p:sp>
-      <p:cxnSp>
-        <p:nvCxnSpPr>
-          <p:cNvPr id="22" name="直接箭头连接符 21"/>
-          <p:cNvCxnSpPr>
-            <a:stCxn id="17" idx="2"/>
-            <a:endCxn id="20" idx="0"/>
-          </p:cNvCxnSpPr>
-          <p:nvPr/>
-        </p:nvCxnSpPr>
-        <p:spPr>
-          <a:xfrm>
-            <a:off x="10417810" y="3599815"/>
-            <a:ext cx="0" cy="218440"/>
-          </a:xfrm>
-          <a:prstGeom prst="straightConnector1">
-            <a:avLst/>
-          </a:prstGeom>
-          <a:ln>
-            <a:tailEnd type="arrow"/>
-          </a:ln>
-        </p:spPr>
-        <p:style>
-          <a:lnRef idx="1">
-            <a:schemeClr val="accent1"/>
-          </a:lnRef>
-          <a:fillRef idx="0">
-            <a:schemeClr val="accent1"/>
-          </a:fillRef>
-          <a:effectRef idx="0">
-            <a:schemeClr val="accent1"/>
-          </a:effectRef>
-          <a:fontRef idx="minor">
-            <a:schemeClr val="tx1"/>
-          </a:fontRef>
-        </p:style>
-      </p:cxnSp>
-      <p:cxnSp>
-        <p:nvCxnSpPr>
-          <p:cNvPr id="23" name="直接箭头连接符 22"/>
-          <p:cNvCxnSpPr>
-            <a:stCxn id="20" idx="2"/>
-            <a:endCxn id="21" idx="0"/>
-          </p:cNvCxnSpPr>
-          <p:nvPr/>
-        </p:nvCxnSpPr>
-        <p:spPr>
-          <a:xfrm flipH="1">
-            <a:off x="10417175" y="4356735"/>
-            <a:ext cx="635" cy="218440"/>
-          </a:xfrm>
-          <a:prstGeom prst="straightConnector1">
-            <a:avLst/>
-          </a:prstGeom>
-          <a:ln>
-            <a:tailEnd type="arrow"/>
-          </a:ln>
-        </p:spPr>
-        <p:style>
-          <a:lnRef idx="1">
-            <a:schemeClr val="accent1"/>
-          </a:lnRef>
-          <a:fillRef idx="0">
-            <a:schemeClr val="accent1"/>
-          </a:fillRef>
-          <a:effectRef idx="0">
-            <a:schemeClr val="accent1"/>
-          </a:effectRef>
-          <a:fontRef idx="minor">
-            <a:schemeClr val="tx1"/>
-          </a:fontRef>
-        </p:style>
-      </p:cxnSp>
-      <p:sp>
-        <p:nvSpPr>
-          <p:cNvPr id="25" name="圆角矩形 24"/>
-          <p:cNvSpPr/>
-          <p:nvPr/>
-        </p:nvSpPr>
-        <p:spPr>
-          <a:xfrm>
-            <a:off x="9199245" y="5277485"/>
-            <a:ext cx="2437765" cy="538480"/>
-          </a:xfrm>
-          <a:prstGeom prst="roundRect">
-            <a:avLst/>
-          </a:prstGeom>
-        </p:spPr>
-        <p:style>
-          <a:lnRef idx="2">
-            <a:schemeClr val="accent1">
-              <a:shade val="50000"/>
-            </a:schemeClr>
-          </a:lnRef>
-          <a:fillRef idx="1">
-            <a:schemeClr val="accent1"/>
-          </a:fillRef>
-          <a:effectRef idx="0">
-            <a:schemeClr val="accent1"/>
-          </a:effectRef>
-          <a:fontRef idx="minor">
-            <a:schemeClr val="lt1"/>
-          </a:fontRef>
-        </p:style>
-        <p:txBody>
-          <a:bodyPr rtlCol="0" anchor="ctr"/>
-          <a:p>
-            <a:pPr algn="ctr"/>
-            <a:r>
-              <a:rPr lang="en-US" altLang="zh-CN" sz="1400"/>
-              <a:t>wx.</a:t>
-            </a:r>
-            <a:r>
-              <a:rPr lang="en-US" altLang="zh-CN" sz="1400">
-                <a:sym typeface="+mn-ea"/>
-              </a:rPr>
-              <a:t>closeBLEConnection</a:t>
-            </a:r>
-            <a:r>
-              <a:rPr lang="en-US" altLang="zh-CN" sz="1400"/>
-              <a:t>()</a:t>
-            </a:r>
-            <a:endParaRPr lang="en-US" altLang="zh-CN" sz="1400"/>
-          </a:p>
-        </p:txBody>
-      </p:sp>
-      <p:cxnSp>
-        <p:nvCxnSpPr>
-          <p:cNvPr id="26" name="直接箭头连接符 25"/>
-          <p:cNvCxnSpPr>
-            <a:stCxn id="21" idx="2"/>
-            <a:endCxn id="25" idx="0"/>
-          </p:cNvCxnSpPr>
-          <p:nvPr/>
-        </p:nvCxnSpPr>
-        <p:spPr>
-          <a:xfrm>
-            <a:off x="10417175" y="5113655"/>
-            <a:ext cx="1270" cy="163830"/>
-          </a:xfrm>
-          <a:prstGeom prst="straightConnector1">
-            <a:avLst/>
-          </a:prstGeom>
-          <a:ln>
-            <a:tailEnd type="arrow"/>
-          </a:ln>
-        </p:spPr>
-        <p:style>
-          <a:lnRef idx="1">
-            <a:schemeClr val="accent1"/>
-          </a:lnRef>
-          <a:fillRef idx="0">
-            <a:schemeClr val="accent1"/>
-          </a:fillRef>
-          <a:effectRef idx="0">
-            <a:schemeClr val="accent1"/>
-          </a:effectRef>
-          <a:fontRef idx="minor">
-            <a:schemeClr val="tx1"/>
-          </a:fontRef>
-        </p:style>
-      </p:cxnSp>
-      <p:sp>
-        <p:nvSpPr>
-          <p:cNvPr id="27" name="圆角矩形 26"/>
-          <p:cNvSpPr/>
-          <p:nvPr/>
-        </p:nvSpPr>
-        <p:spPr>
-          <a:xfrm>
-            <a:off x="9197975" y="1547495"/>
-            <a:ext cx="2437765" cy="538480"/>
-          </a:xfrm>
-          <a:prstGeom prst="roundRect">
-            <a:avLst/>
-          </a:prstGeom>
-        </p:spPr>
-        <p:style>
-          <a:lnRef idx="2">
-            <a:schemeClr val="accent1">
-              <a:shade val="50000"/>
-            </a:schemeClr>
-          </a:lnRef>
-          <a:fillRef idx="1">
-            <a:schemeClr val="accent1"/>
-          </a:fillRef>
-          <a:effectRef idx="0">
-            <a:schemeClr val="accent1"/>
-          </a:effectRef>
-          <a:fontRef idx="minor">
-            <a:schemeClr val="lt1"/>
-          </a:fontRef>
-        </p:style>
-        <p:txBody>
-          <a:bodyPr rtlCol="0" anchor="ctr"/>
-          <a:p>
-            <a:pPr algn="ctr"/>
-            <a:r>
-              <a:rPr lang="en-US" altLang="zh-CN" sz="1400"/>
-              <a:t>wx.</a:t>
-            </a:r>
-            <a:r>
-              <a:rPr lang="en-US" altLang="zh-CN" sz="1400">
-                <a:solidFill>
-                  <a:srgbClr val="FFFF00"/>
-                </a:solidFill>
-              </a:rPr>
-              <a:t>getBLEDeviceCharactertics</a:t>
-            </a:r>
-            <a:r>
-              <a:rPr lang="en-US" altLang="zh-CN" sz="1400"/>
-              <a:t>()</a:t>
-            </a:r>
-            <a:endParaRPr lang="en-US" altLang="zh-CN" sz="1400"/>
-          </a:p>
-        </p:txBody>
-      </p:sp>
-      <p:cxnSp>
-        <p:nvCxnSpPr>
-          <p:cNvPr id="28" name="直接箭头连接符 27"/>
-          <p:cNvCxnSpPr>
-            <a:stCxn id="27" idx="2"/>
-            <a:endCxn id="16" idx="0"/>
-          </p:cNvCxnSpPr>
-          <p:nvPr/>
-        </p:nvCxnSpPr>
-        <p:spPr>
-          <a:xfrm>
-            <a:off x="10417175" y="2085975"/>
-            <a:ext cx="0" cy="218440"/>
-          </a:xfrm>
-          <a:prstGeom prst="straightConnector1">
-            <a:avLst/>
-          </a:prstGeom>
-          <a:ln>
-            <a:tailEnd type="arrow"/>
-          </a:ln>
-        </p:spPr>
-        <p:style>
-          <a:lnRef idx="1">
-            <a:schemeClr val="accent1"/>
-          </a:lnRef>
-          <a:fillRef idx="0">
-            <a:schemeClr val="accent1"/>
-          </a:fillRef>
-          <a:effectRef idx="0">
-            <a:schemeClr val="accent1"/>
-          </a:effectRef>
-          <a:fontRef idx="minor">
-            <a:schemeClr val="tx1"/>
-          </a:fontRef>
-        </p:style>
-      </p:cxnSp>
+      </p:pic>
     </p:spTree>
     <p:custDataLst>
-      <p:tags r:id="rId1"/>
+      <p:tags r:id="rId2"/>
     </p:custDataLst>
   </p:cSld>
   <p:clrMapOvr>
@@ -11009,7 +9857,7 @@
       <p:grpSpPr/>
       <p:sp>
         <p:nvSpPr>
-          <p:cNvPr id="4" name="标题 3"/>
+          <p:cNvPr id="2" name="标题 1"/>
           <p:cNvSpPr>
             <a:spLocks noGrp="1"/>
           </p:cNvSpPr>
@@ -11023,7 +9871,7 @@
           <a:p>
             <a:r>
               <a:rPr lang="en-US" altLang="zh-CN"/>
-              <a:t>JSSDK</a:t>
+              <a:t>Wechat Pay</a:t>
             </a:r>
             <a:endParaRPr lang="en-US" altLang="zh-CN"/>
           </a:p>
@@ -11031,29 +9879,76 @@
       </p:sp>
       <p:sp>
         <p:nvSpPr>
-          <p:cNvPr id="5" name="文本占位符 4"/>
+          <p:cNvPr id="3" name="内容占位符 2"/>
           <p:cNvSpPr>
             <a:spLocks noGrp="1"/>
           </p:cNvSpPr>
           <p:nvPr>
-            <p:ph type="body" idx="1"/>
+            <p:ph idx="1"/>
           </p:nvPr>
         </p:nvSpPr>
-        <p:spPr/>
+        <p:spPr>
+          <a:xfrm>
+            <a:off x="838200" y="1211580"/>
+            <a:ext cx="5933440" cy="4549140"/>
+          </a:xfrm>
+        </p:spPr>
         <p:txBody>
           <a:bodyPr/>
           <a:p>
             <a:r>
-              <a:rPr lang="zh-CN" altLang="en-US"/>
-              <a:t>微信内网页开发工具包</a:t>
-            </a:r>
-            <a:endParaRPr lang="zh-CN" altLang="en-US"/>
-          </a:p>
-        </p:txBody>
-      </p:sp>
+              <a:rPr lang="en-US" altLang="zh-CN"/>
+              <a:t>References</a:t>
+            </a:r>
+            <a:endParaRPr lang="en-US" altLang="zh-CN"/>
+          </a:p>
+          <a:p>
+            <a:pPr lvl="1"/>
+            <a:r>
+              <a:rPr lang="en-US" altLang="zh-CN"/>
+              <a:t>https://pay.weixin.qq.com/wiki/doc/apiv3/open/pay/chapter2_8_2.shtml</a:t>
+            </a:r>
+            <a:endParaRPr lang="en-US" altLang="zh-CN"/>
+          </a:p>
+          <a:p>
+            <a:pPr lvl="1"/>
+            <a:r>
+              <a:rPr lang="en-US" altLang="zh-CN"/>
+              <a:t>https://zhuanlan.zhihu.com/p/31445760</a:t>
+            </a:r>
+            <a:endParaRPr lang="en-US" altLang="zh-CN"/>
+          </a:p>
+        </p:txBody>
+      </p:sp>
+      <p:pic>
+        <p:nvPicPr>
+          <p:cNvPr id="104" name="图片 103"/>
+          <p:cNvPicPr/>
+          <p:nvPr/>
+        </p:nvPicPr>
+        <p:blipFill>
+          <a:blip r:embed="rId1"/>
+          <a:stretch>
+            <a:fillRect/>
+          </a:stretch>
+        </p:blipFill>
+        <p:spPr>
+          <a:xfrm>
+            <a:off x="7009750" y="0"/>
+            <a:ext cx="5013991" cy="6858000"/>
+          </a:xfrm>
+          <a:prstGeom prst="rect">
+            <a:avLst/>
+          </a:prstGeom>
+          <a:noFill/>
+          <a:ln w="9525">
+            <a:noFill/>
+          </a:ln>
+        </p:spPr>
+      </p:pic>
     </p:spTree>
     <p:custDataLst>
-      <p:tags r:id="rId1"/>
+      <p:tags r:id="rId2"/>
     </p:custDataLst>
   </p:cSld>
   <p:clrMapOvr>
@@ -11074,7 +9969,7 @@
       <p:grpSpPr/>
       <p:sp>
         <p:nvSpPr>
-          <p:cNvPr id="4" name="标题 3"/>
+          <p:cNvPr id="2" name="标题 1"/>
           <p:cNvSpPr>
             <a:spLocks noGrp="1"/>
           </p:cNvSpPr>
@@ -11087,16 +9982,16 @@
           <a:bodyPr/>
           <a:p>
             <a:r>
-              <a:rPr lang="en-US" altLang="zh-CN"/>
-              <a:t>Reference</a:t>
-            </a:r>
-            <a:endParaRPr lang="en-US" altLang="zh-CN"/>
-          </a:p>
-        </p:txBody>
-      </p:sp>
-      <p:sp>
-        <p:nvSpPr>
-          <p:cNvPr id="5" name="内容占位符 4"/>
+              <a:rPr lang="zh-CN" altLang="en-US"/>
+              <a:t>获取手机号</a:t>
+            </a:r>
+            <a:endParaRPr lang="zh-CN" altLang="en-US"/>
+          </a:p>
+        </p:txBody>
+      </p:sp>
+      <p:sp>
+        <p:nvSpPr>
+          <p:cNvPr id="3" name="内容占位符 2"/>
           <p:cNvSpPr>
             <a:spLocks noGrp="1"/>
           </p:cNvSpPr>
@@ -11104,29 +9999,234 @@
             <p:ph idx="1"/>
           </p:nvPr>
         </p:nvSpPr>
-        <p:spPr/>
+        <p:spPr>
+          <a:xfrm>
+            <a:off x="838200" y="1211580"/>
+            <a:ext cx="6967220" cy="4549140"/>
+          </a:xfrm>
+        </p:spPr>
         <p:txBody>
           <a:bodyPr/>
           <a:p>
             <a:r>
-              <a:rPr lang="zh-CN" altLang="en-US"/>
-              <a:t>https://developers.weixin.qq.com/doc/offiaccount/OA_Web_Apps/JS-SDK.html</a:t>
-            </a:r>
-            <a:endParaRPr lang="zh-CN" altLang="en-US"/>
-          </a:p>
-          <a:p>
-            <a:r>
-              <a:rPr lang="zh-CN" altLang="en-US"/>
-              <a:t>https://pay.weixin.qq.com/wiki/doc/api/index.html</a:t>
-            </a:r>
-            <a:endParaRPr lang="zh-CN" altLang="en-US"/>
-          </a:p>
-          <a:p>
-            <a:r>
-              <a:rPr lang="zh-CN" altLang="en-US"/>
-              <a:t>https://www.jianshu.com/p/b017fd6bb908</a:t>
-            </a:r>
-            <a:endParaRPr lang="zh-CN" altLang="en-US"/>
+              <a:rPr lang="en-US" altLang="zh-CN" sz="1600"/>
+              <a:t>References</a:t>
+            </a:r>
+            <a:endParaRPr lang="en-US" altLang="zh-CN" sz="1600"/>
+          </a:p>
+          <a:p>
+            <a:pPr lvl="1"/>
+            <a:r>
+              <a:rPr lang="en-US" altLang="zh-CN" sz="1400"/>
+              <a:t>https://developers.weixin.qq.com/miniprogram/dev/framework/open-ability/getPhoneNumber.html</a:t>
+            </a:r>
+            <a:endParaRPr lang="en-US" altLang="zh-CN" sz="1400"/>
+          </a:p>
+          <a:p>
+            <a:pPr lvl="1"/>
+            <a:r>
+              <a:rPr lang="en-US" altLang="zh-CN" sz="1400"/>
+              <a:t>https://developers.weixin.qq.com/miniprogram/dev/api-backend/open-api/phonenumber/phonenumber.getPhoneNumber.html</a:t>
+            </a:r>
+            <a:endParaRPr lang="en-US" altLang="zh-CN" sz="1400"/>
+          </a:p>
+          <a:p>
+            <a:pPr lvl="0"/>
+            <a:r>
+              <a:rPr lang="en-US" altLang="zh-CN" sz="1600"/>
+              <a:t>Steps</a:t>
+            </a:r>
+            <a:endParaRPr lang="en-US" altLang="zh-CN" sz="1600"/>
+          </a:p>
+          <a:p>
+            <a:pPr lvl="1"/>
+            <a:r>
+              <a:rPr lang="zh-CN" altLang="en-US" sz="1400"/>
+              <a:t>小程序端增加按钮</a:t>
+            </a:r>
+            <a:endParaRPr lang="zh-CN" altLang="en-US" sz="1400"/>
+          </a:p>
+          <a:p>
+            <a:pPr lvl="2"/>
+            <a:r>
+              <a:rPr lang="zh-CN" altLang="en-US" sz="1200"/>
+              <a:t>&lt;button open-type="getPhoneNumber" bindgetphonenumber="getPhoneNumber"&gt;&lt;/button&gt;</a:t>
+            </a:r>
+            <a:endParaRPr lang="zh-CN" altLang="en-US" sz="1200"/>
+          </a:p>
+          <a:p>
+            <a:pPr lvl="2"/>
+            <a:r>
+              <a:rPr lang="zh-CN" altLang="en-US" sz="1200"/>
+              <a:t>在</a:t>
+            </a:r>
+            <a:r>
+              <a:rPr lang="en-US" altLang="zh-CN" sz="1200"/>
+              <a:t>getPhoneNumber</a:t>
+            </a:r>
+            <a:r>
+              <a:rPr lang="zh-CN" altLang="en-US" sz="1200"/>
+              <a:t>中获取</a:t>
+            </a:r>
+            <a:r>
+              <a:rPr lang="en-US" altLang="zh-CN" sz="1200"/>
+              <a:t>code</a:t>
+            </a:r>
+            <a:endParaRPr lang="en-US" altLang="zh-CN" sz="1200"/>
+          </a:p>
+          <a:p>
+            <a:pPr lvl="3"/>
+            <a:r>
+              <a:rPr lang="zh-CN" altLang="en-US" sz="1200"/>
+              <a:t>e.detail.code</a:t>
+            </a:r>
+            <a:endParaRPr lang="zh-CN" altLang="en-US" sz="1200"/>
+          </a:p>
+          <a:p>
+            <a:pPr lvl="1"/>
+            <a:r>
+              <a:rPr lang="zh-CN" altLang="en-US" sz="1400"/>
+              <a:t>服务端</a:t>
+            </a:r>
+            <a:endParaRPr lang="zh-CN" altLang="en-US" sz="1400"/>
+          </a:p>
+          <a:p>
+            <a:pPr lvl="2"/>
+            <a:r>
+              <a:rPr lang="zh-CN" altLang="en-US" sz="1200"/>
+              <a:t>POST https://api.weixin.qq.com/wxa/business/getuserphonenumber?access_token=ACCESS_TOKEN</a:t>
+            </a:r>
+            <a:endParaRPr lang="zh-CN" altLang="en-US" sz="1200"/>
+          </a:p>
+          <a:p>
+            <a:pPr lvl="2"/>
+            <a:r>
+              <a:rPr lang="zh-CN" altLang="en-US" sz="1200"/>
+              <a:t>curl -H "Accept: application/json" -H "Content-type: application/json" -X POST -d '{"code": "e31968a7f94cc5ee25fafc2aef2773f0bb8c3937b22520eb8ee345274d00c144"}' https://api.weixin.qq.com/wxa/business/getuserphonenumber?access_token=ACCESS_TOKEN&amp;</a:t>
+            </a:r>
+            <a:endParaRPr lang="zh-CN" altLang="en-US" sz="1200"/>
+          </a:p>
+          <a:p>
+            <a:pPr lvl="1"/>
+            <a:endParaRPr lang="zh-CN" altLang="en-US" sz="1200"/>
+          </a:p>
+        </p:txBody>
+      </p:sp>
+      <p:sp>
+        <p:nvSpPr>
+          <p:cNvPr id="4" name="文本框 3"/>
+          <p:cNvSpPr txBox="1"/>
+          <p:nvPr/>
+        </p:nvSpPr>
+        <p:spPr>
+          <a:xfrm>
+            <a:off x="8284845" y="1470025"/>
+            <a:ext cx="3215005" cy="3538220"/>
+          </a:xfrm>
+          <a:prstGeom prst="rect">
+            <a:avLst/>
+          </a:prstGeom>
+          <a:noFill/>
+          <a:ln>
+            <a:solidFill>
+              <a:srgbClr val="C00000"/>
+            </a:solidFill>
+          </a:ln>
+        </p:spPr>
+        <p:txBody>
+          <a:bodyPr wrap="square" rtlCol="0">
+            <a:spAutoFit/>
+          </a:bodyPr>
+          <a:p>
+            <a:r>
+              <a:rPr lang="zh-CN" altLang="en-US" sz="1600"/>
+              <a:t>{</a:t>
+            </a:r>
+            <a:endParaRPr lang="zh-CN" altLang="en-US" sz="1600"/>
+          </a:p>
+          <a:p>
+            <a:r>
+              <a:rPr lang="zh-CN" altLang="en-US" sz="1600"/>
+              <a:t>    "errcode":0,</a:t>
+            </a:r>
+            <a:endParaRPr lang="zh-CN" altLang="en-US" sz="1600"/>
+          </a:p>
+          <a:p>
+            <a:r>
+              <a:rPr lang="zh-CN" altLang="en-US" sz="1600"/>
+              <a:t>    "errmsg":"ok",</a:t>
+            </a:r>
+            <a:endParaRPr lang="zh-CN" altLang="en-US" sz="1600"/>
+          </a:p>
+          <a:p>
+            <a:r>
+              <a:rPr lang="zh-CN" altLang="en-US" sz="1600"/>
+              <a:t>    "phone_info": {</a:t>
+            </a:r>
+            <a:endParaRPr lang="zh-CN" altLang="en-US" sz="1600"/>
+          </a:p>
+          <a:p>
+            <a:r>
+              <a:rPr lang="zh-CN" altLang="en-US" sz="1600"/>
+              <a:t>        "phoneNumber":"xxxxxx",</a:t>
+            </a:r>
+            <a:endParaRPr lang="zh-CN" altLang="en-US" sz="1600"/>
+          </a:p>
+          <a:p>
+            <a:r>
+              <a:rPr lang="zh-CN" altLang="en-US" sz="1600"/>
+              <a:t>        "purePhoneNumber": "xxxxxx",</a:t>
+            </a:r>
+            <a:endParaRPr lang="zh-CN" altLang="en-US" sz="1600"/>
+          </a:p>
+          <a:p>
+            <a:r>
+              <a:rPr lang="zh-CN" altLang="en-US" sz="1600"/>
+              <a:t>        "countryCode": 86,</a:t>
+            </a:r>
+            <a:endParaRPr lang="zh-CN" altLang="en-US" sz="1600"/>
+          </a:p>
+          <a:p>
+            <a:r>
+              <a:rPr lang="zh-CN" altLang="en-US" sz="1600"/>
+              <a:t>        "watermark": {</a:t>
+            </a:r>
+            <a:endParaRPr lang="zh-CN" altLang="en-US" sz="1600"/>
+          </a:p>
+          <a:p>
+            <a:r>
+              <a:rPr lang="zh-CN" altLang="en-US" sz="1600"/>
+              <a:t>            "timestamp": 1637744274,</a:t>
+            </a:r>
+            <a:endParaRPr lang="zh-CN" altLang="en-US" sz="1600"/>
+          </a:p>
+          <a:p>
+            <a:r>
+              <a:rPr lang="zh-CN" altLang="en-US" sz="1600"/>
+              <a:t>            "appid": "xxxx"</a:t>
+            </a:r>
+            <a:endParaRPr lang="zh-CN" altLang="en-US" sz="1600"/>
+          </a:p>
+          <a:p>
+            <a:r>
+              <a:rPr lang="zh-CN" altLang="en-US" sz="1600"/>
+              <a:t>        }</a:t>
+            </a:r>
+            <a:endParaRPr lang="zh-CN" altLang="en-US" sz="1600"/>
+          </a:p>
+          <a:p>
+            <a:r>
+              <a:rPr lang="zh-CN" altLang="en-US" sz="1600"/>
+              <a:t>    }</a:t>
+            </a:r>
+            <a:endParaRPr lang="zh-CN" altLang="en-US" sz="1600"/>
+          </a:p>
+          <a:p>
+            <a:r>
+              <a:rPr lang="zh-CN" altLang="en-US" sz="1600"/>
+              <a:t>}</a:t>
+            </a:r>
+            <a:endParaRPr lang="zh-CN" altLang="en-US" sz="1600"/>
           </a:p>
         </p:txBody>
       </p:sp>
@@ -11167,7 +10267,7 @@
           <a:p>
             <a:r>
               <a:rPr lang="en-US" altLang="zh-CN"/>
-              <a:t>Concept</a:t>
+              <a:t>Bluetooth</a:t>
             </a:r>
             <a:endParaRPr lang="en-US" altLang="zh-CN"/>
           </a:p>
@@ -11183,34 +10283,1221 @@
             <p:ph idx="1"/>
           </p:nvPr>
         </p:nvSpPr>
-        <p:spPr/>
-        <p:txBody>
-          <a:bodyPr/>
-          <a:p>
-            <a:r>
-              <a:rPr lang="en-US" altLang="zh-CN"/>
-              <a:t>Info</a:t>
-            </a:r>
-            <a:endParaRPr lang="en-US" altLang="zh-CN"/>
+        <p:spPr>
+          <a:xfrm>
+            <a:off x="838200" y="1211580"/>
+            <a:ext cx="5359400" cy="5361305"/>
+          </a:xfrm>
+        </p:spPr>
+        <p:txBody>
+          <a:bodyPr>
+            <a:noAutofit/>
+          </a:bodyPr>
+          <a:p>
+            <a:r>
+              <a:rPr lang="en-US" altLang="zh-CN" sz="1400"/>
+              <a:t>References</a:t>
+            </a:r>
+            <a:endParaRPr lang="en-US" altLang="zh-CN" sz="1400"/>
           </a:p>
           <a:p>
             <a:pPr lvl="1"/>
             <a:r>
-              <a:rPr lang="zh-CN" altLang="en-US"/>
-              <a:t>微信JS-SDK是微信公众平台 面向网页开发者提供的基于微信内的网页开发工具包。</a:t>
-            </a:r>
-            <a:endParaRPr lang="zh-CN" altLang="en-US"/>
+              <a:rPr lang="en-US" altLang="zh-CN" sz="1200"/>
+              <a:t>https://cloud.tencent.com/developer/article/1547965</a:t>
+            </a:r>
+            <a:endParaRPr lang="en-US" altLang="zh-CN" sz="1200"/>
           </a:p>
           <a:p>
             <a:pPr lvl="1"/>
             <a:r>
-              <a:rPr lang="zh-CN" altLang="en-US"/>
-              <a:t>通过使用微信JS-SDK，网页开发者可借助微信高效地使用拍照、选图、语音、位置等手机系统的能力，同时可以直接使用微信分享、扫一扫、卡券、支付等微信特有的能力，为微信用户提供更优质的网页体验。</a:t>
-            </a:r>
-            <a:endParaRPr lang="zh-CN" altLang="en-US"/>
-          </a:p>
-        </p:txBody>
-      </p:sp>
+              <a:rPr lang="en-US" altLang="zh-CN" sz="1200"/>
+              <a:t>https://zhuanlan.zhihu.com/p/28756203</a:t>
+            </a:r>
+            <a:endParaRPr lang="en-US" altLang="zh-CN" sz="1200"/>
+          </a:p>
+          <a:p>
+            <a:pPr lvl="1"/>
+            <a:r>
+              <a:rPr lang="en-US" altLang="zh-CN" sz="1200"/>
+              <a:t>https://www.jianshu.com/p/82ee9a908543</a:t>
+            </a:r>
+            <a:endParaRPr lang="en-US" altLang="zh-CN" sz="1200"/>
+          </a:p>
+          <a:p>
+            <a:pPr lvl="1"/>
+            <a:r>
+              <a:rPr lang="en-US" altLang="zh-CN" sz="1200"/>
+              <a:t>https://www.jianshu.com/p/e5a9d800f164</a:t>
+            </a:r>
+            <a:endParaRPr lang="en-US" altLang="zh-CN" sz="1200"/>
+          </a:p>
+          <a:p>
+            <a:pPr lvl="1"/>
+            <a:r>
+              <a:rPr lang="en-US" altLang="zh-CN" sz="1200"/>
+              <a:t>https://blog.csdn.net/Smile_ping/article/details/102938322</a:t>
+            </a:r>
+            <a:endParaRPr lang="en-US" altLang="zh-CN" sz="1200"/>
+          </a:p>
+          <a:p>
+            <a:pPr lvl="1"/>
+            <a:r>
+              <a:rPr lang="en-US" altLang="zh-CN" sz="1200"/>
+              <a:t>https://zhuanlan.zhihu.com/p/352194416</a:t>
+            </a:r>
+            <a:endParaRPr lang="en-US" altLang="zh-CN" sz="1200"/>
+          </a:p>
+          <a:p>
+            <a:pPr lvl="1"/>
+            <a:r>
+              <a:rPr lang="en-US" altLang="zh-CN" sz="1200"/>
+              <a:t>https://www.sunzhongwei.com/small-program-bluetooth-communication-logic-and-interface?from=bottom</a:t>
+            </a:r>
+            <a:endParaRPr lang="en-US" altLang="zh-CN" sz="1200"/>
+          </a:p>
+          <a:p>
+            <a:pPr lvl="1"/>
+            <a:r>
+              <a:rPr lang="en-US" altLang="zh-CN" sz="1200"/>
+              <a:t>https://www.sunzhongwei.com/send-instructions-wechat-small-application-of-bluetooth-communication-hexadecimal-code-conversion</a:t>
+            </a:r>
+            <a:endParaRPr lang="en-US" altLang="zh-CN" sz="1200"/>
+          </a:p>
+          <a:p>
+            <a:pPr lvl="0"/>
+            <a:r>
+              <a:rPr lang="en-US" altLang="zh-CN" sz="1400"/>
+              <a:t>APIs</a:t>
+            </a:r>
+            <a:endParaRPr lang="en-US" altLang="zh-CN" sz="1400"/>
+          </a:p>
+          <a:p>
+            <a:pPr lvl="1"/>
+            <a:r>
+              <a:rPr lang="en-US" altLang="zh-CN" sz="1200"/>
+              <a:t>wx.openBluetoothAdapter, wx.closeBluetoothAdapter</a:t>
+            </a:r>
+            <a:endParaRPr lang="en-US" altLang="zh-CN" sz="1200"/>
+          </a:p>
+          <a:p>
+            <a:pPr lvl="1"/>
+            <a:r>
+              <a:rPr lang="en-US" altLang="zh-CN" sz="1200"/>
+              <a:t>wx.startBluetoothDevicesDiscovery, wx.</a:t>
+            </a:r>
+            <a:r>
+              <a:rPr lang="en-US" altLang="zh-CN" sz="1200">
+                <a:sym typeface="+mn-ea"/>
+              </a:rPr>
+              <a:t>stopBluetoothDevicesDiscovery</a:t>
+            </a:r>
+            <a:endParaRPr lang="en-US" altLang="zh-CN" sz="1200"/>
+          </a:p>
+          <a:p>
+            <a:pPr lvl="1"/>
+            <a:r>
+              <a:rPr lang="en-US" altLang="zh-CN" sz="1200"/>
+              <a:t>wx.onBluetoothDeviceFound</a:t>
+            </a:r>
+            <a:endParaRPr lang="en-US" altLang="zh-CN" sz="1200"/>
+          </a:p>
+          <a:p>
+            <a:pPr lvl="1"/>
+            <a:r>
+              <a:rPr lang="en-US" altLang="zh-CN" sz="1200"/>
+              <a:t>wx.createBLEConnection, wx.closeBLEConnection</a:t>
+            </a:r>
+            <a:endParaRPr lang="en-US" altLang="zh-CN" sz="1200"/>
+          </a:p>
+          <a:p>
+            <a:pPr lvl="1"/>
+            <a:r>
+              <a:rPr lang="en-US" altLang="zh-CN" sz="1200"/>
+              <a:t>wx.getConnectedBluetoothDevices</a:t>
+            </a:r>
+            <a:endParaRPr lang="en-US" altLang="zh-CN" sz="1200"/>
+          </a:p>
+          <a:p>
+            <a:pPr lvl="1"/>
+            <a:r>
+              <a:rPr lang="en-US" altLang="zh-CN" sz="1200"/>
+              <a:t>wx.getBLEDeviceServices</a:t>
+            </a:r>
+            <a:endParaRPr lang="en-US" altLang="zh-CN" sz="1200"/>
+          </a:p>
+          <a:p>
+            <a:pPr lvl="1"/>
+            <a:r>
+              <a:rPr lang="en-US" altLang="zh-CN" sz="1200">
+                <a:solidFill>
+                  <a:schemeClr val="tx1"/>
+                </a:solidFill>
+                <a:sym typeface="+mn-ea"/>
+              </a:rPr>
+              <a:t>readBLECharacteristicValue, writeBLECharacteristicValue</a:t>
+            </a:r>
+            <a:endParaRPr lang="en-US" altLang="zh-CN" sz="1200">
+              <a:solidFill>
+                <a:schemeClr val="tx1"/>
+              </a:solidFill>
+              <a:sym typeface="+mn-ea"/>
+            </a:endParaRPr>
+          </a:p>
+          <a:p>
+            <a:pPr lvl="1"/>
+            <a:r>
+              <a:rPr lang="en-US" altLang="zh-CN" sz="1200">
+                <a:sym typeface="+mn-ea"/>
+              </a:rPr>
+              <a:t>notifyBLECharacteristicValueChange</a:t>
+            </a:r>
+            <a:endParaRPr lang="en-US" altLang="zh-CN" sz="1200">
+              <a:sym typeface="+mn-ea"/>
+            </a:endParaRPr>
+          </a:p>
+          <a:p>
+            <a:pPr lvl="1"/>
+            <a:r>
+              <a:rPr lang="en-US" altLang="zh-CN" sz="1200">
+                <a:sym typeface="+mn-ea"/>
+              </a:rPr>
+              <a:t>onBLECharacteristicValueChange</a:t>
+            </a:r>
+            <a:endParaRPr lang="en-US" altLang="zh-CN" sz="1200">
+              <a:solidFill>
+                <a:schemeClr val="tx1"/>
+              </a:solidFill>
+              <a:sym typeface="+mn-ea"/>
+            </a:endParaRPr>
+          </a:p>
+        </p:txBody>
+      </p:sp>
+      <p:sp>
+        <p:nvSpPr>
+          <p:cNvPr id="4" name="圆角矩形 3"/>
+          <p:cNvSpPr/>
+          <p:nvPr/>
+        </p:nvSpPr>
+        <p:spPr>
+          <a:xfrm>
+            <a:off x="6557010" y="1547495"/>
+            <a:ext cx="2302510" cy="538480"/>
+          </a:xfrm>
+          <a:prstGeom prst="roundRect">
+            <a:avLst/>
+          </a:prstGeom>
+        </p:spPr>
+        <p:style>
+          <a:lnRef idx="2">
+            <a:schemeClr val="accent1">
+              <a:shade val="50000"/>
+            </a:schemeClr>
+          </a:lnRef>
+          <a:fillRef idx="1">
+            <a:schemeClr val="accent1"/>
+          </a:fillRef>
+          <a:effectRef idx="0">
+            <a:schemeClr val="accent1"/>
+          </a:effectRef>
+          <a:fontRef idx="minor">
+            <a:schemeClr val="lt1"/>
+          </a:fontRef>
+        </p:style>
+        <p:txBody>
+          <a:bodyPr rtlCol="0" anchor="ctr"/>
+          <a:p>
+            <a:pPr algn="ctr"/>
+            <a:r>
+              <a:rPr lang="en-US" altLang="zh-CN" sz="1400"/>
+              <a:t>wx.openBluetoothAdapter()</a:t>
+            </a:r>
+            <a:endParaRPr lang="en-US" altLang="zh-CN" sz="1400"/>
+          </a:p>
+        </p:txBody>
+      </p:sp>
+      <p:sp>
+        <p:nvSpPr>
+          <p:cNvPr id="5" name="圆角矩形 4"/>
+          <p:cNvSpPr/>
+          <p:nvPr/>
+        </p:nvSpPr>
+        <p:spPr>
+          <a:xfrm>
+            <a:off x="6557010" y="2304415"/>
+            <a:ext cx="2302510" cy="538480"/>
+          </a:xfrm>
+          <a:prstGeom prst="roundRect">
+            <a:avLst/>
+          </a:prstGeom>
+          <a:solidFill>
+            <a:schemeClr val="accent6">
+              <a:lumMod val="75000"/>
+            </a:schemeClr>
+          </a:solidFill>
+        </p:spPr>
+        <p:style>
+          <a:lnRef idx="2">
+            <a:schemeClr val="accent1">
+              <a:shade val="50000"/>
+            </a:schemeClr>
+          </a:lnRef>
+          <a:fillRef idx="1">
+            <a:schemeClr val="accent1"/>
+          </a:fillRef>
+          <a:effectRef idx="0">
+            <a:schemeClr val="accent1"/>
+          </a:effectRef>
+          <a:fontRef idx="minor">
+            <a:schemeClr val="lt1"/>
+          </a:fontRef>
+        </p:style>
+        <p:txBody>
+          <a:bodyPr rtlCol="0" anchor="ctr"/>
+          <a:p>
+            <a:pPr algn="ctr"/>
+            <a:r>
+              <a:rPr lang="en-US" altLang="zh-CN" sz="1400"/>
+              <a:t>wx.startBluetoothDevicesDiscovery()</a:t>
+            </a:r>
+            <a:endParaRPr lang="en-US" altLang="zh-CN" sz="1400"/>
+          </a:p>
+        </p:txBody>
+      </p:sp>
+      <p:sp>
+        <p:nvSpPr>
+          <p:cNvPr id="6" name="圆角矩形 5"/>
+          <p:cNvSpPr/>
+          <p:nvPr/>
+        </p:nvSpPr>
+        <p:spPr>
+          <a:xfrm>
+            <a:off x="6557010" y="3061335"/>
+            <a:ext cx="2302510" cy="538480"/>
+          </a:xfrm>
+          <a:prstGeom prst="roundRect">
+            <a:avLst/>
+          </a:prstGeom>
+          <a:solidFill>
+            <a:schemeClr val="accent6">
+              <a:lumMod val="75000"/>
+            </a:schemeClr>
+          </a:solidFill>
+        </p:spPr>
+        <p:style>
+          <a:lnRef idx="2">
+            <a:schemeClr val="accent1">
+              <a:shade val="50000"/>
+            </a:schemeClr>
+          </a:lnRef>
+          <a:fillRef idx="1">
+            <a:schemeClr val="accent1"/>
+          </a:fillRef>
+          <a:effectRef idx="0">
+            <a:schemeClr val="accent1"/>
+          </a:effectRef>
+          <a:fontRef idx="minor">
+            <a:schemeClr val="lt1"/>
+          </a:fontRef>
+        </p:style>
+        <p:txBody>
+          <a:bodyPr rtlCol="0" anchor="ctr"/>
+          <a:p>
+            <a:pPr algn="ctr"/>
+            <a:r>
+              <a:rPr lang="en-US" altLang="zh-CN" sz="1400"/>
+              <a:t>wx.onBluetoothDeviceFound()</a:t>
+            </a:r>
+            <a:endParaRPr lang="en-US" altLang="zh-CN" sz="1400"/>
+          </a:p>
+        </p:txBody>
+      </p:sp>
+      <p:sp>
+        <p:nvSpPr>
+          <p:cNvPr id="7" name="圆角矩形 6"/>
+          <p:cNvSpPr/>
+          <p:nvPr/>
+        </p:nvSpPr>
+        <p:spPr>
+          <a:xfrm>
+            <a:off x="6557010" y="3818255"/>
+            <a:ext cx="2302510" cy="538480"/>
+          </a:xfrm>
+          <a:prstGeom prst="roundRect">
+            <a:avLst/>
+          </a:prstGeom>
+          <a:solidFill>
+            <a:schemeClr val="accent6">
+              <a:lumMod val="75000"/>
+            </a:schemeClr>
+          </a:solidFill>
+        </p:spPr>
+        <p:style>
+          <a:lnRef idx="2">
+            <a:schemeClr val="accent1">
+              <a:shade val="50000"/>
+            </a:schemeClr>
+          </a:lnRef>
+          <a:fillRef idx="1">
+            <a:schemeClr val="accent1"/>
+          </a:fillRef>
+          <a:effectRef idx="0">
+            <a:schemeClr val="accent1"/>
+          </a:effectRef>
+          <a:fontRef idx="minor">
+            <a:schemeClr val="lt1"/>
+          </a:fontRef>
+        </p:style>
+        <p:txBody>
+          <a:bodyPr rtlCol="0" anchor="ctr"/>
+          <a:p>
+            <a:pPr algn="ctr"/>
+            <a:r>
+              <a:rPr lang="en-US" altLang="zh-CN" sz="1400"/>
+              <a:t>wx.stopBluetoothDeviceDiscovery()</a:t>
+            </a:r>
+            <a:endParaRPr lang="en-US" altLang="zh-CN" sz="1400"/>
+          </a:p>
+        </p:txBody>
+      </p:sp>
+      <p:sp>
+        <p:nvSpPr>
+          <p:cNvPr id="8" name="圆角矩形 7"/>
+          <p:cNvSpPr/>
+          <p:nvPr/>
+        </p:nvSpPr>
+        <p:spPr>
+          <a:xfrm>
+            <a:off x="6544945" y="4575175"/>
+            <a:ext cx="2301240" cy="538480"/>
+          </a:xfrm>
+          <a:prstGeom prst="roundRect">
+            <a:avLst/>
+          </a:prstGeom>
+        </p:spPr>
+        <p:style>
+          <a:lnRef idx="2">
+            <a:schemeClr val="accent1">
+              <a:shade val="50000"/>
+            </a:schemeClr>
+          </a:lnRef>
+          <a:fillRef idx="1">
+            <a:schemeClr val="accent1"/>
+          </a:fillRef>
+          <a:effectRef idx="0">
+            <a:schemeClr val="accent1"/>
+          </a:effectRef>
+          <a:fontRef idx="minor">
+            <a:schemeClr val="lt1"/>
+          </a:fontRef>
+        </p:style>
+        <p:txBody>
+          <a:bodyPr rtlCol="0" anchor="ctr"/>
+          <a:p>
+            <a:pPr algn="ctr"/>
+            <a:r>
+              <a:rPr lang="en-US" altLang="zh-CN" sz="1400"/>
+              <a:t>wx.createBLEConnection()</a:t>
+            </a:r>
+            <a:endParaRPr lang="en-US" altLang="zh-CN" sz="1400"/>
+          </a:p>
+        </p:txBody>
+      </p:sp>
+      <p:sp>
+        <p:nvSpPr>
+          <p:cNvPr id="9" name="圆角矩形 8"/>
+          <p:cNvSpPr/>
+          <p:nvPr/>
+        </p:nvSpPr>
+        <p:spPr>
+          <a:xfrm>
+            <a:off x="6551295" y="5304790"/>
+            <a:ext cx="2301240" cy="538480"/>
+          </a:xfrm>
+          <a:prstGeom prst="roundRect">
+            <a:avLst/>
+          </a:prstGeom>
+        </p:spPr>
+        <p:style>
+          <a:lnRef idx="2">
+            <a:schemeClr val="accent1">
+              <a:shade val="50000"/>
+            </a:schemeClr>
+          </a:lnRef>
+          <a:fillRef idx="1">
+            <a:schemeClr val="accent1"/>
+          </a:fillRef>
+          <a:effectRef idx="0">
+            <a:schemeClr val="accent1"/>
+          </a:effectRef>
+          <a:fontRef idx="minor">
+            <a:schemeClr val="lt1"/>
+          </a:fontRef>
+        </p:style>
+        <p:txBody>
+          <a:bodyPr rtlCol="0" anchor="ctr"/>
+          <a:p>
+            <a:pPr algn="ctr"/>
+            <a:r>
+              <a:rPr lang="en-US" altLang="zh-CN" sz="1400"/>
+              <a:t>wx.getBLEDeviceServices()</a:t>
+            </a:r>
+            <a:endParaRPr lang="en-US" altLang="zh-CN" sz="1400"/>
+          </a:p>
+        </p:txBody>
+      </p:sp>
+      <p:cxnSp>
+        <p:nvCxnSpPr>
+          <p:cNvPr id="10" name="直接箭头连接符 9"/>
+          <p:cNvCxnSpPr>
+            <a:stCxn id="4" idx="2"/>
+            <a:endCxn id="5" idx="0"/>
+          </p:cNvCxnSpPr>
+          <p:nvPr/>
+        </p:nvCxnSpPr>
+        <p:spPr>
+          <a:xfrm>
+            <a:off x="7708265" y="2085975"/>
+            <a:ext cx="0" cy="218440"/>
+          </a:xfrm>
+          <a:prstGeom prst="straightConnector1">
+            <a:avLst/>
+          </a:prstGeom>
+          <a:ln>
+            <a:tailEnd type="arrow"/>
+          </a:ln>
+        </p:spPr>
+        <p:style>
+          <a:lnRef idx="1">
+            <a:schemeClr val="accent1"/>
+          </a:lnRef>
+          <a:fillRef idx="0">
+            <a:schemeClr val="accent1"/>
+          </a:fillRef>
+          <a:effectRef idx="0">
+            <a:schemeClr val="accent1"/>
+          </a:effectRef>
+          <a:fontRef idx="minor">
+            <a:schemeClr val="tx1"/>
+          </a:fontRef>
+        </p:style>
+      </p:cxnSp>
+      <p:cxnSp>
+        <p:nvCxnSpPr>
+          <p:cNvPr id="11" name="直接箭头连接符 10"/>
+          <p:cNvCxnSpPr>
+            <a:stCxn id="5" idx="2"/>
+            <a:endCxn id="6" idx="0"/>
+          </p:cNvCxnSpPr>
+          <p:nvPr/>
+        </p:nvCxnSpPr>
+        <p:spPr>
+          <a:xfrm>
+            <a:off x="7708265" y="2842895"/>
+            <a:ext cx="0" cy="218440"/>
+          </a:xfrm>
+          <a:prstGeom prst="straightConnector1">
+            <a:avLst/>
+          </a:prstGeom>
+          <a:ln>
+            <a:tailEnd type="arrow"/>
+          </a:ln>
+        </p:spPr>
+        <p:style>
+          <a:lnRef idx="1">
+            <a:schemeClr val="accent1"/>
+          </a:lnRef>
+          <a:fillRef idx="0">
+            <a:schemeClr val="accent1"/>
+          </a:fillRef>
+          <a:effectRef idx="0">
+            <a:schemeClr val="accent1"/>
+          </a:effectRef>
+          <a:fontRef idx="minor">
+            <a:schemeClr val="tx1"/>
+          </a:fontRef>
+        </p:style>
+      </p:cxnSp>
+      <p:cxnSp>
+        <p:nvCxnSpPr>
+          <p:cNvPr id="12" name="直接箭头连接符 11"/>
+          <p:cNvCxnSpPr>
+            <a:stCxn id="6" idx="2"/>
+            <a:endCxn id="7" idx="0"/>
+          </p:cNvCxnSpPr>
+          <p:nvPr/>
+        </p:nvCxnSpPr>
+        <p:spPr>
+          <a:xfrm>
+            <a:off x="7708265" y="3599815"/>
+            <a:ext cx="0" cy="218440"/>
+          </a:xfrm>
+          <a:prstGeom prst="straightConnector1">
+            <a:avLst/>
+          </a:prstGeom>
+          <a:ln>
+            <a:tailEnd type="arrow"/>
+          </a:ln>
+        </p:spPr>
+        <p:style>
+          <a:lnRef idx="1">
+            <a:schemeClr val="accent1"/>
+          </a:lnRef>
+          <a:fillRef idx="0">
+            <a:schemeClr val="accent1"/>
+          </a:fillRef>
+          <a:effectRef idx="0">
+            <a:schemeClr val="accent1"/>
+          </a:effectRef>
+          <a:fontRef idx="minor">
+            <a:schemeClr val="tx1"/>
+          </a:fontRef>
+        </p:style>
+      </p:cxnSp>
+      <p:cxnSp>
+        <p:nvCxnSpPr>
+          <p:cNvPr id="13" name="直接箭头连接符 12"/>
+          <p:cNvCxnSpPr>
+            <a:stCxn id="7" idx="2"/>
+            <a:endCxn id="8" idx="0"/>
+          </p:cNvCxnSpPr>
+          <p:nvPr/>
+        </p:nvCxnSpPr>
+        <p:spPr>
+          <a:xfrm flipH="1">
+            <a:off x="7695248" y="4357053"/>
+            <a:ext cx="12700" cy="218440"/>
+          </a:xfrm>
+          <a:prstGeom prst="straightConnector1">
+            <a:avLst/>
+          </a:prstGeom>
+          <a:ln>
+            <a:tailEnd type="arrow"/>
+          </a:ln>
+        </p:spPr>
+        <p:style>
+          <a:lnRef idx="1">
+            <a:schemeClr val="accent1"/>
+          </a:lnRef>
+          <a:fillRef idx="0">
+            <a:schemeClr val="accent1"/>
+          </a:fillRef>
+          <a:effectRef idx="0">
+            <a:schemeClr val="accent1"/>
+          </a:effectRef>
+          <a:fontRef idx="minor">
+            <a:schemeClr val="tx1"/>
+          </a:fontRef>
+        </p:style>
+      </p:cxnSp>
+      <p:cxnSp>
+        <p:nvCxnSpPr>
+          <p:cNvPr id="14" name="直接箭头连接符 13"/>
+          <p:cNvCxnSpPr>
+            <a:stCxn id="8" idx="2"/>
+            <a:endCxn id="9" idx="0"/>
+          </p:cNvCxnSpPr>
+          <p:nvPr/>
+        </p:nvCxnSpPr>
+        <p:spPr>
+          <a:xfrm>
+            <a:off x="7695565" y="5113655"/>
+            <a:ext cx="6350" cy="191135"/>
+          </a:xfrm>
+          <a:prstGeom prst="straightConnector1">
+            <a:avLst/>
+          </a:prstGeom>
+          <a:ln>
+            <a:tailEnd type="arrow"/>
+          </a:ln>
+        </p:spPr>
+        <p:style>
+          <a:lnRef idx="1">
+            <a:schemeClr val="accent1"/>
+          </a:lnRef>
+          <a:fillRef idx="0">
+            <a:schemeClr val="accent1"/>
+          </a:fillRef>
+          <a:effectRef idx="0">
+            <a:schemeClr val="accent1"/>
+          </a:effectRef>
+          <a:fontRef idx="minor">
+            <a:schemeClr val="tx1"/>
+          </a:fontRef>
+        </p:style>
+      </p:cxnSp>
+      <p:cxnSp>
+        <p:nvCxnSpPr>
+          <p:cNvPr id="15" name="肘形连接符 14"/>
+          <p:cNvCxnSpPr>
+            <a:stCxn id="7" idx="1"/>
+            <a:endCxn id="5" idx="1"/>
+          </p:cNvCxnSpPr>
+          <p:nvPr/>
+        </p:nvCxnSpPr>
+        <p:spPr>
+          <a:xfrm rot="10800000">
+            <a:off x="6557010" y="2573655"/>
+            <a:ext cx="3175" cy="1513840"/>
+          </a:xfrm>
+          <a:prstGeom prst="bentConnector3">
+            <a:avLst>
+              <a:gd name="adj1" fmla="val 7600000"/>
+            </a:avLst>
+          </a:prstGeom>
+          <a:ln>
+            <a:tailEnd type="arrow"/>
+          </a:ln>
+        </p:spPr>
+        <p:style>
+          <a:lnRef idx="1">
+            <a:schemeClr val="accent1"/>
+          </a:lnRef>
+          <a:fillRef idx="0">
+            <a:schemeClr val="accent1"/>
+          </a:fillRef>
+          <a:effectRef idx="0">
+            <a:schemeClr val="accent1"/>
+          </a:effectRef>
+          <a:fontRef idx="minor">
+            <a:schemeClr val="tx1"/>
+          </a:fontRef>
+        </p:style>
+      </p:cxnSp>
+      <p:sp>
+        <p:nvSpPr>
+          <p:cNvPr id="16" name="圆角矩形 15"/>
+          <p:cNvSpPr/>
+          <p:nvPr/>
+        </p:nvSpPr>
+        <p:spPr>
+          <a:xfrm>
+            <a:off x="9197975" y="2304415"/>
+            <a:ext cx="2437765" cy="538480"/>
+          </a:xfrm>
+          <a:prstGeom prst="roundRect">
+            <a:avLst/>
+          </a:prstGeom>
+        </p:spPr>
+        <p:style>
+          <a:lnRef idx="2">
+            <a:schemeClr val="accent1">
+              <a:shade val="50000"/>
+            </a:schemeClr>
+          </a:lnRef>
+          <a:fillRef idx="1">
+            <a:schemeClr val="accent1"/>
+          </a:fillRef>
+          <a:effectRef idx="0">
+            <a:schemeClr val="accent1"/>
+          </a:effectRef>
+          <a:fontRef idx="minor">
+            <a:schemeClr val="lt1"/>
+          </a:fontRef>
+        </p:style>
+        <p:txBody>
+          <a:bodyPr rtlCol="0" anchor="ctr"/>
+          <a:p>
+            <a:pPr algn="ctr"/>
+            <a:r>
+              <a:rPr lang="en-US" altLang="zh-CN" sz="1400"/>
+              <a:t>wx.</a:t>
+            </a:r>
+            <a:r>
+              <a:rPr lang="en-US" altLang="zh-CN" sz="1400">
+                <a:solidFill>
+                  <a:srgbClr val="FFFF00"/>
+                </a:solidFill>
+              </a:rPr>
+              <a:t>read</a:t>
+            </a:r>
+            <a:r>
+              <a:rPr lang="en-US" altLang="zh-CN" sz="1400"/>
+              <a:t>BLECharacteristicValue()</a:t>
+            </a:r>
+            <a:endParaRPr lang="en-US" altLang="zh-CN" sz="1400"/>
+          </a:p>
+        </p:txBody>
+      </p:sp>
+      <p:sp>
+        <p:nvSpPr>
+          <p:cNvPr id="17" name="圆角矩形 16"/>
+          <p:cNvSpPr/>
+          <p:nvPr/>
+        </p:nvSpPr>
+        <p:spPr>
+          <a:xfrm>
+            <a:off x="9198610" y="3061335"/>
+            <a:ext cx="2437765" cy="538480"/>
+          </a:xfrm>
+          <a:prstGeom prst="roundRect">
+            <a:avLst/>
+          </a:prstGeom>
+        </p:spPr>
+        <p:style>
+          <a:lnRef idx="2">
+            <a:schemeClr val="accent1">
+              <a:shade val="50000"/>
+            </a:schemeClr>
+          </a:lnRef>
+          <a:fillRef idx="1">
+            <a:schemeClr val="accent1"/>
+          </a:fillRef>
+          <a:effectRef idx="0">
+            <a:schemeClr val="accent1"/>
+          </a:effectRef>
+          <a:fontRef idx="minor">
+            <a:schemeClr val="lt1"/>
+          </a:fontRef>
+        </p:style>
+        <p:txBody>
+          <a:bodyPr rtlCol="0" anchor="ctr"/>
+          <a:p>
+            <a:pPr algn="ctr"/>
+            <a:r>
+              <a:rPr lang="en-US" altLang="zh-CN" sz="1400"/>
+              <a:t>wx.</a:t>
+            </a:r>
+            <a:r>
+              <a:rPr lang="en-US" altLang="zh-CN" sz="1400">
+                <a:solidFill>
+                  <a:srgbClr val="FFFF00"/>
+                </a:solidFill>
+              </a:rPr>
+              <a:t>write</a:t>
+            </a:r>
+            <a:r>
+              <a:rPr lang="en-US" altLang="zh-CN" sz="1400"/>
+              <a:t>BLECharacteristicValue()</a:t>
+            </a:r>
+            <a:endParaRPr lang="en-US" altLang="zh-CN" sz="1400"/>
+          </a:p>
+        </p:txBody>
+      </p:sp>
+      <p:cxnSp>
+        <p:nvCxnSpPr>
+          <p:cNvPr id="18" name="肘形连接符 17"/>
+          <p:cNvCxnSpPr>
+            <a:stCxn id="9" idx="2"/>
+            <a:endCxn id="27" idx="0"/>
+          </p:cNvCxnSpPr>
+          <p:nvPr/>
+        </p:nvCxnSpPr>
+        <p:spPr>
+          <a:xfrm rot="5400000" flipH="1" flipV="1">
+            <a:off x="6911975" y="2337435"/>
+            <a:ext cx="4295775" cy="2715260"/>
+          </a:xfrm>
+          <a:prstGeom prst="bentConnector5">
+            <a:avLst>
+              <a:gd name="adj1" fmla="val -5536"/>
+              <a:gd name="adj2" fmla="val 48725"/>
+              <a:gd name="adj3" fmla="val 105551"/>
+            </a:avLst>
+          </a:prstGeom>
+          <a:ln>
+            <a:tailEnd type="arrow"/>
+          </a:ln>
+        </p:spPr>
+        <p:style>
+          <a:lnRef idx="1">
+            <a:schemeClr val="accent1"/>
+          </a:lnRef>
+          <a:fillRef idx="0">
+            <a:schemeClr val="accent1"/>
+          </a:fillRef>
+          <a:effectRef idx="0">
+            <a:schemeClr val="accent1"/>
+          </a:effectRef>
+          <a:fontRef idx="minor">
+            <a:schemeClr val="tx1"/>
+          </a:fontRef>
+        </p:style>
+      </p:cxnSp>
+      <p:cxnSp>
+        <p:nvCxnSpPr>
+          <p:cNvPr id="19" name="直接箭头连接符 18"/>
+          <p:cNvCxnSpPr>
+            <a:stCxn id="16" idx="2"/>
+            <a:endCxn id="17" idx="0"/>
+          </p:cNvCxnSpPr>
+          <p:nvPr/>
+        </p:nvCxnSpPr>
+        <p:spPr>
+          <a:xfrm>
+            <a:off x="10417175" y="2842895"/>
+            <a:ext cx="635" cy="218440"/>
+          </a:xfrm>
+          <a:prstGeom prst="straightConnector1">
+            <a:avLst/>
+          </a:prstGeom>
+          <a:ln>
+            <a:tailEnd type="arrow"/>
+          </a:ln>
+        </p:spPr>
+        <p:style>
+          <a:lnRef idx="1">
+            <a:schemeClr val="accent1"/>
+          </a:lnRef>
+          <a:fillRef idx="0">
+            <a:schemeClr val="accent1"/>
+          </a:fillRef>
+          <a:effectRef idx="0">
+            <a:schemeClr val="accent1"/>
+          </a:effectRef>
+          <a:fontRef idx="minor">
+            <a:schemeClr val="tx1"/>
+          </a:fontRef>
+        </p:style>
+      </p:cxnSp>
+      <p:sp>
+        <p:nvSpPr>
+          <p:cNvPr id="20" name="圆角矩形 19"/>
+          <p:cNvSpPr/>
+          <p:nvPr/>
+        </p:nvSpPr>
+        <p:spPr>
+          <a:xfrm>
+            <a:off x="9198610" y="3818255"/>
+            <a:ext cx="2437765" cy="538480"/>
+          </a:xfrm>
+          <a:prstGeom prst="roundRect">
+            <a:avLst/>
+          </a:prstGeom>
+        </p:spPr>
+        <p:style>
+          <a:lnRef idx="2">
+            <a:schemeClr val="accent1">
+              <a:shade val="50000"/>
+            </a:schemeClr>
+          </a:lnRef>
+          <a:fillRef idx="1">
+            <a:schemeClr val="accent1"/>
+          </a:fillRef>
+          <a:effectRef idx="0">
+            <a:schemeClr val="accent1"/>
+          </a:effectRef>
+          <a:fontRef idx="minor">
+            <a:schemeClr val="lt1"/>
+          </a:fontRef>
+        </p:style>
+        <p:txBody>
+          <a:bodyPr rtlCol="0" anchor="ctr"/>
+          <a:p>
+            <a:pPr algn="ctr"/>
+            <a:r>
+              <a:rPr lang="en-US" altLang="zh-CN" sz="1400"/>
+              <a:t>wx.notifyBLECharacteristicValueChange()</a:t>
+            </a:r>
+            <a:endParaRPr lang="en-US" altLang="zh-CN" sz="1400"/>
+          </a:p>
+        </p:txBody>
+      </p:sp>
+      <p:sp>
+        <p:nvSpPr>
+          <p:cNvPr id="21" name="圆角矩形 20"/>
+          <p:cNvSpPr/>
+          <p:nvPr/>
+        </p:nvSpPr>
+        <p:spPr>
+          <a:xfrm>
+            <a:off x="9197975" y="4575175"/>
+            <a:ext cx="2437765" cy="538480"/>
+          </a:xfrm>
+          <a:prstGeom prst="roundRect">
+            <a:avLst/>
+          </a:prstGeom>
+        </p:spPr>
+        <p:style>
+          <a:lnRef idx="2">
+            <a:schemeClr val="accent1">
+              <a:shade val="50000"/>
+            </a:schemeClr>
+          </a:lnRef>
+          <a:fillRef idx="1">
+            <a:schemeClr val="accent1"/>
+          </a:fillRef>
+          <a:effectRef idx="0">
+            <a:schemeClr val="accent1"/>
+          </a:effectRef>
+          <a:fontRef idx="minor">
+            <a:schemeClr val="lt1"/>
+          </a:fontRef>
+        </p:style>
+        <p:txBody>
+          <a:bodyPr rtlCol="0" anchor="ctr"/>
+          <a:p>
+            <a:pPr algn="ctr"/>
+            <a:r>
+              <a:rPr lang="en-US" altLang="zh-CN" sz="1400"/>
+              <a:t>wx.on</a:t>
+            </a:r>
+            <a:r>
+              <a:rPr lang="en-US" altLang="zh-CN" sz="1400">
+                <a:sym typeface="+mn-ea"/>
+              </a:rPr>
+              <a:t>BLECharacteristicValueChange</a:t>
+            </a:r>
+            <a:r>
+              <a:rPr lang="en-US" altLang="zh-CN" sz="1400"/>
+              <a:t>()</a:t>
+            </a:r>
+            <a:endParaRPr lang="en-US" altLang="zh-CN" sz="1400"/>
+          </a:p>
+        </p:txBody>
+      </p:sp>
+      <p:cxnSp>
+        <p:nvCxnSpPr>
+          <p:cNvPr id="22" name="直接箭头连接符 21"/>
+          <p:cNvCxnSpPr>
+            <a:stCxn id="17" idx="2"/>
+            <a:endCxn id="20" idx="0"/>
+          </p:cNvCxnSpPr>
+          <p:nvPr/>
+        </p:nvCxnSpPr>
+        <p:spPr>
+          <a:xfrm>
+            <a:off x="10417810" y="3599815"/>
+            <a:ext cx="0" cy="218440"/>
+          </a:xfrm>
+          <a:prstGeom prst="straightConnector1">
+            <a:avLst/>
+          </a:prstGeom>
+          <a:ln>
+            <a:tailEnd type="arrow"/>
+          </a:ln>
+        </p:spPr>
+        <p:style>
+          <a:lnRef idx="1">
+            <a:schemeClr val="accent1"/>
+          </a:lnRef>
+          <a:fillRef idx="0">
+            <a:schemeClr val="accent1"/>
+          </a:fillRef>
+          <a:effectRef idx="0">
+            <a:schemeClr val="accent1"/>
+          </a:effectRef>
+          <a:fontRef idx="minor">
+            <a:schemeClr val="tx1"/>
+          </a:fontRef>
+        </p:style>
+      </p:cxnSp>
+      <p:cxnSp>
+        <p:nvCxnSpPr>
+          <p:cNvPr id="23" name="直接箭头连接符 22"/>
+          <p:cNvCxnSpPr>
+            <a:stCxn id="20" idx="2"/>
+            <a:endCxn id="21" idx="0"/>
+          </p:cNvCxnSpPr>
+          <p:nvPr/>
+        </p:nvCxnSpPr>
+        <p:spPr>
+          <a:xfrm flipH="1">
+            <a:off x="10417175" y="4356735"/>
+            <a:ext cx="635" cy="218440"/>
+          </a:xfrm>
+          <a:prstGeom prst="straightConnector1">
+            <a:avLst/>
+          </a:prstGeom>
+          <a:ln>
+            <a:tailEnd type="arrow"/>
+          </a:ln>
+        </p:spPr>
+        <p:style>
+          <a:lnRef idx="1">
+            <a:schemeClr val="accent1"/>
+          </a:lnRef>
+          <a:fillRef idx="0">
+            <a:schemeClr val="accent1"/>
+          </a:fillRef>
+          <a:effectRef idx="0">
+            <a:schemeClr val="accent1"/>
+          </a:effectRef>
+          <a:fontRef idx="minor">
+            <a:schemeClr val="tx1"/>
+          </a:fontRef>
+        </p:style>
+      </p:cxnSp>
+      <p:sp>
+        <p:nvSpPr>
+          <p:cNvPr id="25" name="圆角矩形 24"/>
+          <p:cNvSpPr/>
+          <p:nvPr/>
+        </p:nvSpPr>
+        <p:spPr>
+          <a:xfrm>
+            <a:off x="9199245" y="5277485"/>
+            <a:ext cx="2437765" cy="538480"/>
+          </a:xfrm>
+          <a:prstGeom prst="roundRect">
+            <a:avLst/>
+          </a:prstGeom>
+        </p:spPr>
+        <p:style>
+          <a:lnRef idx="2">
+            <a:schemeClr val="accent1">
+              <a:shade val="50000"/>
+            </a:schemeClr>
+          </a:lnRef>
+          <a:fillRef idx="1">
+            <a:schemeClr val="accent1"/>
+          </a:fillRef>
+          <a:effectRef idx="0">
+            <a:schemeClr val="accent1"/>
+          </a:effectRef>
+          <a:fontRef idx="minor">
+            <a:schemeClr val="lt1"/>
+          </a:fontRef>
+        </p:style>
+        <p:txBody>
+          <a:bodyPr rtlCol="0" anchor="ctr"/>
+          <a:p>
+            <a:pPr algn="ctr"/>
+            <a:r>
+              <a:rPr lang="en-US" altLang="zh-CN" sz="1400"/>
+              <a:t>wx.</a:t>
+            </a:r>
+            <a:r>
+              <a:rPr lang="en-US" altLang="zh-CN" sz="1400">
+                <a:sym typeface="+mn-ea"/>
+              </a:rPr>
+              <a:t>closeBLEConnection</a:t>
+            </a:r>
+            <a:r>
+              <a:rPr lang="en-US" altLang="zh-CN" sz="1400"/>
+              <a:t>()</a:t>
+            </a:r>
+            <a:endParaRPr lang="en-US" altLang="zh-CN" sz="1400"/>
+          </a:p>
+        </p:txBody>
+      </p:sp>
+      <p:cxnSp>
+        <p:nvCxnSpPr>
+          <p:cNvPr id="26" name="直接箭头连接符 25"/>
+          <p:cNvCxnSpPr>
+            <a:stCxn id="21" idx="2"/>
+            <a:endCxn id="25" idx="0"/>
+          </p:cNvCxnSpPr>
+          <p:nvPr/>
+        </p:nvCxnSpPr>
+        <p:spPr>
+          <a:xfrm>
+            <a:off x="10417175" y="5113655"/>
+            <a:ext cx="1270" cy="163830"/>
+          </a:xfrm>
+          <a:prstGeom prst="straightConnector1">
+            <a:avLst/>
+          </a:prstGeom>
+          <a:ln>
+            <a:tailEnd type="arrow"/>
+          </a:ln>
+        </p:spPr>
+        <p:style>
+          <a:lnRef idx="1">
+            <a:schemeClr val="accent1"/>
+          </a:lnRef>
+          <a:fillRef idx="0">
+            <a:schemeClr val="accent1"/>
+          </a:fillRef>
+          <a:effectRef idx="0">
+            <a:schemeClr val="accent1"/>
+          </a:effectRef>
+          <a:fontRef idx="minor">
+            <a:schemeClr val="tx1"/>
+          </a:fontRef>
+        </p:style>
+      </p:cxnSp>
+      <p:sp>
+        <p:nvSpPr>
+          <p:cNvPr id="27" name="圆角矩形 26"/>
+          <p:cNvSpPr/>
+          <p:nvPr/>
+        </p:nvSpPr>
+        <p:spPr>
+          <a:xfrm>
+            <a:off x="9197975" y="1547495"/>
+            <a:ext cx="2437765" cy="538480"/>
+          </a:xfrm>
+          <a:prstGeom prst="roundRect">
+            <a:avLst/>
+          </a:prstGeom>
+        </p:spPr>
+        <p:style>
+          <a:lnRef idx="2">
+            <a:schemeClr val="accent1">
+              <a:shade val="50000"/>
+            </a:schemeClr>
+          </a:lnRef>
+          <a:fillRef idx="1">
+            <a:schemeClr val="accent1"/>
+          </a:fillRef>
+          <a:effectRef idx="0">
+            <a:schemeClr val="accent1"/>
+          </a:effectRef>
+          <a:fontRef idx="minor">
+            <a:schemeClr val="lt1"/>
+          </a:fontRef>
+        </p:style>
+        <p:txBody>
+          <a:bodyPr rtlCol="0" anchor="ctr"/>
+          <a:p>
+            <a:pPr algn="ctr"/>
+            <a:r>
+              <a:rPr lang="en-US" altLang="zh-CN" sz="1400"/>
+              <a:t>wx.</a:t>
+            </a:r>
+            <a:r>
+              <a:rPr lang="en-US" altLang="zh-CN" sz="1400">
+                <a:solidFill>
+                  <a:srgbClr val="FFFF00"/>
+                </a:solidFill>
+              </a:rPr>
+              <a:t>getBLEDeviceCharactertics</a:t>
+            </a:r>
+            <a:r>
+              <a:rPr lang="en-US" altLang="zh-CN" sz="1400"/>
+              <a:t>()</a:t>
+            </a:r>
+            <a:endParaRPr lang="en-US" altLang="zh-CN" sz="1400"/>
+          </a:p>
+        </p:txBody>
+      </p:sp>
+      <p:cxnSp>
+        <p:nvCxnSpPr>
+          <p:cNvPr id="28" name="直接箭头连接符 27"/>
+          <p:cNvCxnSpPr>
+            <a:stCxn id="27" idx="2"/>
+            <a:endCxn id="16" idx="0"/>
+          </p:cNvCxnSpPr>
+          <p:nvPr/>
+        </p:nvCxnSpPr>
+        <p:spPr>
+          <a:xfrm>
+            <a:off x="10417175" y="2085975"/>
+            <a:ext cx="0" cy="218440"/>
+          </a:xfrm>
+          <a:prstGeom prst="straightConnector1">
+            <a:avLst/>
+          </a:prstGeom>
+          <a:ln>
+            <a:tailEnd type="arrow"/>
+          </a:ln>
+        </p:spPr>
+        <p:style>
+          <a:lnRef idx="1">
+            <a:schemeClr val="accent1"/>
+          </a:lnRef>
+          <a:fillRef idx="0">
+            <a:schemeClr val="accent1"/>
+          </a:fillRef>
+          <a:effectRef idx="0">
+            <a:schemeClr val="accent1"/>
+          </a:effectRef>
+          <a:fontRef idx="minor">
+            <a:schemeClr val="tx1"/>
+          </a:fontRef>
+        </p:style>
+      </p:cxnSp>
     </p:spTree>
     <p:custDataLst>
       <p:tags r:id="rId1"/>
@@ -11248,43 +11535,15 @@
           <a:p>
             <a:r>
               <a:rPr lang="zh-CN" altLang="en-US"/>
-              <a:t>公众号准备</a:t>
+              <a:t>推送消息</a:t>
             </a:r>
             <a:endParaRPr lang="zh-CN" altLang="en-US"/>
           </a:p>
         </p:txBody>
       </p:sp>
-      <p:pic>
-        <p:nvPicPr>
-          <p:cNvPr id="4" name="图片 3"/>
-          <p:cNvPicPr>
-            <a:picLocks noChangeAspect="1"/>
-          </p:cNvPicPr>
-          <p:nvPr>
-            <p:custDataLst>
-              <p:tags r:id="rId1"/>
-            </p:custDataLst>
-          </p:nvPr>
-        </p:nvPicPr>
-        <p:blipFill>
-          <a:blip r:embed="rId2"/>
-          <a:stretch>
-            <a:fillRect/>
-          </a:stretch>
-        </p:blipFill>
-        <p:spPr>
-          <a:xfrm>
-            <a:off x="6391275" y="1013460"/>
-            <a:ext cx="4665980" cy="2408555"/>
-          </a:xfrm>
-          <a:prstGeom prst="rect">
-            <a:avLst/>
-          </a:prstGeom>
-        </p:spPr>
-      </p:pic>
-      <p:sp>
-        <p:nvSpPr>
-          <p:cNvPr id="5" name="内容占位符 4"/>
+      <p:sp>
+        <p:nvSpPr>
+          <p:cNvPr id="3" name="内容占位符 2"/>
           <p:cNvSpPr>
             <a:spLocks noGrp="1"/>
           </p:cNvSpPr>
@@ -11295,105 +11554,171 @@
         <p:spPr>
           <a:xfrm>
             <a:off x="838200" y="1211580"/>
-            <a:ext cx="4257675" cy="4549140"/>
-          </a:xfrm>
-        </p:spPr>
-        <p:txBody>
-          <a:bodyPr/>
-          <a:p>
-            <a:r>
-              <a:rPr lang="en-US" altLang="zh-CN"/>
-              <a:t>App ID</a:t>
-            </a:r>
-            <a:r>
-              <a:rPr lang="zh-CN" altLang="en-US"/>
-              <a:t>和</a:t>
-            </a:r>
-            <a:r>
-              <a:rPr lang="en-US" altLang="zh-CN"/>
-              <a:t>secret</a:t>
-            </a:r>
-            <a:endParaRPr lang="en-US" altLang="zh-CN"/>
-          </a:p>
-          <a:p>
-            <a:r>
-              <a:rPr lang="en-US" altLang="zh-CN"/>
-              <a:t>JS</a:t>
-            </a:r>
-            <a:r>
-              <a:rPr lang="zh-CN" altLang="en-US"/>
-              <a:t>接口安全域名</a:t>
-            </a:r>
-            <a:endParaRPr lang="zh-CN" altLang="en-US"/>
-          </a:p>
-          <a:p>
-            <a:r>
-              <a:rPr lang="en-US" altLang="zh-CN"/>
-              <a:t>IP</a:t>
-            </a:r>
-            <a:r>
-              <a:rPr lang="zh-CN" altLang="en-US"/>
-              <a:t>白名单</a:t>
-            </a:r>
-            <a:endParaRPr lang="zh-CN" altLang="en-US"/>
+            <a:ext cx="7882255" cy="4549140"/>
+          </a:xfrm>
+        </p:spPr>
+        <p:txBody>
+          <a:bodyPr>
+            <a:normAutofit lnSpcReduction="20000"/>
+          </a:bodyPr>
+          <a:p>
+            <a:r>
+              <a:rPr lang="zh-CN" altLang="en-US" sz="2000"/>
+              <a:t>模板消息</a:t>
+            </a:r>
+            <a:endParaRPr lang="zh-CN" altLang="en-US" sz="2000"/>
+          </a:p>
+          <a:p>
+            <a:pPr lvl="1"/>
+            <a:r>
+              <a:rPr lang="zh-CN" altLang="en-US" sz="1800"/>
+              <a:t>已于2020年1月10日下线</a:t>
+            </a:r>
+            <a:endParaRPr lang="zh-CN" altLang="en-US" sz="1800"/>
+          </a:p>
+          <a:p>
+            <a:pPr lvl="0"/>
+            <a:r>
+              <a:rPr lang="zh-CN" altLang="en-US" sz="2000"/>
+              <a:t>订阅消息</a:t>
+            </a:r>
+            <a:endParaRPr lang="zh-CN" altLang="en-US" sz="2000"/>
+          </a:p>
+          <a:p>
+            <a:pPr lvl="1"/>
+            <a:r>
+              <a:rPr lang="en-US" altLang="zh-CN" sz="1800"/>
+              <a:t>References</a:t>
+            </a:r>
+            <a:endParaRPr lang="en-US" altLang="zh-CN" sz="1800"/>
+          </a:p>
+          <a:p>
+            <a:pPr lvl="2"/>
+            <a:r>
+              <a:rPr lang="en-US" altLang="zh-CN" sz="1600"/>
+              <a:t>https://developers.weixin.qq.com/miniprogram/dev/framework/open-ability/subscribe-message.html</a:t>
+            </a:r>
+            <a:endParaRPr lang="en-US" altLang="zh-CN" sz="1600"/>
+          </a:p>
+          <a:p>
+            <a:pPr lvl="2"/>
+            <a:r>
+              <a:rPr lang="en-US" altLang="zh-CN" sz="1600"/>
+              <a:t>https://developers.weixin.qq.com/miniprogram/dev/api/open-api/subscribe-message/wx.requestSubscribeMessage.html</a:t>
+            </a:r>
+            <a:endParaRPr lang="en-US" altLang="zh-CN" sz="1600"/>
+          </a:p>
+          <a:p>
+            <a:pPr lvl="1"/>
+            <a:r>
+              <a:rPr lang="en-US" altLang="zh-CN" sz="1800"/>
+              <a:t>订阅消息推送位置：服务通知</a:t>
+            </a:r>
+            <a:endParaRPr lang="en-US" altLang="zh-CN" sz="1800"/>
+          </a:p>
+          <a:p>
+            <a:pPr lvl="1"/>
+            <a:r>
+              <a:rPr lang="en-US" altLang="zh-CN" sz="1800"/>
+              <a:t>订阅消息下发条件：用户自主订阅</a:t>
+            </a:r>
+            <a:endParaRPr lang="en-US" altLang="zh-CN" sz="1800"/>
+          </a:p>
+          <a:p>
+            <a:pPr lvl="1"/>
+            <a:r>
+              <a:rPr lang="en-US" altLang="zh-CN" sz="1800"/>
+              <a:t>订阅消息卡片跳转能力：点击查看详情可跳转至该小程序的页面</a:t>
+            </a:r>
+            <a:endParaRPr lang="en-US" altLang="zh-CN" sz="1800"/>
+          </a:p>
+          <a:p>
+            <a:pPr lvl="1"/>
+            <a:r>
+              <a:rPr lang="zh-CN" altLang="en-US" sz="1800"/>
+              <a:t>使用步骤</a:t>
+            </a:r>
+            <a:endParaRPr lang="zh-CN" altLang="en-US" sz="1800"/>
+          </a:p>
+          <a:p>
+            <a:pPr lvl="2"/>
+            <a:r>
+              <a:rPr lang="zh-CN" altLang="en-US" sz="1620"/>
+              <a:t>获取模板 ID</a:t>
+            </a:r>
+            <a:endParaRPr lang="zh-CN" altLang="en-US" sz="1620"/>
+          </a:p>
+          <a:p>
+            <a:pPr lvl="2"/>
+            <a:r>
+              <a:rPr lang="zh-CN" altLang="en-US" sz="1620"/>
+              <a:t>获取下发权限</a:t>
+            </a:r>
+            <a:endParaRPr lang="zh-CN" altLang="en-US" sz="1620"/>
+          </a:p>
+          <a:p>
+            <a:pPr lvl="3"/>
+            <a:r>
+              <a:rPr lang="zh-CN" altLang="en-US" sz="1620"/>
+              <a:t>wx.requestSubscribeMessage</a:t>
+            </a:r>
+            <a:endParaRPr lang="zh-CN" altLang="en-US" sz="1620"/>
+          </a:p>
+          <a:p>
+            <a:pPr lvl="3"/>
+            <a:r>
+              <a:rPr lang="en-US" altLang="zh-CN" sz="1620"/>
+              <a:t>一次调用最多可订阅3条消息</a:t>
+            </a:r>
+            <a:endParaRPr lang="en-US" altLang="zh-CN" sz="1620"/>
+          </a:p>
+          <a:p>
+            <a:pPr lvl="2"/>
+            <a:r>
+              <a:rPr lang="en-US" altLang="zh-CN" sz="1620"/>
+              <a:t>调用接口下发订阅消息</a:t>
+            </a:r>
+            <a:endParaRPr lang="en-US" altLang="zh-CN" sz="1620"/>
+          </a:p>
+          <a:p>
+            <a:pPr lvl="3"/>
+            <a:r>
+              <a:rPr lang="en-US" altLang="zh-CN" sz="1620"/>
+              <a:t>subscribeMessage.send</a:t>
+            </a:r>
+            <a:endParaRPr lang="en-US" altLang="zh-CN" sz="1620"/>
           </a:p>
         </p:txBody>
       </p:sp>
       <p:pic>
         <p:nvPicPr>
-          <p:cNvPr id="6" name="图片 5"/>
-          <p:cNvPicPr>
-            <a:picLocks noChangeAspect="1"/>
-          </p:cNvPicPr>
-          <p:nvPr>
-            <p:custDataLst>
-              <p:tags r:id="rId3"/>
-            </p:custDataLst>
-          </p:nvPr>
+          <p:cNvPr id="100" name="图片 99"/>
+          <p:cNvPicPr/>
+          <p:nvPr/>
         </p:nvPicPr>
         <p:blipFill>
-          <a:blip r:embed="rId4"/>
+          <a:blip r:embed="rId1"/>
           <a:stretch>
             <a:fillRect/>
           </a:stretch>
         </p:blipFill>
         <p:spPr>
           <a:xfrm>
-            <a:off x="1183005" y="3642995"/>
-            <a:ext cx="4681220" cy="2416810"/>
+            <a:off x="9518015" y="415290"/>
+            <a:ext cx="2042795" cy="4420235"/>
           </a:xfrm>
           <a:prstGeom prst="rect">
             <a:avLst/>
           </a:prstGeom>
-        </p:spPr>
-      </p:pic>
-      <p:pic>
-        <p:nvPicPr>
-          <p:cNvPr id="9" name="图片 8"/>
-          <p:cNvPicPr>
-            <a:picLocks noChangeAspect="1"/>
-          </p:cNvPicPr>
-          <p:nvPr/>
-        </p:nvPicPr>
-        <p:blipFill>
-          <a:blip r:embed="rId5"/>
-          <a:stretch>
-            <a:fillRect/>
-          </a:stretch>
-        </p:blipFill>
-        <p:spPr>
-          <a:xfrm>
-            <a:off x="6391275" y="3642995"/>
-            <a:ext cx="4681855" cy="2416175"/>
-          </a:xfrm>
-          <a:prstGeom prst="rect">
-            <a:avLst/>
-          </a:prstGeom>
+          <a:noFill/>
+          <a:ln w="9525">
+            <a:noFill/>
+          </a:ln>
         </p:spPr>
       </p:pic>
     </p:spTree>
     <p:custDataLst>
-      <p:tags r:id="rId6"/>
+      <p:tags r:id="rId2"/>
     </p:custDataLst>
   </p:cSld>
   <p:clrMapOvr>
@@ -11414,7 +11739,7 @@
       <p:grpSpPr/>
       <p:sp>
         <p:nvSpPr>
-          <p:cNvPr id="2" name="标题 1"/>
+          <p:cNvPr id="4" name="标题 3"/>
           <p:cNvSpPr>
             <a:spLocks noGrp="1"/>
           </p:cNvSpPr>
@@ -11428,7 +11753,7 @@
           <a:p>
             <a:r>
               <a:rPr lang="en-US" altLang="zh-CN"/>
-              <a:t>Prepare</a:t>
+              <a:t>JSSDK</a:t>
             </a:r>
             <a:endParaRPr lang="en-US" altLang="zh-CN"/>
           </a:p>
@@ -11436,312 +11761,21 @@
       </p:sp>
       <p:sp>
         <p:nvSpPr>
-          <p:cNvPr id="4" name="流程图: 过程 3"/>
-          <p:cNvSpPr/>
-          <p:nvPr/>
-        </p:nvSpPr>
-        <p:spPr>
-          <a:xfrm>
-            <a:off x="1395095" y="1537970"/>
-            <a:ext cx="3233420" cy="821690"/>
-          </a:xfrm>
-          <a:prstGeom prst="flowChartProcess">
-            <a:avLst/>
-          </a:prstGeom>
-        </p:spPr>
-        <p:style>
-          <a:lnRef idx="2">
-            <a:schemeClr val="accent1">
-              <a:shade val="50000"/>
-            </a:schemeClr>
-          </a:lnRef>
-          <a:fillRef idx="1">
-            <a:schemeClr val="accent1"/>
-          </a:fillRef>
-          <a:effectRef idx="0">
-            <a:schemeClr val="accent1"/>
-          </a:effectRef>
-          <a:fontRef idx="minor">
-            <a:schemeClr val="lt1"/>
-          </a:fontRef>
-        </p:style>
-        <p:txBody>
-          <a:bodyPr rtlCol="0" anchor="ctr"/>
-          <a:p>
-            <a:pPr algn="ctr"/>
+          <p:cNvPr id="5" name="文本占位符 4"/>
+          <p:cNvSpPr>
+            <a:spLocks noGrp="1"/>
+          </p:cNvSpPr>
+          <p:nvPr>
+            <p:ph type="body" idx="1"/>
+          </p:nvPr>
+        </p:nvSpPr>
+        <p:spPr/>
+        <p:txBody>
+          <a:bodyPr/>
+          <a:p>
             <a:r>
               <a:rPr lang="zh-CN" altLang="en-US"/>
-              <a:t>在微信公众平台中绑定域名，设置</a:t>
-            </a:r>
-            <a:r>
-              <a:rPr lang="en-US" altLang="zh-CN"/>
-              <a:t>IP</a:t>
-            </a:r>
-            <a:r>
-              <a:rPr lang="zh-CN" altLang="en-US"/>
-              <a:t>白名单</a:t>
-            </a:r>
-            <a:endParaRPr lang="zh-CN" altLang="en-US"/>
-          </a:p>
-        </p:txBody>
-      </p:sp>
-      <p:sp>
-        <p:nvSpPr>
-          <p:cNvPr id="5" name="流程图: 过程 4"/>
-          <p:cNvSpPr/>
-          <p:nvPr/>
-        </p:nvSpPr>
-        <p:spPr>
-          <a:xfrm>
-            <a:off x="1395095" y="2750185"/>
-            <a:ext cx="3233420" cy="821690"/>
-          </a:xfrm>
-          <a:prstGeom prst="flowChartProcess">
-            <a:avLst/>
-          </a:prstGeom>
-        </p:spPr>
-        <p:style>
-          <a:lnRef idx="2">
-            <a:schemeClr val="accent1">
-              <a:shade val="50000"/>
-            </a:schemeClr>
-          </a:lnRef>
-          <a:fillRef idx="1">
-            <a:schemeClr val="accent1"/>
-          </a:fillRef>
-          <a:effectRef idx="0">
-            <a:schemeClr val="accent1"/>
-          </a:effectRef>
-          <a:fontRef idx="minor">
-            <a:schemeClr val="lt1"/>
-          </a:fontRef>
-        </p:style>
-        <p:txBody>
-          <a:bodyPr rtlCol="0" anchor="ctr"/>
-          <a:p>
-            <a:pPr algn="ctr"/>
-            <a:r>
-              <a:rPr lang="zh-CN" altLang="en-US"/>
-              <a:t>前端引入相关</a:t>
-            </a:r>
-            <a:r>
-              <a:rPr lang="en-US" altLang="zh-CN"/>
-              <a:t>JS</a:t>
-            </a:r>
-            <a:r>
-              <a:rPr lang="zh-CN" altLang="en-US"/>
-              <a:t>文件</a:t>
-            </a:r>
-            <a:endParaRPr lang="zh-CN" altLang="en-US"/>
-          </a:p>
-        </p:txBody>
-      </p:sp>
-      <p:sp>
-        <p:nvSpPr>
-          <p:cNvPr id="6" name="流程图: 过程 5"/>
-          <p:cNvSpPr/>
-          <p:nvPr/>
-        </p:nvSpPr>
-        <p:spPr>
-          <a:xfrm>
-            <a:off x="1395095" y="4053840"/>
-            <a:ext cx="3233420" cy="821690"/>
-          </a:xfrm>
-          <a:prstGeom prst="flowChartProcess">
-            <a:avLst/>
-          </a:prstGeom>
-        </p:spPr>
-        <p:style>
-          <a:lnRef idx="2">
-            <a:schemeClr val="accent1">
-              <a:shade val="50000"/>
-            </a:schemeClr>
-          </a:lnRef>
-          <a:fillRef idx="1">
-            <a:schemeClr val="accent1"/>
-          </a:fillRef>
-          <a:effectRef idx="0">
-            <a:schemeClr val="accent1"/>
-          </a:effectRef>
-          <a:fontRef idx="minor">
-            <a:schemeClr val="lt1"/>
-          </a:fontRef>
-        </p:style>
-        <p:txBody>
-          <a:bodyPr vertOverflow="overflow" horzOverflow="overflow" vert="horz" wrap="square" numCol="1" spcCol="0" rtlCol="0" fromWordArt="0" anchor="ctr" anchorCtr="0" forceAA="0" compatLnSpc="1">
-            <a:noAutofit/>
-          </a:bodyPr>
-          <a:p>
-            <a:pPr lvl="0" algn="ctr">
-              <a:buClrTx/>
-              <a:buSzTx/>
-              <a:buFontTx/>
-            </a:pPr>
-            <a:r>
-              <a:rPr lang="zh-CN" altLang="en-US">
-                <a:sym typeface="+mn-ea"/>
-              </a:rPr>
-              <a:t>通过config接口注入权限验证配置</a:t>
-            </a:r>
-            <a:endParaRPr lang="zh-CN" altLang="en-US">
-              <a:sym typeface="+mn-ea"/>
-            </a:endParaRPr>
-          </a:p>
-        </p:txBody>
-      </p:sp>
-      <p:cxnSp>
-        <p:nvCxnSpPr>
-          <p:cNvPr id="7" name="直接箭头连接符 6"/>
-          <p:cNvCxnSpPr>
-            <a:stCxn id="4" idx="2"/>
-            <a:endCxn id="5" idx="0"/>
-          </p:cNvCxnSpPr>
-          <p:nvPr/>
-        </p:nvCxnSpPr>
-        <p:spPr>
-          <a:xfrm>
-            <a:off x="3011805" y="2359660"/>
-            <a:ext cx="0" cy="390525"/>
-          </a:xfrm>
-          <a:prstGeom prst="straightConnector1">
-            <a:avLst/>
-          </a:prstGeom>
-          <a:ln>
-            <a:tailEnd type="arrow"/>
-          </a:ln>
-        </p:spPr>
-        <p:style>
-          <a:lnRef idx="1">
-            <a:schemeClr val="accent1"/>
-          </a:lnRef>
-          <a:fillRef idx="0">
-            <a:schemeClr val="accent1"/>
-          </a:fillRef>
-          <a:effectRef idx="0">
-            <a:schemeClr val="accent1"/>
-          </a:effectRef>
-          <a:fontRef idx="minor">
-            <a:schemeClr val="tx1"/>
-          </a:fontRef>
-        </p:style>
-      </p:cxnSp>
-      <p:cxnSp>
-        <p:nvCxnSpPr>
-          <p:cNvPr id="8" name="直接箭头连接符 7"/>
-          <p:cNvCxnSpPr>
-            <a:stCxn id="5" idx="2"/>
-            <a:endCxn id="6" idx="0"/>
-          </p:cNvCxnSpPr>
-          <p:nvPr/>
-        </p:nvCxnSpPr>
-        <p:spPr>
-          <a:xfrm>
-            <a:off x="3011805" y="3571875"/>
-            <a:ext cx="0" cy="481965"/>
-          </a:xfrm>
-          <a:prstGeom prst="straightConnector1">
-            <a:avLst/>
-          </a:prstGeom>
-          <a:ln>
-            <a:tailEnd type="arrow"/>
-          </a:ln>
-        </p:spPr>
-        <p:style>
-          <a:lnRef idx="1">
-            <a:schemeClr val="accent1"/>
-          </a:lnRef>
-          <a:fillRef idx="0">
-            <a:schemeClr val="accent1"/>
-          </a:fillRef>
-          <a:effectRef idx="0">
-            <a:schemeClr val="accent1"/>
-          </a:effectRef>
-          <a:fontRef idx="minor">
-            <a:schemeClr val="tx1"/>
-          </a:fontRef>
-        </p:style>
-      </p:cxnSp>
-      <p:sp>
-        <p:nvSpPr>
-          <p:cNvPr id="11" name="圆角矩形 10"/>
-          <p:cNvSpPr/>
-          <p:nvPr/>
-        </p:nvSpPr>
-        <p:spPr>
-          <a:xfrm>
-            <a:off x="742950" y="5554345"/>
-            <a:ext cx="1629410" cy="573405"/>
-          </a:xfrm>
-          <a:prstGeom prst="roundRect">
-            <a:avLst/>
-          </a:prstGeom>
-        </p:spPr>
-        <p:style>
-          <a:lnRef idx="2">
-            <a:schemeClr val="accent1">
-              <a:shade val="50000"/>
-            </a:schemeClr>
-          </a:lnRef>
-          <a:fillRef idx="1">
-            <a:schemeClr val="accent1"/>
-          </a:fillRef>
-          <a:effectRef idx="0">
-            <a:schemeClr val="accent1"/>
-          </a:effectRef>
-          <a:fontRef idx="minor">
-            <a:schemeClr val="lt1"/>
-          </a:fontRef>
-        </p:style>
-        <p:txBody>
-          <a:bodyPr rtlCol="0" anchor="ctr"/>
-          <a:p>
-            <a:pPr algn="ctr"/>
-            <a:r>
-              <a:rPr lang="zh-CN" altLang="en-US"/>
-              <a:t>分享好友</a:t>
-            </a:r>
-            <a:endParaRPr lang="zh-CN" altLang="en-US"/>
-          </a:p>
-        </p:txBody>
-      </p:sp>
-      <p:sp>
-        <p:nvSpPr>
-          <p:cNvPr id="12" name="圆角矩形 11"/>
-          <p:cNvSpPr/>
-          <p:nvPr/>
-        </p:nvSpPr>
-        <p:spPr>
-          <a:xfrm>
-            <a:off x="3573780" y="5554345"/>
-            <a:ext cx="1629410" cy="573405"/>
-          </a:xfrm>
-          <a:prstGeom prst="roundRect">
-            <a:avLst/>
-          </a:prstGeom>
-        </p:spPr>
-        <p:style>
-          <a:lnRef idx="2">
-            <a:schemeClr val="accent1">
-              <a:shade val="50000"/>
-            </a:schemeClr>
-          </a:lnRef>
-          <a:fillRef idx="1">
-            <a:schemeClr val="accent1"/>
-          </a:fillRef>
-          <a:effectRef idx="0">
-            <a:schemeClr val="accent1"/>
-          </a:effectRef>
-          <a:fontRef idx="minor">
-            <a:schemeClr val="lt1"/>
-          </a:fontRef>
-        </p:style>
-        <p:txBody>
-          <a:bodyPr rtlCol="0" anchor="ctr"/>
-          <a:p>
-            <a:pPr algn="ctr"/>
-            <a:r>
-              <a:rPr lang="zh-CN" altLang="en-US"/>
-              <a:t>分享朋友圈</a:t>
+              <a:t>微信内网页开发工具包</a:t>
             </a:r>
             <a:endParaRPr lang="zh-CN" altLang="en-US"/>
           </a:p>
@@ -11770,7 +11804,7 @@
       <p:grpSpPr/>
       <p:sp>
         <p:nvSpPr>
-          <p:cNvPr id="2" name="标题 1"/>
+          <p:cNvPr id="4" name="标题 3"/>
           <p:cNvSpPr>
             <a:spLocks noGrp="1"/>
           </p:cNvSpPr>
@@ -11784,63 +11818,51 @@
           <a:p>
             <a:r>
               <a:rPr lang="en-US" altLang="zh-CN"/>
-              <a:t>Share</a:t>
+              <a:t>Reference</a:t>
             </a:r>
             <a:endParaRPr lang="en-US" altLang="zh-CN"/>
           </a:p>
         </p:txBody>
       </p:sp>
-      <p:pic>
-        <p:nvPicPr>
-          <p:cNvPr id="9" name="图片 8"/>
-          <p:cNvPicPr>
-            <a:picLocks noChangeAspect="1"/>
-          </p:cNvPicPr>
-          <p:nvPr/>
-        </p:nvPicPr>
-        <p:blipFill>
-          <a:blip r:embed="rId1"/>
-          <a:stretch>
-            <a:fillRect/>
-          </a:stretch>
-        </p:blipFill>
-        <p:spPr>
-          <a:xfrm>
-            <a:off x="1984375" y="1122045"/>
-            <a:ext cx="6305550" cy="2552700"/>
-          </a:xfrm>
-          <a:prstGeom prst="rect">
-            <a:avLst/>
-          </a:prstGeom>
-        </p:spPr>
-      </p:pic>
-      <p:pic>
-        <p:nvPicPr>
-          <p:cNvPr id="10" name="图片 9"/>
-          <p:cNvPicPr>
-            <a:picLocks noChangeAspect="1"/>
-          </p:cNvPicPr>
-          <p:nvPr/>
-        </p:nvPicPr>
-        <p:blipFill>
-          <a:blip r:embed="rId2"/>
-          <a:stretch>
-            <a:fillRect/>
-          </a:stretch>
-        </p:blipFill>
-        <p:spPr>
-          <a:xfrm>
-            <a:off x="1984375" y="4001135"/>
-            <a:ext cx="6267450" cy="2333625"/>
-          </a:xfrm>
-          <a:prstGeom prst="rect">
-            <a:avLst/>
-          </a:prstGeom>
-        </p:spPr>
-      </p:pic>
+      <p:sp>
+        <p:nvSpPr>
+          <p:cNvPr id="5" name="内容占位符 4"/>
+          <p:cNvSpPr>
+            <a:spLocks noGrp="1"/>
+          </p:cNvSpPr>
+          <p:nvPr>
+            <p:ph idx="1"/>
+          </p:nvPr>
+        </p:nvSpPr>
+        <p:spPr/>
+        <p:txBody>
+          <a:bodyPr/>
+          <a:p>
+            <a:r>
+              <a:rPr lang="zh-CN" altLang="en-US"/>
+              <a:t>https://developers.weixin.qq.com/doc/offiaccount/OA_Web_Apps/JS-SDK.html</a:t>
+            </a:r>
+            <a:endParaRPr lang="zh-CN" altLang="en-US"/>
+          </a:p>
+          <a:p>
+            <a:r>
+              <a:rPr lang="zh-CN" altLang="en-US"/>
+              <a:t>https://pay.weixin.qq.com/wiki/doc/api/index.html</a:t>
+            </a:r>
+            <a:endParaRPr lang="zh-CN" altLang="en-US"/>
+          </a:p>
+          <a:p>
+            <a:r>
+              <a:rPr lang="zh-CN" altLang="en-US"/>
+              <a:t>https://www.jianshu.com/p/b017fd6bb908</a:t>
+            </a:r>
+            <a:endParaRPr lang="zh-CN" altLang="en-US"/>
+          </a:p>
+        </p:txBody>
+      </p:sp>
     </p:spTree>
     <p:custDataLst>
-      <p:tags r:id="rId3"/>
+      <p:tags r:id="rId1"/>
     </p:custDataLst>
   </p:cSld>
   <p:clrMapOvr>
@@ -12017,74 +12039,45 @@
           <a:p>
             <a:r>
               <a:rPr lang="en-US" altLang="zh-CN"/>
-              <a:t>Pay</a:t>
+              <a:t>Concept</a:t>
             </a:r>
             <a:endParaRPr lang="en-US" altLang="zh-CN"/>
           </a:p>
         </p:txBody>
       </p:sp>
-      <p:pic>
-        <p:nvPicPr>
-          <p:cNvPr id="7" name="图片 6" descr="chapter6_4_1"/>
-          <p:cNvPicPr>
-            <a:picLocks noChangeAspect="1"/>
-          </p:cNvPicPr>
-          <p:nvPr/>
-        </p:nvPicPr>
-        <p:blipFill>
-          <a:blip r:embed="rId1"/>
-          <a:stretch>
-            <a:fillRect/>
-          </a:stretch>
-        </p:blipFill>
-        <p:spPr>
-          <a:xfrm>
-            <a:off x="1200150" y="1088390"/>
-            <a:ext cx="5018405" cy="5445125"/>
-          </a:xfrm>
-          <a:prstGeom prst="rect">
-            <a:avLst/>
-          </a:prstGeom>
-        </p:spPr>
-      </p:pic>
-      <p:sp>
-        <p:nvSpPr>
-          <p:cNvPr id="8" name="圆角矩形 7"/>
-          <p:cNvSpPr/>
-          <p:nvPr/>
-        </p:nvSpPr>
-        <p:spPr>
-          <a:xfrm>
-            <a:off x="1421765" y="5501005"/>
-            <a:ext cx="1369060" cy="574040"/>
-          </a:xfrm>
-          <a:prstGeom prst="roundRect">
-            <a:avLst/>
-          </a:prstGeom>
-        </p:spPr>
-        <p:style>
-          <a:lnRef idx="2">
-            <a:schemeClr val="accent1">
-              <a:shade val="50000"/>
-            </a:schemeClr>
-          </a:lnRef>
-          <a:fillRef idx="1">
-            <a:schemeClr val="accent1"/>
-          </a:fillRef>
-          <a:effectRef idx="0">
-            <a:schemeClr val="accent1"/>
-          </a:effectRef>
-          <a:fontRef idx="minor">
-            <a:schemeClr val="lt1"/>
-          </a:fontRef>
-        </p:style>
-        <p:txBody>
-          <a:bodyPr rtlCol="0" anchor="ctr"/>
-          <a:p>
-            <a:pPr algn="ctr"/>
+      <p:sp>
+        <p:nvSpPr>
+          <p:cNvPr id="3" name="内容占位符 2"/>
+          <p:cNvSpPr>
+            <a:spLocks noGrp="1"/>
+          </p:cNvSpPr>
+          <p:nvPr>
+            <p:ph idx="1"/>
+          </p:nvPr>
+        </p:nvSpPr>
+        <p:spPr/>
+        <p:txBody>
+          <a:bodyPr/>
+          <a:p>
+            <a:r>
+              <a:rPr lang="en-US" altLang="zh-CN"/>
+              <a:t>Info</a:t>
+            </a:r>
+            <a:endParaRPr lang="en-US" altLang="zh-CN"/>
+          </a:p>
+          <a:p>
+            <a:pPr lvl="1"/>
             <a:r>
               <a:rPr lang="zh-CN" altLang="en-US"/>
-              <a:t>扫码支付</a:t>
+              <a:t>微信JS-SDK是微信公众平台 面向网页开发者提供的基于微信内的网页开发工具包。</a:t>
+            </a:r>
+            <a:endParaRPr lang="zh-CN" altLang="en-US"/>
+          </a:p>
+          <a:p>
+            <a:pPr lvl="1"/>
+            <a:r>
+              <a:rPr lang="zh-CN" altLang="en-US"/>
+              <a:t>通过使用微信JS-SDK，网页开发者可借助微信高效地使用拍照、选图、语音、位置等手机系统的能力，同时可以直接使用微信分享、扫一扫、卡券、支付等微信特有的能力，为微信用户提供更优质的网页体验。</a:t>
             </a:r>
             <a:endParaRPr lang="zh-CN" altLang="en-US"/>
           </a:p>
@@ -12092,7 +12085,7 @@
       </p:sp>
     </p:spTree>
     <p:custDataLst>
-      <p:tags r:id="rId2"/>
+      <p:tags r:id="rId1"/>
     </p:custDataLst>
   </p:cSld>
   <p:clrMapOvr>
@@ -12126,325 +12119,153 @@
           <a:bodyPr/>
           <a:p>
             <a:r>
-              <a:rPr lang="en-US" altLang="zh-CN"/>
-              <a:t>JSSDK</a:t>
+              <a:rPr lang="zh-CN" altLang="en-US"/>
+              <a:t>公众号准备</a:t>
+            </a:r>
+            <a:endParaRPr lang="zh-CN" altLang="en-US"/>
+          </a:p>
+        </p:txBody>
+      </p:sp>
+      <p:pic>
+        <p:nvPicPr>
+          <p:cNvPr id="4" name="图片 3"/>
+          <p:cNvPicPr>
+            <a:picLocks noChangeAspect="1"/>
+          </p:cNvPicPr>
+          <p:nvPr>
+            <p:custDataLst>
+              <p:tags r:id="rId1"/>
+            </p:custDataLst>
+          </p:nvPr>
+        </p:nvPicPr>
+        <p:blipFill>
+          <a:blip r:embed="rId2"/>
+          <a:stretch>
+            <a:fillRect/>
+          </a:stretch>
+        </p:blipFill>
+        <p:spPr>
+          <a:xfrm>
+            <a:off x="6391275" y="1013460"/>
+            <a:ext cx="4665980" cy="2408555"/>
+          </a:xfrm>
+          <a:prstGeom prst="rect">
+            <a:avLst/>
+          </a:prstGeom>
+        </p:spPr>
+      </p:pic>
+      <p:sp>
+        <p:nvSpPr>
+          <p:cNvPr id="5" name="内容占位符 4"/>
+          <p:cNvSpPr>
+            <a:spLocks noGrp="1"/>
+          </p:cNvSpPr>
+          <p:nvPr>
+            <p:ph idx="1"/>
+          </p:nvPr>
+        </p:nvSpPr>
+        <p:spPr>
+          <a:xfrm>
+            <a:off x="838200" y="1211580"/>
+            <a:ext cx="4257675" cy="4549140"/>
+          </a:xfrm>
+        </p:spPr>
+        <p:txBody>
+          <a:bodyPr/>
+          <a:p>
+            <a:r>
+              <a:rPr lang="en-US" altLang="zh-CN"/>
+              <a:t>App ID</a:t>
+            </a:r>
+            <a:r>
+              <a:rPr lang="zh-CN" altLang="en-US"/>
+              <a:t>和</a:t>
+            </a:r>
+            <a:r>
+              <a:rPr lang="en-US" altLang="zh-CN"/>
+              <a:t>secret</a:t>
             </a:r>
             <a:endParaRPr lang="en-US" altLang="zh-CN"/>
           </a:p>
-        </p:txBody>
-      </p:sp>
-      <p:sp>
-        <p:nvSpPr>
-          <p:cNvPr id="4" name="流程图: 过程 3"/>
-          <p:cNvSpPr/>
+          <a:p>
+            <a:r>
+              <a:rPr lang="en-US" altLang="zh-CN"/>
+              <a:t>JS</a:t>
+            </a:r>
+            <a:r>
+              <a:rPr lang="zh-CN" altLang="en-US"/>
+              <a:t>接口安全域名</a:t>
+            </a:r>
+            <a:endParaRPr lang="zh-CN" altLang="en-US"/>
+          </a:p>
+          <a:p>
+            <a:r>
+              <a:rPr lang="en-US" altLang="zh-CN"/>
+              <a:t>IP</a:t>
+            </a:r>
+            <a:r>
+              <a:rPr lang="zh-CN" altLang="en-US"/>
+              <a:t>白名单</a:t>
+            </a:r>
+            <a:endParaRPr lang="zh-CN" altLang="en-US"/>
+          </a:p>
+        </p:txBody>
+      </p:sp>
+      <p:pic>
+        <p:nvPicPr>
+          <p:cNvPr id="6" name="图片 5"/>
+          <p:cNvPicPr>
+            <a:picLocks noChangeAspect="1"/>
+          </p:cNvPicPr>
+          <p:nvPr>
+            <p:custDataLst>
+              <p:tags r:id="rId3"/>
+            </p:custDataLst>
+          </p:nvPr>
+        </p:nvPicPr>
+        <p:blipFill>
+          <a:blip r:embed="rId4"/>
+          <a:stretch>
+            <a:fillRect/>
+          </a:stretch>
+        </p:blipFill>
+        <p:spPr>
+          <a:xfrm>
+            <a:off x="1183005" y="3642995"/>
+            <a:ext cx="4681220" cy="2416810"/>
+          </a:xfrm>
+          <a:prstGeom prst="rect">
+            <a:avLst/>
+          </a:prstGeom>
+        </p:spPr>
+      </p:pic>
+      <p:pic>
+        <p:nvPicPr>
+          <p:cNvPr id="9" name="图片 8"/>
+          <p:cNvPicPr>
+            <a:picLocks noChangeAspect="1"/>
+          </p:cNvPicPr>
           <p:nvPr/>
-        </p:nvSpPr>
-        <p:spPr>
-          <a:xfrm>
-            <a:off x="1043940" y="1485900"/>
-            <a:ext cx="5084445" cy="886460"/>
-          </a:xfrm>
-          <a:prstGeom prst="flowChartProcess">
-            <a:avLst/>
-          </a:prstGeom>
-        </p:spPr>
-        <p:style>
-          <a:lnRef idx="2">
-            <a:schemeClr val="accent1">
-              <a:shade val="50000"/>
-            </a:schemeClr>
-          </a:lnRef>
-          <a:fillRef idx="1">
-            <a:schemeClr val="accent1"/>
-          </a:fillRef>
-          <a:effectRef idx="0">
-            <a:schemeClr val="accent1"/>
-          </a:effectRef>
-          <a:fontRef idx="minor">
-            <a:schemeClr val="lt1"/>
-          </a:fontRef>
-        </p:style>
-        <p:txBody>
-          <a:bodyPr rtlCol="0" anchor="ctr"/>
-          <a:p>
-            <a:pPr algn="ctr"/>
-            <a:r>
-              <a:rPr lang="zh-CN" altLang="en-US"/>
-              <a:t>获取</a:t>
-            </a:r>
-            <a:r>
-              <a:rPr lang="en-US" altLang="zh-CN"/>
-              <a:t>access token</a:t>
-            </a:r>
-            <a:endParaRPr lang="en-US" altLang="zh-CN"/>
-          </a:p>
-          <a:p>
-            <a:pPr algn="ctr"/>
-            <a:r>
-              <a:rPr lang="en-US" altLang="zh-CN"/>
-              <a:t>https://developers.weixin.qq.com/doc/offiaccount/Basic_Information/Get_access_token.html</a:t>
-            </a:r>
-            <a:endParaRPr lang="en-US" altLang="zh-CN"/>
-          </a:p>
-        </p:txBody>
-      </p:sp>
-      <p:sp>
-        <p:nvSpPr>
-          <p:cNvPr id="5" name="流程图: 过程 4"/>
-          <p:cNvSpPr/>
-          <p:nvPr/>
-        </p:nvSpPr>
-        <p:spPr>
-          <a:xfrm>
-            <a:off x="1043305" y="2815590"/>
-            <a:ext cx="5084445" cy="1133475"/>
-          </a:xfrm>
-          <a:prstGeom prst="flowChartProcess">
-            <a:avLst/>
-          </a:prstGeom>
-        </p:spPr>
-        <p:style>
-          <a:lnRef idx="2">
-            <a:schemeClr val="accent1">
-              <a:shade val="50000"/>
-            </a:schemeClr>
-          </a:lnRef>
-          <a:fillRef idx="1">
-            <a:schemeClr val="accent1"/>
-          </a:fillRef>
-          <a:effectRef idx="0">
-            <a:schemeClr val="accent1"/>
-          </a:effectRef>
-          <a:fontRef idx="minor">
-            <a:schemeClr val="lt1"/>
-          </a:fontRef>
-        </p:style>
-        <p:txBody>
-          <a:bodyPr rtlCol="0" anchor="ctr"/>
-          <a:p>
-            <a:pPr algn="ctr"/>
-            <a:r>
-              <a:rPr lang="zh-CN" altLang="en-US"/>
-              <a:t>获取</a:t>
-            </a:r>
-            <a:r>
-              <a:rPr lang="en-US" altLang="zh-CN"/>
-              <a:t>jsapi ticket</a:t>
-            </a:r>
-            <a:endParaRPr lang="en-US" altLang="zh-CN"/>
-          </a:p>
-          <a:p>
-            <a:pPr algn="ctr"/>
-            <a:r>
-              <a:rPr lang="en-US" altLang="zh-CN"/>
-              <a:t>https://api.weixin.qq.com/cgi-bin/ticket/getticket?access_token=ACCESS_TOKEN&amp;type=jsapi</a:t>
-            </a:r>
-            <a:endParaRPr lang="en-US" altLang="zh-CN"/>
-          </a:p>
-        </p:txBody>
-      </p:sp>
-      <p:sp>
-        <p:nvSpPr>
-          <p:cNvPr id="6" name="流程图: 过程 5"/>
-          <p:cNvSpPr/>
-          <p:nvPr/>
-        </p:nvSpPr>
-        <p:spPr>
-          <a:xfrm>
-            <a:off x="1043305" y="4262755"/>
-            <a:ext cx="5084445" cy="1133475"/>
-          </a:xfrm>
-          <a:prstGeom prst="flowChartProcess">
-            <a:avLst/>
-          </a:prstGeom>
-        </p:spPr>
-        <p:style>
-          <a:lnRef idx="2">
-            <a:schemeClr val="accent1">
-              <a:shade val="50000"/>
-            </a:schemeClr>
-          </a:lnRef>
-          <a:fillRef idx="1">
-            <a:schemeClr val="accent1"/>
-          </a:fillRef>
-          <a:effectRef idx="0">
-            <a:schemeClr val="accent1"/>
-          </a:effectRef>
-          <a:fontRef idx="minor">
-            <a:schemeClr val="lt1"/>
-          </a:fontRef>
-        </p:style>
-        <p:txBody>
-          <a:bodyPr rtlCol="0" anchor="ctr"/>
-          <a:p>
-            <a:pPr algn="ctr"/>
-            <a:r>
-              <a:rPr lang="zh-CN" altLang="en-US"/>
-              <a:t>签名</a:t>
-            </a:r>
-            <a:endParaRPr lang="zh-CN" altLang="en-US"/>
-          </a:p>
-        </p:txBody>
-      </p:sp>
-      <p:sp>
-        <p:nvSpPr>
-          <p:cNvPr id="7" name="文本框 6"/>
-          <p:cNvSpPr txBox="1"/>
-          <p:nvPr/>
-        </p:nvSpPr>
-        <p:spPr>
-          <a:xfrm>
-            <a:off x="7131685" y="1003935"/>
-            <a:ext cx="4511040" cy="3415030"/>
+        </p:nvPicPr>
+        <p:blipFill>
+          <a:blip r:embed="rId5"/>
+          <a:stretch>
+            <a:fillRect/>
+          </a:stretch>
+        </p:blipFill>
+        <p:spPr>
+          <a:xfrm>
+            <a:off x="6391275" y="3642995"/>
+            <a:ext cx="4681855" cy="2416175"/>
           </a:xfrm>
           <a:prstGeom prst="rect">
             <a:avLst/>
           </a:prstGeom>
-          <a:noFill/>
-          <a:ln w="12700" cmpd="sng">
-            <a:solidFill>
-              <a:srgbClr val="FFC000"/>
-            </a:solidFill>
-            <a:prstDash val="sysDash"/>
-          </a:ln>
-        </p:spPr>
-        <p:txBody>
-          <a:bodyPr wrap="square" rtlCol="0">
-            <a:spAutoFit/>
-          </a:bodyPr>
-          <a:p>
-            <a:r>
-              <a:rPr lang="zh-CN" altLang="en-US"/>
-              <a:t>wx.config({</a:t>
-            </a:r>
-            <a:endParaRPr lang="zh-CN" altLang="en-US"/>
-          </a:p>
-          <a:p>
-            <a:r>
-              <a:rPr lang="zh-CN" altLang="en-US"/>
-              <a:t>  debug: true, // 开启调试模式,调用的所有api的返回值会在客户端alert出来，若要查看传入的参数，可以在pc端打开，参数信息会通过log打出，仅在pc端时才会打印。</a:t>
-            </a:r>
-            <a:endParaRPr lang="zh-CN" altLang="en-US"/>
-          </a:p>
-          <a:p>
-            <a:r>
-              <a:rPr lang="zh-CN" altLang="en-US"/>
-              <a:t>  appId: '', // 必填，公众号的唯一标识</a:t>
-            </a:r>
-            <a:endParaRPr lang="zh-CN" altLang="en-US"/>
-          </a:p>
-          <a:p>
-            <a:r>
-              <a:rPr lang="zh-CN" altLang="en-US"/>
-              <a:t>  timestamp: , // 必填，生成签名的时间戳</a:t>
-            </a:r>
-            <a:endParaRPr lang="zh-CN" altLang="en-US"/>
-          </a:p>
-          <a:p>
-            <a:r>
-              <a:rPr lang="zh-CN" altLang="en-US"/>
-              <a:t>  nonceStr: '', // 必填，生成签名的随机串</a:t>
-            </a:r>
-            <a:endParaRPr lang="zh-CN" altLang="en-US"/>
-          </a:p>
-          <a:p>
-            <a:r>
-              <a:rPr lang="zh-CN" altLang="en-US"/>
-              <a:t>  signature: '',// 必填，签名</a:t>
-            </a:r>
-            <a:endParaRPr lang="zh-CN" altLang="en-US"/>
-          </a:p>
-          <a:p>
-            <a:r>
-              <a:rPr lang="zh-CN" altLang="en-US"/>
-              <a:t>  jsApiList: [] // 必填，需要使用的JS接口列表</a:t>
-            </a:r>
-            <a:endParaRPr lang="zh-CN" altLang="en-US"/>
-          </a:p>
-          <a:p>
-            <a:r>
-              <a:rPr lang="zh-CN" altLang="en-US"/>
-              <a:t>});</a:t>
-            </a:r>
-            <a:endParaRPr lang="zh-CN" altLang="en-US"/>
-          </a:p>
-        </p:txBody>
-      </p:sp>
-      <p:cxnSp>
-        <p:nvCxnSpPr>
-          <p:cNvPr id="3" name="直接箭头连接符 2"/>
-          <p:cNvCxnSpPr>
-            <a:stCxn id="4" idx="2"/>
-            <a:endCxn id="5" idx="0"/>
-          </p:cNvCxnSpPr>
-          <p:nvPr/>
-        </p:nvCxnSpPr>
-        <p:spPr>
-          <a:xfrm flipH="1">
-            <a:off x="3585845" y="2372360"/>
-            <a:ext cx="635" cy="443230"/>
-          </a:xfrm>
-          <a:prstGeom prst="straightConnector1">
-            <a:avLst/>
-          </a:prstGeom>
-          <a:ln>
-            <a:tailEnd type="arrow"/>
-          </a:ln>
-        </p:spPr>
-        <p:style>
-          <a:lnRef idx="1">
-            <a:schemeClr val="accent1"/>
-          </a:lnRef>
-          <a:fillRef idx="0">
-            <a:schemeClr val="accent1"/>
-          </a:fillRef>
-          <a:effectRef idx="0">
-            <a:schemeClr val="accent1"/>
-          </a:effectRef>
-          <a:fontRef idx="minor">
-            <a:schemeClr val="tx1"/>
-          </a:fontRef>
-        </p:style>
-      </p:cxnSp>
-      <p:cxnSp>
-        <p:nvCxnSpPr>
-          <p:cNvPr id="8" name="直接箭头连接符 7"/>
-          <p:cNvCxnSpPr>
-            <a:stCxn id="5" idx="2"/>
-            <a:endCxn id="6" idx="0"/>
-          </p:cNvCxnSpPr>
-          <p:nvPr/>
-        </p:nvCxnSpPr>
-        <p:spPr>
-          <a:xfrm>
-            <a:off x="3585845" y="3949065"/>
-            <a:ext cx="0" cy="313690"/>
-          </a:xfrm>
-          <a:prstGeom prst="straightConnector1">
-            <a:avLst/>
-          </a:prstGeom>
-          <a:ln>
-            <a:tailEnd type="arrow"/>
-          </a:ln>
-        </p:spPr>
-        <p:style>
-          <a:lnRef idx="1">
-            <a:schemeClr val="accent1"/>
-          </a:lnRef>
-          <a:fillRef idx="0">
-            <a:schemeClr val="accent1"/>
-          </a:fillRef>
-          <a:effectRef idx="0">
-            <a:schemeClr val="accent1"/>
-          </a:effectRef>
-          <a:fontRef idx="minor">
-            <a:schemeClr val="tx1"/>
-          </a:fontRef>
-        </p:style>
-      </p:cxnSp>
+        </p:spPr>
+      </p:pic>
     </p:spTree>
     <p:custDataLst>
-      <p:tags r:id="rId1"/>
+      <p:tags r:id="rId6"/>
     </p:custDataLst>
   </p:cSld>
   <p:clrMapOvr>
@@ -12478,120 +12299,321 @@
           <a:bodyPr/>
           <a:p>
             <a:r>
+              <a:rPr lang="en-US" altLang="zh-CN"/>
+              <a:t>Prepare</a:t>
+            </a:r>
+            <a:endParaRPr lang="en-US" altLang="zh-CN"/>
+          </a:p>
+        </p:txBody>
+      </p:sp>
+      <p:sp>
+        <p:nvSpPr>
+          <p:cNvPr id="4" name="流程图: 过程 3"/>
+          <p:cNvSpPr/>
+          <p:nvPr/>
+        </p:nvSpPr>
+        <p:spPr>
+          <a:xfrm>
+            <a:off x="1395095" y="1537970"/>
+            <a:ext cx="3233420" cy="821690"/>
+          </a:xfrm>
+          <a:prstGeom prst="flowChartProcess">
+            <a:avLst/>
+          </a:prstGeom>
+        </p:spPr>
+        <p:style>
+          <a:lnRef idx="2">
+            <a:schemeClr val="accent1">
+              <a:shade val="50000"/>
+            </a:schemeClr>
+          </a:lnRef>
+          <a:fillRef idx="1">
+            <a:schemeClr val="accent1"/>
+          </a:fillRef>
+          <a:effectRef idx="0">
+            <a:schemeClr val="accent1"/>
+          </a:effectRef>
+          <a:fontRef idx="minor">
+            <a:schemeClr val="lt1"/>
+          </a:fontRef>
+        </p:style>
+        <p:txBody>
+          <a:bodyPr rtlCol="0" anchor="ctr"/>
+          <a:p>
+            <a:pPr algn="ctr"/>
+            <a:r>
               <a:rPr lang="zh-CN" altLang="en-US"/>
-              <a:t>公众号获取</a:t>
-            </a:r>
-            <a:r>
-              <a:rPr lang="en-US" altLang="zh-CN"/>
-              <a:t>openid</a:t>
-            </a:r>
-            <a:endParaRPr lang="en-US" altLang="zh-CN"/>
-          </a:p>
-        </p:txBody>
-      </p:sp>
-      <p:sp>
-        <p:nvSpPr>
-          <p:cNvPr id="3" name="内容占位符 2"/>
-          <p:cNvSpPr>
-            <a:spLocks noGrp="1"/>
-          </p:cNvSpPr>
-          <p:nvPr>
-            <p:ph idx="1"/>
-          </p:nvPr>
-        </p:nvSpPr>
-        <p:spPr/>
-        <p:txBody>
-          <a:bodyPr>
-            <a:normAutofit lnSpcReduction="10000"/>
+              <a:t>在微信公众平台中绑定域名，设置</a:t>
+            </a:r>
+            <a:r>
+              <a:rPr lang="en-US" altLang="zh-CN"/>
+              <a:t>IP</a:t>
+            </a:r>
+            <a:r>
+              <a:rPr lang="zh-CN" altLang="en-US"/>
+              <a:t>白名单</a:t>
+            </a:r>
+            <a:endParaRPr lang="zh-CN" altLang="en-US"/>
+          </a:p>
+        </p:txBody>
+      </p:sp>
+      <p:sp>
+        <p:nvSpPr>
+          <p:cNvPr id="5" name="流程图: 过程 4"/>
+          <p:cNvSpPr/>
+          <p:nvPr/>
+        </p:nvSpPr>
+        <p:spPr>
+          <a:xfrm>
+            <a:off x="1395095" y="2750185"/>
+            <a:ext cx="3233420" cy="821690"/>
+          </a:xfrm>
+          <a:prstGeom prst="flowChartProcess">
+            <a:avLst/>
+          </a:prstGeom>
+        </p:spPr>
+        <p:style>
+          <a:lnRef idx="2">
+            <a:schemeClr val="accent1">
+              <a:shade val="50000"/>
+            </a:schemeClr>
+          </a:lnRef>
+          <a:fillRef idx="1">
+            <a:schemeClr val="accent1"/>
+          </a:fillRef>
+          <a:effectRef idx="0">
+            <a:schemeClr val="accent1"/>
+          </a:effectRef>
+          <a:fontRef idx="minor">
+            <a:schemeClr val="lt1"/>
+          </a:fontRef>
+        </p:style>
+        <p:txBody>
+          <a:bodyPr rtlCol="0" anchor="ctr"/>
+          <a:p>
+            <a:pPr algn="ctr"/>
+            <a:r>
+              <a:rPr lang="zh-CN" altLang="en-US"/>
+              <a:t>前端引入相关</a:t>
+            </a:r>
+            <a:r>
+              <a:rPr lang="en-US" altLang="zh-CN"/>
+              <a:t>JS</a:t>
+            </a:r>
+            <a:r>
+              <a:rPr lang="zh-CN" altLang="en-US"/>
+              <a:t>文件</a:t>
+            </a:r>
+            <a:endParaRPr lang="zh-CN" altLang="en-US"/>
+          </a:p>
+        </p:txBody>
+      </p:sp>
+      <p:sp>
+        <p:nvSpPr>
+          <p:cNvPr id="6" name="流程图: 过程 5"/>
+          <p:cNvSpPr/>
+          <p:nvPr/>
+        </p:nvSpPr>
+        <p:spPr>
+          <a:xfrm>
+            <a:off x="1395095" y="4053840"/>
+            <a:ext cx="3233420" cy="821690"/>
+          </a:xfrm>
+          <a:prstGeom prst="flowChartProcess">
+            <a:avLst/>
+          </a:prstGeom>
+        </p:spPr>
+        <p:style>
+          <a:lnRef idx="2">
+            <a:schemeClr val="accent1">
+              <a:shade val="50000"/>
+            </a:schemeClr>
+          </a:lnRef>
+          <a:fillRef idx="1">
+            <a:schemeClr val="accent1"/>
+          </a:fillRef>
+          <a:effectRef idx="0">
+            <a:schemeClr val="accent1"/>
+          </a:effectRef>
+          <a:fontRef idx="minor">
+            <a:schemeClr val="lt1"/>
+          </a:fontRef>
+        </p:style>
+        <p:txBody>
+          <a:bodyPr vertOverflow="overflow" horzOverflow="overflow" vert="horz" wrap="square" numCol="1" spcCol="0" rtlCol="0" fromWordArt="0" anchor="ctr" anchorCtr="0" forceAA="0" compatLnSpc="1">
+            <a:noAutofit/>
           </a:bodyPr>
           <a:p>
+            <a:pPr lvl="0" algn="ctr">
+              <a:buClrTx/>
+              <a:buSzTx/>
+              <a:buFontTx/>
+            </a:pPr>
+            <a:r>
+              <a:rPr lang="zh-CN" altLang="en-US">
+                <a:sym typeface="+mn-ea"/>
+              </a:rPr>
+              <a:t>通过config接口注入权限验证配置</a:t>
+            </a:r>
+            <a:endParaRPr lang="zh-CN" altLang="en-US">
+              <a:sym typeface="+mn-ea"/>
+            </a:endParaRPr>
+          </a:p>
+        </p:txBody>
+      </p:sp>
+      <p:cxnSp>
+        <p:nvCxnSpPr>
+          <p:cNvPr id="7" name="直接箭头连接符 6"/>
+          <p:cNvCxnSpPr>
+            <a:stCxn id="4" idx="2"/>
+            <a:endCxn id="5" idx="0"/>
+          </p:cNvCxnSpPr>
+          <p:nvPr/>
+        </p:nvCxnSpPr>
+        <p:spPr>
+          <a:xfrm>
+            <a:off x="3011805" y="2359660"/>
+            <a:ext cx="0" cy="390525"/>
+          </a:xfrm>
+          <a:prstGeom prst="straightConnector1">
+            <a:avLst/>
+          </a:prstGeom>
+          <a:ln>
+            <a:tailEnd type="arrow"/>
+          </a:ln>
+        </p:spPr>
+        <p:style>
+          <a:lnRef idx="1">
+            <a:schemeClr val="accent1"/>
+          </a:lnRef>
+          <a:fillRef idx="0">
+            <a:schemeClr val="accent1"/>
+          </a:fillRef>
+          <a:effectRef idx="0">
+            <a:schemeClr val="accent1"/>
+          </a:effectRef>
+          <a:fontRef idx="minor">
+            <a:schemeClr val="tx1"/>
+          </a:fontRef>
+        </p:style>
+      </p:cxnSp>
+      <p:cxnSp>
+        <p:nvCxnSpPr>
+          <p:cNvPr id="8" name="直接箭头连接符 7"/>
+          <p:cNvCxnSpPr>
+            <a:stCxn id="5" idx="2"/>
+            <a:endCxn id="6" idx="0"/>
+          </p:cNvCxnSpPr>
+          <p:nvPr/>
+        </p:nvCxnSpPr>
+        <p:spPr>
+          <a:xfrm>
+            <a:off x="3011805" y="3571875"/>
+            <a:ext cx="0" cy="481965"/>
+          </a:xfrm>
+          <a:prstGeom prst="straightConnector1">
+            <a:avLst/>
+          </a:prstGeom>
+          <a:ln>
+            <a:tailEnd type="arrow"/>
+          </a:ln>
+        </p:spPr>
+        <p:style>
+          <a:lnRef idx="1">
+            <a:schemeClr val="accent1"/>
+          </a:lnRef>
+          <a:fillRef idx="0">
+            <a:schemeClr val="accent1"/>
+          </a:fillRef>
+          <a:effectRef idx="0">
+            <a:schemeClr val="accent1"/>
+          </a:effectRef>
+          <a:fontRef idx="minor">
+            <a:schemeClr val="tx1"/>
+          </a:fontRef>
+        </p:style>
+      </p:cxnSp>
+      <p:sp>
+        <p:nvSpPr>
+          <p:cNvPr id="11" name="圆角矩形 10"/>
+          <p:cNvSpPr/>
+          <p:nvPr/>
+        </p:nvSpPr>
+        <p:spPr>
+          <a:xfrm>
+            <a:off x="742950" y="5554345"/>
+            <a:ext cx="1629410" cy="573405"/>
+          </a:xfrm>
+          <a:prstGeom prst="roundRect">
+            <a:avLst/>
+          </a:prstGeom>
+        </p:spPr>
+        <p:style>
+          <a:lnRef idx="2">
+            <a:schemeClr val="accent1">
+              <a:shade val="50000"/>
+            </a:schemeClr>
+          </a:lnRef>
+          <a:fillRef idx="1">
+            <a:schemeClr val="accent1"/>
+          </a:fillRef>
+          <a:effectRef idx="0">
+            <a:schemeClr val="accent1"/>
+          </a:effectRef>
+          <a:fontRef idx="minor">
+            <a:schemeClr val="lt1"/>
+          </a:fontRef>
+        </p:style>
+        <p:txBody>
+          <a:bodyPr rtlCol="0" anchor="ctr"/>
+          <a:p>
+            <a:pPr algn="ctr"/>
             <a:r>
               <a:rPr lang="zh-CN" altLang="en-US"/>
-              <a:t>步骤</a:t>
+              <a:t>分享好友</a:t>
             </a:r>
             <a:endParaRPr lang="zh-CN" altLang="en-US"/>
           </a:p>
-          <a:p>
-            <a:pPr lvl="1"/>
+        </p:txBody>
+      </p:sp>
+      <p:sp>
+        <p:nvSpPr>
+          <p:cNvPr id="12" name="圆角矩形 11"/>
+          <p:cNvSpPr/>
+          <p:nvPr/>
+        </p:nvSpPr>
+        <p:spPr>
+          <a:xfrm>
+            <a:off x="3573780" y="5554345"/>
+            <a:ext cx="1629410" cy="573405"/>
+          </a:xfrm>
+          <a:prstGeom prst="roundRect">
+            <a:avLst/>
+          </a:prstGeom>
+        </p:spPr>
+        <p:style>
+          <a:lnRef idx="2">
+            <a:schemeClr val="accent1">
+              <a:shade val="50000"/>
+            </a:schemeClr>
+          </a:lnRef>
+          <a:fillRef idx="1">
+            <a:schemeClr val="accent1"/>
+          </a:fillRef>
+          <a:effectRef idx="0">
+            <a:schemeClr val="accent1"/>
+          </a:effectRef>
+          <a:fontRef idx="minor">
+            <a:schemeClr val="lt1"/>
+          </a:fontRef>
+        </p:style>
+        <p:txBody>
+          <a:bodyPr rtlCol="0" anchor="ctr"/>
+          <a:p>
+            <a:pPr algn="ctr"/>
             <a:r>
               <a:rPr lang="zh-CN" altLang="en-US"/>
-              <a:t>参考</a:t>
-            </a:r>
-            <a:endParaRPr lang="zh-CN" altLang="en-US"/>
-          </a:p>
-          <a:p>
-            <a:pPr lvl="2"/>
-            <a:r>
-              <a:rPr lang="zh-CN" altLang="en-US"/>
-              <a:t>https://developers.weixin.qq.com/doc/offiaccount/OA_Web_Apps/Wechat_webpage_authorization.html</a:t>
-            </a:r>
-            <a:endParaRPr lang="zh-CN" altLang="en-US"/>
-          </a:p>
-          <a:p>
-            <a:pPr lvl="1"/>
-            <a:r>
-              <a:rPr lang="zh-CN" altLang="en-US"/>
-              <a:t>获取</a:t>
-            </a:r>
-            <a:r>
-              <a:rPr lang="en-US" altLang="zh-CN"/>
-              <a:t>code</a:t>
-            </a:r>
-            <a:endParaRPr lang="en-US" altLang="zh-CN"/>
-          </a:p>
-          <a:p>
-            <a:pPr lvl="2"/>
-            <a:r>
-              <a:rPr lang="en-US" altLang="zh-CN"/>
-              <a:t>https://open.weixin.qq.com/connect/oauth2/authorize?appid=APPID&amp;redirect_uri=REDIRECT_URI&amp;response_type=code&amp;scope=SCOPE&amp;state=STATE#wechat_redirect</a:t>
-            </a:r>
-            <a:endParaRPr lang="en-US" altLang="zh-CN"/>
-          </a:p>
-          <a:p>
-            <a:pPr lvl="2"/>
-            <a:r>
-              <a:rPr lang="zh-CN" altLang="en-US"/>
-              <a:t>例子：</a:t>
-            </a:r>
-            <a:r>
-              <a:rPr lang="en-US" altLang="zh-CN"/>
-              <a:t>https://open.weixin.qq.com/connect/oauth2/authorize?appid=wx520c15f417810387&amp;redirect_uri=https%3A%2F%2Fchong.qq.com%2Fphp%2Findex.php%3Fd%3D%26c%3DwxAdapter%26m%3DmobileDeal%26showwxpaytitle%3D1%26vb2ctag%3D4_2030_5_1194_60&amp;response_type=code&amp;scope=snsapi_base&amp;state=123#wechat_redirect</a:t>
-            </a:r>
-            <a:endParaRPr lang="en-US" altLang="zh-CN"/>
-          </a:p>
-          <a:p>
-            <a:pPr lvl="1"/>
-            <a:r>
-              <a:rPr lang="zh-CN" altLang="en-US"/>
-              <a:t>获取</a:t>
-            </a:r>
-            <a:r>
-              <a:rPr lang="en-US" altLang="zh-CN"/>
-              <a:t>access token</a:t>
-            </a:r>
-            <a:endParaRPr lang="en-US" altLang="zh-CN"/>
-          </a:p>
-          <a:p>
-            <a:pPr lvl="2"/>
-            <a:r>
-              <a:rPr lang="en-US" altLang="zh-CN"/>
-              <a:t>https://api.weixin.qq.com/sns/oauth2/access_token?appid=APPID&amp;secret=SECRET&amp;code=CODE&amp;grant_type=authorization_code</a:t>
-            </a:r>
-            <a:endParaRPr lang="en-US" altLang="zh-CN"/>
-          </a:p>
-          <a:p>
-            <a:pPr lvl="2"/>
-            <a:r>
-              <a:rPr lang="zh-CN" altLang="en-US"/>
-              <a:t>该接口返回</a:t>
-            </a:r>
-            <a:r>
-              <a:rPr lang="en-US" altLang="zh-CN"/>
-              <a:t>openid</a:t>
-            </a:r>
-            <a:r>
-              <a:rPr lang="zh-CN" altLang="en-US"/>
-              <a:t>字段</a:t>
+              <a:t>分享朋友圈</a:t>
             </a:r>
             <a:endParaRPr lang="zh-CN" altLang="en-US"/>
           </a:p>
@@ -12633,271 +12655,16 @@
           <a:bodyPr/>
           <a:p>
             <a:r>
-              <a:rPr lang="zh-CN" altLang="en-US"/>
-              <a:t>发送模板消息</a:t>
-            </a:r>
-            <a:endParaRPr lang="zh-CN" altLang="en-US"/>
-          </a:p>
-        </p:txBody>
-      </p:sp>
-      <p:sp>
-        <p:nvSpPr>
-          <p:cNvPr id="3" name="内容占位符 2"/>
-          <p:cNvSpPr>
-            <a:spLocks noGrp="1"/>
-          </p:cNvSpPr>
-          <p:nvPr>
-            <p:ph idx="1"/>
-          </p:nvPr>
-        </p:nvSpPr>
-        <p:spPr>
-          <a:xfrm>
-            <a:off x="838200" y="1211580"/>
-            <a:ext cx="6384925" cy="4549140"/>
-          </a:xfrm>
-        </p:spPr>
-        <p:txBody>
-          <a:bodyPr>
-            <a:noAutofit/>
-          </a:bodyPr>
-          <a:p>
-            <a:r>
-              <a:rPr lang="zh-CN" altLang="en-US" sz="1400"/>
-              <a:t>步骤</a:t>
-            </a:r>
-            <a:endParaRPr lang="zh-CN" altLang="en-US" sz="1400"/>
-          </a:p>
-          <a:p>
-            <a:pPr lvl="1"/>
-            <a:r>
-              <a:rPr lang="en-US" altLang="zh-CN" sz="1200"/>
-              <a:t>POST </a:t>
-            </a:r>
-            <a:r>
-              <a:rPr lang="zh-CN" altLang="en-US" sz="1200"/>
-              <a:t>https://api.weixin.qq.com/cgi-bin/message/template/send?access_token=ACCESS_TOKEN</a:t>
-            </a:r>
-            <a:endParaRPr lang="zh-CN" altLang="en-US" sz="1200"/>
-          </a:p>
-          <a:p>
-            <a:pPr lvl="0"/>
-            <a:r>
-              <a:rPr lang="zh-CN" altLang="en-US" sz="1400">
-                <a:sym typeface="+mn-ea"/>
-              </a:rPr>
-              <a:t>概要</a:t>
-            </a:r>
-            <a:endParaRPr lang="zh-CN" altLang="en-US" sz="1400"/>
-          </a:p>
-          <a:p>
-            <a:pPr lvl="1"/>
-            <a:r>
-              <a:rPr lang="zh-CN" altLang="en-US" sz="1200">
-                <a:sym typeface="+mn-ea"/>
-              </a:rPr>
-              <a:t>认证的微信服务号发送模板消息通知</a:t>
-            </a:r>
-            <a:endParaRPr lang="zh-CN" altLang="en-US" sz="1200"/>
-          </a:p>
-          <a:p>
-            <a:pPr lvl="1"/>
-            <a:r>
-              <a:rPr lang="zh-CN" altLang="en-US" sz="1200">
-                <a:sym typeface="+mn-ea"/>
-              </a:rPr>
-              <a:t>各类型公众号权限</a:t>
-            </a:r>
-            <a:endParaRPr lang="zh-CN" altLang="en-US" sz="1200"/>
-          </a:p>
-          <a:p>
-            <a:pPr lvl="2"/>
-            <a:r>
-              <a:rPr lang="zh-CN" altLang="en-US" sz="1000">
-                <a:sym typeface="+mn-ea"/>
-              </a:rPr>
-              <a:t>https://developers.weixin.qq.com/doc/offiaccount/Getting_Started/Explanation_of_interface_privileges.html</a:t>
-            </a:r>
-            <a:endParaRPr lang="zh-CN" altLang="en-US" sz="1000"/>
-          </a:p>
-          <a:p>
-            <a:pPr lvl="1"/>
-            <a:r>
-              <a:rPr lang="zh-CN" altLang="en-US" sz="1200">
-                <a:sym typeface="+mn-ea"/>
-              </a:rPr>
-              <a:t>模板消息运营规范</a:t>
-            </a:r>
-            <a:endParaRPr lang="zh-CN" altLang="en-US" sz="1200"/>
-          </a:p>
-          <a:p>
-            <a:pPr lvl="2"/>
-            <a:r>
-              <a:rPr lang="zh-CN" altLang="en-US" sz="1000">
-                <a:sym typeface="+mn-ea"/>
-              </a:rPr>
-              <a:t>https://developers.weixin.qq.com/doc/offiaccount/Message_Management/Template_Message_Operation_Specifications.html</a:t>
-            </a:r>
-            <a:endParaRPr lang="zh-CN" altLang="en-US" sz="1000"/>
-          </a:p>
-          <a:p>
-            <a:pPr lvl="1"/>
-            <a:r>
-              <a:rPr lang="zh-CN" altLang="en-US" sz="1200">
-                <a:sym typeface="+mn-ea"/>
-              </a:rPr>
-              <a:t>模板消息接口</a:t>
-            </a:r>
-            <a:endParaRPr lang="zh-CN" altLang="en-US" sz="1200"/>
-          </a:p>
-          <a:p>
-            <a:pPr lvl="2"/>
-            <a:r>
-              <a:rPr lang="zh-CN" altLang="en-US" sz="1000">
-                <a:sym typeface="+mn-ea"/>
-              </a:rPr>
-              <a:t>https://developers.weixin.qq.com/doc/offiaccount/Message_Management/Template_Message_Interface.html</a:t>
-            </a:r>
-            <a:endParaRPr lang="zh-CN" altLang="en-US" sz="1000">
-              <a:sym typeface="+mn-ea"/>
-            </a:endParaRPr>
-          </a:p>
-          <a:p>
-            <a:pPr lvl="2"/>
-            <a:r>
-              <a:rPr lang="zh-CN" altLang="en-US" sz="1000"/>
-              <a:t>https://mp.weixin.qq.com/advanced/tmplmsg?action=faq&amp;token=1723160200&amp;lang=zh_CN</a:t>
-            </a:r>
-            <a:endParaRPr lang="zh-CN" altLang="en-US" sz="1000"/>
-          </a:p>
-          <a:p>
-            <a:pPr lvl="2"/>
-            <a:r>
-              <a:rPr lang="zh-CN" altLang="en-US" sz="1000">
-                <a:sym typeface="+mn-ea"/>
-              </a:rPr>
-              <a:t>https://www.zhihu.com/question/48864270/answer/1157763869</a:t>
-            </a:r>
-            <a:endParaRPr lang="zh-CN" altLang="en-US" sz="1000">
-              <a:sym typeface="+mn-ea"/>
-            </a:endParaRPr>
-          </a:p>
-          <a:p>
-            <a:pPr lvl="2"/>
-            <a:r>
-              <a:rPr lang="zh-CN" altLang="en-US" sz="1000">
-                <a:sym typeface="+mn-ea"/>
-              </a:rPr>
-              <a:t>POST请求</a:t>
-            </a:r>
-            <a:endParaRPr lang="zh-CN" altLang="en-US" sz="1000">
-              <a:sym typeface="+mn-ea"/>
-            </a:endParaRPr>
-          </a:p>
-          <a:p>
-            <a:pPr lvl="3"/>
-            <a:r>
-              <a:rPr lang="zh-CN" altLang="en-US" sz="1000">
-                <a:sym typeface="+mn-ea"/>
-              </a:rPr>
-              <a:t>https://api.weixin.qq.com/cgi-bin/message/template/send?access_token=ACCESS_TOKEN</a:t>
-            </a:r>
-            <a:endParaRPr lang="zh-CN" altLang="en-US" sz="1000">
-              <a:sym typeface="+mn-ea"/>
-            </a:endParaRPr>
-          </a:p>
-          <a:p>
-            <a:pPr lvl="0"/>
-            <a:r>
-              <a:rPr lang="zh-CN" altLang="en-US" sz="1400">
-                <a:sym typeface="+mn-ea"/>
-              </a:rPr>
-              <a:t>开通步骤</a:t>
-            </a:r>
-            <a:endParaRPr lang="zh-CN" altLang="en-US" sz="1400"/>
-          </a:p>
-          <a:p>
-            <a:pPr lvl="1"/>
-            <a:r>
-              <a:rPr lang="zh-CN" altLang="en-US" sz="1200">
-                <a:sym typeface="+mn-ea"/>
-              </a:rPr>
-              <a:t>登录服务号</a:t>
-            </a:r>
-            <a:endParaRPr lang="zh-CN" altLang="en-US" sz="1200"/>
-          </a:p>
-          <a:p>
-            <a:pPr lvl="1"/>
-            <a:r>
-              <a:rPr lang="zh-CN" altLang="en-US" sz="1200">
-                <a:sym typeface="+mn-ea"/>
-              </a:rPr>
-              <a:t>功能</a:t>
-            </a:r>
-            <a:r>
-              <a:rPr lang="en-US" altLang="zh-CN" sz="1200">
-                <a:sym typeface="+mn-ea"/>
-              </a:rPr>
-              <a:t>-</a:t>
-            </a:r>
-            <a:r>
-              <a:rPr lang="zh-CN" altLang="en-US" sz="1200">
-                <a:sym typeface="+mn-ea"/>
-              </a:rPr>
-              <a:t>》添加功能插件</a:t>
-            </a:r>
-            <a:r>
-              <a:rPr lang="en-US" altLang="zh-CN" sz="1200">
-                <a:sym typeface="+mn-ea"/>
-              </a:rPr>
-              <a:t>-</a:t>
-            </a:r>
-            <a:r>
-              <a:rPr lang="zh-CN" altLang="en-US" sz="1200">
-                <a:sym typeface="+mn-ea"/>
-              </a:rPr>
-              <a:t>》模板消息</a:t>
-            </a:r>
-            <a:endParaRPr lang="zh-CN" altLang="en-US" sz="1200"/>
-          </a:p>
-          <a:p>
-            <a:pPr lvl="1"/>
-            <a:r>
-              <a:rPr lang="zh-CN" altLang="en-US" sz="1200">
-                <a:sym typeface="+mn-ea"/>
-              </a:rPr>
-              <a:t>申请开通模板消息接口</a:t>
-            </a:r>
-            <a:endParaRPr lang="zh-CN" altLang="en-US" sz="1200"/>
-          </a:p>
-          <a:p>
-            <a:pPr lvl="1"/>
-            <a:r>
-              <a:rPr lang="zh-CN" altLang="en-US" sz="1200">
-                <a:sym typeface="+mn-ea"/>
-              </a:rPr>
-              <a:t>审核需</a:t>
-            </a:r>
-            <a:r>
-              <a:rPr lang="en-US" altLang="zh-CN" sz="1200">
-                <a:sym typeface="+mn-ea"/>
-              </a:rPr>
-              <a:t>2~3</a:t>
-            </a:r>
-            <a:r>
-              <a:rPr lang="zh-CN" altLang="en-US" sz="1200">
-                <a:sym typeface="+mn-ea"/>
-              </a:rPr>
-              <a:t>天</a:t>
-            </a:r>
-            <a:endParaRPr lang="zh-CN" altLang="en-US" sz="1200">
-              <a:sym typeface="+mn-ea"/>
-            </a:endParaRPr>
+              <a:rPr lang="en-US" altLang="zh-CN"/>
+              <a:t>Share</a:t>
+            </a:r>
+            <a:endParaRPr lang="en-US" altLang="zh-CN"/>
           </a:p>
         </p:txBody>
       </p:sp>
       <p:pic>
         <p:nvPicPr>
-          <p:cNvPr id="4" name="图片 3"/>
+          <p:cNvPr id="9" name="图片 8"/>
           <p:cNvPicPr>
             <a:picLocks noChangeAspect="1"/>
           </p:cNvPicPr>
@@ -12911,8 +12678,32 @@
         </p:blipFill>
         <p:spPr>
           <a:xfrm>
-            <a:off x="7519670" y="1025525"/>
-            <a:ext cx="4454525" cy="5487670"/>
+            <a:off x="1984375" y="1122045"/>
+            <a:ext cx="6305550" cy="2552700"/>
+          </a:xfrm>
+          <a:prstGeom prst="rect">
+            <a:avLst/>
+          </a:prstGeom>
+        </p:spPr>
+      </p:pic>
+      <p:pic>
+        <p:nvPicPr>
+          <p:cNvPr id="10" name="图片 9"/>
+          <p:cNvPicPr>
+            <a:picLocks noChangeAspect="1"/>
+          </p:cNvPicPr>
+          <p:nvPr/>
+        </p:nvPicPr>
+        <p:blipFill>
+          <a:blip r:embed="rId2"/>
+          <a:stretch>
+            <a:fillRect/>
+          </a:stretch>
+        </p:blipFill>
+        <p:spPr>
+          <a:xfrm>
+            <a:off x="1984375" y="4001135"/>
+            <a:ext cx="6267450" cy="2333625"/>
           </a:xfrm>
           <a:prstGeom prst="rect">
             <a:avLst/>
@@ -12921,7 +12712,7 @@
       </p:pic>
     </p:spTree>
     <p:custDataLst>
-      <p:tags r:id="rId2"/>
+      <p:tags r:id="rId3"/>
     </p:custDataLst>
   </p:cSld>
   <p:clrMapOvr>
@@ -12942,7 +12733,7 @@
       <p:grpSpPr/>
       <p:sp>
         <p:nvSpPr>
-          <p:cNvPr id="4" name="标题 3"/>
+          <p:cNvPr id="2" name="标题 1"/>
           <p:cNvSpPr>
             <a:spLocks noGrp="1"/>
           </p:cNvSpPr>
@@ -12955,38 +12746,83 @@
           <a:bodyPr/>
           <a:p>
             <a:r>
+              <a:rPr lang="en-US" altLang="zh-CN"/>
+              <a:t>Pay</a:t>
+            </a:r>
+            <a:endParaRPr lang="en-US" altLang="zh-CN"/>
+          </a:p>
+        </p:txBody>
+      </p:sp>
+      <p:pic>
+        <p:nvPicPr>
+          <p:cNvPr id="7" name="图片 6" descr="chapter6_4_1"/>
+          <p:cNvPicPr>
+            <a:picLocks noChangeAspect="1"/>
+          </p:cNvPicPr>
+          <p:nvPr/>
+        </p:nvPicPr>
+        <p:blipFill>
+          <a:blip r:embed="rId1"/>
+          <a:stretch>
+            <a:fillRect/>
+          </a:stretch>
+        </p:blipFill>
+        <p:spPr>
+          <a:xfrm>
+            <a:off x="1200150" y="1088390"/>
+            <a:ext cx="5018405" cy="5445125"/>
+          </a:xfrm>
+          <a:prstGeom prst="rect">
+            <a:avLst/>
+          </a:prstGeom>
+        </p:spPr>
+      </p:pic>
+      <p:sp>
+        <p:nvSpPr>
+          <p:cNvPr id="8" name="圆角矩形 7"/>
+          <p:cNvSpPr/>
+          <p:nvPr/>
+        </p:nvSpPr>
+        <p:spPr>
+          <a:xfrm>
+            <a:off x="1421765" y="5501005"/>
+            <a:ext cx="1369060" cy="574040"/>
+          </a:xfrm>
+          <a:prstGeom prst="roundRect">
+            <a:avLst/>
+          </a:prstGeom>
+        </p:spPr>
+        <p:style>
+          <a:lnRef idx="2">
+            <a:schemeClr val="accent1">
+              <a:shade val="50000"/>
+            </a:schemeClr>
+          </a:lnRef>
+          <a:fillRef idx="1">
+            <a:schemeClr val="accent1"/>
+          </a:fillRef>
+          <a:effectRef idx="0">
+            <a:schemeClr val="accent1"/>
+          </a:effectRef>
+          <a:fontRef idx="minor">
+            <a:schemeClr val="lt1"/>
+          </a:fontRef>
+        </p:style>
+        <p:txBody>
+          <a:bodyPr rtlCol="0" anchor="ctr"/>
+          <a:p>
+            <a:pPr algn="ctr"/>
+            <a:r>
               <a:rPr lang="zh-CN" altLang="en-US"/>
-              <a:t>公众号</a:t>
-            </a:r>
-            <a:r>
-              <a:rPr lang="zh-CN" altLang="en-US"/>
-              <a:t>开发</a:t>
-            </a:r>
-            <a:endParaRPr lang="zh-CN" altLang="en-US"/>
-          </a:p>
-        </p:txBody>
-      </p:sp>
-      <p:sp>
-        <p:nvSpPr>
-          <p:cNvPr id="5" name="文本占位符 4"/>
-          <p:cNvSpPr>
-            <a:spLocks noGrp="1"/>
-          </p:cNvSpPr>
-          <p:nvPr>
-            <p:ph type="body" idx="1"/>
-          </p:nvPr>
-        </p:nvSpPr>
-        <p:spPr/>
-        <p:txBody>
-          <a:bodyPr/>
-          <a:p>
+              <a:t>扫码支付</a:t>
+            </a:r>
             <a:endParaRPr lang="zh-CN" altLang="en-US"/>
           </a:p>
         </p:txBody>
       </p:sp>
     </p:spTree>
     <p:custDataLst>
-      <p:tags r:id="rId1"/>
+      <p:tags r:id="rId2"/>
     </p:custDataLst>
   </p:cSld>
   <p:clrMapOvr>
@@ -13007,7 +12843,7 @@
       <p:grpSpPr/>
       <p:sp>
         <p:nvSpPr>
-          <p:cNvPr id="4" name="标题 3"/>
+          <p:cNvPr id="2" name="标题 1"/>
           <p:cNvSpPr>
             <a:spLocks noGrp="1"/>
           </p:cNvSpPr>
@@ -13020,12 +12856,161 @@
           <a:bodyPr/>
           <a:p>
             <a:r>
+              <a:rPr lang="en-US" altLang="zh-CN"/>
+              <a:t>JSSDK</a:t>
+            </a:r>
+            <a:endParaRPr lang="en-US" altLang="zh-CN"/>
+          </a:p>
+        </p:txBody>
+      </p:sp>
+      <p:sp>
+        <p:nvSpPr>
+          <p:cNvPr id="4" name="流程图: 过程 3"/>
+          <p:cNvSpPr/>
+          <p:nvPr/>
+        </p:nvSpPr>
+        <p:spPr>
+          <a:xfrm>
+            <a:off x="1043940" y="1485900"/>
+            <a:ext cx="5084445" cy="886460"/>
+          </a:xfrm>
+          <a:prstGeom prst="flowChartProcess">
+            <a:avLst/>
+          </a:prstGeom>
+        </p:spPr>
+        <p:style>
+          <a:lnRef idx="2">
+            <a:schemeClr val="accent1">
+              <a:shade val="50000"/>
+            </a:schemeClr>
+          </a:lnRef>
+          <a:fillRef idx="1">
+            <a:schemeClr val="accent1"/>
+          </a:fillRef>
+          <a:effectRef idx="0">
+            <a:schemeClr val="accent1"/>
+          </a:effectRef>
+          <a:fontRef idx="minor">
+            <a:schemeClr val="lt1"/>
+          </a:fontRef>
+        </p:style>
+        <p:txBody>
+          <a:bodyPr rtlCol="0" anchor="ctr"/>
+          <a:p>
+            <a:pPr algn="ctr"/>
+            <a:r>
               <a:rPr lang="zh-CN" altLang="en-US"/>
-              <a:t>基本</a:t>
-            </a:r>
+              <a:t>获取</a:t>
+            </a:r>
+            <a:r>
+              <a:rPr lang="en-US" altLang="zh-CN"/>
+              <a:t>access token</a:t>
+            </a:r>
+            <a:endParaRPr lang="en-US" altLang="zh-CN"/>
+          </a:p>
+          <a:p>
+            <a:pPr algn="ctr"/>
+            <a:r>
+              <a:rPr lang="en-US" altLang="zh-CN"/>
+              <a:t>https://developers.weixin.qq.com/doc/offiaccount/Basic_Information/Get_access_token.html</a:t>
+            </a:r>
+            <a:endParaRPr lang="en-US" altLang="zh-CN"/>
+          </a:p>
+        </p:txBody>
+      </p:sp>
+      <p:sp>
+        <p:nvSpPr>
+          <p:cNvPr id="5" name="流程图: 过程 4"/>
+          <p:cNvSpPr/>
+          <p:nvPr/>
+        </p:nvSpPr>
+        <p:spPr>
+          <a:xfrm>
+            <a:off x="1043305" y="2815590"/>
+            <a:ext cx="5084445" cy="1133475"/>
+          </a:xfrm>
+          <a:prstGeom prst="flowChartProcess">
+            <a:avLst/>
+          </a:prstGeom>
+        </p:spPr>
+        <p:style>
+          <a:lnRef idx="2">
+            <a:schemeClr val="accent1">
+              <a:shade val="50000"/>
+            </a:schemeClr>
+          </a:lnRef>
+          <a:fillRef idx="1">
+            <a:schemeClr val="accent1"/>
+          </a:fillRef>
+          <a:effectRef idx="0">
+            <a:schemeClr val="accent1"/>
+          </a:effectRef>
+          <a:fontRef idx="minor">
+            <a:schemeClr val="lt1"/>
+          </a:fontRef>
+        </p:style>
+        <p:txBody>
+          <a:bodyPr rtlCol="0" anchor="ctr"/>
+          <a:p>
+            <a:pPr algn="ctr"/>
             <a:r>
               <a:rPr lang="zh-CN" altLang="en-US"/>
-              <a:t>信息</a:t>
+              <a:t>获取</a:t>
+            </a:r>
+            <a:r>
+              <a:rPr lang="en-US" altLang="zh-CN"/>
+              <a:t>jsapi ticket</a:t>
+            </a:r>
+            <a:endParaRPr lang="en-US" altLang="zh-CN"/>
+          </a:p>
+          <a:p>
+            <a:pPr algn="ctr"/>
+            <a:r>
+              <a:rPr lang="en-US" altLang="zh-CN"/>
+              <a:t>https://api.weixin.qq.com/cgi-bin/ticket/getticket?access_token=ACCESS_TOKEN&amp;type=jsapi</a:t>
+            </a:r>
+            <a:endParaRPr lang="en-US" altLang="zh-CN"/>
+          </a:p>
+        </p:txBody>
+      </p:sp>
+      <p:sp>
+        <p:nvSpPr>
+          <p:cNvPr id="6" name="流程图: 过程 5"/>
+          <p:cNvSpPr/>
+          <p:nvPr/>
+        </p:nvSpPr>
+        <p:spPr>
+          <a:xfrm>
+            <a:off x="1043305" y="4262755"/>
+            <a:ext cx="5084445" cy="1133475"/>
+          </a:xfrm>
+          <a:prstGeom prst="flowChartProcess">
+            <a:avLst/>
+          </a:prstGeom>
+        </p:spPr>
+        <p:style>
+          <a:lnRef idx="2">
+            <a:schemeClr val="accent1">
+              <a:shade val="50000"/>
+            </a:schemeClr>
+          </a:lnRef>
+          <a:fillRef idx="1">
+            <a:schemeClr val="accent1"/>
+          </a:fillRef>
+          <a:effectRef idx="0">
+            <a:schemeClr val="accent1"/>
+          </a:effectRef>
+          <a:fontRef idx="minor">
+            <a:schemeClr val="lt1"/>
+          </a:fontRef>
+        </p:style>
+        <p:txBody>
+          <a:bodyPr rtlCol="0" anchor="ctr"/>
+          <a:p>
+            <a:pPr algn="ctr"/>
+            <a:r>
+              <a:rPr lang="zh-CN" altLang="en-US"/>
+              <a:t>签名</a:t>
             </a:r>
             <a:endParaRPr lang="zh-CN" altLang="en-US"/>
           </a:p>
@@ -13033,139 +13018,163 @@
       </p:sp>
       <p:sp>
         <p:nvSpPr>
-          <p:cNvPr id="5" name="内容占位符 4"/>
-          <p:cNvSpPr>
-            <a:spLocks noGrp="1"/>
-          </p:cNvSpPr>
-          <p:nvPr>
-            <p:ph idx="1"/>
-          </p:nvPr>
-        </p:nvSpPr>
-        <p:spPr>
-          <a:xfrm>
-            <a:off x="838200" y="1211580"/>
-            <a:ext cx="6648450" cy="4549140"/>
-          </a:xfrm>
-        </p:spPr>
-        <p:txBody>
-          <a:bodyPr>
-            <a:normAutofit lnSpcReduction="20000"/>
+          <p:cNvPr id="7" name="文本框 6"/>
+          <p:cNvSpPr txBox="1"/>
+          <p:nvPr/>
+        </p:nvSpPr>
+        <p:spPr>
+          <a:xfrm>
+            <a:off x="7131685" y="1003935"/>
+            <a:ext cx="4511040" cy="3415030"/>
+          </a:xfrm>
+          <a:prstGeom prst="rect">
+            <a:avLst/>
+          </a:prstGeom>
+          <a:noFill/>
+          <a:ln w="12700" cmpd="sng">
+            <a:solidFill>
+              <a:srgbClr val="FFC000"/>
+            </a:solidFill>
+            <a:prstDash val="sysDash"/>
+          </a:ln>
+        </p:spPr>
+        <p:txBody>
+          <a:bodyPr wrap="square" rtlCol="0">
+            <a:spAutoFit/>
           </a:bodyPr>
           <a:p>
             <a:r>
               <a:rPr lang="zh-CN" altLang="en-US"/>
-              <a:t>参考</a:t>
+              <a:t>wx.config({</a:t>
             </a:r>
             <a:endParaRPr lang="zh-CN" altLang="en-US"/>
           </a:p>
           <a:p>
-            <a:pPr lvl="1"/>
             <a:r>
               <a:rPr lang="zh-CN" altLang="en-US"/>
-              <a:t>https://developers.weixin.qq.com/doc/offiaccount/Basic_Information/Access_Overview.html</a:t>
+              <a:t>  debug: true, // 开启调试模式,调用的所有api的返回值会在客户端alert出来，若要查看传入的参数，可以在pc端打开，参数信息会通过log打出，仅在pc端时才会打印。</a:t>
             </a:r>
             <a:endParaRPr lang="zh-CN" altLang="en-US"/>
           </a:p>
           <a:p>
             <a:r>
               <a:rPr lang="zh-CN" altLang="en-US"/>
-              <a:t>基础</a:t>
+              <a:t>  appId: '', // 必填，公众号的唯一标识</a:t>
             </a:r>
             <a:endParaRPr lang="zh-CN" altLang="en-US"/>
           </a:p>
           <a:p>
-            <a:pPr lvl="1"/>
             <a:r>
               <a:rPr lang="zh-CN" altLang="en-US"/>
-              <a:t>公众平台接口调用仅支持80端口。</a:t>
+              <a:t>  timestamp: , // 必填，生成签名的时间戳</a:t>
             </a:r>
             <a:endParaRPr lang="zh-CN" altLang="en-US"/>
           </a:p>
           <a:p>
-            <a:pPr lvl="1"/>
-            <a:r>
-              <a:rPr lang="en-US" altLang="zh-CN"/>
-              <a:t>appid</a:t>
-            </a:r>
             <a:r>
               <a:rPr lang="zh-CN" altLang="en-US"/>
-              <a:t>，</a:t>
-            </a:r>
-            <a:r>
-              <a:rPr lang="en-US" altLang="zh-CN"/>
-              <a:t>appsecret</a:t>
-            </a:r>
-            <a:endParaRPr lang="en-US" altLang="zh-CN"/>
-          </a:p>
-          <a:p>
-            <a:pPr lvl="1"/>
-            <a:r>
-              <a:rPr lang="en-US" altLang="zh-CN"/>
-              <a:t>IP</a:t>
-            </a:r>
+              <a:t>  nonceStr: '', // 必填，生成签名的随机串</a:t>
+            </a:r>
+            <a:endParaRPr lang="zh-CN" altLang="en-US"/>
+          </a:p>
+          <a:p>
             <a:r>
               <a:rPr lang="zh-CN" altLang="en-US"/>
-              <a:t>白名单</a:t>
+              <a:t>  signature: '',// 必填，签名</a:t>
             </a:r>
             <a:endParaRPr lang="zh-CN" altLang="en-US"/>
           </a:p>
           <a:p>
-            <a:pPr lvl="1"/>
             <a:r>
               <a:rPr lang="zh-CN" altLang="en-US"/>
-              <a:t>网页授权</a:t>
+              <a:t>  jsApiList: [] // 必填，需要使用的JS接口列表</a:t>
             </a:r>
             <a:endParaRPr lang="zh-CN" altLang="en-US"/>
           </a:p>
           <a:p>
-            <a:pPr lvl="2"/>
             <a:r>
               <a:rPr lang="zh-CN" altLang="en-US"/>
-              <a:t>https://developers.weixin.qq.com/doc/offiaccount/OA_Web_Apps/Wechat_webpage_authorization.html</a:t>
+              <a:t>});</a:t>
             </a:r>
             <a:endParaRPr lang="zh-CN" altLang="en-US"/>
           </a:p>
-          <a:p>
-            <a:pPr lvl="2"/>
-            <a:r>
-              <a:rPr lang="zh-CN" altLang="en-US"/>
-              <a:t>开发 - 接口权限 - 网页服务 - 网页帐号 - 网页授权获取用户基本信息，修改回调</a:t>
-            </a:r>
-            <a:r>
-              <a:rPr lang="zh-CN" altLang="en-US"/>
-              <a:t>域名</a:t>
-            </a:r>
-            <a:endParaRPr lang="zh-CN" altLang="en-US"/>
-          </a:p>
-        </p:txBody>
-      </p:sp>
-      <p:pic>
-        <p:nvPicPr>
-          <p:cNvPr id="6" name="图片 5"/>
-          <p:cNvPicPr>
-            <a:picLocks noChangeAspect="1"/>
-          </p:cNvPicPr>
+        </p:txBody>
+      </p:sp>
+      <p:cxnSp>
+        <p:nvCxnSpPr>
+          <p:cNvPr id="3" name="直接箭头连接符 2"/>
+          <p:cNvCxnSpPr>
+            <a:stCxn id="4" idx="2"/>
+            <a:endCxn id="5" idx="0"/>
+          </p:cNvCxnSpPr>
           <p:nvPr/>
-        </p:nvPicPr>
-        <p:blipFill>
-          <a:blip r:embed="rId1"/>
-          <a:stretch>
-            <a:fillRect/>
-          </a:stretch>
-        </p:blipFill>
-        <p:spPr>
-          <a:xfrm>
-            <a:off x="7304405" y="1158875"/>
-            <a:ext cx="4674235" cy="2334895"/>
-          </a:xfrm>
-          <a:prstGeom prst="rect">
-            <a:avLst/>
-          </a:prstGeom>
-        </p:spPr>
-      </p:pic>
+        </p:nvCxnSpPr>
+        <p:spPr>
+          <a:xfrm flipH="1">
+            <a:off x="3585845" y="2372360"/>
+            <a:ext cx="635" cy="443230"/>
+          </a:xfrm>
+          <a:prstGeom prst="straightConnector1">
+            <a:avLst/>
+          </a:prstGeom>
+          <a:ln>
+            <a:tailEnd type="arrow"/>
+          </a:ln>
+        </p:spPr>
+        <p:style>
+          <a:lnRef idx="1">
+            <a:schemeClr val="accent1"/>
+          </a:lnRef>
+          <a:fillRef idx="0">
+            <a:schemeClr val="accent1"/>
+          </a:fillRef>
+          <a:effectRef idx="0">
+            <a:schemeClr val="accent1"/>
+          </a:effectRef>
+          <a:fontRef idx="minor">
+            <a:schemeClr val="tx1"/>
+          </a:fontRef>
+        </p:style>
+      </p:cxnSp>
+      <p:cxnSp>
+        <p:nvCxnSpPr>
+          <p:cNvPr id="8" name="直接箭头连接符 7"/>
+          <p:cNvCxnSpPr>
+            <a:stCxn id="5" idx="2"/>
+            <a:endCxn id="6" idx="0"/>
+          </p:cNvCxnSpPr>
+          <p:nvPr/>
+        </p:nvCxnSpPr>
+        <p:spPr>
+          <a:xfrm>
+            <a:off x="3585845" y="3949065"/>
+            <a:ext cx="0" cy="313690"/>
+          </a:xfrm>
+          <a:prstGeom prst="straightConnector1">
+            <a:avLst/>
+          </a:prstGeom>
+          <a:ln>
+            <a:tailEnd type="arrow"/>
+          </a:ln>
+        </p:spPr>
+        <p:style>
+          <a:lnRef idx="1">
+            <a:schemeClr val="accent1"/>
+          </a:lnRef>
+          <a:fillRef idx="0">
+            <a:schemeClr val="accent1"/>
+          </a:fillRef>
+          <a:effectRef idx="0">
+            <a:schemeClr val="accent1"/>
+          </a:effectRef>
+          <a:fontRef idx="minor">
+            <a:schemeClr val="tx1"/>
+          </a:fontRef>
+        </p:style>
+      </p:cxnSp>
     </p:spTree>
     <p:custDataLst>
-      <p:tags r:id="rId2"/>
+      <p:tags r:id="rId1"/>
     </p:custDataLst>
   </p:cSld>
   <p:clrMapOvr>
@@ -13200,11 +13209,11 @@
           <a:p>
             <a:r>
               <a:rPr lang="zh-CN" altLang="en-US"/>
-              <a:t>获取</a:t>
-            </a:r>
-            <a:r>
-              <a:rPr lang="en-US" altLang="zh-CN"/>
-              <a:t>OpenId</a:t>
+              <a:t>公众号获取</a:t>
+            </a:r>
+            <a:r>
+              <a:rPr lang="en-US" altLang="zh-CN"/>
+              <a:t>openid</a:t>
             </a:r>
             <a:endParaRPr lang="en-US" altLang="zh-CN"/>
           </a:p>
@@ -13220,17 +13229,20 @@
             <p:ph idx="1"/>
           </p:nvPr>
         </p:nvSpPr>
-        <p:spPr>
-          <a:xfrm>
-            <a:off x="838200" y="1211580"/>
-            <a:ext cx="5575935" cy="4843780"/>
-          </a:xfrm>
-        </p:spPr>
+        <p:spPr/>
         <p:txBody>
           <a:bodyPr>
-            <a:normAutofit fontScale="60000"/>
+            <a:normAutofit lnSpcReduction="10000"/>
           </a:bodyPr>
           <a:p>
+            <a:r>
+              <a:rPr lang="zh-CN" altLang="en-US"/>
+              <a:t>步骤</a:t>
+            </a:r>
+            <a:endParaRPr lang="zh-CN" altLang="en-US"/>
+          </a:p>
+          <a:p>
+            <a:pPr lvl="1"/>
             <a:r>
               <a:rPr lang="zh-CN" altLang="en-US"/>
               <a:t>参考</a:t>
@@ -13238,218 +13250,86 @@
             <a:endParaRPr lang="zh-CN" altLang="en-US"/>
           </a:p>
           <a:p>
+            <a:pPr lvl="2"/>
+            <a:r>
+              <a:rPr lang="zh-CN" altLang="en-US"/>
+              <a:t>https://developers.weixin.qq.com/doc/offiaccount/OA_Web_Apps/Wechat_webpage_authorization.html</a:t>
+            </a:r>
+            <a:endParaRPr lang="zh-CN" altLang="en-US"/>
+          </a:p>
+          <a:p>
             <a:pPr lvl="1"/>
             <a:r>
               <a:rPr lang="zh-CN" altLang="en-US"/>
-              <a:t>https://www.jianshu.com/p/b7e2100b56e4</a:t>
+              <a:t>获取</a:t>
+            </a:r>
+            <a:r>
+              <a:rPr lang="en-US" altLang="zh-CN"/>
+              <a:t>code</a:t>
+            </a:r>
+            <a:endParaRPr lang="en-US" altLang="zh-CN"/>
+          </a:p>
+          <a:p>
+            <a:pPr lvl="2"/>
+            <a:r>
+              <a:rPr lang="en-US" altLang="zh-CN"/>
+              <a:t>https://open.weixin.qq.com/connect/oauth2/authorize?appid=APPID&amp;redirect_uri=REDIRECT_URI&amp;response_type=code&amp;scope=SCOPE&amp;state=STATE#wechat_redirect</a:t>
+            </a:r>
+            <a:endParaRPr lang="en-US" altLang="zh-CN"/>
+          </a:p>
+          <a:p>
+            <a:pPr lvl="2"/>
+            <a:r>
+              <a:rPr lang="zh-CN" altLang="en-US"/>
+              <a:t>例子：</a:t>
+            </a:r>
+            <a:r>
+              <a:rPr lang="en-US" altLang="zh-CN"/>
+              <a:t>https://open.weixin.qq.com/connect/oauth2/authorize?appid=wx520c15f417810387&amp;redirect_uri=https%3A%2F%2Fchong.qq.com%2Fphp%2Findex.php%3Fd%3D%26c%3DwxAdapter%26m%3DmobileDeal%26showwxpaytitle%3D1%26vb2ctag%3D4_2030_5_1194_60&amp;response_type=code&amp;scope=snsapi_base&amp;state=123#wechat_redirect</a:t>
+            </a:r>
+            <a:endParaRPr lang="en-US" altLang="zh-CN"/>
+          </a:p>
+          <a:p>
+            <a:pPr lvl="1"/>
+            <a:r>
+              <a:rPr lang="zh-CN" altLang="en-US"/>
+              <a:t>获取</a:t>
+            </a:r>
+            <a:r>
+              <a:rPr lang="en-US" altLang="zh-CN"/>
+              <a:t>access token</a:t>
+            </a:r>
+            <a:endParaRPr lang="en-US" altLang="zh-CN"/>
+          </a:p>
+          <a:p>
+            <a:pPr lvl="2"/>
+            <a:r>
+              <a:rPr lang="en-US" altLang="zh-CN"/>
+              <a:t>https://api.weixin.qq.com/sns/oauth2/access_token?appid=APPID&amp;secret=SECRET&amp;code=CODE&amp;grant_type=authorization_code</a:t>
+            </a:r>
+            <a:endParaRPr lang="en-US" altLang="zh-CN"/>
+          </a:p>
+          <a:p>
+            <a:pPr lvl="2"/>
+            <a:r>
+              <a:rPr lang="zh-CN" altLang="en-US"/>
+              <a:t>该接口返回</a:t>
+            </a:r>
+            <a:r>
+              <a:rPr lang="en-US" altLang="zh-CN"/>
+              <a:t>openid</a:t>
+            </a:r>
+            <a:r>
+              <a:rPr lang="zh-CN" altLang="en-US"/>
+              <a:t>字段</a:t>
             </a:r>
             <a:endParaRPr lang="zh-CN" altLang="en-US"/>
           </a:p>
-          <a:p>
-            <a:pPr lvl="0"/>
-            <a:r>
-              <a:rPr lang="zh-CN" altLang="en-US"/>
-              <a:t>概念</a:t>
-            </a:r>
-            <a:endParaRPr lang="zh-CN" altLang="en-US"/>
-          </a:p>
-          <a:p>
-            <a:pPr lvl="1"/>
-            <a:r>
-              <a:rPr lang="zh-CN" altLang="en-US"/>
-              <a:t>openId：用户在当前公众号下的唯一标识</a:t>
-            </a:r>
-            <a:endParaRPr lang="zh-CN" altLang="en-US"/>
-          </a:p>
-          <a:p>
-            <a:pPr lvl="1"/>
-            <a:r>
-              <a:rPr lang="en-US" altLang="zh-CN"/>
-              <a:t>unionId</a:t>
-            </a:r>
-            <a:r>
-              <a:rPr lang="zh-CN" altLang="en-US"/>
-              <a:t>：同一用户，对同一微信开放平台下的不同应用（移动应用、网站应用和公众帐号），unionid是相同的</a:t>
-            </a:r>
-            <a:endParaRPr lang="zh-CN" altLang="en-US"/>
-          </a:p>
-          <a:p>
-            <a:pPr lvl="0"/>
-            <a:r>
-              <a:rPr lang="zh-CN" altLang="en-US"/>
-              <a:t>获取步骤</a:t>
-            </a:r>
-            <a:endParaRPr lang="zh-CN" altLang="en-US"/>
-          </a:p>
-          <a:p>
-            <a:pPr lvl="1"/>
-            <a:r>
-              <a:rPr lang="zh-CN" altLang="en-US"/>
-              <a:t>前端调用微信</a:t>
-            </a:r>
-            <a:r>
-              <a:rPr lang="en-US" altLang="zh-CN"/>
-              <a:t>authorize</a:t>
-            </a:r>
-            <a:r>
-              <a:rPr lang="zh-CN" altLang="en-US"/>
-              <a:t>接口获取</a:t>
-            </a:r>
-            <a:r>
-              <a:rPr lang="en-US" altLang="zh-CN"/>
-              <a:t>code</a:t>
-            </a:r>
-            <a:endParaRPr lang="en-US" altLang="zh-CN"/>
-          </a:p>
-          <a:p>
-            <a:pPr lvl="2"/>
-            <a:r>
-              <a:rPr lang="zh-CN" altLang="en-US"/>
-              <a:t>https://open.weixin.qq.com/connect/oauth2/authorize?appid=' + window.APPID + '&amp;redirect_uri=' + encodeURIComponent(local) + '&amp;response_type=code&amp;scope=snsapi_</a:t>
-            </a:r>
-            <a:r>
-              <a:rPr lang="en-US" altLang="zh-CN"/>
-              <a:t>base</a:t>
-            </a:r>
-            <a:r>
-              <a:rPr lang="zh-CN" altLang="en-US"/>
-              <a:t>&amp;state=1#wechat_redirect'</a:t>
-            </a:r>
-            <a:endParaRPr lang="zh-CN" altLang="en-US"/>
-          </a:p>
-          <a:p>
-            <a:pPr lvl="1"/>
-            <a:r>
-              <a:rPr lang="zh-CN" altLang="en-US"/>
-              <a:t>前端将</a:t>
-            </a:r>
-            <a:r>
-              <a:rPr lang="en-US" altLang="zh-CN"/>
-              <a:t>code</a:t>
-            </a:r>
-            <a:r>
-              <a:rPr lang="zh-CN" altLang="en-US"/>
-              <a:t>发送给</a:t>
-            </a:r>
-            <a:r>
-              <a:rPr lang="zh-CN" altLang="en-US"/>
-              <a:t>后端</a:t>
-            </a:r>
-            <a:endParaRPr lang="zh-CN" altLang="en-US"/>
-          </a:p>
-          <a:p>
-            <a:pPr lvl="1"/>
-            <a:r>
-              <a:rPr lang="zh-CN" altLang="en-US"/>
-              <a:t>后端调用微信</a:t>
-            </a:r>
-            <a:r>
-              <a:rPr lang="en-US" altLang="zh-CN"/>
-              <a:t>access_token</a:t>
-            </a:r>
-            <a:r>
-              <a:rPr lang="zh-CN" altLang="en-US"/>
-              <a:t>接口获取</a:t>
-            </a:r>
-            <a:r>
-              <a:rPr lang="en-US" altLang="zh-CN"/>
-              <a:t>openid</a:t>
-            </a:r>
-            <a:endParaRPr lang="zh-CN" altLang="en-US"/>
-          </a:p>
-          <a:p>
-            <a:pPr lvl="2"/>
-            <a:r>
-              <a:rPr lang="zh-CN" altLang="en-US"/>
-              <a:t>https://api.weixin.qq.com/sns/oauth2/access_token?appid=APPID&amp;secret=SECRET&amp;code=CODE&amp;grant_type=authorization_code</a:t>
-            </a:r>
-            <a:endParaRPr lang="zh-CN" altLang="en-US"/>
-          </a:p>
-          <a:p>
-            <a:pPr lvl="0"/>
-            <a:r>
-              <a:rPr lang="zh-CN" altLang="en-US"/>
-              <a:t>常见</a:t>
-            </a:r>
-            <a:r>
-              <a:rPr lang="zh-CN" altLang="en-US"/>
-              <a:t>问题</a:t>
-            </a:r>
-            <a:endParaRPr lang="zh-CN" altLang="en-US"/>
-          </a:p>
-          <a:p>
-            <a:pPr lvl="1"/>
-            <a:r>
-              <a:rPr lang="zh-CN" altLang="en-US"/>
-              <a:t>同一微信号每次获取的</a:t>
-            </a:r>
-            <a:r>
-              <a:rPr lang="en-US" altLang="zh-CN"/>
-              <a:t>code</a:t>
-            </a:r>
-            <a:r>
-              <a:rPr lang="zh-CN" altLang="en-US"/>
-              <a:t>不同</a:t>
-            </a:r>
-            <a:endParaRPr lang="zh-CN" altLang="en-US"/>
-          </a:p>
-          <a:p>
-            <a:pPr lvl="1"/>
-            <a:r>
-              <a:rPr lang="zh-CN" altLang="en-US"/>
-              <a:t>同一</a:t>
-            </a:r>
-            <a:r>
-              <a:rPr lang="en-US" altLang="zh-CN"/>
-              <a:t>code</a:t>
-            </a:r>
-            <a:r>
-              <a:rPr lang="zh-CN" altLang="en-US"/>
-              <a:t>只能获取一次</a:t>
-            </a:r>
-            <a:r>
-              <a:rPr lang="en-US" altLang="zh-CN"/>
-              <a:t>openid</a:t>
-            </a:r>
-            <a:r>
-              <a:rPr lang="zh-CN" altLang="en-US"/>
-              <a:t>，第二次获取会返回</a:t>
-            </a:r>
-            <a:r>
-              <a:rPr lang="zh-CN" altLang="en-US"/>
-              <a:t>错误</a:t>
-            </a:r>
-            <a:endParaRPr lang="zh-CN" altLang="en-US"/>
-          </a:p>
-        </p:txBody>
-      </p:sp>
-      <p:pic>
-        <p:nvPicPr>
-          <p:cNvPr id="4" name="图片 3"/>
-          <p:cNvPicPr>
-            <a:picLocks noChangeAspect="1"/>
-          </p:cNvPicPr>
-          <p:nvPr/>
-        </p:nvPicPr>
-        <p:blipFill>
-          <a:blip r:embed="rId1"/>
-          <a:stretch>
-            <a:fillRect/>
-          </a:stretch>
-        </p:blipFill>
-        <p:spPr>
-          <a:xfrm>
-            <a:off x="6468110" y="914400"/>
-            <a:ext cx="5723890" cy="4898390"/>
-          </a:xfrm>
-          <a:prstGeom prst="rect">
-            <a:avLst/>
-          </a:prstGeom>
-        </p:spPr>
-      </p:pic>
+        </p:txBody>
+      </p:sp>
     </p:spTree>
     <p:custDataLst>
-      <p:tags r:id="rId2"/>
+      <p:tags r:id="rId1"/>
     </p:custDataLst>
   </p:cSld>
   <p:clrMapOvr>
@@ -13470,7 +13350,7 @@
       <p:grpSpPr/>
       <p:sp>
         <p:nvSpPr>
-          <p:cNvPr id="4" name="标题 3"/>
+          <p:cNvPr id="2" name="标题 1"/>
           <p:cNvSpPr>
             <a:spLocks noGrp="1"/>
           </p:cNvSpPr>
@@ -13484,11 +13364,7 @@
           <a:p>
             <a:r>
               <a:rPr lang="zh-CN" altLang="en-US"/>
-              <a:t>第三方平台</a:t>
-            </a:r>
-            <a:r>
-              <a:rPr lang="zh-CN" altLang="en-US"/>
-              <a:t>接入</a:t>
+              <a:t>发送模板消息</a:t>
             </a:r>
             <a:endParaRPr lang="zh-CN" altLang="en-US"/>
           </a:p>
@@ -13496,25 +13372,286 @@
       </p:sp>
       <p:sp>
         <p:nvSpPr>
-          <p:cNvPr id="5" name="文本占位符 4"/>
+          <p:cNvPr id="3" name="内容占位符 2"/>
           <p:cNvSpPr>
             <a:spLocks noGrp="1"/>
           </p:cNvSpPr>
           <p:nvPr>
-            <p:ph type="body" idx="1"/>
+            <p:ph idx="1"/>
           </p:nvPr>
         </p:nvSpPr>
-        <p:spPr/>
-        <p:txBody>
-          <a:bodyPr/>
-          <a:p>
-            <a:endParaRPr lang="zh-CN" altLang="en-US"/>
-          </a:p>
-        </p:txBody>
-      </p:sp>
+        <p:spPr>
+          <a:xfrm>
+            <a:off x="838200" y="1211580"/>
+            <a:ext cx="6384925" cy="4549140"/>
+          </a:xfrm>
+        </p:spPr>
+        <p:txBody>
+          <a:bodyPr>
+            <a:noAutofit/>
+          </a:bodyPr>
+          <a:p>
+            <a:r>
+              <a:rPr lang="zh-CN" altLang="en-US" sz="1400"/>
+              <a:t>步骤</a:t>
+            </a:r>
+            <a:endParaRPr lang="zh-CN" altLang="en-US" sz="1400"/>
+          </a:p>
+          <a:p>
+            <a:pPr lvl="1"/>
+            <a:r>
+              <a:rPr lang="en-US" altLang="zh-CN" sz="1200"/>
+              <a:t>POST </a:t>
+            </a:r>
+            <a:r>
+              <a:rPr lang="zh-CN" altLang="en-US" sz="1200"/>
+              <a:t>https://api.weixin.qq.com/cgi-bin/message/template/send?access_token=ACCESS_TOKEN</a:t>
+            </a:r>
+            <a:endParaRPr lang="zh-CN" altLang="en-US" sz="1200"/>
+          </a:p>
+          <a:p>
+            <a:pPr lvl="0"/>
+            <a:r>
+              <a:rPr lang="zh-CN" altLang="en-US" sz="1400">
+                <a:sym typeface="+mn-ea"/>
+              </a:rPr>
+              <a:t>概要</a:t>
+            </a:r>
+            <a:endParaRPr lang="zh-CN" altLang="en-US" sz="1400"/>
+          </a:p>
+          <a:p>
+            <a:pPr lvl="1"/>
+            <a:r>
+              <a:rPr lang="zh-CN" altLang="en-US" sz="1200">
+                <a:sym typeface="+mn-ea"/>
+              </a:rPr>
+              <a:t>认证的微信服务号发送模板消息通知</a:t>
+            </a:r>
+            <a:endParaRPr lang="zh-CN" altLang="en-US" sz="1200"/>
+          </a:p>
+          <a:p>
+            <a:pPr lvl="1"/>
+            <a:r>
+              <a:rPr lang="zh-CN" altLang="en-US" sz="1200">
+                <a:sym typeface="+mn-ea"/>
+              </a:rPr>
+              <a:t>各类型公众号权限</a:t>
+            </a:r>
+            <a:endParaRPr lang="zh-CN" altLang="en-US" sz="1200"/>
+          </a:p>
+          <a:p>
+            <a:pPr lvl="2"/>
+            <a:r>
+              <a:rPr lang="zh-CN" altLang="en-US" sz="1000">
+                <a:sym typeface="+mn-ea"/>
+              </a:rPr>
+              <a:t>https://developers.weixin.qq.com/doc/offiaccount/Getting_Started/Explanation_of_interface_privileges.html</a:t>
+            </a:r>
+            <a:endParaRPr lang="zh-CN" altLang="en-US" sz="1000"/>
+          </a:p>
+          <a:p>
+            <a:pPr lvl="1"/>
+            <a:r>
+              <a:rPr lang="zh-CN" altLang="en-US" sz="1200">
+                <a:sym typeface="+mn-ea"/>
+              </a:rPr>
+              <a:t>模板消息运营规范</a:t>
+            </a:r>
+            <a:endParaRPr lang="zh-CN" altLang="en-US" sz="1200"/>
+          </a:p>
+          <a:p>
+            <a:pPr lvl="2"/>
+            <a:r>
+              <a:rPr lang="zh-CN" altLang="en-US" sz="1000">
+                <a:sym typeface="+mn-ea"/>
+              </a:rPr>
+              <a:t>https://developers.weixin.qq.com/doc/offiaccount/Message_Management/Template_Message_Operation_Specifications.html</a:t>
+            </a:r>
+            <a:endParaRPr lang="zh-CN" altLang="en-US" sz="1000"/>
+          </a:p>
+          <a:p>
+            <a:pPr lvl="1"/>
+            <a:r>
+              <a:rPr lang="zh-CN" altLang="en-US" sz="1200">
+                <a:sym typeface="+mn-ea"/>
+              </a:rPr>
+              <a:t>模板消息接口</a:t>
+            </a:r>
+            <a:endParaRPr lang="zh-CN" altLang="en-US" sz="1200"/>
+          </a:p>
+          <a:p>
+            <a:pPr lvl="2"/>
+            <a:r>
+              <a:rPr lang="zh-CN" altLang="en-US" sz="1000">
+                <a:sym typeface="+mn-ea"/>
+              </a:rPr>
+              <a:t>https://developers.weixin.qq.com/doc/offiaccount/Message_Management/Template_Message_Interface.html</a:t>
+            </a:r>
+            <a:endParaRPr lang="zh-CN" altLang="en-US" sz="1000">
+              <a:sym typeface="+mn-ea"/>
+            </a:endParaRPr>
+          </a:p>
+          <a:p>
+            <a:pPr lvl="2"/>
+            <a:r>
+              <a:rPr lang="zh-CN" altLang="en-US" sz="1000"/>
+              <a:t>https://mp.weixin.qq.com/advanced/tmplmsg?action=faq&amp;token=1723160200&amp;lang=zh_CN</a:t>
+            </a:r>
+            <a:endParaRPr lang="zh-CN" altLang="en-US" sz="1000"/>
+          </a:p>
+          <a:p>
+            <a:pPr lvl="2"/>
+            <a:r>
+              <a:rPr lang="zh-CN" altLang="en-US" sz="1000">
+                <a:sym typeface="+mn-ea"/>
+              </a:rPr>
+              <a:t>https://www.zhihu.com/question/48864270/answer/1157763869</a:t>
+            </a:r>
+            <a:endParaRPr lang="zh-CN" altLang="en-US" sz="1000">
+              <a:sym typeface="+mn-ea"/>
+            </a:endParaRPr>
+          </a:p>
+          <a:p>
+            <a:pPr lvl="2"/>
+            <a:r>
+              <a:rPr lang="zh-CN" altLang="en-US" sz="1000">
+                <a:sym typeface="+mn-ea"/>
+              </a:rPr>
+              <a:t>POST请求</a:t>
+            </a:r>
+            <a:endParaRPr lang="zh-CN" altLang="en-US" sz="1000">
+              <a:sym typeface="+mn-ea"/>
+            </a:endParaRPr>
+          </a:p>
+          <a:p>
+            <a:pPr lvl="3"/>
+            <a:r>
+              <a:rPr lang="zh-CN" altLang="en-US" sz="1000">
+                <a:sym typeface="+mn-ea"/>
+              </a:rPr>
+              <a:t>https://api.weixin.qq.com/cgi-bin/message/template/send?access_token=ACCESS_TOKEN</a:t>
+            </a:r>
+            <a:endParaRPr lang="zh-CN" altLang="en-US" sz="1000">
+              <a:sym typeface="+mn-ea"/>
+            </a:endParaRPr>
+          </a:p>
+          <a:p>
+            <a:pPr lvl="0"/>
+            <a:r>
+              <a:rPr lang="zh-CN" altLang="en-US" sz="1400">
+                <a:sym typeface="+mn-ea"/>
+              </a:rPr>
+              <a:t>开通步骤</a:t>
+            </a:r>
+            <a:endParaRPr lang="zh-CN" altLang="en-US" sz="1400"/>
+          </a:p>
+          <a:p>
+            <a:pPr lvl="1"/>
+            <a:r>
+              <a:rPr lang="zh-CN" altLang="en-US" sz="1200">
+                <a:sym typeface="+mn-ea"/>
+              </a:rPr>
+              <a:t>登录服务号</a:t>
+            </a:r>
+            <a:endParaRPr lang="zh-CN" altLang="en-US" sz="1200"/>
+          </a:p>
+          <a:p>
+            <a:pPr lvl="1"/>
+            <a:r>
+              <a:rPr lang="zh-CN" altLang="en-US" sz="1200">
+                <a:sym typeface="+mn-ea"/>
+              </a:rPr>
+              <a:t>功能</a:t>
+            </a:r>
+            <a:r>
+              <a:rPr lang="en-US" altLang="zh-CN" sz="1200">
+                <a:sym typeface="+mn-ea"/>
+              </a:rPr>
+              <a:t>-</a:t>
+            </a:r>
+            <a:r>
+              <a:rPr lang="zh-CN" altLang="en-US" sz="1200">
+                <a:sym typeface="+mn-ea"/>
+              </a:rPr>
+              <a:t>》添加功能插件</a:t>
+            </a:r>
+            <a:r>
+              <a:rPr lang="en-US" altLang="zh-CN" sz="1200">
+                <a:sym typeface="+mn-ea"/>
+              </a:rPr>
+              <a:t>-</a:t>
+            </a:r>
+            <a:r>
+              <a:rPr lang="zh-CN" altLang="en-US" sz="1200">
+                <a:sym typeface="+mn-ea"/>
+              </a:rPr>
+              <a:t>》模板消息</a:t>
+            </a:r>
+            <a:endParaRPr lang="zh-CN" altLang="en-US" sz="1200"/>
+          </a:p>
+          <a:p>
+            <a:pPr lvl="1"/>
+            <a:r>
+              <a:rPr lang="zh-CN" altLang="en-US" sz="1200">
+                <a:sym typeface="+mn-ea"/>
+              </a:rPr>
+              <a:t>申请开通模板消息接口</a:t>
+            </a:r>
+            <a:endParaRPr lang="zh-CN" altLang="en-US" sz="1200"/>
+          </a:p>
+          <a:p>
+            <a:pPr lvl="1"/>
+            <a:r>
+              <a:rPr lang="zh-CN" altLang="en-US" sz="1200">
+                <a:sym typeface="+mn-ea"/>
+              </a:rPr>
+              <a:t>审核需</a:t>
+            </a:r>
+            <a:r>
+              <a:rPr lang="en-US" altLang="zh-CN" sz="1200">
+                <a:sym typeface="+mn-ea"/>
+              </a:rPr>
+              <a:t>2~3</a:t>
+            </a:r>
+            <a:r>
+              <a:rPr lang="zh-CN" altLang="en-US" sz="1200">
+                <a:sym typeface="+mn-ea"/>
+              </a:rPr>
+              <a:t>天</a:t>
+            </a:r>
+            <a:endParaRPr lang="zh-CN" altLang="en-US" sz="1200">
+              <a:sym typeface="+mn-ea"/>
+            </a:endParaRPr>
+          </a:p>
+        </p:txBody>
+      </p:sp>
+      <p:pic>
+        <p:nvPicPr>
+          <p:cNvPr id="4" name="图片 3"/>
+          <p:cNvPicPr>
+            <a:picLocks noChangeAspect="1"/>
+          </p:cNvPicPr>
+          <p:nvPr/>
+        </p:nvPicPr>
+        <p:blipFill>
+          <a:blip r:embed="rId1"/>
+          <a:stretch>
+            <a:fillRect/>
+          </a:stretch>
+        </p:blipFill>
+        <p:spPr>
+          <a:xfrm>
+            <a:off x="7519670" y="1025525"/>
+            <a:ext cx="4454525" cy="5487670"/>
+          </a:xfrm>
+          <a:prstGeom prst="rect">
+            <a:avLst/>
+          </a:prstGeom>
+        </p:spPr>
+      </p:pic>
     </p:spTree>
     <p:custDataLst>
-      <p:tags r:id="rId1"/>
+      <p:tags r:id="rId2"/>
     </p:custDataLst>
   </p:cSld>
   <p:clrMapOvr>
@@ -13549,7 +13686,76 @@
           <a:p>
             <a:r>
               <a:rPr lang="zh-CN" altLang="en-US"/>
-              <a:t>注册</a:t>
+              <a:t>公众号</a:t>
+            </a:r>
+            <a:r>
+              <a:rPr lang="zh-CN" altLang="en-US"/>
+              <a:t>开发</a:t>
+            </a:r>
+            <a:endParaRPr lang="zh-CN" altLang="en-US"/>
+          </a:p>
+        </p:txBody>
+      </p:sp>
+      <p:sp>
+        <p:nvSpPr>
+          <p:cNvPr id="5" name="文本占位符 4"/>
+          <p:cNvSpPr>
+            <a:spLocks noGrp="1"/>
+          </p:cNvSpPr>
+          <p:nvPr>
+            <p:ph type="body" idx="1"/>
+          </p:nvPr>
+        </p:nvSpPr>
+        <p:spPr/>
+        <p:txBody>
+          <a:bodyPr/>
+          <a:p>
+            <a:endParaRPr lang="zh-CN" altLang="en-US"/>
+          </a:p>
+        </p:txBody>
+      </p:sp>
+    </p:spTree>
+    <p:custDataLst>
+      <p:tags r:id="rId1"/>
+    </p:custDataLst>
+  </p:cSld>
+  <p:clrMapOvr>
+    <a:masterClrMapping/>
+  </p:clrMapOvr>
+</p:sld>
+</file>
+
+<file path=ppt/slides/slide39.xml><?xml version="1.0" encoding="utf-8"?>
+<p:sld xmlns:a="http://schemas.openxmlformats.org/drawingml/2006/main" xmlns:r="http://schemas.openxmlformats.org/officeDocument/2006/relationships" xmlns:p="http://schemas.openxmlformats.org/presentationml/2006/main">
+  <p:cSld>
+    <p:spTree>
+      <p:nvGrpSpPr>
+        <p:cNvPr id="1" name=""/>
+        <p:cNvGrpSpPr/>
+        <p:nvPr/>
+      </p:nvGrpSpPr>
+      <p:grpSpPr/>
+      <p:sp>
+        <p:nvSpPr>
+          <p:cNvPr id="4" name="标题 3"/>
+          <p:cNvSpPr>
+            <a:spLocks noGrp="1"/>
+          </p:cNvSpPr>
+          <p:nvPr>
+            <p:ph type="title"/>
+          </p:nvPr>
+        </p:nvSpPr>
+        <p:spPr/>
+        <p:txBody>
+          <a:bodyPr/>
+          <a:p>
+            <a:r>
+              <a:rPr lang="zh-CN" altLang="en-US"/>
+              <a:t>基本</a:t>
+            </a:r>
+            <a:r>
+              <a:rPr lang="zh-CN" altLang="en-US"/>
+              <a:t>信息</a:t>
             </a:r>
             <a:endParaRPr lang="zh-CN" altLang="en-US"/>
           </a:p>
@@ -13565,81 +13771,131 @@
             <p:ph idx="1"/>
           </p:nvPr>
         </p:nvSpPr>
-        <p:spPr/>
-        <p:txBody>
-          <a:bodyPr/>
+        <p:spPr>
+          <a:xfrm>
+            <a:off x="838200" y="1211580"/>
+            <a:ext cx="6648450" cy="4549140"/>
+          </a:xfrm>
+        </p:spPr>
+        <p:txBody>
+          <a:bodyPr>
+            <a:normAutofit lnSpcReduction="20000"/>
+          </a:bodyPr>
           <a:p>
             <a:r>
               <a:rPr lang="zh-CN" altLang="en-US"/>
-              <a:t>注册第三方</a:t>
-            </a:r>
+              <a:t>参考</a:t>
+            </a:r>
+            <a:endParaRPr lang="zh-CN" altLang="en-US"/>
+          </a:p>
+          <a:p>
+            <a:pPr lvl="1"/>
             <a:r>
               <a:rPr lang="zh-CN" altLang="en-US"/>
-              <a:t>平台</a:t>
+              <a:t>https://developers.weixin.qq.com/doc/offiaccount/Basic_Information/Access_Overview.html</a:t>
             </a:r>
             <a:endParaRPr lang="zh-CN" altLang="en-US"/>
           </a:p>
           <a:p>
+            <a:r>
+              <a:rPr lang="zh-CN" altLang="en-US"/>
+              <a:t>基础</a:t>
+            </a:r>
+            <a:endParaRPr lang="zh-CN" altLang="en-US"/>
+          </a:p>
+          <a:p>
             <a:pPr lvl="1"/>
             <a:r>
               <a:rPr lang="zh-CN" altLang="en-US"/>
-              <a:t>https://open.weixin.qq.com/</a:t>
+              <a:t>公众平台接口调用仅支持80端口。</a:t>
             </a:r>
             <a:endParaRPr lang="zh-CN" altLang="en-US"/>
           </a:p>
           <a:p>
             <a:pPr lvl="1"/>
             <a:r>
+              <a:rPr lang="en-US" altLang="zh-CN"/>
+              <a:t>appid</a:t>
+            </a:r>
+            <a:r>
               <a:rPr lang="zh-CN" altLang="en-US"/>
-              <a:t>管理中心</a:t>
-            </a:r>
-            <a:r>
-              <a:rPr lang="en-US" altLang="zh-CN"/>
-              <a:t>-</a:t>
+              <a:t>，</a:t>
+            </a:r>
+            <a:r>
+              <a:rPr lang="en-US" altLang="zh-CN"/>
+              <a:t>appsecret</a:t>
+            </a:r>
+            <a:endParaRPr lang="en-US" altLang="zh-CN"/>
+          </a:p>
+          <a:p>
+            <a:pPr lvl="1"/>
+            <a:r>
+              <a:rPr lang="en-US" altLang="zh-CN"/>
+              <a:t>IP</a:t>
             </a:r>
             <a:r>
               <a:rPr lang="zh-CN" altLang="en-US"/>
-              <a:t>》第三方平台</a:t>
-            </a:r>
-            <a:r>
-              <a:rPr lang="en-US" altLang="zh-CN"/>
-              <a:t>-</a:t>
-            </a:r>
+              <a:t>白名单</a:t>
+            </a:r>
+            <a:endParaRPr lang="zh-CN" altLang="en-US"/>
+          </a:p>
+          <a:p>
+            <a:pPr lvl="1"/>
             <a:r>
               <a:rPr lang="zh-CN" altLang="en-US"/>
-              <a:t>》创建第三方</a:t>
-            </a:r>
+              <a:t>网页授权</a:t>
+            </a:r>
+            <a:endParaRPr lang="zh-CN" altLang="en-US"/>
+          </a:p>
+          <a:p>
+            <a:pPr lvl="2"/>
             <a:r>
               <a:rPr lang="zh-CN" altLang="en-US"/>
-              <a:t>平台</a:t>
+              <a:t>https://developers.weixin.qq.com/doc/offiaccount/OA_Web_Apps/Wechat_webpage_authorization.html</a:t>
             </a:r>
             <a:endParaRPr lang="zh-CN" altLang="en-US"/>
           </a:p>
           <a:p>
-            <a:pPr lvl="1"/>
+            <a:pPr lvl="2"/>
             <a:r>
               <a:rPr lang="zh-CN" altLang="en-US"/>
-              <a:t>审核需</a:t>
-            </a:r>
-            <a:r>
-              <a:rPr lang="en-US" altLang="zh-CN"/>
-              <a:t>7</a:t>
+              <a:t>开发 - 接口权限 - 网页服务 - 网页帐号 - 网页授权获取用户基本信息，修改回调</a:t>
             </a:r>
             <a:r>
               <a:rPr lang="zh-CN" altLang="en-US"/>
-              <a:t>个工作</a:t>
-            </a:r>
-            <a:r>
-              <a:rPr lang="zh-CN" altLang="en-US"/>
-              <a:t>日</a:t>
+              <a:t>域名</a:t>
             </a:r>
             <a:endParaRPr lang="zh-CN" altLang="en-US"/>
           </a:p>
         </p:txBody>
       </p:sp>
+      <p:pic>
+        <p:nvPicPr>
+          <p:cNvPr id="6" name="图片 5"/>
+          <p:cNvPicPr>
+            <a:picLocks noChangeAspect="1"/>
+          </p:cNvPicPr>
+          <p:nvPr/>
+        </p:nvPicPr>
+        <p:blipFill>
+          <a:blip r:embed="rId1"/>
+          <a:stretch>
+            <a:fillRect/>
+          </a:stretch>
+        </p:blipFill>
+        <p:spPr>
+          <a:xfrm>
+            <a:off x="7304405" y="1158875"/>
+            <a:ext cx="4674235" cy="2334895"/>
+          </a:xfrm>
+          <a:prstGeom prst="rect">
+            <a:avLst/>
+          </a:prstGeom>
+        </p:spPr>
+      </p:pic>
     </p:spTree>
     <p:custDataLst>
-      <p:tags r:id="rId1"/>
+      <p:tags r:id="rId2"/>
     </p:custDataLst>
   </p:cSld>
   <p:clrMapOvr>
@@ -13694,6 +13950,480 @@
         <p:txBody>
           <a:bodyPr/>
           <a:p>
+            <a:endParaRPr lang="zh-CN" altLang="en-US"/>
+          </a:p>
+        </p:txBody>
+      </p:sp>
+    </p:spTree>
+    <p:custDataLst>
+      <p:tags r:id="rId1"/>
+    </p:custDataLst>
+  </p:cSld>
+  <p:clrMapOvr>
+    <a:masterClrMapping/>
+  </p:clrMapOvr>
+</p:sld>
+</file>
+
+<file path=ppt/slides/slide40.xml><?xml version="1.0" encoding="utf-8"?>
+<p:sld xmlns:a="http://schemas.openxmlformats.org/drawingml/2006/main" xmlns:r="http://schemas.openxmlformats.org/officeDocument/2006/relationships" xmlns:p="http://schemas.openxmlformats.org/presentationml/2006/main">
+  <p:cSld>
+    <p:spTree>
+      <p:nvGrpSpPr>
+        <p:cNvPr id="1" name=""/>
+        <p:cNvGrpSpPr/>
+        <p:nvPr/>
+      </p:nvGrpSpPr>
+      <p:grpSpPr/>
+      <p:sp>
+        <p:nvSpPr>
+          <p:cNvPr id="2" name="标题 1"/>
+          <p:cNvSpPr>
+            <a:spLocks noGrp="1"/>
+          </p:cNvSpPr>
+          <p:nvPr>
+            <p:ph type="title"/>
+          </p:nvPr>
+        </p:nvSpPr>
+        <p:spPr/>
+        <p:txBody>
+          <a:bodyPr/>
+          <a:p>
+            <a:r>
+              <a:rPr lang="zh-CN" altLang="en-US"/>
+              <a:t>获取</a:t>
+            </a:r>
+            <a:r>
+              <a:rPr lang="en-US" altLang="zh-CN"/>
+              <a:t>OpenId</a:t>
+            </a:r>
+            <a:endParaRPr lang="en-US" altLang="zh-CN"/>
+          </a:p>
+        </p:txBody>
+      </p:sp>
+      <p:sp>
+        <p:nvSpPr>
+          <p:cNvPr id="3" name="内容占位符 2"/>
+          <p:cNvSpPr>
+            <a:spLocks noGrp="1"/>
+          </p:cNvSpPr>
+          <p:nvPr>
+            <p:ph idx="1"/>
+          </p:nvPr>
+        </p:nvSpPr>
+        <p:spPr>
+          <a:xfrm>
+            <a:off x="838200" y="1211580"/>
+            <a:ext cx="5575935" cy="4843780"/>
+          </a:xfrm>
+        </p:spPr>
+        <p:txBody>
+          <a:bodyPr>
+            <a:normAutofit fontScale="60000"/>
+          </a:bodyPr>
+          <a:p>
+            <a:r>
+              <a:rPr lang="zh-CN" altLang="en-US"/>
+              <a:t>参考</a:t>
+            </a:r>
+            <a:endParaRPr lang="zh-CN" altLang="en-US"/>
+          </a:p>
+          <a:p>
+            <a:pPr lvl="1"/>
+            <a:r>
+              <a:rPr lang="zh-CN" altLang="en-US"/>
+              <a:t>https://www.jianshu.com/p/b7e2100b56e4</a:t>
+            </a:r>
+            <a:endParaRPr lang="zh-CN" altLang="en-US"/>
+          </a:p>
+          <a:p>
+            <a:pPr lvl="0"/>
+            <a:r>
+              <a:rPr lang="zh-CN" altLang="en-US"/>
+              <a:t>概念</a:t>
+            </a:r>
+            <a:endParaRPr lang="zh-CN" altLang="en-US"/>
+          </a:p>
+          <a:p>
+            <a:pPr lvl="1"/>
+            <a:r>
+              <a:rPr lang="zh-CN" altLang="en-US"/>
+              <a:t>openId：用户在当前公众号下的唯一标识</a:t>
+            </a:r>
+            <a:endParaRPr lang="zh-CN" altLang="en-US"/>
+          </a:p>
+          <a:p>
+            <a:pPr lvl="1"/>
+            <a:r>
+              <a:rPr lang="en-US" altLang="zh-CN"/>
+              <a:t>unionId</a:t>
+            </a:r>
+            <a:r>
+              <a:rPr lang="zh-CN" altLang="en-US"/>
+              <a:t>：同一用户，对同一微信开放平台下的不同应用（移动应用、网站应用和公众帐号），unionid是相同的</a:t>
+            </a:r>
+            <a:endParaRPr lang="zh-CN" altLang="en-US"/>
+          </a:p>
+          <a:p>
+            <a:pPr lvl="0"/>
+            <a:r>
+              <a:rPr lang="zh-CN" altLang="en-US"/>
+              <a:t>获取步骤</a:t>
+            </a:r>
+            <a:endParaRPr lang="zh-CN" altLang="en-US"/>
+          </a:p>
+          <a:p>
+            <a:pPr lvl="1"/>
+            <a:r>
+              <a:rPr lang="zh-CN" altLang="en-US"/>
+              <a:t>前端调用微信</a:t>
+            </a:r>
+            <a:r>
+              <a:rPr lang="en-US" altLang="zh-CN"/>
+              <a:t>authorize</a:t>
+            </a:r>
+            <a:r>
+              <a:rPr lang="zh-CN" altLang="en-US"/>
+              <a:t>接口获取</a:t>
+            </a:r>
+            <a:r>
+              <a:rPr lang="en-US" altLang="zh-CN"/>
+              <a:t>code</a:t>
+            </a:r>
+            <a:endParaRPr lang="en-US" altLang="zh-CN"/>
+          </a:p>
+          <a:p>
+            <a:pPr lvl="2"/>
+            <a:r>
+              <a:rPr lang="zh-CN" altLang="en-US"/>
+              <a:t>https://open.weixin.qq.com/connect/oauth2/authorize?appid=' + window.APPID + '&amp;redirect_uri=' + encodeURIComponent(local) + '&amp;response_type=code&amp;scope=snsapi_</a:t>
+            </a:r>
+            <a:r>
+              <a:rPr lang="en-US" altLang="zh-CN"/>
+              <a:t>base</a:t>
+            </a:r>
+            <a:r>
+              <a:rPr lang="zh-CN" altLang="en-US"/>
+              <a:t>&amp;state=1#wechat_redirect'</a:t>
+            </a:r>
+            <a:endParaRPr lang="zh-CN" altLang="en-US"/>
+          </a:p>
+          <a:p>
+            <a:pPr lvl="1"/>
+            <a:r>
+              <a:rPr lang="zh-CN" altLang="en-US"/>
+              <a:t>前端将</a:t>
+            </a:r>
+            <a:r>
+              <a:rPr lang="en-US" altLang="zh-CN"/>
+              <a:t>code</a:t>
+            </a:r>
+            <a:r>
+              <a:rPr lang="zh-CN" altLang="en-US"/>
+              <a:t>发送给</a:t>
+            </a:r>
+            <a:r>
+              <a:rPr lang="zh-CN" altLang="en-US"/>
+              <a:t>后端</a:t>
+            </a:r>
+            <a:endParaRPr lang="zh-CN" altLang="en-US"/>
+          </a:p>
+          <a:p>
+            <a:pPr lvl="1"/>
+            <a:r>
+              <a:rPr lang="zh-CN" altLang="en-US"/>
+              <a:t>后端调用微信</a:t>
+            </a:r>
+            <a:r>
+              <a:rPr lang="en-US" altLang="zh-CN"/>
+              <a:t>access_token</a:t>
+            </a:r>
+            <a:r>
+              <a:rPr lang="zh-CN" altLang="en-US"/>
+              <a:t>接口获取</a:t>
+            </a:r>
+            <a:r>
+              <a:rPr lang="en-US" altLang="zh-CN"/>
+              <a:t>openid</a:t>
+            </a:r>
+            <a:endParaRPr lang="zh-CN" altLang="en-US"/>
+          </a:p>
+          <a:p>
+            <a:pPr lvl="2"/>
+            <a:r>
+              <a:rPr lang="zh-CN" altLang="en-US"/>
+              <a:t>https://api.weixin.qq.com/sns/oauth2/access_token?appid=APPID&amp;secret=SECRET&amp;code=CODE&amp;grant_type=authorization_code</a:t>
+            </a:r>
+            <a:endParaRPr lang="zh-CN" altLang="en-US"/>
+          </a:p>
+          <a:p>
+            <a:pPr lvl="0"/>
+            <a:r>
+              <a:rPr lang="zh-CN" altLang="en-US"/>
+              <a:t>常见</a:t>
+            </a:r>
+            <a:r>
+              <a:rPr lang="zh-CN" altLang="en-US"/>
+              <a:t>问题</a:t>
+            </a:r>
+            <a:endParaRPr lang="zh-CN" altLang="en-US"/>
+          </a:p>
+          <a:p>
+            <a:pPr lvl="1"/>
+            <a:r>
+              <a:rPr lang="zh-CN" altLang="en-US"/>
+              <a:t>同一微信号每次获取的</a:t>
+            </a:r>
+            <a:r>
+              <a:rPr lang="en-US" altLang="zh-CN"/>
+              <a:t>code</a:t>
+            </a:r>
+            <a:r>
+              <a:rPr lang="zh-CN" altLang="en-US"/>
+              <a:t>不同</a:t>
+            </a:r>
+            <a:endParaRPr lang="zh-CN" altLang="en-US"/>
+          </a:p>
+          <a:p>
+            <a:pPr lvl="1"/>
+            <a:r>
+              <a:rPr lang="zh-CN" altLang="en-US"/>
+              <a:t>同一</a:t>
+            </a:r>
+            <a:r>
+              <a:rPr lang="en-US" altLang="zh-CN"/>
+              <a:t>code</a:t>
+            </a:r>
+            <a:r>
+              <a:rPr lang="zh-CN" altLang="en-US"/>
+              <a:t>只能获取一次</a:t>
+            </a:r>
+            <a:r>
+              <a:rPr lang="en-US" altLang="zh-CN"/>
+              <a:t>openid</a:t>
+            </a:r>
+            <a:r>
+              <a:rPr lang="zh-CN" altLang="en-US"/>
+              <a:t>，第二次获取会返回</a:t>
+            </a:r>
+            <a:r>
+              <a:rPr lang="zh-CN" altLang="en-US"/>
+              <a:t>错误</a:t>
+            </a:r>
+            <a:endParaRPr lang="zh-CN" altLang="en-US"/>
+          </a:p>
+        </p:txBody>
+      </p:sp>
+      <p:pic>
+        <p:nvPicPr>
+          <p:cNvPr id="4" name="图片 3"/>
+          <p:cNvPicPr>
+            <a:picLocks noChangeAspect="1"/>
+          </p:cNvPicPr>
+          <p:nvPr/>
+        </p:nvPicPr>
+        <p:blipFill>
+          <a:blip r:embed="rId1"/>
+          <a:stretch>
+            <a:fillRect/>
+          </a:stretch>
+        </p:blipFill>
+        <p:spPr>
+          <a:xfrm>
+            <a:off x="6468110" y="914400"/>
+            <a:ext cx="5723890" cy="4898390"/>
+          </a:xfrm>
+          <a:prstGeom prst="rect">
+            <a:avLst/>
+          </a:prstGeom>
+        </p:spPr>
+      </p:pic>
+    </p:spTree>
+    <p:custDataLst>
+      <p:tags r:id="rId2"/>
+    </p:custDataLst>
+  </p:cSld>
+  <p:clrMapOvr>
+    <a:masterClrMapping/>
+  </p:clrMapOvr>
+</p:sld>
+</file>
+
+<file path=ppt/slides/slide41.xml><?xml version="1.0" encoding="utf-8"?>
+<p:sld xmlns:a="http://schemas.openxmlformats.org/drawingml/2006/main" xmlns:r="http://schemas.openxmlformats.org/officeDocument/2006/relationships" xmlns:p="http://schemas.openxmlformats.org/presentationml/2006/main">
+  <p:cSld>
+    <p:spTree>
+      <p:nvGrpSpPr>
+        <p:cNvPr id="1" name=""/>
+        <p:cNvGrpSpPr/>
+        <p:nvPr/>
+      </p:nvGrpSpPr>
+      <p:grpSpPr/>
+      <p:sp>
+        <p:nvSpPr>
+          <p:cNvPr id="4" name="标题 3"/>
+          <p:cNvSpPr>
+            <a:spLocks noGrp="1"/>
+          </p:cNvSpPr>
+          <p:nvPr>
+            <p:ph type="title"/>
+          </p:nvPr>
+        </p:nvSpPr>
+        <p:spPr/>
+        <p:txBody>
+          <a:bodyPr/>
+          <a:p>
+            <a:r>
+              <a:rPr lang="zh-CN" altLang="en-US"/>
+              <a:t>第三方平台</a:t>
+            </a:r>
+            <a:r>
+              <a:rPr lang="zh-CN" altLang="en-US"/>
+              <a:t>接入</a:t>
+            </a:r>
+            <a:endParaRPr lang="zh-CN" altLang="en-US"/>
+          </a:p>
+        </p:txBody>
+      </p:sp>
+      <p:sp>
+        <p:nvSpPr>
+          <p:cNvPr id="5" name="文本占位符 4"/>
+          <p:cNvSpPr>
+            <a:spLocks noGrp="1"/>
+          </p:cNvSpPr>
+          <p:nvPr>
+            <p:ph type="body" idx="1"/>
+          </p:nvPr>
+        </p:nvSpPr>
+        <p:spPr/>
+        <p:txBody>
+          <a:bodyPr/>
+          <a:p>
+            <a:endParaRPr lang="zh-CN" altLang="en-US"/>
+          </a:p>
+        </p:txBody>
+      </p:sp>
+    </p:spTree>
+    <p:custDataLst>
+      <p:tags r:id="rId1"/>
+    </p:custDataLst>
+  </p:cSld>
+  <p:clrMapOvr>
+    <a:masterClrMapping/>
+  </p:clrMapOvr>
+</p:sld>
+</file>
+
+<file path=ppt/slides/slide42.xml><?xml version="1.0" encoding="utf-8"?>
+<p:sld xmlns:a="http://schemas.openxmlformats.org/drawingml/2006/main" xmlns:r="http://schemas.openxmlformats.org/officeDocument/2006/relationships" xmlns:p="http://schemas.openxmlformats.org/presentationml/2006/main">
+  <p:cSld>
+    <p:spTree>
+      <p:nvGrpSpPr>
+        <p:cNvPr id="1" name=""/>
+        <p:cNvGrpSpPr/>
+        <p:nvPr/>
+      </p:nvGrpSpPr>
+      <p:grpSpPr/>
+      <p:sp>
+        <p:nvSpPr>
+          <p:cNvPr id="4" name="标题 3"/>
+          <p:cNvSpPr>
+            <a:spLocks noGrp="1"/>
+          </p:cNvSpPr>
+          <p:nvPr>
+            <p:ph type="title"/>
+          </p:nvPr>
+        </p:nvSpPr>
+        <p:spPr/>
+        <p:txBody>
+          <a:bodyPr/>
+          <a:p>
+            <a:r>
+              <a:rPr lang="zh-CN" altLang="en-US"/>
+              <a:t>注册</a:t>
+            </a:r>
+            <a:endParaRPr lang="zh-CN" altLang="en-US"/>
+          </a:p>
+        </p:txBody>
+      </p:sp>
+      <p:sp>
+        <p:nvSpPr>
+          <p:cNvPr id="5" name="内容占位符 4"/>
+          <p:cNvSpPr>
+            <a:spLocks noGrp="1"/>
+          </p:cNvSpPr>
+          <p:nvPr>
+            <p:ph idx="1"/>
+          </p:nvPr>
+        </p:nvSpPr>
+        <p:spPr/>
+        <p:txBody>
+          <a:bodyPr/>
+          <a:p>
+            <a:r>
+              <a:rPr lang="zh-CN" altLang="en-US"/>
+              <a:t>注册第三方</a:t>
+            </a:r>
+            <a:r>
+              <a:rPr lang="zh-CN" altLang="en-US"/>
+              <a:t>平台</a:t>
+            </a:r>
+            <a:endParaRPr lang="zh-CN" altLang="en-US"/>
+          </a:p>
+          <a:p>
+            <a:pPr lvl="1"/>
+            <a:r>
+              <a:rPr lang="zh-CN" altLang="en-US"/>
+              <a:t>https://open.weixin.qq.com/</a:t>
+            </a:r>
+            <a:endParaRPr lang="zh-CN" altLang="en-US"/>
+          </a:p>
+          <a:p>
+            <a:pPr lvl="1"/>
+            <a:r>
+              <a:rPr lang="zh-CN" altLang="en-US"/>
+              <a:t>管理中心</a:t>
+            </a:r>
+            <a:r>
+              <a:rPr lang="en-US" altLang="zh-CN"/>
+              <a:t>-</a:t>
+            </a:r>
+            <a:r>
+              <a:rPr lang="zh-CN" altLang="en-US"/>
+              <a:t>》第三方平台</a:t>
+            </a:r>
+            <a:r>
+              <a:rPr lang="en-US" altLang="zh-CN"/>
+              <a:t>-</a:t>
+            </a:r>
+            <a:r>
+              <a:rPr lang="zh-CN" altLang="en-US"/>
+              <a:t>》创建第三方</a:t>
+            </a:r>
+            <a:r>
+              <a:rPr lang="zh-CN" altLang="en-US"/>
+              <a:t>平台</a:t>
+            </a:r>
+            <a:endParaRPr lang="zh-CN" altLang="en-US"/>
+          </a:p>
+          <a:p>
+            <a:pPr lvl="1"/>
+            <a:r>
+              <a:rPr lang="zh-CN" altLang="en-US"/>
+              <a:t>审核需</a:t>
+            </a:r>
+            <a:r>
+              <a:rPr lang="en-US" altLang="zh-CN"/>
+              <a:t>7</a:t>
+            </a:r>
+            <a:r>
+              <a:rPr lang="zh-CN" altLang="en-US"/>
+              <a:t>个工作</a:t>
+            </a:r>
+            <a:r>
+              <a:rPr lang="zh-CN" altLang="en-US"/>
+              <a:t>日</a:t>
+            </a:r>
             <a:endParaRPr lang="zh-CN" altLang="en-US"/>
           </a:p>
         </p:txBody>
@@ -15381,13 +16111,19 @@
 
 <file path=ppt/tags/tag32.xml><?xml version="1.0" encoding="utf-8"?>
 <p:tagLst xmlns:p="http://schemas.openxmlformats.org/presentationml/2006/main">
-  <p:tag name="KSO_WM_UNIT_PLACING_PICTURE_USER_VIEWPORT" val="{&quot;height&quot;:3984,&quot;width&quot;:7719}"/>
+  <p:tag name="KSO_WM_BEAUTIFY_FLAG" val="#wm#"/>
+  <p:tag name="KSO_WM_TEMPLATE_CATEGORY" val="custom"/>
+  <p:tag name="KSO_WM_TEMPLATE_INDEX" val="160402"/>
+  <p:tag name="KSO_WM_SPECIAL_SOURCE" val="bdnull"/>
 </p:tagLst>
 </file>
 
 <file path=ppt/tags/tag33.xml><?xml version="1.0" encoding="utf-8"?>
 <p:tagLst xmlns:p="http://schemas.openxmlformats.org/presentationml/2006/main">
-  <p:tag name="KSO_WM_UNIT_PLACING_PICTURE_USER_VIEWPORT" val="{&quot;height&quot;:4774,&quot;width&quot;:9249}"/>
+  <p:tag name="KSO_WM_BEAUTIFY_FLAG" val="#wm#"/>
+  <p:tag name="KSO_WM_TEMPLATE_CATEGORY" val="custom"/>
+  <p:tag name="KSO_WM_TEMPLATE_INDEX" val="160402"/>
+  <p:tag name="KSO_WM_SPECIAL_SOURCE" val="bdnull"/>
 </p:tagLst>
 </file>
 
@@ -15411,19 +16147,13 @@
 
 <file path=ppt/tags/tag36.xml><?xml version="1.0" encoding="utf-8"?>
 <p:tagLst xmlns:p="http://schemas.openxmlformats.org/presentationml/2006/main">
-  <p:tag name="KSO_WM_BEAUTIFY_FLAG" val="#wm#"/>
-  <p:tag name="KSO_WM_TEMPLATE_CATEGORY" val="custom"/>
-  <p:tag name="KSO_WM_TEMPLATE_INDEX" val="160402"/>
-  <p:tag name="KSO_WM_SPECIAL_SOURCE" val="bdnull"/>
+  <p:tag name="KSO_WM_UNIT_PLACING_PICTURE_USER_VIEWPORT" val="{&quot;height&quot;:3984,&quot;width&quot;:7719}"/>
 </p:tagLst>
 </file>
 
 <file path=ppt/tags/tag37.xml><?xml version="1.0" encoding="utf-8"?>
 <p:tagLst xmlns:p="http://schemas.openxmlformats.org/presentationml/2006/main">
-  <p:tag name="KSO_WM_BEAUTIFY_FLAG" val="#wm#"/>
-  <p:tag name="KSO_WM_TEMPLATE_CATEGORY" val="custom"/>
-  <p:tag name="KSO_WM_TEMPLATE_INDEX" val="160402"/>
-  <p:tag name="KSO_WM_SPECIAL_SOURCE" val="bdnull"/>
+  <p:tag name="KSO_WM_UNIT_PLACING_PICTURE_USER_VIEWPORT" val="{&quot;height&quot;:4774,&quot;width&quot;:9249}"/>
 </p:tagLst>
 </file>
 
@@ -15521,8 +16251,37 @@
 
 <file path=ppt/tags/tag46.xml><?xml version="1.0" encoding="utf-8"?>
 <p:tagLst xmlns:p="http://schemas.openxmlformats.org/presentationml/2006/main">
-  <p:tag name="KSO_DOCER_TEMPLATE_OPEN_ONCE_MARK" val="1"/>
-  <p:tag name="COMMONDATA" val="eyJoZGlkIjoiODcwZjc5M2RmYzUwOWE5MjVkODVjZGMyZDUwOTRjYmEifQ=="/>
+  <p:tag name="KSO_WM_BEAUTIFY_FLAG" val="#wm#"/>
+  <p:tag name="KSO_WM_TEMPLATE_CATEGORY" val="custom"/>
+  <p:tag name="KSO_WM_TEMPLATE_INDEX" val="160402"/>
+  <p:tag name="KSO_WM_SPECIAL_SOURCE" val="bdnull"/>
+</p:tagLst>
+</file>
+
+<file path=ppt/tags/tag47.xml><?xml version="1.0" encoding="utf-8"?>
+<p:tagLst xmlns:p="http://schemas.openxmlformats.org/presentationml/2006/main">
+  <p:tag name="KSO_WM_BEAUTIFY_FLAG" val="#wm#"/>
+  <p:tag name="KSO_WM_TEMPLATE_CATEGORY" val="custom"/>
+  <p:tag name="KSO_WM_TEMPLATE_INDEX" val="160402"/>
+  <p:tag name="KSO_WM_SPECIAL_SOURCE" val="bdnull"/>
+</p:tagLst>
+</file>
+
+<file path=ppt/tags/tag48.xml><?xml version="1.0" encoding="utf-8"?>
+<p:tagLst xmlns:p="http://schemas.openxmlformats.org/presentationml/2006/main">
+  <p:tag name="KSO_WM_BEAUTIFY_FLAG" val="#wm#"/>
+  <p:tag name="KSO_WM_TEMPLATE_CATEGORY" val="custom"/>
+  <p:tag name="KSO_WM_TEMPLATE_INDEX" val="160402"/>
+  <p:tag name="KSO_WM_SPECIAL_SOURCE" val="bdnull"/>
+</p:tagLst>
+</file>
+
+<file path=ppt/tags/tag49.xml><?xml version="1.0" encoding="utf-8"?>
+<p:tagLst xmlns:p="http://schemas.openxmlformats.org/presentationml/2006/main">
+  <p:tag name="KSO_WM_BEAUTIFY_FLAG" val="#wm#"/>
+  <p:tag name="KSO_WM_TEMPLATE_CATEGORY" val="custom"/>
+  <p:tag name="KSO_WM_TEMPLATE_INDEX" val="160402"/>
+  <p:tag name="KSO_WM_SPECIAL_SOURCE" val="bdnull"/>
 </p:tagLst>
 </file>
 
@@ -15540,6 +16299,13 @@
   <p:tag name="KSO_WM_SLIDE_TYPE" val="title"/>
   <p:tag name="KSO_WM_BEAUTIFY_FLAG" val="#wm#"/>
   <p:tag name="KSO_WM_SPECIAL_SOURCE" val="bdnull"/>
+</p:tagLst>
+</file>
+
+<file path=ppt/tags/tag50.xml><?xml version="1.0" encoding="utf-8"?>
+<p:tagLst xmlns:p="http://schemas.openxmlformats.org/presentationml/2006/main">
+  <p:tag name="KSO_DOCER_TEMPLATE_OPEN_ONCE_MARK" val="1"/>
+  <p:tag name="COMMONDATA" val="eyJoZGlkIjoiODcwZjc5M2RmYzUwOWE5MjVkODVjZGMyZDUwOTRjYmEifQ=="/>
 </p:tagLst>
 </file>
 

--- a/Web/WeChat-Notes.pptx
+++ b/Web/WeChat-Notes.pptx
@@ -5,10 +5,10 @@
     <p:sldMasterId id="2147483648" r:id="rId1"/>
   </p:sldMasterIdLst>
   <p:notesMasterIdLst>
-    <p:notesMasterId r:id="rId45"/>
+    <p:notesMasterId r:id="rId46"/>
   </p:notesMasterIdLst>
   <p:handoutMasterIdLst>
-    <p:handoutMasterId r:id="rId46"/>
+    <p:handoutMasterId r:id="rId47"/>
   </p:handoutMasterIdLst>
   <p:sldIdLst>
     <p:sldId id="256" r:id="rId3"/>
@@ -38,26 +38,27 @@
     <p:sldId id="458" r:id="rId27"/>
     <p:sldId id="350" r:id="rId28"/>
     <p:sldId id="475" r:id="rId29"/>
-    <p:sldId id="275" r:id="rId30"/>
-    <p:sldId id="276" r:id="rId31"/>
-    <p:sldId id="316" r:id="rId32"/>
-    <p:sldId id="428" r:id="rId33"/>
-    <p:sldId id="277" r:id="rId34"/>
-    <p:sldId id="278" r:id="rId35"/>
-    <p:sldId id="279" r:id="rId36"/>
-    <p:sldId id="274" r:id="rId37"/>
-    <p:sldId id="317" r:id="rId38"/>
-    <p:sldId id="318" r:id="rId39"/>
-    <p:sldId id="325" r:id="rId40"/>
-    <p:sldId id="326" r:id="rId41"/>
-    <p:sldId id="327" r:id="rId42"/>
-    <p:sldId id="323" r:id="rId43"/>
-    <p:sldId id="324" r:id="rId44"/>
+    <p:sldId id="491" r:id="rId30"/>
+    <p:sldId id="275" r:id="rId31"/>
+    <p:sldId id="276" r:id="rId32"/>
+    <p:sldId id="316" r:id="rId33"/>
+    <p:sldId id="428" r:id="rId34"/>
+    <p:sldId id="277" r:id="rId35"/>
+    <p:sldId id="278" r:id="rId36"/>
+    <p:sldId id="279" r:id="rId37"/>
+    <p:sldId id="274" r:id="rId38"/>
+    <p:sldId id="317" r:id="rId39"/>
+    <p:sldId id="318" r:id="rId40"/>
+    <p:sldId id="325" r:id="rId41"/>
+    <p:sldId id="326" r:id="rId42"/>
+    <p:sldId id="327" r:id="rId43"/>
+    <p:sldId id="323" r:id="rId44"/>
+    <p:sldId id="324" r:id="rId45"/>
   </p:sldIdLst>
   <p:sldSz cx="12192000" cy="6858000"/>
   <p:notesSz cx="6858000" cy="9144000"/>
   <p:custDataLst>
-    <p:tags r:id="rId50"/>
+    <p:tags r:id="rId51"/>
   </p:custDataLst>
   <p:defaultTextStyle>
     <a:defPPr>
@@ -11739,7 +11740,7 @@
       <p:grpSpPr/>
       <p:sp>
         <p:nvSpPr>
-          <p:cNvPr id="4" name="标题 3"/>
+          <p:cNvPr id="2" name="标题 1"/>
           <p:cNvSpPr>
             <a:spLocks noGrp="1"/>
           </p:cNvSpPr>
@@ -11752,21 +11753,21 @@
           <a:bodyPr/>
           <a:p>
             <a:r>
-              <a:rPr lang="en-US" altLang="zh-CN"/>
-              <a:t>JSSDK</a:t>
-            </a:r>
-            <a:endParaRPr lang="en-US" altLang="zh-CN"/>
-          </a:p>
-        </p:txBody>
-      </p:sp>
-      <p:sp>
-        <p:nvSpPr>
-          <p:cNvPr id="5" name="文本占位符 4"/>
+              <a:rPr lang="zh-CN" altLang="en-US"/>
+              <a:t>客服</a:t>
+            </a:r>
+            <a:endParaRPr lang="zh-CN" altLang="en-US"/>
+          </a:p>
+        </p:txBody>
+      </p:sp>
+      <p:sp>
+        <p:nvSpPr>
+          <p:cNvPr id="3" name="内容占位符 2"/>
           <p:cNvSpPr>
             <a:spLocks noGrp="1"/>
           </p:cNvSpPr>
           <p:nvPr>
-            <p:ph type="body" idx="1"/>
+            <p:ph idx="1"/>
           </p:nvPr>
         </p:nvSpPr>
         <p:spPr/>
@@ -11774,10 +11775,18 @@
           <a:bodyPr/>
           <a:p>
             <a:r>
-              <a:rPr lang="zh-CN" altLang="en-US"/>
-              <a:t>微信内网页开发工具包</a:t>
-            </a:r>
-            <a:endParaRPr lang="zh-CN" altLang="en-US"/>
+              <a:rPr lang="en-US" altLang="zh-CN"/>
+              <a:t>References</a:t>
+            </a:r>
+            <a:endParaRPr lang="en-US" altLang="zh-CN"/>
+          </a:p>
+          <a:p>
+            <a:pPr lvl="1"/>
+            <a:r>
+              <a:rPr lang="en-US" altLang="zh-CN"/>
+              <a:t>https://developers.weixin.qq.com/community/develop/article/doc/00026676a30c2804cdbead76056413?highline=sendMessagePath</a:t>
+            </a:r>
+            <a:endParaRPr lang="en-US" altLang="zh-CN"/>
           </a:p>
         </p:txBody>
       </p:sp>
@@ -11818,7 +11827,7 @@
           <a:p>
             <a:r>
               <a:rPr lang="en-US" altLang="zh-CN"/>
-              <a:t>Reference</a:t>
+              <a:t>JSSDK</a:t>
             </a:r>
             <a:endParaRPr lang="en-US" altLang="zh-CN"/>
           </a:p>
@@ -11826,12 +11835,12 @@
       </p:sp>
       <p:sp>
         <p:nvSpPr>
-          <p:cNvPr id="5" name="内容占位符 4"/>
+          <p:cNvPr id="5" name="文本占位符 4"/>
           <p:cNvSpPr>
             <a:spLocks noGrp="1"/>
           </p:cNvSpPr>
           <p:nvPr>
-            <p:ph idx="1"/>
+            <p:ph type="body" idx="1"/>
           </p:nvPr>
         </p:nvSpPr>
         <p:spPr/>
@@ -11840,21 +11849,7 @@
           <a:p>
             <a:r>
               <a:rPr lang="zh-CN" altLang="en-US"/>
-              <a:t>https://developers.weixin.qq.com/doc/offiaccount/OA_Web_Apps/JS-SDK.html</a:t>
-            </a:r>
-            <a:endParaRPr lang="zh-CN" altLang="en-US"/>
-          </a:p>
-          <a:p>
-            <a:r>
-              <a:rPr lang="zh-CN" altLang="en-US"/>
-              <a:t>https://pay.weixin.qq.com/wiki/doc/api/index.html</a:t>
-            </a:r>
-            <a:endParaRPr lang="zh-CN" altLang="en-US"/>
-          </a:p>
-          <a:p>
-            <a:r>
-              <a:rPr lang="zh-CN" altLang="en-US"/>
-              <a:t>https://www.jianshu.com/p/b017fd6bb908</a:t>
+              <a:t>微信内网页开发工具包</a:t>
             </a:r>
             <a:endParaRPr lang="zh-CN" altLang="en-US"/>
           </a:p>
@@ -12025,7 +12020,7 @@
       <p:grpSpPr/>
       <p:sp>
         <p:nvSpPr>
-          <p:cNvPr id="2" name="标题 1"/>
+          <p:cNvPr id="4" name="标题 3"/>
           <p:cNvSpPr>
             <a:spLocks noGrp="1"/>
           </p:cNvSpPr>
@@ -12039,7 +12034,7 @@
           <a:p>
             <a:r>
               <a:rPr lang="en-US" altLang="zh-CN"/>
-              <a:t>Concept</a:t>
+              <a:t>Reference</a:t>
             </a:r>
             <a:endParaRPr lang="en-US" altLang="zh-CN"/>
           </a:p>
@@ -12047,7 +12042,7 @@
       </p:sp>
       <p:sp>
         <p:nvSpPr>
-          <p:cNvPr id="3" name="内容占位符 2"/>
+          <p:cNvPr id="5" name="内容占位符 4"/>
           <p:cNvSpPr>
             <a:spLocks noGrp="1"/>
           </p:cNvSpPr>
@@ -12060,24 +12055,22 @@
           <a:bodyPr/>
           <a:p>
             <a:r>
-              <a:rPr lang="en-US" altLang="zh-CN"/>
-              <a:t>Info</a:t>
-            </a:r>
-            <a:endParaRPr lang="en-US" altLang="zh-CN"/>
-          </a:p>
-          <a:p>
-            <a:pPr lvl="1"/>
-            <a:r>
               <a:rPr lang="zh-CN" altLang="en-US"/>
-              <a:t>微信JS-SDK是微信公众平台 面向网页开发者提供的基于微信内的网页开发工具包。</a:t>
+              <a:t>https://developers.weixin.qq.com/doc/offiaccount/OA_Web_Apps/JS-SDK.html</a:t>
             </a:r>
             <a:endParaRPr lang="zh-CN" altLang="en-US"/>
           </a:p>
           <a:p>
-            <a:pPr lvl="1"/>
             <a:r>
               <a:rPr lang="zh-CN" altLang="en-US"/>
-              <a:t>通过使用微信JS-SDK，网页开发者可借助微信高效地使用拍照、选图、语音、位置等手机系统的能力，同时可以直接使用微信分享、扫一扫、卡券、支付等微信特有的能力，为微信用户提供更优质的网页体验。</a:t>
+              <a:t>https://pay.weixin.qq.com/wiki/doc/api/index.html</a:t>
+            </a:r>
+            <a:endParaRPr lang="zh-CN" altLang="en-US"/>
+          </a:p>
+          <a:p>
+            <a:r>
+              <a:rPr lang="zh-CN" altLang="en-US"/>
+              <a:t>https://www.jianshu.com/p/b017fd6bb908</a:t>
             </a:r>
             <a:endParaRPr lang="zh-CN" altLang="en-US"/>
           </a:p>
@@ -12119,6 +12112,87 @@
           <a:bodyPr/>
           <a:p>
             <a:r>
+              <a:rPr lang="en-US" altLang="zh-CN"/>
+              <a:t>Concept</a:t>
+            </a:r>
+            <a:endParaRPr lang="en-US" altLang="zh-CN"/>
+          </a:p>
+        </p:txBody>
+      </p:sp>
+      <p:sp>
+        <p:nvSpPr>
+          <p:cNvPr id="3" name="内容占位符 2"/>
+          <p:cNvSpPr>
+            <a:spLocks noGrp="1"/>
+          </p:cNvSpPr>
+          <p:nvPr>
+            <p:ph idx="1"/>
+          </p:nvPr>
+        </p:nvSpPr>
+        <p:spPr/>
+        <p:txBody>
+          <a:bodyPr/>
+          <a:p>
+            <a:r>
+              <a:rPr lang="en-US" altLang="zh-CN"/>
+              <a:t>Info</a:t>
+            </a:r>
+            <a:endParaRPr lang="en-US" altLang="zh-CN"/>
+          </a:p>
+          <a:p>
+            <a:pPr lvl="1"/>
+            <a:r>
+              <a:rPr lang="zh-CN" altLang="en-US"/>
+              <a:t>微信JS-SDK是微信公众平台 面向网页开发者提供的基于微信内的网页开发工具包。</a:t>
+            </a:r>
+            <a:endParaRPr lang="zh-CN" altLang="en-US"/>
+          </a:p>
+          <a:p>
+            <a:pPr lvl="1"/>
+            <a:r>
+              <a:rPr lang="zh-CN" altLang="en-US"/>
+              <a:t>通过使用微信JS-SDK，网页开发者可借助微信高效地使用拍照、选图、语音、位置等手机系统的能力，同时可以直接使用微信分享、扫一扫、卡券、支付等微信特有的能力，为微信用户提供更优质的网页体验。</a:t>
+            </a:r>
+            <a:endParaRPr lang="zh-CN" altLang="en-US"/>
+          </a:p>
+        </p:txBody>
+      </p:sp>
+    </p:spTree>
+    <p:custDataLst>
+      <p:tags r:id="rId1"/>
+    </p:custDataLst>
+  </p:cSld>
+  <p:clrMapOvr>
+    <a:masterClrMapping/>
+  </p:clrMapOvr>
+</p:sld>
+</file>
+
+<file path=ppt/slides/slide32.xml><?xml version="1.0" encoding="utf-8"?>
+<p:sld xmlns:a="http://schemas.openxmlformats.org/drawingml/2006/main" xmlns:r="http://schemas.openxmlformats.org/officeDocument/2006/relationships" xmlns:p="http://schemas.openxmlformats.org/presentationml/2006/main">
+  <p:cSld>
+    <p:spTree>
+      <p:nvGrpSpPr>
+        <p:cNvPr id="1" name=""/>
+        <p:cNvGrpSpPr/>
+        <p:nvPr/>
+      </p:nvGrpSpPr>
+      <p:grpSpPr/>
+      <p:sp>
+        <p:nvSpPr>
+          <p:cNvPr id="2" name="标题 1"/>
+          <p:cNvSpPr>
+            <a:spLocks noGrp="1"/>
+          </p:cNvSpPr>
+          <p:nvPr>
+            <p:ph type="title"/>
+          </p:nvPr>
+        </p:nvSpPr>
+        <p:spPr/>
+        <p:txBody>
+          <a:bodyPr/>
+          <a:p>
+            <a:r>
               <a:rPr lang="zh-CN" altLang="en-US"/>
               <a:t>公众号准备</a:t>
             </a:r>
@@ -12274,7 +12348,7 @@
 </p:sld>
 </file>
 
-<file path=ppt/slides/slide32.xml><?xml version="1.0" encoding="utf-8"?>
+<file path=ppt/slides/slide33.xml><?xml version="1.0" encoding="utf-8"?>
 <p:sld xmlns:a="http://schemas.openxmlformats.org/drawingml/2006/main" xmlns:r="http://schemas.openxmlformats.org/officeDocument/2006/relationships" xmlns:p="http://schemas.openxmlformats.org/presentationml/2006/main">
   <p:cSld>
     <p:spTree>
@@ -12622,97 +12696,6 @@
     </p:spTree>
     <p:custDataLst>
       <p:tags r:id="rId1"/>
-    </p:custDataLst>
-  </p:cSld>
-  <p:clrMapOvr>
-    <a:masterClrMapping/>
-  </p:clrMapOvr>
-</p:sld>
-</file>
-
-<file path=ppt/slides/slide33.xml><?xml version="1.0" encoding="utf-8"?>
-<p:sld xmlns:a="http://schemas.openxmlformats.org/drawingml/2006/main" xmlns:r="http://schemas.openxmlformats.org/officeDocument/2006/relationships" xmlns:p="http://schemas.openxmlformats.org/presentationml/2006/main">
-  <p:cSld>
-    <p:spTree>
-      <p:nvGrpSpPr>
-        <p:cNvPr id="1" name=""/>
-        <p:cNvGrpSpPr/>
-        <p:nvPr/>
-      </p:nvGrpSpPr>
-      <p:grpSpPr/>
-      <p:sp>
-        <p:nvSpPr>
-          <p:cNvPr id="2" name="标题 1"/>
-          <p:cNvSpPr>
-            <a:spLocks noGrp="1"/>
-          </p:cNvSpPr>
-          <p:nvPr>
-            <p:ph type="title"/>
-          </p:nvPr>
-        </p:nvSpPr>
-        <p:spPr/>
-        <p:txBody>
-          <a:bodyPr/>
-          <a:p>
-            <a:r>
-              <a:rPr lang="en-US" altLang="zh-CN"/>
-              <a:t>Share</a:t>
-            </a:r>
-            <a:endParaRPr lang="en-US" altLang="zh-CN"/>
-          </a:p>
-        </p:txBody>
-      </p:sp>
-      <p:pic>
-        <p:nvPicPr>
-          <p:cNvPr id="9" name="图片 8"/>
-          <p:cNvPicPr>
-            <a:picLocks noChangeAspect="1"/>
-          </p:cNvPicPr>
-          <p:nvPr/>
-        </p:nvPicPr>
-        <p:blipFill>
-          <a:blip r:embed="rId1"/>
-          <a:stretch>
-            <a:fillRect/>
-          </a:stretch>
-        </p:blipFill>
-        <p:spPr>
-          <a:xfrm>
-            <a:off x="1984375" y="1122045"/>
-            <a:ext cx="6305550" cy="2552700"/>
-          </a:xfrm>
-          <a:prstGeom prst="rect">
-            <a:avLst/>
-          </a:prstGeom>
-        </p:spPr>
-      </p:pic>
-      <p:pic>
-        <p:nvPicPr>
-          <p:cNvPr id="10" name="图片 9"/>
-          <p:cNvPicPr>
-            <a:picLocks noChangeAspect="1"/>
-          </p:cNvPicPr>
-          <p:nvPr/>
-        </p:nvPicPr>
-        <p:blipFill>
-          <a:blip r:embed="rId2"/>
-          <a:stretch>
-            <a:fillRect/>
-          </a:stretch>
-        </p:blipFill>
-        <p:spPr>
-          <a:xfrm>
-            <a:off x="1984375" y="4001135"/>
-            <a:ext cx="6267450" cy="2333625"/>
-          </a:xfrm>
-          <a:prstGeom prst="rect">
-            <a:avLst/>
-          </a:prstGeom>
-        </p:spPr>
-      </p:pic>
-    </p:spTree>
-    <p:custDataLst>
-      <p:tags r:id="rId3"/>
     </p:custDataLst>
   </p:cSld>
   <p:clrMapOvr>
@@ -12747,7 +12730,7 @@
           <a:p>
             <a:r>
               <a:rPr lang="en-US" altLang="zh-CN"/>
-              <a:t>Pay</a:t>
+              <a:t>Share</a:t>
             </a:r>
             <a:endParaRPr lang="en-US" altLang="zh-CN"/>
           </a:p>
@@ -12755,7 +12738,7 @@
       </p:sp>
       <p:pic>
         <p:nvPicPr>
-          <p:cNvPr id="7" name="图片 6" descr="chapter6_4_1"/>
+          <p:cNvPr id="9" name="图片 8"/>
           <p:cNvPicPr>
             <a:picLocks noChangeAspect="1"/>
           </p:cNvPicPr>
@@ -12769,60 +12752,41 @@
         </p:blipFill>
         <p:spPr>
           <a:xfrm>
-            <a:off x="1200150" y="1088390"/>
-            <a:ext cx="5018405" cy="5445125"/>
+            <a:off x="1984375" y="1122045"/>
+            <a:ext cx="6305550" cy="2552700"/>
           </a:xfrm>
           <a:prstGeom prst="rect">
             <a:avLst/>
           </a:prstGeom>
         </p:spPr>
       </p:pic>
-      <p:sp>
-        <p:nvSpPr>
-          <p:cNvPr id="8" name="圆角矩形 7"/>
-          <p:cNvSpPr/>
+      <p:pic>
+        <p:nvPicPr>
+          <p:cNvPr id="10" name="图片 9"/>
+          <p:cNvPicPr>
+            <a:picLocks noChangeAspect="1"/>
+          </p:cNvPicPr>
           <p:nvPr/>
-        </p:nvSpPr>
-        <p:spPr>
-          <a:xfrm>
-            <a:off x="1421765" y="5501005"/>
-            <a:ext cx="1369060" cy="574040"/>
-          </a:xfrm>
-          <a:prstGeom prst="roundRect">
-            <a:avLst/>
-          </a:prstGeom>
-        </p:spPr>
-        <p:style>
-          <a:lnRef idx="2">
-            <a:schemeClr val="accent1">
-              <a:shade val="50000"/>
-            </a:schemeClr>
-          </a:lnRef>
-          <a:fillRef idx="1">
-            <a:schemeClr val="accent1"/>
-          </a:fillRef>
-          <a:effectRef idx="0">
-            <a:schemeClr val="accent1"/>
-          </a:effectRef>
-          <a:fontRef idx="minor">
-            <a:schemeClr val="lt1"/>
-          </a:fontRef>
-        </p:style>
-        <p:txBody>
-          <a:bodyPr rtlCol="0" anchor="ctr"/>
-          <a:p>
-            <a:pPr algn="ctr"/>
-            <a:r>
-              <a:rPr lang="zh-CN" altLang="en-US"/>
-              <a:t>扫码支付</a:t>
-            </a:r>
-            <a:endParaRPr lang="zh-CN" altLang="en-US"/>
-          </a:p>
-        </p:txBody>
-      </p:sp>
+        </p:nvPicPr>
+        <p:blipFill>
+          <a:blip r:embed="rId2"/>
+          <a:stretch>
+            <a:fillRect/>
+          </a:stretch>
+        </p:blipFill>
+        <p:spPr>
+          <a:xfrm>
+            <a:off x="1984375" y="4001135"/>
+            <a:ext cx="6267450" cy="2333625"/>
+          </a:xfrm>
+          <a:prstGeom prst="rect">
+            <a:avLst/>
+          </a:prstGeom>
+        </p:spPr>
+      </p:pic>
     </p:spTree>
     <p:custDataLst>
-      <p:tags r:id="rId2"/>
+      <p:tags r:id="rId3"/>
     </p:custDataLst>
   </p:cSld>
   <p:clrMapOvr>
@@ -12857,24 +12821,48 @@
           <a:p>
             <a:r>
               <a:rPr lang="en-US" altLang="zh-CN"/>
-              <a:t>JSSDK</a:t>
+              <a:t>Pay</a:t>
             </a:r>
             <a:endParaRPr lang="en-US" altLang="zh-CN"/>
           </a:p>
         </p:txBody>
       </p:sp>
-      <p:sp>
-        <p:nvSpPr>
-          <p:cNvPr id="4" name="流程图: 过程 3"/>
+      <p:pic>
+        <p:nvPicPr>
+          <p:cNvPr id="7" name="图片 6" descr="chapter6_4_1"/>
+          <p:cNvPicPr>
+            <a:picLocks noChangeAspect="1"/>
+          </p:cNvPicPr>
+          <p:nvPr/>
+        </p:nvPicPr>
+        <p:blipFill>
+          <a:blip r:embed="rId1"/>
+          <a:stretch>
+            <a:fillRect/>
+          </a:stretch>
+        </p:blipFill>
+        <p:spPr>
+          <a:xfrm>
+            <a:off x="1200150" y="1088390"/>
+            <a:ext cx="5018405" cy="5445125"/>
+          </a:xfrm>
+          <a:prstGeom prst="rect">
+            <a:avLst/>
+          </a:prstGeom>
+        </p:spPr>
+      </p:pic>
+      <p:sp>
+        <p:nvSpPr>
+          <p:cNvPr id="8" name="圆角矩形 7"/>
           <p:cNvSpPr/>
           <p:nvPr/>
         </p:nvSpPr>
         <p:spPr>
           <a:xfrm>
-            <a:off x="1043940" y="1485900"/>
-            <a:ext cx="5084445" cy="886460"/>
-          </a:xfrm>
-          <a:prstGeom prst="flowChartProcess">
+            <a:off x="1421765" y="5501005"/>
+            <a:ext cx="1369060" cy="574040"/>
+          </a:xfrm>
+          <a:prstGeom prst="roundRect">
             <a:avLst/>
           </a:prstGeom>
         </p:spPr>
@@ -12900,281 +12888,15 @@
             <a:pPr algn="ctr"/>
             <a:r>
               <a:rPr lang="zh-CN" altLang="en-US"/>
-              <a:t>获取</a:t>
-            </a:r>
-            <a:r>
-              <a:rPr lang="en-US" altLang="zh-CN"/>
-              <a:t>access token</a:t>
-            </a:r>
-            <a:endParaRPr lang="en-US" altLang="zh-CN"/>
-          </a:p>
-          <a:p>
-            <a:pPr algn="ctr"/>
-            <a:r>
-              <a:rPr lang="en-US" altLang="zh-CN"/>
-              <a:t>https://developers.weixin.qq.com/doc/offiaccount/Basic_Information/Get_access_token.html</a:t>
-            </a:r>
-            <a:endParaRPr lang="en-US" altLang="zh-CN"/>
-          </a:p>
-        </p:txBody>
-      </p:sp>
-      <p:sp>
-        <p:nvSpPr>
-          <p:cNvPr id="5" name="流程图: 过程 4"/>
-          <p:cNvSpPr/>
-          <p:nvPr/>
-        </p:nvSpPr>
-        <p:spPr>
-          <a:xfrm>
-            <a:off x="1043305" y="2815590"/>
-            <a:ext cx="5084445" cy="1133475"/>
-          </a:xfrm>
-          <a:prstGeom prst="flowChartProcess">
-            <a:avLst/>
-          </a:prstGeom>
-        </p:spPr>
-        <p:style>
-          <a:lnRef idx="2">
-            <a:schemeClr val="accent1">
-              <a:shade val="50000"/>
-            </a:schemeClr>
-          </a:lnRef>
-          <a:fillRef idx="1">
-            <a:schemeClr val="accent1"/>
-          </a:fillRef>
-          <a:effectRef idx="0">
-            <a:schemeClr val="accent1"/>
-          </a:effectRef>
-          <a:fontRef idx="minor">
-            <a:schemeClr val="lt1"/>
-          </a:fontRef>
-        </p:style>
-        <p:txBody>
-          <a:bodyPr rtlCol="0" anchor="ctr"/>
-          <a:p>
-            <a:pPr algn="ctr"/>
-            <a:r>
-              <a:rPr lang="zh-CN" altLang="en-US"/>
-              <a:t>获取</a:t>
-            </a:r>
-            <a:r>
-              <a:rPr lang="en-US" altLang="zh-CN"/>
-              <a:t>jsapi ticket</a:t>
-            </a:r>
-            <a:endParaRPr lang="en-US" altLang="zh-CN"/>
-          </a:p>
-          <a:p>
-            <a:pPr algn="ctr"/>
-            <a:r>
-              <a:rPr lang="en-US" altLang="zh-CN"/>
-              <a:t>https://api.weixin.qq.com/cgi-bin/ticket/getticket?access_token=ACCESS_TOKEN&amp;type=jsapi</a:t>
-            </a:r>
-            <a:endParaRPr lang="en-US" altLang="zh-CN"/>
-          </a:p>
-        </p:txBody>
-      </p:sp>
-      <p:sp>
-        <p:nvSpPr>
-          <p:cNvPr id="6" name="流程图: 过程 5"/>
-          <p:cNvSpPr/>
-          <p:nvPr/>
-        </p:nvSpPr>
-        <p:spPr>
-          <a:xfrm>
-            <a:off x="1043305" y="4262755"/>
-            <a:ext cx="5084445" cy="1133475"/>
-          </a:xfrm>
-          <a:prstGeom prst="flowChartProcess">
-            <a:avLst/>
-          </a:prstGeom>
-        </p:spPr>
-        <p:style>
-          <a:lnRef idx="2">
-            <a:schemeClr val="accent1">
-              <a:shade val="50000"/>
-            </a:schemeClr>
-          </a:lnRef>
-          <a:fillRef idx="1">
-            <a:schemeClr val="accent1"/>
-          </a:fillRef>
-          <a:effectRef idx="0">
-            <a:schemeClr val="accent1"/>
-          </a:effectRef>
-          <a:fontRef idx="minor">
-            <a:schemeClr val="lt1"/>
-          </a:fontRef>
-        </p:style>
-        <p:txBody>
-          <a:bodyPr rtlCol="0" anchor="ctr"/>
-          <a:p>
-            <a:pPr algn="ctr"/>
-            <a:r>
-              <a:rPr lang="zh-CN" altLang="en-US"/>
-              <a:t>签名</a:t>
+              <a:t>扫码支付</a:t>
             </a:r>
             <a:endParaRPr lang="zh-CN" altLang="en-US"/>
           </a:p>
         </p:txBody>
       </p:sp>
-      <p:sp>
-        <p:nvSpPr>
-          <p:cNvPr id="7" name="文本框 6"/>
-          <p:cNvSpPr txBox="1"/>
-          <p:nvPr/>
-        </p:nvSpPr>
-        <p:spPr>
-          <a:xfrm>
-            <a:off x="7131685" y="1003935"/>
-            <a:ext cx="4511040" cy="3415030"/>
-          </a:xfrm>
-          <a:prstGeom prst="rect">
-            <a:avLst/>
-          </a:prstGeom>
-          <a:noFill/>
-          <a:ln w="12700" cmpd="sng">
-            <a:solidFill>
-              <a:srgbClr val="FFC000"/>
-            </a:solidFill>
-            <a:prstDash val="sysDash"/>
-          </a:ln>
-        </p:spPr>
-        <p:txBody>
-          <a:bodyPr wrap="square" rtlCol="0">
-            <a:spAutoFit/>
-          </a:bodyPr>
-          <a:p>
-            <a:r>
-              <a:rPr lang="zh-CN" altLang="en-US"/>
-              <a:t>wx.config({</a:t>
-            </a:r>
-            <a:endParaRPr lang="zh-CN" altLang="en-US"/>
-          </a:p>
-          <a:p>
-            <a:r>
-              <a:rPr lang="zh-CN" altLang="en-US"/>
-              <a:t>  debug: true, // 开启调试模式,调用的所有api的返回值会在客户端alert出来，若要查看传入的参数，可以在pc端打开，参数信息会通过log打出，仅在pc端时才会打印。</a:t>
-            </a:r>
-            <a:endParaRPr lang="zh-CN" altLang="en-US"/>
-          </a:p>
-          <a:p>
-            <a:r>
-              <a:rPr lang="zh-CN" altLang="en-US"/>
-              <a:t>  appId: '', // 必填，公众号的唯一标识</a:t>
-            </a:r>
-            <a:endParaRPr lang="zh-CN" altLang="en-US"/>
-          </a:p>
-          <a:p>
-            <a:r>
-              <a:rPr lang="zh-CN" altLang="en-US"/>
-              <a:t>  timestamp: , // 必填，生成签名的时间戳</a:t>
-            </a:r>
-            <a:endParaRPr lang="zh-CN" altLang="en-US"/>
-          </a:p>
-          <a:p>
-            <a:r>
-              <a:rPr lang="zh-CN" altLang="en-US"/>
-              <a:t>  nonceStr: '', // 必填，生成签名的随机串</a:t>
-            </a:r>
-            <a:endParaRPr lang="zh-CN" altLang="en-US"/>
-          </a:p>
-          <a:p>
-            <a:r>
-              <a:rPr lang="zh-CN" altLang="en-US"/>
-              <a:t>  signature: '',// 必填，签名</a:t>
-            </a:r>
-            <a:endParaRPr lang="zh-CN" altLang="en-US"/>
-          </a:p>
-          <a:p>
-            <a:r>
-              <a:rPr lang="zh-CN" altLang="en-US"/>
-              <a:t>  jsApiList: [] // 必填，需要使用的JS接口列表</a:t>
-            </a:r>
-            <a:endParaRPr lang="zh-CN" altLang="en-US"/>
-          </a:p>
-          <a:p>
-            <a:r>
-              <a:rPr lang="zh-CN" altLang="en-US"/>
-              <a:t>});</a:t>
-            </a:r>
-            <a:endParaRPr lang="zh-CN" altLang="en-US"/>
-          </a:p>
-        </p:txBody>
-      </p:sp>
-      <p:cxnSp>
-        <p:nvCxnSpPr>
-          <p:cNvPr id="3" name="直接箭头连接符 2"/>
-          <p:cNvCxnSpPr>
-            <a:stCxn id="4" idx="2"/>
-            <a:endCxn id="5" idx="0"/>
-          </p:cNvCxnSpPr>
-          <p:nvPr/>
-        </p:nvCxnSpPr>
-        <p:spPr>
-          <a:xfrm flipH="1">
-            <a:off x="3585845" y="2372360"/>
-            <a:ext cx="635" cy="443230"/>
-          </a:xfrm>
-          <a:prstGeom prst="straightConnector1">
-            <a:avLst/>
-          </a:prstGeom>
-          <a:ln>
-            <a:tailEnd type="arrow"/>
-          </a:ln>
-        </p:spPr>
-        <p:style>
-          <a:lnRef idx="1">
-            <a:schemeClr val="accent1"/>
-          </a:lnRef>
-          <a:fillRef idx="0">
-            <a:schemeClr val="accent1"/>
-          </a:fillRef>
-          <a:effectRef idx="0">
-            <a:schemeClr val="accent1"/>
-          </a:effectRef>
-          <a:fontRef idx="minor">
-            <a:schemeClr val="tx1"/>
-          </a:fontRef>
-        </p:style>
-      </p:cxnSp>
-      <p:cxnSp>
-        <p:nvCxnSpPr>
-          <p:cNvPr id="8" name="直接箭头连接符 7"/>
-          <p:cNvCxnSpPr>
-            <a:stCxn id="5" idx="2"/>
-            <a:endCxn id="6" idx="0"/>
-          </p:cNvCxnSpPr>
-          <p:nvPr/>
-        </p:nvCxnSpPr>
-        <p:spPr>
-          <a:xfrm>
-            <a:off x="3585845" y="3949065"/>
-            <a:ext cx="0" cy="313690"/>
-          </a:xfrm>
-          <a:prstGeom prst="straightConnector1">
-            <a:avLst/>
-          </a:prstGeom>
-          <a:ln>
-            <a:tailEnd type="arrow"/>
-          </a:ln>
-        </p:spPr>
-        <p:style>
-          <a:lnRef idx="1">
-            <a:schemeClr val="accent1"/>
-          </a:lnRef>
-          <a:fillRef idx="0">
-            <a:schemeClr val="accent1"/>
-          </a:fillRef>
-          <a:effectRef idx="0">
-            <a:schemeClr val="accent1"/>
-          </a:effectRef>
-          <a:fontRef idx="minor">
-            <a:schemeClr val="tx1"/>
-          </a:fontRef>
-        </p:style>
-      </p:cxnSp>
     </p:spTree>
     <p:custDataLst>
-      <p:tags r:id="rId1"/>
+      <p:tags r:id="rId2"/>
     </p:custDataLst>
   </p:cSld>
   <p:clrMapOvr>
@@ -13208,12 +12930,8 @@
           <a:bodyPr/>
           <a:p>
             <a:r>
-              <a:rPr lang="zh-CN" altLang="en-US"/>
-              <a:t>公众号获取</a:t>
-            </a:r>
-            <a:r>
-              <a:rPr lang="en-US" altLang="zh-CN"/>
-              <a:t>openid</a:t>
+              <a:rPr lang="en-US" altLang="zh-CN"/>
+              <a:t>JSSDK</a:t>
             </a:r>
             <a:endParaRPr lang="en-US" altLang="zh-CN"/>
           </a:p>
@@ -13221,112 +12939,313 @@
       </p:sp>
       <p:sp>
         <p:nvSpPr>
-          <p:cNvPr id="3" name="内容占位符 2"/>
-          <p:cNvSpPr>
-            <a:spLocks noGrp="1"/>
-          </p:cNvSpPr>
-          <p:nvPr>
-            <p:ph idx="1"/>
-          </p:nvPr>
-        </p:nvSpPr>
-        <p:spPr/>
-        <p:txBody>
-          <a:bodyPr>
-            <a:normAutofit lnSpcReduction="10000"/>
-          </a:bodyPr>
-          <a:p>
-            <a:r>
-              <a:rPr lang="zh-CN" altLang="en-US"/>
-              <a:t>步骤</a:t>
-            </a:r>
-            <a:endParaRPr lang="zh-CN" altLang="en-US"/>
-          </a:p>
-          <a:p>
-            <a:pPr lvl="1"/>
-            <a:r>
-              <a:rPr lang="zh-CN" altLang="en-US"/>
-              <a:t>参考</a:t>
-            </a:r>
-            <a:endParaRPr lang="zh-CN" altLang="en-US"/>
-          </a:p>
-          <a:p>
-            <a:pPr lvl="2"/>
-            <a:r>
-              <a:rPr lang="zh-CN" altLang="en-US"/>
-              <a:t>https://developers.weixin.qq.com/doc/offiaccount/OA_Web_Apps/Wechat_webpage_authorization.html</a:t>
-            </a:r>
-            <a:endParaRPr lang="zh-CN" altLang="en-US"/>
-          </a:p>
-          <a:p>
-            <a:pPr lvl="1"/>
+          <p:cNvPr id="4" name="流程图: 过程 3"/>
+          <p:cNvSpPr/>
+          <p:nvPr/>
+        </p:nvSpPr>
+        <p:spPr>
+          <a:xfrm>
+            <a:off x="1043940" y="1485900"/>
+            <a:ext cx="5084445" cy="886460"/>
+          </a:xfrm>
+          <a:prstGeom prst="flowChartProcess">
+            <a:avLst/>
+          </a:prstGeom>
+        </p:spPr>
+        <p:style>
+          <a:lnRef idx="2">
+            <a:schemeClr val="accent1">
+              <a:shade val="50000"/>
+            </a:schemeClr>
+          </a:lnRef>
+          <a:fillRef idx="1">
+            <a:schemeClr val="accent1"/>
+          </a:fillRef>
+          <a:effectRef idx="0">
+            <a:schemeClr val="accent1"/>
+          </a:effectRef>
+          <a:fontRef idx="minor">
+            <a:schemeClr val="lt1"/>
+          </a:fontRef>
+        </p:style>
+        <p:txBody>
+          <a:bodyPr rtlCol="0" anchor="ctr"/>
+          <a:p>
+            <a:pPr algn="ctr"/>
             <a:r>
               <a:rPr lang="zh-CN" altLang="en-US"/>
               <a:t>获取</a:t>
             </a:r>
             <a:r>
               <a:rPr lang="en-US" altLang="zh-CN"/>
-              <a:t>code</a:t>
+              <a:t>access token</a:t>
             </a:r>
             <a:endParaRPr lang="en-US" altLang="zh-CN"/>
           </a:p>
           <a:p>
-            <a:pPr lvl="2"/>
-            <a:r>
-              <a:rPr lang="en-US" altLang="zh-CN"/>
-              <a:t>https://open.weixin.qq.com/connect/oauth2/authorize?appid=APPID&amp;redirect_uri=REDIRECT_URI&amp;response_type=code&amp;scope=SCOPE&amp;state=STATE#wechat_redirect</a:t>
+            <a:pPr algn="ctr"/>
+            <a:r>
+              <a:rPr lang="en-US" altLang="zh-CN"/>
+              <a:t>https://developers.weixin.qq.com/doc/offiaccount/Basic_Information/Get_access_token.html</a:t>
             </a:r>
             <a:endParaRPr lang="en-US" altLang="zh-CN"/>
           </a:p>
-          <a:p>
-            <a:pPr lvl="2"/>
-            <a:r>
-              <a:rPr lang="zh-CN" altLang="en-US"/>
-              <a:t>例子：</a:t>
-            </a:r>
-            <a:r>
-              <a:rPr lang="en-US" altLang="zh-CN"/>
-              <a:t>https://open.weixin.qq.com/connect/oauth2/authorize?appid=wx520c15f417810387&amp;redirect_uri=https%3A%2F%2Fchong.qq.com%2Fphp%2Findex.php%3Fd%3D%26c%3DwxAdapter%26m%3DmobileDeal%26showwxpaytitle%3D1%26vb2ctag%3D4_2030_5_1194_60&amp;response_type=code&amp;scope=snsapi_base&amp;state=123#wechat_redirect</a:t>
-            </a:r>
-            <a:endParaRPr lang="en-US" altLang="zh-CN"/>
-          </a:p>
-          <a:p>
-            <a:pPr lvl="1"/>
+        </p:txBody>
+      </p:sp>
+      <p:sp>
+        <p:nvSpPr>
+          <p:cNvPr id="5" name="流程图: 过程 4"/>
+          <p:cNvSpPr/>
+          <p:nvPr/>
+        </p:nvSpPr>
+        <p:spPr>
+          <a:xfrm>
+            <a:off x="1043305" y="2815590"/>
+            <a:ext cx="5084445" cy="1133475"/>
+          </a:xfrm>
+          <a:prstGeom prst="flowChartProcess">
+            <a:avLst/>
+          </a:prstGeom>
+        </p:spPr>
+        <p:style>
+          <a:lnRef idx="2">
+            <a:schemeClr val="accent1">
+              <a:shade val="50000"/>
+            </a:schemeClr>
+          </a:lnRef>
+          <a:fillRef idx="1">
+            <a:schemeClr val="accent1"/>
+          </a:fillRef>
+          <a:effectRef idx="0">
+            <a:schemeClr val="accent1"/>
+          </a:effectRef>
+          <a:fontRef idx="minor">
+            <a:schemeClr val="lt1"/>
+          </a:fontRef>
+        </p:style>
+        <p:txBody>
+          <a:bodyPr rtlCol="0" anchor="ctr"/>
+          <a:p>
+            <a:pPr algn="ctr"/>
             <a:r>
               <a:rPr lang="zh-CN" altLang="en-US"/>
               <a:t>获取</a:t>
             </a:r>
             <a:r>
               <a:rPr lang="en-US" altLang="zh-CN"/>
-              <a:t>access token</a:t>
+              <a:t>jsapi ticket</a:t>
             </a:r>
             <a:endParaRPr lang="en-US" altLang="zh-CN"/>
           </a:p>
           <a:p>
-            <a:pPr lvl="2"/>
-            <a:r>
-              <a:rPr lang="en-US" altLang="zh-CN"/>
-              <a:t>https://api.weixin.qq.com/sns/oauth2/access_token?appid=APPID&amp;secret=SECRET&amp;code=CODE&amp;grant_type=authorization_code</a:t>
+            <a:pPr algn="ctr"/>
+            <a:r>
+              <a:rPr lang="en-US" altLang="zh-CN"/>
+              <a:t>https://api.weixin.qq.com/cgi-bin/ticket/getticket?access_token=ACCESS_TOKEN&amp;type=jsapi</a:t>
             </a:r>
             <a:endParaRPr lang="en-US" altLang="zh-CN"/>
           </a:p>
-          <a:p>
-            <a:pPr lvl="2"/>
+        </p:txBody>
+      </p:sp>
+      <p:sp>
+        <p:nvSpPr>
+          <p:cNvPr id="6" name="流程图: 过程 5"/>
+          <p:cNvSpPr/>
+          <p:nvPr/>
+        </p:nvSpPr>
+        <p:spPr>
+          <a:xfrm>
+            <a:off x="1043305" y="4262755"/>
+            <a:ext cx="5084445" cy="1133475"/>
+          </a:xfrm>
+          <a:prstGeom prst="flowChartProcess">
+            <a:avLst/>
+          </a:prstGeom>
+        </p:spPr>
+        <p:style>
+          <a:lnRef idx="2">
+            <a:schemeClr val="accent1">
+              <a:shade val="50000"/>
+            </a:schemeClr>
+          </a:lnRef>
+          <a:fillRef idx="1">
+            <a:schemeClr val="accent1"/>
+          </a:fillRef>
+          <a:effectRef idx="0">
+            <a:schemeClr val="accent1"/>
+          </a:effectRef>
+          <a:fontRef idx="minor">
+            <a:schemeClr val="lt1"/>
+          </a:fontRef>
+        </p:style>
+        <p:txBody>
+          <a:bodyPr rtlCol="0" anchor="ctr"/>
+          <a:p>
+            <a:pPr algn="ctr"/>
             <a:r>
               <a:rPr lang="zh-CN" altLang="en-US"/>
-              <a:t>该接口返回</a:t>
-            </a:r>
-            <a:r>
-              <a:rPr lang="en-US" altLang="zh-CN"/>
-              <a:t>openid</a:t>
-            </a:r>
+              <a:t>签名</a:t>
+            </a:r>
+            <a:endParaRPr lang="zh-CN" altLang="en-US"/>
+          </a:p>
+        </p:txBody>
+      </p:sp>
+      <p:sp>
+        <p:nvSpPr>
+          <p:cNvPr id="7" name="文本框 6"/>
+          <p:cNvSpPr txBox="1"/>
+          <p:nvPr/>
+        </p:nvSpPr>
+        <p:spPr>
+          <a:xfrm>
+            <a:off x="7131685" y="1003935"/>
+            <a:ext cx="4511040" cy="3415030"/>
+          </a:xfrm>
+          <a:prstGeom prst="rect">
+            <a:avLst/>
+          </a:prstGeom>
+          <a:noFill/>
+          <a:ln w="12700" cmpd="sng">
+            <a:solidFill>
+              <a:srgbClr val="FFC000"/>
+            </a:solidFill>
+            <a:prstDash val="sysDash"/>
+          </a:ln>
+        </p:spPr>
+        <p:txBody>
+          <a:bodyPr wrap="square" rtlCol="0">
+            <a:spAutoFit/>
+          </a:bodyPr>
+          <a:p>
             <a:r>
               <a:rPr lang="zh-CN" altLang="en-US"/>
-              <a:t>字段</a:t>
+              <a:t>wx.config({</a:t>
             </a:r>
             <a:endParaRPr lang="zh-CN" altLang="en-US"/>
           </a:p>
-        </p:txBody>
-      </p:sp>
+          <a:p>
+            <a:r>
+              <a:rPr lang="zh-CN" altLang="en-US"/>
+              <a:t>  debug: true, // 开启调试模式,调用的所有api的返回值会在客户端alert出来，若要查看传入的参数，可以在pc端打开，参数信息会通过log打出，仅在pc端时才会打印。</a:t>
+            </a:r>
+            <a:endParaRPr lang="zh-CN" altLang="en-US"/>
+          </a:p>
+          <a:p>
+            <a:r>
+              <a:rPr lang="zh-CN" altLang="en-US"/>
+              <a:t>  appId: '', // 必填，公众号的唯一标识</a:t>
+            </a:r>
+            <a:endParaRPr lang="zh-CN" altLang="en-US"/>
+          </a:p>
+          <a:p>
+            <a:r>
+              <a:rPr lang="zh-CN" altLang="en-US"/>
+              <a:t>  timestamp: , // 必填，生成签名的时间戳</a:t>
+            </a:r>
+            <a:endParaRPr lang="zh-CN" altLang="en-US"/>
+          </a:p>
+          <a:p>
+            <a:r>
+              <a:rPr lang="zh-CN" altLang="en-US"/>
+              <a:t>  nonceStr: '', // 必填，生成签名的随机串</a:t>
+            </a:r>
+            <a:endParaRPr lang="zh-CN" altLang="en-US"/>
+          </a:p>
+          <a:p>
+            <a:r>
+              <a:rPr lang="zh-CN" altLang="en-US"/>
+              <a:t>  signature: '',// 必填，签名</a:t>
+            </a:r>
+            <a:endParaRPr lang="zh-CN" altLang="en-US"/>
+          </a:p>
+          <a:p>
+            <a:r>
+              <a:rPr lang="zh-CN" altLang="en-US"/>
+              <a:t>  jsApiList: [] // 必填，需要使用的JS接口列表</a:t>
+            </a:r>
+            <a:endParaRPr lang="zh-CN" altLang="en-US"/>
+          </a:p>
+          <a:p>
+            <a:r>
+              <a:rPr lang="zh-CN" altLang="en-US"/>
+              <a:t>});</a:t>
+            </a:r>
+            <a:endParaRPr lang="zh-CN" altLang="en-US"/>
+          </a:p>
+        </p:txBody>
+      </p:sp>
+      <p:cxnSp>
+        <p:nvCxnSpPr>
+          <p:cNvPr id="3" name="直接箭头连接符 2"/>
+          <p:cNvCxnSpPr>
+            <a:stCxn id="4" idx="2"/>
+            <a:endCxn id="5" idx="0"/>
+          </p:cNvCxnSpPr>
+          <p:nvPr/>
+        </p:nvCxnSpPr>
+        <p:spPr>
+          <a:xfrm flipH="1">
+            <a:off x="3585845" y="2372360"/>
+            <a:ext cx="635" cy="443230"/>
+          </a:xfrm>
+          <a:prstGeom prst="straightConnector1">
+            <a:avLst/>
+          </a:prstGeom>
+          <a:ln>
+            <a:tailEnd type="arrow"/>
+          </a:ln>
+        </p:spPr>
+        <p:style>
+          <a:lnRef idx="1">
+            <a:schemeClr val="accent1"/>
+          </a:lnRef>
+          <a:fillRef idx="0">
+            <a:schemeClr val="accent1"/>
+          </a:fillRef>
+          <a:effectRef idx="0">
+            <a:schemeClr val="accent1"/>
+          </a:effectRef>
+          <a:fontRef idx="minor">
+            <a:schemeClr val="tx1"/>
+          </a:fontRef>
+        </p:style>
+      </p:cxnSp>
+      <p:cxnSp>
+        <p:nvCxnSpPr>
+          <p:cNvPr id="8" name="直接箭头连接符 7"/>
+          <p:cNvCxnSpPr>
+            <a:stCxn id="5" idx="2"/>
+            <a:endCxn id="6" idx="0"/>
+          </p:cNvCxnSpPr>
+          <p:nvPr/>
+        </p:nvCxnSpPr>
+        <p:spPr>
+          <a:xfrm>
+            <a:off x="3585845" y="3949065"/>
+            <a:ext cx="0" cy="313690"/>
+          </a:xfrm>
+          <a:prstGeom prst="straightConnector1">
+            <a:avLst/>
+          </a:prstGeom>
+          <a:ln>
+            <a:tailEnd type="arrow"/>
+          </a:ln>
+        </p:spPr>
+        <p:style>
+          <a:lnRef idx="1">
+            <a:schemeClr val="accent1"/>
+          </a:lnRef>
+          <a:fillRef idx="0">
+            <a:schemeClr val="accent1"/>
+          </a:fillRef>
+          <a:effectRef idx="0">
+            <a:schemeClr val="accent1"/>
+          </a:effectRef>
+          <a:fontRef idx="minor">
+            <a:schemeClr val="tx1"/>
+          </a:fontRef>
+        </p:style>
+      </p:cxnSp>
     </p:spTree>
     <p:custDataLst>
       <p:tags r:id="rId1"/>
@@ -13364,9 +13283,13 @@
           <a:p>
             <a:r>
               <a:rPr lang="zh-CN" altLang="en-US"/>
-              <a:t>发送模板消息</a:t>
-            </a:r>
-            <a:endParaRPr lang="zh-CN" altLang="en-US"/>
+              <a:t>公众号获取</a:t>
+            </a:r>
+            <a:r>
+              <a:rPr lang="en-US" altLang="zh-CN"/>
+              <a:t>openid</a:t>
+            </a:r>
+            <a:endParaRPr lang="en-US" altLang="zh-CN"/>
           </a:p>
         </p:txBody>
       </p:sp>
@@ -13380,278 +13303,107 @@
             <p:ph idx="1"/>
           </p:nvPr>
         </p:nvSpPr>
-        <p:spPr>
-          <a:xfrm>
-            <a:off x="838200" y="1211580"/>
-            <a:ext cx="6384925" cy="4549140"/>
-          </a:xfrm>
-        </p:spPr>
+        <p:spPr/>
         <p:txBody>
           <a:bodyPr>
-            <a:noAutofit/>
+            <a:normAutofit lnSpcReduction="10000"/>
           </a:bodyPr>
           <a:p>
             <a:r>
-              <a:rPr lang="zh-CN" altLang="en-US" sz="1400"/>
+              <a:rPr lang="zh-CN" altLang="en-US"/>
               <a:t>步骤</a:t>
             </a:r>
-            <a:endParaRPr lang="zh-CN" altLang="en-US" sz="1400"/>
+            <a:endParaRPr lang="zh-CN" altLang="en-US"/>
           </a:p>
           <a:p>
             <a:pPr lvl="1"/>
             <a:r>
-              <a:rPr lang="en-US" altLang="zh-CN" sz="1200"/>
-              <a:t>POST </a:t>
-            </a:r>
-            <a:r>
-              <a:rPr lang="zh-CN" altLang="en-US" sz="1200"/>
-              <a:t>https://api.weixin.qq.com/cgi-bin/message/template/send?access_token=ACCESS_TOKEN</a:t>
-            </a:r>
-            <a:endParaRPr lang="zh-CN" altLang="en-US" sz="1200"/>
-          </a:p>
-          <a:p>
-            <a:pPr lvl="0"/>
-            <a:r>
-              <a:rPr lang="zh-CN" altLang="en-US" sz="1400">
-                <a:sym typeface="+mn-ea"/>
-              </a:rPr>
-              <a:t>概要</a:t>
-            </a:r>
-            <a:endParaRPr lang="zh-CN" altLang="en-US" sz="1400"/>
+              <a:rPr lang="zh-CN" altLang="en-US"/>
+              <a:t>参考</a:t>
+            </a:r>
+            <a:endParaRPr lang="zh-CN" altLang="en-US"/>
+          </a:p>
+          <a:p>
+            <a:pPr lvl="2"/>
+            <a:r>
+              <a:rPr lang="zh-CN" altLang="en-US"/>
+              <a:t>https://developers.weixin.qq.com/doc/offiaccount/OA_Web_Apps/Wechat_webpage_authorization.html</a:t>
+            </a:r>
+            <a:endParaRPr lang="zh-CN" altLang="en-US"/>
           </a:p>
           <a:p>
             <a:pPr lvl="1"/>
             <a:r>
-              <a:rPr lang="zh-CN" altLang="en-US" sz="1200">
-                <a:sym typeface="+mn-ea"/>
-              </a:rPr>
-              <a:t>认证的微信服务号发送模板消息通知</a:t>
-            </a:r>
-            <a:endParaRPr lang="zh-CN" altLang="en-US" sz="1200"/>
+              <a:rPr lang="zh-CN" altLang="en-US"/>
+              <a:t>获取</a:t>
+            </a:r>
+            <a:r>
+              <a:rPr lang="en-US" altLang="zh-CN"/>
+              <a:t>code</a:t>
+            </a:r>
+            <a:endParaRPr lang="en-US" altLang="zh-CN"/>
+          </a:p>
+          <a:p>
+            <a:pPr lvl="2"/>
+            <a:r>
+              <a:rPr lang="en-US" altLang="zh-CN"/>
+              <a:t>https://open.weixin.qq.com/connect/oauth2/authorize?appid=APPID&amp;redirect_uri=REDIRECT_URI&amp;response_type=code&amp;scope=SCOPE&amp;state=STATE#wechat_redirect</a:t>
+            </a:r>
+            <a:endParaRPr lang="en-US" altLang="zh-CN"/>
+          </a:p>
+          <a:p>
+            <a:pPr lvl="2"/>
+            <a:r>
+              <a:rPr lang="zh-CN" altLang="en-US"/>
+              <a:t>例子：</a:t>
+            </a:r>
+            <a:r>
+              <a:rPr lang="en-US" altLang="zh-CN"/>
+              <a:t>https://open.weixin.qq.com/connect/oauth2/authorize?appid=wx520c15f417810387&amp;redirect_uri=https%3A%2F%2Fchong.qq.com%2Fphp%2Findex.php%3Fd%3D%26c%3DwxAdapter%26m%3DmobileDeal%26showwxpaytitle%3D1%26vb2ctag%3D4_2030_5_1194_60&amp;response_type=code&amp;scope=snsapi_base&amp;state=123#wechat_redirect</a:t>
+            </a:r>
+            <a:endParaRPr lang="en-US" altLang="zh-CN"/>
           </a:p>
           <a:p>
             <a:pPr lvl="1"/>
             <a:r>
-              <a:rPr lang="zh-CN" altLang="en-US" sz="1200">
-                <a:sym typeface="+mn-ea"/>
-              </a:rPr>
-              <a:t>各类型公众号权限</a:t>
-            </a:r>
-            <a:endParaRPr lang="zh-CN" altLang="en-US" sz="1200"/>
+              <a:rPr lang="zh-CN" altLang="en-US"/>
+              <a:t>获取</a:t>
+            </a:r>
+            <a:r>
+              <a:rPr lang="en-US" altLang="zh-CN"/>
+              <a:t>access token</a:t>
+            </a:r>
+            <a:endParaRPr lang="en-US" altLang="zh-CN"/>
           </a:p>
           <a:p>
             <a:pPr lvl="2"/>
             <a:r>
-              <a:rPr lang="zh-CN" altLang="en-US" sz="1000">
-                <a:sym typeface="+mn-ea"/>
-              </a:rPr>
-              <a:t>https://developers.weixin.qq.com/doc/offiaccount/Getting_Started/Explanation_of_interface_privileges.html</a:t>
-            </a:r>
-            <a:endParaRPr lang="zh-CN" altLang="en-US" sz="1000"/>
-          </a:p>
-          <a:p>
-            <a:pPr lvl="1"/>
-            <a:r>
-              <a:rPr lang="zh-CN" altLang="en-US" sz="1200">
-                <a:sym typeface="+mn-ea"/>
-              </a:rPr>
-              <a:t>模板消息运营规范</a:t>
-            </a:r>
-            <a:endParaRPr lang="zh-CN" altLang="en-US" sz="1200"/>
+              <a:rPr lang="en-US" altLang="zh-CN"/>
+              <a:t>https://api.weixin.qq.com/sns/oauth2/access_token?appid=APPID&amp;secret=SECRET&amp;code=CODE&amp;grant_type=authorization_code</a:t>
+            </a:r>
+            <a:endParaRPr lang="en-US" altLang="zh-CN"/>
           </a:p>
           <a:p>
             <a:pPr lvl="2"/>
             <a:r>
-              <a:rPr lang="zh-CN" altLang="en-US" sz="1000">
-                <a:sym typeface="+mn-ea"/>
-              </a:rPr>
-              <a:t>https://developers.weixin.qq.com/doc/offiaccount/Message_Management/Template_Message_Operation_Specifications.html</a:t>
-            </a:r>
-            <a:endParaRPr lang="zh-CN" altLang="en-US" sz="1000"/>
-          </a:p>
-          <a:p>
-            <a:pPr lvl="1"/>
-            <a:r>
-              <a:rPr lang="zh-CN" altLang="en-US" sz="1200">
-                <a:sym typeface="+mn-ea"/>
-              </a:rPr>
-              <a:t>模板消息接口</a:t>
-            </a:r>
-            <a:endParaRPr lang="zh-CN" altLang="en-US" sz="1200"/>
-          </a:p>
-          <a:p>
-            <a:pPr lvl="2"/>
-            <a:r>
-              <a:rPr lang="zh-CN" altLang="en-US" sz="1000">
-                <a:sym typeface="+mn-ea"/>
-              </a:rPr>
-              <a:t>https://developers.weixin.qq.com/doc/offiaccount/Message_Management/Template_Message_Interface.html</a:t>
-            </a:r>
-            <a:endParaRPr lang="zh-CN" altLang="en-US" sz="1000">
-              <a:sym typeface="+mn-ea"/>
-            </a:endParaRPr>
-          </a:p>
-          <a:p>
-            <a:pPr lvl="2"/>
-            <a:r>
-              <a:rPr lang="zh-CN" altLang="en-US" sz="1000"/>
-              <a:t>https://mp.weixin.qq.com/advanced/tmplmsg?action=faq&amp;token=1723160200&amp;lang=zh_CN</a:t>
-            </a:r>
-            <a:endParaRPr lang="zh-CN" altLang="en-US" sz="1000"/>
-          </a:p>
-          <a:p>
-            <a:pPr lvl="2"/>
-            <a:r>
-              <a:rPr lang="zh-CN" altLang="en-US" sz="1000">
-                <a:sym typeface="+mn-ea"/>
-              </a:rPr>
-              <a:t>https://www.zhihu.com/question/48864270/answer/1157763869</a:t>
-            </a:r>
-            <a:endParaRPr lang="zh-CN" altLang="en-US" sz="1000">
-              <a:sym typeface="+mn-ea"/>
-            </a:endParaRPr>
-          </a:p>
-          <a:p>
-            <a:pPr lvl="2"/>
-            <a:r>
-              <a:rPr lang="zh-CN" altLang="en-US" sz="1000">
-                <a:sym typeface="+mn-ea"/>
-              </a:rPr>
-              <a:t>POST请求</a:t>
-            </a:r>
-            <a:endParaRPr lang="zh-CN" altLang="en-US" sz="1000">
-              <a:sym typeface="+mn-ea"/>
-            </a:endParaRPr>
-          </a:p>
-          <a:p>
-            <a:pPr lvl="3"/>
-            <a:r>
-              <a:rPr lang="zh-CN" altLang="en-US" sz="1000">
-                <a:sym typeface="+mn-ea"/>
-              </a:rPr>
-              <a:t>https://api.weixin.qq.com/cgi-bin/message/template/send?access_token=ACCESS_TOKEN</a:t>
-            </a:r>
-            <a:endParaRPr lang="zh-CN" altLang="en-US" sz="1000">
-              <a:sym typeface="+mn-ea"/>
-            </a:endParaRPr>
-          </a:p>
-          <a:p>
-            <a:pPr lvl="0"/>
-            <a:r>
-              <a:rPr lang="zh-CN" altLang="en-US" sz="1400">
-                <a:sym typeface="+mn-ea"/>
-              </a:rPr>
-              <a:t>开通步骤</a:t>
-            </a:r>
-            <a:endParaRPr lang="zh-CN" altLang="en-US" sz="1400"/>
-          </a:p>
-          <a:p>
-            <a:pPr lvl="1"/>
-            <a:r>
-              <a:rPr lang="zh-CN" altLang="en-US" sz="1200">
-                <a:sym typeface="+mn-ea"/>
-              </a:rPr>
-              <a:t>登录服务号</a:t>
-            </a:r>
-            <a:endParaRPr lang="zh-CN" altLang="en-US" sz="1200"/>
-          </a:p>
-          <a:p>
-            <a:pPr lvl="1"/>
-            <a:r>
-              <a:rPr lang="zh-CN" altLang="en-US" sz="1200">
-                <a:sym typeface="+mn-ea"/>
-              </a:rPr>
-              <a:t>功能</a:t>
-            </a:r>
-            <a:r>
-              <a:rPr lang="en-US" altLang="zh-CN" sz="1200">
-                <a:sym typeface="+mn-ea"/>
-              </a:rPr>
-              <a:t>-</a:t>
-            </a:r>
-            <a:r>
-              <a:rPr lang="zh-CN" altLang="en-US" sz="1200">
-                <a:sym typeface="+mn-ea"/>
-              </a:rPr>
-              <a:t>》添加功能插件</a:t>
-            </a:r>
-            <a:r>
-              <a:rPr lang="en-US" altLang="zh-CN" sz="1200">
-                <a:sym typeface="+mn-ea"/>
-              </a:rPr>
-              <a:t>-</a:t>
-            </a:r>
-            <a:r>
-              <a:rPr lang="zh-CN" altLang="en-US" sz="1200">
-                <a:sym typeface="+mn-ea"/>
-              </a:rPr>
-              <a:t>》模板消息</a:t>
-            </a:r>
-            <a:endParaRPr lang="zh-CN" altLang="en-US" sz="1200"/>
-          </a:p>
-          <a:p>
-            <a:pPr lvl="1"/>
-            <a:r>
-              <a:rPr lang="zh-CN" altLang="en-US" sz="1200">
-                <a:sym typeface="+mn-ea"/>
-              </a:rPr>
-              <a:t>申请开通模板消息接口</a:t>
-            </a:r>
-            <a:endParaRPr lang="zh-CN" altLang="en-US" sz="1200"/>
-          </a:p>
-          <a:p>
-            <a:pPr lvl="1"/>
-            <a:r>
-              <a:rPr lang="zh-CN" altLang="en-US" sz="1200">
-                <a:sym typeface="+mn-ea"/>
-              </a:rPr>
-              <a:t>审核需</a:t>
-            </a:r>
-            <a:r>
-              <a:rPr lang="en-US" altLang="zh-CN" sz="1200">
-                <a:sym typeface="+mn-ea"/>
-              </a:rPr>
-              <a:t>2~3</a:t>
-            </a:r>
-            <a:r>
-              <a:rPr lang="zh-CN" altLang="en-US" sz="1200">
-                <a:sym typeface="+mn-ea"/>
-              </a:rPr>
-              <a:t>天</a:t>
-            </a:r>
-            <a:endParaRPr lang="zh-CN" altLang="en-US" sz="1200">
-              <a:sym typeface="+mn-ea"/>
-            </a:endParaRPr>
-          </a:p>
-        </p:txBody>
-      </p:sp>
-      <p:pic>
-        <p:nvPicPr>
-          <p:cNvPr id="4" name="图片 3"/>
-          <p:cNvPicPr>
-            <a:picLocks noChangeAspect="1"/>
-          </p:cNvPicPr>
-          <p:nvPr/>
-        </p:nvPicPr>
-        <p:blipFill>
-          <a:blip r:embed="rId1"/>
-          <a:stretch>
-            <a:fillRect/>
-          </a:stretch>
-        </p:blipFill>
-        <p:spPr>
-          <a:xfrm>
-            <a:off x="7519670" y="1025525"/>
-            <a:ext cx="4454525" cy="5487670"/>
-          </a:xfrm>
-          <a:prstGeom prst="rect">
-            <a:avLst/>
-          </a:prstGeom>
-        </p:spPr>
-      </p:pic>
+              <a:rPr lang="zh-CN" altLang="en-US"/>
+              <a:t>该接口返回</a:t>
+            </a:r>
+            <a:r>
+              <a:rPr lang="en-US" altLang="zh-CN"/>
+              <a:t>openid</a:t>
+            </a:r>
+            <a:r>
+              <a:rPr lang="zh-CN" altLang="en-US"/>
+              <a:t>字段</a:t>
+            </a:r>
+            <a:endParaRPr lang="zh-CN" altLang="en-US"/>
+          </a:p>
+        </p:txBody>
+      </p:sp>
     </p:spTree>
     <p:custDataLst>
-      <p:tags r:id="rId2"/>
+      <p:tags r:id="rId1"/>
     </p:custDataLst>
   </p:cSld>
   <p:clrMapOvr>
@@ -13672,7 +13424,7 @@
       <p:grpSpPr/>
       <p:sp>
         <p:nvSpPr>
-          <p:cNvPr id="4" name="标题 3"/>
+          <p:cNvPr id="2" name="标题 1"/>
           <p:cNvSpPr>
             <a:spLocks noGrp="1"/>
           </p:cNvSpPr>
@@ -13686,11 +13438,7 @@
           <a:p>
             <a:r>
               <a:rPr lang="zh-CN" altLang="en-US"/>
-              <a:t>公众号</a:t>
-            </a:r>
-            <a:r>
-              <a:rPr lang="zh-CN" altLang="en-US"/>
-              <a:t>开发</a:t>
+              <a:t>发送模板消息</a:t>
             </a:r>
             <a:endParaRPr lang="zh-CN" altLang="en-US"/>
           </a:p>
@@ -13698,25 +13446,286 @@
       </p:sp>
       <p:sp>
         <p:nvSpPr>
-          <p:cNvPr id="5" name="文本占位符 4"/>
+          <p:cNvPr id="3" name="内容占位符 2"/>
           <p:cNvSpPr>
             <a:spLocks noGrp="1"/>
           </p:cNvSpPr>
           <p:nvPr>
-            <p:ph type="body" idx="1"/>
+            <p:ph idx="1"/>
           </p:nvPr>
         </p:nvSpPr>
-        <p:spPr/>
-        <p:txBody>
-          <a:bodyPr/>
-          <a:p>
-            <a:endParaRPr lang="zh-CN" altLang="en-US"/>
-          </a:p>
-        </p:txBody>
-      </p:sp>
+        <p:spPr>
+          <a:xfrm>
+            <a:off x="838200" y="1211580"/>
+            <a:ext cx="6384925" cy="4549140"/>
+          </a:xfrm>
+        </p:spPr>
+        <p:txBody>
+          <a:bodyPr>
+            <a:noAutofit/>
+          </a:bodyPr>
+          <a:p>
+            <a:r>
+              <a:rPr lang="zh-CN" altLang="en-US" sz="1400"/>
+              <a:t>步骤</a:t>
+            </a:r>
+            <a:endParaRPr lang="zh-CN" altLang="en-US" sz="1400"/>
+          </a:p>
+          <a:p>
+            <a:pPr lvl="1"/>
+            <a:r>
+              <a:rPr lang="en-US" altLang="zh-CN" sz="1200"/>
+              <a:t>POST </a:t>
+            </a:r>
+            <a:r>
+              <a:rPr lang="zh-CN" altLang="en-US" sz="1200"/>
+              <a:t>https://api.weixin.qq.com/cgi-bin/message/template/send?access_token=ACCESS_TOKEN</a:t>
+            </a:r>
+            <a:endParaRPr lang="zh-CN" altLang="en-US" sz="1200"/>
+          </a:p>
+          <a:p>
+            <a:pPr lvl="0"/>
+            <a:r>
+              <a:rPr lang="zh-CN" altLang="en-US" sz="1400">
+                <a:sym typeface="+mn-ea"/>
+              </a:rPr>
+              <a:t>概要</a:t>
+            </a:r>
+            <a:endParaRPr lang="zh-CN" altLang="en-US" sz="1400"/>
+          </a:p>
+          <a:p>
+            <a:pPr lvl="1"/>
+            <a:r>
+              <a:rPr lang="zh-CN" altLang="en-US" sz="1200">
+                <a:sym typeface="+mn-ea"/>
+              </a:rPr>
+              <a:t>认证的微信服务号发送模板消息通知</a:t>
+            </a:r>
+            <a:endParaRPr lang="zh-CN" altLang="en-US" sz="1200"/>
+          </a:p>
+          <a:p>
+            <a:pPr lvl="1"/>
+            <a:r>
+              <a:rPr lang="zh-CN" altLang="en-US" sz="1200">
+                <a:sym typeface="+mn-ea"/>
+              </a:rPr>
+              <a:t>各类型公众号权限</a:t>
+            </a:r>
+            <a:endParaRPr lang="zh-CN" altLang="en-US" sz="1200"/>
+          </a:p>
+          <a:p>
+            <a:pPr lvl="2"/>
+            <a:r>
+              <a:rPr lang="zh-CN" altLang="en-US" sz="1000">
+                <a:sym typeface="+mn-ea"/>
+              </a:rPr>
+              <a:t>https://developers.weixin.qq.com/doc/offiaccount/Getting_Started/Explanation_of_interface_privileges.html</a:t>
+            </a:r>
+            <a:endParaRPr lang="zh-CN" altLang="en-US" sz="1000"/>
+          </a:p>
+          <a:p>
+            <a:pPr lvl="1"/>
+            <a:r>
+              <a:rPr lang="zh-CN" altLang="en-US" sz="1200">
+                <a:sym typeface="+mn-ea"/>
+              </a:rPr>
+              <a:t>模板消息运营规范</a:t>
+            </a:r>
+            <a:endParaRPr lang="zh-CN" altLang="en-US" sz="1200"/>
+          </a:p>
+          <a:p>
+            <a:pPr lvl="2"/>
+            <a:r>
+              <a:rPr lang="zh-CN" altLang="en-US" sz="1000">
+                <a:sym typeface="+mn-ea"/>
+              </a:rPr>
+              <a:t>https://developers.weixin.qq.com/doc/offiaccount/Message_Management/Template_Message_Operation_Specifications.html</a:t>
+            </a:r>
+            <a:endParaRPr lang="zh-CN" altLang="en-US" sz="1000"/>
+          </a:p>
+          <a:p>
+            <a:pPr lvl="1"/>
+            <a:r>
+              <a:rPr lang="zh-CN" altLang="en-US" sz="1200">
+                <a:sym typeface="+mn-ea"/>
+              </a:rPr>
+              <a:t>模板消息接口</a:t>
+            </a:r>
+            <a:endParaRPr lang="zh-CN" altLang="en-US" sz="1200"/>
+          </a:p>
+          <a:p>
+            <a:pPr lvl="2"/>
+            <a:r>
+              <a:rPr lang="zh-CN" altLang="en-US" sz="1000">
+                <a:sym typeface="+mn-ea"/>
+              </a:rPr>
+              <a:t>https://developers.weixin.qq.com/doc/offiaccount/Message_Management/Template_Message_Interface.html</a:t>
+            </a:r>
+            <a:endParaRPr lang="zh-CN" altLang="en-US" sz="1000">
+              <a:sym typeface="+mn-ea"/>
+            </a:endParaRPr>
+          </a:p>
+          <a:p>
+            <a:pPr lvl="2"/>
+            <a:r>
+              <a:rPr lang="zh-CN" altLang="en-US" sz="1000"/>
+              <a:t>https://mp.weixin.qq.com/advanced/tmplmsg?action=faq&amp;token=1723160200&amp;lang=zh_CN</a:t>
+            </a:r>
+            <a:endParaRPr lang="zh-CN" altLang="en-US" sz="1000"/>
+          </a:p>
+          <a:p>
+            <a:pPr lvl="2"/>
+            <a:r>
+              <a:rPr lang="zh-CN" altLang="en-US" sz="1000">
+                <a:sym typeface="+mn-ea"/>
+              </a:rPr>
+              <a:t>https://www.zhihu.com/question/48864270/answer/1157763869</a:t>
+            </a:r>
+            <a:endParaRPr lang="zh-CN" altLang="en-US" sz="1000">
+              <a:sym typeface="+mn-ea"/>
+            </a:endParaRPr>
+          </a:p>
+          <a:p>
+            <a:pPr lvl="2"/>
+            <a:r>
+              <a:rPr lang="zh-CN" altLang="en-US" sz="1000">
+                <a:sym typeface="+mn-ea"/>
+              </a:rPr>
+              <a:t>POST请求</a:t>
+            </a:r>
+            <a:endParaRPr lang="zh-CN" altLang="en-US" sz="1000">
+              <a:sym typeface="+mn-ea"/>
+            </a:endParaRPr>
+          </a:p>
+          <a:p>
+            <a:pPr lvl="3"/>
+            <a:r>
+              <a:rPr lang="zh-CN" altLang="en-US" sz="1000">
+                <a:sym typeface="+mn-ea"/>
+              </a:rPr>
+              <a:t>https://api.weixin.qq.com/cgi-bin/message/template/send?access_token=ACCESS_TOKEN</a:t>
+            </a:r>
+            <a:endParaRPr lang="zh-CN" altLang="en-US" sz="1000">
+              <a:sym typeface="+mn-ea"/>
+            </a:endParaRPr>
+          </a:p>
+          <a:p>
+            <a:pPr lvl="0"/>
+            <a:r>
+              <a:rPr lang="zh-CN" altLang="en-US" sz="1400">
+                <a:sym typeface="+mn-ea"/>
+              </a:rPr>
+              <a:t>开通步骤</a:t>
+            </a:r>
+            <a:endParaRPr lang="zh-CN" altLang="en-US" sz="1400"/>
+          </a:p>
+          <a:p>
+            <a:pPr lvl="1"/>
+            <a:r>
+              <a:rPr lang="zh-CN" altLang="en-US" sz="1200">
+                <a:sym typeface="+mn-ea"/>
+              </a:rPr>
+              <a:t>登录服务号</a:t>
+            </a:r>
+            <a:endParaRPr lang="zh-CN" altLang="en-US" sz="1200"/>
+          </a:p>
+          <a:p>
+            <a:pPr lvl="1"/>
+            <a:r>
+              <a:rPr lang="zh-CN" altLang="en-US" sz="1200">
+                <a:sym typeface="+mn-ea"/>
+              </a:rPr>
+              <a:t>功能</a:t>
+            </a:r>
+            <a:r>
+              <a:rPr lang="en-US" altLang="zh-CN" sz="1200">
+                <a:sym typeface="+mn-ea"/>
+              </a:rPr>
+              <a:t>-</a:t>
+            </a:r>
+            <a:r>
+              <a:rPr lang="zh-CN" altLang="en-US" sz="1200">
+                <a:sym typeface="+mn-ea"/>
+              </a:rPr>
+              <a:t>》添加功能插件</a:t>
+            </a:r>
+            <a:r>
+              <a:rPr lang="en-US" altLang="zh-CN" sz="1200">
+                <a:sym typeface="+mn-ea"/>
+              </a:rPr>
+              <a:t>-</a:t>
+            </a:r>
+            <a:r>
+              <a:rPr lang="zh-CN" altLang="en-US" sz="1200">
+                <a:sym typeface="+mn-ea"/>
+              </a:rPr>
+              <a:t>》模板消息</a:t>
+            </a:r>
+            <a:endParaRPr lang="zh-CN" altLang="en-US" sz="1200"/>
+          </a:p>
+          <a:p>
+            <a:pPr lvl="1"/>
+            <a:r>
+              <a:rPr lang="zh-CN" altLang="en-US" sz="1200">
+                <a:sym typeface="+mn-ea"/>
+              </a:rPr>
+              <a:t>申请开通模板消息接口</a:t>
+            </a:r>
+            <a:endParaRPr lang="zh-CN" altLang="en-US" sz="1200"/>
+          </a:p>
+          <a:p>
+            <a:pPr lvl="1"/>
+            <a:r>
+              <a:rPr lang="zh-CN" altLang="en-US" sz="1200">
+                <a:sym typeface="+mn-ea"/>
+              </a:rPr>
+              <a:t>审核需</a:t>
+            </a:r>
+            <a:r>
+              <a:rPr lang="en-US" altLang="zh-CN" sz="1200">
+                <a:sym typeface="+mn-ea"/>
+              </a:rPr>
+              <a:t>2~3</a:t>
+            </a:r>
+            <a:r>
+              <a:rPr lang="zh-CN" altLang="en-US" sz="1200">
+                <a:sym typeface="+mn-ea"/>
+              </a:rPr>
+              <a:t>天</a:t>
+            </a:r>
+            <a:endParaRPr lang="zh-CN" altLang="en-US" sz="1200">
+              <a:sym typeface="+mn-ea"/>
+            </a:endParaRPr>
+          </a:p>
+        </p:txBody>
+      </p:sp>
+      <p:pic>
+        <p:nvPicPr>
+          <p:cNvPr id="4" name="图片 3"/>
+          <p:cNvPicPr>
+            <a:picLocks noChangeAspect="1"/>
+          </p:cNvPicPr>
+          <p:nvPr/>
+        </p:nvPicPr>
+        <p:blipFill>
+          <a:blip r:embed="rId1"/>
+          <a:stretch>
+            <a:fillRect/>
+          </a:stretch>
+        </p:blipFill>
+        <p:spPr>
+          <a:xfrm>
+            <a:off x="7519670" y="1025525"/>
+            <a:ext cx="4454525" cy="5487670"/>
+          </a:xfrm>
+          <a:prstGeom prst="rect">
+            <a:avLst/>
+          </a:prstGeom>
+        </p:spPr>
+      </p:pic>
     </p:spTree>
     <p:custDataLst>
-      <p:tags r:id="rId1"/>
+      <p:tags r:id="rId2"/>
     </p:custDataLst>
   </p:cSld>
   <p:clrMapOvr>
@@ -13751,11 +13760,11 @@
           <a:p>
             <a:r>
               <a:rPr lang="zh-CN" altLang="en-US"/>
-              <a:t>基本</a:t>
+              <a:t>公众号</a:t>
             </a:r>
             <a:r>
               <a:rPr lang="zh-CN" altLang="en-US"/>
-              <a:t>信息</a:t>
+              <a:t>开发</a:t>
             </a:r>
             <a:endParaRPr lang="zh-CN" altLang="en-US"/>
           </a:p>
@@ -13763,139 +13772,25 @@
       </p:sp>
       <p:sp>
         <p:nvSpPr>
-          <p:cNvPr id="5" name="内容占位符 4"/>
+          <p:cNvPr id="5" name="文本占位符 4"/>
           <p:cNvSpPr>
             <a:spLocks noGrp="1"/>
           </p:cNvSpPr>
           <p:nvPr>
-            <p:ph idx="1"/>
+            <p:ph type="body" idx="1"/>
           </p:nvPr>
         </p:nvSpPr>
-        <p:spPr>
-          <a:xfrm>
-            <a:off x="838200" y="1211580"/>
-            <a:ext cx="6648450" cy="4549140"/>
-          </a:xfrm>
-        </p:spPr>
-        <p:txBody>
-          <a:bodyPr>
-            <a:normAutofit lnSpcReduction="20000"/>
-          </a:bodyPr>
-          <a:p>
-            <a:r>
-              <a:rPr lang="zh-CN" altLang="en-US"/>
-              <a:t>参考</a:t>
-            </a:r>
+        <p:spPr/>
+        <p:txBody>
+          <a:bodyPr/>
+          <a:p>
             <a:endParaRPr lang="zh-CN" altLang="en-US"/>
           </a:p>
-          <a:p>
-            <a:pPr lvl="1"/>
-            <a:r>
-              <a:rPr lang="zh-CN" altLang="en-US"/>
-              <a:t>https://developers.weixin.qq.com/doc/offiaccount/Basic_Information/Access_Overview.html</a:t>
-            </a:r>
-            <a:endParaRPr lang="zh-CN" altLang="en-US"/>
-          </a:p>
-          <a:p>
-            <a:r>
-              <a:rPr lang="zh-CN" altLang="en-US"/>
-              <a:t>基础</a:t>
-            </a:r>
-            <a:endParaRPr lang="zh-CN" altLang="en-US"/>
-          </a:p>
-          <a:p>
-            <a:pPr lvl="1"/>
-            <a:r>
-              <a:rPr lang="zh-CN" altLang="en-US"/>
-              <a:t>公众平台接口调用仅支持80端口。</a:t>
-            </a:r>
-            <a:endParaRPr lang="zh-CN" altLang="en-US"/>
-          </a:p>
-          <a:p>
-            <a:pPr lvl="1"/>
-            <a:r>
-              <a:rPr lang="en-US" altLang="zh-CN"/>
-              <a:t>appid</a:t>
-            </a:r>
-            <a:r>
-              <a:rPr lang="zh-CN" altLang="en-US"/>
-              <a:t>，</a:t>
-            </a:r>
-            <a:r>
-              <a:rPr lang="en-US" altLang="zh-CN"/>
-              <a:t>appsecret</a:t>
-            </a:r>
-            <a:endParaRPr lang="en-US" altLang="zh-CN"/>
-          </a:p>
-          <a:p>
-            <a:pPr lvl="1"/>
-            <a:r>
-              <a:rPr lang="en-US" altLang="zh-CN"/>
-              <a:t>IP</a:t>
-            </a:r>
-            <a:r>
-              <a:rPr lang="zh-CN" altLang="en-US"/>
-              <a:t>白名单</a:t>
-            </a:r>
-            <a:endParaRPr lang="zh-CN" altLang="en-US"/>
-          </a:p>
-          <a:p>
-            <a:pPr lvl="1"/>
-            <a:r>
-              <a:rPr lang="zh-CN" altLang="en-US"/>
-              <a:t>网页授权</a:t>
-            </a:r>
-            <a:endParaRPr lang="zh-CN" altLang="en-US"/>
-          </a:p>
-          <a:p>
-            <a:pPr lvl="2"/>
-            <a:r>
-              <a:rPr lang="zh-CN" altLang="en-US"/>
-              <a:t>https://developers.weixin.qq.com/doc/offiaccount/OA_Web_Apps/Wechat_webpage_authorization.html</a:t>
-            </a:r>
-            <a:endParaRPr lang="zh-CN" altLang="en-US"/>
-          </a:p>
-          <a:p>
-            <a:pPr lvl="2"/>
-            <a:r>
-              <a:rPr lang="zh-CN" altLang="en-US"/>
-              <a:t>开发 - 接口权限 - 网页服务 - 网页帐号 - 网页授权获取用户基本信息，修改回调</a:t>
-            </a:r>
-            <a:r>
-              <a:rPr lang="zh-CN" altLang="en-US"/>
-              <a:t>域名</a:t>
-            </a:r>
-            <a:endParaRPr lang="zh-CN" altLang="en-US"/>
-          </a:p>
-        </p:txBody>
-      </p:sp>
-      <p:pic>
-        <p:nvPicPr>
-          <p:cNvPr id="6" name="图片 5"/>
-          <p:cNvPicPr>
-            <a:picLocks noChangeAspect="1"/>
-          </p:cNvPicPr>
-          <p:nvPr/>
-        </p:nvPicPr>
-        <p:blipFill>
-          <a:blip r:embed="rId1"/>
-          <a:stretch>
-            <a:fillRect/>
-          </a:stretch>
-        </p:blipFill>
-        <p:spPr>
-          <a:xfrm>
-            <a:off x="7304405" y="1158875"/>
-            <a:ext cx="4674235" cy="2334895"/>
-          </a:xfrm>
-          <a:prstGeom prst="rect">
-            <a:avLst/>
-          </a:prstGeom>
-        </p:spPr>
-      </p:pic>
+        </p:txBody>
+      </p:sp>
     </p:spTree>
     <p:custDataLst>
-      <p:tags r:id="rId2"/>
+      <p:tags r:id="rId1"/>
     </p:custDataLst>
   </p:cSld>
   <p:clrMapOvr>
@@ -13977,7 +13872,7 @@
       <p:grpSpPr/>
       <p:sp>
         <p:nvSpPr>
-          <p:cNvPr id="2" name="标题 1"/>
+          <p:cNvPr id="4" name="标题 3"/>
           <p:cNvSpPr>
             <a:spLocks noGrp="1"/>
           </p:cNvSpPr>
@@ -13991,19 +13886,19 @@
           <a:p>
             <a:r>
               <a:rPr lang="zh-CN" altLang="en-US"/>
-              <a:t>获取</a:t>
-            </a:r>
-            <a:r>
-              <a:rPr lang="en-US" altLang="zh-CN"/>
-              <a:t>OpenId</a:t>
-            </a:r>
-            <a:endParaRPr lang="en-US" altLang="zh-CN"/>
-          </a:p>
-        </p:txBody>
-      </p:sp>
-      <p:sp>
-        <p:nvSpPr>
-          <p:cNvPr id="3" name="内容占位符 2"/>
+              <a:t>基本</a:t>
+            </a:r>
+            <a:r>
+              <a:rPr lang="zh-CN" altLang="en-US"/>
+              <a:t>信息</a:t>
+            </a:r>
+            <a:endParaRPr lang="zh-CN" altLang="en-US"/>
+          </a:p>
+        </p:txBody>
+      </p:sp>
+      <p:sp>
+        <p:nvSpPr>
+          <p:cNvPr id="5" name="内容占位符 4"/>
           <p:cNvSpPr>
             <a:spLocks noGrp="1"/>
           </p:cNvSpPr>
@@ -14014,12 +13909,12 @@
         <p:spPr>
           <a:xfrm>
             <a:off x="838200" y="1211580"/>
-            <a:ext cx="5575935" cy="4843780"/>
+            <a:ext cx="6648450" cy="4549140"/>
           </a:xfrm>
         </p:spPr>
         <p:txBody>
           <a:bodyPr>
-            <a:normAutofit fontScale="60000"/>
+            <a:normAutofit lnSpcReduction="20000"/>
           </a:bodyPr>
           <a:p>
             <a:r>
@@ -14032,15 +13927,14 @@
             <a:pPr lvl="1"/>
             <a:r>
               <a:rPr lang="zh-CN" altLang="en-US"/>
-              <a:t>https://www.jianshu.com/p/b7e2100b56e4</a:t>
+              <a:t>https://developers.weixin.qq.com/doc/offiaccount/Basic_Information/Access_Overview.html</a:t>
             </a:r>
             <a:endParaRPr lang="zh-CN" altLang="en-US"/>
           </a:p>
           <a:p>
-            <a:pPr lvl="0"/>
             <a:r>
               <a:rPr lang="zh-CN" altLang="en-US"/>
-              <a:t>概念</a:t>
+              <a:t>基础</a:t>
             </a:r>
             <a:endParaRPr lang="zh-CN" altLang="en-US"/>
           </a:p>
@@ -14048,7 +13942,7 @@
             <a:pPr lvl="1"/>
             <a:r>
               <a:rPr lang="zh-CN" altLang="en-US"/>
-              <a:t>openId：用户在当前公众号下的唯一标识</a:t>
+              <a:t>公众平台接口调用仅支持80端口。</a:t>
             </a:r>
             <a:endParaRPr lang="zh-CN" altLang="en-US"/>
           </a:p>
@@ -14056,159 +13950,55 @@
             <a:pPr lvl="1"/>
             <a:r>
               <a:rPr lang="en-US" altLang="zh-CN"/>
-              <a:t>unionId</a:t>
+              <a:t>appid</a:t>
             </a:r>
             <a:r>
               <a:rPr lang="zh-CN" altLang="en-US"/>
-              <a:t>：同一用户，对同一微信开放平台下的不同应用（移动应用、网站应用和公众帐号），unionid是相同的</a:t>
+              <a:t>，</a:t>
+            </a:r>
+            <a:r>
+              <a:rPr lang="en-US" altLang="zh-CN"/>
+              <a:t>appsecret</a:t>
+            </a:r>
+            <a:endParaRPr lang="en-US" altLang="zh-CN"/>
+          </a:p>
+          <a:p>
+            <a:pPr lvl="1"/>
+            <a:r>
+              <a:rPr lang="en-US" altLang="zh-CN"/>
+              <a:t>IP</a:t>
+            </a:r>
+            <a:r>
+              <a:rPr lang="zh-CN" altLang="en-US"/>
+              <a:t>白名单</a:t>
             </a:r>
             <a:endParaRPr lang="zh-CN" altLang="en-US"/>
           </a:p>
           <a:p>
-            <a:pPr lvl="0"/>
+            <a:pPr lvl="1"/>
             <a:r>
               <a:rPr lang="zh-CN" altLang="en-US"/>
-              <a:t>获取步骤</a:t>
+              <a:t>网页授权</a:t>
             </a:r>
             <a:endParaRPr lang="zh-CN" altLang="en-US"/>
           </a:p>
           <a:p>
-            <a:pPr lvl="1"/>
+            <a:pPr lvl="2"/>
             <a:r>
               <a:rPr lang="zh-CN" altLang="en-US"/>
-              <a:t>前端调用微信</a:t>
-            </a:r>
-            <a:r>
-              <a:rPr lang="en-US" altLang="zh-CN"/>
-              <a:t>authorize</a:t>
-            </a:r>
+              <a:t>https://developers.weixin.qq.com/doc/offiaccount/OA_Web_Apps/Wechat_webpage_authorization.html</a:t>
+            </a:r>
+            <a:endParaRPr lang="zh-CN" altLang="en-US"/>
+          </a:p>
+          <a:p>
+            <a:pPr lvl="2"/>
             <a:r>
               <a:rPr lang="zh-CN" altLang="en-US"/>
-              <a:t>接口获取</a:t>
-            </a:r>
-            <a:r>
-              <a:rPr lang="en-US" altLang="zh-CN"/>
-              <a:t>code</a:t>
-            </a:r>
-            <a:endParaRPr lang="en-US" altLang="zh-CN"/>
-          </a:p>
-          <a:p>
-            <a:pPr lvl="2"/>
+              <a:t>开发 - 接口权限 - 网页服务 - 网页帐号 - 网页授权获取用户基本信息，修改回调</a:t>
+            </a:r>
             <a:r>
               <a:rPr lang="zh-CN" altLang="en-US"/>
-              <a:t>https://open.weixin.qq.com/connect/oauth2/authorize?appid=' + window.APPID + '&amp;redirect_uri=' + encodeURIComponent(local) + '&amp;response_type=code&amp;scope=snsapi_</a:t>
-            </a:r>
-            <a:r>
-              <a:rPr lang="en-US" altLang="zh-CN"/>
-              <a:t>base</a:t>
-            </a:r>
-            <a:r>
-              <a:rPr lang="zh-CN" altLang="en-US"/>
-              <a:t>&amp;state=1#wechat_redirect'</a:t>
-            </a:r>
-            <a:endParaRPr lang="zh-CN" altLang="en-US"/>
-          </a:p>
-          <a:p>
-            <a:pPr lvl="1"/>
-            <a:r>
-              <a:rPr lang="zh-CN" altLang="en-US"/>
-              <a:t>前端将</a:t>
-            </a:r>
-            <a:r>
-              <a:rPr lang="en-US" altLang="zh-CN"/>
-              <a:t>code</a:t>
-            </a:r>
-            <a:r>
-              <a:rPr lang="zh-CN" altLang="en-US"/>
-              <a:t>发送给</a:t>
-            </a:r>
-            <a:r>
-              <a:rPr lang="zh-CN" altLang="en-US"/>
-              <a:t>后端</a:t>
-            </a:r>
-            <a:endParaRPr lang="zh-CN" altLang="en-US"/>
-          </a:p>
-          <a:p>
-            <a:pPr lvl="1"/>
-            <a:r>
-              <a:rPr lang="zh-CN" altLang="en-US"/>
-              <a:t>后端调用微信</a:t>
-            </a:r>
-            <a:r>
-              <a:rPr lang="en-US" altLang="zh-CN"/>
-              <a:t>access_token</a:t>
-            </a:r>
-            <a:r>
-              <a:rPr lang="zh-CN" altLang="en-US"/>
-              <a:t>接口获取</a:t>
-            </a:r>
-            <a:r>
-              <a:rPr lang="en-US" altLang="zh-CN"/>
-              <a:t>openid</a:t>
-            </a:r>
-            <a:endParaRPr lang="zh-CN" altLang="en-US"/>
-          </a:p>
-          <a:p>
-            <a:pPr lvl="2"/>
-            <a:r>
-              <a:rPr lang="zh-CN" altLang="en-US"/>
-              <a:t>https://api.weixin.qq.com/sns/oauth2/access_token?appid=APPID&amp;secret=SECRET&amp;code=CODE&amp;grant_type=authorization_code</a:t>
-            </a:r>
-            <a:endParaRPr lang="zh-CN" altLang="en-US"/>
-          </a:p>
-          <a:p>
-            <a:pPr lvl="0"/>
-            <a:r>
-              <a:rPr lang="zh-CN" altLang="en-US"/>
-              <a:t>常见</a:t>
-            </a:r>
-            <a:r>
-              <a:rPr lang="zh-CN" altLang="en-US"/>
-              <a:t>问题</a:t>
-            </a:r>
-            <a:endParaRPr lang="zh-CN" altLang="en-US"/>
-          </a:p>
-          <a:p>
-            <a:pPr lvl="1"/>
-            <a:r>
-              <a:rPr lang="zh-CN" altLang="en-US"/>
-              <a:t>同一微信号每次获取的</a:t>
-            </a:r>
-            <a:r>
-              <a:rPr lang="en-US" altLang="zh-CN"/>
-              <a:t>code</a:t>
-            </a:r>
-            <a:r>
-              <a:rPr lang="zh-CN" altLang="en-US"/>
-              <a:t>不同</a:t>
-            </a:r>
-            <a:endParaRPr lang="zh-CN" altLang="en-US"/>
-          </a:p>
-          <a:p>
-            <a:pPr lvl="1"/>
-            <a:r>
-              <a:rPr lang="zh-CN" altLang="en-US"/>
-              <a:t>同一</a:t>
-            </a:r>
-            <a:r>
-              <a:rPr lang="en-US" altLang="zh-CN"/>
-              <a:t>code</a:t>
-            </a:r>
-            <a:r>
-              <a:rPr lang="zh-CN" altLang="en-US"/>
-              <a:t>只能获取一次</a:t>
-            </a:r>
-            <a:r>
-              <a:rPr lang="en-US" altLang="zh-CN"/>
-              <a:t>openid</a:t>
-            </a:r>
-            <a:r>
-              <a:rPr lang="zh-CN" altLang="en-US"/>
-              <a:t>，第二次获取会返回</a:t>
-            </a:r>
-            <a:r>
-              <a:rPr lang="zh-CN" altLang="en-US"/>
-              <a:t>错误</a:t>
+              <a:t>域名</a:t>
             </a:r>
             <a:endParaRPr lang="zh-CN" altLang="en-US"/>
           </a:p>
@@ -14216,7 +14006,7 @@
       </p:sp>
       <p:pic>
         <p:nvPicPr>
-          <p:cNvPr id="4" name="图片 3"/>
+          <p:cNvPr id="6" name="图片 5"/>
           <p:cNvPicPr>
             <a:picLocks noChangeAspect="1"/>
           </p:cNvPicPr>
@@ -14230,8 +14020,8 @@
         </p:blipFill>
         <p:spPr>
           <a:xfrm>
-            <a:off x="6468110" y="914400"/>
-            <a:ext cx="5723890" cy="4898390"/>
+            <a:off x="7304405" y="1158875"/>
+            <a:ext cx="4674235" cy="2334895"/>
           </a:xfrm>
           <a:prstGeom prst="rect">
             <a:avLst/>
@@ -14261,6 +14051,290 @@
       <p:grpSpPr/>
       <p:sp>
         <p:nvSpPr>
+          <p:cNvPr id="2" name="标题 1"/>
+          <p:cNvSpPr>
+            <a:spLocks noGrp="1"/>
+          </p:cNvSpPr>
+          <p:nvPr>
+            <p:ph type="title"/>
+          </p:nvPr>
+        </p:nvSpPr>
+        <p:spPr/>
+        <p:txBody>
+          <a:bodyPr/>
+          <a:p>
+            <a:r>
+              <a:rPr lang="zh-CN" altLang="en-US"/>
+              <a:t>获取</a:t>
+            </a:r>
+            <a:r>
+              <a:rPr lang="en-US" altLang="zh-CN"/>
+              <a:t>OpenId</a:t>
+            </a:r>
+            <a:endParaRPr lang="en-US" altLang="zh-CN"/>
+          </a:p>
+        </p:txBody>
+      </p:sp>
+      <p:sp>
+        <p:nvSpPr>
+          <p:cNvPr id="3" name="内容占位符 2"/>
+          <p:cNvSpPr>
+            <a:spLocks noGrp="1"/>
+          </p:cNvSpPr>
+          <p:nvPr>
+            <p:ph idx="1"/>
+          </p:nvPr>
+        </p:nvSpPr>
+        <p:spPr>
+          <a:xfrm>
+            <a:off x="838200" y="1211580"/>
+            <a:ext cx="5575935" cy="4843780"/>
+          </a:xfrm>
+        </p:spPr>
+        <p:txBody>
+          <a:bodyPr>
+            <a:normAutofit fontScale="60000"/>
+          </a:bodyPr>
+          <a:p>
+            <a:r>
+              <a:rPr lang="zh-CN" altLang="en-US"/>
+              <a:t>参考</a:t>
+            </a:r>
+            <a:endParaRPr lang="zh-CN" altLang="en-US"/>
+          </a:p>
+          <a:p>
+            <a:pPr lvl="1"/>
+            <a:r>
+              <a:rPr lang="zh-CN" altLang="en-US"/>
+              <a:t>https://www.jianshu.com/p/b7e2100b56e4</a:t>
+            </a:r>
+            <a:endParaRPr lang="zh-CN" altLang="en-US"/>
+          </a:p>
+          <a:p>
+            <a:pPr lvl="0"/>
+            <a:r>
+              <a:rPr lang="zh-CN" altLang="en-US"/>
+              <a:t>概念</a:t>
+            </a:r>
+            <a:endParaRPr lang="zh-CN" altLang="en-US"/>
+          </a:p>
+          <a:p>
+            <a:pPr lvl="1"/>
+            <a:r>
+              <a:rPr lang="zh-CN" altLang="en-US"/>
+              <a:t>openId：用户在当前公众号下的唯一标识</a:t>
+            </a:r>
+            <a:endParaRPr lang="zh-CN" altLang="en-US"/>
+          </a:p>
+          <a:p>
+            <a:pPr lvl="1"/>
+            <a:r>
+              <a:rPr lang="en-US" altLang="zh-CN"/>
+              <a:t>unionId</a:t>
+            </a:r>
+            <a:r>
+              <a:rPr lang="zh-CN" altLang="en-US"/>
+              <a:t>：同一用户，对同一微信开放平台下的不同应用（移动应用、网站应用和公众帐号），unionid是相同的</a:t>
+            </a:r>
+            <a:endParaRPr lang="zh-CN" altLang="en-US"/>
+          </a:p>
+          <a:p>
+            <a:pPr lvl="0"/>
+            <a:r>
+              <a:rPr lang="zh-CN" altLang="en-US"/>
+              <a:t>获取步骤</a:t>
+            </a:r>
+            <a:endParaRPr lang="zh-CN" altLang="en-US"/>
+          </a:p>
+          <a:p>
+            <a:pPr lvl="1"/>
+            <a:r>
+              <a:rPr lang="zh-CN" altLang="en-US"/>
+              <a:t>前端调用微信</a:t>
+            </a:r>
+            <a:r>
+              <a:rPr lang="en-US" altLang="zh-CN"/>
+              <a:t>authorize</a:t>
+            </a:r>
+            <a:r>
+              <a:rPr lang="zh-CN" altLang="en-US"/>
+              <a:t>接口获取</a:t>
+            </a:r>
+            <a:r>
+              <a:rPr lang="en-US" altLang="zh-CN"/>
+              <a:t>code</a:t>
+            </a:r>
+            <a:endParaRPr lang="en-US" altLang="zh-CN"/>
+          </a:p>
+          <a:p>
+            <a:pPr lvl="2"/>
+            <a:r>
+              <a:rPr lang="zh-CN" altLang="en-US"/>
+              <a:t>https://open.weixin.qq.com/connect/oauth2/authorize?appid=' + window.APPID + '&amp;redirect_uri=' + encodeURIComponent(local) + '&amp;response_type=code&amp;scope=snsapi_</a:t>
+            </a:r>
+            <a:r>
+              <a:rPr lang="en-US" altLang="zh-CN"/>
+              <a:t>base</a:t>
+            </a:r>
+            <a:r>
+              <a:rPr lang="zh-CN" altLang="en-US"/>
+              <a:t>&amp;state=1#wechat_redirect'</a:t>
+            </a:r>
+            <a:endParaRPr lang="zh-CN" altLang="en-US"/>
+          </a:p>
+          <a:p>
+            <a:pPr lvl="1"/>
+            <a:r>
+              <a:rPr lang="zh-CN" altLang="en-US"/>
+              <a:t>前端将</a:t>
+            </a:r>
+            <a:r>
+              <a:rPr lang="en-US" altLang="zh-CN"/>
+              <a:t>code</a:t>
+            </a:r>
+            <a:r>
+              <a:rPr lang="zh-CN" altLang="en-US"/>
+              <a:t>发送给</a:t>
+            </a:r>
+            <a:r>
+              <a:rPr lang="zh-CN" altLang="en-US"/>
+              <a:t>后端</a:t>
+            </a:r>
+            <a:endParaRPr lang="zh-CN" altLang="en-US"/>
+          </a:p>
+          <a:p>
+            <a:pPr lvl="1"/>
+            <a:r>
+              <a:rPr lang="zh-CN" altLang="en-US"/>
+              <a:t>后端调用微信</a:t>
+            </a:r>
+            <a:r>
+              <a:rPr lang="en-US" altLang="zh-CN"/>
+              <a:t>access_token</a:t>
+            </a:r>
+            <a:r>
+              <a:rPr lang="zh-CN" altLang="en-US"/>
+              <a:t>接口获取</a:t>
+            </a:r>
+            <a:r>
+              <a:rPr lang="en-US" altLang="zh-CN"/>
+              <a:t>openid</a:t>
+            </a:r>
+            <a:endParaRPr lang="zh-CN" altLang="en-US"/>
+          </a:p>
+          <a:p>
+            <a:pPr lvl="2"/>
+            <a:r>
+              <a:rPr lang="zh-CN" altLang="en-US"/>
+              <a:t>https://api.weixin.qq.com/sns/oauth2/access_token?appid=APPID&amp;secret=SECRET&amp;code=CODE&amp;grant_type=authorization_code</a:t>
+            </a:r>
+            <a:endParaRPr lang="zh-CN" altLang="en-US"/>
+          </a:p>
+          <a:p>
+            <a:pPr lvl="0"/>
+            <a:r>
+              <a:rPr lang="zh-CN" altLang="en-US"/>
+              <a:t>常见</a:t>
+            </a:r>
+            <a:r>
+              <a:rPr lang="zh-CN" altLang="en-US"/>
+              <a:t>问题</a:t>
+            </a:r>
+            <a:endParaRPr lang="zh-CN" altLang="en-US"/>
+          </a:p>
+          <a:p>
+            <a:pPr lvl="1"/>
+            <a:r>
+              <a:rPr lang="zh-CN" altLang="en-US"/>
+              <a:t>同一微信号每次获取的</a:t>
+            </a:r>
+            <a:r>
+              <a:rPr lang="en-US" altLang="zh-CN"/>
+              <a:t>code</a:t>
+            </a:r>
+            <a:r>
+              <a:rPr lang="zh-CN" altLang="en-US"/>
+              <a:t>不同</a:t>
+            </a:r>
+            <a:endParaRPr lang="zh-CN" altLang="en-US"/>
+          </a:p>
+          <a:p>
+            <a:pPr lvl="1"/>
+            <a:r>
+              <a:rPr lang="zh-CN" altLang="en-US"/>
+              <a:t>同一</a:t>
+            </a:r>
+            <a:r>
+              <a:rPr lang="en-US" altLang="zh-CN"/>
+              <a:t>code</a:t>
+            </a:r>
+            <a:r>
+              <a:rPr lang="zh-CN" altLang="en-US"/>
+              <a:t>只能获取一次</a:t>
+            </a:r>
+            <a:r>
+              <a:rPr lang="en-US" altLang="zh-CN"/>
+              <a:t>openid</a:t>
+            </a:r>
+            <a:r>
+              <a:rPr lang="zh-CN" altLang="en-US"/>
+              <a:t>，第二次获取会返回</a:t>
+            </a:r>
+            <a:r>
+              <a:rPr lang="zh-CN" altLang="en-US"/>
+              <a:t>错误</a:t>
+            </a:r>
+            <a:endParaRPr lang="zh-CN" altLang="en-US"/>
+          </a:p>
+        </p:txBody>
+      </p:sp>
+      <p:pic>
+        <p:nvPicPr>
+          <p:cNvPr id="4" name="图片 3"/>
+          <p:cNvPicPr>
+            <a:picLocks noChangeAspect="1"/>
+          </p:cNvPicPr>
+          <p:nvPr/>
+        </p:nvPicPr>
+        <p:blipFill>
+          <a:blip r:embed="rId1"/>
+          <a:stretch>
+            <a:fillRect/>
+          </a:stretch>
+        </p:blipFill>
+        <p:spPr>
+          <a:xfrm>
+            <a:off x="6468110" y="914400"/>
+            <a:ext cx="5723890" cy="4898390"/>
+          </a:xfrm>
+          <a:prstGeom prst="rect">
+            <a:avLst/>
+          </a:prstGeom>
+        </p:spPr>
+      </p:pic>
+    </p:spTree>
+    <p:custDataLst>
+      <p:tags r:id="rId2"/>
+    </p:custDataLst>
+  </p:cSld>
+  <p:clrMapOvr>
+    <a:masterClrMapping/>
+  </p:clrMapOvr>
+</p:sld>
+</file>
+
+<file path=ppt/slides/slide42.xml><?xml version="1.0" encoding="utf-8"?>
+<p:sld xmlns:a="http://schemas.openxmlformats.org/drawingml/2006/main" xmlns:r="http://schemas.openxmlformats.org/officeDocument/2006/relationships" xmlns:p="http://schemas.openxmlformats.org/presentationml/2006/main">
+  <p:cSld>
+    <p:spTree>
+      <p:nvGrpSpPr>
+        <p:cNvPr id="1" name=""/>
+        <p:cNvGrpSpPr/>
+        <p:nvPr/>
+      </p:nvGrpSpPr>
+      <p:grpSpPr/>
+      <p:sp>
+        <p:nvSpPr>
           <p:cNvPr id="4" name="标题 3"/>
           <p:cNvSpPr>
             <a:spLocks noGrp="1"/>
@@ -14314,7 +14388,7 @@
 </p:sld>
 </file>
 
-<file path=ppt/slides/slide42.xml><?xml version="1.0" encoding="utf-8"?>
+<file path=ppt/slides/slide43.xml><?xml version="1.0" encoding="utf-8"?>
 <p:sld xmlns:a="http://schemas.openxmlformats.org/drawingml/2006/main" xmlns:r="http://schemas.openxmlformats.org/officeDocument/2006/relationships" xmlns:p="http://schemas.openxmlformats.org/presentationml/2006/main">
   <p:cSld>
     <p:spTree>
@@ -16147,22 +16221,22 @@
 
 <file path=ppt/tags/tag36.xml><?xml version="1.0" encoding="utf-8"?>
 <p:tagLst xmlns:p="http://schemas.openxmlformats.org/presentationml/2006/main">
-  <p:tag name="KSO_WM_UNIT_PLACING_PICTURE_USER_VIEWPORT" val="{&quot;height&quot;:3984,&quot;width&quot;:7719}"/>
+  <p:tag name="KSO_WM_BEAUTIFY_FLAG" val="#wm#"/>
+  <p:tag name="KSO_WM_TEMPLATE_CATEGORY" val="custom"/>
+  <p:tag name="KSO_WM_TEMPLATE_INDEX" val="160402"/>
+  <p:tag name="KSO_WM_SPECIAL_SOURCE" val="bdnull"/>
 </p:tagLst>
 </file>
 
 <file path=ppt/tags/tag37.xml><?xml version="1.0" encoding="utf-8"?>
 <p:tagLst xmlns:p="http://schemas.openxmlformats.org/presentationml/2006/main">
-  <p:tag name="KSO_WM_UNIT_PLACING_PICTURE_USER_VIEWPORT" val="{&quot;height&quot;:4774,&quot;width&quot;:9249}"/>
+  <p:tag name="KSO_WM_UNIT_PLACING_PICTURE_USER_VIEWPORT" val="{&quot;height&quot;:3984,&quot;width&quot;:7719}"/>
 </p:tagLst>
 </file>
 
 <file path=ppt/tags/tag38.xml><?xml version="1.0" encoding="utf-8"?>
 <p:tagLst xmlns:p="http://schemas.openxmlformats.org/presentationml/2006/main">
-  <p:tag name="KSO_WM_BEAUTIFY_FLAG" val="#wm#"/>
-  <p:tag name="KSO_WM_TEMPLATE_CATEGORY" val="custom"/>
-  <p:tag name="KSO_WM_TEMPLATE_INDEX" val="160402"/>
-  <p:tag name="KSO_WM_SPECIAL_SOURCE" val="bdnull"/>
+  <p:tag name="KSO_WM_UNIT_PLACING_PICTURE_USER_VIEWPORT" val="{&quot;height&quot;:4774,&quot;width&quot;:9249}"/>
 </p:tagLst>
 </file>
 
@@ -16304,8 +16378,18 @@
 
 <file path=ppt/tags/tag50.xml><?xml version="1.0" encoding="utf-8"?>
 <p:tagLst xmlns:p="http://schemas.openxmlformats.org/presentationml/2006/main">
+  <p:tag name="KSO_WM_BEAUTIFY_FLAG" val="#wm#"/>
+  <p:tag name="KSO_WM_TEMPLATE_CATEGORY" val="custom"/>
+  <p:tag name="KSO_WM_TEMPLATE_INDEX" val="160402"/>
+  <p:tag name="KSO_WM_SPECIAL_SOURCE" val="bdnull"/>
+</p:tagLst>
+</file>
+
+<file path=ppt/tags/tag51.xml><?xml version="1.0" encoding="utf-8"?>
+<p:tagLst xmlns:p="http://schemas.openxmlformats.org/presentationml/2006/main">
   <p:tag name="KSO_DOCER_TEMPLATE_OPEN_ONCE_MARK" val="1"/>
-  <p:tag name="COMMONDATA" val="eyJoZGlkIjoiODcwZjc5M2RmYzUwOWE5MjVkODVjZGMyZDUwOTRjYmEifQ=="/>
+  <p:tag name="COMMONDATA" val="eyJoZGlkIjoiYjRhZjQ5NWVmZmQxNmM3NmNkNDYxNWRmNzNmMjA1ZDAifQ=="/>
+  <p:tag name="KSO_WPP_MARK_KEY" val="be57f297-0f49-4a75-9a60-63649678f2ee"/>
 </p:tagLst>
 </file>
 

--- a/Web/WeChat-Notes.pptx
+++ b/Web/WeChat-Notes.pptx
@@ -9807,6 +9807,34 @@
             </a:r>
             <a:endParaRPr lang="en-US" altLang="zh-CN"/>
           </a:p>
+          <a:p>
+            <a:pPr lvl="0"/>
+            <a:r>
+              <a:rPr lang="en-US" altLang="zh-CN"/>
+              <a:t>Preparation</a:t>
+            </a:r>
+            <a:endParaRPr lang="en-US" altLang="zh-CN"/>
+          </a:p>
+          <a:p>
+            <a:pPr lvl="1"/>
+            <a:r>
+              <a:rPr lang="zh-CN" altLang="en-US"/>
+              <a:t>微信小程序</a:t>
+            </a:r>
+            <a:r>
+              <a:rPr lang="en-US" altLang="zh-CN"/>
+              <a:t>app id</a:t>
+            </a:r>
+            <a:r>
+              <a:rPr lang="zh-CN" altLang="en-US"/>
+              <a:t>，</a:t>
+            </a:r>
+            <a:r>
+              <a:rPr lang="en-US" altLang="zh-CN"/>
+              <a:t> app secret</a:t>
+            </a:r>
+            <a:endParaRPr lang="en-US" altLang="zh-CN"/>
+          </a:p>
         </p:txBody>
       </p:sp>
       <p:pic>
@@ -9835,6 +9863,289 @@
           </a:ln>
         </p:spPr>
       </p:pic>
+      <p:sp>
+        <p:nvSpPr>
+          <p:cNvPr id="4" name="圆角矩形 3"/>
+          <p:cNvSpPr/>
+          <p:nvPr/>
+        </p:nvSpPr>
+        <p:spPr>
+          <a:xfrm>
+            <a:off x="3541395" y="4077335"/>
+            <a:ext cx="2049145" cy="623570"/>
+          </a:xfrm>
+          <a:prstGeom prst="roundRect">
+            <a:avLst/>
+          </a:prstGeom>
+        </p:spPr>
+        <p:style>
+          <a:lnRef idx="2">
+            <a:schemeClr val="accent1">
+              <a:lumMod val="75000"/>
+            </a:schemeClr>
+          </a:lnRef>
+          <a:fillRef idx="1">
+            <a:schemeClr val="accent1"/>
+          </a:fillRef>
+          <a:effectRef idx="0">
+            <a:srgbClr val="FFFFFF"/>
+          </a:effectRef>
+          <a:fontRef idx="minor">
+            <a:schemeClr val="lt1"/>
+          </a:fontRef>
+        </p:style>
+        <p:txBody>
+          <a:bodyPr rtlCol="0" anchor="ctr"/>
+          <a:p>
+            <a:pPr algn="ctr"/>
+            <a:r>
+              <a:rPr lang="en-US" altLang="zh-CN" sz="1400"/>
+              <a:t>Get access token</a:t>
+            </a:r>
+            <a:endParaRPr lang="en-US" altLang="zh-CN" sz="1400"/>
+          </a:p>
+        </p:txBody>
+      </p:sp>
+      <p:sp>
+        <p:nvSpPr>
+          <p:cNvPr id="5" name="圆角矩形 4"/>
+          <p:cNvSpPr/>
+          <p:nvPr/>
+        </p:nvSpPr>
+        <p:spPr>
+          <a:xfrm>
+            <a:off x="1097280" y="4077335"/>
+            <a:ext cx="2049145" cy="623570"/>
+          </a:xfrm>
+          <a:prstGeom prst="roundRect">
+            <a:avLst/>
+          </a:prstGeom>
+        </p:spPr>
+        <p:style>
+          <a:lnRef idx="0">
+            <a:srgbClr val="FFFFFF"/>
+          </a:lnRef>
+          <a:fillRef idx="1">
+            <a:schemeClr val="accent3"/>
+          </a:fillRef>
+          <a:effectRef idx="0">
+            <a:srgbClr val="FFFFFF"/>
+          </a:effectRef>
+          <a:fontRef idx="minor">
+            <a:schemeClr val="dk1"/>
+          </a:fontRef>
+        </p:style>
+        <p:txBody>
+          <a:bodyPr rtlCol="0" anchor="ctr"/>
+          <a:p>
+            <a:pPr algn="ctr"/>
+            <a:r>
+              <a:rPr lang="en-US" altLang="zh-CN" sz="1400"/>
+              <a:t>wx.login()</a:t>
+            </a:r>
+            <a:endParaRPr lang="en-US" altLang="zh-CN" sz="1400"/>
+          </a:p>
+          <a:p>
+            <a:pPr algn="ctr"/>
+            <a:r>
+              <a:rPr lang="en-US" altLang="zh-CN" sz="1400"/>
+              <a:t>// get code, phone code</a:t>
+            </a:r>
+            <a:endParaRPr lang="en-US" altLang="zh-CN" sz="1400"/>
+          </a:p>
+        </p:txBody>
+      </p:sp>
+      <p:cxnSp>
+        <p:nvCxnSpPr>
+          <p:cNvPr id="6" name="直接箭头连接符 5"/>
+          <p:cNvCxnSpPr>
+            <a:stCxn id="5" idx="3"/>
+            <a:endCxn id="4" idx="1"/>
+          </p:cNvCxnSpPr>
+          <p:nvPr/>
+        </p:nvCxnSpPr>
+        <p:spPr>
+          <a:xfrm>
+            <a:off x="3146425" y="4389120"/>
+            <a:ext cx="394970" cy="0"/>
+          </a:xfrm>
+          <a:prstGeom prst="straightConnector1">
+            <a:avLst/>
+          </a:prstGeom>
+          <a:ln>
+            <a:tailEnd type="arrow"/>
+          </a:ln>
+        </p:spPr>
+        <p:style>
+          <a:lnRef idx="2">
+            <a:schemeClr val="accent1"/>
+          </a:lnRef>
+          <a:fillRef idx="0">
+            <a:srgbClr val="FFFFFF"/>
+          </a:fillRef>
+          <a:effectRef idx="0">
+            <a:srgbClr val="FFFFFF"/>
+          </a:effectRef>
+          <a:fontRef idx="minor">
+            <a:schemeClr val="tx1"/>
+          </a:fontRef>
+        </p:style>
+      </p:cxnSp>
+      <p:sp>
+        <p:nvSpPr>
+          <p:cNvPr id="7" name="圆角矩形 6"/>
+          <p:cNvSpPr/>
+          <p:nvPr/>
+        </p:nvSpPr>
+        <p:spPr>
+          <a:xfrm>
+            <a:off x="3541395" y="4911090"/>
+            <a:ext cx="2049145" cy="623570"/>
+          </a:xfrm>
+          <a:prstGeom prst="roundRect">
+            <a:avLst/>
+          </a:prstGeom>
+        </p:spPr>
+        <p:style>
+          <a:lnRef idx="2">
+            <a:schemeClr val="accent1">
+              <a:lumMod val="75000"/>
+            </a:schemeClr>
+          </a:lnRef>
+          <a:fillRef idx="1">
+            <a:schemeClr val="accent1"/>
+          </a:fillRef>
+          <a:effectRef idx="0">
+            <a:srgbClr val="FFFFFF"/>
+          </a:effectRef>
+          <a:fontRef idx="minor">
+            <a:schemeClr val="lt1"/>
+          </a:fontRef>
+        </p:style>
+        <p:txBody>
+          <a:bodyPr rtlCol="0" anchor="ctr"/>
+          <a:p>
+            <a:pPr algn="ctr"/>
+            <a:r>
+              <a:rPr lang="en-US" altLang="zh-CN" sz="1400"/>
+              <a:t>Get phone number using access token and phone code</a:t>
+            </a:r>
+            <a:endParaRPr lang="en-US" altLang="zh-CN" sz="1400"/>
+          </a:p>
+        </p:txBody>
+      </p:sp>
+      <p:cxnSp>
+        <p:nvCxnSpPr>
+          <p:cNvPr id="8" name="直接箭头连接符 7"/>
+          <p:cNvCxnSpPr/>
+          <p:nvPr/>
+        </p:nvCxnSpPr>
+        <p:spPr>
+          <a:xfrm>
+            <a:off x="4566285" y="4700905"/>
+            <a:ext cx="0" cy="210185"/>
+          </a:xfrm>
+          <a:prstGeom prst="straightConnector1">
+            <a:avLst/>
+          </a:prstGeom>
+          <a:ln>
+            <a:tailEnd type="arrow"/>
+          </a:ln>
+        </p:spPr>
+        <p:style>
+          <a:lnRef idx="2">
+            <a:schemeClr val="accent1"/>
+          </a:lnRef>
+          <a:fillRef idx="0">
+            <a:srgbClr val="FFFFFF"/>
+          </a:fillRef>
+          <a:effectRef idx="0">
+            <a:srgbClr val="FFFFFF"/>
+          </a:effectRef>
+          <a:fontRef idx="minor">
+            <a:schemeClr val="tx1"/>
+          </a:fontRef>
+        </p:style>
+      </p:cxnSp>
+      <p:sp>
+        <p:nvSpPr>
+          <p:cNvPr id="9" name="圆角矩形 8"/>
+          <p:cNvSpPr/>
+          <p:nvPr/>
+        </p:nvSpPr>
+        <p:spPr>
+          <a:xfrm>
+            <a:off x="3541395" y="5744845"/>
+            <a:ext cx="2049145" cy="623570"/>
+          </a:xfrm>
+          <a:prstGeom prst="roundRect">
+            <a:avLst/>
+          </a:prstGeom>
+        </p:spPr>
+        <p:style>
+          <a:lnRef idx="2">
+            <a:schemeClr val="accent1">
+              <a:lumMod val="75000"/>
+            </a:schemeClr>
+          </a:lnRef>
+          <a:fillRef idx="1">
+            <a:schemeClr val="accent1"/>
+          </a:fillRef>
+          <a:effectRef idx="0">
+            <a:srgbClr val="FFFFFF"/>
+          </a:effectRef>
+          <a:fontRef idx="minor">
+            <a:schemeClr val="lt1"/>
+          </a:fontRef>
+        </p:style>
+        <p:txBody>
+          <a:bodyPr rtlCol="0" anchor="ctr"/>
+          <a:p>
+            <a:pPr algn="ctr"/>
+            <a:r>
+              <a:rPr lang="en-US" altLang="zh-CN" sz="1400"/>
+              <a:t>Get OpenID using code</a:t>
+            </a:r>
+            <a:endParaRPr lang="en-US" altLang="zh-CN" sz="1400"/>
+          </a:p>
+        </p:txBody>
+      </p:sp>
+      <p:cxnSp>
+        <p:nvCxnSpPr>
+          <p:cNvPr id="10" name="直接箭头连接符 9"/>
+          <p:cNvCxnSpPr>
+            <a:stCxn id="7" idx="2"/>
+            <a:endCxn id="9" idx="0"/>
+          </p:cNvCxnSpPr>
+          <p:nvPr/>
+        </p:nvCxnSpPr>
+        <p:spPr>
+          <a:xfrm>
+            <a:off x="4566285" y="5534660"/>
+            <a:ext cx="0" cy="210185"/>
+          </a:xfrm>
+          <a:prstGeom prst="straightConnector1">
+            <a:avLst/>
+          </a:prstGeom>
+          <a:ln>
+            <a:tailEnd type="arrow"/>
+          </a:ln>
+        </p:spPr>
+        <p:style>
+          <a:lnRef idx="2">
+            <a:schemeClr val="accent1"/>
+          </a:lnRef>
+          <a:fillRef idx="0">
+            <a:srgbClr val="FFFFFF"/>
+          </a:fillRef>
+          <a:effectRef idx="0">
+            <a:srgbClr val="FFFFFF"/>
+          </a:effectRef>
+          <a:fontRef idx="minor">
+            <a:schemeClr val="tx1"/>
+          </a:fontRef>
+        </p:style>
+      </p:cxnSp>
     </p:spTree>
     <p:custDataLst>
       <p:tags r:id="rId2"/>
@@ -9919,6 +10230,64 @@
             </a:r>
             <a:endParaRPr lang="en-US" altLang="zh-CN"/>
           </a:p>
+          <a:p>
+            <a:pPr lvl="0"/>
+            <a:r>
+              <a:rPr lang="en-US" altLang="zh-CN" sz="2400">
+                <a:sym typeface="+mn-ea"/>
+              </a:rPr>
+              <a:t>Preparation</a:t>
+            </a:r>
+            <a:endParaRPr lang="en-US" altLang="zh-CN" sz="2400"/>
+          </a:p>
+          <a:p>
+            <a:pPr lvl="1"/>
+            <a:r>
+              <a:rPr lang="zh-CN" altLang="en-US">
+                <a:sym typeface="+mn-ea"/>
+              </a:rPr>
+              <a:t>微信小程序</a:t>
+            </a:r>
+            <a:r>
+              <a:rPr lang="en-US" altLang="zh-CN">
+                <a:sym typeface="+mn-ea"/>
+              </a:rPr>
+              <a:t>app id</a:t>
+            </a:r>
+            <a:endParaRPr lang="en-US" altLang="zh-CN">
+              <a:sym typeface="+mn-ea"/>
+            </a:endParaRPr>
+          </a:p>
+          <a:p>
+            <a:pPr lvl="1"/>
+            <a:r>
+              <a:rPr lang="zh-CN" altLang="en-US">
+                <a:sym typeface="+mn-ea"/>
+              </a:rPr>
+              <a:t>微信小程序已认证</a:t>
+            </a:r>
+            <a:endParaRPr lang="en-US" altLang="zh-CN">
+              <a:sym typeface="+mn-ea"/>
+            </a:endParaRPr>
+          </a:p>
+          <a:p>
+            <a:pPr lvl="1"/>
+            <a:r>
+              <a:rPr lang="zh-CN" altLang="en-US">
+                <a:sym typeface="+mn-ea"/>
+              </a:rPr>
+              <a:t>关联微信支付商户</a:t>
+            </a:r>
+            <a:r>
+              <a:rPr lang="en-US" altLang="zh-CN">
+                <a:sym typeface="+mn-ea"/>
+              </a:rPr>
+              <a:t>id</a:t>
+            </a:r>
+            <a:endParaRPr lang="en-US" altLang="zh-CN">
+              <a:sym typeface="+mn-ea"/>
+            </a:endParaRPr>
+          </a:p>
         </p:txBody>
       </p:sp>
       <p:pic>
@@ -9947,9 +10316,369 @@
           </a:ln>
         </p:spPr>
       </p:pic>
+      <p:sp>
+        <p:nvSpPr>
+          <p:cNvPr id="4" name="圆角矩形 3"/>
+          <p:cNvSpPr/>
+          <p:nvPr>
+            <p:custDataLst>
+              <p:tags r:id="rId2"/>
+            </p:custDataLst>
+          </p:nvPr>
+        </p:nvSpPr>
+        <p:spPr>
+          <a:xfrm>
+            <a:off x="3541395" y="4077335"/>
+            <a:ext cx="2049145" cy="623570"/>
+          </a:xfrm>
+          <a:prstGeom prst="roundRect">
+            <a:avLst/>
+          </a:prstGeom>
+        </p:spPr>
+        <p:style>
+          <a:lnRef idx="2">
+            <a:schemeClr val="accent1">
+              <a:lumMod val="75000"/>
+            </a:schemeClr>
+          </a:lnRef>
+          <a:fillRef idx="1">
+            <a:schemeClr val="accent1"/>
+          </a:fillRef>
+          <a:effectRef idx="0">
+            <a:srgbClr val="FFFFFF"/>
+          </a:effectRef>
+          <a:fontRef idx="minor">
+            <a:schemeClr val="lt1"/>
+          </a:fontRef>
+        </p:style>
+        <p:txBody>
+          <a:bodyPr rtlCol="0" anchor="ctr"/>
+          <a:p>
+            <a:pPr algn="ctr"/>
+            <a:r>
+              <a:rPr lang="en-US" altLang="zh-CN" sz="1400"/>
+              <a:t>Post unified order</a:t>
+            </a:r>
+            <a:endParaRPr lang="en-US" altLang="zh-CN" sz="1400"/>
+          </a:p>
+        </p:txBody>
+      </p:sp>
+      <p:sp>
+        <p:nvSpPr>
+          <p:cNvPr id="5" name="圆角矩形 4"/>
+          <p:cNvSpPr/>
+          <p:nvPr>
+            <p:custDataLst>
+              <p:tags r:id="rId3"/>
+            </p:custDataLst>
+          </p:nvPr>
+        </p:nvSpPr>
+        <p:spPr>
+          <a:xfrm>
+            <a:off x="1097280" y="4077335"/>
+            <a:ext cx="2049145" cy="623570"/>
+          </a:xfrm>
+          <a:prstGeom prst="roundRect">
+            <a:avLst/>
+          </a:prstGeom>
+        </p:spPr>
+        <p:style>
+          <a:lnRef idx="0">
+            <a:srgbClr val="FFFFFF"/>
+          </a:lnRef>
+          <a:fillRef idx="1">
+            <a:schemeClr val="accent3"/>
+          </a:fillRef>
+          <a:effectRef idx="0">
+            <a:srgbClr val="FFFFFF"/>
+          </a:effectRef>
+          <a:fontRef idx="minor">
+            <a:schemeClr val="dk1"/>
+          </a:fontRef>
+        </p:style>
+        <p:txBody>
+          <a:bodyPr rtlCol="0" anchor="ctr"/>
+          <a:p>
+            <a:pPr algn="ctr"/>
+            <a:r>
+              <a:rPr lang="zh-CN" altLang="en-US" sz="1400"/>
+              <a:t>调用付款接口，传入金额和</a:t>
+            </a:r>
+            <a:r>
+              <a:rPr lang="en-US" altLang="zh-CN" sz="1400"/>
+              <a:t>openid</a:t>
+            </a:r>
+            <a:endParaRPr lang="en-US" altLang="zh-CN" sz="1400"/>
+          </a:p>
+        </p:txBody>
+      </p:sp>
+      <p:cxnSp>
+        <p:nvCxnSpPr>
+          <p:cNvPr id="6" name="直接箭头连接符 5"/>
+          <p:cNvCxnSpPr>
+            <a:stCxn id="5" idx="3"/>
+            <a:endCxn id="4" idx="1"/>
+          </p:cNvCxnSpPr>
+          <p:nvPr>
+            <p:custDataLst>
+              <p:tags r:id="rId4"/>
+            </p:custDataLst>
+          </p:nvPr>
+        </p:nvCxnSpPr>
+        <p:spPr>
+          <a:xfrm>
+            <a:off x="3146425" y="4389120"/>
+            <a:ext cx="394970" cy="0"/>
+          </a:xfrm>
+          <a:prstGeom prst="straightConnector1">
+            <a:avLst/>
+          </a:prstGeom>
+          <a:ln>
+            <a:tailEnd type="arrow"/>
+          </a:ln>
+        </p:spPr>
+        <p:style>
+          <a:lnRef idx="2">
+            <a:schemeClr val="accent1"/>
+          </a:lnRef>
+          <a:fillRef idx="0">
+            <a:srgbClr val="FFFFFF"/>
+          </a:fillRef>
+          <a:effectRef idx="0">
+            <a:srgbClr val="FFFFFF"/>
+          </a:effectRef>
+          <a:fontRef idx="minor">
+            <a:schemeClr val="tx1"/>
+          </a:fontRef>
+        </p:style>
+      </p:cxnSp>
+      <p:sp>
+        <p:nvSpPr>
+          <p:cNvPr id="7" name="圆角矩形 6"/>
+          <p:cNvSpPr/>
+          <p:nvPr>
+            <p:custDataLst>
+              <p:tags r:id="rId5"/>
+            </p:custDataLst>
+          </p:nvPr>
+        </p:nvSpPr>
+        <p:spPr>
+          <a:xfrm>
+            <a:off x="3541395" y="4911090"/>
+            <a:ext cx="2049145" cy="623570"/>
+          </a:xfrm>
+          <a:prstGeom prst="roundRect">
+            <a:avLst/>
+          </a:prstGeom>
+        </p:spPr>
+        <p:style>
+          <a:lnRef idx="2">
+            <a:schemeClr val="accent1">
+              <a:lumMod val="75000"/>
+            </a:schemeClr>
+          </a:lnRef>
+          <a:fillRef idx="1">
+            <a:schemeClr val="accent1"/>
+          </a:fillRef>
+          <a:effectRef idx="0">
+            <a:srgbClr val="FFFFFF"/>
+          </a:effectRef>
+          <a:fontRef idx="minor">
+            <a:schemeClr val="lt1"/>
+          </a:fontRef>
+        </p:style>
+        <p:txBody>
+          <a:bodyPr rtlCol="0" anchor="ctr"/>
+          <a:p>
+            <a:pPr algn="ctr"/>
+            <a:r>
+              <a:rPr lang="en-US" altLang="zh-CN" sz="1400"/>
+              <a:t>Get phone number using access token and phone code</a:t>
+            </a:r>
+            <a:endParaRPr lang="en-US" altLang="zh-CN" sz="1400"/>
+          </a:p>
+        </p:txBody>
+      </p:sp>
+      <p:cxnSp>
+        <p:nvCxnSpPr>
+          <p:cNvPr id="8" name="直接箭头连接符 7"/>
+          <p:cNvCxnSpPr/>
+          <p:nvPr>
+            <p:custDataLst>
+              <p:tags r:id="rId6"/>
+            </p:custDataLst>
+          </p:nvPr>
+        </p:nvCxnSpPr>
+        <p:spPr>
+          <a:xfrm>
+            <a:off x="4566285" y="4700905"/>
+            <a:ext cx="0" cy="210185"/>
+          </a:xfrm>
+          <a:prstGeom prst="straightConnector1">
+            <a:avLst/>
+          </a:prstGeom>
+          <a:ln>
+            <a:tailEnd type="arrow"/>
+          </a:ln>
+        </p:spPr>
+        <p:style>
+          <a:lnRef idx="2">
+            <a:schemeClr val="accent1"/>
+          </a:lnRef>
+          <a:fillRef idx="0">
+            <a:srgbClr val="FFFFFF"/>
+          </a:fillRef>
+          <a:effectRef idx="0">
+            <a:srgbClr val="FFFFFF"/>
+          </a:effectRef>
+          <a:fontRef idx="minor">
+            <a:schemeClr val="tx1"/>
+          </a:fontRef>
+        </p:style>
+      </p:cxnSp>
+      <p:sp>
+        <p:nvSpPr>
+          <p:cNvPr id="9" name="圆角矩形 8"/>
+          <p:cNvSpPr/>
+          <p:nvPr>
+            <p:custDataLst>
+              <p:tags r:id="rId7"/>
+            </p:custDataLst>
+          </p:nvPr>
+        </p:nvSpPr>
+        <p:spPr>
+          <a:xfrm>
+            <a:off x="3541395" y="5744845"/>
+            <a:ext cx="2049145" cy="623570"/>
+          </a:xfrm>
+          <a:prstGeom prst="roundRect">
+            <a:avLst/>
+          </a:prstGeom>
+        </p:spPr>
+        <p:style>
+          <a:lnRef idx="2">
+            <a:schemeClr val="accent1">
+              <a:lumMod val="75000"/>
+            </a:schemeClr>
+          </a:lnRef>
+          <a:fillRef idx="1">
+            <a:schemeClr val="accent1"/>
+          </a:fillRef>
+          <a:effectRef idx="0">
+            <a:srgbClr val="FFFFFF"/>
+          </a:effectRef>
+          <a:fontRef idx="minor">
+            <a:schemeClr val="lt1"/>
+          </a:fontRef>
+        </p:style>
+        <p:txBody>
+          <a:bodyPr rtlCol="0" anchor="ctr"/>
+          <a:p>
+            <a:pPr algn="ctr"/>
+            <a:r>
+              <a:rPr lang="en-US" altLang="zh-CN" sz="1400"/>
+              <a:t>Get OpenID using code</a:t>
+            </a:r>
+            <a:endParaRPr lang="en-US" altLang="zh-CN" sz="1400"/>
+          </a:p>
+        </p:txBody>
+      </p:sp>
+      <p:cxnSp>
+        <p:nvCxnSpPr>
+          <p:cNvPr id="10" name="直接箭头连接符 9"/>
+          <p:cNvCxnSpPr>
+            <a:stCxn id="7" idx="2"/>
+            <a:endCxn id="9" idx="0"/>
+          </p:cNvCxnSpPr>
+          <p:nvPr>
+            <p:custDataLst>
+              <p:tags r:id="rId8"/>
+            </p:custDataLst>
+          </p:nvPr>
+        </p:nvCxnSpPr>
+        <p:spPr>
+          <a:xfrm>
+            <a:off x="4566285" y="5534660"/>
+            <a:ext cx="0" cy="210185"/>
+          </a:xfrm>
+          <a:prstGeom prst="straightConnector1">
+            <a:avLst/>
+          </a:prstGeom>
+          <a:ln>
+            <a:tailEnd type="arrow"/>
+          </a:ln>
+        </p:spPr>
+        <p:style>
+          <a:lnRef idx="2">
+            <a:schemeClr val="accent1"/>
+          </a:lnRef>
+          <a:fillRef idx="0">
+            <a:srgbClr val="FFFFFF"/>
+          </a:fillRef>
+          <a:effectRef idx="0">
+            <a:srgbClr val="FFFFFF"/>
+          </a:effectRef>
+          <a:fontRef idx="minor">
+            <a:schemeClr val="tx1"/>
+          </a:fontRef>
+        </p:style>
+      </p:cxnSp>
+      <p:sp>
+        <p:nvSpPr>
+          <p:cNvPr id="11" name="圆角矩形 10"/>
+          <p:cNvSpPr/>
+          <p:nvPr>
+            <p:custDataLst>
+              <p:tags r:id="rId9"/>
+            </p:custDataLst>
+          </p:nvPr>
+        </p:nvSpPr>
+        <p:spPr>
+          <a:xfrm>
+            <a:off x="1097280" y="5760720"/>
+            <a:ext cx="2049145" cy="623570"/>
+          </a:xfrm>
+          <a:prstGeom prst="roundRect">
+            <a:avLst/>
+          </a:prstGeom>
+        </p:spPr>
+        <p:style>
+          <a:lnRef idx="0">
+            <a:srgbClr val="FFFFFF"/>
+          </a:lnRef>
+          <a:fillRef idx="1">
+            <a:schemeClr val="accent3"/>
+          </a:fillRef>
+          <a:effectRef idx="0">
+            <a:srgbClr val="FFFFFF"/>
+          </a:effectRef>
+          <a:fontRef idx="minor">
+            <a:schemeClr val="dk1"/>
+          </a:fontRef>
+        </p:style>
+        <p:txBody>
+          <a:bodyPr rtlCol="0" anchor="ctr"/>
+          <a:p>
+            <a:pPr algn="ctr"/>
+            <a:r>
+              <a:rPr lang="zh-CN" sz="1400"/>
+              <a:t>根据订单</a:t>
+            </a:r>
+            <a:r>
+              <a:rPr lang="en-US" altLang="zh-CN" sz="1400"/>
+              <a:t>uuid</a:t>
+            </a:r>
+            <a:r>
+              <a:rPr lang="zh-CN" altLang="en-US" sz="1400"/>
+              <a:t>，查询订单状态</a:t>
+            </a:r>
+            <a:endParaRPr lang="zh-CN" altLang="en-US" sz="1400"/>
+          </a:p>
+        </p:txBody>
+      </p:sp>
     </p:spTree>
     <p:custDataLst>
-      <p:tags r:id="rId2"/>
+      <p:tags r:id="rId10"/>
     </p:custDataLst>
   </p:cSld>
   <p:clrMapOvr>
@@ -16138,10 +16867,7 @@
 
 <file path=ppt/tags/tag29.xml><?xml version="1.0" encoding="utf-8"?>
 <p:tagLst xmlns:p="http://schemas.openxmlformats.org/presentationml/2006/main">
-  <p:tag name="KSO_WM_BEAUTIFY_FLAG" val="#wm#"/>
-  <p:tag name="KSO_WM_TEMPLATE_CATEGORY" val="custom"/>
-  <p:tag name="KSO_WM_TEMPLATE_INDEX" val="160402"/>
-  <p:tag name="KSO_WM_SPECIAL_SOURCE" val="bdnull"/>
+  <p:tag name="KSO_WM_BEAUTIFY_FLAG" val=""/>
 </p:tagLst>
 </file>
 
@@ -16167,14 +16893,47 @@
 
 <file path=ppt/tags/tag30.xml><?xml version="1.0" encoding="utf-8"?>
 <p:tagLst xmlns:p="http://schemas.openxmlformats.org/presentationml/2006/main">
-  <p:tag name="KSO_WM_BEAUTIFY_FLAG" val="#wm#"/>
-  <p:tag name="KSO_WM_TEMPLATE_CATEGORY" val="custom"/>
-  <p:tag name="KSO_WM_TEMPLATE_INDEX" val="160402"/>
-  <p:tag name="KSO_WM_SPECIAL_SOURCE" val="bdnull"/>
+  <p:tag name="KSO_WM_BEAUTIFY_FLAG" val=""/>
 </p:tagLst>
 </file>
 
 <file path=ppt/tags/tag31.xml><?xml version="1.0" encoding="utf-8"?>
+<p:tagLst xmlns:p="http://schemas.openxmlformats.org/presentationml/2006/main">
+  <p:tag name="KSO_WM_BEAUTIFY_FLAG" val=""/>
+</p:tagLst>
+</file>
+
+<file path=ppt/tags/tag32.xml><?xml version="1.0" encoding="utf-8"?>
+<p:tagLst xmlns:p="http://schemas.openxmlformats.org/presentationml/2006/main">
+  <p:tag name="KSO_WM_BEAUTIFY_FLAG" val=""/>
+</p:tagLst>
+</file>
+
+<file path=ppt/tags/tag33.xml><?xml version="1.0" encoding="utf-8"?>
+<p:tagLst xmlns:p="http://schemas.openxmlformats.org/presentationml/2006/main">
+  <p:tag name="KSO_WM_BEAUTIFY_FLAG" val=""/>
+</p:tagLst>
+</file>
+
+<file path=ppt/tags/tag34.xml><?xml version="1.0" encoding="utf-8"?>
+<p:tagLst xmlns:p="http://schemas.openxmlformats.org/presentationml/2006/main">
+  <p:tag name="KSO_WM_BEAUTIFY_FLAG" val=""/>
+</p:tagLst>
+</file>
+
+<file path=ppt/tags/tag35.xml><?xml version="1.0" encoding="utf-8"?>
+<p:tagLst xmlns:p="http://schemas.openxmlformats.org/presentationml/2006/main">
+  <p:tag name="KSO_WM_BEAUTIFY_FLAG" val=""/>
+</p:tagLst>
+</file>
+
+<file path=ppt/tags/tag36.xml><?xml version="1.0" encoding="utf-8"?>
+<p:tagLst xmlns:p="http://schemas.openxmlformats.org/presentationml/2006/main">
+  <p:tag name="KSO_WM_BEAUTIFY_FLAG" val=""/>
+</p:tagLst>
+</file>
+
+<file path=ppt/tags/tag37.xml><?xml version="1.0" encoding="utf-8"?>
 <p:tagLst xmlns:p="http://schemas.openxmlformats.org/presentationml/2006/main">
   <p:tag name="KSO_WM_BEAUTIFY_FLAG" val="#wm#"/>
   <p:tag name="KSO_WM_TEMPLATE_CATEGORY" val="custom"/>
@@ -16183,60 +16942,12 @@
 </p:tagLst>
 </file>
 
-<file path=ppt/tags/tag32.xml><?xml version="1.0" encoding="utf-8"?>
+<file path=ppt/tags/tag38.xml><?xml version="1.0" encoding="utf-8"?>
 <p:tagLst xmlns:p="http://schemas.openxmlformats.org/presentationml/2006/main">
   <p:tag name="KSO_WM_BEAUTIFY_FLAG" val="#wm#"/>
   <p:tag name="KSO_WM_TEMPLATE_CATEGORY" val="custom"/>
   <p:tag name="KSO_WM_TEMPLATE_INDEX" val="160402"/>
   <p:tag name="KSO_WM_SPECIAL_SOURCE" val="bdnull"/>
-</p:tagLst>
-</file>
-
-<file path=ppt/tags/tag33.xml><?xml version="1.0" encoding="utf-8"?>
-<p:tagLst xmlns:p="http://schemas.openxmlformats.org/presentationml/2006/main">
-  <p:tag name="KSO_WM_BEAUTIFY_FLAG" val="#wm#"/>
-  <p:tag name="KSO_WM_TEMPLATE_CATEGORY" val="custom"/>
-  <p:tag name="KSO_WM_TEMPLATE_INDEX" val="160402"/>
-  <p:tag name="KSO_WM_SPECIAL_SOURCE" val="bdnull"/>
-</p:tagLst>
-</file>
-
-<file path=ppt/tags/tag34.xml><?xml version="1.0" encoding="utf-8"?>
-<p:tagLst xmlns:p="http://schemas.openxmlformats.org/presentationml/2006/main">
-  <p:tag name="KSO_WM_BEAUTIFY_FLAG" val="#wm#"/>
-  <p:tag name="KSO_WM_TEMPLATE_CATEGORY" val="custom"/>
-  <p:tag name="KSO_WM_TEMPLATE_INDEX" val="160402"/>
-  <p:tag name="KSO_WM_SPECIAL_SOURCE" val="bdnull"/>
-</p:tagLst>
-</file>
-
-<file path=ppt/tags/tag35.xml><?xml version="1.0" encoding="utf-8"?>
-<p:tagLst xmlns:p="http://schemas.openxmlformats.org/presentationml/2006/main">
-  <p:tag name="KSO_WM_BEAUTIFY_FLAG" val="#wm#"/>
-  <p:tag name="KSO_WM_TEMPLATE_CATEGORY" val="custom"/>
-  <p:tag name="KSO_WM_TEMPLATE_INDEX" val="160402"/>
-  <p:tag name="KSO_WM_SPECIAL_SOURCE" val="bdnull"/>
-</p:tagLst>
-</file>
-
-<file path=ppt/tags/tag36.xml><?xml version="1.0" encoding="utf-8"?>
-<p:tagLst xmlns:p="http://schemas.openxmlformats.org/presentationml/2006/main">
-  <p:tag name="KSO_WM_BEAUTIFY_FLAG" val="#wm#"/>
-  <p:tag name="KSO_WM_TEMPLATE_CATEGORY" val="custom"/>
-  <p:tag name="KSO_WM_TEMPLATE_INDEX" val="160402"/>
-  <p:tag name="KSO_WM_SPECIAL_SOURCE" val="bdnull"/>
-</p:tagLst>
-</file>
-
-<file path=ppt/tags/tag37.xml><?xml version="1.0" encoding="utf-8"?>
-<p:tagLst xmlns:p="http://schemas.openxmlformats.org/presentationml/2006/main">
-  <p:tag name="KSO_WM_UNIT_PLACING_PICTURE_USER_VIEWPORT" val="{&quot;height&quot;:3984,&quot;width&quot;:7719}"/>
-</p:tagLst>
-</file>
-
-<file path=ppt/tags/tag38.xml><?xml version="1.0" encoding="utf-8"?>
-<p:tagLst xmlns:p="http://schemas.openxmlformats.org/presentationml/2006/main">
-  <p:tag name="KSO_WM_UNIT_PLACING_PICTURE_USER_VIEWPORT" val="{&quot;height&quot;:4774,&quot;width&quot;:9249}"/>
 </p:tagLst>
 </file>
 
@@ -16316,19 +17027,13 @@
 
 <file path=ppt/tags/tag45.xml><?xml version="1.0" encoding="utf-8"?>
 <p:tagLst xmlns:p="http://schemas.openxmlformats.org/presentationml/2006/main">
-  <p:tag name="KSO_WM_BEAUTIFY_FLAG" val="#wm#"/>
-  <p:tag name="KSO_WM_TEMPLATE_CATEGORY" val="custom"/>
-  <p:tag name="KSO_WM_TEMPLATE_INDEX" val="160402"/>
-  <p:tag name="KSO_WM_SPECIAL_SOURCE" val="bdnull"/>
+  <p:tag name="KSO_WM_UNIT_PLACING_PICTURE_USER_VIEWPORT" val="{&quot;height&quot;:3984,&quot;width&quot;:7719}"/>
 </p:tagLst>
 </file>
 
 <file path=ppt/tags/tag46.xml><?xml version="1.0" encoding="utf-8"?>
 <p:tagLst xmlns:p="http://schemas.openxmlformats.org/presentationml/2006/main">
-  <p:tag name="KSO_WM_BEAUTIFY_FLAG" val="#wm#"/>
-  <p:tag name="KSO_WM_TEMPLATE_CATEGORY" val="custom"/>
-  <p:tag name="KSO_WM_TEMPLATE_INDEX" val="160402"/>
-  <p:tag name="KSO_WM_SPECIAL_SOURCE" val="bdnull"/>
+  <p:tag name="KSO_WM_UNIT_PLACING_PICTURE_USER_VIEWPORT" val="{&quot;height&quot;:4774,&quot;width&quot;:9249}"/>
 </p:tagLst>
 </file>
 
@@ -16386,6 +17091,78 @@
 </file>
 
 <file path=ppt/tags/tag51.xml><?xml version="1.0" encoding="utf-8"?>
+<p:tagLst xmlns:p="http://schemas.openxmlformats.org/presentationml/2006/main">
+  <p:tag name="KSO_WM_BEAUTIFY_FLAG" val="#wm#"/>
+  <p:tag name="KSO_WM_TEMPLATE_CATEGORY" val="custom"/>
+  <p:tag name="KSO_WM_TEMPLATE_INDEX" val="160402"/>
+  <p:tag name="KSO_WM_SPECIAL_SOURCE" val="bdnull"/>
+</p:tagLst>
+</file>
+
+<file path=ppt/tags/tag52.xml><?xml version="1.0" encoding="utf-8"?>
+<p:tagLst xmlns:p="http://schemas.openxmlformats.org/presentationml/2006/main">
+  <p:tag name="KSO_WM_BEAUTIFY_FLAG" val="#wm#"/>
+  <p:tag name="KSO_WM_TEMPLATE_CATEGORY" val="custom"/>
+  <p:tag name="KSO_WM_TEMPLATE_INDEX" val="160402"/>
+  <p:tag name="KSO_WM_SPECIAL_SOURCE" val="bdnull"/>
+</p:tagLst>
+</file>
+
+<file path=ppt/tags/tag53.xml><?xml version="1.0" encoding="utf-8"?>
+<p:tagLst xmlns:p="http://schemas.openxmlformats.org/presentationml/2006/main">
+  <p:tag name="KSO_WM_BEAUTIFY_FLAG" val="#wm#"/>
+  <p:tag name="KSO_WM_TEMPLATE_CATEGORY" val="custom"/>
+  <p:tag name="KSO_WM_TEMPLATE_INDEX" val="160402"/>
+  <p:tag name="KSO_WM_SPECIAL_SOURCE" val="bdnull"/>
+</p:tagLst>
+</file>
+
+<file path=ppt/tags/tag54.xml><?xml version="1.0" encoding="utf-8"?>
+<p:tagLst xmlns:p="http://schemas.openxmlformats.org/presentationml/2006/main">
+  <p:tag name="KSO_WM_BEAUTIFY_FLAG" val="#wm#"/>
+  <p:tag name="KSO_WM_TEMPLATE_CATEGORY" val="custom"/>
+  <p:tag name="KSO_WM_TEMPLATE_INDEX" val="160402"/>
+  <p:tag name="KSO_WM_SPECIAL_SOURCE" val="bdnull"/>
+</p:tagLst>
+</file>
+
+<file path=ppt/tags/tag55.xml><?xml version="1.0" encoding="utf-8"?>
+<p:tagLst xmlns:p="http://schemas.openxmlformats.org/presentationml/2006/main">
+  <p:tag name="KSO_WM_BEAUTIFY_FLAG" val="#wm#"/>
+  <p:tag name="KSO_WM_TEMPLATE_CATEGORY" val="custom"/>
+  <p:tag name="KSO_WM_TEMPLATE_INDEX" val="160402"/>
+  <p:tag name="KSO_WM_SPECIAL_SOURCE" val="bdnull"/>
+</p:tagLst>
+</file>
+
+<file path=ppt/tags/tag56.xml><?xml version="1.0" encoding="utf-8"?>
+<p:tagLst xmlns:p="http://schemas.openxmlformats.org/presentationml/2006/main">
+  <p:tag name="KSO_WM_BEAUTIFY_FLAG" val="#wm#"/>
+  <p:tag name="KSO_WM_TEMPLATE_CATEGORY" val="custom"/>
+  <p:tag name="KSO_WM_TEMPLATE_INDEX" val="160402"/>
+  <p:tag name="KSO_WM_SPECIAL_SOURCE" val="bdnull"/>
+</p:tagLst>
+</file>
+
+<file path=ppt/tags/tag57.xml><?xml version="1.0" encoding="utf-8"?>
+<p:tagLst xmlns:p="http://schemas.openxmlformats.org/presentationml/2006/main">
+  <p:tag name="KSO_WM_BEAUTIFY_FLAG" val="#wm#"/>
+  <p:tag name="KSO_WM_TEMPLATE_CATEGORY" val="custom"/>
+  <p:tag name="KSO_WM_TEMPLATE_INDEX" val="160402"/>
+  <p:tag name="KSO_WM_SPECIAL_SOURCE" val="bdnull"/>
+</p:tagLst>
+</file>
+
+<file path=ppt/tags/tag58.xml><?xml version="1.0" encoding="utf-8"?>
+<p:tagLst xmlns:p="http://schemas.openxmlformats.org/presentationml/2006/main">
+  <p:tag name="KSO_WM_BEAUTIFY_FLAG" val="#wm#"/>
+  <p:tag name="KSO_WM_TEMPLATE_CATEGORY" val="custom"/>
+  <p:tag name="KSO_WM_TEMPLATE_INDEX" val="160402"/>
+  <p:tag name="KSO_WM_SPECIAL_SOURCE" val="bdnull"/>
+</p:tagLst>
+</file>
+
+<file path=ppt/tags/tag59.xml><?xml version="1.0" encoding="utf-8"?>
 <p:tagLst xmlns:p="http://schemas.openxmlformats.org/presentationml/2006/main">
   <p:tag name="KSO_DOCER_TEMPLATE_OPEN_ONCE_MARK" val="1"/>
   <p:tag name="COMMONDATA" val="eyJoZGlkIjoiYjRhZjQ5NWVmZmQxNmM3NmNkNDYxNWRmNzNmMjA1ZDAifQ=="/>
